--- a/Courses/Software-Sciences/Module-4-Information-Systems-New/03-Introduction-to-ORM/03-Introduction-to-ORM.pptx
+++ b/Courses/Software-Sciences/Module-4-Information-Systems-New/03-Introduction-to-ORM/03-Introduction-to-ORM.pptx
@@ -5,10 +5,10 @@
     <p:sldMasterId id="2147483675" r:id="rId1"/>
   </p:sldMasterIdLst>
   <p:notesMasterIdLst>
-    <p:notesMasterId r:id="rId41"/>
+    <p:notesMasterId r:id="rId43"/>
   </p:notesMasterIdLst>
   <p:handoutMasterIdLst>
-    <p:handoutMasterId r:id="rId42"/>
+    <p:handoutMasterId r:id="rId44"/>
   </p:handoutMasterIdLst>
   <p:sldIdLst>
     <p:sldId id="503" r:id="rId2"/>
@@ -46,10 +46,12 @@
     <p:sldId id="712" r:id="rId34"/>
     <p:sldId id="714" r:id="rId35"/>
     <p:sldId id="715" r:id="rId36"/>
-    <p:sldId id="716" r:id="rId37"/>
-    <p:sldId id="633" r:id="rId38"/>
-    <p:sldId id="504" r:id="rId39"/>
-    <p:sldId id="505" r:id="rId40"/>
+    <p:sldId id="720" r:id="rId37"/>
+    <p:sldId id="721" r:id="rId38"/>
+    <p:sldId id="722" r:id="rId39"/>
+    <p:sldId id="633" r:id="rId40"/>
+    <p:sldId id="504" r:id="rId41"/>
+    <p:sldId id="505" r:id="rId42"/>
   </p:sldIdLst>
   <p:sldSz cx="12192000" cy="6858000"/>
   <p:notesSz cx="6858000" cy="9144000"/>
@@ -216,7 +218,9 @@
             <p14:sldId id="712"/>
             <p14:sldId id="714"/>
             <p14:sldId id="715"/>
-            <p14:sldId id="716"/>
+            <p14:sldId id="720"/>
+            <p14:sldId id="721"/>
+            <p14:sldId id="722"/>
           </p14:sldIdLst>
         </p14:section>
         <p14:section name="Заключение" id="{E19D07F1-86E2-47E9-B2AB-7ADC4F89DC12}">
@@ -5061,7 +5065,7 @@
             <a:fld id="{3EBA5BD7-F043-4D1B-AA17-CD412FC534DE}" type="slidenum">
               <a:rPr lang="en-US" smtClean="0"/>
               <a:pPr/>
-              <a:t>37</a:t>
+              <a:t>39</a:t>
             </a:fld>
             <a:endParaRPr lang="en-US" dirty="0"/>
           </a:p>
@@ -5307,7 +5311,7 @@
             <a:fld id="{3EBA5BD7-F043-4D1B-AA17-CD412FC534DE}" type="slidenum">
               <a:rPr lang="en-US" smtClean="0"/>
               <a:pPr/>
-              <a:t>38</a:t>
+              <a:t>40</a:t>
             </a:fld>
             <a:endParaRPr lang="en-US" dirty="0"/>
           </a:p>
@@ -5537,7 +5541,7 @@
             <a:fld id="{3EBA5BD7-F043-4D1B-AA17-CD412FC534DE}" type="slidenum">
               <a:rPr lang="en-US" smtClean="0"/>
               <a:pPr/>
-              <a:t>39</a:t>
+              <a:t>41</a:t>
             </a:fld>
             <a:endParaRPr lang="en-US" dirty="0"/>
           </a:p>
@@ -13975,8 +13979,12 @@
               <a:t>Създаване на </a:t>
             </a:r>
             <a:r>
+              <a:rPr lang="en-US" dirty="0" err="1"/>
+              <a:t>DBContext</a:t>
+            </a:r>
+            <a:r>
               <a:rPr lang="en-US" dirty="0"/>
-              <a:t>DBContext и</a:t>
+              <a:t> и</a:t>
             </a:r>
             <a:r>
               <a:rPr lang="bg-BG" dirty="0"/>
@@ -19978,6 +19986,52 @@
           </a:p>
         </p:txBody>
       </p:sp>
+      <p:pic>
+        <p:nvPicPr>
+          <p:cNvPr id="3" name="Picture 2">
+            <a:extLst>
+              <a:ext uri="{FF2B5EF4-FFF2-40B4-BE49-F238E27FC236}">
+                <a16:creationId xmlns:a16="http://schemas.microsoft.com/office/drawing/2014/main" id="{0F382E55-0ADE-828A-456F-E8F7B3609A89}"/>
+              </a:ext>
+            </a:extLst>
+          </p:cNvPr>
+          <p:cNvPicPr>
+            <a:picLocks noChangeAspect="1"/>
+          </p:cNvPicPr>
+          <p:nvPr/>
+        </p:nvPicPr>
+        <p:blipFill>
+          <a:blip r:embed="rId3">
+            <a:extLst>
+              <a:ext uri="{28A0092B-C50C-407E-A947-70E740481C1C}">
+                <a14:useLocalDpi xmlns:a14="http://schemas.microsoft.com/office/drawing/2010/main" val="0"/>
+              </a:ext>
+            </a:extLst>
+          </a:blip>
+          <a:stretch>
+            <a:fillRect/>
+          </a:stretch>
+        </p:blipFill>
+        <p:spPr>
+          <a:xfrm>
+            <a:off x="2937373" y="774000"/>
+            <a:ext cx="6317254" cy="3817818"/>
+          </a:xfrm>
+          <a:prstGeom prst="rect">
+            <a:avLst/>
+          </a:prstGeom>
+          <a:ln>
+            <a:noFill/>
+          </a:ln>
+          <a:effectLst>
+            <a:outerShdw blurRad="190500" algn="tl" rotWithShape="0">
+              <a:srgbClr val="000000">
+                <a:alpha val="70000"/>
+              </a:srgbClr>
+            </a:outerShdw>
+          </a:effectLst>
+        </p:spPr>
+      </p:pic>
     </p:spTree>
     <p:extLst>
       <p:ext uri="{BB962C8B-B14F-4D97-AF65-F5344CB8AC3E}">
@@ -20072,12 +20126,28 @@
               <a:t>Избираме </a:t>
             </a:r>
             <a:r>
-              <a:rPr lang="en-US" dirty="0"/>
-              <a:t>Console App </a:t>
+              <a:rPr lang="en-US" b="1" dirty="0"/>
+              <a:t>Console App</a:t>
+            </a:r>
+            <a:r>
+              <a:rPr lang="en-US" b="1" dirty="0">
+                <a:solidFill>
+                  <a:schemeClr val="bg1"/>
+                </a:solidFill>
+              </a:rPr>
+              <a:t> </a:t>
             </a:r>
             <a:r>
               <a:rPr lang="bg-BG" dirty="0"/>
-              <a:t>и му задаваме подходящо име, например </a:t>
+              <a:t>и задаваме подходящо </a:t>
+            </a:r>
+            <a:r>
+              <a:rPr lang="bg-BG" b="1" dirty="0"/>
+              <a:t>име</a:t>
+            </a:r>
+            <a:r>
+              <a:rPr lang="bg-BG" dirty="0"/>
+              <a:t>, например "</a:t>
             </a:r>
             <a:r>
               <a:rPr lang="en-US" b="1" dirty="0">
@@ -20086,6 +20156,10 @@
                 </a:solidFill>
               </a:rPr>
               <a:t>GroceryStore</a:t>
+            </a:r>
+            <a:r>
+              <a:rPr lang="bg-BG" dirty="0"/>
+              <a:t>"</a:t>
             </a:r>
             <a:endParaRPr lang="en-BG" b="1" dirty="0">
               <a:solidFill>
@@ -20151,7 +20225,7 @@
         </p:blipFill>
         <p:spPr>
           <a:xfrm>
-            <a:off x="516000" y="3151787"/>
+            <a:off x="626689" y="3156190"/>
             <a:ext cx="5336859" cy="1859621"/>
           </a:xfrm>
           <a:prstGeom prst="rect">
@@ -20193,7 +20267,7 @@
         </p:blipFill>
         <p:spPr>
           <a:xfrm>
-            <a:off x="7245311" y="2254597"/>
+            <a:off x="7356000" y="2259000"/>
             <a:ext cx="4492622" cy="3654000"/>
           </a:xfrm>
           <a:prstGeom prst="rect">
@@ -20222,7 +20296,7 @@
         </p:nvSpPr>
         <p:spPr>
           <a:xfrm>
-            <a:off x="6178457" y="3960508"/>
+            <a:off x="6252926" y="3776557"/>
             <a:ext cx="813695" cy="618886"/>
           </a:xfrm>
           <a:prstGeom prst="rightArrow">
@@ -20481,7 +20555,15 @@
             </a:r>
             <a:r>
               <a:rPr lang="bg-BG" dirty="0"/>
-              <a:t> кликаме </a:t>
+              <a:t> </a:t>
+            </a:r>
+            <a:r>
+              <a:rPr lang="bg-BG" dirty="0" err="1"/>
+              <a:t>кликаме</a:t>
+            </a:r>
+            <a:r>
+              <a:rPr lang="bg-BG" dirty="0"/>
+              <a:t> </a:t>
             </a:r>
             <a:r>
               <a:rPr lang="en-US" b="1" dirty="0">
@@ -20557,7 +20639,7 @@
         </p:blipFill>
         <p:spPr>
           <a:xfrm>
-            <a:off x="654279" y="3564000"/>
+            <a:off x="654279" y="3474000"/>
             <a:ext cx="4366890" cy="1306800"/>
           </a:xfrm>
           <a:prstGeom prst="rect">
@@ -20599,7 +20681,7 @@
         </p:blipFill>
         <p:spPr>
           <a:xfrm>
-            <a:off x="6816000" y="2754000"/>
+            <a:off x="6816000" y="2664000"/>
             <a:ext cx="4729197" cy="3490598"/>
           </a:xfrm>
           <a:prstGeom prst="rect">
@@ -20628,7 +20710,7 @@
         </p:nvSpPr>
         <p:spPr>
           <a:xfrm>
-            <a:off x="5539004" y="3968146"/>
+            <a:off x="5511737" y="3817957"/>
             <a:ext cx="813695" cy="618886"/>
           </a:xfrm>
           <a:prstGeom prst="rightArrow">
@@ -20833,12 +20915,157 @@
             <p:ph type="body" sz="quarter" idx="10"/>
           </p:nvPr>
         </p:nvSpPr>
-        <p:spPr/>
+        <p:spPr>
+          <a:xfrm>
+            <a:off x="190402" y="1196125"/>
+            <a:ext cx="5091904" cy="5528766"/>
+          </a:xfrm>
+        </p:spPr>
         <p:txBody>
-          <a:bodyPr/>
+          <a:bodyPr>
+            <a:normAutofit lnSpcReduction="10000"/>
+          </a:bodyPr>
           <a:lstStyle/>
           <a:p>
+            <a:r>
+              <a:rPr lang="bg-BG" sz="2800" dirty="0"/>
+              <a:t>Свързваме се с </a:t>
+            </a:r>
+            <a:r>
+              <a:rPr lang="bg-BG" sz="2800" b="1" dirty="0"/>
+              <a:t>локалната</a:t>
+            </a:r>
+            <a:r>
+              <a:rPr lang="bg-BG" sz="2800" dirty="0"/>
+              <a:t> ни </a:t>
+            </a:r>
+            <a:r>
+              <a:rPr lang="bg-BG" sz="2800" b="1" dirty="0"/>
+              <a:t>инстанция</a:t>
+            </a:r>
+            <a:r>
+              <a:rPr lang="bg-BG" sz="2800" dirty="0"/>
+              <a:t> на </a:t>
+            </a:r>
+            <a:r>
+              <a:rPr lang="en-US" sz="2800" b="1" dirty="0">
+                <a:solidFill>
+                  <a:schemeClr val="bg1"/>
+                </a:solidFill>
+              </a:rPr>
+              <a:t>SQL </a:t>
+            </a:r>
+            <a:r>
+              <a:rPr lang="bg-BG" sz="2800" b="1" dirty="0">
+                <a:solidFill>
+                  <a:schemeClr val="bg1"/>
+                </a:solidFill>
+              </a:rPr>
+              <a:t>сървъра</a:t>
+            </a:r>
+          </a:p>
+          <a:p>
+            <a:pPr lvl="1"/>
+            <a:r>
+              <a:rPr lang="bg-BG" sz="2400" dirty="0"/>
+              <a:t>На </a:t>
+            </a:r>
+            <a:r>
+              <a:rPr lang="en-US" sz="2400" b="1" dirty="0">
+                <a:solidFill>
+                  <a:schemeClr val="bg1"/>
+                </a:solidFill>
+              </a:rPr>
+              <a:t>Server name</a:t>
+            </a:r>
+            <a:r>
+              <a:rPr lang="en-US" sz="2400" dirty="0"/>
+              <a:t>,</a:t>
+            </a:r>
+            <a:r>
+              <a:rPr lang="bg-BG" sz="2400" dirty="0"/>
+              <a:t> попълваме:</a:t>
+            </a:r>
+          </a:p>
+          <a:p>
+            <a:pPr lvl="1"/>
             <a:endParaRPr lang="bg-BG" dirty="0"/>
+          </a:p>
+          <a:p>
+            <a:r>
+              <a:rPr lang="bg-BG" sz="2800" dirty="0"/>
+              <a:t>Създаваме </a:t>
+            </a:r>
+            <a:r>
+              <a:rPr lang="bg-BG" sz="2800" b="1" dirty="0">
+                <a:solidFill>
+                  <a:schemeClr val="bg1"/>
+                </a:solidFill>
+              </a:rPr>
+              <a:t>база данни</a:t>
+            </a:r>
+          </a:p>
+          <a:p>
+            <a:pPr lvl="1"/>
+            <a:r>
+              <a:rPr lang="bg-BG" sz="2400" dirty="0"/>
+              <a:t>В полето </a:t>
+            </a:r>
+            <a:r>
+              <a:rPr lang="en-US" sz="2400" b="1" dirty="0"/>
+              <a:t>Select or enter a database name</a:t>
+            </a:r>
+            <a:r>
+              <a:rPr lang="en-US" sz="2400" dirty="0"/>
+              <a:t>,</a:t>
+            </a:r>
+            <a:r>
+              <a:rPr lang="bg-BG" sz="2400" dirty="0"/>
+              <a:t> задаваме </a:t>
+            </a:r>
+            <a:r>
+              <a:rPr lang="bg-BG" sz="2400" b="1" dirty="0">
+                <a:solidFill>
+                  <a:schemeClr val="bg1"/>
+                </a:solidFill>
+              </a:rPr>
+              <a:t>подходящо име</a:t>
+            </a:r>
+            <a:r>
+              <a:rPr lang="en-US" sz="2400" dirty="0"/>
+              <a:t>:</a:t>
+            </a:r>
+          </a:p>
+          <a:p>
+            <a:pPr lvl="1"/>
+            <a:endParaRPr lang="en-US" sz="2400" dirty="0"/>
+          </a:p>
+          <a:p>
+            <a:r>
+              <a:rPr lang="bg-BG" sz="2600" b="1" dirty="0"/>
+              <a:t>Тестваме</a:t>
+            </a:r>
+            <a:r>
+              <a:rPr lang="bg-BG" sz="2600" dirty="0"/>
+              <a:t> връзката със сървъра и избираме</a:t>
+            </a:r>
+            <a:r>
+              <a:rPr lang="en-US" sz="2600" dirty="0"/>
+              <a:t> </a:t>
+            </a:r>
+            <a:r>
+              <a:rPr lang="en-US" sz="2600" b="1" dirty="0">
+                <a:solidFill>
+                  <a:schemeClr val="bg1"/>
+                </a:solidFill>
+              </a:rPr>
+              <a:t>OK</a:t>
+            </a:r>
+            <a:endParaRPr lang="bg-BG" sz="2600" b="1" dirty="0">
+              <a:solidFill>
+                <a:schemeClr val="bg1"/>
+              </a:solidFill>
+            </a:endParaRPr>
           </a:p>
         </p:txBody>
       </p:sp>
@@ -20901,7 +21128,7 @@
         </p:blipFill>
         <p:spPr>
           <a:xfrm>
-            <a:off x="786000" y="1416165"/>
+            <a:off x="5218436" y="1414040"/>
             <a:ext cx="3690000" cy="5088686"/>
           </a:xfrm>
           <a:prstGeom prst="rect">
@@ -20944,8 +21171,8 @@
         </p:blipFill>
         <p:spPr>
           <a:xfrm>
-            <a:off x="7311000" y="2664000"/>
-            <a:ext cx="2959100" cy="2057400"/>
+            <a:off x="9623095" y="3297426"/>
+            <a:ext cx="2129935" cy="1480899"/>
           </a:xfrm>
           <a:prstGeom prst="rect">
             <a:avLst/>
@@ -20973,8 +21200,8 @@
         </p:nvSpPr>
         <p:spPr>
           <a:xfrm>
-            <a:off x="5486652" y="3429000"/>
-            <a:ext cx="813695" cy="618886"/>
+            <a:off x="8996578" y="3958383"/>
+            <a:ext cx="538374" cy="275060"/>
           </a:xfrm>
           <a:prstGeom prst="rightArrow">
             <a:avLst/>
@@ -21009,7 +21236,139 @@
           <a:lstStyle/>
           <a:p>
             <a:pPr algn="ctr"/>
-            <a:endParaRPr lang="en-US" sz="2799"/>
+            <a:endParaRPr lang="en-US" sz="2799" dirty="0"/>
+          </a:p>
+        </p:txBody>
+      </p:sp>
+      <p:sp>
+        <p:nvSpPr>
+          <p:cNvPr id="5" name="Text Placeholder 5">
+            <a:extLst>
+              <a:ext uri="{FF2B5EF4-FFF2-40B4-BE49-F238E27FC236}">
+                <a16:creationId xmlns:a16="http://schemas.microsoft.com/office/drawing/2014/main" id="{6CBA8921-1D4C-1C7C-9EFF-0DDCF30A4715}"/>
+              </a:ext>
+            </a:extLst>
+          </p:cNvPr>
+          <p:cNvSpPr txBox="1">
+            <a:spLocks/>
+          </p:cNvSpPr>
+          <p:nvPr/>
+        </p:nvSpPr>
+        <p:spPr>
+          <a:xfrm>
+            <a:off x="1081911" y="2753231"/>
+            <a:ext cx="3889090" cy="369332"/>
+          </a:xfrm>
+          <a:prstGeom prst="rect">
+            <a:avLst/>
+          </a:prstGeom>
+          <a:solidFill>
+            <a:schemeClr val="accent5">
+              <a:lumMod val="40000"/>
+              <a:lumOff val="60000"/>
+              <a:alpha val="15000"/>
+            </a:schemeClr>
+          </a:solidFill>
+          <a:ln w="12700">
+            <a:solidFill>
+              <a:schemeClr val="accent5">
+                <a:lumMod val="60000"/>
+                <a:lumOff val="40000"/>
+              </a:schemeClr>
+            </a:solidFill>
+          </a:ln>
+        </p:spPr>
+        <p:txBody>
+          <a:bodyPr wrap="square">
+            <a:spAutoFit/>
+          </a:bodyPr>
+          <a:lstStyle/>
+          <a:p>
+            <a:pPr eaLnBrk="0" hangingPunct="0">
+              <a:lnSpc>
+                <a:spcPct val="90000"/>
+              </a:lnSpc>
+              <a:buClr>
+                <a:schemeClr val="accent5">
+                  <a:lumMod val="40000"/>
+                  <a:lumOff val="60000"/>
+                </a:schemeClr>
+              </a:buClr>
+              <a:buSzPct val="70000"/>
+            </a:pPr>
+            <a:r>
+              <a:rPr lang="en-US" sz="2000" b="1" noProof="1">
+                <a:latin typeface="Consolas" pitchFamily="49" charset="0"/>
+                <a:cs typeface="Consolas" pitchFamily="49" charset="0"/>
+              </a:rPr>
+              <a:t>(localdb)\MSSQLLocalDB</a:t>
+            </a:r>
+          </a:p>
+        </p:txBody>
+      </p:sp>
+      <p:sp>
+        <p:nvSpPr>
+          <p:cNvPr id="6" name="Text Placeholder 5">
+            <a:extLst>
+              <a:ext uri="{FF2B5EF4-FFF2-40B4-BE49-F238E27FC236}">
+                <a16:creationId xmlns:a16="http://schemas.microsoft.com/office/drawing/2014/main" id="{D39C6D42-DAB3-90E6-5943-94D9E0E3A2D4}"/>
+              </a:ext>
+            </a:extLst>
+          </p:cNvPr>
+          <p:cNvSpPr txBox="1">
+            <a:spLocks/>
+          </p:cNvSpPr>
+          <p:nvPr/>
+        </p:nvSpPr>
+        <p:spPr>
+          <a:xfrm>
+            <a:off x="1081911" y="5049000"/>
+            <a:ext cx="3889090" cy="369332"/>
+          </a:xfrm>
+          <a:prstGeom prst="rect">
+            <a:avLst/>
+          </a:prstGeom>
+          <a:solidFill>
+            <a:schemeClr val="accent5">
+              <a:lumMod val="40000"/>
+              <a:lumOff val="60000"/>
+              <a:alpha val="15000"/>
+            </a:schemeClr>
+          </a:solidFill>
+          <a:ln w="12700">
+            <a:solidFill>
+              <a:schemeClr val="accent5">
+                <a:lumMod val="60000"/>
+                <a:lumOff val="40000"/>
+              </a:schemeClr>
+            </a:solidFill>
+          </a:ln>
+        </p:spPr>
+        <p:txBody>
+          <a:bodyPr wrap="square">
+            <a:spAutoFit/>
+          </a:bodyPr>
+          <a:lstStyle/>
+          <a:p>
+            <a:pPr eaLnBrk="0" hangingPunct="0">
+              <a:lnSpc>
+                <a:spcPct val="90000"/>
+              </a:lnSpc>
+              <a:buClr>
+                <a:schemeClr val="accent5">
+                  <a:lumMod val="40000"/>
+                  <a:lumOff val="60000"/>
+                </a:schemeClr>
+              </a:buClr>
+              <a:buSzPct val="70000"/>
+            </a:pPr>
+            <a:r>
+              <a:rPr lang="en-US" sz="2000" b="1" noProof="1">
+                <a:latin typeface="Consolas" pitchFamily="49" charset="0"/>
+                <a:cs typeface="Consolas" pitchFamily="49" charset="0"/>
+              </a:rPr>
+              <a:t>DatabaseFirst.Grocerystore</a:t>
+            </a:r>
           </a:p>
         </p:txBody>
       </p:sp>
@@ -21087,6 +21446,96 @@
                       </p:childTnLst>
                     </p:cTn>
                   </p:par>
+                  <p:par>
+                    <p:cTn id="7" fill="hold">
+                      <p:stCondLst>
+                        <p:cond delay="indefinite"/>
+                      </p:stCondLst>
+                      <p:childTnLst>
+                        <p:par>
+                          <p:cTn id="8" fill="hold">
+                            <p:stCondLst>
+                              <p:cond delay="0"/>
+                            </p:stCondLst>
+                            <p:childTnLst>
+                              <p:par>
+                                <p:cTn id="9" presetID="1" presetClass="entr" presetSubtype="0" fill="hold" grpId="0" nodeType="clickEffect">
+                                  <p:stCondLst>
+                                    <p:cond delay="0"/>
+                                  </p:stCondLst>
+                                  <p:childTnLst>
+                                    <p:set>
+                                      <p:cBhvr>
+                                        <p:cTn id="10" dur="1" fill="hold">
+                                          <p:stCondLst>
+                                            <p:cond delay="0"/>
+                                          </p:stCondLst>
+                                        </p:cTn>
+                                        <p:tgtEl>
+                                          <p:spTgt spid="5"/>
+                                        </p:tgtEl>
+                                        <p:attrNameLst>
+                                          <p:attrName>style.visibility</p:attrName>
+                                        </p:attrNameLst>
+                                      </p:cBhvr>
+                                      <p:to>
+                                        <p:strVal val="visible"/>
+                                      </p:to>
+                                    </p:set>
+                                  </p:childTnLst>
+                                </p:cTn>
+                              </p:par>
+                            </p:childTnLst>
+                          </p:cTn>
+                        </p:par>
+                      </p:childTnLst>
+                    </p:cTn>
+                  </p:par>
+                  <p:par>
+                    <p:cTn id="11" fill="hold">
+                      <p:stCondLst>
+                        <p:cond delay="indefinite"/>
+                      </p:stCondLst>
+                      <p:childTnLst>
+                        <p:par>
+                          <p:cTn id="12" fill="hold">
+                            <p:stCondLst>
+                              <p:cond delay="0"/>
+                            </p:stCondLst>
+                            <p:childTnLst>
+                              <p:par>
+                                <p:cTn id="13" presetID="1" presetClass="entr" presetSubtype="0" fill="hold" grpId="0" nodeType="clickEffect">
+                                  <p:stCondLst>
+                                    <p:cond delay="0"/>
+                                  </p:stCondLst>
+                                  <p:childTnLst>
+                                    <p:set>
+                                      <p:cBhvr>
+                                        <p:cTn id="14" dur="1" fill="hold">
+                                          <p:stCondLst>
+                                            <p:cond delay="0"/>
+                                          </p:stCondLst>
+                                        </p:cTn>
+                                        <p:tgtEl>
+                                          <p:spTgt spid="6"/>
+                                        </p:tgtEl>
+                                        <p:attrNameLst>
+                                          <p:attrName>style.visibility</p:attrName>
+                                        </p:attrNameLst>
+                                      </p:cBhvr>
+                                      <p:to>
+                                        <p:strVal val="visible"/>
+                                      </p:to>
+                                    </p:set>
+                                  </p:childTnLst>
+                                </p:cTn>
+                              </p:par>
+                            </p:childTnLst>
+                          </p:cTn>
+                        </p:par>
+                      </p:childTnLst>
+                    </p:cTn>
+                  </p:par>
                 </p:childTnLst>
               </p:cTn>
               <p:prevCondLst>
@@ -21110,6 +21559,8 @@
     </p:tnLst>
     <p:bldLst>
       <p:bldP spid="13" grpId="0" animBg="1"/>
+      <p:bldP spid="5" grpId="0" animBg="1"/>
+      <p:bldP spid="6" grpId="0" animBg="1"/>
     </p:bldLst>
   </p:timing>
 </p:sld>
@@ -21320,7 +21771,39 @@
           <a:p>
             <a:r>
               <a:rPr lang="bg-BG" dirty="0"/>
-              <a:t>Кликаме върху създадената база данни с десен бутон и избираме </a:t>
+              <a:t>Избираме да създадем </a:t>
+            </a:r>
+            <a:r>
+              <a:rPr lang="bg-BG" b="1" dirty="0">
+                <a:solidFill>
+                  <a:schemeClr val="bg1"/>
+                </a:solidFill>
+              </a:rPr>
+              <a:t>нова</a:t>
+            </a:r>
+            <a:r>
+              <a:rPr lang="bg-BG" dirty="0"/>
+              <a:t> база данни</a:t>
+            </a:r>
+          </a:p>
+          <a:p>
+            <a:r>
+              <a:rPr lang="bg-BG" dirty="0"/>
+              <a:t>Новата база данни може да я намерим в </a:t>
+            </a:r>
+            <a:r>
+              <a:rPr lang="en-US" b="1" dirty="0">
+                <a:solidFill>
+                  <a:schemeClr val="bg1"/>
+                </a:solidFill>
+              </a:rPr>
+              <a:t>Server Explorer</a:t>
+            </a:r>
+          </a:p>
+          <a:p>
+            <a:r>
+              <a:rPr lang="bg-BG" dirty="0"/>
+              <a:t>Кликаме върху нея с десен бутон и избираме </a:t>
             </a:r>
             <a:r>
               <a:rPr lang="bg-BG" b="1" dirty="0">
@@ -21369,7 +21852,7 @@
           <a:p>
             <a:r>
               <a:rPr lang="bg-BG" dirty="0"/>
-              <a:t>Създаване на таблица</a:t>
+              <a:t>Създаване на база данни</a:t>
             </a:r>
             <a:endParaRPr lang="en-BG" dirty="0"/>
           </a:p>
@@ -21403,8 +21886,8 @@
         </p:blipFill>
         <p:spPr>
           <a:xfrm>
-            <a:off x="6547916" y="3178078"/>
-            <a:ext cx="5003135" cy="2306054"/>
+            <a:off x="7007698" y="3816125"/>
+            <a:ext cx="4043843" cy="1863896"/>
           </a:xfrm>
           <a:prstGeom prst="rect">
             <a:avLst/>
@@ -21440,14 +21923,13 @@
               </a:ext>
             </a:extLst>
           </a:blip>
-          <a:stretch>
-            <a:fillRect/>
-          </a:stretch>
+          <a:srcRect/>
+          <a:stretch/>
         </p:blipFill>
         <p:spPr>
           <a:xfrm>
-            <a:off x="438970" y="3048405"/>
-            <a:ext cx="5651500" cy="2565400"/>
+            <a:off x="561000" y="3816153"/>
+            <a:ext cx="4268485" cy="1863841"/>
           </a:xfrm>
           <a:prstGeom prst="rect">
             <a:avLst/>
@@ -21461,6 +21943,60 @@
           </a:ln>
         </p:spPr>
       </p:pic>
+      <p:sp>
+        <p:nvSpPr>
+          <p:cNvPr id="5" name="Arrow: Right 10">
+            <a:extLst>
+              <a:ext uri="{FF2B5EF4-FFF2-40B4-BE49-F238E27FC236}">
+                <a16:creationId xmlns:a16="http://schemas.microsoft.com/office/drawing/2014/main" id="{2DA029BA-410F-AC02-881B-7EE1E3D83095}"/>
+              </a:ext>
+            </a:extLst>
+          </p:cNvPr>
+          <p:cNvSpPr/>
+          <p:nvPr/>
+        </p:nvSpPr>
+        <p:spPr>
+          <a:xfrm>
+            <a:off x="5510796" y="4438630"/>
+            <a:ext cx="813695" cy="618886"/>
+          </a:xfrm>
+          <a:prstGeom prst="rightArrow">
+            <a:avLst/>
+          </a:prstGeom>
+          <a:solidFill>
+            <a:schemeClr val="tx1"/>
+          </a:solidFill>
+          <a:ln>
+            <a:solidFill>
+              <a:schemeClr val="tx1"/>
+            </a:solidFill>
+          </a:ln>
+        </p:spPr>
+        <p:style>
+          <a:lnRef idx="2">
+            <a:schemeClr val="accent1">
+              <a:shade val="50000"/>
+            </a:schemeClr>
+          </a:lnRef>
+          <a:fillRef idx="1">
+            <a:schemeClr val="accent1"/>
+          </a:fillRef>
+          <a:effectRef idx="0">
+            <a:schemeClr val="accent1"/>
+          </a:effectRef>
+          <a:fontRef idx="minor">
+            <a:schemeClr val="lt1"/>
+          </a:fontRef>
+        </p:style>
+        <p:txBody>
+          <a:bodyPr rtlCol="0" anchor="ctr"/>
+          <a:lstStyle/>
+          <a:p>
+            <a:pPr algn="ctr"/>
+            <a:endParaRPr lang="en-US" sz="2799"/>
+          </a:p>
+        </p:txBody>
+      </p:sp>
     </p:spTree>
     <p:extLst>
       <p:ext uri="{BB962C8B-B14F-4D97-AF65-F5344CB8AC3E}">
@@ -21479,6 +22015,87 @@
       <p:transition spd="slow" advClick="0" advTm="5000"/>
     </mc:Fallback>
   </mc:AlternateContent>
+  <p:timing>
+    <p:tnLst>
+      <p:par>
+        <p:cTn id="1" dur="indefinite" restart="never" nodeType="tmRoot">
+          <p:childTnLst>
+            <p:seq concurrent="1" nextAc="seek">
+              <p:cTn id="2" dur="indefinite" nodeType="mainSeq">
+                <p:childTnLst>
+                  <p:par>
+                    <p:cTn id="3" fill="hold">
+                      <p:stCondLst>
+                        <p:cond delay="indefinite"/>
+                        <p:cond evt="onBegin" delay="0">
+                          <p:tn val="2"/>
+                        </p:cond>
+                      </p:stCondLst>
+                      <p:childTnLst>
+                        <p:par>
+                          <p:cTn id="4" fill="hold">
+                            <p:stCondLst>
+                              <p:cond delay="0"/>
+                            </p:stCondLst>
+                            <p:childTnLst>
+                              <p:par>
+                                <p:cTn id="5" presetID="1" presetClass="entr" presetSubtype="0" fill="hold" grpId="0" nodeType="withEffect">
+                                  <p:stCondLst>
+                                    <p:cond delay="0"/>
+                                  </p:stCondLst>
+                                  <p:childTnLst>
+                                    <p:set>
+                                      <p:cBhvr>
+                                        <p:cTn id="6" dur="1" fill="hold">
+                                          <p:stCondLst>
+                                            <p:cond delay="0"/>
+                                          </p:stCondLst>
+                                        </p:cTn>
+                                        <p:tgtEl>
+                                          <p:spTgt spid="5"/>
+                                        </p:tgtEl>
+                                        <p:attrNameLst>
+                                          <p:attrName>style.visibility</p:attrName>
+                                        </p:attrNameLst>
+                                      </p:cBhvr>
+                                      <p:to>
+                                        <p:strVal val="visible"/>
+                                      </p:to>
+                                    </p:set>
+                                  </p:childTnLst>
+                                </p:cTn>
+                              </p:par>
+                            </p:childTnLst>
+                          </p:cTn>
+                        </p:par>
+                      </p:childTnLst>
+                    </p:cTn>
+                  </p:par>
+                </p:childTnLst>
+              </p:cTn>
+              <p:prevCondLst>
+                <p:cond evt="onPrev" delay="0">
+                  <p:tgtEl>
+                    <p:sldTgt/>
+                  </p:tgtEl>
+                </p:cond>
+              </p:prevCondLst>
+              <p:nextCondLst>
+                <p:cond evt="onNext" delay="0">
+                  <p:tgtEl>
+                    <p:sldTgt/>
+                  </p:tgtEl>
+                </p:cond>
+              </p:nextCondLst>
+            </p:seq>
+          </p:childTnLst>
+        </p:cTn>
+      </p:par>
+    </p:tnLst>
+    <p:bldLst>
+      <p:bldP spid="5" grpId="0" animBg="1"/>
+    </p:bldLst>
+  </p:timing>
 </p:sld>
 </file>
 
@@ -21547,15 +22164,59 @@
         </p:nvSpPr>
         <p:spPr/>
         <p:txBody>
-          <a:bodyPr/>
+          <a:bodyPr>
+            <a:normAutofit/>
+          </a:bodyPr>
           <a:lstStyle/>
           <a:p>
             <a:r>
-              <a:rPr lang="bg-BG" dirty="0"/>
+              <a:rPr lang="bg-BG" sz="2700" dirty="0"/>
+              <a:t>Създаваме </a:t>
+            </a:r>
+            <a:r>
+              <a:rPr lang="bg-BG" sz="2700" b="1" dirty="0">
+                <a:solidFill>
+                  <a:schemeClr val="bg1"/>
+                </a:solidFill>
+              </a:rPr>
+              <a:t>нова таблица </a:t>
+            </a:r>
+            <a:r>
+              <a:rPr lang="bg-BG" sz="2700" dirty="0"/>
+              <a:t>с продукти и </a:t>
+            </a:r>
+            <a:r>
+              <a:rPr lang="bg-BG" sz="2700" b="1" dirty="0">
+                <a:solidFill>
+                  <a:schemeClr val="bg1"/>
+                </a:solidFill>
+              </a:rPr>
+              <a:t>добавяме</a:t>
+            </a:r>
+            <a:r>
+              <a:rPr lang="bg-BG" sz="2700" dirty="0"/>
+              <a:t> няколко </a:t>
+            </a:r>
+            <a:r>
+              <a:rPr lang="bg-BG" sz="2700" b="1" dirty="0">
+                <a:solidFill>
+                  <a:schemeClr val="bg1"/>
+                </a:solidFill>
+              </a:rPr>
+              <a:t>продукта</a:t>
+            </a:r>
+            <a:r>
+              <a:rPr lang="bg-BG" sz="2700" dirty="0"/>
+              <a:t> към нея</a:t>
+            </a:r>
+          </a:p>
+          <a:p>
+            <a:r>
+              <a:rPr lang="bg-BG" sz="2700" dirty="0"/>
               <a:t>Изпълняваме дадения </a:t>
             </a:r>
             <a:r>
-              <a:rPr lang="en-US" b="1" dirty="0">
+              <a:rPr lang="en-US" sz="2700" b="1" dirty="0">
                 <a:solidFill>
                   <a:schemeClr val="bg1"/>
                 </a:solidFill>
@@ -21563,7 +22224,7 @@
               <a:t>SQL </a:t>
             </a:r>
             <a:r>
-              <a:rPr lang="bg-BG" b="1" dirty="0">
+              <a:rPr lang="bg-BG" sz="2700" b="1" dirty="0">
                 <a:solidFill>
                   <a:schemeClr val="bg1"/>
                 </a:solidFill>
@@ -21596,19 +22257,11 @@
           <a:p>
             <a:r>
               <a:rPr lang="bg-BG" dirty="0"/>
-              <a:t>Изпълняване на </a:t>
+              <a:t>Създаване и попълване на таблица </a:t>
             </a:r>
             <a:r>
               <a:rPr lang="en-US" dirty="0"/>
-              <a:t>SQL </a:t>
-            </a:r>
-            <a:r>
-              <a:rPr lang="bg-BG" dirty="0"/>
-              <a:t>скрипт</a:t>
-            </a:r>
-            <a:r>
-              <a:rPr lang="en-US" dirty="0"/>
-              <a:t> (1)</a:t>
+              <a:t>(1)</a:t>
             </a:r>
             <a:endParaRPr lang="en-BG" dirty="0"/>
           </a:p>
@@ -21630,8 +22283,8 @@
         </p:nvSpPr>
         <p:spPr>
           <a:xfrm>
-            <a:off x="417251" y="1842017"/>
-            <a:ext cx="11123749" cy="4081117"/>
+            <a:off x="595027" y="2561876"/>
+            <a:ext cx="11001946" cy="3776418"/>
           </a:xfrm>
           <a:prstGeom prst="rect">
             <a:avLst/>
@@ -21671,7 +22324,7 @@
               <a:buSzPct val="70000"/>
             </a:pPr>
             <a:r>
-              <a:rPr lang="en-US" b="1" noProof="1">
+              <a:rPr lang="en-US" sz="1600" b="1" noProof="1">
                 <a:latin typeface="Consolas" pitchFamily="49" charset="0"/>
                 <a:cs typeface="Consolas" pitchFamily="49" charset="0"/>
               </a:rPr>
@@ -21692,7 +22345,7 @@
               <a:buSzPct val="70000"/>
             </a:pPr>
             <a:r>
-              <a:rPr lang="en-US" b="1" noProof="1">
+              <a:rPr lang="en-US" sz="1600" b="1" noProof="1">
                 <a:latin typeface="Consolas" pitchFamily="49" charset="0"/>
                 <a:cs typeface="Consolas" pitchFamily="49" charset="0"/>
               </a:rPr>
@@ -21713,7 +22366,7 @@
               <a:buSzPct val="70000"/>
             </a:pPr>
             <a:r>
-              <a:rPr lang="en-US" b="1" noProof="1">
+              <a:rPr lang="en-US" sz="1600" b="1" noProof="1">
                 <a:latin typeface="Consolas" pitchFamily="49" charset="0"/>
                 <a:cs typeface="Consolas" pitchFamily="49" charset="0"/>
               </a:rPr>
@@ -21734,7 +22387,7 @@
               <a:buSzPct val="70000"/>
             </a:pPr>
             <a:r>
-              <a:rPr lang="en-US" b="1" noProof="1">
+              <a:rPr lang="en-US" sz="1600" b="1" noProof="1">
                 <a:latin typeface="Consolas" pitchFamily="49" charset="0"/>
                 <a:cs typeface="Consolas" pitchFamily="49" charset="0"/>
               </a:rPr>
@@ -21755,7 +22408,7 @@
               <a:buSzPct val="70000"/>
             </a:pPr>
             <a:r>
-              <a:rPr lang="en-US" b="1" noProof="1">
+              <a:rPr lang="en-US" sz="1600" b="1" noProof="1">
                 <a:latin typeface="Consolas" pitchFamily="49" charset="0"/>
                 <a:cs typeface="Consolas" pitchFamily="49" charset="0"/>
               </a:rPr>
@@ -21776,13 +22429,13 @@
               <a:buSzPct val="70000"/>
             </a:pPr>
             <a:br>
-              <a:rPr lang="en-US" b="1" noProof="1">
+              <a:rPr lang="en-US" sz="1600" b="1" noProof="1">
                 <a:latin typeface="Consolas" pitchFamily="49" charset="0"/>
                 <a:cs typeface="Consolas" pitchFamily="49" charset="0"/>
               </a:rPr>
             </a:br>
             <a:r>
-              <a:rPr lang="en-US" b="1" noProof="1">
+              <a:rPr lang="en-US" sz="1600" b="1" noProof="1">
                 <a:latin typeface="Consolas" pitchFamily="49" charset="0"/>
                 <a:cs typeface="Consolas" pitchFamily="49" charset="0"/>
               </a:rPr>
@@ -21803,7 +22456,7 @@
               <a:buSzPct val="70000"/>
             </a:pPr>
             <a:r>
-              <a:rPr lang="en-US" b="1" noProof="1">
+              <a:rPr lang="en-US" sz="1600" b="1" noProof="1">
                 <a:latin typeface="Consolas" pitchFamily="49" charset="0"/>
                 <a:cs typeface="Consolas" pitchFamily="49" charset="0"/>
               </a:rPr>
@@ -21824,7 +22477,7 @@
               <a:buSzPct val="70000"/>
             </a:pPr>
             <a:r>
-              <a:rPr lang="en-US" b="1" noProof="1">
+              <a:rPr lang="en-US" sz="1600" b="1" noProof="1">
                 <a:latin typeface="Consolas" pitchFamily="49" charset="0"/>
                 <a:cs typeface="Consolas" pitchFamily="49" charset="0"/>
               </a:rPr>
@@ -21845,7 +22498,7 @@
               <a:buSzPct val="70000"/>
             </a:pPr>
             <a:r>
-              <a:rPr lang="en-US" b="1" noProof="1">
+              <a:rPr lang="en-US" sz="1600" b="1" noProof="1">
                 <a:latin typeface="Consolas" pitchFamily="49" charset="0"/>
                 <a:cs typeface="Consolas" pitchFamily="49" charset="0"/>
               </a:rPr>
@@ -21866,7 +22519,7 @@
               <a:buSzPct val="70000"/>
             </a:pPr>
             <a:r>
-              <a:rPr lang="en-US" b="1" noProof="1">
+              <a:rPr lang="en-US" sz="1600" b="1" noProof="1">
                 <a:latin typeface="Consolas" pitchFamily="49" charset="0"/>
                 <a:cs typeface="Consolas" pitchFamily="49" charset="0"/>
               </a:rPr>
@@ -21887,7 +22540,7 @@
               <a:buSzPct val="70000"/>
             </a:pPr>
             <a:r>
-              <a:rPr lang="en-US" b="1" noProof="1">
+              <a:rPr lang="en-US" sz="1600" b="1" noProof="1">
                 <a:latin typeface="Consolas" pitchFamily="49" charset="0"/>
                 <a:cs typeface="Consolas" pitchFamily="49" charset="0"/>
               </a:rPr>
@@ -21908,7 +22561,7 @@
               <a:buSzPct val="70000"/>
             </a:pPr>
             <a:r>
-              <a:rPr lang="en-US" b="1" noProof="1">
+              <a:rPr lang="en-US" sz="1600" b="1" noProof="1">
                 <a:latin typeface="Consolas" pitchFamily="49" charset="0"/>
                 <a:cs typeface="Consolas" pitchFamily="49" charset="0"/>
               </a:rPr>
@@ -21929,7 +22582,7 @@
               <a:buSzPct val="70000"/>
             </a:pPr>
             <a:r>
-              <a:rPr lang="en-US" b="1" noProof="1">
+              <a:rPr lang="en-US" sz="1600" b="1" noProof="1">
                 <a:latin typeface="Consolas" pitchFamily="49" charset="0"/>
                 <a:cs typeface="Consolas" pitchFamily="49" charset="0"/>
               </a:rPr>
@@ -21950,7 +22603,7 @@
               <a:buSzPct val="70000"/>
             </a:pPr>
             <a:r>
-              <a:rPr lang="en-US" b="1" noProof="1">
+              <a:rPr lang="en-US" sz="1600" b="1" noProof="1">
                 <a:latin typeface="Consolas" pitchFamily="49" charset="0"/>
                 <a:cs typeface="Consolas" pitchFamily="49" charset="0"/>
               </a:rPr>
@@ -21971,7 +22624,7 @@
               <a:buSzPct val="70000"/>
             </a:pPr>
             <a:r>
-              <a:rPr lang="en-US" b="1" noProof="1">
+              <a:rPr lang="en-US" sz="1600" b="1" noProof="1">
                 <a:latin typeface="Consolas" pitchFamily="49" charset="0"/>
                 <a:cs typeface="Consolas" pitchFamily="49" charset="0"/>
               </a:rPr>
@@ -22187,22 +22840,24 @@
         </p:nvSpPr>
         <p:spPr/>
         <p:txBody>
-          <a:bodyPr/>
+          <a:bodyPr>
+            <a:normAutofit/>
+          </a:bodyPr>
           <a:lstStyle/>
           <a:p>
             <a:r>
-              <a:rPr lang="bg-BG" dirty="0"/>
+              <a:rPr lang="bg-BG" sz="3200" dirty="0"/>
               <a:t>Кликаме върху </a:t>
             </a:r>
             <a:r>
-              <a:rPr lang="en-US" b="1" dirty="0">
+              <a:rPr lang="en-US" sz="3200" b="1" dirty="0">
                 <a:solidFill>
                   <a:schemeClr val="bg1"/>
                 </a:solidFill>
               </a:rPr>
               <a:t>Execute</a:t>
             </a:r>
-            <a:endParaRPr lang="bg-BG" b="1" dirty="0">
+            <a:endParaRPr lang="bg-BG" sz="3200" b="1" dirty="0">
               <a:solidFill>
                 <a:schemeClr val="bg1"/>
               </a:solidFill>
@@ -22210,19 +22865,19 @@
           </a:p>
           <a:p>
             <a:r>
-              <a:rPr lang="bg-BG" dirty="0"/>
+              <a:rPr lang="bg-BG" sz="3200" dirty="0"/>
               <a:t>Скриптът </a:t>
             </a:r>
             <a:r>
-              <a:rPr lang="bg-BG" b="1" dirty="0"/>
+              <a:rPr lang="bg-BG" sz="3200" b="1" dirty="0"/>
               <a:t>създаде</a:t>
             </a:r>
             <a:r>
-              <a:rPr lang="bg-BG" dirty="0"/>
+              <a:rPr lang="bg-BG" sz="3200" dirty="0"/>
               <a:t> таблица </a:t>
             </a:r>
             <a:r>
-              <a:rPr lang="en-US" b="1" dirty="0">
+              <a:rPr lang="en-US" sz="3200" b="1" dirty="0">
                 <a:solidFill>
                   <a:schemeClr val="bg1"/>
                 </a:solidFill>
@@ -22230,26 +22885,26 @@
               <a:t>Product</a:t>
             </a:r>
             <a:r>
-              <a:rPr lang="bg-BG" dirty="0"/>
+              <a:rPr lang="bg-BG" sz="3200" dirty="0"/>
               <a:t> и </a:t>
             </a:r>
             <a:r>
-              <a:rPr lang="bg-BG" b="1" dirty="0"/>
+              <a:rPr lang="bg-BG" sz="3200" b="1" dirty="0"/>
               <a:t>добави</a:t>
             </a:r>
             <a:r>
-              <a:rPr lang="bg-BG" dirty="0"/>
+              <a:rPr lang="bg-BG" sz="3200" dirty="0"/>
               <a:t> към нея </a:t>
             </a:r>
             <a:r>
-              <a:rPr lang="bg-BG" b="1" dirty="0">
+              <a:rPr lang="bg-BG" sz="3200" b="1" dirty="0">
                 <a:solidFill>
                   <a:schemeClr val="bg1"/>
                 </a:solidFill>
               </a:rPr>
               <a:t>продукти</a:t>
             </a:r>
-            <a:endParaRPr lang="en-BG" b="1" dirty="0">
+            <a:endParaRPr lang="en-BG" sz="3200" b="1" dirty="0">
               <a:solidFill>
                 <a:schemeClr val="bg1"/>
               </a:solidFill>
@@ -22280,19 +22935,19 @@
           <a:p>
             <a:r>
               <a:rPr lang="bg-BG" dirty="0"/>
-              <a:t>Изпълняване на </a:t>
+              <a:t>Създаване и попълване на таблица </a:t>
             </a:r>
             <a:r>
               <a:rPr lang="en-US" dirty="0"/>
-              <a:t>SQL </a:t>
+              <a:t>(</a:t>
             </a:r>
             <a:r>
               <a:rPr lang="bg-BG" dirty="0"/>
-              <a:t>скрипт (</a:t>
+              <a:t>2</a:t>
             </a:r>
             <a:r>
               <a:rPr lang="en-US" dirty="0"/>
-              <a:t>2)</a:t>
+              <a:t>)</a:t>
             </a:r>
             <a:endParaRPr lang="en-BG" dirty="0"/>
           </a:p>
@@ -22326,8 +22981,8 @@
         </p:blipFill>
         <p:spPr>
           <a:xfrm>
-            <a:off x="921000" y="3249000"/>
-            <a:ext cx="5003800" cy="2159000"/>
+            <a:off x="628544" y="3204000"/>
+            <a:ext cx="6153353" cy="2655000"/>
           </a:xfrm>
           <a:prstGeom prst="rect">
             <a:avLst/>
@@ -22369,7 +23024,7 @@
         </p:blipFill>
         <p:spPr>
           <a:xfrm>
-            <a:off x="7676778" y="4039346"/>
+            <a:off x="8779234" y="3994033"/>
             <a:ext cx="2784222" cy="781536"/>
           </a:xfrm>
           <a:prstGeom prst="rect">
@@ -22398,7 +23053,7 @@
         </p:nvSpPr>
         <p:spPr>
           <a:xfrm>
-            <a:off x="6512624" y="4250583"/>
+            <a:off x="7373718" y="4075358"/>
             <a:ext cx="813695" cy="618886"/>
           </a:xfrm>
           <a:prstGeom prst="rightArrow">
@@ -22605,15 +23260,33 @@
         </p:nvSpPr>
         <p:spPr/>
         <p:txBody>
-          <a:bodyPr/>
+          <a:bodyPr>
+            <a:normAutofit/>
+          </a:bodyPr>
           <a:lstStyle/>
           <a:p>
             <a:r>
-              <a:rPr lang="bg-BG" dirty="0"/>
-              <a:t>Можем да достъпим до записите в таблицата с десен бутон върху </a:t>
-            </a:r>
-            <a:r>
-              <a:rPr lang="en-US" b="1" dirty="0">
+              <a:rPr lang="bg-BG" sz="3200" dirty="0"/>
+              <a:t>Можем да достъпим </a:t>
+            </a:r>
+            <a:r>
+              <a:rPr lang="bg-BG" sz="3200" b="1" dirty="0"/>
+              <a:t>записите</a:t>
+            </a:r>
+            <a:r>
+              <a:rPr lang="bg-BG" sz="3200" dirty="0"/>
+              <a:t> в </a:t>
+            </a:r>
+            <a:r>
+              <a:rPr lang="bg-BG" sz="3200" b="1" dirty="0"/>
+              <a:t>таблицата</a:t>
+            </a:r>
+            <a:r>
+              <a:rPr lang="bg-BG" sz="3200" dirty="0"/>
+              <a:t> с десен бутон върху </a:t>
+            </a:r>
+            <a:r>
+              <a:rPr lang="en-US" sz="3200" b="1" dirty="0">
                 <a:solidFill>
                   <a:schemeClr val="bg1"/>
                 </a:solidFill>
@@ -22621,26 +23294,26 @@
               <a:t>Product</a:t>
             </a:r>
             <a:r>
-              <a:rPr lang="en-US" dirty="0"/>
+              <a:rPr lang="en-US" sz="3200" dirty="0"/>
               <a:t> </a:t>
             </a:r>
             <a:r>
-              <a:rPr lang="bg-BG" dirty="0"/>
+              <a:rPr lang="bg-BG" sz="3200" dirty="0"/>
               <a:t>-</a:t>
             </a:r>
             <a:r>
-              <a:rPr lang="en-US" dirty="0"/>
+              <a:rPr lang="en-US" sz="3200" dirty="0"/>
               <a:t>&gt; </a:t>
             </a:r>
             <a:r>
-              <a:rPr lang="en-US" b="1" dirty="0">
+              <a:rPr lang="en-US" sz="3200" b="1" dirty="0">
                 <a:solidFill>
                   <a:schemeClr val="bg1"/>
                 </a:solidFill>
               </a:rPr>
               <a:t>Show Table Data </a:t>
             </a:r>
-            <a:endParaRPr lang="en-BG" b="1" dirty="0">
+            <a:endParaRPr lang="en-BG" sz="3200" b="1" dirty="0">
               <a:solidFill>
                 <a:schemeClr val="bg1"/>
               </a:solidFill>
@@ -22705,8 +23378,8 @@
         </p:blipFill>
         <p:spPr>
           <a:xfrm>
-            <a:off x="606000" y="2723737"/>
-            <a:ext cx="4065349" cy="2938138"/>
+            <a:off x="635166" y="2708946"/>
+            <a:ext cx="4190338" cy="3028471"/>
           </a:xfrm>
           <a:prstGeom prst="rect">
             <a:avLst/>
@@ -22748,7 +23421,7 @@
         </p:blipFill>
         <p:spPr>
           <a:xfrm>
-            <a:off x="6079395" y="2723737"/>
+            <a:off x="6236185" y="2662984"/>
             <a:ext cx="5318346" cy="2998891"/>
           </a:xfrm>
           <a:prstGeom prst="rect">
@@ -22763,6 +23436,60 @@
           </a:ln>
         </p:spPr>
       </p:pic>
+      <p:sp>
+        <p:nvSpPr>
+          <p:cNvPr id="7" name="Arrow: Right 10">
+            <a:extLst>
+              <a:ext uri="{FF2B5EF4-FFF2-40B4-BE49-F238E27FC236}">
+                <a16:creationId xmlns:a16="http://schemas.microsoft.com/office/drawing/2014/main" id="{CFD3A4BC-7B4C-9AA1-D342-6FBDA98A49B5}"/>
+              </a:ext>
+            </a:extLst>
+          </p:cNvPr>
+          <p:cNvSpPr/>
+          <p:nvPr/>
+        </p:nvSpPr>
+        <p:spPr>
+          <a:xfrm>
+            <a:off x="5123997" y="3913738"/>
+            <a:ext cx="813695" cy="618886"/>
+          </a:xfrm>
+          <a:prstGeom prst="rightArrow">
+            <a:avLst/>
+          </a:prstGeom>
+          <a:solidFill>
+            <a:schemeClr val="tx1"/>
+          </a:solidFill>
+          <a:ln>
+            <a:solidFill>
+              <a:schemeClr val="tx1"/>
+            </a:solidFill>
+          </a:ln>
+        </p:spPr>
+        <p:style>
+          <a:lnRef idx="2">
+            <a:schemeClr val="accent1">
+              <a:shade val="50000"/>
+            </a:schemeClr>
+          </a:lnRef>
+          <a:fillRef idx="1">
+            <a:schemeClr val="accent1"/>
+          </a:fillRef>
+          <a:effectRef idx="0">
+            <a:schemeClr val="accent1"/>
+          </a:effectRef>
+          <a:fontRef idx="minor">
+            <a:schemeClr val="lt1"/>
+          </a:fontRef>
+        </p:style>
+        <p:txBody>
+          <a:bodyPr rtlCol="0" anchor="ctr"/>
+          <a:lstStyle/>
+          <a:p>
+            <a:pPr algn="ctr"/>
+            <a:endParaRPr lang="en-US" sz="2799"/>
+          </a:p>
+        </p:txBody>
+      </p:sp>
     </p:spTree>
     <p:extLst>
       <p:ext uri="{BB962C8B-B14F-4D97-AF65-F5344CB8AC3E}">
@@ -22781,6 +23508,87 @@
       <p:transition spd="slow" advClick="0" advTm="5000"/>
     </mc:Fallback>
   </mc:AlternateContent>
+  <p:timing>
+    <p:tnLst>
+      <p:par>
+        <p:cTn id="1" dur="indefinite" restart="never" nodeType="tmRoot">
+          <p:childTnLst>
+            <p:seq concurrent="1" nextAc="seek">
+              <p:cTn id="2" dur="indefinite" nodeType="mainSeq">
+                <p:childTnLst>
+                  <p:par>
+                    <p:cTn id="3" fill="hold">
+                      <p:stCondLst>
+                        <p:cond delay="indefinite"/>
+                        <p:cond evt="onBegin" delay="0">
+                          <p:tn val="2"/>
+                        </p:cond>
+                      </p:stCondLst>
+                      <p:childTnLst>
+                        <p:par>
+                          <p:cTn id="4" fill="hold">
+                            <p:stCondLst>
+                              <p:cond delay="0"/>
+                            </p:stCondLst>
+                            <p:childTnLst>
+                              <p:par>
+                                <p:cTn id="5" presetID="1" presetClass="entr" presetSubtype="0" fill="hold" grpId="0" nodeType="withEffect">
+                                  <p:stCondLst>
+                                    <p:cond delay="0"/>
+                                  </p:stCondLst>
+                                  <p:childTnLst>
+                                    <p:set>
+                                      <p:cBhvr>
+                                        <p:cTn id="6" dur="1" fill="hold">
+                                          <p:stCondLst>
+                                            <p:cond delay="0"/>
+                                          </p:stCondLst>
+                                        </p:cTn>
+                                        <p:tgtEl>
+                                          <p:spTgt spid="7"/>
+                                        </p:tgtEl>
+                                        <p:attrNameLst>
+                                          <p:attrName>style.visibility</p:attrName>
+                                        </p:attrNameLst>
+                                      </p:cBhvr>
+                                      <p:to>
+                                        <p:strVal val="visible"/>
+                                      </p:to>
+                                    </p:set>
+                                  </p:childTnLst>
+                                </p:cTn>
+                              </p:par>
+                            </p:childTnLst>
+                          </p:cTn>
+                        </p:par>
+                      </p:childTnLst>
+                    </p:cTn>
+                  </p:par>
+                </p:childTnLst>
+              </p:cTn>
+              <p:prevCondLst>
+                <p:cond evt="onPrev" delay="0">
+                  <p:tgtEl>
+                    <p:sldTgt/>
+                  </p:tgtEl>
+                </p:cond>
+              </p:prevCondLst>
+              <p:nextCondLst>
+                <p:cond evt="onNext" delay="0">
+                  <p:tgtEl>
+                    <p:sldTgt/>
+                  </p:tgtEl>
+                </p:cond>
+              </p:nextCondLst>
+            </p:seq>
+          </p:childTnLst>
+        </p:cTn>
+      </p:par>
+    </p:tnLst>
+    <p:bldLst>
+      <p:bldP spid="7" grpId="0" animBg="1"/>
+    </p:bldLst>
+  </p:timing>
 </p:sld>
 </file>
 
@@ -22849,15 +23657,39 @@
         </p:nvSpPr>
         <p:spPr/>
         <p:txBody>
-          <a:bodyPr/>
+          <a:bodyPr>
+            <a:normAutofit/>
+          </a:bodyPr>
           <a:lstStyle/>
           <a:p>
             <a:r>
-              <a:rPr lang="bg-BG" dirty="0"/>
+              <a:rPr lang="bg-BG" sz="3200" dirty="0"/>
+              <a:t>Инсталираме нужните </a:t>
+            </a:r>
+            <a:r>
+              <a:rPr lang="en-US" sz="3200" b="1" dirty="0">
+                <a:solidFill>
+                  <a:schemeClr val="bg1"/>
+                </a:solidFill>
+              </a:rPr>
+              <a:t>EF </a:t>
+            </a:r>
+            <a:r>
+              <a:rPr lang="bg-BG" sz="3200" b="1" dirty="0">
+                <a:solidFill>
+                  <a:schemeClr val="bg1"/>
+                </a:solidFill>
+              </a:rPr>
+              <a:t>пакети</a:t>
+            </a:r>
+          </a:p>
+          <a:p>
+            <a:r>
+              <a:rPr lang="bg-BG" sz="3200" dirty="0"/>
               <a:t>С десен бутон на </a:t>
             </a:r>
             <a:r>
-              <a:rPr lang="en-US" b="1" dirty="0">
+              <a:rPr lang="en-US" sz="3200" b="1" dirty="0">
                 <a:solidFill>
                   <a:schemeClr val="bg1"/>
                 </a:solidFill>
@@ -22865,11 +23697,11 @@
               <a:t>Tools</a:t>
             </a:r>
             <a:r>
-              <a:rPr lang="en-US" dirty="0"/>
+              <a:rPr lang="en-US" sz="3200" dirty="0"/>
               <a:t> -&gt; </a:t>
             </a:r>
             <a:r>
-              <a:rPr lang="en-US" b="1" dirty="0">
+              <a:rPr lang="en-US" sz="3200" b="1" dirty="0">
                 <a:solidFill>
                   <a:schemeClr val="bg1"/>
                 </a:solidFill>
@@ -22877,22 +23709,22 @@
               <a:t>NuGet Package Manager </a:t>
             </a:r>
             <a:r>
-              <a:rPr lang="en-US" dirty="0"/>
+              <a:rPr lang="en-US" sz="3200" dirty="0"/>
               <a:t>-&gt; </a:t>
             </a:r>
             <a:r>
-              <a:rPr lang="bg-BG" dirty="0"/>
+              <a:rPr lang="bg-BG" sz="3200" dirty="0"/>
               <a:t>отваряме </a:t>
             </a:r>
             <a:r>
-              <a:rPr lang="en-US" b="1" dirty="0">
+              <a:rPr lang="en-US" sz="3200" b="1" dirty="0">
                 <a:solidFill>
                   <a:schemeClr val="bg1"/>
                 </a:solidFill>
               </a:rPr>
               <a:t>Package Manager Console</a:t>
             </a:r>
-            <a:endParaRPr lang="en-BG" b="1" dirty="0">
+            <a:endParaRPr lang="en-BG" sz="3200" b="1" dirty="0">
               <a:solidFill>
                 <a:schemeClr val="bg1"/>
               </a:solidFill>
@@ -22969,12 +23801,19 @@
         </p:blipFill>
         <p:spPr>
           <a:xfrm>
-            <a:off x="3463500" y="2574000"/>
+            <a:off x="3463500" y="3025727"/>
             <a:ext cx="5265000" cy="3474900"/>
           </a:xfrm>
           <a:prstGeom prst="rect">
             <a:avLst/>
           </a:prstGeom>
+          <a:ln>
+            <a:solidFill>
+              <a:schemeClr val="bg2">
+                <a:lumMod val="75000"/>
+              </a:schemeClr>
+            </a:solidFill>
+          </a:ln>
         </p:spPr>
       </p:pic>
     </p:spTree>
@@ -23078,11 +23917,59 @@
               </a:rPr>
               <a:t> една по една:</a:t>
             </a:r>
-            <a:endParaRPr lang="en-BG" b="1" dirty="0">
+            <a:endParaRPr lang="en-US" b="1" dirty="0">
               <a:solidFill>
                 <a:schemeClr val="bg1"/>
               </a:solidFill>
             </a:endParaRPr>
+          </a:p>
+          <a:p>
+            <a:endParaRPr lang="en-US" b="1" dirty="0">
+              <a:solidFill>
+                <a:schemeClr val="bg1"/>
+              </a:solidFill>
+            </a:endParaRPr>
+          </a:p>
+          <a:p>
+            <a:endParaRPr lang="en-US" b="1" dirty="0">
+              <a:solidFill>
+                <a:schemeClr val="bg1"/>
+              </a:solidFill>
+            </a:endParaRPr>
+          </a:p>
+          <a:p>
+            <a:endParaRPr lang="en-US" b="1" dirty="0">
+              <a:solidFill>
+                <a:schemeClr val="bg1"/>
+              </a:solidFill>
+            </a:endParaRPr>
+          </a:p>
+          <a:p>
+            <a:r>
+              <a:rPr lang="bg-BG" dirty="0"/>
+              <a:t>Създаваме </a:t>
+            </a:r>
+            <a:r>
+              <a:rPr lang="en-US" b="1" dirty="0">
+                <a:solidFill>
+                  <a:schemeClr val="bg1"/>
+                </a:solidFill>
+              </a:rPr>
+              <a:t>EF </a:t>
+            </a:r>
+            <a:r>
+              <a:rPr lang="bg-BG" b="1" dirty="0">
+                <a:solidFill>
+                  <a:schemeClr val="bg1"/>
+                </a:solidFill>
+              </a:rPr>
+              <a:t>модели </a:t>
+            </a:r>
+            <a:r>
+              <a:rPr lang="bg-BG" dirty="0"/>
+              <a:t>по базата данни:</a:t>
+            </a:r>
+            <a:endParaRPr lang="en-BG" dirty="0"/>
           </a:p>
         </p:txBody>
       </p:sp>
@@ -23143,7 +24030,7 @@
         </p:nvSpPr>
         <p:spPr>
           <a:xfrm>
-            <a:off x="440443" y="1842750"/>
+            <a:off x="440443" y="1899000"/>
             <a:ext cx="11311114" cy="461545"/>
           </a:xfrm>
           <a:prstGeom prst="rect">
@@ -23201,7 +24088,7 @@
         </p:nvSpPr>
         <p:spPr>
           <a:xfrm>
-            <a:off x="440443" y="2472586"/>
+            <a:off x="440443" y="2528836"/>
             <a:ext cx="11311114" cy="461545"/>
           </a:xfrm>
           <a:prstGeom prst="rect">
@@ -23259,7 +24146,7 @@
         </p:nvSpPr>
         <p:spPr>
           <a:xfrm>
-            <a:off x="440443" y="3113818"/>
+            <a:off x="440443" y="3170068"/>
             <a:ext cx="11311114" cy="461545"/>
           </a:xfrm>
           <a:prstGeom prst="rect">
@@ -23297,6 +24184,64 @@
                 <a:latin typeface="Consolas" panose="020B0609020204030204" pitchFamily="49" charset="0"/>
               </a:rPr>
               <a:t>Install-Package Microsoft.EntityFrameworkCore.SqlServer.Design</a:t>
+            </a:r>
+          </a:p>
+        </p:txBody>
+      </p:sp>
+      <p:sp>
+        <p:nvSpPr>
+          <p:cNvPr id="8" name="Text Placeholder 4">
+            <a:extLst>
+              <a:ext uri="{FF2B5EF4-FFF2-40B4-BE49-F238E27FC236}">
+                <a16:creationId xmlns:a16="http://schemas.microsoft.com/office/drawing/2014/main" id="{441E8473-E143-0AE4-1D0F-EB2D58EE998B}"/>
+              </a:ext>
+            </a:extLst>
+          </p:cNvPr>
+          <p:cNvSpPr txBox="1">
+            <a:spLocks/>
+          </p:cNvSpPr>
+          <p:nvPr/>
+        </p:nvSpPr>
+        <p:spPr>
+          <a:xfrm>
+            <a:off x="440443" y="4823878"/>
+            <a:ext cx="11311114" cy="1323439"/>
+          </a:xfrm>
+          <a:prstGeom prst="rect">
+            <a:avLst/>
+          </a:prstGeom>
+          <a:solidFill>
+            <a:schemeClr val="accent5">
+              <a:lumMod val="40000"/>
+              <a:lumOff val="60000"/>
+              <a:alpha val="15000"/>
+            </a:schemeClr>
+          </a:solidFill>
+          <a:ln w="12700">
+            <a:solidFill>
+              <a:schemeClr val="accent5">
+                <a:lumMod val="60000"/>
+                <a:lumOff val="40000"/>
+              </a:schemeClr>
+            </a:solidFill>
+          </a:ln>
+        </p:spPr>
+        <p:txBody>
+          <a:bodyPr wrap="square">
+            <a:spAutoFit/>
+          </a:bodyPr>
+          <a:lstStyle/>
+          <a:p>
+            <a:pPr>
+              <a:lnSpc>
+                <a:spcPct val="100000"/>
+              </a:lnSpc>
+            </a:pPr>
+            <a:r>
+              <a:rPr lang="en-US" sz="2000" b="1" noProof="1">
+                <a:latin typeface="Consolas" panose="020B0609020204030204" pitchFamily="49" charset="0"/>
+              </a:rPr>
+              <a:t>Scaffold-DbContext -Connection "Server=(localdb)\MSSQLLocalDB;Database=DatabaseFirst.GroceryStore;Integrated Security=True;" -Provider Microsoft.EntityFrameworkCore.SqlServer -OutputDir Data/Models</a:t>
             </a:r>
           </a:p>
         </p:txBody>
@@ -23459,6 +24404,33 @@
                                   </p:childTnLst>
                                 </p:cTn>
                               </p:par>
+                              <p:par>
+                                <p:cTn id="15" presetID="1" presetClass="entr" presetSubtype="0" fill="hold" grpId="0" nodeType="withEffect">
+                                  <p:stCondLst>
+                                    <p:cond delay="0"/>
+                                  </p:stCondLst>
+                                  <p:childTnLst>
+                                    <p:set>
+                                      <p:cBhvr>
+                                        <p:cTn id="16" dur="1" fill="hold">
+                                          <p:stCondLst>
+                                            <p:cond delay="0"/>
+                                          </p:stCondLst>
+                                        </p:cTn>
+                                        <p:tgtEl>
+                                          <p:spTgt spid="8"/>
+                                        </p:tgtEl>
+                                        <p:attrNameLst>
+                                          <p:attrName>style.visibility</p:attrName>
+                                        </p:attrNameLst>
+                                      </p:cBhvr>
+                                      <p:to>
+                                        <p:strVal val="visible"/>
+                                      </p:to>
+                                    </p:set>
+                                  </p:childTnLst>
+                                </p:cTn>
+                              </p:par>
                             </p:childTnLst>
                           </p:cTn>
                         </p:par>
@@ -23490,6 +24462,7 @@
       <p:bldP spid="5" grpId="0" animBg="1"/>
       <p:bldP spid="6" grpId="0" animBg="1"/>
       <p:bldP spid="7" grpId="0" animBg="1"/>
+      <p:bldP spid="8" grpId="0" animBg="1"/>
     </p:bldLst>
   </p:timing>
 </p:sld>
@@ -23560,10 +24533,40 @@
         </p:nvSpPr>
         <p:spPr/>
         <p:txBody>
-          <a:bodyPr/>
+          <a:bodyPr>
+            <a:normAutofit/>
+          </a:bodyPr>
           <a:lstStyle/>
           <a:p>
-            <a:endParaRPr lang="en-BG" b="1" dirty="0">
+            <a:r>
+              <a:rPr lang="bg-BG" sz="3200" dirty="0"/>
+              <a:t>Вече имаме </a:t>
+            </a:r>
+            <a:r>
+              <a:rPr lang="en-US" sz="3200" b="1" dirty="0">
+                <a:solidFill>
+                  <a:schemeClr val="bg1"/>
+                </a:solidFill>
+              </a:rPr>
+              <a:t>DbContext </a:t>
+            </a:r>
+            <a:r>
+              <a:rPr lang="en-US" sz="3200" dirty="0"/>
+              <a:t>и</a:t>
+            </a:r>
+            <a:r>
+              <a:rPr lang="bg-BG" sz="3200" dirty="0"/>
+              <a:t> модел </a:t>
+            </a:r>
+            <a:r>
+              <a:rPr lang="en-US" sz="3200" b="1" dirty="0">
+                <a:solidFill>
+                  <a:schemeClr val="bg1"/>
+                </a:solidFill>
+              </a:rPr>
+              <a:t>Product</a:t>
+            </a:r>
+            <a:endParaRPr lang="en-BG" sz="3200" b="1" dirty="0">
               <a:solidFill>
                 <a:schemeClr val="bg1"/>
               </a:solidFill>
@@ -23594,19 +24597,228 @@
           <a:p>
             <a:r>
               <a:rPr lang="bg-BG" dirty="0"/>
-              <a:t>Инсталиране на </a:t>
+              <a:t>Структура на проекта</a:t>
+            </a:r>
+            <a:endParaRPr lang="en-BG" dirty="0"/>
+          </a:p>
+        </p:txBody>
+      </p:sp>
+      <p:pic>
+        <p:nvPicPr>
+          <p:cNvPr id="7" name="Picture 6">
+            <a:extLst>
+              <a:ext uri="{FF2B5EF4-FFF2-40B4-BE49-F238E27FC236}">
+                <a16:creationId xmlns:a16="http://schemas.microsoft.com/office/drawing/2014/main" id="{706F39DF-9050-0D2D-05C9-73281E20B551}"/>
+              </a:ext>
+            </a:extLst>
+          </p:cNvPr>
+          <p:cNvPicPr>
+            <a:picLocks noChangeAspect="1"/>
+          </p:cNvPicPr>
+          <p:nvPr/>
+        </p:nvPicPr>
+        <p:blipFill>
+          <a:blip r:embed="rId2">
+            <a:extLst>
+              <a:ext uri="{28A0092B-C50C-407E-A947-70E740481C1C}">
+                <a14:useLocalDpi xmlns:a14="http://schemas.microsoft.com/office/drawing/2010/main" val="0"/>
+              </a:ext>
+            </a:extLst>
+          </a:blip>
+          <a:stretch>
+            <a:fillRect/>
+          </a:stretch>
+        </p:blipFill>
+        <p:spPr>
+          <a:xfrm>
+            <a:off x="2209800" y="1802741"/>
+            <a:ext cx="7666200" cy="4704259"/>
+          </a:xfrm>
+          <a:prstGeom prst="rect">
+            <a:avLst/>
+          </a:prstGeom>
+          <a:ln>
+            <a:solidFill>
+              <a:schemeClr val="bg2">
+                <a:lumMod val="75000"/>
+              </a:schemeClr>
+            </a:solidFill>
+          </a:ln>
+        </p:spPr>
+      </p:pic>
+    </p:spTree>
+    <p:extLst>
+      <p:ext uri="{BB962C8B-B14F-4D97-AF65-F5344CB8AC3E}">
+        <p14:creationId xmlns:p14="http://schemas.microsoft.com/office/powerpoint/2010/main" val="3261519991"/>
+      </p:ext>
+    </p:extLst>
+  </p:cSld>
+  <p:clrMapOvr>
+    <a:masterClrMapping/>
+  </p:clrMapOvr>
+  <mc:AlternateContent xmlns:mc="http://schemas.openxmlformats.org/markup-compatibility/2006" xmlns:p14="http://schemas.microsoft.com/office/powerpoint/2010/main">
+    <mc:Choice Requires="p14">
+      <p:transition spd="slow" p14:dur="2000" advClick="0" advTm="5000"/>
+    </mc:Choice>
+    <mc:Fallback xmlns="">
+      <p:transition spd="slow" advClick="0" advTm="5000"/>
+    </mc:Fallback>
+  </mc:AlternateContent>
+</p:sld>
+</file>
+
+<file path=ppt/slides/slide37.xml><?xml version="1.0" encoding="utf-8"?>
+<p:sld xmlns:a="http://schemas.openxmlformats.org/drawingml/2006/main" xmlns:r="http://schemas.openxmlformats.org/officeDocument/2006/relationships" xmlns:p="http://schemas.openxmlformats.org/presentationml/2006/main">
+  <p:cSld>
+    <p:spTree>
+      <p:nvGrpSpPr>
+        <p:cNvPr id="1" name=""/>
+        <p:cNvGrpSpPr/>
+        <p:nvPr/>
+      </p:nvGrpSpPr>
+      <p:grpSpPr>
+        <a:xfrm>
+          <a:off x="0" y="0"/>
+          <a:ext cx="0" cy="0"/>
+          <a:chOff x="0" y="0"/>
+          <a:chExt cx="0" cy="0"/>
+        </a:xfrm>
+      </p:grpSpPr>
+      <p:sp>
+        <p:nvSpPr>
+          <p:cNvPr id="2" name="Slide Number Placeholder 1">
+            <a:extLst>
+              <a:ext uri="{FF2B5EF4-FFF2-40B4-BE49-F238E27FC236}">
+                <a16:creationId xmlns:a16="http://schemas.microsoft.com/office/drawing/2014/main" id="{F3AF87FF-1318-696E-CC00-2C2B6621789F}"/>
+              </a:ext>
+            </a:extLst>
+          </p:cNvPr>
+          <p:cNvSpPr>
+            <a:spLocks noGrp="1"/>
+          </p:cNvSpPr>
+          <p:nvPr>
+            <p:ph type="sldNum" sz="quarter" idx="5"/>
+          </p:nvPr>
+        </p:nvSpPr>
+        <p:spPr/>
+        <p:txBody>
+          <a:bodyPr/>
+          <a:lstStyle/>
+          <a:p>
+            <a:fld id="{2BF067CD-8E6B-4360-9AA8-C5DF2A48A6D1}" type="slidenum">
+              <a:rPr lang="en-US" noProof="0" smtClean="0"/>
+              <a:pPr/>
+              <a:t>37</a:t>
+            </a:fld>
+            <a:endParaRPr lang="en-US" noProof="0" dirty="0"/>
+          </a:p>
+        </p:txBody>
+      </p:sp>
+      <p:sp>
+        <p:nvSpPr>
+          <p:cNvPr id="3" name="Text Placeholder 2">
+            <a:extLst>
+              <a:ext uri="{FF2B5EF4-FFF2-40B4-BE49-F238E27FC236}">
+                <a16:creationId xmlns:a16="http://schemas.microsoft.com/office/drawing/2014/main" id="{70810851-4790-2FC0-3F9D-A1CF7D2C9A2E}"/>
+              </a:ext>
+            </a:extLst>
+          </p:cNvPr>
+          <p:cNvSpPr>
+            <a:spLocks noGrp="1"/>
+          </p:cNvSpPr>
+          <p:nvPr>
+            <p:ph type="body" sz="quarter" idx="10"/>
+          </p:nvPr>
+        </p:nvSpPr>
+        <p:spPr/>
+        <p:txBody>
+          <a:bodyPr/>
+          <a:lstStyle/>
+          <a:p>
+            <a:r>
+              <a:rPr lang="bg-BG" dirty="0"/>
+              <a:t>В </a:t>
+            </a:r>
+            <a:r>
+              <a:rPr lang="en-US" b="1" dirty="0">
+                <a:solidFill>
+                  <a:schemeClr val="bg1"/>
+                </a:solidFill>
+              </a:rPr>
+              <a:t>Main</a:t>
             </a:r>
             <a:r>
               <a:rPr lang="en-US" dirty="0"/>
-              <a:t>Entity Framework </a:t>
+              <a:t> </a:t>
             </a:r>
             <a:r>
               <a:rPr lang="bg-BG" dirty="0"/>
-              <a:t>пакети</a:t>
-            </a:r>
-            <a:r>
-              <a:rPr lang="en-US" dirty="0"/>
-              <a:t> (2)</a:t>
+              <a:t>метода на програмата ни, можем да прочетем </a:t>
+            </a:r>
+            <a:r>
+              <a:rPr lang="bg-BG" b="1" dirty="0">
+                <a:solidFill>
+                  <a:schemeClr val="bg1"/>
+                </a:solidFill>
+              </a:rPr>
+              <a:t>всички продукти </a:t>
+            </a:r>
+            <a:r>
+              <a:rPr lang="bg-BG" dirty="0"/>
+              <a:t>от нашата </a:t>
+            </a:r>
+            <a:r>
+              <a:rPr lang="bg-BG" b="1" dirty="0">
+                <a:solidFill>
+                  <a:schemeClr val="bg1"/>
+                </a:solidFill>
+              </a:rPr>
+              <a:t>база данни </a:t>
+            </a:r>
+            <a:r>
+              <a:rPr lang="bg-BG" dirty="0"/>
+              <a:t>със следния </a:t>
+            </a:r>
+            <a:r>
+              <a:rPr lang="bg-BG" b="1" dirty="0">
+                <a:solidFill>
+                  <a:schemeClr val="bg1"/>
+                </a:solidFill>
+              </a:rPr>
+              <a:t>код</a:t>
+            </a:r>
+            <a:r>
+              <a:rPr lang="bg-BG" dirty="0"/>
+              <a:t>:</a:t>
+            </a:r>
+            <a:endParaRPr lang="en-BG" dirty="0"/>
+          </a:p>
+        </p:txBody>
+      </p:sp>
+      <p:sp>
+        <p:nvSpPr>
+          <p:cNvPr id="4" name="Title 3">
+            <a:extLst>
+              <a:ext uri="{FF2B5EF4-FFF2-40B4-BE49-F238E27FC236}">
+                <a16:creationId xmlns:a16="http://schemas.microsoft.com/office/drawing/2014/main" id="{A68D83C9-FB5D-2A19-030C-321D25436A47}"/>
+              </a:ext>
+            </a:extLst>
+          </p:cNvPr>
+          <p:cNvSpPr>
+            <a:spLocks noGrp="1"/>
+          </p:cNvSpPr>
+          <p:nvPr>
+            <p:ph type="title"/>
+          </p:nvPr>
+        </p:nvSpPr>
+        <p:spPr/>
+        <p:txBody>
+          <a:bodyPr/>
+          <a:lstStyle/>
+          <a:p>
+            <a:r>
+              <a:rPr lang="bg-BG" dirty="0"/>
+              <a:t>Четене на данни</a:t>
             </a:r>
             <a:endParaRPr lang="en-BG" dirty="0"/>
           </a:p>
@@ -23628,8 +24840,8 @@
         </p:nvSpPr>
         <p:spPr>
           <a:xfrm>
-            <a:off x="440443" y="1842750"/>
-            <a:ext cx="11311114" cy="1323439"/>
+            <a:off x="440443" y="2508627"/>
+            <a:ext cx="11311114" cy="3785652"/>
           </a:xfrm>
           <a:prstGeom prst="rect">
             <a:avLst/>
@@ -23665,7 +24877,147 @@
               <a:rPr lang="en-US" sz="2000" b="1" noProof="1">
                 <a:latin typeface="Consolas" panose="020B0609020204030204" pitchFamily="49" charset="0"/>
               </a:rPr>
-              <a:t>Scaffold-DbContext -Connection "Server=(localdb)\MSSQLLocalDB;Database=DatabaseFirst.GroceryStore;Integrated Security=True;" -Provider Microsoft.EntityFrameworkCore.SqlServer -OutputDir Data/Models</a:t>
+              <a:t>using (var db = new DatabaseFirstGroceryStoreContext())</a:t>
+            </a:r>
+          </a:p>
+          <a:p>
+            <a:pPr>
+              <a:lnSpc>
+                <a:spcPct val="100000"/>
+              </a:lnSpc>
+            </a:pPr>
+            <a:r>
+              <a:rPr lang="en-US" sz="2000" b="1" noProof="1">
+                <a:latin typeface="Consolas" panose="020B0609020204030204" pitchFamily="49" charset="0"/>
+              </a:rPr>
+              <a:t>{</a:t>
+            </a:r>
+          </a:p>
+          <a:p>
+            <a:pPr>
+              <a:lnSpc>
+                <a:spcPct val="100000"/>
+              </a:lnSpc>
+            </a:pPr>
+            <a:r>
+              <a:rPr lang="en-US" sz="2000" b="1" noProof="1">
+                <a:latin typeface="Consolas" panose="020B0609020204030204" pitchFamily="49" charset="0"/>
+              </a:rPr>
+              <a:t>    Console.WriteLine("All products in database:");</a:t>
+            </a:r>
+          </a:p>
+          <a:p>
+            <a:pPr>
+              <a:lnSpc>
+                <a:spcPct val="100000"/>
+              </a:lnSpc>
+            </a:pPr>
+            <a:endParaRPr lang="en-US" sz="2000" b="1" noProof="1">
+              <a:latin typeface="Consolas" panose="020B0609020204030204" pitchFamily="49" charset="0"/>
+            </a:endParaRPr>
+          </a:p>
+          <a:p>
+            <a:pPr>
+              <a:lnSpc>
+                <a:spcPct val="100000"/>
+              </a:lnSpc>
+            </a:pPr>
+            <a:r>
+              <a:rPr lang="en-US" sz="2000" b="1" noProof="1">
+                <a:latin typeface="Consolas" panose="020B0609020204030204" pitchFamily="49" charset="0"/>
+              </a:rPr>
+              <a:t>    foreach (var product in db.Products)</a:t>
+            </a:r>
+          </a:p>
+          <a:p>
+            <a:pPr>
+              <a:lnSpc>
+                <a:spcPct val="100000"/>
+              </a:lnSpc>
+            </a:pPr>
+            <a:r>
+              <a:rPr lang="en-US" sz="2000" b="1" noProof="1">
+                <a:latin typeface="Consolas" panose="020B0609020204030204" pitchFamily="49" charset="0"/>
+              </a:rPr>
+              <a:t>    {</a:t>
+            </a:r>
+          </a:p>
+          <a:p>
+            <a:pPr>
+              <a:lnSpc>
+                <a:spcPct val="100000"/>
+              </a:lnSpc>
+            </a:pPr>
+            <a:r>
+              <a:rPr lang="en-US" sz="2000" b="1" noProof="1">
+                <a:latin typeface="Consolas" panose="020B0609020204030204" pitchFamily="49" charset="0"/>
+              </a:rPr>
+              <a:t>        Console.WriteLine("{0} - {1} per {2}", </a:t>
+            </a:r>
+          </a:p>
+          <a:p>
+            <a:pPr>
+              <a:lnSpc>
+                <a:spcPct val="100000"/>
+              </a:lnSpc>
+            </a:pPr>
+            <a:r>
+              <a:rPr lang="en-US" sz="2000" b="1" noProof="1">
+                <a:latin typeface="Consolas" panose="020B0609020204030204" pitchFamily="49" charset="0"/>
+              </a:rPr>
+              <a:t>		product.Name,</a:t>
+            </a:r>
+          </a:p>
+          <a:p>
+            <a:pPr>
+              <a:lnSpc>
+                <a:spcPct val="100000"/>
+              </a:lnSpc>
+            </a:pPr>
+            <a:r>
+              <a:rPr lang="en-US" sz="2000" b="1" noProof="1">
+                <a:latin typeface="Consolas" panose="020B0609020204030204" pitchFamily="49" charset="0"/>
+              </a:rPr>
+              <a:t>		product.Price,</a:t>
+            </a:r>
+          </a:p>
+          <a:p>
+            <a:pPr>
+              <a:lnSpc>
+                <a:spcPct val="100000"/>
+              </a:lnSpc>
+            </a:pPr>
+            <a:r>
+              <a:rPr lang="en-US" sz="2000" b="1" noProof="1">
+                <a:latin typeface="Consolas" panose="020B0609020204030204" pitchFamily="49" charset="0"/>
+              </a:rPr>
+              <a:t>		product.UnitType);</a:t>
+            </a:r>
+          </a:p>
+          <a:p>
+            <a:pPr>
+              <a:lnSpc>
+                <a:spcPct val="100000"/>
+              </a:lnSpc>
+            </a:pPr>
+            <a:r>
+              <a:rPr lang="en-US" sz="2000" b="1" noProof="1">
+                <a:latin typeface="Consolas" panose="020B0609020204030204" pitchFamily="49" charset="0"/>
+              </a:rPr>
+              <a:t>    }</a:t>
+            </a:r>
+          </a:p>
+          <a:p>
+            <a:pPr>
+              <a:lnSpc>
+                <a:spcPct val="100000"/>
+              </a:lnSpc>
+            </a:pPr>
+            <a:r>
+              <a:rPr lang="en-US" sz="2000" b="1" noProof="1">
+                <a:latin typeface="Consolas" panose="020B0609020204030204" pitchFamily="49" charset="0"/>
+              </a:rPr>
+              <a:t>}</a:t>
             </a:r>
           </a:p>
         </p:txBody>
@@ -23673,7 +25025,7 @@
     </p:spTree>
     <p:extLst>
       <p:ext uri="{BB962C8B-B14F-4D97-AF65-F5344CB8AC3E}">
-        <p14:creationId xmlns:p14="http://schemas.microsoft.com/office/powerpoint/2010/main" val="4101729021"/>
+        <p14:creationId xmlns:p14="http://schemas.microsoft.com/office/powerpoint/2010/main" val="779184761"/>
       </p:ext>
     </p:extLst>
   </p:cSld>
@@ -23772,7 +25124,150 @@
 </p:sld>
 </file>
 
-<file path=ppt/slides/slide37.xml><?xml version="1.0" encoding="utf-8"?>
+<file path=ppt/slides/slide38.xml><?xml version="1.0" encoding="utf-8"?>
+<p:sld xmlns:a="http://schemas.openxmlformats.org/drawingml/2006/main" xmlns:r="http://schemas.openxmlformats.org/officeDocument/2006/relationships" xmlns:p="http://schemas.openxmlformats.org/presentationml/2006/main">
+  <p:cSld>
+    <p:spTree>
+      <p:nvGrpSpPr>
+        <p:cNvPr id="1" name=""/>
+        <p:cNvGrpSpPr/>
+        <p:nvPr/>
+      </p:nvGrpSpPr>
+      <p:grpSpPr>
+        <a:xfrm>
+          <a:off x="0" y="0"/>
+          <a:ext cx="0" cy="0"/>
+          <a:chOff x="0" y="0"/>
+          <a:chExt cx="0" cy="0"/>
+        </a:xfrm>
+      </p:grpSpPr>
+      <p:sp>
+        <p:nvSpPr>
+          <p:cNvPr id="2" name="Slide Number Placeholder 1">
+            <a:extLst>
+              <a:ext uri="{FF2B5EF4-FFF2-40B4-BE49-F238E27FC236}">
+                <a16:creationId xmlns:a16="http://schemas.microsoft.com/office/drawing/2014/main" id="{F3AF87FF-1318-696E-CC00-2C2B6621789F}"/>
+              </a:ext>
+            </a:extLst>
+          </p:cNvPr>
+          <p:cNvSpPr>
+            <a:spLocks noGrp="1"/>
+          </p:cNvSpPr>
+          <p:nvPr>
+            <p:ph type="sldNum" sz="quarter" idx="5"/>
+          </p:nvPr>
+        </p:nvSpPr>
+        <p:spPr/>
+        <p:txBody>
+          <a:bodyPr/>
+          <a:lstStyle/>
+          <a:p>
+            <a:fld id="{2BF067CD-8E6B-4360-9AA8-C5DF2A48A6D1}" type="slidenum">
+              <a:rPr lang="en-US" noProof="0" smtClean="0"/>
+              <a:pPr/>
+              <a:t>38</a:t>
+            </a:fld>
+            <a:endParaRPr lang="en-US" noProof="0" dirty="0"/>
+          </a:p>
+        </p:txBody>
+      </p:sp>
+      <p:sp>
+        <p:nvSpPr>
+          <p:cNvPr id="4" name="Title 3">
+            <a:extLst>
+              <a:ext uri="{FF2B5EF4-FFF2-40B4-BE49-F238E27FC236}">
+                <a16:creationId xmlns:a16="http://schemas.microsoft.com/office/drawing/2014/main" id="{A68D83C9-FB5D-2A19-030C-321D25436A47}"/>
+              </a:ext>
+            </a:extLst>
+          </p:cNvPr>
+          <p:cNvSpPr>
+            <a:spLocks noGrp="1"/>
+          </p:cNvSpPr>
+          <p:nvPr>
+            <p:ph type="title"/>
+          </p:nvPr>
+        </p:nvSpPr>
+        <p:spPr/>
+        <p:txBody>
+          <a:bodyPr/>
+          <a:lstStyle/>
+          <a:p>
+            <a:r>
+              <a:rPr lang="bg-BG" dirty="0"/>
+              <a:t>Резултат</a:t>
+            </a:r>
+            <a:endParaRPr lang="en-BG" dirty="0"/>
+          </a:p>
+        </p:txBody>
+      </p:sp>
+      <p:pic>
+        <p:nvPicPr>
+          <p:cNvPr id="7" name="Picture 6">
+            <a:extLst>
+              <a:ext uri="{FF2B5EF4-FFF2-40B4-BE49-F238E27FC236}">
+                <a16:creationId xmlns:a16="http://schemas.microsoft.com/office/drawing/2014/main" id="{7C28F648-33BB-3A65-53FB-68DCE44706DB}"/>
+              </a:ext>
+            </a:extLst>
+          </p:cNvPr>
+          <p:cNvPicPr>
+            <a:picLocks noChangeAspect="1"/>
+          </p:cNvPicPr>
+          <p:nvPr/>
+        </p:nvPicPr>
+        <p:blipFill>
+          <a:blip r:embed="rId2">
+            <a:extLst>
+              <a:ext uri="{28A0092B-C50C-407E-A947-70E740481C1C}">
+                <a14:useLocalDpi xmlns:a14="http://schemas.microsoft.com/office/drawing/2010/main" val="0"/>
+              </a:ext>
+            </a:extLst>
+          </a:blip>
+          <a:stretch>
+            <a:fillRect/>
+          </a:stretch>
+        </p:blipFill>
+        <p:spPr>
+          <a:xfrm>
+            <a:off x="1985784" y="1359000"/>
+            <a:ext cx="8220432" cy="4968000"/>
+          </a:xfrm>
+          <a:prstGeom prst="rect">
+            <a:avLst/>
+          </a:prstGeom>
+          <a:ln>
+            <a:noFill/>
+          </a:ln>
+          <a:effectLst>
+            <a:outerShdw blurRad="190500" algn="tl" rotWithShape="0">
+              <a:srgbClr val="000000">
+                <a:alpha val="70000"/>
+              </a:srgbClr>
+            </a:outerShdw>
+          </a:effectLst>
+        </p:spPr>
+      </p:pic>
+    </p:spTree>
+    <p:extLst>
+      <p:ext uri="{BB962C8B-B14F-4D97-AF65-F5344CB8AC3E}">
+        <p14:creationId xmlns:p14="http://schemas.microsoft.com/office/powerpoint/2010/main" val="974075060"/>
+      </p:ext>
+    </p:extLst>
+  </p:cSld>
+  <p:clrMapOvr>
+    <a:masterClrMapping/>
+  </p:clrMapOvr>
+  <mc:AlternateContent xmlns:mc="http://schemas.openxmlformats.org/markup-compatibility/2006" xmlns:p14="http://schemas.microsoft.com/office/powerpoint/2010/main">
+    <mc:Choice Requires="p14">
+      <p:transition spd="slow" p14:dur="2000" advClick="0" advTm="5000"/>
+    </mc:Choice>
+    <mc:Fallback xmlns="">
+      <p:transition spd="slow" advClick="0" advTm="5000"/>
+    </mc:Fallback>
+  </mc:AlternateContent>
+</p:sld>
+</file>
+
+<file path=ppt/slides/slide39.xml><?xml version="1.0" encoding="utf-8"?>
 <p:sld xmlns:a="http://schemas.openxmlformats.org/drawingml/2006/main" xmlns:r="http://schemas.openxmlformats.org/officeDocument/2006/relationships" xmlns:p="http://schemas.openxmlformats.org/presentationml/2006/main">
   <p:cSld>
     <p:spTree>
@@ -24193,7 +25688,7 @@
             <a:fld id="{2BF067CD-8E6B-4360-9AA8-C5DF2A48A6D1}" type="slidenum">
               <a:rPr lang="en-US" noProof="0" smtClean="0"/>
               <a:pPr/>
-              <a:t>37</a:t>
+              <a:t>39</a:t>
             </a:fld>
             <a:endParaRPr lang="en-US" noProof="0" dirty="0"/>
           </a:p>
@@ -24426,579 +25921,6 @@
 </p:sld>
 </file>
 
-<file path=ppt/slides/slide38.xml><?xml version="1.0" encoding="utf-8"?>
-<p:sld xmlns:a="http://schemas.openxmlformats.org/drawingml/2006/main" xmlns:r="http://schemas.openxmlformats.org/officeDocument/2006/relationships" xmlns:p="http://schemas.openxmlformats.org/presentationml/2006/main">
-  <p:cSld>
-    <p:spTree>
-      <p:nvGrpSpPr>
-        <p:cNvPr id="1" name=""/>
-        <p:cNvGrpSpPr/>
-        <p:nvPr/>
-      </p:nvGrpSpPr>
-      <p:grpSpPr>
-        <a:xfrm>
-          <a:off x="0" y="0"/>
-          <a:ext cx="0" cy="0"/>
-          <a:chOff x="0" y="0"/>
-          <a:chExt cx="0" cy="0"/>
-        </a:xfrm>
-      </p:grpSpPr>
-      <p:sp>
-        <p:nvSpPr>
-          <p:cNvPr id="5" name="Slide Title">
-            <a:extLst>
-              <a:ext uri="{FF2B5EF4-FFF2-40B4-BE49-F238E27FC236}">
-                <a16:creationId xmlns:a16="http://schemas.microsoft.com/office/drawing/2014/main" id="{FA0703FC-0F8F-4C80-A615-E4B381EC0E0C}"/>
-              </a:ext>
-            </a:extLst>
-          </p:cNvPr>
-          <p:cNvSpPr>
-            <a:spLocks noGrp="1"/>
-          </p:cNvSpPr>
-          <p:nvPr>
-            <p:ph type="title"/>
-          </p:nvPr>
-        </p:nvSpPr>
-        <p:spPr/>
-        <p:txBody>
-          <a:bodyPr/>
-          <a:lstStyle/>
-          <a:p>
-            <a:r>
-              <a:rPr lang="bg-BG" dirty="0"/>
-              <a:t>Въпроси</a:t>
-            </a:r>
-            <a:r>
-              <a:rPr lang="en-US" dirty="0"/>
-              <a:t>?</a:t>
-            </a:r>
-          </a:p>
-        </p:txBody>
-      </p:sp>
-      <p:sp>
-        <p:nvSpPr>
-          <p:cNvPr id="2" name="Rectangle Bottom Copyright">
-            <a:extLst>
-              <a:ext uri="{FF2B5EF4-FFF2-40B4-BE49-F238E27FC236}">
-                <a16:creationId xmlns:a16="http://schemas.microsoft.com/office/drawing/2014/main" id="{664812A4-2991-44D1-BFE9-32E55AADF8A5}"/>
-              </a:ext>
-            </a:extLst>
-          </p:cNvPr>
-          <p:cNvSpPr/>
-          <p:nvPr/>
-        </p:nvSpPr>
-        <p:spPr>
-          <a:xfrm>
-            <a:off x="111000" y="6454758"/>
-            <a:ext cx="11970000" cy="304242"/>
-          </a:xfrm>
-          <a:prstGeom prst="rect">
-            <a:avLst/>
-          </a:prstGeom>
-        </p:spPr>
-        <p:txBody>
-          <a:bodyPr wrap="square">
-            <a:noAutofit/>
-          </a:bodyPr>
-          <a:lstStyle/>
-          <a:p>
-            <a:pPr algn="ctr">
-              <a:lnSpc>
-                <a:spcPct val="100000"/>
-              </a:lnSpc>
-              <a:spcBef>
-                <a:spcPts val="0"/>
-              </a:spcBef>
-              <a:spcAft>
-                <a:spcPts val="0"/>
-              </a:spcAft>
-            </a:pPr>
-            <a:r>
-              <a:rPr lang="bg-BG" sz="1600" dirty="0">
-                <a:solidFill>
-                  <a:schemeClr val="bg2"/>
-                </a:solidFill>
-                <a:effectLst/>
-                <a:latin typeface="Calibri" panose="020F0502020204030204" pitchFamily="34" charset="0"/>
-                <a:ea typeface="Calibri" panose="020F0502020204030204" pitchFamily="34" charset="0"/>
-                <a:cs typeface="Arial" panose="020B0604020202020204" pitchFamily="34" charset="0"/>
-              </a:rPr>
-              <a:t>Проект "</a:t>
-            </a:r>
-            <a:r>
-              <a:rPr lang="bg-BG" sz="1600" dirty="0">
-                <a:solidFill>
-                  <a:schemeClr val="bg1">
-                    <a:lumMod val="20000"/>
-                    <a:lumOff val="80000"/>
-                  </a:schemeClr>
-                </a:solidFill>
-                <a:effectLst/>
-                <a:latin typeface="Calibri" panose="020F0502020204030204" pitchFamily="34" charset="0"/>
-                <a:ea typeface="Calibri" panose="020F0502020204030204" pitchFamily="34" charset="0"/>
-                <a:cs typeface="Arial" panose="020B0604020202020204" pitchFamily="34" charset="0"/>
-                <a:hlinkClick r:id="rId3">
-                  <a:extLst>
-                    <a:ext uri="{A12FA001-AC4F-418D-AE19-62706E023703}">
-                      <ahyp:hlinkClr xmlns:ahyp="http://schemas.microsoft.com/office/drawing/2018/hyperlinkcolor" val="tx"/>
-                    </a:ext>
-                  </a:extLst>
-                </a:hlinkClick>
-              </a:rPr>
-              <a:t>Отворено учебно съдържание по програмиране и ИТ</a:t>
-            </a:r>
-            <a:r>
-              <a:rPr lang="bg-BG" sz="1600" dirty="0">
-                <a:solidFill>
-                  <a:schemeClr val="bg2"/>
-                </a:solidFill>
-                <a:effectLst/>
-                <a:latin typeface="Calibri" panose="020F0502020204030204" pitchFamily="34" charset="0"/>
-                <a:ea typeface="Calibri" panose="020F0502020204030204" pitchFamily="34" charset="0"/>
-                <a:cs typeface="Arial" panose="020B0604020202020204" pitchFamily="34" charset="0"/>
-              </a:rPr>
-              <a:t>", СофтУни Фондация (лиценз </a:t>
-            </a:r>
-            <a:r>
-              <a:rPr lang="en-US" sz="1600" dirty="0">
-                <a:solidFill>
-                  <a:schemeClr val="bg2"/>
-                </a:solidFill>
-                <a:effectLst/>
-                <a:latin typeface="Calibri" panose="020F0502020204030204" pitchFamily="34" charset="0"/>
-                <a:ea typeface="Calibri" panose="020F0502020204030204" pitchFamily="34" charset="0"/>
-                <a:cs typeface="Arial" panose="020B0604020202020204" pitchFamily="34" charset="0"/>
-              </a:rPr>
-              <a:t>CC-BY-NC-SA</a:t>
-            </a:r>
-            <a:r>
-              <a:rPr lang="bg-BG" sz="1600" dirty="0">
-                <a:solidFill>
-                  <a:schemeClr val="bg2"/>
-                </a:solidFill>
-                <a:effectLst/>
-                <a:latin typeface="Calibri" panose="020F0502020204030204" pitchFamily="34" charset="0"/>
-                <a:ea typeface="Calibri" panose="020F0502020204030204" pitchFamily="34" charset="0"/>
-                <a:cs typeface="Arial" panose="020B0604020202020204" pitchFamily="34" charset="0"/>
-              </a:rPr>
-              <a:t>)</a:t>
-            </a:r>
-            <a:endParaRPr lang="bg-BG" sz="2400" dirty="0">
-              <a:solidFill>
-                <a:schemeClr val="bg2"/>
-              </a:solidFill>
-              <a:effectLst/>
-              <a:latin typeface="Calibri" panose="020F0502020204030204" pitchFamily="34" charset="0"/>
-              <a:ea typeface="Calibri" panose="020F0502020204030204" pitchFamily="34" charset="0"/>
-              <a:cs typeface="Arial" panose="020B0604020202020204" pitchFamily="34" charset="0"/>
-            </a:endParaRPr>
-          </a:p>
-        </p:txBody>
-      </p:sp>
-    </p:spTree>
-    <p:extLst>
-      <p:ext uri="{BB962C8B-B14F-4D97-AF65-F5344CB8AC3E}">
-        <p14:creationId xmlns:p14="http://schemas.microsoft.com/office/powerpoint/2010/main" val="1472534970"/>
-      </p:ext>
-    </p:extLst>
-  </p:cSld>
-  <p:clrMapOvr>
-    <a:masterClrMapping/>
-  </p:clrMapOvr>
-  <mc:AlternateContent xmlns:mc="http://schemas.openxmlformats.org/markup-compatibility/2006" xmlns:p14="http://schemas.microsoft.com/office/powerpoint/2010/main">
-    <mc:Choice Requires="p14">
-      <p:transition spd="slow" p14:dur="2000" advClick="0" advTm="5000"/>
-    </mc:Choice>
-    <mc:Fallback xmlns="">
-      <p:transition spd="slow" advClick="0" advTm="5000"/>
-    </mc:Fallback>
-  </mc:AlternateContent>
-</p:sld>
-</file>
-
-<file path=ppt/slides/slide39.xml><?xml version="1.0" encoding="utf-8"?>
-<p:sld xmlns:a="http://schemas.openxmlformats.org/drawingml/2006/main" xmlns:r="http://schemas.openxmlformats.org/officeDocument/2006/relationships" xmlns:p="http://schemas.openxmlformats.org/presentationml/2006/main">
-  <p:cSld>
-    <p:spTree>
-      <p:nvGrpSpPr>
-        <p:cNvPr id="1" name=""/>
-        <p:cNvGrpSpPr/>
-        <p:nvPr/>
-      </p:nvGrpSpPr>
-      <p:grpSpPr>
-        <a:xfrm>
-          <a:off x="0" y="0"/>
-          <a:ext cx="0" cy="0"/>
-          <a:chOff x="0" y="0"/>
-          <a:chExt cx="0" cy="0"/>
-        </a:xfrm>
-      </p:grpSpPr>
-      <p:sp>
-        <p:nvSpPr>
-          <p:cNvPr id="5" name="Slide Number">
-            <a:extLst>
-              <a:ext uri="{FF2B5EF4-FFF2-40B4-BE49-F238E27FC236}">
-                <a16:creationId xmlns:a16="http://schemas.microsoft.com/office/drawing/2014/main" id="{F48C3C93-90A1-4D31-BEA6-B54D1106CE31}"/>
-              </a:ext>
-            </a:extLst>
-          </p:cNvPr>
-          <p:cNvSpPr>
-            <a:spLocks noGrp="1"/>
-          </p:cNvSpPr>
-          <p:nvPr>
-            <p:ph type="sldNum" sz="quarter" idx="5"/>
-          </p:nvPr>
-        </p:nvSpPr>
-        <p:spPr>
-          <a:xfrm>
-            <a:off x="11753030" y="6507000"/>
-            <a:ext cx="367414" cy="297000"/>
-          </a:xfrm>
-          <a:prstGeom prst="rect">
-            <a:avLst/>
-          </a:prstGeom>
-        </p:spPr>
-        <p:txBody>
-          <a:bodyPr vert="horz" lIns="91440" tIns="45720" rIns="91440" bIns="45720" rtlCol="0" anchor="b"/>
-          <a:lstStyle>
-            <a:lvl1pPr algn="r">
-              <a:defRPr sz="1000"/>
-            </a:lvl1pPr>
-          </a:lstStyle>
-          <a:p>
-            <a:fld id="{2BF067CD-8E6B-4360-9AA8-C5DF2A48A6D1}" type="slidenum">
-              <a:rPr lang="en-US" smtClean="0"/>
-              <a:pPr/>
-              <a:t>39</a:t>
-            </a:fld>
-            <a:endParaRPr lang="en-US" dirty="0"/>
-          </a:p>
-        </p:txBody>
-      </p:sp>
-      <p:sp>
-        <p:nvSpPr>
-          <p:cNvPr id="2" name="Slide Body">
-            <a:extLst>
-              <a:ext uri="{FF2B5EF4-FFF2-40B4-BE49-F238E27FC236}">
-                <a16:creationId xmlns:a16="http://schemas.microsoft.com/office/drawing/2014/main" id="{980F49B1-E4BE-4389-A747-7AB9B71AD920}"/>
-              </a:ext>
-            </a:extLst>
-          </p:cNvPr>
-          <p:cNvSpPr>
-            <a:spLocks noGrp="1"/>
-          </p:cNvSpPr>
-          <p:nvPr>
-            <p:ph type="body" sz="quarter" idx="10"/>
-          </p:nvPr>
-        </p:nvSpPr>
-        <p:spPr>
-          <a:xfrm>
-            <a:off x="190402" y="1269001"/>
-            <a:ext cx="9865598" cy="2474999"/>
-          </a:xfrm>
-        </p:spPr>
-        <p:txBody>
-          <a:bodyPr>
-            <a:normAutofit/>
-          </a:bodyPr>
-          <a:lstStyle/>
-          <a:p>
-            <a:pPr>
-              <a:lnSpc>
-                <a:spcPct val="120000"/>
-              </a:lnSpc>
-            </a:pPr>
-            <a:r>
-              <a:rPr lang="bg-BG" sz="3200" dirty="0"/>
-              <a:t>Този курс</a:t>
-            </a:r>
-            <a:r>
-              <a:rPr lang="en-US" sz="3200" dirty="0"/>
-              <a:t> (</a:t>
-            </a:r>
-            <a:r>
-              <a:rPr lang="bg-BG" sz="3200" dirty="0"/>
-              <a:t>презентации, примери, демонстрационен код, упражнения, домашни, видео и други активи</a:t>
-            </a:r>
-            <a:r>
-              <a:rPr lang="en-US" sz="3200" dirty="0"/>
-              <a:t>) </a:t>
-            </a:r>
-            <a:r>
-              <a:rPr lang="bg-BG" sz="3200" dirty="0"/>
-              <a:t>представлява</a:t>
-            </a:r>
-            <a:r>
-              <a:rPr lang="en-US" sz="3200" dirty="0"/>
-              <a:t> </a:t>
-            </a:r>
-            <a:r>
-              <a:rPr lang="bg-BG" sz="3200" b="1" dirty="0"/>
-              <a:t>свободно учебно съдържание </a:t>
-            </a:r>
-            <a:r>
-              <a:rPr lang="bg-BG" sz="3200" dirty="0"/>
-              <a:t>и се разпространява под свободен лиценз </a:t>
-            </a:r>
-            <a:r>
-              <a:rPr lang="en-US" sz="3200" b="1" dirty="0"/>
-              <a:t>CC-BY-NC-SA</a:t>
-            </a:r>
-            <a:endParaRPr lang="bg-BG" sz="3200" dirty="0"/>
-          </a:p>
-        </p:txBody>
-      </p:sp>
-      <p:pic>
-        <p:nvPicPr>
-          <p:cNvPr id="6" name="Picture License" descr="License">
-            <a:extLst>
-              <a:ext uri="{FF2B5EF4-FFF2-40B4-BE49-F238E27FC236}">
-                <a16:creationId xmlns:a16="http://schemas.microsoft.com/office/drawing/2014/main" id="{82BA520F-A037-4E01-AA18-27D9F1E930A6}"/>
-              </a:ext>
-            </a:extLst>
-          </p:cNvPr>
-          <p:cNvPicPr>
-            <a:picLocks noChangeAspect="1"/>
-          </p:cNvPicPr>
-          <p:nvPr/>
-        </p:nvPicPr>
-        <p:blipFill>
-          <a:blip r:embed="rId3">
-            <a:clrChange>
-              <a:clrFrom>
-                <a:srgbClr val="FFFFFF"/>
-              </a:clrFrom>
-              <a:clrTo>
-                <a:srgbClr val="FFFFFF">
-                  <a:alpha val="0"/>
-                </a:srgbClr>
-              </a:clrTo>
-            </a:clrChange>
-          </a:blip>
-          <a:stretch>
-            <a:fillRect/>
-          </a:stretch>
-        </p:blipFill>
-        <p:spPr>
-          <a:xfrm>
-            <a:off x="10226175" y="1440120"/>
-            <a:ext cx="1198986" cy="1268880"/>
-          </a:xfrm>
-          <a:prstGeom prst="rect">
-            <a:avLst/>
-          </a:prstGeom>
-        </p:spPr>
-      </p:pic>
-      <p:sp>
-        <p:nvSpPr>
-          <p:cNvPr id="3" name="Slide Title">
-            <a:extLst>
-              <a:ext uri="{FF2B5EF4-FFF2-40B4-BE49-F238E27FC236}">
-                <a16:creationId xmlns:a16="http://schemas.microsoft.com/office/drawing/2014/main" id="{E5F1FB41-80C3-4816-BC47-CCC50632E6E8}"/>
-              </a:ext>
-            </a:extLst>
-          </p:cNvPr>
-          <p:cNvSpPr>
-            <a:spLocks noGrp="1"/>
-          </p:cNvSpPr>
-          <p:nvPr>
-            <p:ph type="title"/>
-          </p:nvPr>
-        </p:nvSpPr>
-        <p:spPr/>
-        <p:txBody>
-          <a:bodyPr/>
-          <a:lstStyle/>
-          <a:p>
-            <a:r>
-              <a:rPr lang="bg-BG" dirty="0"/>
-              <a:t>Лиценз</a:t>
-            </a:r>
-          </a:p>
-        </p:txBody>
-      </p:sp>
-      <p:sp>
-        <p:nvSpPr>
-          <p:cNvPr id="11" name="TextBox 10">
-            <a:extLst>
-              <a:ext uri="{FF2B5EF4-FFF2-40B4-BE49-F238E27FC236}">
-                <a16:creationId xmlns:a16="http://schemas.microsoft.com/office/drawing/2014/main" id="{0C18DF19-B750-4C88-975B-661A6BF61F5E}"/>
-              </a:ext>
-            </a:extLst>
-          </p:cNvPr>
-          <p:cNvSpPr txBox="1"/>
-          <p:nvPr/>
-        </p:nvSpPr>
-        <p:spPr>
-          <a:xfrm>
-            <a:off x="190401" y="3927519"/>
-            <a:ext cx="11710599" cy="1979644"/>
-          </a:xfrm>
-          <a:prstGeom prst="rect">
-            <a:avLst/>
-          </a:prstGeom>
-          <a:noFill/>
-          <a:ln w="12700">
-            <a:noFill/>
-          </a:ln>
-        </p:spPr>
-        <p:txBody>
-          <a:bodyPr wrap="square">
-            <a:spAutoFit/>
-          </a:bodyPr>
-          <a:lstStyle/>
-          <a:p>
-            <a:pPr marL="360363" indent="-360363" defTabSz="1218438">
-              <a:lnSpc>
-                <a:spcPct val="120000"/>
-              </a:lnSpc>
-              <a:spcBef>
-                <a:spcPts val="600"/>
-              </a:spcBef>
-              <a:spcAft>
-                <a:spcPts val="600"/>
-              </a:spcAft>
-              <a:buFont typeface="Wingdings" panose="05000000000000000000" pitchFamily="2" charset="2"/>
-              <a:buChar char="§"/>
-              <a:defRPr/>
-            </a:pPr>
-            <a:r>
-              <a:rPr lang="bg-BG" sz="3200" dirty="0"/>
-              <a:t>Проект "</a:t>
-            </a:r>
-            <a:r>
-              <a:rPr lang="bg-BG" sz="3200" b="1" dirty="0"/>
-              <a:t>Отворено учебно съдържание по програмиране и ИТ</a:t>
-            </a:r>
-            <a:r>
-              <a:rPr lang="bg-BG" sz="3200" dirty="0"/>
-              <a:t>" към Фондация "Софтуерен университет"</a:t>
-            </a:r>
-            <a:r>
-              <a:rPr lang="en-US" sz="3200" dirty="0"/>
-              <a:t>:</a:t>
-            </a:r>
-            <a:endParaRPr lang="bg-BG" sz="3200" dirty="0"/>
-          </a:p>
-          <a:p>
-            <a:pPr marL="817563" lvl="1" indent="-360363" defTabSz="1218438">
-              <a:lnSpc>
-                <a:spcPct val="120000"/>
-              </a:lnSpc>
-              <a:spcBef>
-                <a:spcPts val="600"/>
-              </a:spcBef>
-              <a:spcAft>
-                <a:spcPts val="600"/>
-              </a:spcAft>
-              <a:buFont typeface="Wingdings" panose="05000000000000000000" pitchFamily="2" charset="2"/>
-              <a:buChar char="§"/>
-              <a:defRPr/>
-            </a:pPr>
-            <a:r>
-              <a:rPr kumimoji="0" lang="en-US" sz="3200" b="0" i="0" u="none" strike="noStrike" kern="1200" cap="none" spc="0" normalizeH="0" baseline="0" noProof="0" dirty="0">
-                <a:ln>
-                  <a:noFill/>
-                </a:ln>
-                <a:solidFill>
-                  <a:srgbClr val="234465"/>
-                </a:solidFill>
-                <a:effectLst/>
-                <a:uLnTx/>
-                <a:uFillTx/>
-                <a:latin typeface="Calibri"/>
-                <a:ea typeface="+mn-ea"/>
-                <a:cs typeface="+mn-cs"/>
-                <a:hlinkClick r:id="rId4"/>
-              </a:rPr>
-              <a:t>https://github.com/BG-IT-Edu</a:t>
-            </a:r>
-            <a:endParaRPr kumimoji="0" lang="bg-BG" sz="3200" b="0" i="0" u="none" strike="noStrike" kern="1200" cap="none" spc="0" normalizeH="0" baseline="0" noProof="0" dirty="0">
-              <a:ln>
-                <a:noFill/>
-              </a:ln>
-              <a:solidFill>
-                <a:srgbClr val="234465"/>
-              </a:solidFill>
-              <a:effectLst/>
-              <a:uLnTx/>
-              <a:uFillTx/>
-              <a:latin typeface="Calibri"/>
-              <a:ea typeface="+mn-ea"/>
-              <a:cs typeface="+mn-cs"/>
-            </a:endParaRPr>
-          </a:p>
-        </p:txBody>
-      </p:sp>
-      <p:pic>
-        <p:nvPicPr>
-          <p:cNvPr id="7" name="Picture 6" title="CC-BY-NC-SA License">
-            <a:hlinkClick r:id="rId5" tooltip="This work is licensed under the &quot;Creative Commons Attribution-NonCommercial-ShareAlike 4.0 International&quot; license"/>
-            <a:extLst>
-              <a:ext uri="{FF2B5EF4-FFF2-40B4-BE49-F238E27FC236}">
-                <a16:creationId xmlns:a16="http://schemas.microsoft.com/office/drawing/2014/main" id="{F6C77C47-F7D8-A176-5C69-7FDE5C7E8003}"/>
-              </a:ext>
-            </a:extLst>
-          </p:cNvPr>
-          <p:cNvPicPr>
-            <a:picLocks noChangeAspect="1" noChangeArrowheads="1"/>
-          </p:cNvPicPr>
-          <p:nvPr/>
-        </p:nvPicPr>
-        <p:blipFill>
-          <a:blip r:embed="rId6">
-            <a:extLst>
-              <a:ext uri="{28A0092B-C50C-407E-A947-70E740481C1C}">
-                <a14:useLocalDpi xmlns:a14="http://schemas.microsoft.com/office/drawing/2010/main"/>
-              </a:ext>
-            </a:extLst>
-          </a:blip>
-          <a:srcRect/>
-          <a:stretch>
-            <a:fillRect/>
-          </a:stretch>
-        </p:blipFill>
-        <p:spPr bwMode="auto">
-          <a:xfrm>
-            <a:off x="9831000" y="2908593"/>
-            <a:ext cx="1989336" cy="696022"/>
-          </a:xfrm>
-          <a:prstGeom prst="roundRect">
-            <a:avLst>
-              <a:gd name="adj" fmla="val 3940"/>
-            </a:avLst>
-          </a:prstGeom>
-          <a:solidFill>
-            <a:srgbClr val="231F20">
-              <a:alpha val="50000"/>
-            </a:srgbClr>
-          </a:solidFill>
-          <a:ln>
-            <a:noFill/>
-          </a:ln>
-        </p:spPr>
-      </p:pic>
-    </p:spTree>
-    <p:extLst>
-      <p:ext uri="{BB962C8B-B14F-4D97-AF65-F5344CB8AC3E}">
-        <p14:creationId xmlns:p14="http://schemas.microsoft.com/office/powerpoint/2010/main" val="3879276042"/>
-      </p:ext>
-    </p:extLst>
-  </p:cSld>
-  <p:clrMapOvr>
-    <a:masterClrMapping/>
-  </p:clrMapOvr>
-  <mc:AlternateContent xmlns:mc="http://schemas.openxmlformats.org/markup-compatibility/2006" xmlns:p14="http://schemas.microsoft.com/office/powerpoint/2010/main">
-    <mc:Choice Requires="p14">
-      <p:transition spd="slow" p14:dur="2000" advClick="0" advTm="5000"/>
-    </mc:Choice>
-    <mc:Fallback xmlns="">
-      <p:transition spd="slow" advClick="0" advTm="5000"/>
-    </mc:Fallback>
-  </mc:AlternateContent>
-</p:sld>
-</file>
-
 <file path=ppt/slides/slide4.xml><?xml version="1.0" encoding="utf-8"?>
 <p:sld xmlns:a="http://schemas.openxmlformats.org/drawingml/2006/main" xmlns:r="http://schemas.openxmlformats.org/officeDocument/2006/relationships" xmlns:p="http://schemas.openxmlformats.org/presentationml/2006/main">
   <p:cSld>
@@ -25503,6 +26425,579 @@
       <p:bldP spid="6" grpId="0" animBg="1"/>
     </p:bldLst>
   </p:timing>
+</p:sld>
+</file>
+
+<file path=ppt/slides/slide40.xml><?xml version="1.0" encoding="utf-8"?>
+<p:sld xmlns:a="http://schemas.openxmlformats.org/drawingml/2006/main" xmlns:r="http://schemas.openxmlformats.org/officeDocument/2006/relationships" xmlns:p="http://schemas.openxmlformats.org/presentationml/2006/main">
+  <p:cSld>
+    <p:spTree>
+      <p:nvGrpSpPr>
+        <p:cNvPr id="1" name=""/>
+        <p:cNvGrpSpPr/>
+        <p:nvPr/>
+      </p:nvGrpSpPr>
+      <p:grpSpPr>
+        <a:xfrm>
+          <a:off x="0" y="0"/>
+          <a:ext cx="0" cy="0"/>
+          <a:chOff x="0" y="0"/>
+          <a:chExt cx="0" cy="0"/>
+        </a:xfrm>
+      </p:grpSpPr>
+      <p:sp>
+        <p:nvSpPr>
+          <p:cNvPr id="5" name="Slide Title">
+            <a:extLst>
+              <a:ext uri="{FF2B5EF4-FFF2-40B4-BE49-F238E27FC236}">
+                <a16:creationId xmlns:a16="http://schemas.microsoft.com/office/drawing/2014/main" id="{FA0703FC-0F8F-4C80-A615-E4B381EC0E0C}"/>
+              </a:ext>
+            </a:extLst>
+          </p:cNvPr>
+          <p:cNvSpPr>
+            <a:spLocks noGrp="1"/>
+          </p:cNvSpPr>
+          <p:nvPr>
+            <p:ph type="title"/>
+          </p:nvPr>
+        </p:nvSpPr>
+        <p:spPr/>
+        <p:txBody>
+          <a:bodyPr/>
+          <a:lstStyle/>
+          <a:p>
+            <a:r>
+              <a:rPr lang="bg-BG" dirty="0"/>
+              <a:t>Въпроси</a:t>
+            </a:r>
+            <a:r>
+              <a:rPr lang="en-US" dirty="0"/>
+              <a:t>?</a:t>
+            </a:r>
+          </a:p>
+        </p:txBody>
+      </p:sp>
+      <p:sp>
+        <p:nvSpPr>
+          <p:cNvPr id="2" name="Rectangle Bottom Copyright">
+            <a:extLst>
+              <a:ext uri="{FF2B5EF4-FFF2-40B4-BE49-F238E27FC236}">
+                <a16:creationId xmlns:a16="http://schemas.microsoft.com/office/drawing/2014/main" id="{664812A4-2991-44D1-BFE9-32E55AADF8A5}"/>
+              </a:ext>
+            </a:extLst>
+          </p:cNvPr>
+          <p:cNvSpPr/>
+          <p:nvPr/>
+        </p:nvSpPr>
+        <p:spPr>
+          <a:xfrm>
+            <a:off x="111000" y="6454758"/>
+            <a:ext cx="11970000" cy="304242"/>
+          </a:xfrm>
+          <a:prstGeom prst="rect">
+            <a:avLst/>
+          </a:prstGeom>
+        </p:spPr>
+        <p:txBody>
+          <a:bodyPr wrap="square">
+            <a:noAutofit/>
+          </a:bodyPr>
+          <a:lstStyle/>
+          <a:p>
+            <a:pPr algn="ctr">
+              <a:lnSpc>
+                <a:spcPct val="100000"/>
+              </a:lnSpc>
+              <a:spcBef>
+                <a:spcPts val="0"/>
+              </a:spcBef>
+              <a:spcAft>
+                <a:spcPts val="0"/>
+              </a:spcAft>
+            </a:pPr>
+            <a:r>
+              <a:rPr lang="bg-BG" sz="1600" dirty="0">
+                <a:solidFill>
+                  <a:schemeClr val="bg2"/>
+                </a:solidFill>
+                <a:effectLst/>
+                <a:latin typeface="Calibri" panose="020F0502020204030204" pitchFamily="34" charset="0"/>
+                <a:ea typeface="Calibri" panose="020F0502020204030204" pitchFamily="34" charset="0"/>
+                <a:cs typeface="Arial" panose="020B0604020202020204" pitchFamily="34" charset="0"/>
+              </a:rPr>
+              <a:t>Проект "</a:t>
+            </a:r>
+            <a:r>
+              <a:rPr lang="bg-BG" sz="1600" dirty="0">
+                <a:solidFill>
+                  <a:schemeClr val="bg1">
+                    <a:lumMod val="20000"/>
+                    <a:lumOff val="80000"/>
+                  </a:schemeClr>
+                </a:solidFill>
+                <a:effectLst/>
+                <a:latin typeface="Calibri" panose="020F0502020204030204" pitchFamily="34" charset="0"/>
+                <a:ea typeface="Calibri" panose="020F0502020204030204" pitchFamily="34" charset="0"/>
+                <a:cs typeface="Arial" panose="020B0604020202020204" pitchFamily="34" charset="0"/>
+                <a:hlinkClick r:id="rId3">
+                  <a:extLst>
+                    <a:ext uri="{A12FA001-AC4F-418D-AE19-62706E023703}">
+                      <ahyp:hlinkClr xmlns:ahyp="http://schemas.microsoft.com/office/drawing/2018/hyperlinkcolor" val="tx"/>
+                    </a:ext>
+                  </a:extLst>
+                </a:hlinkClick>
+              </a:rPr>
+              <a:t>Отворено учебно съдържание по програмиране и ИТ</a:t>
+            </a:r>
+            <a:r>
+              <a:rPr lang="bg-BG" sz="1600" dirty="0">
+                <a:solidFill>
+                  <a:schemeClr val="bg2"/>
+                </a:solidFill>
+                <a:effectLst/>
+                <a:latin typeface="Calibri" panose="020F0502020204030204" pitchFamily="34" charset="0"/>
+                <a:ea typeface="Calibri" panose="020F0502020204030204" pitchFamily="34" charset="0"/>
+                <a:cs typeface="Arial" panose="020B0604020202020204" pitchFamily="34" charset="0"/>
+              </a:rPr>
+              <a:t>", СофтУни Фондация (лиценз </a:t>
+            </a:r>
+            <a:r>
+              <a:rPr lang="en-US" sz="1600" dirty="0">
+                <a:solidFill>
+                  <a:schemeClr val="bg2"/>
+                </a:solidFill>
+                <a:effectLst/>
+                <a:latin typeface="Calibri" panose="020F0502020204030204" pitchFamily="34" charset="0"/>
+                <a:ea typeface="Calibri" panose="020F0502020204030204" pitchFamily="34" charset="0"/>
+                <a:cs typeface="Arial" panose="020B0604020202020204" pitchFamily="34" charset="0"/>
+              </a:rPr>
+              <a:t>CC-BY-NC-SA</a:t>
+            </a:r>
+            <a:r>
+              <a:rPr lang="bg-BG" sz="1600" dirty="0">
+                <a:solidFill>
+                  <a:schemeClr val="bg2"/>
+                </a:solidFill>
+                <a:effectLst/>
+                <a:latin typeface="Calibri" panose="020F0502020204030204" pitchFamily="34" charset="0"/>
+                <a:ea typeface="Calibri" panose="020F0502020204030204" pitchFamily="34" charset="0"/>
+                <a:cs typeface="Arial" panose="020B0604020202020204" pitchFamily="34" charset="0"/>
+              </a:rPr>
+              <a:t>)</a:t>
+            </a:r>
+            <a:endParaRPr lang="bg-BG" sz="2400" dirty="0">
+              <a:solidFill>
+                <a:schemeClr val="bg2"/>
+              </a:solidFill>
+              <a:effectLst/>
+              <a:latin typeface="Calibri" panose="020F0502020204030204" pitchFamily="34" charset="0"/>
+              <a:ea typeface="Calibri" panose="020F0502020204030204" pitchFamily="34" charset="0"/>
+              <a:cs typeface="Arial" panose="020B0604020202020204" pitchFamily="34" charset="0"/>
+            </a:endParaRPr>
+          </a:p>
+        </p:txBody>
+      </p:sp>
+    </p:spTree>
+    <p:extLst>
+      <p:ext uri="{BB962C8B-B14F-4D97-AF65-F5344CB8AC3E}">
+        <p14:creationId xmlns:p14="http://schemas.microsoft.com/office/powerpoint/2010/main" val="1472534970"/>
+      </p:ext>
+    </p:extLst>
+  </p:cSld>
+  <p:clrMapOvr>
+    <a:masterClrMapping/>
+  </p:clrMapOvr>
+  <mc:AlternateContent xmlns:mc="http://schemas.openxmlformats.org/markup-compatibility/2006" xmlns:p14="http://schemas.microsoft.com/office/powerpoint/2010/main">
+    <mc:Choice Requires="p14">
+      <p:transition spd="slow" p14:dur="2000" advClick="0" advTm="5000"/>
+    </mc:Choice>
+    <mc:Fallback xmlns="">
+      <p:transition spd="slow" advClick="0" advTm="5000"/>
+    </mc:Fallback>
+  </mc:AlternateContent>
+</p:sld>
+</file>
+
+<file path=ppt/slides/slide41.xml><?xml version="1.0" encoding="utf-8"?>
+<p:sld xmlns:a="http://schemas.openxmlformats.org/drawingml/2006/main" xmlns:r="http://schemas.openxmlformats.org/officeDocument/2006/relationships" xmlns:p="http://schemas.openxmlformats.org/presentationml/2006/main">
+  <p:cSld>
+    <p:spTree>
+      <p:nvGrpSpPr>
+        <p:cNvPr id="1" name=""/>
+        <p:cNvGrpSpPr/>
+        <p:nvPr/>
+      </p:nvGrpSpPr>
+      <p:grpSpPr>
+        <a:xfrm>
+          <a:off x="0" y="0"/>
+          <a:ext cx="0" cy="0"/>
+          <a:chOff x="0" y="0"/>
+          <a:chExt cx="0" cy="0"/>
+        </a:xfrm>
+      </p:grpSpPr>
+      <p:sp>
+        <p:nvSpPr>
+          <p:cNvPr id="5" name="Slide Number">
+            <a:extLst>
+              <a:ext uri="{FF2B5EF4-FFF2-40B4-BE49-F238E27FC236}">
+                <a16:creationId xmlns:a16="http://schemas.microsoft.com/office/drawing/2014/main" id="{F48C3C93-90A1-4D31-BEA6-B54D1106CE31}"/>
+              </a:ext>
+            </a:extLst>
+          </p:cNvPr>
+          <p:cNvSpPr>
+            <a:spLocks noGrp="1"/>
+          </p:cNvSpPr>
+          <p:nvPr>
+            <p:ph type="sldNum" sz="quarter" idx="5"/>
+          </p:nvPr>
+        </p:nvSpPr>
+        <p:spPr>
+          <a:xfrm>
+            <a:off x="11753030" y="6507000"/>
+            <a:ext cx="367414" cy="297000"/>
+          </a:xfrm>
+          <a:prstGeom prst="rect">
+            <a:avLst/>
+          </a:prstGeom>
+        </p:spPr>
+        <p:txBody>
+          <a:bodyPr vert="horz" lIns="91440" tIns="45720" rIns="91440" bIns="45720" rtlCol="0" anchor="b"/>
+          <a:lstStyle>
+            <a:lvl1pPr algn="r">
+              <a:defRPr sz="1000"/>
+            </a:lvl1pPr>
+          </a:lstStyle>
+          <a:p>
+            <a:fld id="{2BF067CD-8E6B-4360-9AA8-C5DF2A48A6D1}" type="slidenum">
+              <a:rPr lang="en-US" smtClean="0"/>
+              <a:pPr/>
+              <a:t>41</a:t>
+            </a:fld>
+            <a:endParaRPr lang="en-US" dirty="0"/>
+          </a:p>
+        </p:txBody>
+      </p:sp>
+      <p:sp>
+        <p:nvSpPr>
+          <p:cNvPr id="2" name="Slide Body">
+            <a:extLst>
+              <a:ext uri="{FF2B5EF4-FFF2-40B4-BE49-F238E27FC236}">
+                <a16:creationId xmlns:a16="http://schemas.microsoft.com/office/drawing/2014/main" id="{980F49B1-E4BE-4389-A747-7AB9B71AD920}"/>
+              </a:ext>
+            </a:extLst>
+          </p:cNvPr>
+          <p:cNvSpPr>
+            <a:spLocks noGrp="1"/>
+          </p:cNvSpPr>
+          <p:nvPr>
+            <p:ph type="body" sz="quarter" idx="10"/>
+          </p:nvPr>
+        </p:nvSpPr>
+        <p:spPr>
+          <a:xfrm>
+            <a:off x="190402" y="1269001"/>
+            <a:ext cx="9865598" cy="2474999"/>
+          </a:xfrm>
+        </p:spPr>
+        <p:txBody>
+          <a:bodyPr>
+            <a:normAutofit/>
+          </a:bodyPr>
+          <a:lstStyle/>
+          <a:p>
+            <a:pPr>
+              <a:lnSpc>
+                <a:spcPct val="120000"/>
+              </a:lnSpc>
+            </a:pPr>
+            <a:r>
+              <a:rPr lang="bg-BG" sz="3200" dirty="0"/>
+              <a:t>Този курс</a:t>
+            </a:r>
+            <a:r>
+              <a:rPr lang="en-US" sz="3200" dirty="0"/>
+              <a:t> (</a:t>
+            </a:r>
+            <a:r>
+              <a:rPr lang="bg-BG" sz="3200" dirty="0"/>
+              <a:t>презентации, примери, демонстрационен код, упражнения, домашни, видео и други активи</a:t>
+            </a:r>
+            <a:r>
+              <a:rPr lang="en-US" sz="3200" dirty="0"/>
+              <a:t>) </a:t>
+            </a:r>
+            <a:r>
+              <a:rPr lang="bg-BG" sz="3200" dirty="0"/>
+              <a:t>представлява</a:t>
+            </a:r>
+            <a:r>
+              <a:rPr lang="en-US" sz="3200" dirty="0"/>
+              <a:t> </a:t>
+            </a:r>
+            <a:r>
+              <a:rPr lang="bg-BG" sz="3200" b="1" dirty="0"/>
+              <a:t>свободно учебно съдържание </a:t>
+            </a:r>
+            <a:r>
+              <a:rPr lang="bg-BG" sz="3200" dirty="0"/>
+              <a:t>и се разпространява под свободен лиценз </a:t>
+            </a:r>
+            <a:r>
+              <a:rPr lang="en-US" sz="3200" b="1" dirty="0"/>
+              <a:t>CC-BY-NC-SA</a:t>
+            </a:r>
+            <a:endParaRPr lang="bg-BG" sz="3200" dirty="0"/>
+          </a:p>
+        </p:txBody>
+      </p:sp>
+      <p:pic>
+        <p:nvPicPr>
+          <p:cNvPr id="6" name="Picture License" descr="License">
+            <a:extLst>
+              <a:ext uri="{FF2B5EF4-FFF2-40B4-BE49-F238E27FC236}">
+                <a16:creationId xmlns:a16="http://schemas.microsoft.com/office/drawing/2014/main" id="{82BA520F-A037-4E01-AA18-27D9F1E930A6}"/>
+              </a:ext>
+            </a:extLst>
+          </p:cNvPr>
+          <p:cNvPicPr>
+            <a:picLocks noChangeAspect="1"/>
+          </p:cNvPicPr>
+          <p:nvPr/>
+        </p:nvPicPr>
+        <p:blipFill>
+          <a:blip r:embed="rId3">
+            <a:clrChange>
+              <a:clrFrom>
+                <a:srgbClr val="FFFFFF"/>
+              </a:clrFrom>
+              <a:clrTo>
+                <a:srgbClr val="FFFFFF">
+                  <a:alpha val="0"/>
+                </a:srgbClr>
+              </a:clrTo>
+            </a:clrChange>
+          </a:blip>
+          <a:stretch>
+            <a:fillRect/>
+          </a:stretch>
+        </p:blipFill>
+        <p:spPr>
+          <a:xfrm>
+            <a:off x="10226175" y="1440120"/>
+            <a:ext cx="1198986" cy="1268880"/>
+          </a:xfrm>
+          <a:prstGeom prst="rect">
+            <a:avLst/>
+          </a:prstGeom>
+        </p:spPr>
+      </p:pic>
+      <p:sp>
+        <p:nvSpPr>
+          <p:cNvPr id="3" name="Slide Title">
+            <a:extLst>
+              <a:ext uri="{FF2B5EF4-FFF2-40B4-BE49-F238E27FC236}">
+                <a16:creationId xmlns:a16="http://schemas.microsoft.com/office/drawing/2014/main" id="{E5F1FB41-80C3-4816-BC47-CCC50632E6E8}"/>
+              </a:ext>
+            </a:extLst>
+          </p:cNvPr>
+          <p:cNvSpPr>
+            <a:spLocks noGrp="1"/>
+          </p:cNvSpPr>
+          <p:nvPr>
+            <p:ph type="title"/>
+          </p:nvPr>
+        </p:nvSpPr>
+        <p:spPr/>
+        <p:txBody>
+          <a:bodyPr/>
+          <a:lstStyle/>
+          <a:p>
+            <a:r>
+              <a:rPr lang="bg-BG" dirty="0"/>
+              <a:t>Лиценз</a:t>
+            </a:r>
+          </a:p>
+        </p:txBody>
+      </p:sp>
+      <p:sp>
+        <p:nvSpPr>
+          <p:cNvPr id="11" name="TextBox 10">
+            <a:extLst>
+              <a:ext uri="{FF2B5EF4-FFF2-40B4-BE49-F238E27FC236}">
+                <a16:creationId xmlns:a16="http://schemas.microsoft.com/office/drawing/2014/main" id="{0C18DF19-B750-4C88-975B-661A6BF61F5E}"/>
+              </a:ext>
+            </a:extLst>
+          </p:cNvPr>
+          <p:cNvSpPr txBox="1"/>
+          <p:nvPr/>
+        </p:nvSpPr>
+        <p:spPr>
+          <a:xfrm>
+            <a:off x="190401" y="3927519"/>
+            <a:ext cx="11710599" cy="1979644"/>
+          </a:xfrm>
+          <a:prstGeom prst="rect">
+            <a:avLst/>
+          </a:prstGeom>
+          <a:noFill/>
+          <a:ln w="12700">
+            <a:noFill/>
+          </a:ln>
+        </p:spPr>
+        <p:txBody>
+          <a:bodyPr wrap="square">
+            <a:spAutoFit/>
+          </a:bodyPr>
+          <a:lstStyle/>
+          <a:p>
+            <a:pPr marL="360363" indent="-360363" defTabSz="1218438">
+              <a:lnSpc>
+                <a:spcPct val="120000"/>
+              </a:lnSpc>
+              <a:spcBef>
+                <a:spcPts val="600"/>
+              </a:spcBef>
+              <a:spcAft>
+                <a:spcPts val="600"/>
+              </a:spcAft>
+              <a:buFont typeface="Wingdings" panose="05000000000000000000" pitchFamily="2" charset="2"/>
+              <a:buChar char="§"/>
+              <a:defRPr/>
+            </a:pPr>
+            <a:r>
+              <a:rPr lang="bg-BG" sz="3200" dirty="0"/>
+              <a:t>Проект "</a:t>
+            </a:r>
+            <a:r>
+              <a:rPr lang="bg-BG" sz="3200" b="1" dirty="0"/>
+              <a:t>Отворено учебно съдържание по програмиране и ИТ</a:t>
+            </a:r>
+            <a:r>
+              <a:rPr lang="bg-BG" sz="3200" dirty="0"/>
+              <a:t>" към Фондация "Софтуерен университет"</a:t>
+            </a:r>
+            <a:r>
+              <a:rPr lang="en-US" sz="3200" dirty="0"/>
+              <a:t>:</a:t>
+            </a:r>
+            <a:endParaRPr lang="bg-BG" sz="3200" dirty="0"/>
+          </a:p>
+          <a:p>
+            <a:pPr marL="817563" lvl="1" indent="-360363" defTabSz="1218438">
+              <a:lnSpc>
+                <a:spcPct val="120000"/>
+              </a:lnSpc>
+              <a:spcBef>
+                <a:spcPts val="600"/>
+              </a:spcBef>
+              <a:spcAft>
+                <a:spcPts val="600"/>
+              </a:spcAft>
+              <a:buFont typeface="Wingdings" panose="05000000000000000000" pitchFamily="2" charset="2"/>
+              <a:buChar char="§"/>
+              <a:defRPr/>
+            </a:pPr>
+            <a:r>
+              <a:rPr kumimoji="0" lang="en-US" sz="3200" b="0" i="0" u="none" strike="noStrike" kern="1200" cap="none" spc="0" normalizeH="0" baseline="0" noProof="0" dirty="0">
+                <a:ln>
+                  <a:noFill/>
+                </a:ln>
+                <a:solidFill>
+                  <a:srgbClr val="234465"/>
+                </a:solidFill>
+                <a:effectLst/>
+                <a:uLnTx/>
+                <a:uFillTx/>
+                <a:latin typeface="Calibri"/>
+                <a:ea typeface="+mn-ea"/>
+                <a:cs typeface="+mn-cs"/>
+                <a:hlinkClick r:id="rId4"/>
+              </a:rPr>
+              <a:t>https://github.com/BG-IT-Edu</a:t>
+            </a:r>
+            <a:endParaRPr kumimoji="0" lang="bg-BG" sz="3200" b="0" i="0" u="none" strike="noStrike" kern="1200" cap="none" spc="0" normalizeH="0" baseline="0" noProof="0" dirty="0">
+              <a:ln>
+                <a:noFill/>
+              </a:ln>
+              <a:solidFill>
+                <a:srgbClr val="234465"/>
+              </a:solidFill>
+              <a:effectLst/>
+              <a:uLnTx/>
+              <a:uFillTx/>
+              <a:latin typeface="Calibri"/>
+              <a:ea typeface="+mn-ea"/>
+              <a:cs typeface="+mn-cs"/>
+            </a:endParaRPr>
+          </a:p>
+        </p:txBody>
+      </p:sp>
+      <p:pic>
+        <p:nvPicPr>
+          <p:cNvPr id="7" name="Picture 6" title="CC-BY-NC-SA License">
+            <a:hlinkClick r:id="rId5" tooltip="This work is licensed under the &quot;Creative Commons Attribution-NonCommercial-ShareAlike 4.0 International&quot; license"/>
+            <a:extLst>
+              <a:ext uri="{FF2B5EF4-FFF2-40B4-BE49-F238E27FC236}">
+                <a16:creationId xmlns:a16="http://schemas.microsoft.com/office/drawing/2014/main" id="{F6C77C47-F7D8-A176-5C69-7FDE5C7E8003}"/>
+              </a:ext>
+            </a:extLst>
+          </p:cNvPr>
+          <p:cNvPicPr>
+            <a:picLocks noChangeAspect="1" noChangeArrowheads="1"/>
+          </p:cNvPicPr>
+          <p:nvPr/>
+        </p:nvPicPr>
+        <p:blipFill>
+          <a:blip r:embed="rId6">
+            <a:extLst>
+              <a:ext uri="{28A0092B-C50C-407E-A947-70E740481C1C}">
+                <a14:useLocalDpi xmlns:a14="http://schemas.microsoft.com/office/drawing/2010/main"/>
+              </a:ext>
+            </a:extLst>
+          </a:blip>
+          <a:srcRect/>
+          <a:stretch>
+            <a:fillRect/>
+          </a:stretch>
+        </p:blipFill>
+        <p:spPr bwMode="auto">
+          <a:xfrm>
+            <a:off x="9831000" y="2908593"/>
+            <a:ext cx="1989336" cy="696022"/>
+          </a:xfrm>
+          <a:prstGeom prst="roundRect">
+            <a:avLst>
+              <a:gd name="adj" fmla="val 3940"/>
+            </a:avLst>
+          </a:prstGeom>
+          <a:solidFill>
+            <a:srgbClr val="231F20">
+              <a:alpha val="50000"/>
+            </a:srgbClr>
+          </a:solidFill>
+          <a:ln>
+            <a:noFill/>
+          </a:ln>
+        </p:spPr>
+      </p:pic>
+    </p:spTree>
+    <p:extLst>
+      <p:ext uri="{BB962C8B-B14F-4D97-AF65-F5344CB8AC3E}">
+        <p14:creationId xmlns:p14="http://schemas.microsoft.com/office/powerpoint/2010/main" val="3879276042"/>
+      </p:ext>
+    </p:extLst>
+  </p:cSld>
+  <p:clrMapOvr>
+    <a:masterClrMapping/>
+  </p:clrMapOvr>
+  <mc:AlternateContent xmlns:mc="http://schemas.openxmlformats.org/markup-compatibility/2006" xmlns:p14="http://schemas.microsoft.com/office/powerpoint/2010/main">
+    <mc:Choice Requires="p14">
+      <p:transition spd="slow" p14:dur="2000" advClick="0" advTm="5000"/>
+    </mc:Choice>
+    <mc:Fallback xmlns="">
+      <p:transition spd="slow" advClick="0" advTm="5000"/>
+    </mc:Fallback>
+  </mc:AlternateContent>
 </p:sld>
 </file>
 

--- a/Courses/Software-Sciences/Module-4-Information-Systems-New/03-Introduction-to-ORM/03-Introduction-to-ORM.pptx
+++ b/Courses/Software-Sciences/Module-4-Information-Systems-New/03-Introduction-to-ORM/03-Introduction-to-ORM.pptx
@@ -5,10 +5,10 @@
     <p:sldMasterId id="2147483675" r:id="rId1"/>
   </p:sldMasterIdLst>
   <p:notesMasterIdLst>
-    <p:notesMasterId r:id="rId43"/>
+    <p:notesMasterId r:id="rId42"/>
   </p:notesMasterIdLst>
   <p:handoutMasterIdLst>
-    <p:handoutMasterId r:id="rId44"/>
+    <p:handoutMasterId r:id="rId43"/>
   </p:handoutMasterIdLst>
   <p:sldIdLst>
     <p:sldId id="503" r:id="rId2"/>
@@ -29,29 +29,28 @@
     <p:sldId id="682" r:id="rId17"/>
     <p:sldId id="700" r:id="rId18"/>
     <p:sldId id="701" r:id="rId19"/>
-    <p:sldId id="702" r:id="rId20"/>
-    <p:sldId id="718" r:id="rId21"/>
-    <p:sldId id="698" r:id="rId22"/>
-    <p:sldId id="703" r:id="rId23"/>
-    <p:sldId id="706" r:id="rId24"/>
-    <p:sldId id="705" r:id="rId25"/>
-    <p:sldId id="704" r:id="rId26"/>
-    <p:sldId id="649" r:id="rId27"/>
-    <p:sldId id="707" r:id="rId28"/>
-    <p:sldId id="708" r:id="rId29"/>
-    <p:sldId id="709" r:id="rId30"/>
-    <p:sldId id="710" r:id="rId31"/>
-    <p:sldId id="711" r:id="rId32"/>
-    <p:sldId id="713" r:id="rId33"/>
-    <p:sldId id="712" r:id="rId34"/>
-    <p:sldId id="714" r:id="rId35"/>
-    <p:sldId id="715" r:id="rId36"/>
-    <p:sldId id="720" r:id="rId37"/>
-    <p:sldId id="721" r:id="rId38"/>
-    <p:sldId id="722" r:id="rId39"/>
-    <p:sldId id="633" r:id="rId40"/>
-    <p:sldId id="504" r:id="rId41"/>
-    <p:sldId id="505" r:id="rId42"/>
+    <p:sldId id="718" r:id="rId20"/>
+    <p:sldId id="698" r:id="rId21"/>
+    <p:sldId id="703" r:id="rId22"/>
+    <p:sldId id="706" r:id="rId23"/>
+    <p:sldId id="705" r:id="rId24"/>
+    <p:sldId id="704" r:id="rId25"/>
+    <p:sldId id="649" r:id="rId26"/>
+    <p:sldId id="707" r:id="rId27"/>
+    <p:sldId id="708" r:id="rId28"/>
+    <p:sldId id="709" r:id="rId29"/>
+    <p:sldId id="710" r:id="rId30"/>
+    <p:sldId id="711" r:id="rId31"/>
+    <p:sldId id="713" r:id="rId32"/>
+    <p:sldId id="712" r:id="rId33"/>
+    <p:sldId id="714" r:id="rId34"/>
+    <p:sldId id="715" r:id="rId35"/>
+    <p:sldId id="720" r:id="rId36"/>
+    <p:sldId id="721" r:id="rId37"/>
+    <p:sldId id="722" r:id="rId38"/>
+    <p:sldId id="633" r:id="rId39"/>
+    <p:sldId id="504" r:id="rId40"/>
+    <p:sldId id="505" r:id="rId41"/>
   </p:sldIdLst>
   <p:sldSz cx="12192000" cy="6858000"/>
   <p:notesSz cx="6858000" cy="9144000"/>
@@ -193,7 +192,6 @@
             <p14:sldId id="682"/>
             <p14:sldId id="700"/>
             <p14:sldId id="701"/>
-            <p14:sldId id="702"/>
             <p14:sldId id="718"/>
           </p14:sldIdLst>
         </p14:section>
@@ -3031,7 +3029,7 @@
     </p:spTree>
     <p:extLst>
       <p:ext uri="{BB962C8B-B14F-4D97-AF65-F5344CB8AC3E}">
-        <p14:creationId xmlns:p14="http://schemas.microsoft.com/office/powerpoint/2010/main" val="3854010826"/>
+        <p14:creationId xmlns:p14="http://schemas.microsoft.com/office/powerpoint/2010/main" val="1210427204"/>
       </p:ext>
     </p:extLst>
   </p:cSld>
@@ -3091,10 +3089,10 @@
       </p:sp>
       <p:sp>
         <p:nvSpPr>
-          <p:cNvPr id="6" name="Slide Number Placeholder 5">
+          <p:cNvPr id="7" name="Slide Number Placeholder 5">
             <a:extLst>
               <a:ext uri="{FF2B5EF4-FFF2-40B4-BE49-F238E27FC236}">
-                <a16:creationId xmlns:a16="http://schemas.microsoft.com/office/drawing/2014/main" id="{973EF363-177A-44DE-80E9-FC9248B7DCA2}"/>
+                <a16:creationId xmlns:a16="http://schemas.microsoft.com/office/drawing/2014/main" id="{BD88B0D8-949C-482D-990A-2DAB14AD4AD1}"/>
               </a:ext>
             </a:extLst>
           </p:cNvPr>
@@ -3224,7 +3222,7 @@
           <p:cNvPr id="4" name="Footer Placeholder 3">
             <a:extLst>
               <a:ext uri="{FF2B5EF4-FFF2-40B4-BE49-F238E27FC236}">
-                <a16:creationId xmlns:a16="http://schemas.microsoft.com/office/drawing/2014/main" id="{8EE613EE-6697-4964-A067-C2136C00C834}"/>
+                <a16:creationId xmlns:a16="http://schemas.microsoft.com/office/drawing/2014/main" id="{58474633-D38D-4432-867B-70F325FA7016}"/>
               </a:ext>
             </a:extLst>
           </p:cNvPr>
@@ -3261,7 +3259,7 @@
     </p:spTree>
     <p:extLst>
       <p:ext uri="{BB962C8B-B14F-4D97-AF65-F5344CB8AC3E}">
-        <p14:creationId xmlns:p14="http://schemas.microsoft.com/office/powerpoint/2010/main" val="1210427204"/>
+        <p14:creationId xmlns:p14="http://schemas.microsoft.com/office/powerpoint/2010/main" val="2422749412"/>
       </p:ext>
     </p:extLst>
   </p:cSld>
@@ -3557,16 +3555,16 @@
           <a:bodyPr/>
           <a:lstStyle/>
           <a:p>
-            <a:endParaRPr lang="en-US"/>
+            <a:endParaRPr lang="en-US" dirty="0"/>
           </a:p>
         </p:txBody>
       </p:sp>
       <p:sp>
         <p:nvSpPr>
-          <p:cNvPr id="7" name="Slide Number Placeholder 5">
+          <p:cNvPr id="6" name="Slide Number Placeholder 5">
             <a:extLst>
               <a:ext uri="{FF2B5EF4-FFF2-40B4-BE49-F238E27FC236}">
-                <a16:creationId xmlns:a16="http://schemas.microsoft.com/office/drawing/2014/main" id="{BD88B0D8-949C-482D-990A-2DAB14AD4AD1}"/>
+                <a16:creationId xmlns:a16="http://schemas.microsoft.com/office/drawing/2014/main" id="{973EF363-177A-44DE-80E9-FC9248B7DCA2}"/>
               </a:ext>
             </a:extLst>
           </p:cNvPr>
@@ -3696,7 +3694,7 @@
           <p:cNvPr id="4" name="Footer Placeholder 3">
             <a:extLst>
               <a:ext uri="{FF2B5EF4-FFF2-40B4-BE49-F238E27FC236}">
-                <a16:creationId xmlns:a16="http://schemas.microsoft.com/office/drawing/2014/main" id="{58474633-D38D-4432-867B-70F325FA7016}"/>
+                <a16:creationId xmlns:a16="http://schemas.microsoft.com/office/drawing/2014/main" id="{8EE613EE-6697-4964-A067-C2136C00C834}"/>
               </a:ext>
             </a:extLst>
           </p:cNvPr>
@@ -3733,7 +3731,7 @@
     </p:spTree>
     <p:extLst>
       <p:ext uri="{BB962C8B-B14F-4D97-AF65-F5344CB8AC3E}">
-        <p14:creationId xmlns:p14="http://schemas.microsoft.com/office/powerpoint/2010/main" val="2422749412"/>
+        <p14:creationId xmlns:p14="http://schemas.microsoft.com/office/powerpoint/2010/main" val="3125195826"/>
       </p:ext>
     </p:extLst>
   </p:cSld>
@@ -3787,7 +3785,7 @@
           <a:bodyPr/>
           <a:lstStyle/>
           <a:p>
-            <a:endParaRPr lang="en-US" dirty="0"/>
+            <a:endParaRPr lang="en-US"/>
           </a:p>
         </p:txBody>
       </p:sp>
@@ -3963,7 +3961,7 @@
     </p:spTree>
     <p:extLst>
       <p:ext uri="{BB962C8B-B14F-4D97-AF65-F5344CB8AC3E}">
-        <p14:creationId xmlns:p14="http://schemas.microsoft.com/office/powerpoint/2010/main" val="3125195826"/>
+        <p14:creationId xmlns:p14="http://schemas.microsoft.com/office/powerpoint/2010/main" val="543015053"/>
       </p:ext>
     </p:extLst>
   </p:cSld>
@@ -4193,7 +4191,7 @@
     </p:spTree>
     <p:extLst>
       <p:ext uri="{BB962C8B-B14F-4D97-AF65-F5344CB8AC3E}">
-        <p14:creationId xmlns:p14="http://schemas.microsoft.com/office/powerpoint/2010/main" val="543015053"/>
+        <p14:creationId xmlns:p14="http://schemas.microsoft.com/office/powerpoint/2010/main" val="4264459693"/>
       </p:ext>
     </p:extLst>
   </p:cSld>
@@ -4423,7 +4421,7 @@
     </p:spTree>
     <p:extLst>
       <p:ext uri="{BB962C8B-B14F-4D97-AF65-F5344CB8AC3E}">
-        <p14:creationId xmlns:p14="http://schemas.microsoft.com/office/powerpoint/2010/main" val="4264459693"/>
+        <p14:creationId xmlns:p14="http://schemas.microsoft.com/office/powerpoint/2010/main" val="638781853"/>
       </p:ext>
     </p:extLst>
   </p:cSld>
@@ -4483,10 +4481,10 @@
       </p:sp>
       <p:sp>
         <p:nvSpPr>
-          <p:cNvPr id="6" name="Slide Number Placeholder 5">
+          <p:cNvPr id="7" name="Slide Number Placeholder 5">
             <a:extLst>
               <a:ext uri="{FF2B5EF4-FFF2-40B4-BE49-F238E27FC236}">
-                <a16:creationId xmlns:a16="http://schemas.microsoft.com/office/drawing/2014/main" id="{973EF363-177A-44DE-80E9-FC9248B7DCA2}"/>
+                <a16:creationId xmlns:a16="http://schemas.microsoft.com/office/drawing/2014/main" id="{BD88B0D8-949C-482D-990A-2DAB14AD4AD1}"/>
               </a:ext>
             </a:extLst>
           </p:cNvPr>
@@ -4616,7 +4614,7 @@
           <p:cNvPr id="4" name="Footer Placeholder 3">
             <a:extLst>
               <a:ext uri="{FF2B5EF4-FFF2-40B4-BE49-F238E27FC236}">
-                <a16:creationId xmlns:a16="http://schemas.microsoft.com/office/drawing/2014/main" id="{8EE613EE-6697-4964-A067-C2136C00C834}"/>
+                <a16:creationId xmlns:a16="http://schemas.microsoft.com/office/drawing/2014/main" id="{58474633-D38D-4432-867B-70F325FA7016}"/>
               </a:ext>
             </a:extLst>
           </p:cNvPr>
@@ -4653,7 +4651,7 @@
     </p:spTree>
     <p:extLst>
       <p:ext uri="{BB962C8B-B14F-4D97-AF65-F5344CB8AC3E}">
-        <p14:creationId xmlns:p14="http://schemas.microsoft.com/office/powerpoint/2010/main" val="638781853"/>
+        <p14:creationId xmlns:p14="http://schemas.microsoft.com/office/powerpoint/2010/main" val="2800762101"/>
       </p:ext>
     </p:extLst>
   </p:cSld>
@@ -4707,7 +4705,7 @@
           <a:bodyPr/>
           <a:lstStyle/>
           <a:p>
-            <a:endParaRPr lang="en-US"/>
+            <a:endParaRPr lang="en-US" dirty="0"/>
           </a:p>
         </p:txBody>
       </p:sp>
@@ -4716,7 +4714,7 @@
           <p:cNvPr id="7" name="Slide Number Placeholder 5">
             <a:extLst>
               <a:ext uri="{FF2B5EF4-FFF2-40B4-BE49-F238E27FC236}">
-                <a16:creationId xmlns:a16="http://schemas.microsoft.com/office/drawing/2014/main" id="{BD88B0D8-949C-482D-990A-2DAB14AD4AD1}"/>
+                <a16:creationId xmlns:a16="http://schemas.microsoft.com/office/drawing/2014/main" id="{E65F1CA9-65DC-416B-8882-B3A5E415CE67}"/>
               </a:ext>
             </a:extLst>
           </p:cNvPr>
@@ -4835,7 +4833,7 @@
             <a:fld id="{3EBA5BD7-F043-4D1B-AA17-CD412FC534DE}" type="slidenum">
               <a:rPr lang="en-US" smtClean="0"/>
               <a:pPr/>
-              <a:t>26</a:t>
+              <a:t>38</a:t>
             </a:fld>
             <a:endParaRPr lang="en-US" dirty="0"/>
           </a:p>
@@ -4843,10 +4841,10 @@
       </p:sp>
       <p:sp>
         <p:nvSpPr>
-          <p:cNvPr id="4" name="Footer Placeholder 3">
+          <p:cNvPr id="5" name="Footer Placeholder 7">
             <a:extLst>
               <a:ext uri="{FF2B5EF4-FFF2-40B4-BE49-F238E27FC236}">
-                <a16:creationId xmlns:a16="http://schemas.microsoft.com/office/drawing/2014/main" id="{58474633-D38D-4432-867B-70F325FA7016}"/>
+                <a16:creationId xmlns:a16="http://schemas.microsoft.com/office/drawing/2014/main" id="{43FAF785-0C8D-730E-8E59-68198DC82CE0}"/>
               </a:ext>
             </a:extLst>
           </p:cNvPr>
@@ -4857,33 +4855,49 @@
             <p:ph type="ftr" sz="quarter" idx="4"/>
           </p:nvPr>
         </p:nvSpPr>
-        <p:spPr/>
+        <p:spPr>
+          <a:xfrm>
+            <a:off x="-1" y="8892000"/>
+            <a:ext cx="6488999" cy="252000"/>
+          </a:xfrm>
+          <a:prstGeom prst="rect">
+            <a:avLst/>
+          </a:prstGeom>
+        </p:spPr>
         <p:txBody>
-          <a:bodyPr/>
-          <a:lstStyle/>
-          <a:p>
-            <a:r>
-              <a:rPr lang="en-US"/>
-              <a:t>© SoftUni – </a:t>
-            </a:r>
-            <a:r>
-              <a:rPr lang="en-US" u="sng">
+          <a:bodyPr vert="horz" lIns="91440" tIns="45720" rIns="91440" bIns="45720" rtlCol="0" anchor="b"/>
+          <a:lstStyle>
+            <a:lvl1pPr algn="l">
+              <a:defRPr sz="1100"/>
+            </a:lvl1pPr>
+          </a:lstStyle>
+          <a:p>
+            <a:r>
+              <a:rPr lang="bg-BG" sz="1100" dirty="0"/>
+              <a:t>Работна група </a:t>
+            </a:r>
+            <a:r>
+              <a:rPr lang="bg-BG" dirty="0"/>
+              <a:t>"Образование по програмиране и ИТ"</a:t>
+            </a:r>
+            <a:r>
+              <a:rPr lang="bg-BG" sz="1100" dirty="0"/>
+              <a:t>, с подкрепата на </a:t>
+            </a:r>
+            <a:r>
+              <a:rPr lang="en-US" sz="1100" dirty="0">
                 <a:hlinkClick r:id="rId3"/>
               </a:rPr>
-              <a:t>https://softuni.org</a:t>
-            </a:r>
-            <a:r>
-              <a:rPr lang="en-US"/>
-              <a:t>. Copyrighted document. Unauthorized copy or reproduction is not permitted.</a:t>
-            </a:r>
-            <a:endParaRPr lang="en-US" dirty="0"/>
+              <a:t>SoftUni</a:t>
+            </a:r>
+            <a:endParaRPr lang="en-US" sz="1100" dirty="0"/>
           </a:p>
         </p:txBody>
       </p:sp>
     </p:spTree>
     <p:extLst>
       <p:ext uri="{BB962C8B-B14F-4D97-AF65-F5344CB8AC3E}">
-        <p14:creationId xmlns:p14="http://schemas.microsoft.com/office/powerpoint/2010/main" val="2800762101"/>
+        <p14:creationId xmlns:p14="http://schemas.microsoft.com/office/powerpoint/2010/main" val="2689344733"/>
       </p:ext>
     </p:extLst>
   </p:cSld>
@@ -4946,7 +4960,7 @@
           <p:cNvPr id="7" name="Slide Number Placeholder 5">
             <a:extLst>
               <a:ext uri="{FF2B5EF4-FFF2-40B4-BE49-F238E27FC236}">
-                <a16:creationId xmlns:a16="http://schemas.microsoft.com/office/drawing/2014/main" id="{E65F1CA9-65DC-416B-8882-B3A5E415CE67}"/>
+                <a16:creationId xmlns:a16="http://schemas.microsoft.com/office/drawing/2014/main" id="{5049B984-F964-47FF-8179-0A3007CE21CD}"/>
               </a:ext>
             </a:extLst>
           </p:cNvPr>
@@ -5073,10 +5087,10 @@
       </p:sp>
       <p:sp>
         <p:nvSpPr>
-          <p:cNvPr id="5" name="Footer Placeholder 7">
+          <p:cNvPr id="4" name="Footer Placeholder 3">
             <a:extLst>
               <a:ext uri="{FF2B5EF4-FFF2-40B4-BE49-F238E27FC236}">
-                <a16:creationId xmlns:a16="http://schemas.microsoft.com/office/drawing/2014/main" id="{43FAF785-0C8D-730E-8E59-68198DC82CE0}"/>
+                <a16:creationId xmlns:a16="http://schemas.microsoft.com/office/drawing/2014/main" id="{8E059BE0-D868-413B-AAA1-1CC88D1F52C5}"/>
               </a:ext>
             </a:extLst>
           </p:cNvPr>
@@ -5087,49 +5101,33 @@
             <p:ph type="ftr" sz="quarter" idx="4"/>
           </p:nvPr>
         </p:nvSpPr>
-        <p:spPr>
-          <a:xfrm>
-            <a:off x="-1" y="8892000"/>
-            <a:ext cx="6488999" cy="252000"/>
-          </a:xfrm>
-          <a:prstGeom prst="rect">
-            <a:avLst/>
-          </a:prstGeom>
-        </p:spPr>
+        <p:spPr/>
         <p:txBody>
-          <a:bodyPr vert="horz" lIns="91440" tIns="45720" rIns="91440" bIns="45720" rtlCol="0" anchor="b"/>
-          <a:lstStyle>
-            <a:lvl1pPr algn="l">
-              <a:defRPr sz="1100"/>
-            </a:lvl1pPr>
-          </a:lstStyle>
-          <a:p>
-            <a:r>
-              <a:rPr lang="bg-BG" sz="1100" dirty="0"/>
-              <a:t>Работна група </a:t>
-            </a:r>
-            <a:r>
-              <a:rPr lang="bg-BG" dirty="0"/>
-              <a:t>"Образование по програмиране и ИТ"</a:t>
-            </a:r>
-            <a:r>
-              <a:rPr lang="bg-BG" sz="1100" dirty="0"/>
-              <a:t>, с подкрепата на </a:t>
-            </a:r>
-            <a:r>
-              <a:rPr lang="en-US" sz="1100" dirty="0">
+          <a:bodyPr/>
+          <a:lstStyle/>
+          <a:p>
+            <a:r>
+              <a:rPr lang="en-US"/>
+              <a:t>© SoftUni – </a:t>
+            </a:r>
+            <a:r>
+              <a:rPr lang="en-US" u="sng">
                 <a:hlinkClick r:id="rId3"/>
               </a:rPr>
-              <a:t>SoftUni</a:t>
-            </a:r>
-            <a:endParaRPr lang="en-US" sz="1100" dirty="0"/>
+              <a:t>https://softuni.org</a:t>
+            </a:r>
+            <a:r>
+              <a:rPr lang="en-US"/>
+              <a:t>. Copyrighted document. Unauthorized copy or reproduction is not permitted.</a:t>
+            </a:r>
+            <a:endParaRPr lang="en-US" dirty="0"/>
           </a:p>
         </p:txBody>
       </p:sp>
     </p:spTree>
     <p:extLst>
       <p:ext uri="{BB962C8B-B14F-4D97-AF65-F5344CB8AC3E}">
-        <p14:creationId xmlns:p14="http://schemas.microsoft.com/office/powerpoint/2010/main" val="2689344733"/>
+        <p14:creationId xmlns:p14="http://schemas.microsoft.com/office/powerpoint/2010/main" val="3466590374"/>
       </p:ext>
     </p:extLst>
   </p:cSld>
@@ -5183,236 +5181,6 @@
           <a:bodyPr/>
           <a:lstStyle/>
           <a:p>
-            <a:endParaRPr lang="en-US" dirty="0"/>
-          </a:p>
-        </p:txBody>
-      </p:sp>
-      <p:sp>
-        <p:nvSpPr>
-          <p:cNvPr id="7" name="Slide Number Placeholder 5">
-            <a:extLst>
-              <a:ext uri="{FF2B5EF4-FFF2-40B4-BE49-F238E27FC236}">
-                <a16:creationId xmlns:a16="http://schemas.microsoft.com/office/drawing/2014/main" id="{5049B984-F964-47FF-8179-0A3007CE21CD}"/>
-              </a:ext>
-            </a:extLst>
-          </p:cNvPr>
-          <p:cNvSpPr txBox="1">
-            <a:spLocks/>
-          </p:cNvSpPr>
-          <p:nvPr/>
-        </p:nvSpPr>
-        <p:spPr>
-          <a:xfrm>
-            <a:off x="6488999" y="8847000"/>
-            <a:ext cx="367414" cy="297000"/>
-          </a:xfrm>
-          <a:prstGeom prst="rect">
-            <a:avLst/>
-          </a:prstGeom>
-        </p:spPr>
-        <p:txBody>
-          <a:bodyPr vert="horz" lIns="91440" tIns="45720" rIns="91440" bIns="45720" rtlCol="0" anchor="b"/>
-          <a:lstStyle>
-            <a:defPPr>
-              <a:defRPr lang="en-US"/>
-            </a:defPPr>
-            <a:lvl1pPr marL="0" algn="r" defTabSz="914400" rtl="0" eaLnBrk="1" latinLnBrk="0" hangingPunct="1">
-              <a:defRPr sz="1200" kern="1200">
-                <a:solidFill>
-                  <a:schemeClr val="tx1"/>
-                </a:solidFill>
-                <a:latin typeface="+mn-lt"/>
-                <a:ea typeface="+mn-ea"/>
-                <a:cs typeface="+mn-cs"/>
-              </a:defRPr>
-            </a:lvl1pPr>
-            <a:lvl2pPr marL="457200" algn="l" defTabSz="914400" rtl="0" eaLnBrk="1" latinLnBrk="0" hangingPunct="1">
-              <a:defRPr sz="1800" kern="1200">
-                <a:solidFill>
-                  <a:schemeClr val="tx1"/>
-                </a:solidFill>
-                <a:latin typeface="+mn-lt"/>
-                <a:ea typeface="+mn-ea"/>
-                <a:cs typeface="+mn-cs"/>
-              </a:defRPr>
-            </a:lvl2pPr>
-            <a:lvl3pPr marL="914400" algn="l" defTabSz="914400" rtl="0" eaLnBrk="1" latinLnBrk="0" hangingPunct="1">
-              <a:defRPr sz="1800" kern="1200">
-                <a:solidFill>
-                  <a:schemeClr val="tx1"/>
-                </a:solidFill>
-                <a:latin typeface="+mn-lt"/>
-                <a:ea typeface="+mn-ea"/>
-                <a:cs typeface="+mn-cs"/>
-              </a:defRPr>
-            </a:lvl3pPr>
-            <a:lvl4pPr marL="1371600" algn="l" defTabSz="914400" rtl="0" eaLnBrk="1" latinLnBrk="0" hangingPunct="1">
-              <a:defRPr sz="1800" kern="1200">
-                <a:solidFill>
-                  <a:schemeClr val="tx1"/>
-                </a:solidFill>
-                <a:latin typeface="+mn-lt"/>
-                <a:ea typeface="+mn-ea"/>
-                <a:cs typeface="+mn-cs"/>
-              </a:defRPr>
-            </a:lvl4pPr>
-            <a:lvl5pPr marL="1828800" algn="l" defTabSz="914400" rtl="0" eaLnBrk="1" latinLnBrk="0" hangingPunct="1">
-              <a:defRPr sz="1800" kern="1200">
-                <a:solidFill>
-                  <a:schemeClr val="tx1"/>
-                </a:solidFill>
-                <a:latin typeface="+mn-lt"/>
-                <a:ea typeface="+mn-ea"/>
-                <a:cs typeface="+mn-cs"/>
-              </a:defRPr>
-            </a:lvl5pPr>
-            <a:lvl6pPr marL="2286000" algn="l" defTabSz="914400" rtl="0" eaLnBrk="1" latinLnBrk="0" hangingPunct="1">
-              <a:defRPr sz="1800" kern="1200">
-                <a:solidFill>
-                  <a:schemeClr val="tx1"/>
-                </a:solidFill>
-                <a:latin typeface="+mn-lt"/>
-                <a:ea typeface="+mn-ea"/>
-                <a:cs typeface="+mn-cs"/>
-              </a:defRPr>
-            </a:lvl6pPr>
-            <a:lvl7pPr marL="2743200" algn="l" defTabSz="914400" rtl="0" eaLnBrk="1" latinLnBrk="0" hangingPunct="1">
-              <a:defRPr sz="1800" kern="1200">
-                <a:solidFill>
-                  <a:schemeClr val="tx1"/>
-                </a:solidFill>
-                <a:latin typeface="+mn-lt"/>
-                <a:ea typeface="+mn-ea"/>
-                <a:cs typeface="+mn-cs"/>
-              </a:defRPr>
-            </a:lvl7pPr>
-            <a:lvl8pPr marL="3200400" algn="l" defTabSz="914400" rtl="0" eaLnBrk="1" latinLnBrk="0" hangingPunct="1">
-              <a:defRPr sz="1800" kern="1200">
-                <a:solidFill>
-                  <a:schemeClr val="tx1"/>
-                </a:solidFill>
-                <a:latin typeface="+mn-lt"/>
-                <a:ea typeface="+mn-ea"/>
-                <a:cs typeface="+mn-cs"/>
-              </a:defRPr>
-            </a:lvl8pPr>
-            <a:lvl9pPr marL="3657600" algn="l" defTabSz="914400" rtl="0" eaLnBrk="1" latinLnBrk="0" hangingPunct="1">
-              <a:defRPr sz="1800" kern="1200">
-                <a:solidFill>
-                  <a:schemeClr val="tx1"/>
-                </a:solidFill>
-                <a:latin typeface="+mn-lt"/>
-                <a:ea typeface="+mn-ea"/>
-                <a:cs typeface="+mn-cs"/>
-              </a:defRPr>
-            </a:lvl9pPr>
-          </a:lstStyle>
-          <a:p>
-            <a:fld id="{3EBA5BD7-F043-4D1B-AA17-CD412FC534DE}" type="slidenum">
-              <a:rPr lang="en-US" smtClean="0"/>
-              <a:pPr/>
-              <a:t>40</a:t>
-            </a:fld>
-            <a:endParaRPr lang="en-US" dirty="0"/>
-          </a:p>
-        </p:txBody>
-      </p:sp>
-      <p:sp>
-        <p:nvSpPr>
-          <p:cNvPr id="4" name="Footer Placeholder 3">
-            <a:extLst>
-              <a:ext uri="{FF2B5EF4-FFF2-40B4-BE49-F238E27FC236}">
-                <a16:creationId xmlns:a16="http://schemas.microsoft.com/office/drawing/2014/main" id="{8E059BE0-D868-413B-AAA1-1CC88D1F52C5}"/>
-              </a:ext>
-            </a:extLst>
-          </p:cNvPr>
-          <p:cNvSpPr>
-            <a:spLocks noGrp="1"/>
-          </p:cNvSpPr>
-          <p:nvPr>
-            <p:ph type="ftr" sz="quarter" idx="4"/>
-          </p:nvPr>
-        </p:nvSpPr>
-        <p:spPr/>
-        <p:txBody>
-          <a:bodyPr/>
-          <a:lstStyle/>
-          <a:p>
-            <a:r>
-              <a:rPr lang="en-US"/>
-              <a:t>© SoftUni – </a:t>
-            </a:r>
-            <a:r>
-              <a:rPr lang="en-US" u="sng">
-                <a:hlinkClick r:id="rId3"/>
-              </a:rPr>
-              <a:t>https://softuni.org</a:t>
-            </a:r>
-            <a:r>
-              <a:rPr lang="en-US"/>
-              <a:t>. Copyrighted document. Unauthorized copy or reproduction is not permitted.</a:t>
-            </a:r>
-            <a:endParaRPr lang="en-US" dirty="0"/>
-          </a:p>
-        </p:txBody>
-      </p:sp>
-    </p:spTree>
-    <p:extLst>
-      <p:ext uri="{BB962C8B-B14F-4D97-AF65-F5344CB8AC3E}">
-        <p14:creationId xmlns:p14="http://schemas.microsoft.com/office/powerpoint/2010/main" val="3466590374"/>
-      </p:ext>
-    </p:extLst>
-  </p:cSld>
-  <p:clrMapOvr>
-    <a:masterClrMapping/>
-  </p:clrMapOvr>
-</p:notes>
-</file>
-
-<file path=ppt/notesSlides/notesSlide28.xml><?xml version="1.0" encoding="utf-8"?>
-<p:notes xmlns:a="http://schemas.openxmlformats.org/drawingml/2006/main" xmlns:r="http://schemas.openxmlformats.org/officeDocument/2006/relationships" xmlns:p="http://schemas.openxmlformats.org/presentationml/2006/main">
-  <p:cSld>
-    <p:spTree>
-      <p:nvGrpSpPr>
-        <p:cNvPr id="1" name=""/>
-        <p:cNvGrpSpPr/>
-        <p:nvPr/>
-      </p:nvGrpSpPr>
-      <p:grpSpPr>
-        <a:xfrm>
-          <a:off x="0" y="0"/>
-          <a:ext cx="0" cy="0"/>
-          <a:chOff x="0" y="0"/>
-          <a:chExt cx="0" cy="0"/>
-        </a:xfrm>
-      </p:grpSpPr>
-      <p:sp>
-        <p:nvSpPr>
-          <p:cNvPr id="2" name="Slide Image Placeholder 1"/>
-          <p:cNvSpPr>
-            <a:spLocks noGrp="1" noRot="1" noChangeAspect="1"/>
-          </p:cNvSpPr>
-          <p:nvPr>
-            <p:ph type="sldImg"/>
-          </p:nvPr>
-        </p:nvSpPr>
-        <p:spPr/>
-      </p:sp>
-      <p:sp>
-        <p:nvSpPr>
-          <p:cNvPr id="3" name="Notes Placeholder 2"/>
-          <p:cNvSpPr>
-            <a:spLocks noGrp="1"/>
-          </p:cNvSpPr>
-          <p:nvPr>
-            <p:ph type="body" idx="1"/>
-          </p:nvPr>
-        </p:nvSpPr>
-        <p:spPr/>
-        <p:txBody>
-          <a:bodyPr/>
-          <a:lstStyle/>
-          <a:p>
             <a:endParaRPr lang="en-US"/>
           </a:p>
         </p:txBody>
@@ -5541,7 +5309,7 @@
             <a:fld id="{3EBA5BD7-F043-4D1B-AA17-CD412FC534DE}" type="slidenum">
               <a:rPr lang="en-US" smtClean="0"/>
               <a:pPr/>
-              <a:t>41</a:t>
+              <a:t>40</a:t>
             </a:fld>
             <a:endParaRPr lang="en-US" dirty="0"/>
           </a:p>
@@ -12803,11 +12571,11 @@
           <a:lstStyle/>
           <a:p>
             <a:r>
-              <a:rPr lang="bg-BG" sz="3200" dirty="0"/>
+              <a:rPr lang="bg-BG" sz="3600" dirty="0"/>
               <a:t>Стандартният </a:t>
             </a:r>
             <a:r>
-              <a:rPr lang="en-US" sz="3200" b="1" dirty="0">
+              <a:rPr lang="en-US" sz="3600" b="1" dirty="0">
                 <a:solidFill>
                   <a:schemeClr val="bg1"/>
                 </a:solidFill>
@@ -12815,15 +12583,11 @@
               <a:t>ORM </a:t>
             </a:r>
             <a:r>
-              <a:rPr lang="bg-BG" sz="3200" b="1" dirty="0">
-                <a:solidFill>
-                  <a:schemeClr val="bg1"/>
-                </a:solidFill>
-              </a:rPr>
+              <a:rPr lang="bg-BG" sz="3600" b="1" dirty="0"/>
               <a:t>фреймуърк</a:t>
             </a:r>
             <a:r>
-              <a:rPr lang="en-US" sz="3200" b="1" dirty="0">
+              <a:rPr lang="en-US" sz="3600" b="1" dirty="0">
                 <a:solidFill>
                   <a:schemeClr val="bg1"/>
                 </a:solidFill>
@@ -12831,15 +12595,15 @@
               <a:t> </a:t>
             </a:r>
             <a:r>
-              <a:rPr lang="bg-BG" sz="3200" dirty="0"/>
+              <a:rPr lang="bg-BG" sz="3600" dirty="0"/>
               <a:t>за</a:t>
             </a:r>
             <a:r>
-              <a:rPr lang="en-US" sz="3200" dirty="0"/>
+              <a:rPr lang="en-US" sz="3600" dirty="0"/>
               <a:t> </a:t>
             </a:r>
             <a:r>
-              <a:rPr lang="en-US" sz="3200" b="1" dirty="0">
+              <a:rPr lang="en-US" sz="3600" b="1" dirty="0">
                 <a:solidFill>
                   <a:schemeClr val="bg1"/>
                 </a:solidFill>
@@ -12847,15 +12611,15 @@
               <a:t>.NET </a:t>
             </a:r>
             <a:r>
-              <a:rPr lang="bg-BG" sz="3200" dirty="0"/>
+              <a:rPr lang="bg-BG" sz="3600" dirty="0"/>
               <a:t>и</a:t>
             </a:r>
             <a:r>
-              <a:rPr lang="en-US" sz="3200" dirty="0"/>
+              <a:rPr lang="en-US" sz="3600" dirty="0"/>
               <a:t> </a:t>
             </a:r>
             <a:r>
-              <a:rPr lang="en-US" sz="3200" b="1" dirty="0">
+              <a:rPr lang="en-US" sz="3600" b="1" dirty="0">
                 <a:solidFill>
                   <a:schemeClr val="bg1"/>
                 </a:solidFill>
@@ -12865,15 +12629,15 @@
           </a:p>
           <a:p>
             <a:r>
-              <a:rPr lang="bg-BG" sz="3200" dirty="0"/>
+              <a:rPr lang="bg-BG" sz="3600" dirty="0"/>
               <a:t>Осигурява</a:t>
             </a:r>
             <a:r>
-              <a:rPr lang="en-US" sz="3200" dirty="0"/>
+              <a:rPr lang="en-US" sz="3600" dirty="0"/>
               <a:t> </a:t>
             </a:r>
             <a:r>
-              <a:rPr lang="en-US" sz="3200" b="1" dirty="0">
+              <a:rPr lang="en-US" sz="3600" b="1" dirty="0">
                 <a:solidFill>
                   <a:schemeClr val="bg1"/>
                 </a:solidFill>
@@ -12881,19 +12645,27 @@
               <a:t>LINQ</a:t>
             </a:r>
             <a:r>
-              <a:rPr lang="en-US" sz="3200" dirty="0"/>
+              <a:rPr lang="en-US" sz="3600" dirty="0"/>
               <a:t>-</a:t>
             </a:r>
             <a:r>
-              <a:rPr lang="bg-BG" sz="3200" dirty="0"/>
-              <a:t>базирани заявки и</a:t>
-            </a:r>
-            <a:r>
-              <a:rPr lang="en-US" sz="3200" dirty="0"/>
+              <a:rPr lang="bg-BG" sz="3600" dirty="0"/>
+              <a:t>базирани </a:t>
+            </a:r>
+            <a:r>
+              <a:rPr lang="bg-BG" sz="3600" b="1" dirty="0"/>
+              <a:t>заявки</a:t>
+            </a:r>
+            <a:r>
+              <a:rPr lang="bg-BG" sz="3600" dirty="0"/>
+              <a:t> и</a:t>
+            </a:r>
+            <a:r>
+              <a:rPr lang="en-US" sz="3600" dirty="0"/>
               <a:t> </a:t>
             </a:r>
             <a:r>
-              <a:rPr lang="en-US" sz="3200" b="1" dirty="0">
+              <a:rPr lang="en-US" sz="3600" b="1" dirty="0">
                 <a:solidFill>
                   <a:schemeClr val="bg1"/>
                 </a:solidFill>
@@ -12901,37 +12673,41 @@
               <a:t>CRUD</a:t>
             </a:r>
             <a:r>
-              <a:rPr lang="bg-BG" sz="3200" dirty="0"/>
-              <a:t> операции</a:t>
-            </a:r>
-            <a:endParaRPr lang="en-US" sz="3200" dirty="0"/>
-          </a:p>
-          <a:p>
-            <a:r>
-              <a:rPr lang="bg-BG" sz="3200" dirty="0"/>
+              <a:rPr lang="bg-BG" sz="3600" dirty="0"/>
+              <a:t> </a:t>
+            </a:r>
+            <a:r>
+              <a:rPr lang="bg-BG" sz="3600" b="1" dirty="0"/>
+              <a:t>операции</a:t>
+            </a:r>
+            <a:endParaRPr lang="en-US" sz="3600" b="1" dirty="0"/>
+          </a:p>
+          <a:p>
+            <a:r>
+              <a:rPr lang="bg-BG" sz="3600" dirty="0"/>
               <a:t>Автоматично проследява</a:t>
             </a:r>
             <a:r>
-              <a:rPr lang="en-US" sz="3200" dirty="0"/>
+              <a:rPr lang="en-US" sz="3600" dirty="0"/>
               <a:t> </a:t>
             </a:r>
             <a:r>
-              <a:rPr lang="bg-BG" sz="3200" b="1" dirty="0">
+              <a:rPr lang="bg-BG" sz="3600" b="1" dirty="0">
                 <a:solidFill>
                   <a:schemeClr val="bg1"/>
                 </a:solidFill>
               </a:rPr>
               <a:t>промените на обекти</a:t>
             </a:r>
-            <a:endParaRPr lang="en-US" sz="3200" dirty="0"/>
-          </a:p>
-          <a:p>
-            <a:r>
-              <a:rPr lang="bg-BG" sz="3200" dirty="0"/>
+            <a:endParaRPr lang="en-US" sz="3600" dirty="0"/>
+          </a:p>
+          <a:p>
+            <a:r>
+              <a:rPr lang="bg-BG" sz="3600" dirty="0"/>
               <a:t>Работи с различни </a:t>
             </a:r>
             <a:r>
-              <a:rPr lang="bg-BG" sz="3200" b="1" dirty="0">
+              <a:rPr lang="bg-BG" sz="3600" b="1" dirty="0">
                 <a:solidFill>
                   <a:schemeClr val="bg1"/>
                 </a:solidFill>
@@ -12941,11 +12717,19 @@
           </a:p>
           <a:p>
             <a:r>
-              <a:rPr lang="bg-BG" sz="3200" dirty="0"/>
-              <a:t>С отворен код (</a:t>
-            </a:r>
-            <a:r>
-              <a:rPr lang="en-US" sz="3200" b="1" dirty="0">
+              <a:rPr lang="bg-BG" sz="3600" dirty="0"/>
+              <a:t>С </a:t>
+            </a:r>
+            <a:r>
+              <a:rPr lang="bg-BG" sz="3600" b="1" dirty="0"/>
+              <a:t>отворен код </a:t>
+            </a:r>
+            <a:r>
+              <a:rPr lang="bg-BG" sz="3600" dirty="0"/>
+              <a:t>(</a:t>
+            </a:r>
+            <a:r>
+              <a:rPr lang="en-US" sz="3600" b="1" dirty="0">
                 <a:solidFill>
                   <a:schemeClr val="bg1"/>
                 </a:solidFill>
@@ -12953,7 +12737,7 @@
               <a:t>open-source</a:t>
             </a:r>
             <a:r>
-              <a:rPr lang="en-US" sz="3200" dirty="0"/>
+              <a:rPr lang="en-US" sz="3600" dirty="0"/>
               <a:t>)</a:t>
             </a:r>
           </a:p>
@@ -12990,6 +12774,14 @@
             <a:r>
               <a:rPr lang="en-US" sz="4000" dirty="0"/>
               <a:t>Entity Framework и Entity Framework Core</a:t>
+            </a:r>
+            <a:r>
+              <a:rPr lang="bg-BG" sz="4000" dirty="0"/>
+              <a:t> (</a:t>
+            </a:r>
+            <a:r>
+              <a:rPr lang="en-US" sz="4000" dirty="0"/>
+              <a:t>1)</a:t>
             </a:r>
             <a:endParaRPr lang="en-US" dirty="0"/>
           </a:p>
@@ -13067,15 +12859,33 @@
                                   </p:childTnLst>
                                 </p:cTn>
                               </p:par>
+                            </p:childTnLst>
+                          </p:cTn>
+                        </p:par>
+                      </p:childTnLst>
+                    </p:cTn>
+                  </p:par>
+                  <p:par>
+                    <p:cTn id="7" fill="hold">
+                      <p:stCondLst>
+                        <p:cond delay="indefinite"/>
+                      </p:stCondLst>
+                      <p:childTnLst>
+                        <p:par>
+                          <p:cTn id="8" fill="hold">
+                            <p:stCondLst>
+                              <p:cond delay="0"/>
+                            </p:stCondLst>
+                            <p:childTnLst>
                               <p:par>
-                                <p:cTn id="7" presetID="1" presetClass="entr" presetSubtype="0" fill="hold" nodeType="withEffect">
+                                <p:cTn id="9" presetID="1" presetClass="entr" presetSubtype="0" fill="hold" nodeType="clickEffect">
                                   <p:stCondLst>
                                     <p:cond delay="0"/>
                                   </p:stCondLst>
                                   <p:childTnLst>
                                     <p:set>
                                       <p:cBhvr>
-                                        <p:cTn id="8" dur="1" fill="hold">
+                                        <p:cTn id="10" dur="1" fill="hold">
                                           <p:stCondLst>
                                             <p:cond delay="0"/>
                                           </p:stCondLst>
@@ -13098,15 +12908,33 @@
                                   </p:childTnLst>
                                 </p:cTn>
                               </p:par>
+                            </p:childTnLst>
+                          </p:cTn>
+                        </p:par>
+                      </p:childTnLst>
+                    </p:cTn>
+                  </p:par>
+                  <p:par>
+                    <p:cTn id="11" fill="hold">
+                      <p:stCondLst>
+                        <p:cond delay="indefinite"/>
+                      </p:stCondLst>
+                      <p:childTnLst>
+                        <p:par>
+                          <p:cTn id="12" fill="hold">
+                            <p:stCondLst>
+                              <p:cond delay="0"/>
+                            </p:stCondLst>
+                            <p:childTnLst>
                               <p:par>
-                                <p:cTn id="9" presetID="1" presetClass="entr" presetSubtype="0" fill="hold" nodeType="withEffect">
+                                <p:cTn id="13" presetID="1" presetClass="entr" presetSubtype="0" fill="hold" nodeType="clickEffect">
                                   <p:stCondLst>
                                     <p:cond delay="0"/>
                                   </p:stCondLst>
                                   <p:childTnLst>
                                     <p:set>
                                       <p:cBhvr>
-                                        <p:cTn id="10" dur="1" fill="hold">
+                                        <p:cTn id="14" dur="1" fill="hold">
                                           <p:stCondLst>
                                             <p:cond delay="0"/>
                                           </p:stCondLst>
@@ -13129,15 +12957,33 @@
                                   </p:childTnLst>
                                 </p:cTn>
                               </p:par>
+                            </p:childTnLst>
+                          </p:cTn>
+                        </p:par>
+                      </p:childTnLst>
+                    </p:cTn>
+                  </p:par>
+                  <p:par>
+                    <p:cTn id="15" fill="hold">
+                      <p:stCondLst>
+                        <p:cond delay="indefinite"/>
+                      </p:stCondLst>
+                      <p:childTnLst>
+                        <p:par>
+                          <p:cTn id="16" fill="hold">
+                            <p:stCondLst>
+                              <p:cond delay="0"/>
+                            </p:stCondLst>
+                            <p:childTnLst>
                               <p:par>
-                                <p:cTn id="11" presetID="1" presetClass="entr" presetSubtype="0" fill="hold" nodeType="withEffect">
+                                <p:cTn id="17" presetID="1" presetClass="entr" presetSubtype="0" fill="hold" nodeType="clickEffect">
                                   <p:stCondLst>
                                     <p:cond delay="0"/>
                                   </p:stCondLst>
                                   <p:childTnLst>
                                     <p:set>
                                       <p:cBhvr>
-                                        <p:cTn id="12" dur="1" fill="hold">
+                                        <p:cTn id="18" dur="1" fill="hold">
                                           <p:stCondLst>
                                             <p:cond delay="0"/>
                                           </p:stCondLst>
@@ -13160,15 +13006,33 @@
                                   </p:childTnLst>
                                 </p:cTn>
                               </p:par>
+                            </p:childTnLst>
+                          </p:cTn>
+                        </p:par>
+                      </p:childTnLst>
+                    </p:cTn>
+                  </p:par>
+                  <p:par>
+                    <p:cTn id="19" fill="hold">
+                      <p:stCondLst>
+                        <p:cond delay="indefinite"/>
+                      </p:stCondLst>
+                      <p:childTnLst>
+                        <p:par>
+                          <p:cTn id="20" fill="hold">
+                            <p:stCondLst>
+                              <p:cond delay="0"/>
+                            </p:stCondLst>
+                            <p:childTnLst>
                               <p:par>
-                                <p:cTn id="13" presetID="1" presetClass="entr" presetSubtype="0" fill="hold" nodeType="withEffect">
+                                <p:cTn id="21" presetID="1" presetClass="entr" presetSubtype="0" fill="hold" nodeType="clickEffect">
                                   <p:stCondLst>
                                     <p:cond delay="0"/>
                                   </p:stCondLst>
                                   <p:childTnLst>
                                     <p:set>
                                       <p:cBhvr>
-                                        <p:cTn id="14" dur="1" fill="hold">
+                                        <p:cTn id="22" dur="1" fill="hold">
                                           <p:stCondLst>
                                             <p:cond delay="0"/>
                                           </p:stCondLst>
@@ -13301,6 +13165,11 @@
           </a:bodyPr>
           <a:lstStyle/>
           <a:p>
+            <a:pPr>
+              <a:buClr>
+                <a:schemeClr val="tx1"/>
+              </a:buClr>
+            </a:pPr>
             <a:r>
               <a:rPr lang="bg-BG" b="1" dirty="0">
                 <a:solidFill>
@@ -13344,7 +13213,11 @@
               <a:t>Поддържа </a:t>
             </a:r>
             <a:r>
-              <a:rPr lang="bg-BG" b="1" dirty="0"/>
+              <a:rPr lang="bg-BG" b="1" dirty="0">
+                <a:solidFill>
+                  <a:schemeClr val="bg1"/>
+                </a:solidFill>
+              </a:rPr>
               <a:t>LINQ</a:t>
             </a:r>
             <a:r>
@@ -13352,7 +13225,11 @@
               <a:t> заявки, </a:t>
             </a:r>
             <a:r>
-              <a:rPr lang="bg-BG" b="1" dirty="0"/>
+              <a:rPr lang="bg-BG" b="1" dirty="0">
+                <a:solidFill>
+                  <a:schemeClr val="bg1"/>
+                </a:solidFill>
+              </a:rPr>
               <a:t>проследяване на промените</a:t>
             </a:r>
             <a:r>
@@ -13360,7 +13237,11 @@
               <a:t>, </a:t>
             </a:r>
             <a:r>
-              <a:rPr lang="bg-BG" b="1" dirty="0"/>
+              <a:rPr lang="bg-BG" b="1" dirty="0">
+                <a:solidFill>
+                  <a:schemeClr val="bg1"/>
+                </a:solidFill>
+              </a:rPr>
               <a:t>актуализации</a:t>
             </a:r>
             <a:r>
@@ -13368,7 +13249,11 @@
               <a:t> и </a:t>
             </a:r>
             <a:r>
-              <a:rPr lang="bg-BG" b="1" dirty="0"/>
+              <a:rPr lang="bg-BG" b="1" dirty="0">
+                <a:solidFill>
+                  <a:schemeClr val="bg1"/>
+                </a:solidFill>
+              </a:rPr>
               <a:t>миграции</a:t>
             </a:r>
             <a:r>
@@ -13382,31 +13267,59 @@
               <a:t>Работи с </a:t>
             </a:r>
             <a:r>
-              <a:rPr lang="bg-BG" b="1" dirty="0"/>
+              <a:rPr lang="bg-BG" b="1" dirty="0">
+                <a:solidFill>
+                  <a:schemeClr val="bg1"/>
+                </a:solidFill>
+              </a:rPr>
               <a:t>SQL Server</a:t>
             </a:r>
             <a:r>
-              <a:rPr lang="bg-BG" dirty="0"/>
+              <a:rPr lang="bg-BG" dirty="0">
+                <a:solidFill>
+                  <a:schemeClr val="bg1"/>
+                </a:solidFill>
+              </a:rPr>
               <a:t>/</a:t>
             </a:r>
             <a:r>
-              <a:rPr lang="bg-BG" b="1" dirty="0"/>
+              <a:rPr lang="bg-BG" b="1" dirty="0">
+                <a:solidFill>
+                  <a:schemeClr val="bg1"/>
+                </a:solidFill>
+              </a:rPr>
               <a:t>Azure</a:t>
             </a:r>
             <a:r>
-              <a:rPr lang="bg-BG" dirty="0"/>
+              <a:rPr lang="bg-BG" dirty="0">
+                <a:solidFill>
+                  <a:schemeClr val="bg1"/>
+                </a:solidFill>
+              </a:rPr>
               <a:t> </a:t>
             </a:r>
             <a:r>
-              <a:rPr lang="bg-BG" b="1" dirty="0"/>
+              <a:rPr lang="bg-BG" b="1" dirty="0">
+                <a:solidFill>
+                  <a:schemeClr val="bg1"/>
+                </a:solidFill>
+              </a:rPr>
               <a:t>SQL</a:t>
             </a:r>
             <a:r>
-              <a:rPr lang="bg-BG" dirty="0"/>
+              <a:rPr lang="bg-BG" dirty="0">
+                <a:solidFill>
+                  <a:schemeClr val="bg1"/>
+                </a:solidFill>
+              </a:rPr>
               <a:t> </a:t>
             </a:r>
             <a:r>
-              <a:rPr lang="en-US" b="1" dirty="0"/>
+              <a:rPr lang="en-US" b="1" dirty="0">
+                <a:solidFill>
+                  <a:schemeClr val="bg1"/>
+                </a:solidFill>
+              </a:rPr>
               <a:t>Database</a:t>
             </a:r>
             <a:r>
@@ -13414,7 +13327,11 @@
               <a:t>, </a:t>
             </a:r>
             <a:r>
-              <a:rPr lang="bg-BG" b="1" dirty="0"/>
+              <a:rPr lang="bg-BG" b="1" dirty="0">
+                <a:solidFill>
+                  <a:schemeClr val="bg1"/>
+                </a:solidFill>
+              </a:rPr>
               <a:t>SQLite</a:t>
             </a:r>
             <a:r>
@@ -13422,7 +13339,11 @@
               <a:t>, </a:t>
             </a:r>
             <a:r>
-              <a:rPr lang="bg-BG" b="1" dirty="0"/>
+              <a:rPr lang="bg-BG" b="1" dirty="0">
+                <a:solidFill>
+                  <a:schemeClr val="bg1"/>
+                </a:solidFill>
+              </a:rPr>
               <a:t>MySQL</a:t>
             </a:r>
             <a:r>
@@ -13430,7 +13351,11 @@
               <a:t>, </a:t>
             </a:r>
             <a:r>
-              <a:rPr lang="bg-BG" b="1" dirty="0"/>
+              <a:rPr lang="bg-BG" b="1" dirty="0">
+                <a:solidFill>
+                  <a:schemeClr val="bg1"/>
+                </a:solidFill>
+              </a:rPr>
               <a:t>PostgreSQL</a:t>
             </a:r>
             <a:r>
@@ -13460,7 +13385,7 @@
         <p:spPr>
           <a:xfrm>
             <a:off x="190402" y="1195931"/>
-            <a:ext cx="5545598" cy="4528069"/>
+            <a:ext cx="5545597" cy="4528069"/>
           </a:xfrm>
         </p:spPr>
         <p:txBody>
@@ -13469,6 +13394,11 @@
           </a:bodyPr>
           <a:lstStyle/>
           <a:p>
+            <a:pPr>
+              <a:buClr>
+                <a:schemeClr val="tx1"/>
+              </a:buClr>
+            </a:pPr>
             <a:r>
               <a:rPr lang="bg-BG" sz="2900" b="1" dirty="0">
                 <a:solidFill>
@@ -13507,7 +13437,11 @@
             </a:r>
             <a:r>
               <a:rPr lang="bg-BG" sz="2900" dirty="0"/>
-              <a:t>, но с поддръжка за .NET Core</a:t>
+              <a:t>, но с поддръжка за </a:t>
+            </a:r>
+            <a:r>
+              <a:rPr lang="bg-BG" sz="2900" b="1" dirty="0"/>
+              <a:t>.NET Core</a:t>
             </a:r>
           </a:p>
           <a:p>
@@ -13534,14 +13468,18 @@
               <a:t>Работи с </a:t>
             </a:r>
             <a:r>
-              <a:rPr lang="bg-BG" sz="2900" b="1" dirty="0"/>
-              <a:t>релационни</a:t>
-            </a:r>
-            <a:r>
-              <a:rPr lang="bg-BG" sz="2900" dirty="0"/>
-              <a:t> бази данни</a:t>
-            </a:r>
-            <a:endParaRPr lang="en-BG" sz="2900" dirty="0"/>
+              <a:rPr lang="bg-BG" sz="2900" b="1" dirty="0">
+                <a:solidFill>
+                  <a:schemeClr val="bg1"/>
+                </a:solidFill>
+              </a:rPr>
+              <a:t>релационни бази данни</a:t>
+            </a:r>
+            <a:endParaRPr lang="en-BG" sz="2900" b="1" dirty="0">
+              <a:solidFill>
+                <a:schemeClr val="bg1"/>
+              </a:solidFill>
+            </a:endParaRPr>
           </a:p>
         </p:txBody>
       </p:sp>
@@ -13570,7 +13508,7 @@
             </a:r>
             <a:r>
               <a:rPr lang="en-US" dirty="0"/>
-              <a:t>Entity Framework Core</a:t>
+              <a:t>Entity Framework Core (2)</a:t>
             </a:r>
           </a:p>
         </p:txBody>
@@ -13593,6 +13531,333 @@
       <p:transition spd="slow" advClick="0" advTm="5000"/>
     </mc:Fallback>
   </mc:AlternateContent>
+  <p:timing>
+    <p:tnLst>
+      <p:par>
+        <p:cTn id="1" dur="indefinite" restart="never" nodeType="tmRoot">
+          <p:childTnLst>
+            <p:seq concurrent="1" nextAc="seek">
+              <p:cTn id="2" dur="indefinite" nodeType="mainSeq">
+                <p:childTnLst>
+                  <p:par>
+                    <p:cTn id="3" fill="hold">
+                      <p:stCondLst>
+                        <p:cond delay="indefinite"/>
+                        <p:cond evt="onBegin" delay="0">
+                          <p:tn val="2"/>
+                        </p:cond>
+                      </p:stCondLst>
+                      <p:childTnLst>
+                        <p:par>
+                          <p:cTn id="4" fill="hold">
+                            <p:stCondLst>
+                              <p:cond delay="0"/>
+                            </p:stCondLst>
+                            <p:childTnLst>
+                              <p:par>
+                                <p:cTn id="5" presetID="1" presetClass="entr" presetSubtype="0" fill="hold" nodeType="withEffect">
+                                  <p:stCondLst>
+                                    <p:cond delay="0"/>
+                                  </p:stCondLst>
+                                  <p:childTnLst>
+                                    <p:set>
+                                      <p:cBhvr>
+                                        <p:cTn id="6" dur="1" fill="hold">
+                                          <p:stCondLst>
+                                            <p:cond delay="0"/>
+                                          </p:stCondLst>
+                                        </p:cTn>
+                                        <p:tgtEl>
+                                          <p:spTgt spid="2">
+                                            <p:txEl>
+                                              <p:pRg st="0" end="0"/>
+                                            </p:txEl>
+                                          </p:spTgt>
+                                        </p:tgtEl>
+                                        <p:attrNameLst>
+                                          <p:attrName>style.visibility</p:attrName>
+                                        </p:attrNameLst>
+                                      </p:cBhvr>
+                                      <p:to>
+                                        <p:strVal val="visible"/>
+                                      </p:to>
+                                    </p:set>
+                                  </p:childTnLst>
+                                </p:cTn>
+                              </p:par>
+                            </p:childTnLst>
+                          </p:cTn>
+                        </p:par>
+                      </p:childTnLst>
+                    </p:cTn>
+                  </p:par>
+                  <p:par>
+                    <p:cTn id="7" fill="hold">
+                      <p:stCondLst>
+                        <p:cond delay="indefinite"/>
+                      </p:stCondLst>
+                      <p:childTnLst>
+                        <p:par>
+                          <p:cTn id="8" fill="hold">
+                            <p:stCondLst>
+                              <p:cond delay="0"/>
+                            </p:stCondLst>
+                            <p:childTnLst>
+                              <p:par>
+                                <p:cTn id="9" presetID="1" presetClass="entr" presetSubtype="0" fill="hold" nodeType="clickEffect">
+                                  <p:stCondLst>
+                                    <p:cond delay="0"/>
+                                  </p:stCondLst>
+                                  <p:childTnLst>
+                                    <p:set>
+                                      <p:cBhvr>
+                                        <p:cTn id="10" dur="1" fill="hold">
+                                          <p:stCondLst>
+                                            <p:cond delay="0"/>
+                                          </p:stCondLst>
+                                        </p:cTn>
+                                        <p:tgtEl>
+                                          <p:spTgt spid="2">
+                                            <p:txEl>
+                                              <p:pRg st="1" end="1"/>
+                                            </p:txEl>
+                                          </p:spTgt>
+                                        </p:tgtEl>
+                                        <p:attrNameLst>
+                                          <p:attrName>style.visibility</p:attrName>
+                                        </p:attrNameLst>
+                                      </p:cBhvr>
+                                      <p:to>
+                                        <p:strVal val="visible"/>
+                                      </p:to>
+                                    </p:set>
+                                  </p:childTnLst>
+                                </p:cTn>
+                              </p:par>
+                            </p:childTnLst>
+                          </p:cTn>
+                        </p:par>
+                      </p:childTnLst>
+                    </p:cTn>
+                  </p:par>
+                  <p:par>
+                    <p:cTn id="11" fill="hold">
+                      <p:stCondLst>
+                        <p:cond delay="indefinite"/>
+                      </p:stCondLst>
+                      <p:childTnLst>
+                        <p:par>
+                          <p:cTn id="12" fill="hold">
+                            <p:stCondLst>
+                              <p:cond delay="0"/>
+                            </p:stCondLst>
+                            <p:childTnLst>
+                              <p:par>
+                                <p:cTn id="13" presetID="1" presetClass="entr" presetSubtype="0" fill="hold" nodeType="clickEffect">
+                                  <p:stCondLst>
+                                    <p:cond delay="0"/>
+                                  </p:stCondLst>
+                                  <p:childTnLst>
+                                    <p:set>
+                                      <p:cBhvr>
+                                        <p:cTn id="14" dur="1" fill="hold">
+                                          <p:stCondLst>
+                                            <p:cond delay="0"/>
+                                          </p:stCondLst>
+                                        </p:cTn>
+                                        <p:tgtEl>
+                                          <p:spTgt spid="2">
+                                            <p:txEl>
+                                              <p:pRg st="2" end="2"/>
+                                            </p:txEl>
+                                          </p:spTgt>
+                                        </p:tgtEl>
+                                        <p:attrNameLst>
+                                          <p:attrName>style.visibility</p:attrName>
+                                        </p:attrNameLst>
+                                      </p:cBhvr>
+                                      <p:to>
+                                        <p:strVal val="visible"/>
+                                      </p:to>
+                                    </p:set>
+                                  </p:childTnLst>
+                                </p:cTn>
+                              </p:par>
+                            </p:childTnLst>
+                          </p:cTn>
+                        </p:par>
+                      </p:childTnLst>
+                    </p:cTn>
+                  </p:par>
+                  <p:par>
+                    <p:cTn id="15" fill="hold">
+                      <p:stCondLst>
+                        <p:cond delay="indefinite"/>
+                      </p:stCondLst>
+                      <p:childTnLst>
+                        <p:par>
+                          <p:cTn id="16" fill="hold">
+                            <p:stCondLst>
+                              <p:cond delay="0"/>
+                            </p:stCondLst>
+                            <p:childTnLst>
+                              <p:par>
+                                <p:cTn id="17" presetID="1" presetClass="entr" presetSubtype="0" fill="hold" nodeType="clickEffect">
+                                  <p:stCondLst>
+                                    <p:cond delay="0"/>
+                                  </p:stCondLst>
+                                  <p:childTnLst>
+                                    <p:set>
+                                      <p:cBhvr>
+                                        <p:cTn id="18" dur="1" fill="hold">
+                                          <p:stCondLst>
+                                            <p:cond delay="0"/>
+                                          </p:stCondLst>
+                                        </p:cTn>
+                                        <p:tgtEl>
+                                          <p:spTgt spid="3">
+                                            <p:txEl>
+                                              <p:pRg st="0" end="0"/>
+                                            </p:txEl>
+                                          </p:spTgt>
+                                        </p:tgtEl>
+                                        <p:attrNameLst>
+                                          <p:attrName>style.visibility</p:attrName>
+                                        </p:attrNameLst>
+                                      </p:cBhvr>
+                                      <p:to>
+                                        <p:strVal val="visible"/>
+                                      </p:to>
+                                    </p:set>
+                                  </p:childTnLst>
+                                </p:cTn>
+                              </p:par>
+                            </p:childTnLst>
+                          </p:cTn>
+                        </p:par>
+                      </p:childTnLst>
+                    </p:cTn>
+                  </p:par>
+                  <p:par>
+                    <p:cTn id="19" fill="hold">
+                      <p:stCondLst>
+                        <p:cond delay="indefinite"/>
+                      </p:stCondLst>
+                      <p:childTnLst>
+                        <p:par>
+                          <p:cTn id="20" fill="hold">
+                            <p:stCondLst>
+                              <p:cond delay="0"/>
+                            </p:stCondLst>
+                            <p:childTnLst>
+                              <p:par>
+                                <p:cTn id="21" presetID="1" presetClass="entr" presetSubtype="0" fill="hold" nodeType="clickEffect">
+                                  <p:stCondLst>
+                                    <p:cond delay="0"/>
+                                  </p:stCondLst>
+                                  <p:childTnLst>
+                                    <p:set>
+                                      <p:cBhvr>
+                                        <p:cTn id="22" dur="1" fill="hold">
+                                          <p:stCondLst>
+                                            <p:cond delay="0"/>
+                                          </p:stCondLst>
+                                        </p:cTn>
+                                        <p:tgtEl>
+                                          <p:spTgt spid="3">
+                                            <p:txEl>
+                                              <p:pRg st="1" end="1"/>
+                                            </p:txEl>
+                                          </p:spTgt>
+                                        </p:tgtEl>
+                                        <p:attrNameLst>
+                                          <p:attrName>style.visibility</p:attrName>
+                                        </p:attrNameLst>
+                                      </p:cBhvr>
+                                      <p:to>
+                                        <p:strVal val="visible"/>
+                                      </p:to>
+                                    </p:set>
+                                  </p:childTnLst>
+                                </p:cTn>
+                              </p:par>
+                            </p:childTnLst>
+                          </p:cTn>
+                        </p:par>
+                      </p:childTnLst>
+                    </p:cTn>
+                  </p:par>
+                  <p:par>
+                    <p:cTn id="23" fill="hold">
+                      <p:stCondLst>
+                        <p:cond delay="indefinite"/>
+                      </p:stCondLst>
+                      <p:childTnLst>
+                        <p:par>
+                          <p:cTn id="24" fill="hold">
+                            <p:stCondLst>
+                              <p:cond delay="0"/>
+                            </p:stCondLst>
+                            <p:childTnLst>
+                              <p:par>
+                                <p:cTn id="25" presetID="1" presetClass="entr" presetSubtype="0" fill="hold" nodeType="clickEffect">
+                                  <p:stCondLst>
+                                    <p:cond delay="0"/>
+                                  </p:stCondLst>
+                                  <p:childTnLst>
+                                    <p:set>
+                                      <p:cBhvr>
+                                        <p:cTn id="26" dur="1" fill="hold">
+                                          <p:stCondLst>
+                                            <p:cond delay="0"/>
+                                          </p:stCondLst>
+                                        </p:cTn>
+                                        <p:tgtEl>
+                                          <p:spTgt spid="3">
+                                            <p:txEl>
+                                              <p:pRg st="2" end="2"/>
+                                            </p:txEl>
+                                          </p:spTgt>
+                                        </p:tgtEl>
+                                        <p:attrNameLst>
+                                          <p:attrName>style.visibility</p:attrName>
+                                        </p:attrNameLst>
+                                      </p:cBhvr>
+                                      <p:to>
+                                        <p:strVal val="visible"/>
+                                      </p:to>
+                                    </p:set>
+                                  </p:childTnLst>
+                                </p:cTn>
+                              </p:par>
+                            </p:childTnLst>
+                          </p:cTn>
+                        </p:par>
+                      </p:childTnLst>
+                    </p:cTn>
+                  </p:par>
+                </p:childTnLst>
+              </p:cTn>
+              <p:prevCondLst>
+                <p:cond evt="onPrev" delay="0">
+                  <p:tgtEl>
+                    <p:sldTgt/>
+                  </p:tgtEl>
+                </p:cond>
+              </p:prevCondLst>
+              <p:nextCondLst>
+                <p:cond evt="onNext" delay="0">
+                  <p:tgtEl>
+                    <p:sldTgt/>
+                  </p:tgtEl>
+                </p:cond>
+              </p:nextCondLst>
+            </p:seq>
+          </p:childTnLst>
+        </p:cTn>
+      </p:par>
+    </p:tnLst>
+  </p:timing>
 </p:sld>
 </file>
 
@@ -13671,6 +13936,42 @@
           </a:p>
         </p:txBody>
       </p:sp>
+      <p:pic>
+        <p:nvPicPr>
+          <p:cNvPr id="3" name="Picture 2">
+            <a:extLst>
+              <a:ext uri="{FF2B5EF4-FFF2-40B4-BE49-F238E27FC236}">
+                <a16:creationId xmlns:a16="http://schemas.microsoft.com/office/drawing/2014/main" id="{14CDDCB1-5B75-BFCE-B37B-E4E70E35E5F8}"/>
+              </a:ext>
+            </a:extLst>
+          </p:cNvPr>
+          <p:cNvPicPr>
+            <a:picLocks noChangeAspect="1"/>
+          </p:cNvPicPr>
+          <p:nvPr/>
+        </p:nvPicPr>
+        <p:blipFill>
+          <a:blip r:embed="rId3">
+            <a:extLst>
+              <a:ext uri="{28A0092B-C50C-407E-A947-70E740481C1C}">
+                <a14:useLocalDpi xmlns:a14="http://schemas.microsoft.com/office/drawing/2010/main" val="0"/>
+              </a:ext>
+            </a:extLst>
+          </a:blip>
+          <a:stretch>
+            <a:fillRect/>
+          </a:stretch>
+        </p:blipFill>
+        <p:spPr>
+          <a:xfrm>
+            <a:off x="4989760" y="1719000"/>
+            <a:ext cx="2212479" cy="1866780"/>
+          </a:xfrm>
+          <a:prstGeom prst="rect">
+            <a:avLst/>
+          </a:prstGeom>
+        </p:spPr>
+      </p:pic>
     </p:spTree>
     <p:extLst>
       <p:ext uri="{BB962C8B-B14F-4D97-AF65-F5344CB8AC3E}">
@@ -13875,11 +14176,18 @@
               </a:rPr>
               <a:t>параметри</a:t>
             </a:r>
-            <a:endParaRPr lang="en-BG" b="1" dirty="0">
+            <a:endParaRPr lang="en-US" b="1" dirty="0">
               <a:solidFill>
                 <a:schemeClr val="bg1"/>
               </a:solidFill>
             </a:endParaRPr>
+          </a:p>
+          <a:p>
+            <a:r>
+              <a:rPr lang="bg-BG" dirty="0"/>
+              <a:t>Пример:</a:t>
+            </a:r>
+            <a:endParaRPr lang="en-BG" dirty="0"/>
           </a:p>
           <a:p>
             <a:endParaRPr lang="en-BG" dirty="0"/>
@@ -13915,6 +14223,148 @@
           </a:p>
         </p:txBody>
       </p:sp>
+      <p:sp>
+        <p:nvSpPr>
+          <p:cNvPr id="7" name="Text Placeholder 4">
+            <a:extLst>
+              <a:ext uri="{FF2B5EF4-FFF2-40B4-BE49-F238E27FC236}">
+                <a16:creationId xmlns:a16="http://schemas.microsoft.com/office/drawing/2014/main" id="{65CCF1E4-B174-1DDF-24C1-0C7400D33C51}"/>
+              </a:ext>
+            </a:extLst>
+          </p:cNvPr>
+          <p:cNvSpPr txBox="1">
+            <a:spLocks/>
+          </p:cNvSpPr>
+          <p:nvPr/>
+        </p:nvSpPr>
+        <p:spPr>
+          <a:xfrm>
+            <a:off x="644672" y="4548236"/>
+            <a:ext cx="11108357" cy="1107996"/>
+          </a:xfrm>
+          <a:prstGeom prst="rect">
+            <a:avLst/>
+          </a:prstGeom>
+          <a:solidFill>
+            <a:schemeClr val="accent5">
+              <a:lumMod val="40000"/>
+              <a:lumOff val="60000"/>
+              <a:alpha val="15000"/>
+            </a:schemeClr>
+          </a:solidFill>
+          <a:ln w="12700">
+            <a:solidFill>
+              <a:schemeClr val="accent5">
+                <a:lumMod val="60000"/>
+                <a:lumOff val="40000"/>
+              </a:schemeClr>
+            </a:solidFill>
+          </a:ln>
+        </p:spPr>
+        <p:txBody>
+          <a:bodyPr wrap="square">
+            <a:spAutoFit/>
+          </a:bodyPr>
+          <a:lstStyle/>
+          <a:p>
+            <a:pPr>
+              <a:lnSpc>
+                <a:spcPct val="100000"/>
+              </a:lnSpc>
+            </a:pPr>
+            <a:r>
+              <a:rPr lang="en-US" sz="2200" b="1" noProof="1">
+                <a:latin typeface="Consolas" panose="020B0609020204030204" pitchFamily="49" charset="0"/>
+              </a:rPr>
+              <a:t>"Server=&lt;и</a:t>
+            </a:r>
+            <a:r>
+              <a:rPr lang="bg-BG" sz="2200" b="1" noProof="1">
+                <a:latin typeface="Consolas" panose="020B0609020204030204" pitchFamily="49" charset="0"/>
+              </a:rPr>
+              <a:t>ме на сървър</a:t>
+            </a:r>
+            <a:r>
+              <a:rPr lang="en-US" sz="2200" b="1" noProof="1">
+                <a:latin typeface="Consolas" panose="020B0609020204030204" pitchFamily="49" charset="0"/>
+              </a:rPr>
+              <a:t>&gt;;Initial Catalog=&lt;и</a:t>
+            </a:r>
+            <a:r>
+              <a:rPr lang="bg-BG" sz="2200" b="1" noProof="1">
+                <a:latin typeface="Consolas" panose="020B0609020204030204" pitchFamily="49" charset="0"/>
+              </a:rPr>
+              <a:t>ме на баз</a:t>
+            </a:r>
+            <a:r>
+              <a:rPr lang="en-US" sz="2200" b="1" noProof="1">
+                <a:latin typeface="Consolas" panose="020B0609020204030204" pitchFamily="49" charset="0"/>
+              </a:rPr>
+              <a:t>а </a:t>
+            </a:r>
+            <a:r>
+              <a:rPr lang="bg-BG" sz="2200" b="1" noProof="1">
+                <a:latin typeface="Consolas" panose="020B0609020204030204" pitchFamily="49" charset="0"/>
+              </a:rPr>
+              <a:t>данни</a:t>
+            </a:r>
+            <a:r>
+              <a:rPr lang="en-US" sz="2200" b="1" noProof="1">
+                <a:latin typeface="Consolas" panose="020B0609020204030204" pitchFamily="49" charset="0"/>
+              </a:rPr>
+              <a:t>&gt;;User=&lt;</a:t>
+            </a:r>
+            <a:r>
+              <a:rPr lang="bg-BG" sz="2200" b="1" noProof="1">
+                <a:latin typeface="Consolas" panose="020B0609020204030204" pitchFamily="49" charset="0"/>
+              </a:rPr>
+              <a:t>потребителско име</a:t>
+            </a:r>
+            <a:r>
+              <a:rPr lang="en-US" sz="2200" b="1" noProof="1">
+                <a:latin typeface="Consolas" panose="020B0609020204030204" pitchFamily="49" charset="0"/>
+              </a:rPr>
+              <a:t>&gt;</a:t>
+            </a:r>
+            <a:r>
+              <a:rPr lang="bg-BG" sz="2200" b="1" noProof="1">
+                <a:latin typeface="Consolas" panose="020B0609020204030204" pitchFamily="49" charset="0"/>
+              </a:rPr>
+              <a:t>;</a:t>
+            </a:r>
+            <a:r>
+              <a:rPr lang="en-US" sz="2200" b="1" noProof="1">
+                <a:latin typeface="Consolas" panose="020B0609020204030204" pitchFamily="49" charset="0"/>
+              </a:rPr>
+              <a:t>Password=</a:t>
+            </a:r>
+            <a:r>
+              <a:rPr lang="bg-BG" sz="2200" b="1" noProof="1">
+                <a:latin typeface="Consolas" panose="020B0609020204030204" pitchFamily="49" charset="0"/>
+              </a:rPr>
+              <a:t>&lt;парола</a:t>
+            </a:r>
+            <a:r>
+              <a:rPr lang="en-US" sz="2200" b="1" noProof="1">
+                <a:latin typeface="Consolas" panose="020B0609020204030204" pitchFamily="49" charset="0"/>
+              </a:rPr>
+              <a:t>&gt;</a:t>
+            </a:r>
+            <a:r>
+              <a:rPr lang="bg-BG" sz="2200" b="1" noProof="1">
+                <a:latin typeface="Consolas" panose="020B0609020204030204" pitchFamily="49" charset="0"/>
+              </a:rPr>
+              <a:t>;</a:t>
+            </a:r>
+            <a:r>
+              <a:rPr lang="en-US" sz="2200" b="1" noProof="1">
+                <a:latin typeface="Consolas" panose="020B0609020204030204" pitchFamily="49" charset="0"/>
+              </a:rPr>
+              <a:t>Integrated Security=True;"</a:t>
+            </a:r>
+          </a:p>
+        </p:txBody>
+      </p:sp>
     </p:spTree>
     <p:extLst>
       <p:ext uri="{BB962C8B-B14F-4D97-AF65-F5344CB8AC3E}">
@@ -13933,6 +14383,216 @@
       <p:transition spd="slow" advClick="0" advTm="5000"/>
     </mc:Fallback>
   </mc:AlternateContent>
+  <p:timing>
+    <p:tnLst>
+      <p:par>
+        <p:cTn id="1" dur="indefinite" restart="never" nodeType="tmRoot">
+          <p:childTnLst>
+            <p:seq concurrent="1" nextAc="seek">
+              <p:cTn id="2" dur="indefinite" nodeType="mainSeq">
+                <p:childTnLst>
+                  <p:par>
+                    <p:cTn id="3" fill="hold">
+                      <p:stCondLst>
+                        <p:cond delay="indefinite"/>
+                        <p:cond evt="onBegin" delay="0">
+                          <p:tn val="2"/>
+                        </p:cond>
+                      </p:stCondLst>
+                      <p:childTnLst>
+                        <p:par>
+                          <p:cTn id="4" fill="hold">
+                            <p:stCondLst>
+                              <p:cond delay="0"/>
+                            </p:stCondLst>
+                            <p:childTnLst>
+                              <p:par>
+                                <p:cTn id="5" presetID="1" presetClass="entr" presetSubtype="0" fill="hold" nodeType="withEffect">
+                                  <p:stCondLst>
+                                    <p:cond delay="0"/>
+                                  </p:stCondLst>
+                                  <p:childTnLst>
+                                    <p:set>
+                                      <p:cBhvr>
+                                        <p:cTn id="6" dur="1" fill="hold">
+                                          <p:stCondLst>
+                                            <p:cond delay="0"/>
+                                          </p:stCondLst>
+                                        </p:cTn>
+                                        <p:tgtEl>
+                                          <p:spTgt spid="3">
+                                            <p:txEl>
+                                              <p:pRg st="0" end="0"/>
+                                            </p:txEl>
+                                          </p:spTgt>
+                                        </p:tgtEl>
+                                        <p:attrNameLst>
+                                          <p:attrName>style.visibility</p:attrName>
+                                        </p:attrNameLst>
+                                      </p:cBhvr>
+                                      <p:to>
+                                        <p:strVal val="visible"/>
+                                      </p:to>
+                                    </p:set>
+                                  </p:childTnLst>
+                                </p:cTn>
+                              </p:par>
+                            </p:childTnLst>
+                          </p:cTn>
+                        </p:par>
+                      </p:childTnLst>
+                    </p:cTn>
+                  </p:par>
+                  <p:par>
+                    <p:cTn id="7" fill="hold">
+                      <p:stCondLst>
+                        <p:cond delay="indefinite"/>
+                      </p:stCondLst>
+                      <p:childTnLst>
+                        <p:par>
+                          <p:cTn id="8" fill="hold">
+                            <p:stCondLst>
+                              <p:cond delay="0"/>
+                            </p:stCondLst>
+                            <p:childTnLst>
+                              <p:par>
+                                <p:cTn id="9" presetID="1" presetClass="entr" presetSubtype="0" fill="hold" nodeType="clickEffect">
+                                  <p:stCondLst>
+                                    <p:cond delay="0"/>
+                                  </p:stCondLst>
+                                  <p:childTnLst>
+                                    <p:set>
+                                      <p:cBhvr>
+                                        <p:cTn id="10" dur="1" fill="hold">
+                                          <p:stCondLst>
+                                            <p:cond delay="0"/>
+                                          </p:stCondLst>
+                                        </p:cTn>
+                                        <p:tgtEl>
+                                          <p:spTgt spid="3">
+                                            <p:txEl>
+                                              <p:pRg st="1" end="1"/>
+                                            </p:txEl>
+                                          </p:spTgt>
+                                        </p:tgtEl>
+                                        <p:attrNameLst>
+                                          <p:attrName>style.visibility</p:attrName>
+                                        </p:attrNameLst>
+                                      </p:cBhvr>
+                                      <p:to>
+                                        <p:strVal val="visible"/>
+                                      </p:to>
+                                    </p:set>
+                                  </p:childTnLst>
+                                </p:cTn>
+                              </p:par>
+                            </p:childTnLst>
+                          </p:cTn>
+                        </p:par>
+                      </p:childTnLst>
+                    </p:cTn>
+                  </p:par>
+                  <p:par>
+                    <p:cTn id="11" fill="hold">
+                      <p:stCondLst>
+                        <p:cond delay="indefinite"/>
+                      </p:stCondLst>
+                      <p:childTnLst>
+                        <p:par>
+                          <p:cTn id="12" fill="hold">
+                            <p:stCondLst>
+                              <p:cond delay="0"/>
+                            </p:stCondLst>
+                            <p:childTnLst>
+                              <p:par>
+                                <p:cTn id="13" presetID="1" presetClass="entr" presetSubtype="0" fill="hold" nodeType="clickEffect">
+                                  <p:stCondLst>
+                                    <p:cond delay="0"/>
+                                  </p:stCondLst>
+                                  <p:childTnLst>
+                                    <p:set>
+                                      <p:cBhvr>
+                                        <p:cTn id="14" dur="1" fill="hold">
+                                          <p:stCondLst>
+                                            <p:cond delay="0"/>
+                                          </p:stCondLst>
+                                        </p:cTn>
+                                        <p:tgtEl>
+                                          <p:spTgt spid="3">
+                                            <p:txEl>
+                                              <p:pRg st="2" end="2"/>
+                                            </p:txEl>
+                                          </p:spTgt>
+                                        </p:tgtEl>
+                                        <p:attrNameLst>
+                                          <p:attrName>style.visibility</p:attrName>
+                                        </p:attrNameLst>
+                                      </p:cBhvr>
+                                      <p:to>
+                                        <p:strVal val="visible"/>
+                                      </p:to>
+                                    </p:set>
+                                  </p:childTnLst>
+                                </p:cTn>
+                              </p:par>
+                              <p:par>
+                                <p:cTn id="15" presetID="1" presetClass="entr" presetSubtype="0" fill="hold" grpId="0" nodeType="withEffect">
+                                  <p:stCondLst>
+                                    <p:cond delay="0"/>
+                                  </p:stCondLst>
+                                  <p:childTnLst>
+                                    <p:set>
+                                      <p:cBhvr>
+                                        <p:cTn id="16" dur="1" fill="hold">
+                                          <p:stCondLst>
+                                            <p:cond delay="0"/>
+                                          </p:stCondLst>
+                                        </p:cTn>
+                                        <p:tgtEl>
+                                          <p:spTgt spid="7"/>
+                                        </p:tgtEl>
+                                        <p:attrNameLst>
+                                          <p:attrName>style.visibility</p:attrName>
+                                        </p:attrNameLst>
+                                      </p:cBhvr>
+                                      <p:to>
+                                        <p:strVal val="visible"/>
+                                      </p:to>
+                                    </p:set>
+                                  </p:childTnLst>
+                                </p:cTn>
+                              </p:par>
+                            </p:childTnLst>
+                          </p:cTn>
+                        </p:par>
+                      </p:childTnLst>
+                    </p:cTn>
+                  </p:par>
+                </p:childTnLst>
+              </p:cTn>
+              <p:prevCondLst>
+                <p:cond evt="onPrev" delay="0">
+                  <p:tgtEl>
+                    <p:sldTgt/>
+                  </p:tgtEl>
+                </p:cond>
+              </p:prevCondLst>
+              <p:nextCondLst>
+                <p:cond evt="onNext" delay="0">
+                  <p:tgtEl>
+                    <p:sldTgt/>
+                  </p:tgtEl>
+                </p:cond>
+              </p:nextCondLst>
+            </p:seq>
+          </p:childTnLst>
+        </p:cTn>
+      </p:par>
+    </p:tnLst>
+    <p:bldLst>
+      <p:bldP spid="7" grpId="0" animBg="1"/>
+    </p:bldLst>
+  </p:timing>
 </p:sld>
 </file>
 
@@ -13979,12 +14639,8 @@
               <a:t>Създаване на </a:t>
             </a:r>
             <a:r>
-              <a:rPr lang="en-US" dirty="0" err="1"/>
-              <a:t>DBContext</a:t>
-            </a:r>
-            <a:r>
               <a:rPr lang="en-US" dirty="0"/>
-              <a:t> и</a:t>
+              <a:t>DbContext и</a:t>
             </a:r>
             <a:r>
               <a:rPr lang="bg-BG" dirty="0"/>
@@ -14204,8 +14860,8 @@
         </p:blipFill>
         <p:spPr>
           <a:xfrm>
-            <a:off x="80024" y="1196706"/>
-            <a:ext cx="6983479" cy="2834262"/>
+            <a:off x="593330" y="3741230"/>
+            <a:ext cx="4732373" cy="1920645"/>
           </a:xfrm>
           <a:prstGeom prst="rect">
             <a:avLst/>
@@ -14241,8 +14897,8 @@
         </p:blipFill>
         <p:spPr>
           <a:xfrm>
-            <a:off x="2997531" y="4102455"/>
-            <a:ext cx="9002530" cy="2693064"/>
+            <a:off x="5907025" y="3800606"/>
+            <a:ext cx="6023469" cy="1801892"/>
           </a:xfrm>
           <a:prstGeom prst="rect">
             <a:avLst/>
@@ -14258,38 +14914,166 @@
       </p:pic>
       <p:sp>
         <p:nvSpPr>
-          <p:cNvPr id="8" name="Стрелка: огъната нагоре 9">
+          <p:cNvPr id="2" name="Slide Body Text">
             <a:extLst>
               <a:ext uri="{FF2B5EF4-FFF2-40B4-BE49-F238E27FC236}">
-                <a16:creationId xmlns:a16="http://schemas.microsoft.com/office/drawing/2014/main" id="{EC165FBC-3194-A777-65E3-49B079AC8768}"/>
+                <a16:creationId xmlns:a16="http://schemas.microsoft.com/office/drawing/2014/main" id="{37EF3D20-FE97-28B9-FB95-E1C3E6FB0D6D}"/>
+              </a:ext>
+            </a:extLst>
+          </p:cNvPr>
+          <p:cNvSpPr>
+            <a:spLocks noGrp="1"/>
+          </p:cNvSpPr>
+          <p:nvPr>
+            <p:ph type="body" sz="quarter" idx="10"/>
+          </p:nvPr>
+        </p:nvSpPr>
+        <p:spPr>
+          <a:xfrm>
+            <a:off x="190402" y="1196125"/>
+            <a:ext cx="11818096" cy="5528766"/>
+          </a:xfrm>
+        </p:spPr>
+        <p:txBody>
+          <a:bodyPr>
+            <a:normAutofit/>
+          </a:bodyPr>
+          <a:lstStyle/>
+          <a:p>
+            <a:r>
+              <a:rPr lang="bg-BG" sz="2900" dirty="0"/>
+              <a:t>За да използваме </a:t>
+            </a:r>
+            <a:r>
+              <a:rPr lang="en-US" sz="2900" b="1" dirty="0">
+                <a:solidFill>
+                  <a:schemeClr val="bg1"/>
+                </a:solidFill>
+              </a:rPr>
+              <a:t>EF</a:t>
+            </a:r>
+            <a:r>
+              <a:rPr lang="en-US" sz="2900" dirty="0"/>
+              <a:t> </a:t>
+            </a:r>
+            <a:r>
+              <a:rPr lang="bg-BG" sz="2900" dirty="0"/>
+              <a:t>е нужно да </a:t>
+            </a:r>
+            <a:r>
+              <a:rPr lang="bg-BG" sz="2900" b="1" dirty="0">
+                <a:solidFill>
+                  <a:schemeClr val="bg1"/>
+                </a:solidFill>
+              </a:rPr>
+              <a:t>инсталираме пакети </a:t>
+            </a:r>
+            <a:r>
+              <a:rPr lang="bg-BG" sz="2900" dirty="0"/>
+              <a:t>(</a:t>
+            </a:r>
+            <a:r>
+              <a:rPr lang="en-GB" sz="2900" b="1" dirty="0"/>
+              <a:t>dependencies</a:t>
+            </a:r>
+            <a:r>
+              <a:rPr lang="en-US" sz="2900" dirty="0"/>
+              <a:t>)</a:t>
+            </a:r>
+            <a:r>
+              <a:rPr lang="bg-BG" sz="2900" dirty="0"/>
+              <a:t>, с които работи, използвайки </a:t>
+            </a:r>
+            <a:r>
+              <a:rPr lang="en-US" sz="2900" b="1" dirty="0">
+                <a:solidFill>
+                  <a:schemeClr val="bg1"/>
+                </a:solidFill>
+              </a:rPr>
+              <a:t>Package Manager</a:t>
+            </a:r>
+            <a:r>
+              <a:rPr lang="bg-BG" sz="2900" b="1" dirty="0">
+                <a:solidFill>
+                  <a:schemeClr val="bg1"/>
+                </a:solidFill>
+              </a:rPr>
+              <a:t> конзолата</a:t>
+            </a:r>
+          </a:p>
+          <a:p>
+            <a:r>
+              <a:rPr lang="bg-BG" sz="2900" dirty="0"/>
+              <a:t>Това става от </a:t>
+            </a:r>
+            <a:r>
+              <a:rPr lang="en-US" sz="2900" b="1" dirty="0">
+                <a:solidFill>
+                  <a:schemeClr val="bg1"/>
+                </a:solidFill>
+              </a:rPr>
+              <a:t>Tools</a:t>
+            </a:r>
+            <a:r>
+              <a:rPr lang="en-US" sz="2900" dirty="0"/>
+              <a:t> -&gt;</a:t>
+            </a:r>
+            <a:r>
+              <a:rPr lang="en-US" sz="2900" b="1" dirty="0">
+                <a:solidFill>
+                  <a:schemeClr val="bg1"/>
+                </a:solidFill>
+              </a:rPr>
+              <a:t> NuGet Package Manager </a:t>
+            </a:r>
+            <a:r>
+              <a:rPr lang="en-US" sz="2900" dirty="0"/>
+              <a:t>-&gt; </a:t>
+            </a:r>
+            <a:r>
+              <a:rPr lang="en-US" sz="2900" b="1" dirty="0">
+                <a:solidFill>
+                  <a:schemeClr val="bg1"/>
+                </a:solidFill>
+              </a:rPr>
+              <a:t>Package Manager Console</a:t>
+            </a:r>
+            <a:endParaRPr lang="bg-BG" sz="2900" b="1" dirty="0">
+              <a:solidFill>
+                <a:schemeClr val="bg1"/>
+              </a:solidFill>
+            </a:endParaRPr>
+          </a:p>
+        </p:txBody>
+      </p:sp>
+      <p:sp>
+        <p:nvSpPr>
+          <p:cNvPr id="7" name="Arrow: Right 10">
+            <a:extLst>
+              <a:ext uri="{FF2B5EF4-FFF2-40B4-BE49-F238E27FC236}">
+                <a16:creationId xmlns:a16="http://schemas.microsoft.com/office/drawing/2014/main" id="{81A0C6E5-6C5F-B37A-1B78-A1C032DFFA66}"/>
               </a:ext>
             </a:extLst>
           </p:cNvPr>
           <p:cNvSpPr/>
           <p:nvPr/>
         </p:nvSpPr>
-        <p:spPr bwMode="auto">
-          <a:xfrm rot="5400000">
-            <a:off x="1856259" y="4063916"/>
-            <a:ext cx="944754" cy="1062598"/>
+        <p:spPr>
+          <a:xfrm>
+            <a:off x="5404047" y="4644000"/>
+            <a:ext cx="424974" cy="263670"/>
           </a:xfrm>
-          <a:prstGeom prst="bentUpArrow">
+          <a:prstGeom prst="rightArrow">
             <a:avLst/>
           </a:prstGeom>
           <a:solidFill>
-            <a:schemeClr val="dk2">
-              <a:alpha val="80000"/>
-            </a:schemeClr>
+            <a:schemeClr val="tx1"/>
           </a:solidFill>
-          <a:ln w="19050">
+          <a:ln>
             <a:solidFill>
-              <a:schemeClr val="tx1">
-                <a:lumMod val="75000"/>
-                <a:alpha val="80000"/>
-              </a:schemeClr>
+              <a:schemeClr val="tx1"/>
             </a:solidFill>
           </a:ln>
-          <a:effectLst/>
         </p:spPr>
         <p:style>
           <a:lnRef idx="2">
@@ -14297,8 +15081,8 @@
               <a:shade val="50000"/>
             </a:schemeClr>
           </a:lnRef>
-          <a:fillRef idx="1001">
-            <a:schemeClr val="dk2"/>
+          <a:fillRef idx="1">
+            <a:schemeClr val="accent1"/>
           </a:fillRef>
           <a:effectRef idx="0">
             <a:schemeClr val="accent1"/>
@@ -14308,27 +15092,11 @@
           </a:fontRef>
         </p:style>
         <p:txBody>
-          <a:bodyPr rot="0" spcFirstLastPara="0" vertOverflow="overflow" horzOverflow="overflow" vert="horz" wrap="square" lIns="91416" tIns="45708" rIns="91416" bIns="45708" numCol="1" spcCol="0" rtlCol="0" fromWordArt="0" anchor="ctr" anchorCtr="0" forceAA="0" compatLnSpc="1">
-            <a:prstTxWarp prst="textNoShape">
-              <a:avLst/>
-            </a:prstTxWarp>
-            <a:noAutofit/>
-          </a:bodyPr>
+          <a:bodyPr rtlCol="0" anchor="ctr"/>
           <a:lstStyle/>
           <a:p>
             <a:pPr algn="ctr"/>
-            <a:endParaRPr lang="bg-BG" sz="2799" b="1" dirty="0">
-              <a:solidFill>
-                <a:srgbClr val="FFFFFF"/>
-              </a:solidFill>
-              <a:effectLst>
-                <a:outerShdw blurRad="38100" dist="38100" dir="2700000" algn="tl">
-                  <a:srgbClr val="000000">
-                    <a:alpha val="43137"/>
-                  </a:srgbClr>
-                </a:outerShdw>
-              </a:effectLst>
-            </a:endParaRPr>
+            <a:endParaRPr lang="en-US" sz="2799"/>
           </a:p>
         </p:txBody>
       </p:sp>
@@ -14362,6 +15130,9 @@
                     <p:cTn id="3" fill="hold">
                       <p:stCondLst>
                         <p:cond delay="indefinite"/>
+                        <p:cond evt="onBegin" delay="0">
+                          <p:tn val="2"/>
+                        </p:cond>
                       </p:stCondLst>
                       <p:childTnLst>
                         <p:par>
@@ -14371,7 +15142,7 @@
                             </p:stCondLst>
                             <p:childTnLst>
                               <p:par>
-                                <p:cTn id="5" presetID="1" presetClass="entr" presetSubtype="0" fill="hold" grpId="0" nodeType="clickEffect">
+                                <p:cTn id="5" presetID="1" presetClass="entr" presetSubtype="0" fill="hold" nodeType="withEffect">
                                   <p:stCondLst>
                                     <p:cond delay="0"/>
                                   </p:stCondLst>
@@ -14384,7 +15155,60 @@
                                           </p:stCondLst>
                                         </p:cTn>
                                         <p:tgtEl>
-                                          <p:spTgt spid="8"/>
+                                          <p:spTgt spid="2">
+                                            <p:txEl>
+                                              <p:pRg st="0" end="0"/>
+                                            </p:txEl>
+                                          </p:spTgt>
+                                        </p:tgtEl>
+                                        <p:attrNameLst>
+                                          <p:attrName>style.visibility</p:attrName>
+                                        </p:attrNameLst>
+                                      </p:cBhvr>
+                                      <p:to>
+                                        <p:strVal val="visible"/>
+                                      </p:to>
+                                    </p:set>
+                                  </p:childTnLst>
+                                </p:cTn>
+                              </p:par>
+                            </p:childTnLst>
+                          </p:cTn>
+                        </p:par>
+                      </p:childTnLst>
+                    </p:cTn>
+                  </p:par>
+                  <p:par>
+                    <p:cTn id="7" fill="hold">
+                      <p:stCondLst>
+                        <p:cond delay="indefinite"/>
+                      </p:stCondLst>
+                      <p:childTnLst>
+                        <p:par>
+                          <p:cTn id="8" fill="hold">
+                            <p:stCondLst>
+                              <p:cond delay="0"/>
+                            </p:stCondLst>
+                            <p:childTnLst>
+                              <p:par>
+                                <p:cTn id="9" presetID="1" presetClass="entr" presetSubtype="0" fill="hold" nodeType="clickEffect">
+                                  <p:stCondLst>
+                                    <p:cond delay="0"/>
+                                  </p:stCondLst>
+                                  <p:childTnLst>
+                                    <p:set>
+                                      <p:cBhvr>
+                                        <p:cTn id="10" dur="1" fill="hold">
+                                          <p:stCondLst>
+                                            <p:cond delay="0"/>
+                                          </p:stCondLst>
+                                        </p:cTn>
+                                        <p:tgtEl>
+                                          <p:spTgt spid="2">
+                                            <p:txEl>
+                                              <p:pRg st="1" end="1"/>
+                                            </p:txEl>
+                                          </p:spTgt>
                                         </p:tgtEl>
                                         <p:attrNameLst>
                                           <p:attrName>style.visibility</p:attrName>
@@ -14398,14 +15222,86 @@
                                 </p:cTn>
                               </p:par>
                               <p:par>
-                                <p:cTn id="7" presetID="1" presetClass="entr" presetSubtype="0" fill="hold" nodeType="withEffect">
+                                <p:cTn id="11" presetID="1" presetClass="entr" presetSubtype="0" fill="hold" nodeType="withEffect">
                                   <p:stCondLst>
                                     <p:cond delay="0"/>
                                   </p:stCondLst>
                                   <p:childTnLst>
                                     <p:set>
                                       <p:cBhvr>
-                                        <p:cTn id="8" dur="1" fill="hold">
+                                        <p:cTn id="12" dur="1" fill="hold">
+                                          <p:stCondLst>
+                                            <p:cond delay="0"/>
+                                          </p:stCondLst>
+                                        </p:cTn>
+                                        <p:tgtEl>
+                                          <p:spTgt spid="5"/>
+                                        </p:tgtEl>
+                                        <p:attrNameLst>
+                                          <p:attrName>style.visibility</p:attrName>
+                                        </p:attrNameLst>
+                                      </p:cBhvr>
+                                      <p:to>
+                                        <p:strVal val="visible"/>
+                                      </p:to>
+                                    </p:set>
+                                  </p:childTnLst>
+                                </p:cTn>
+                              </p:par>
+                            </p:childTnLst>
+                          </p:cTn>
+                        </p:par>
+                      </p:childTnLst>
+                    </p:cTn>
+                  </p:par>
+                  <p:par>
+                    <p:cTn id="13" fill="hold">
+                      <p:stCondLst>
+                        <p:cond delay="indefinite"/>
+                      </p:stCondLst>
+                      <p:childTnLst>
+                        <p:par>
+                          <p:cTn id="14" fill="hold">
+                            <p:stCondLst>
+                              <p:cond delay="0"/>
+                            </p:stCondLst>
+                            <p:childTnLst>
+                              <p:par>
+                                <p:cTn id="15" presetID="1" presetClass="entr" presetSubtype="0" fill="hold" grpId="0" nodeType="clickEffect">
+                                  <p:stCondLst>
+                                    <p:cond delay="0"/>
+                                  </p:stCondLst>
+                                  <p:childTnLst>
+                                    <p:set>
+                                      <p:cBhvr>
+                                        <p:cTn id="16" dur="1" fill="hold">
+                                          <p:stCondLst>
+                                            <p:cond delay="0"/>
+                                          </p:stCondLst>
+                                        </p:cTn>
+                                        <p:tgtEl>
+                                          <p:spTgt spid="7"/>
+                                        </p:tgtEl>
+                                        <p:attrNameLst>
+                                          <p:attrName>style.visibility</p:attrName>
+                                        </p:attrNameLst>
+                                      </p:cBhvr>
+                                      <p:to>
+                                        <p:strVal val="visible"/>
+                                      </p:to>
+                                    </p:set>
+                                  </p:childTnLst>
+                                </p:cTn>
+                              </p:par>
+                              <p:par>
+                                <p:cTn id="17" presetID="1" presetClass="entr" presetSubtype="0" fill="hold" nodeType="withEffect">
+                                  <p:stCondLst>
+                                    <p:cond delay="0"/>
+                                  </p:stCondLst>
+                                  <p:childTnLst>
+                                    <p:set>
+                                      <p:cBhvr>
+                                        <p:cTn id="18" dur="1" fill="hold">
                                           <p:stCondLst>
                                             <p:cond delay="0"/>
                                           </p:stCondLst>
@@ -14452,7 +15348,7 @@
       </p:par>
     </p:tnLst>
     <p:bldLst>
-      <p:bldP spid="8" grpId="0" animBg="1"/>
+      <p:bldP spid="7" grpId="0" animBg="1"/>
     </p:bldLst>
   </p:timing>
 </p:sld>
@@ -14581,11 +15477,19 @@
           <a:lstStyle/>
           <a:p>
             <a:r>
-              <a:rPr lang="bg-BG" sz="3200" dirty="0"/>
-              <a:t>Изпълняваме командите </a:t>
-            </a:r>
-            <a:r>
-              <a:rPr lang="bg-BG" sz="3200" b="1" dirty="0">
+              <a:rPr lang="bg-BG" sz="3000" dirty="0"/>
+              <a:t>Изпълняваме </a:t>
+            </a:r>
+            <a:r>
+              <a:rPr lang="bg-BG" sz="3000" b="1" dirty="0"/>
+              <a:t>командите</a:t>
+            </a:r>
+            <a:r>
+              <a:rPr lang="bg-BG" sz="3000" dirty="0"/>
+              <a:t> </a:t>
+            </a:r>
+            <a:r>
+              <a:rPr lang="bg-BG" sz="3000" b="1" dirty="0">
                 <a:solidFill>
                   <a:schemeClr val="bg1"/>
                 </a:solidFill>
@@ -14593,10 +15497,10 @@
               <a:t>една по една</a:t>
             </a:r>
             <a:r>
-              <a:rPr lang="en-US" sz="3200" dirty="0"/>
+              <a:rPr lang="en-US" sz="3000" dirty="0"/>
               <a:t>:</a:t>
             </a:r>
-            <a:endParaRPr lang="bg-BG" sz="3200" dirty="0"/>
+            <a:endParaRPr lang="bg-BG" sz="3000" dirty="0"/>
           </a:p>
         </p:txBody>
       </p:sp>
@@ -14616,7 +15520,7 @@
         </p:nvSpPr>
         <p:spPr>
           <a:xfrm>
-            <a:off x="440443" y="1842750"/>
+            <a:off x="440443" y="1899000"/>
             <a:ext cx="11311114" cy="461545"/>
           </a:xfrm>
           <a:prstGeom prst="rect">
@@ -14674,7 +15578,7 @@
         </p:nvSpPr>
         <p:spPr>
           <a:xfrm>
-            <a:off x="440443" y="2472586"/>
+            <a:off x="440443" y="2528836"/>
             <a:ext cx="11311114" cy="461545"/>
           </a:xfrm>
           <a:prstGeom prst="rect">
@@ -14732,7 +15636,7 @@
         </p:nvSpPr>
         <p:spPr>
           <a:xfrm>
-            <a:off x="440443" y="3113818"/>
+            <a:off x="440443" y="3170068"/>
             <a:ext cx="11311114" cy="461545"/>
           </a:xfrm>
           <a:prstGeom prst="rect">
@@ -14801,8 +15705,8 @@
         </p:blipFill>
         <p:spPr>
           <a:xfrm>
-            <a:off x="2003501" y="3675891"/>
-            <a:ext cx="7827499" cy="3007790"/>
+            <a:off x="2722250" y="3869300"/>
+            <a:ext cx="6747499" cy="2592790"/>
           </a:xfrm>
           <a:prstGeom prst="rect">
             <a:avLst/>
@@ -15011,6 +15915,51 @@
                       </p:childTnLst>
                     </p:cTn>
                   </p:par>
+                  <p:par>
+                    <p:cTn id="17" fill="hold">
+                      <p:stCondLst>
+                        <p:cond delay="indefinite"/>
+                      </p:stCondLst>
+                      <p:childTnLst>
+                        <p:par>
+                          <p:cTn id="18" fill="hold">
+                            <p:stCondLst>
+                              <p:cond delay="0"/>
+                            </p:stCondLst>
+                            <p:childTnLst>
+                              <p:par>
+                                <p:cTn id="19" presetID="1" presetClass="entr" presetSubtype="0" fill="hold" nodeType="clickEffect">
+                                  <p:stCondLst>
+                                    <p:cond delay="0"/>
+                                  </p:stCondLst>
+                                  <p:childTnLst>
+                                    <p:set>
+                                      <p:cBhvr>
+                                        <p:cTn id="20" dur="1" fill="hold">
+                                          <p:stCondLst>
+                                            <p:cond delay="0"/>
+                                          </p:stCondLst>
+                                        </p:cTn>
+                                        <p:tgtEl>
+                                          <p:spTgt spid="13"/>
+                                        </p:tgtEl>
+                                        <p:attrNameLst>
+                                          <p:attrName>style.visibility</p:attrName>
+                                        </p:attrNameLst>
+                                      </p:cBhvr>
+                                      <p:to>
+                                        <p:strVal val="visible"/>
+                                      </p:to>
+                                    </p:set>
+                                  </p:childTnLst>
+                                </p:cTn>
+                              </p:par>
+                            </p:childTnLst>
+                          </p:cTn>
+                        </p:par>
+                      </p:childTnLst>
+                    </p:cTn>
+                  </p:par>
                 </p:childTnLst>
               </p:cTn>
               <p:prevCondLst>
@@ -15121,11 +16070,11 @@
           <a:p>
             <a:r>
               <a:rPr lang="en-US" dirty="0"/>
-              <a:t>Scaffold</a:t>
+              <a:t>Scaffold </a:t>
             </a:r>
             <a:r>
               <a:rPr lang="bg-BG" dirty="0"/>
-              <a:t>-ване на </a:t>
+              <a:t>на </a:t>
             </a:r>
             <a:r>
               <a:rPr lang="en-US" dirty="0"/>
@@ -15168,75 +16117,123 @@
           <a:lstStyle/>
           <a:p>
             <a:r>
-              <a:rPr lang="bg-BG" sz="2800" dirty="0"/>
-              <a:t>Изпълняваме следната команда, за да създадем </a:t>
-            </a:r>
-            <a:r>
-              <a:rPr lang="bg-BG" sz="2800" b="1" dirty="0">
+              <a:rPr lang="en-US" sz="2700" b="1" dirty="0">
                 <a:solidFill>
                   <a:schemeClr val="bg1"/>
                 </a:solidFill>
               </a:rPr>
-              <a:t>скеле</a:t>
-            </a:r>
-            <a:r>
-              <a:rPr lang="en-US" sz="2800" dirty="0"/>
-              <a:t> (</a:t>
-            </a:r>
-            <a:r>
-              <a:rPr lang="en-US" sz="2800" b="1" dirty="0">
+              <a:t>Scaffold</a:t>
+            </a:r>
+            <a:r>
+              <a:rPr lang="en-US" sz="2700" dirty="0"/>
+              <a:t> </a:t>
+            </a:r>
+            <a:r>
+              <a:rPr lang="bg-BG" sz="2700" dirty="0"/>
+              <a:t>се използва за </a:t>
+            </a:r>
+            <a:r>
+              <a:rPr lang="bg-BG" sz="2700" b="1" dirty="0">
                 <a:solidFill>
                   <a:schemeClr val="bg1"/>
                 </a:solidFill>
               </a:rPr>
-              <a:t>scaffold</a:t>
-            </a:r>
-            <a:r>
-              <a:rPr lang="en-US" sz="2800" dirty="0"/>
-              <a:t>) </a:t>
-            </a:r>
-            <a:r>
-              <a:rPr lang="bg-BG" sz="2800" dirty="0"/>
-              <a:t>на </a:t>
-            </a:r>
-            <a:r>
-              <a:rPr lang="en-US" sz="2800" b="1" dirty="0">
+              <a:t>автоматично генериране</a:t>
+            </a:r>
+            <a:r>
+              <a:rPr lang="bg-BG" sz="2700" dirty="0"/>
+              <a:t> на </a:t>
+            </a:r>
+            <a:r>
+              <a:rPr lang="bg-BG" sz="2700" b="1" dirty="0">
                 <a:solidFill>
                   <a:schemeClr val="bg1"/>
                 </a:solidFill>
               </a:rPr>
-              <a:t>context </a:t>
-            </a:r>
-            <a:r>
-              <a:rPr lang="bg-BG" sz="2800" b="1" dirty="0">
+              <a:t>код</a:t>
+            </a:r>
+            <a:r>
+              <a:rPr lang="bg-BG" sz="2700" dirty="0"/>
+              <a:t> като </a:t>
+            </a:r>
+            <a:r>
+              <a:rPr lang="bg-BG" sz="2700" b="1" dirty="0"/>
+              <a:t>модели</a:t>
+            </a:r>
+            <a:r>
+              <a:rPr lang="bg-BG" sz="2700" dirty="0"/>
+              <a:t> на </a:t>
+            </a:r>
+            <a:r>
+              <a:rPr lang="bg-BG" sz="2700" b="1" dirty="0"/>
+              <a:t>таблици</a:t>
+            </a:r>
+            <a:r>
+              <a:rPr lang="bg-BG" sz="2700" dirty="0"/>
+              <a:t> от база данни</a:t>
+            </a:r>
+            <a:endParaRPr lang="en-US" sz="2700" dirty="0"/>
+          </a:p>
+          <a:p>
+            <a:r>
+              <a:rPr lang="bg-BG" sz="2700" dirty="0"/>
+              <a:t>Изисква </a:t>
+            </a:r>
+            <a:r>
+              <a:rPr lang="bg-BG" sz="2700" b="1" dirty="0"/>
+              <a:t>информация</a:t>
+            </a:r>
+            <a:r>
+              <a:rPr lang="bg-BG" sz="2700" dirty="0"/>
+              <a:t> за </a:t>
+            </a:r>
+            <a:r>
+              <a:rPr lang="en-US" sz="2700" b="1" dirty="0">
                 <a:solidFill>
                   <a:schemeClr val="bg1"/>
                 </a:solidFill>
               </a:rPr>
-              <a:t>класа</a:t>
-            </a:r>
-            <a:r>
-              <a:rPr lang="en-US" sz="2800" b="1" dirty="0">
-                <a:solidFill>
-                  <a:schemeClr val="bg1"/>
-                </a:solidFill>
-              </a:rPr>
-              <a:t> TODO</a:t>
-            </a:r>
-            <a:endParaRPr lang="bg-BG" sz="2800" b="1" dirty="0">
+              <a:t>connection string</a:t>
+            </a:r>
+            <a:endParaRPr lang="bg-BG" sz="2700" b="1" dirty="0">
               <a:solidFill>
                 <a:schemeClr val="bg1"/>
               </a:solidFill>
             </a:endParaRPr>
           </a:p>
+          <a:p>
+            <a:r>
+              <a:rPr lang="bg-BG" sz="2700" dirty="0"/>
+              <a:t>Изпълняваме следната </a:t>
+            </a:r>
+            <a:r>
+              <a:rPr lang="bg-BG" sz="2700" b="1" dirty="0"/>
+              <a:t>команда</a:t>
+            </a:r>
+            <a:r>
+              <a:rPr lang="en-US" sz="2700" dirty="0"/>
+              <a:t>:</a:t>
+            </a:r>
+            <a:endParaRPr lang="bg-BG" sz="2700" b="1" dirty="0">
+              <a:solidFill>
+                <a:schemeClr val="bg1"/>
+              </a:solidFill>
+            </a:endParaRPr>
+          </a:p>
+          <a:p>
+            <a:pPr marL="0" indent="0">
+              <a:buNone/>
+            </a:pPr>
+            <a:endParaRPr lang="en-US" dirty="0"/>
+          </a:p>
         </p:txBody>
       </p:sp>
       <p:sp>
         <p:nvSpPr>
-          <p:cNvPr id="2" name="Text Placeholder 4">
+          <p:cNvPr id="5" name="Text Placeholder 4">
             <a:extLst>
               <a:ext uri="{FF2B5EF4-FFF2-40B4-BE49-F238E27FC236}">
-                <a16:creationId xmlns:a16="http://schemas.microsoft.com/office/drawing/2014/main" id="{6004915B-A119-D421-25B5-305BD796E771}"/>
+                <a16:creationId xmlns:a16="http://schemas.microsoft.com/office/drawing/2014/main" id="{13D1C10F-3E50-AEE3-919D-B0452774052E}"/>
               </a:ext>
             </a:extLst>
           </p:cNvPr>
@@ -15247,8 +16244,8 @@
         </p:nvSpPr>
         <p:spPr>
           <a:xfrm>
-            <a:off x="696000" y="2137582"/>
-            <a:ext cx="10617235" cy="1569251"/>
+            <a:off x="651000" y="3370906"/>
+            <a:ext cx="11102030" cy="1015663"/>
           </a:xfrm>
           <a:prstGeom prst="rect">
             <a:avLst/>
@@ -15281,20 +16278,32 @@
               </a:lnSpc>
             </a:pPr>
             <a:r>
-              <a:rPr lang="en-US" sz="2399" b="1" noProof="1">
+              <a:rPr lang="en-US" sz="2000" b="1" noProof="1">
                 <a:latin typeface="Consolas" panose="020B0609020204030204" pitchFamily="49" charset="0"/>
               </a:rPr>
-              <a:t>Scaffold-DbContext -Connection "Server=(localdb)\MSSQLLocalDB;Database=SoftUni;Integrated Security=True;" -Provider Microsoft.EntityFrameworkCore.SqlServer -OutputDir Data/Models</a:t>
+              <a:t>Scaffold-DbContext -Connection "Server=(localdb)\MSSQLLocalDB;Database=&lt;и</a:t>
+            </a:r>
+            <a:r>
+              <a:rPr lang="bg-BG" sz="2000" b="1" noProof="1">
+                <a:latin typeface="Consolas" panose="020B0609020204030204" pitchFamily="49" charset="0"/>
+              </a:rPr>
+              <a:t>ме на база данни</a:t>
+            </a:r>
+            <a:r>
+              <a:rPr lang="en-US" sz="2000" b="1" noProof="1">
+                <a:latin typeface="Consolas" panose="020B0609020204030204" pitchFamily="49" charset="0"/>
+              </a:rPr>
+              <a:t>&gt;;Integrated Security=True;" -Provider Microsoft.EntityFrameworkCore.SqlServer -OutputDir Data/Models</a:t>
             </a:r>
           </a:p>
         </p:txBody>
       </p:sp>
       <p:pic>
         <p:nvPicPr>
-          <p:cNvPr id="3" name="Picture 2">
+          <p:cNvPr id="6" name="Picture 5">
             <a:extLst>
               <a:ext uri="{FF2B5EF4-FFF2-40B4-BE49-F238E27FC236}">
-                <a16:creationId xmlns:a16="http://schemas.microsoft.com/office/drawing/2014/main" id="{3CC37A1C-27CD-1375-1DEB-5DB7C1225A08}"/>
+                <a16:creationId xmlns:a16="http://schemas.microsoft.com/office/drawing/2014/main" id="{BBCCC7AE-B319-7822-5316-C72B1B0E9369}"/>
               </a:ext>
             </a:extLst>
           </p:cNvPr>
@@ -15311,8 +16320,8 @@
         </p:blipFill>
         <p:spPr>
           <a:xfrm>
-            <a:off x="1059297" y="3698417"/>
-            <a:ext cx="10073409" cy="2932304"/>
+            <a:off x="2991000" y="4589414"/>
+            <a:ext cx="6210000" cy="1807691"/>
           </a:xfrm>
           <a:prstGeom prst="rect">
             <a:avLst/>
@@ -15398,21 +16407,164 @@
                                   </p:childTnLst>
                                 </p:cTn>
                               </p:par>
+                            </p:childTnLst>
+                          </p:cTn>
+                        </p:par>
+                      </p:childTnLst>
+                    </p:cTn>
+                  </p:par>
+                  <p:par>
+                    <p:cTn id="7" fill="hold">
+                      <p:stCondLst>
+                        <p:cond delay="indefinite"/>
+                      </p:stCondLst>
+                      <p:childTnLst>
+                        <p:par>
+                          <p:cTn id="8" fill="hold">
+                            <p:stCondLst>
+                              <p:cond delay="0"/>
+                            </p:stCondLst>
+                            <p:childTnLst>
                               <p:par>
-                                <p:cTn id="7" presetID="1" presetClass="entr" presetSubtype="0" fill="hold" grpId="0" nodeType="withEffect">
+                                <p:cTn id="9" presetID="1" presetClass="entr" presetSubtype="0" fill="hold" nodeType="clickEffect">
                                   <p:stCondLst>
                                     <p:cond delay="0"/>
                                   </p:stCondLst>
                                   <p:childTnLst>
                                     <p:set>
                                       <p:cBhvr>
-                                        <p:cTn id="8" dur="1" fill="hold">
+                                        <p:cTn id="10" dur="1" fill="hold">
                                           <p:stCondLst>
                                             <p:cond delay="0"/>
                                           </p:stCondLst>
                                         </p:cTn>
                                         <p:tgtEl>
-                                          <p:spTgt spid="2"/>
+                                          <p:spTgt spid="7">
+                                            <p:txEl>
+                                              <p:pRg st="1" end="1"/>
+                                            </p:txEl>
+                                          </p:spTgt>
+                                        </p:tgtEl>
+                                        <p:attrNameLst>
+                                          <p:attrName>style.visibility</p:attrName>
+                                        </p:attrNameLst>
+                                      </p:cBhvr>
+                                      <p:to>
+                                        <p:strVal val="visible"/>
+                                      </p:to>
+                                    </p:set>
+                                  </p:childTnLst>
+                                </p:cTn>
+                              </p:par>
+                            </p:childTnLst>
+                          </p:cTn>
+                        </p:par>
+                      </p:childTnLst>
+                    </p:cTn>
+                  </p:par>
+                  <p:par>
+                    <p:cTn id="11" fill="hold">
+                      <p:stCondLst>
+                        <p:cond delay="indefinite"/>
+                      </p:stCondLst>
+                      <p:childTnLst>
+                        <p:par>
+                          <p:cTn id="12" fill="hold">
+                            <p:stCondLst>
+                              <p:cond delay="0"/>
+                            </p:stCondLst>
+                            <p:childTnLst>
+                              <p:par>
+                                <p:cTn id="13" presetID="1" presetClass="entr" presetSubtype="0" fill="hold" nodeType="clickEffect">
+                                  <p:stCondLst>
+                                    <p:cond delay="0"/>
+                                  </p:stCondLst>
+                                  <p:childTnLst>
+                                    <p:set>
+                                      <p:cBhvr>
+                                        <p:cTn id="14" dur="1" fill="hold">
+                                          <p:stCondLst>
+                                            <p:cond delay="0"/>
+                                          </p:stCondLst>
+                                        </p:cTn>
+                                        <p:tgtEl>
+                                          <p:spTgt spid="7">
+                                            <p:txEl>
+                                              <p:pRg st="2" end="2"/>
+                                            </p:txEl>
+                                          </p:spTgt>
+                                        </p:tgtEl>
+                                        <p:attrNameLst>
+                                          <p:attrName>style.visibility</p:attrName>
+                                        </p:attrNameLst>
+                                      </p:cBhvr>
+                                      <p:to>
+                                        <p:strVal val="visible"/>
+                                      </p:to>
+                                    </p:set>
+                                  </p:childTnLst>
+                                </p:cTn>
+                              </p:par>
+                              <p:par>
+                                <p:cTn id="15" presetID="1" presetClass="entr" presetSubtype="0" fill="hold" grpId="0" nodeType="withEffect">
+                                  <p:stCondLst>
+                                    <p:cond delay="0"/>
+                                  </p:stCondLst>
+                                  <p:childTnLst>
+                                    <p:set>
+                                      <p:cBhvr>
+                                        <p:cTn id="16" dur="1" fill="hold">
+                                          <p:stCondLst>
+                                            <p:cond delay="0"/>
+                                          </p:stCondLst>
+                                        </p:cTn>
+                                        <p:tgtEl>
+                                          <p:spTgt spid="5"/>
+                                        </p:tgtEl>
+                                        <p:attrNameLst>
+                                          <p:attrName>style.visibility</p:attrName>
+                                        </p:attrNameLst>
+                                      </p:cBhvr>
+                                      <p:to>
+                                        <p:strVal val="visible"/>
+                                      </p:to>
+                                    </p:set>
+                                  </p:childTnLst>
+                                </p:cTn>
+                              </p:par>
+                            </p:childTnLst>
+                          </p:cTn>
+                        </p:par>
+                      </p:childTnLst>
+                    </p:cTn>
+                  </p:par>
+                  <p:par>
+                    <p:cTn id="17" fill="hold">
+                      <p:stCondLst>
+                        <p:cond delay="indefinite"/>
+                      </p:stCondLst>
+                      <p:childTnLst>
+                        <p:par>
+                          <p:cTn id="18" fill="hold">
+                            <p:stCondLst>
+                              <p:cond delay="0"/>
+                            </p:stCondLst>
+                            <p:childTnLst>
+                              <p:par>
+                                <p:cTn id="19" presetID="1" presetClass="entr" presetSubtype="0" fill="hold" nodeType="clickEffect">
+                                  <p:stCondLst>
+                                    <p:cond delay="0"/>
+                                  </p:stCondLst>
+                                  <p:childTnLst>
+                                    <p:set>
+                                      <p:cBhvr>
+                                        <p:cTn id="20" dur="1" fill="hold">
+                                          <p:stCondLst>
+                                            <p:cond delay="0"/>
+                                          </p:stCondLst>
+                                        </p:cTn>
+                                        <p:tgtEl>
+                                          <p:spTgt spid="6"/>
                                         </p:tgtEl>
                                         <p:attrNameLst>
                                           <p:attrName>style.visibility</p:attrName>
@@ -15453,7 +16605,7 @@
       </p:par>
     </p:tnLst>
     <p:bldLst>
-      <p:bldP spid="2" grpId="0" animBg="1"/>
+      <p:bldP spid="5" grpId="0" animBg="1"/>
     </p:bldLst>
   </p:timing>
 </p:sld>
@@ -15538,8 +16690,10 @@
           <a:lstStyle/>
           <a:p>
             <a:r>
-              <a:rPr lang="bg-BG" dirty="0"/>
-              <a:t>Променяне на структурата на проекта</a:t>
+              <a:rPr lang="en-GB" i="0" dirty="0">
+                <a:effectLst/>
+              </a:rPr>
+              <a:t>ADO.NET Entity Data Model</a:t>
             </a:r>
             <a:endParaRPr lang="en-US" dirty="0"/>
           </a:p>
@@ -15564,90 +16718,142 @@
         <p:spPr>
           <a:xfrm>
             <a:off x="191941" y="1196707"/>
-            <a:ext cx="7885267" cy="5527326"/>
+            <a:ext cx="11561089" cy="5527326"/>
           </a:xfrm>
         </p:spPr>
         <p:txBody>
-          <a:bodyPr/>
+          <a:bodyPr>
+            <a:normAutofit/>
+          </a:bodyPr>
           <a:lstStyle/>
           <a:p>
             <a:r>
-              <a:rPr lang="bg-BG" dirty="0"/>
-              <a:t>Променяме </a:t>
-            </a:r>
-            <a:r>
-              <a:rPr lang="bg-BG" b="1" dirty="0">
+              <a:rPr lang="bg-BG" sz="3200" b="1" dirty="0">
                 <a:solidFill>
                   <a:schemeClr val="bg1"/>
                 </a:solidFill>
               </a:rPr>
-              <a:t>имената</a:t>
-            </a:r>
-            <a:r>
-              <a:rPr lang="bg-BG" dirty="0"/>
-              <a:t> на файловете и </a:t>
-            </a:r>
-            <a:r>
-              <a:rPr lang="bg-BG" b="1" dirty="0">
+              <a:t>Ключов компонент </a:t>
+            </a:r>
+            <a:r>
+              <a:rPr lang="bg-BG" sz="3200" dirty="0"/>
+              <a:t>на </a:t>
+            </a:r>
+            <a:r>
+              <a:rPr lang="en-GB" sz="3200" b="1" dirty="0">
                 <a:solidFill>
                   <a:schemeClr val="bg1"/>
                 </a:solidFill>
               </a:rPr>
-              <a:t>структурата</a:t>
-            </a:r>
-            <a:r>
-              <a:rPr lang="en-US" dirty="0"/>
-              <a:t>:</a:t>
-            </a:r>
-          </a:p>
-          <a:p>
-            <a:endParaRPr lang="en-US" dirty="0"/>
-          </a:p>
-          <a:p>
-            <a:pPr marL="0" indent="0">
-              <a:buNone/>
-            </a:pPr>
-            <a:endParaRPr lang="en-US" dirty="0"/>
-          </a:p>
-          <a:p>
-            <a:r>
-              <a:rPr lang="en-US" b="1" dirty="0">
+              <a:t>Entity Framework</a:t>
+            </a:r>
+            <a:endParaRPr lang="bg-BG" sz="3200" b="1" dirty="0">
+              <a:solidFill>
+                <a:schemeClr val="bg1"/>
+              </a:solidFill>
+            </a:endParaRPr>
+          </a:p>
+          <a:p>
+            <a:r>
+              <a:rPr lang="bg-BG" sz="3200" dirty="0"/>
+              <a:t>Технология от </a:t>
+            </a:r>
+            <a:r>
+              <a:rPr lang="en-US" sz="3200" b="1" dirty="0">
                 <a:solidFill>
                   <a:schemeClr val="bg1"/>
                 </a:solidFill>
               </a:rPr>
-              <a:t>Namespace</a:t>
-            </a:r>
-            <a:r>
-              <a:rPr lang="en-US" dirty="0"/>
-              <a:t>-о</a:t>
-            </a:r>
-            <a:r>
-              <a:rPr lang="bg-BG" dirty="0"/>
-              <a:t>вете трябва да са </a:t>
-            </a:r>
-            <a:r>
-              <a:rPr lang="bg-BG" b="1" dirty="0">
+              <a:t>Microsoft</a:t>
+            </a:r>
+            <a:r>
+              <a:rPr lang="en-US" sz="3200" dirty="0"/>
+              <a:t>, </a:t>
+            </a:r>
+            <a:r>
+              <a:rPr lang="bg-BG" sz="3200" dirty="0"/>
+              <a:t>позволяваща работа с </a:t>
+            </a:r>
+            <a:r>
+              <a:rPr lang="bg-BG" sz="3200" b="1" dirty="0"/>
+              <a:t>данни</a:t>
+            </a:r>
+            <a:r>
+              <a:rPr lang="bg-BG" sz="3200" dirty="0"/>
+              <a:t> от </a:t>
+            </a:r>
+            <a:r>
+              <a:rPr lang="bg-BG" sz="3200" b="1" dirty="0"/>
+              <a:t>бази данни </a:t>
+            </a:r>
+            <a:r>
+              <a:rPr lang="bg-BG" sz="3200" dirty="0"/>
+              <a:t>като </a:t>
+            </a:r>
+            <a:r>
+              <a:rPr lang="bg-BG" sz="3200" b="1" dirty="0">
                 <a:solidFill>
                   <a:schemeClr val="bg1"/>
                 </a:solidFill>
               </a:rPr>
-              <a:t>същите </a:t>
-            </a:r>
-            <a:r>
-              <a:rPr lang="bg-BG" dirty="0"/>
-              <a:t>като изброените:</a:t>
-            </a:r>
-            <a:endParaRPr lang="en-US" dirty="0"/>
+              <a:t>обекти</a:t>
+            </a:r>
+            <a:r>
+              <a:rPr lang="bg-BG" sz="3200" dirty="0"/>
+              <a:t> </a:t>
+            </a:r>
+          </a:p>
+          <a:p>
+            <a:r>
+              <a:rPr lang="bg-BG" sz="3200" b="1" dirty="0">
+                <a:solidFill>
+                  <a:schemeClr val="bg1"/>
+                </a:solidFill>
+              </a:rPr>
+              <a:t>Абстрактен</a:t>
+            </a:r>
+            <a:r>
+              <a:rPr lang="bg-BG" sz="3200" dirty="0"/>
+              <a:t> начин за работа, който </a:t>
+            </a:r>
+            <a:r>
+              <a:rPr lang="bg-BG" sz="3200" b="1" dirty="0">
+                <a:solidFill>
+                  <a:schemeClr val="bg1"/>
+                </a:solidFill>
+              </a:rPr>
+              <a:t>улеснява</a:t>
+            </a:r>
+            <a:r>
+              <a:rPr lang="bg-BG" sz="3200" dirty="0"/>
+              <a:t> процеса на </a:t>
+            </a:r>
+            <a:r>
+              <a:rPr lang="bg-BG" sz="3200" b="1" dirty="0"/>
+              <a:t>разработка</a:t>
+            </a:r>
+            <a:r>
+              <a:rPr lang="bg-BG" sz="3200" dirty="0"/>
+              <a:t> и </a:t>
+            </a:r>
+            <a:r>
+              <a:rPr lang="bg-BG" sz="3200" b="1" dirty="0"/>
+              <a:t>поддържане</a:t>
+            </a:r>
+            <a:r>
+              <a:rPr lang="bg-BG" sz="3200" dirty="0"/>
+              <a:t> на софтуерни приложения</a:t>
+            </a:r>
+            <a:endParaRPr lang="en-US" sz="3200" dirty="0"/>
           </a:p>
         </p:txBody>
       </p:sp>
       <p:pic>
         <p:nvPicPr>
-          <p:cNvPr id="10" name="Картина 6">
+          <p:cNvPr id="3" name="Picture 2">
             <a:extLst>
               <a:ext uri="{FF2B5EF4-FFF2-40B4-BE49-F238E27FC236}">
-                <a16:creationId xmlns:a16="http://schemas.microsoft.com/office/drawing/2014/main" id="{5A45148C-DAFE-EAF9-DFB1-77146662A65A}"/>
+                <a16:creationId xmlns:a16="http://schemas.microsoft.com/office/drawing/2014/main" id="{4944C4A2-40DE-72ED-B314-73361DAF2B8D}"/>
               </a:ext>
             </a:extLst>
           </p:cNvPr>
@@ -15657,153 +16863,31 @@
           <p:nvPr/>
         </p:nvPicPr>
         <p:blipFill>
-          <a:blip r:embed="rId3"/>
+          <a:blip r:embed="rId3">
+            <a:extLst>
+              <a:ext uri="{28A0092B-C50C-407E-A947-70E740481C1C}">
+                <a14:useLocalDpi xmlns:a14="http://schemas.microsoft.com/office/drawing/2010/main" val="0"/>
+              </a:ext>
+            </a:extLst>
+          </a:blip>
           <a:stretch>
             <a:fillRect/>
           </a:stretch>
         </p:blipFill>
         <p:spPr>
           <a:xfrm>
-            <a:off x="3396703" y="1882689"/>
-            <a:ext cx="4680504" cy="1781386"/>
+            <a:off x="3947486" y="4252486"/>
+            <a:ext cx="4050000" cy="2254514"/>
           </a:xfrm>
           <a:prstGeom prst="rect">
             <a:avLst/>
           </a:prstGeom>
-          <a:ln>
-            <a:solidFill>
-              <a:schemeClr val="bg2">
-                <a:lumMod val="75000"/>
-              </a:schemeClr>
-            </a:solidFill>
-          </a:ln>
         </p:spPr>
       </p:pic>
-      <p:pic>
-        <p:nvPicPr>
-          <p:cNvPr id="11" name="Картина 8">
-            <a:extLst>
-              <a:ext uri="{FF2B5EF4-FFF2-40B4-BE49-F238E27FC236}">
-                <a16:creationId xmlns:a16="http://schemas.microsoft.com/office/drawing/2014/main" id="{14781B0B-1A63-CFFD-55E0-3B5156160F4E}"/>
-              </a:ext>
-            </a:extLst>
-          </p:cNvPr>
-          <p:cNvPicPr>
-            <a:picLocks noChangeAspect="1"/>
-          </p:cNvPicPr>
-          <p:nvPr/>
-        </p:nvPicPr>
-        <p:blipFill>
-          <a:blip r:embed="rId4"/>
-          <a:stretch>
-            <a:fillRect/>
-          </a:stretch>
-        </p:blipFill>
-        <p:spPr>
-          <a:xfrm>
-            <a:off x="8230069" y="1258045"/>
-            <a:ext cx="3754005" cy="4346743"/>
-          </a:xfrm>
-          <a:prstGeom prst="rect">
-            <a:avLst/>
-          </a:prstGeom>
-          <a:ln>
-            <a:solidFill>
-              <a:schemeClr val="bg2">
-                <a:lumMod val="75000"/>
-              </a:schemeClr>
-            </a:solidFill>
-          </a:ln>
-        </p:spPr>
-      </p:pic>
-      <p:sp>
-        <p:nvSpPr>
-          <p:cNvPr id="12" name="Text Placeholder 4">
-            <a:extLst>
-              <a:ext uri="{FF2B5EF4-FFF2-40B4-BE49-F238E27FC236}">
-                <a16:creationId xmlns:a16="http://schemas.microsoft.com/office/drawing/2014/main" id="{D388858E-2242-E8A8-5AF4-A37EDE19FABA}"/>
-              </a:ext>
-            </a:extLst>
-          </p:cNvPr>
-          <p:cNvSpPr txBox="1">
-            <a:spLocks/>
-          </p:cNvSpPr>
-          <p:nvPr/>
-        </p:nvSpPr>
-        <p:spPr>
-          <a:xfrm>
-            <a:off x="697406" y="5089878"/>
-            <a:ext cx="3149180" cy="1384634"/>
-          </a:xfrm>
-          <a:prstGeom prst="rect">
-            <a:avLst/>
-          </a:prstGeom>
-          <a:solidFill>
-            <a:schemeClr val="accent5">
-              <a:lumMod val="40000"/>
-              <a:lumOff val="60000"/>
-              <a:alpha val="15000"/>
-            </a:schemeClr>
-          </a:solidFill>
-          <a:ln w="12700">
-            <a:solidFill>
-              <a:schemeClr val="accent5">
-                <a:lumMod val="60000"/>
-                <a:lumOff val="40000"/>
-              </a:schemeClr>
-            </a:solidFill>
-          </a:ln>
-        </p:spPr>
-        <p:txBody>
-          <a:bodyPr wrap="square">
-            <a:spAutoFit/>
-          </a:bodyPr>
-          <a:lstStyle/>
-          <a:p>
-            <a:pPr>
-              <a:lnSpc>
-                <a:spcPct val="100000"/>
-              </a:lnSpc>
-            </a:pPr>
-            <a:r>
-              <a:rPr lang="de-DE" sz="2799" b="1" noProof="1">
-                <a:latin typeface="Consolas" panose="020B0609020204030204" pitchFamily="49" charset="0"/>
-              </a:rPr>
-              <a:t>SoftUni</a:t>
-            </a:r>
-          </a:p>
-          <a:p>
-            <a:pPr>
-              <a:lnSpc>
-                <a:spcPct val="100000"/>
-              </a:lnSpc>
-            </a:pPr>
-            <a:r>
-              <a:rPr lang="de-DE" sz="2799" b="1" noProof="1">
-                <a:latin typeface="Consolas" panose="020B0609020204030204" pitchFamily="49" charset="0"/>
-              </a:rPr>
-              <a:t>SoftUni.Data</a:t>
-            </a:r>
-          </a:p>
-          <a:p>
-            <a:pPr>
-              <a:lnSpc>
-                <a:spcPct val="100000"/>
-              </a:lnSpc>
-            </a:pPr>
-            <a:r>
-              <a:rPr lang="de-DE" sz="2799" b="1" noProof="1">
-                <a:latin typeface="Consolas" panose="020B0609020204030204" pitchFamily="49" charset="0"/>
-              </a:rPr>
-              <a:t>SoftUni.Models</a:t>
-            </a:r>
-          </a:p>
-        </p:txBody>
-      </p:sp>
     </p:spTree>
     <p:extLst>
       <p:ext uri="{BB962C8B-B14F-4D97-AF65-F5344CB8AC3E}">
-        <p14:creationId xmlns:p14="http://schemas.microsoft.com/office/powerpoint/2010/main" val="4061572570"/>
+        <p14:creationId xmlns:p14="http://schemas.microsoft.com/office/powerpoint/2010/main" val="1094452797"/>
       </p:ext>
     </p:extLst>
   </p:cSld>
@@ -15857,7 +16941,83 @@
                                         <p:tgtEl>
                                           <p:spTgt spid="8">
                                             <p:txEl>
-                                              <p:pRg st="3" end="3"/>
+                                              <p:pRg st="0" end="0"/>
+                                            </p:txEl>
+                                          </p:spTgt>
+                                        </p:tgtEl>
+                                        <p:attrNameLst>
+                                          <p:attrName>style.visibility</p:attrName>
+                                        </p:attrNameLst>
+                                      </p:cBhvr>
+                                      <p:to>
+                                        <p:strVal val="visible"/>
+                                      </p:to>
+                                    </p:set>
+                                  </p:childTnLst>
+                                </p:cTn>
+                              </p:par>
+                              <p:par>
+                                <p:cTn id="7" presetID="1" presetClass="entr" presetSubtype="0" fill="hold" nodeType="withEffect">
+                                  <p:stCondLst>
+                                    <p:cond delay="0"/>
+                                  </p:stCondLst>
+                                  <p:childTnLst>
+                                    <p:set>
+                                      <p:cBhvr>
+                                        <p:cTn id="8" dur="1" fill="hold">
+                                          <p:stCondLst>
+                                            <p:cond delay="0"/>
+                                          </p:stCondLst>
+                                        </p:cTn>
+                                        <p:tgtEl>
+                                          <p:spTgt spid="3"/>
+                                        </p:tgtEl>
+                                        <p:attrNameLst>
+                                          <p:attrName>style.visibility</p:attrName>
+                                        </p:attrNameLst>
+                                      </p:cBhvr>
+                                      <p:to>
+                                        <p:strVal val="visible"/>
+                                      </p:to>
+                                    </p:set>
+                                  </p:childTnLst>
+                                </p:cTn>
+                              </p:par>
+                            </p:childTnLst>
+                          </p:cTn>
+                        </p:par>
+                      </p:childTnLst>
+                    </p:cTn>
+                  </p:par>
+                  <p:par>
+                    <p:cTn id="9" fill="hold">
+                      <p:stCondLst>
+                        <p:cond delay="indefinite"/>
+                      </p:stCondLst>
+                      <p:childTnLst>
+                        <p:par>
+                          <p:cTn id="10" fill="hold">
+                            <p:stCondLst>
+                              <p:cond delay="0"/>
+                            </p:stCondLst>
+                            <p:childTnLst>
+                              <p:par>
+                                <p:cTn id="11" presetID="1" presetClass="entr" presetSubtype="0" fill="hold" nodeType="clickEffect">
+                                  <p:stCondLst>
+                                    <p:cond delay="0"/>
+                                  </p:stCondLst>
+                                  <p:childTnLst>
+                                    <p:set>
+                                      <p:cBhvr>
+                                        <p:cTn id="12" dur="1" fill="hold">
+                                          <p:stCondLst>
+                                            <p:cond delay="0"/>
+                                          </p:stCondLst>
+                                        </p:cTn>
+                                        <p:tgtEl>
+                                          <p:spTgt spid="8">
+                                            <p:txEl>
+                                              <p:pRg st="1" end="1"/>
                                             </p:txEl>
                                           </p:spTgt>
                                         </p:tgtEl>
@@ -15879,32 +17039,36 @@
                     </p:cTn>
                   </p:par>
                   <p:par>
-                    <p:cTn id="7" fill="hold">
+                    <p:cTn id="13" fill="hold">
                       <p:stCondLst>
                         <p:cond delay="indefinite"/>
                       </p:stCondLst>
                       <p:childTnLst>
                         <p:par>
-                          <p:cTn id="8" fill="hold">
+                          <p:cTn id="14" fill="hold">
                             <p:stCondLst>
                               <p:cond delay="0"/>
                             </p:stCondLst>
                             <p:childTnLst>
                               <p:par>
-                                <p:cTn id="9" presetID="1" presetClass="entr" presetSubtype="0" fill="hold" grpId="0" nodeType="clickEffect">
+                                <p:cTn id="15" presetID="1" presetClass="entr" presetSubtype="0" fill="hold" nodeType="clickEffect">
                                   <p:stCondLst>
                                     <p:cond delay="0"/>
                                   </p:stCondLst>
                                   <p:childTnLst>
                                     <p:set>
                                       <p:cBhvr>
-                                        <p:cTn id="10" dur="1" fill="hold">
+                                        <p:cTn id="16" dur="1" fill="hold">
                                           <p:stCondLst>
                                             <p:cond delay="0"/>
                                           </p:stCondLst>
                                         </p:cTn>
                                         <p:tgtEl>
-                                          <p:spTgt spid="12"/>
+                                          <p:spTgt spid="8">
+                                            <p:txEl>
+                                              <p:pRg st="2" end="2"/>
+                                            </p:txEl>
+                                          </p:spTgt>
                                         </p:tgtEl>
                                         <p:attrNameLst>
                                           <p:attrName>style.visibility</p:attrName>
@@ -15944,9 +17108,6 @@
         </p:cTn>
       </p:par>
     </p:tnLst>
-    <p:bldLst>
-      <p:bldP spid="12" grpId="0" animBg="1"/>
-    </p:bldLst>
   </p:timing>
 </p:sld>
 </file>
@@ -16121,11 +17282,11 @@
           <a:lstStyle/>
           <a:p>
             <a:r>
-              <a:rPr lang="bg-BG" sz="3400" dirty="0"/>
+              <a:rPr lang="bg-BG" sz="3200" dirty="0"/>
               <a:t>Какво е </a:t>
             </a:r>
             <a:r>
-              <a:rPr lang="en-US" sz="3400" b="1" dirty="0">
+              <a:rPr lang="en-US" sz="3200" b="1" dirty="0">
                 <a:solidFill>
                   <a:schemeClr val="bg1"/>
                 </a:solidFill>
@@ -16133,7 +17294,7 @@
               <a:t>ORM</a:t>
             </a:r>
             <a:r>
-              <a:rPr lang="bg-BG" sz="3400" dirty="0"/>
+              <a:rPr lang="bg-BG" sz="3200" dirty="0"/>
               <a:t>?</a:t>
             </a:r>
           </a:p>
@@ -16144,7 +17305,7 @@
               </a:buClr>
             </a:pPr>
             <a:r>
-              <a:rPr lang="en-GB" sz="3400" dirty="0">
+              <a:rPr lang="en-GB" sz="3200" dirty="0">
                 <a:solidFill>
                   <a:schemeClr val="bg1"/>
                 </a:solidFill>
@@ -16152,7 +17313,7 @@
               <a:t>​</a:t>
             </a:r>
             <a:r>
-              <a:rPr lang="en-GB" sz="3400" b="1" dirty="0">
+              <a:rPr lang="en-GB" sz="3200" b="1" dirty="0">
                 <a:solidFill>
                   <a:schemeClr val="bg1"/>
                 </a:solidFill>
@@ -16160,15 +17321,15 @@
               <a:t>Code First </a:t>
             </a:r>
             <a:r>
-              <a:rPr lang="bg-BG" sz="3400" dirty="0"/>
+              <a:rPr lang="bg-BG" sz="3200" dirty="0"/>
               <a:t>и</a:t>
             </a:r>
             <a:r>
-              <a:rPr lang="en-GB" sz="3400" dirty="0"/>
+              <a:rPr lang="en-GB" sz="3200" dirty="0"/>
               <a:t> </a:t>
             </a:r>
             <a:r>
-              <a:rPr lang="en-GB" sz="3400" b="1" dirty="0">
+              <a:rPr lang="en-GB" sz="3200" b="1" dirty="0">
                 <a:solidFill>
                   <a:schemeClr val="bg1"/>
                 </a:solidFill>
@@ -16178,11 +17339,11 @@
           </a:p>
           <a:p>
             <a:r>
-              <a:rPr lang="bg-BG" sz="3400" dirty="0"/>
+              <a:rPr lang="bg-BG" sz="3200" dirty="0"/>
               <a:t>Въведение в </a:t>
             </a:r>
             <a:r>
-              <a:rPr lang="en-GB" sz="3400" b="1" dirty="0">
+              <a:rPr lang="en-GB" sz="3200" b="1" dirty="0">
                 <a:solidFill>
                   <a:schemeClr val="bg1"/>
                 </a:solidFill>
@@ -16192,34 +17353,61 @@
           </a:p>
           <a:p>
             <a:r>
-              <a:rPr lang="bg-BG" sz="3400" dirty="0"/>
+              <a:rPr lang="bg-BG" sz="3200" dirty="0"/>
               <a:t>Конфигурация на </a:t>
             </a:r>
             <a:r>
-              <a:rPr lang="bg-BG" sz="3400" b="1" dirty="0">
-                <a:solidFill>
-                  <a:schemeClr val="bg1"/>
-                </a:solidFill>
-              </a:rPr>
+              <a:rPr lang="bg-BG" sz="3200" b="1" dirty="0"/>
               <a:t>връзка</a:t>
             </a:r>
             <a:r>
-              <a:rPr lang="bg-BG" sz="3400" dirty="0"/>
-              <a:t> към база данни</a:t>
-            </a:r>
-            <a:r>
-              <a:rPr lang="en-US" sz="3400" dirty="0"/>
-              <a:t> – </a:t>
-            </a:r>
-            <a:r>
-              <a:rPr lang="en-GB" sz="3400" b="1" dirty="0">
+              <a:rPr lang="bg-BG" sz="3200" dirty="0"/>
+              <a:t> към база данни – </a:t>
+            </a:r>
+            <a:r>
+              <a:rPr lang="en-GB" sz="3200" b="1" dirty="0">
                 <a:solidFill>
                   <a:schemeClr val="bg1"/>
                 </a:solidFill>
               </a:rPr>
               <a:t>connection string</a:t>
             </a:r>
-            <a:endParaRPr lang="en-GB" sz="3400" dirty="0">
+            <a:endParaRPr lang="en-GB" sz="3200" dirty="0"/>
+          </a:p>
+          <a:p>
+            <a:r>
+              <a:rPr lang="bg-BG" sz="3200" dirty="0"/>
+              <a:t>Генериране на </a:t>
+            </a:r>
+            <a:r>
+              <a:rPr lang="en-GB" sz="3200" b="1" dirty="0"/>
+              <a:t>ORM </a:t>
+            </a:r>
+            <a:r>
+              <a:rPr lang="bg-BG" sz="3200" b="1" dirty="0"/>
+              <a:t>модел</a:t>
+            </a:r>
+            <a:r>
+              <a:rPr lang="bg-BG" sz="3200" dirty="0"/>
+              <a:t> по съществуваща база данни</a:t>
+            </a:r>
+            <a:r>
+              <a:rPr lang="en-US" sz="3200" dirty="0"/>
+              <a:t> </a:t>
+            </a:r>
+            <a:r>
+              <a:rPr lang="bg-BG" sz="3200" dirty="0"/>
+              <a:t>– </a:t>
+            </a:r>
+            <a:r>
+              <a:rPr lang="en-US" sz="3200" b="1" dirty="0">
+                <a:solidFill>
+                  <a:schemeClr val="bg1"/>
+                </a:solidFill>
+              </a:rPr>
+              <a:t>Entity Framework Database First</a:t>
+            </a:r>
+            <a:endParaRPr lang="bg-BG" sz="3200" dirty="0">
               <a:solidFill>
                 <a:schemeClr val="bg1"/>
               </a:solidFill>
@@ -16227,37 +17415,11 @@
           </a:p>
           <a:p>
             <a:r>
-              <a:rPr lang="bg-BG" sz="3400" dirty="0"/>
-              <a:t>Генериране на </a:t>
-            </a:r>
-            <a:r>
-              <a:rPr lang="en-GB" sz="3400" b="1" dirty="0">
-                <a:solidFill>
-                  <a:schemeClr val="bg1"/>
-                </a:solidFill>
-              </a:rPr>
-              <a:t>ORM </a:t>
-            </a:r>
-            <a:r>
-              <a:rPr lang="bg-BG" sz="3400" b="1" dirty="0">
-                <a:solidFill>
-                  <a:schemeClr val="bg1"/>
-                </a:solidFill>
-              </a:rPr>
-              <a:t>модел</a:t>
-            </a:r>
-            <a:r>
-              <a:rPr lang="bg-BG" sz="3400" dirty="0"/>
-              <a:t> по съществуваща база данни</a:t>
-            </a:r>
-          </a:p>
-          <a:p>
-            <a:r>
-              <a:rPr lang="bg-BG" sz="3400" dirty="0"/>
+              <a:rPr lang="bg-BG" sz="3100" dirty="0"/>
               <a:t>​</a:t>
             </a:r>
             <a:r>
-              <a:rPr lang="bg-BG" sz="3400" b="1" dirty="0">
+              <a:rPr lang="bg-BG" sz="3200" b="1" dirty="0">
                 <a:solidFill>
                   <a:schemeClr val="bg1"/>
                 </a:solidFill>
@@ -16265,18 +17427,18 @@
               <a:t>Четене на данни</a:t>
             </a:r>
             <a:r>
-              <a:rPr lang="bg-BG" sz="3400" dirty="0"/>
+              <a:rPr lang="bg-BG" sz="3200" dirty="0"/>
               <a:t> с </a:t>
             </a:r>
             <a:r>
-              <a:rPr lang="en-US" sz="3400" dirty="0"/>
+              <a:rPr lang="en-US" sz="3200" dirty="0"/>
               <a:t>Entity Framework</a:t>
             </a:r>
-            <a:endParaRPr lang="en-GB" sz="3400" dirty="0"/>
-          </a:p>
-          <a:p>
-            <a:r>
-              <a:rPr lang="bg-BG" sz="3400" dirty="0"/>
+            <a:endParaRPr lang="en-GB" sz="3200" dirty="0"/>
+          </a:p>
+          <a:p>
+            <a:r>
+              <a:rPr lang="bg-BG" sz="3200" dirty="0"/>
               <a:t>Примерно приложение</a:t>
             </a:r>
           </a:p>
@@ -16726,145 +17888,6 @@
       </p:grpSpPr>
       <p:sp>
         <p:nvSpPr>
-          <p:cNvPr id="9" name="Slide Number">
-            <a:extLst>
-              <a:ext uri="{FF2B5EF4-FFF2-40B4-BE49-F238E27FC236}">
-                <a16:creationId xmlns:a16="http://schemas.microsoft.com/office/drawing/2014/main" id="{8891F045-A272-4231-985A-53063F832AC8}"/>
-              </a:ext>
-            </a:extLst>
-          </p:cNvPr>
-          <p:cNvSpPr>
-            <a:spLocks noGrp="1"/>
-          </p:cNvSpPr>
-          <p:nvPr>
-            <p:ph type="sldNum" sz="quarter" idx="5"/>
-          </p:nvPr>
-        </p:nvSpPr>
-        <p:spPr>
-          <a:xfrm>
-            <a:off x="11753030" y="6507000"/>
-            <a:ext cx="367414" cy="297000"/>
-          </a:xfrm>
-        </p:spPr>
-        <p:txBody>
-          <a:bodyPr vert="horz" lIns="91440" tIns="45720" rIns="91440" bIns="45720" rtlCol="0" anchor="b"/>
-          <a:lstStyle>
-            <a:lvl1pPr algn="r">
-              <a:defRPr sz="1000"/>
-            </a:lvl1pPr>
-          </a:lstStyle>
-          <a:p>
-            <a:fld id="{2BF067CD-8E6B-4360-9AA8-C5DF2A48A6D1}" type="slidenum">
-              <a:rPr lang="en-US" smtClean="0"/>
-              <a:pPr/>
-              <a:t>20</a:t>
-            </a:fld>
-            <a:endParaRPr lang="en-US" dirty="0"/>
-          </a:p>
-        </p:txBody>
-      </p:sp>
-      <p:sp>
-        <p:nvSpPr>
-          <p:cNvPr id="4" name="Slide Title"/>
-          <p:cNvSpPr>
-            <a:spLocks noGrp="1"/>
-          </p:cNvSpPr>
-          <p:nvPr>
-            <p:ph type="title"/>
-          </p:nvPr>
-        </p:nvSpPr>
-        <p:spPr>
-          <a:xfrm>
-            <a:off x="190406" y="100750"/>
-            <a:ext cx="10270594" cy="882654"/>
-          </a:xfrm>
-        </p:spPr>
-        <p:txBody>
-          <a:bodyPr>
-            <a:normAutofit/>
-          </a:bodyPr>
-          <a:lstStyle/>
-          <a:p>
-            <a:r>
-              <a:rPr lang="en-GB" i="0" dirty="0">
-                <a:effectLst/>
-              </a:rPr>
-              <a:t>ADO.NET Entity Data Model</a:t>
-            </a:r>
-            <a:endParaRPr lang="en-US" dirty="0"/>
-          </a:p>
-        </p:txBody>
-      </p:sp>
-      <p:sp>
-        <p:nvSpPr>
-          <p:cNvPr id="8" name="Текстов контейнер 2">
-            <a:extLst>
-              <a:ext uri="{FF2B5EF4-FFF2-40B4-BE49-F238E27FC236}">
-                <a16:creationId xmlns:a16="http://schemas.microsoft.com/office/drawing/2014/main" id="{F7B45ECA-AA11-6CF2-710B-54503827A4A1}"/>
-              </a:ext>
-            </a:extLst>
-          </p:cNvPr>
-          <p:cNvSpPr>
-            <a:spLocks noGrp="1"/>
-          </p:cNvSpPr>
-          <p:nvPr>
-            <p:ph type="body" sz="quarter" idx="10"/>
-          </p:nvPr>
-        </p:nvSpPr>
-        <p:spPr>
-          <a:xfrm>
-            <a:off x="191941" y="1196707"/>
-            <a:ext cx="11561089" cy="5527326"/>
-          </a:xfrm>
-        </p:spPr>
-        <p:txBody>
-          <a:bodyPr/>
-          <a:lstStyle/>
-          <a:p>
-            <a:endParaRPr lang="en-US" dirty="0"/>
-          </a:p>
-        </p:txBody>
-      </p:sp>
-    </p:spTree>
-    <p:extLst>
-      <p:ext uri="{BB962C8B-B14F-4D97-AF65-F5344CB8AC3E}">
-        <p14:creationId xmlns:p14="http://schemas.microsoft.com/office/powerpoint/2010/main" val="1094452797"/>
-      </p:ext>
-    </p:extLst>
-  </p:cSld>
-  <p:clrMapOvr>
-    <a:masterClrMapping/>
-  </p:clrMapOvr>
-  <mc:AlternateContent xmlns:mc="http://schemas.openxmlformats.org/markup-compatibility/2006" xmlns:p14="http://schemas.microsoft.com/office/powerpoint/2010/main">
-    <mc:Choice Requires="p14">
-      <p:transition spd="slow" p14:dur="2000" advClick="0" advTm="5000"/>
-    </mc:Choice>
-    <mc:Fallback xmlns="">
-      <p:transition spd="slow" advClick="0" advTm="5000"/>
-    </mc:Fallback>
-  </mc:AlternateContent>
-</p:sld>
-</file>
-
-<file path=ppt/slides/slide21.xml><?xml version="1.0" encoding="utf-8"?>
-<p:sld xmlns:a="http://schemas.openxmlformats.org/drawingml/2006/main" xmlns:r="http://schemas.openxmlformats.org/officeDocument/2006/relationships" xmlns:p="http://schemas.openxmlformats.org/presentationml/2006/main">
-  <p:cSld>
-    <p:spTree>
-      <p:nvGrpSpPr>
-        <p:cNvPr id="1" name=""/>
-        <p:cNvGrpSpPr/>
-        <p:nvPr/>
-      </p:nvGrpSpPr>
-      <p:grpSpPr>
-        <a:xfrm>
-          <a:off x="0" y="0"/>
-          <a:ext cx="0" cy="0"/>
-          <a:chOff x="0" y="0"/>
-          <a:chExt cx="0" cy="0"/>
-        </a:xfrm>
-      </p:grpSpPr>
-      <p:sp>
-        <p:nvSpPr>
           <p:cNvPr id="4" name="Slide Subtitle">
             <a:extLst>
               <a:ext uri="{FF2B5EF4-FFF2-40B4-BE49-F238E27FC236}">
@@ -16884,7 +17907,22 @@
           <a:bodyPr/>
           <a:lstStyle/>
           <a:p>
-            <a:endParaRPr lang="bg-BG" dirty="0"/>
+            <a:r>
+              <a:rPr lang="en-US" dirty="0"/>
+              <a:t>DbContext и</a:t>
+            </a:r>
+            <a:r>
+              <a:rPr lang="bg-BG" dirty="0"/>
+              <a:t> </a:t>
+            </a:r>
+            <a:r>
+              <a:rPr lang="en-US" dirty="0"/>
+              <a:t>LINQ </a:t>
+            </a:r>
+            <a:r>
+              <a:rPr lang="bg-BG" dirty="0"/>
+              <a:t>заявки</a:t>
+            </a:r>
           </a:p>
         </p:txBody>
       </p:sp>
@@ -16917,6 +17955,42 @@
           </a:p>
         </p:txBody>
       </p:sp>
+      <p:pic>
+        <p:nvPicPr>
+          <p:cNvPr id="3" name="Picture 2">
+            <a:extLst>
+              <a:ext uri="{FF2B5EF4-FFF2-40B4-BE49-F238E27FC236}">
+                <a16:creationId xmlns:a16="http://schemas.microsoft.com/office/drawing/2014/main" id="{398CDDF5-AEC7-F7A4-EA35-C1ADEA82BFF1}"/>
+              </a:ext>
+            </a:extLst>
+          </p:cNvPr>
+          <p:cNvPicPr>
+            <a:picLocks noChangeAspect="1"/>
+          </p:cNvPicPr>
+          <p:nvPr/>
+        </p:nvPicPr>
+        <p:blipFill>
+          <a:blip r:embed="rId3">
+            <a:extLst>
+              <a:ext uri="{28A0092B-C50C-407E-A947-70E740481C1C}">
+                <a14:useLocalDpi xmlns:a14="http://schemas.microsoft.com/office/drawing/2010/main" val="0"/>
+              </a:ext>
+            </a:extLst>
+          </a:blip>
+          <a:stretch>
+            <a:fillRect/>
+          </a:stretch>
+        </p:blipFill>
+        <p:spPr>
+          <a:xfrm>
+            <a:off x="4581916" y="1905458"/>
+            <a:ext cx="3028168" cy="1514084"/>
+          </a:xfrm>
+          <a:prstGeom prst="rect">
+            <a:avLst/>
+          </a:prstGeom>
+        </p:spPr>
+      </p:pic>
     </p:spTree>
     <p:extLst>
       <p:ext uri="{BB962C8B-B14F-4D97-AF65-F5344CB8AC3E}">
@@ -16938,7 +18012,7 @@
 </p:sld>
 </file>
 
-<file path=ppt/slides/slide22.xml><?xml version="1.0" encoding="utf-8"?>
+<file path=ppt/slides/slide21.xml><?xml version="1.0" encoding="utf-8"?>
 <p:sld xmlns:a="http://schemas.openxmlformats.org/drawingml/2006/main" xmlns:r="http://schemas.openxmlformats.org/officeDocument/2006/relationships" xmlns:p="http://schemas.openxmlformats.org/presentationml/2006/main">
   <p:cSld>
     <p:spTree>
@@ -16988,7 +18062,7 @@
             <a:fld id="{2BF067CD-8E6B-4360-9AA8-C5DF2A48A6D1}" type="slidenum">
               <a:rPr lang="en-US" smtClean="0"/>
               <a:pPr/>
-              <a:t>22</a:t>
+              <a:t>21</a:t>
             </a:fld>
             <a:endParaRPr lang="en-US" dirty="0"/>
           </a:p>
@@ -17133,7 +18207,19 @@
                   <a:schemeClr val="bg1"/>
                 </a:solidFill>
               </a:rPr>
-              <a:t>достъп до обекти</a:t>
+              <a:t>достъп </a:t>
+            </a:r>
+            <a:r>
+              <a:rPr lang="bg-BG" sz="3000" dirty="0"/>
+              <a:t>до</a:t>
+            </a:r>
+            <a:r>
+              <a:rPr lang="bg-BG" sz="3000" b="1" dirty="0">
+                <a:solidFill>
+                  <a:schemeClr val="bg1"/>
+                </a:solidFill>
+              </a:rPr>
+              <a:t> обекти</a:t>
             </a:r>
             <a:endParaRPr lang="en-US" sz="3000" b="1" dirty="0">
               <a:solidFill>
@@ -17165,22 +18251,26 @@
             </a:r>
             <a:r>
               <a:rPr lang="bg-BG" sz="3000" dirty="0"/>
-              <a:t>на нови обекти</a:t>
+              <a:t>на </a:t>
+            </a:r>
+            <a:r>
+              <a:rPr lang="bg-BG" sz="3000" b="1" dirty="0"/>
+              <a:t>нови обекти</a:t>
+            </a:r>
+            <a:r>
+              <a:rPr lang="en-US" sz="3000" b="1" dirty="0"/>
+              <a:t> </a:t>
             </a:r>
             <a:r>
               <a:rPr lang="en-US" sz="3000" dirty="0"/>
-              <a:t> (</a:t>
-            </a:r>
-            <a:r>
-              <a:rPr lang="en-US" sz="3000" b="1" noProof="1">
-                <a:solidFill>
-                  <a:schemeClr val="bg1"/>
-                </a:solidFill>
-              </a:rPr>
+              <a:t>(</a:t>
+            </a:r>
+            <a:r>
+              <a:rPr lang="en-US" sz="3000" b="1" noProof="1"/>
               <a:t>Add() </a:t>
             </a:r>
             <a:r>
-              <a:rPr lang="bg-BG" sz="3000" dirty="0"/>
+              <a:rPr lang="bg-BG" sz="3000" b="1" dirty="0"/>
               <a:t>метод</a:t>
             </a:r>
             <a:r>
@@ -17216,11 +18306,51 @@
                   <a:schemeClr val="bg1"/>
                 </a:solidFill>
               </a:rPr>
-              <a:t>манипулиране на данни от база данни </a:t>
+              <a:t>манипулиране </a:t>
             </a:r>
             <a:r>
               <a:rPr lang="bg-BG" sz="3000" dirty="0"/>
-              <a:t>чрез модифициране на </a:t>
+              <a:t>на </a:t>
+            </a:r>
+            <a:r>
+              <a:rPr lang="bg-BG" sz="3000" b="1" dirty="0">
+                <a:solidFill>
+                  <a:schemeClr val="bg1"/>
+                </a:solidFill>
+              </a:rPr>
+              <a:t>данни</a:t>
+            </a:r>
+            <a:r>
+              <a:rPr lang="bg-BG" sz="3000" dirty="0"/>
+              <a:t> от</a:t>
+            </a:r>
+            <a:r>
+              <a:rPr lang="bg-BG" sz="3000" b="1" dirty="0">
+                <a:solidFill>
+                  <a:schemeClr val="bg1"/>
+                </a:solidFill>
+              </a:rPr>
+              <a:t> </a:t>
+            </a:r>
+            <a:r>
+              <a:rPr lang="bg-BG" sz="3000" b="1" dirty="0"/>
+              <a:t>база данни </a:t>
+            </a:r>
+            <a:r>
+              <a:rPr lang="bg-BG" sz="3000" dirty="0"/>
+              <a:t>чрез </a:t>
+            </a:r>
+            <a:r>
+              <a:rPr lang="bg-BG" sz="3000" b="1" dirty="0">
+                <a:solidFill>
+                  <a:schemeClr val="bg1"/>
+                </a:solidFill>
+              </a:rPr>
+              <a:t>модифициране</a:t>
+            </a:r>
+            <a:r>
+              <a:rPr lang="bg-BG" sz="3000" dirty="0"/>
+              <a:t> на </a:t>
             </a:r>
             <a:r>
               <a:rPr lang="bg-BG" sz="3000" b="1" dirty="0">
@@ -17239,7 +18369,7 @@
           <a:p>
             <a:r>
               <a:rPr lang="bg-BG" sz="3200" dirty="0"/>
-              <a:t>Лесно навигиране през </a:t>
+              <a:t>Лесно </a:t>
             </a:r>
             <a:r>
               <a:rPr lang="bg-BG" sz="3200" b="1" dirty="0">
@@ -17247,7 +18377,35 @@
                   <a:schemeClr val="bg1"/>
                 </a:solidFill>
               </a:rPr>
-              <a:t>връзките в таблиците</a:t>
+              <a:t>навигиране</a:t>
+            </a:r>
+            <a:r>
+              <a:rPr lang="bg-BG" sz="3200" dirty="0"/>
+              <a:t> през </a:t>
+            </a:r>
+            <a:r>
+              <a:rPr lang="bg-BG" sz="3200" b="1" dirty="0"/>
+              <a:t>връзките</a:t>
+            </a:r>
+            <a:r>
+              <a:rPr lang="bg-BG" sz="3200" b="1" dirty="0">
+                <a:solidFill>
+                  <a:schemeClr val="bg1"/>
+                </a:solidFill>
+              </a:rPr>
+              <a:t> </a:t>
+            </a:r>
+            <a:r>
+              <a:rPr lang="bg-BG" sz="3200" dirty="0"/>
+              <a:t>в</a:t>
+            </a:r>
+            <a:r>
+              <a:rPr lang="bg-BG" sz="3200" b="1" dirty="0">
+                <a:solidFill>
+                  <a:schemeClr val="bg1"/>
+                </a:solidFill>
+              </a:rPr>
+              <a:t> таблиците</a:t>
             </a:r>
             <a:endParaRPr lang="en-US" sz="3200" b="1" dirty="0">
               <a:solidFill>
@@ -17316,8 +18474,12 @@
           </a:p>
           <a:p>
             <a:r>
+              <a:rPr lang="bg-BG" sz="3200" b="1" dirty="0"/>
+              <a:t>Управление</a:t>
+            </a:r>
+            <a:r>
               <a:rPr lang="bg-BG" sz="3200" dirty="0"/>
-              <a:t>Управление на базата данни – </a:t>
+              <a:t> на базата данни – </a:t>
             </a:r>
             <a:r>
               <a:rPr lang="bg-BG" sz="3200" b="1" dirty="0">
@@ -17458,15 +18620,33 @@
                                   </p:childTnLst>
                                 </p:cTn>
                               </p:par>
+                            </p:childTnLst>
+                          </p:cTn>
+                        </p:par>
+                      </p:childTnLst>
+                    </p:cTn>
+                  </p:par>
+                  <p:par>
+                    <p:cTn id="9" fill="hold">
+                      <p:stCondLst>
+                        <p:cond delay="indefinite"/>
+                      </p:stCondLst>
+                      <p:childTnLst>
+                        <p:par>
+                          <p:cTn id="10" fill="hold">
+                            <p:stCondLst>
+                              <p:cond delay="0"/>
+                            </p:stCondLst>
+                            <p:childTnLst>
                               <p:par>
-                                <p:cTn id="9" presetID="1" presetClass="entr" presetSubtype="0" fill="hold" nodeType="withEffect">
+                                <p:cTn id="11" presetID="1" presetClass="entr" presetSubtype="0" fill="hold" nodeType="clickEffect">
                                   <p:stCondLst>
                                     <p:cond delay="0"/>
                                   </p:stCondLst>
                                   <p:childTnLst>
                                     <p:set>
                                       <p:cBhvr>
-                                        <p:cTn id="10" dur="1" fill="hold">
+                                        <p:cTn id="12" dur="1" fill="hold">
                                           <p:stCondLst>
                                             <p:cond delay="0"/>
                                           </p:stCondLst>
@@ -17489,15 +18669,33 @@
                                   </p:childTnLst>
                                 </p:cTn>
                               </p:par>
+                            </p:childTnLst>
+                          </p:cTn>
+                        </p:par>
+                      </p:childTnLst>
+                    </p:cTn>
+                  </p:par>
+                  <p:par>
+                    <p:cTn id="13" fill="hold">
+                      <p:stCondLst>
+                        <p:cond delay="indefinite"/>
+                      </p:stCondLst>
+                      <p:childTnLst>
+                        <p:par>
+                          <p:cTn id="14" fill="hold">
+                            <p:stCondLst>
+                              <p:cond delay="0"/>
+                            </p:stCondLst>
+                            <p:childTnLst>
                               <p:par>
-                                <p:cTn id="11" presetID="1" presetClass="entr" presetSubtype="0" fill="hold" nodeType="withEffect">
+                                <p:cTn id="15" presetID="1" presetClass="entr" presetSubtype="0" fill="hold" nodeType="clickEffect">
                                   <p:stCondLst>
                                     <p:cond delay="0"/>
                                   </p:stCondLst>
                                   <p:childTnLst>
                                     <p:set>
                                       <p:cBhvr>
-                                        <p:cTn id="12" dur="1" fill="hold">
+                                        <p:cTn id="16" dur="1" fill="hold">
                                           <p:stCondLst>
                                             <p:cond delay="0"/>
                                           </p:stCondLst>
@@ -17520,15 +18718,33 @@
                                   </p:childTnLst>
                                 </p:cTn>
                               </p:par>
+                            </p:childTnLst>
+                          </p:cTn>
+                        </p:par>
+                      </p:childTnLst>
+                    </p:cTn>
+                  </p:par>
+                  <p:par>
+                    <p:cTn id="17" fill="hold">
+                      <p:stCondLst>
+                        <p:cond delay="indefinite"/>
+                      </p:stCondLst>
+                      <p:childTnLst>
+                        <p:par>
+                          <p:cTn id="18" fill="hold">
+                            <p:stCondLst>
+                              <p:cond delay="0"/>
+                            </p:stCondLst>
+                            <p:childTnLst>
                               <p:par>
-                                <p:cTn id="13" presetID="1" presetClass="entr" presetSubtype="0" fill="hold" nodeType="withEffect">
+                                <p:cTn id="19" presetID="1" presetClass="entr" presetSubtype="0" fill="hold" nodeType="clickEffect">
                                   <p:stCondLst>
                                     <p:cond delay="0"/>
                                   </p:stCondLst>
                                   <p:childTnLst>
                                     <p:set>
                                       <p:cBhvr>
-                                        <p:cTn id="14" dur="1" fill="hold">
+                                        <p:cTn id="20" dur="1" fill="hold">
                                           <p:stCondLst>
                                             <p:cond delay="0"/>
                                           </p:stCondLst>
@@ -17551,15 +18767,33 @@
                                   </p:childTnLst>
                                 </p:cTn>
                               </p:par>
+                            </p:childTnLst>
+                          </p:cTn>
+                        </p:par>
+                      </p:childTnLst>
+                    </p:cTn>
+                  </p:par>
+                  <p:par>
+                    <p:cTn id="21" fill="hold">
+                      <p:stCondLst>
+                        <p:cond delay="indefinite"/>
+                      </p:stCondLst>
+                      <p:childTnLst>
+                        <p:par>
+                          <p:cTn id="22" fill="hold">
+                            <p:stCondLst>
+                              <p:cond delay="0"/>
+                            </p:stCondLst>
+                            <p:childTnLst>
                               <p:par>
-                                <p:cTn id="15" presetID="1" presetClass="entr" presetSubtype="0" fill="hold" nodeType="withEffect">
+                                <p:cTn id="23" presetID="1" presetClass="entr" presetSubtype="0" fill="hold" nodeType="clickEffect">
                                   <p:stCondLst>
                                     <p:cond delay="0"/>
                                   </p:stCondLst>
                                   <p:childTnLst>
                                     <p:set>
                                       <p:cBhvr>
-                                        <p:cTn id="16" dur="1" fill="hold">
+                                        <p:cTn id="24" dur="1" fill="hold">
                                           <p:stCondLst>
                                             <p:cond delay="0"/>
                                           </p:stCondLst>
@@ -17582,15 +18816,33 @@
                                   </p:childTnLst>
                                 </p:cTn>
                               </p:par>
+                            </p:childTnLst>
+                          </p:cTn>
+                        </p:par>
+                      </p:childTnLst>
+                    </p:cTn>
+                  </p:par>
+                  <p:par>
+                    <p:cTn id="25" fill="hold">
+                      <p:stCondLst>
+                        <p:cond delay="indefinite"/>
+                      </p:stCondLst>
+                      <p:childTnLst>
+                        <p:par>
+                          <p:cTn id="26" fill="hold">
+                            <p:stCondLst>
+                              <p:cond delay="0"/>
+                            </p:stCondLst>
+                            <p:childTnLst>
                               <p:par>
-                                <p:cTn id="17" presetID="1" presetClass="entr" presetSubtype="0" fill="hold" nodeType="withEffect">
+                                <p:cTn id="27" presetID="1" presetClass="entr" presetSubtype="0" fill="hold" nodeType="clickEffect">
                                   <p:stCondLst>
                                     <p:cond delay="0"/>
                                   </p:stCondLst>
                                   <p:childTnLst>
                                     <p:set>
                                       <p:cBhvr>
-                                        <p:cTn id="18" dur="1" fill="hold">
+                                        <p:cTn id="28" dur="1" fill="hold">
                                           <p:stCondLst>
                                             <p:cond delay="0"/>
                                           </p:stCondLst>
@@ -17613,15 +18865,33 @@
                                   </p:childTnLst>
                                 </p:cTn>
                               </p:par>
+                            </p:childTnLst>
+                          </p:cTn>
+                        </p:par>
+                      </p:childTnLst>
+                    </p:cTn>
+                  </p:par>
+                  <p:par>
+                    <p:cTn id="29" fill="hold">
+                      <p:stCondLst>
+                        <p:cond delay="indefinite"/>
+                      </p:stCondLst>
+                      <p:childTnLst>
+                        <p:par>
+                          <p:cTn id="30" fill="hold">
+                            <p:stCondLst>
+                              <p:cond delay="0"/>
+                            </p:stCondLst>
+                            <p:childTnLst>
                               <p:par>
-                                <p:cTn id="19" presetID="1" presetClass="entr" presetSubtype="0" fill="hold" nodeType="withEffect">
+                                <p:cTn id="31" presetID="1" presetClass="entr" presetSubtype="0" fill="hold" nodeType="clickEffect">
                                   <p:stCondLst>
                                     <p:cond delay="0"/>
                                   </p:stCondLst>
                                   <p:childTnLst>
                                     <p:set>
                                       <p:cBhvr>
-                                        <p:cTn id="20" dur="1" fill="hold">
+                                        <p:cTn id="32" dur="1" fill="hold">
                                           <p:stCondLst>
                                             <p:cond delay="0"/>
                                           </p:stCondLst>
@@ -17675,7 +18945,7 @@
 </p:sld>
 </file>
 
-<file path=ppt/slides/slide23.xml><?xml version="1.0" encoding="utf-8"?>
+<file path=ppt/slides/slide22.xml><?xml version="1.0" encoding="utf-8"?>
 <p:sld xmlns:a="http://schemas.openxmlformats.org/drawingml/2006/main" xmlns:r="http://schemas.openxmlformats.org/officeDocument/2006/relationships" xmlns:p="http://schemas.openxmlformats.org/presentationml/2006/main">
   <p:cSld>
     <p:spTree>
@@ -17725,7 +18995,7 @@
             <a:fld id="{2BF067CD-8E6B-4360-9AA8-C5DF2A48A6D1}" type="slidenum">
               <a:rPr lang="en-US" smtClean="0"/>
               <a:pPr/>
-              <a:t>23</a:t>
+              <a:t>22</a:t>
             </a:fld>
             <a:endParaRPr lang="en-US" dirty="0"/>
           </a:p>
@@ -17788,16 +19058,24 @@
         </p:spPr>
         <p:txBody>
           <a:bodyPr>
-            <a:normAutofit fontScale="92500" lnSpcReduction="20000"/>
+            <a:normAutofit fontScale="92500" lnSpcReduction="10000"/>
           </a:bodyPr>
           <a:lstStyle/>
           <a:p>
             <a:r>
-              <a:rPr lang="bg-BG" sz="3399" noProof="1"/>
-              <a:t>Създаване на инстанция на </a:t>
-            </a:r>
-            <a:r>
-              <a:rPr lang="en-US" sz="3399" b="1" noProof="1">
+              <a:rPr lang="bg-BG" sz="3200" noProof="1"/>
+              <a:t>Създаване на </a:t>
+            </a:r>
+            <a:r>
+              <a:rPr lang="bg-BG" sz="3200" b="1" noProof="1"/>
+              <a:t>инстанция</a:t>
+            </a:r>
+            <a:r>
+              <a:rPr lang="bg-BG" sz="3200" noProof="1"/>
+              <a:t> на </a:t>
+            </a:r>
+            <a:r>
+              <a:rPr lang="en-US" sz="3200" b="1" noProof="1">
                 <a:solidFill>
                   <a:schemeClr val="bg1"/>
                 </a:solidFill>
@@ -17805,7 +19083,7 @@
               <a:t>DbContext</a:t>
             </a:r>
             <a:r>
-              <a:rPr lang="en-US" sz="3399" dirty="0"/>
+              <a:rPr lang="en-US" sz="3200" dirty="0"/>
               <a:t>:</a:t>
             </a:r>
           </a:p>
@@ -17815,11 +19093,19 @@
           </a:p>
           <a:p>
             <a:r>
-              <a:rPr lang="bg-BG" sz="3399" dirty="0"/>
-              <a:t>В конструктора може да подадем </a:t>
-            </a:r>
-            <a:r>
-              <a:rPr lang="bg-BG" sz="3399" b="1" dirty="0">
+              <a:rPr lang="bg-BG" sz="3200" dirty="0"/>
+              <a:t>В </a:t>
+            </a:r>
+            <a:r>
+              <a:rPr lang="bg-BG" sz="3200" b="1" dirty="0"/>
+              <a:t>конструктора</a:t>
+            </a:r>
+            <a:r>
+              <a:rPr lang="bg-BG" sz="3200" dirty="0"/>
+              <a:t> може да подадем </a:t>
+            </a:r>
+            <a:r>
+              <a:rPr lang="bg-BG" sz="3200" b="1" dirty="0">
                 <a:solidFill>
                   <a:schemeClr val="bg1"/>
                 </a:solidFill>
@@ -17827,15 +19113,15 @@
               <a:t>връзката</a:t>
             </a:r>
             <a:r>
-              <a:rPr lang="bg-BG" sz="3399" dirty="0"/>
-              <a:t> към база данни - </a:t>
-            </a:r>
-            <a:r>
-              <a:rPr lang="en-US" sz="3399" dirty="0"/>
+              <a:rPr lang="bg-BG" sz="3200" dirty="0"/>
+              <a:t> към база данни</a:t>
+            </a:r>
+            <a:r>
+              <a:rPr lang="en-US" sz="3200" dirty="0"/>
               <a:t> (</a:t>
             </a:r>
             <a:r>
-              <a:rPr lang="en-US" sz="3399" b="1" dirty="0">
+              <a:rPr lang="en-US" sz="3200" b="1" dirty="0">
                 <a:solidFill>
                   <a:schemeClr val="bg1"/>
                 </a:solidFill>
@@ -17843,7 +19129,7 @@
               <a:t>connection string</a:t>
             </a:r>
             <a:r>
-              <a:rPr lang="en-US" sz="3399" dirty="0"/>
+              <a:rPr lang="en-US" sz="3200" dirty="0"/>
               <a:t>)</a:t>
             </a:r>
           </a:p>
@@ -17854,7 +19140,7 @@
               </a:buClr>
             </a:pPr>
             <a:r>
-              <a:rPr lang="en-US" sz="3399" b="1" dirty="0">
+              <a:rPr lang="en-US" sz="3200" b="1" dirty="0">
                 <a:solidFill>
                   <a:schemeClr val="bg1"/>
                 </a:solidFill>
@@ -17862,15 +19148,15 @@
               <a:t>DbContext</a:t>
             </a:r>
             <a:r>
-              <a:rPr lang="en-US" sz="3399" dirty="0"/>
+              <a:rPr lang="en-US" sz="3200" dirty="0"/>
               <a:t> </a:t>
             </a:r>
             <a:r>
-              <a:rPr lang="bg-BG" sz="3399" dirty="0"/>
+              <a:rPr lang="bg-BG" sz="3200" dirty="0"/>
               <a:t>характеристики</a:t>
             </a:r>
             <a:r>
-              <a:rPr lang="en-US" sz="3399" dirty="0"/>
+              <a:rPr lang="en-US" sz="3200" dirty="0"/>
               <a:t>:</a:t>
             </a:r>
           </a:p>
@@ -17881,7 +19167,7 @@
               </a:buClr>
             </a:pPr>
             <a:r>
-              <a:rPr lang="en-US" b="1" noProof="1">
+              <a:rPr lang="en-US" sz="3000" b="1" noProof="1">
                 <a:solidFill>
                   <a:schemeClr val="bg1"/>
                 </a:solidFill>
@@ -17889,19 +19175,19 @@
               <a:t>Database</a:t>
             </a:r>
             <a:r>
-              <a:rPr lang="en-US" dirty="0"/>
+              <a:rPr lang="en-US" sz="3000" dirty="0"/>
               <a:t> </a:t>
             </a:r>
             <a:r>
-              <a:rPr lang="bg-BG" dirty="0"/>
+              <a:rPr lang="bg-BG" sz="3000" dirty="0"/>
               <a:t>-</a:t>
             </a:r>
             <a:r>
-              <a:rPr lang="en-US" dirty="0"/>
+              <a:rPr lang="en-US" sz="3000" dirty="0"/>
               <a:t> </a:t>
             </a:r>
             <a:r>
-              <a:rPr lang="en-US" b="1" dirty="0">
+              <a:rPr lang="en-US" sz="3000" b="1" dirty="0">
                 <a:solidFill>
                   <a:schemeClr val="bg1"/>
                 </a:solidFill>
@@ -17909,11 +19195,11 @@
               <a:t>EnsureCreated</a:t>
             </a:r>
             <a:r>
-              <a:rPr lang="en-US" dirty="0"/>
+              <a:rPr lang="en-US" sz="3000" dirty="0"/>
               <a:t>/</a:t>
             </a:r>
             <a:r>
-              <a:rPr lang="en-US" b="1" dirty="0">
+              <a:rPr lang="en-US" sz="3000" b="1" dirty="0">
                 <a:solidFill>
                   <a:schemeClr val="bg1"/>
                 </a:solidFill>
@@ -17921,24 +19207,16 @@
               <a:t>Deleted</a:t>
             </a:r>
             <a:r>
-              <a:rPr lang="en-US" dirty="0"/>
+              <a:rPr lang="en-US" sz="3000" dirty="0"/>
               <a:t> </a:t>
             </a:r>
             <a:r>
-              <a:rPr lang="bg-BG" dirty="0"/>
+              <a:rPr lang="bg-BG" sz="3000" dirty="0"/>
               <a:t>методи</a:t>
             </a:r>
             <a:r>
-              <a:rPr lang="en-US" dirty="0"/>
-              <a:t>, </a:t>
-            </a:r>
-            <a:r>
-              <a:rPr lang="en-US" b="1" dirty="0">
-                <a:solidFill>
-                  <a:schemeClr val="bg1"/>
-                </a:solidFill>
-              </a:rPr>
-              <a:t>DB Connection</a:t>
+              <a:rPr lang="en-US" sz="3000" dirty="0"/>
+              <a:t>, DB Connection</a:t>
             </a:r>
           </a:p>
           <a:p>
@@ -17948,7 +19226,7 @@
               </a:buClr>
             </a:pPr>
             <a:r>
-              <a:rPr lang="en-US" b="1" dirty="0">
+              <a:rPr lang="en-US" sz="3000" b="1" dirty="0">
                 <a:solidFill>
                   <a:schemeClr val="bg1"/>
                 </a:solidFill>
@@ -17956,34 +19234,38 @@
               <a:t>ChangeTracker</a:t>
             </a:r>
             <a:r>
-              <a:rPr lang="en-US" dirty="0"/>
+              <a:rPr lang="en-US" sz="3000" dirty="0"/>
               <a:t> </a:t>
             </a:r>
             <a:r>
-              <a:rPr lang="bg-BG" dirty="0"/>
+              <a:rPr lang="bg-BG" sz="3000" dirty="0"/>
               <a:t>–</a:t>
             </a:r>
             <a:r>
-              <a:rPr lang="en-US" dirty="0"/>
+              <a:rPr lang="en-US" sz="3000" dirty="0"/>
               <a:t> </a:t>
             </a:r>
             <a:r>
-              <a:rPr lang="bg-BG" dirty="0"/>
+              <a:rPr lang="bg-BG" sz="3000" dirty="0"/>
               <a:t>Съдържа информация за </a:t>
             </a:r>
             <a:r>
-              <a:rPr lang="bg-BG" b="1" dirty="0">
+              <a:rPr lang="bg-BG" sz="3000" b="1" dirty="0">
                 <a:solidFill>
                   <a:schemeClr val="bg1"/>
                 </a:solidFill>
               </a:rPr>
-              <a:t>автоматично проследяване на промените</a:t>
-            </a:r>
-            <a:endParaRPr lang="en-US" b="1" dirty="0">
-              <a:solidFill>
-                <a:schemeClr val="bg1"/>
-              </a:solidFill>
-            </a:endParaRPr>
+              <a:t>автоматично проследяване</a:t>
+            </a:r>
+            <a:r>
+              <a:rPr lang="bg-BG" sz="3000" dirty="0"/>
+              <a:t> на </a:t>
+            </a:r>
+            <a:r>
+              <a:rPr lang="bg-BG" sz="3000" b="1" dirty="0"/>
+              <a:t>промените</a:t>
+            </a:r>
+            <a:endParaRPr lang="en-US" sz="3000" b="1" dirty="0"/>
           </a:p>
           <a:p>
             <a:pPr lvl="1">
@@ -17992,27 +19274,51 @@
               </a:buClr>
             </a:pPr>
             <a:r>
-              <a:rPr lang="bg-BG" dirty="0"/>
-              <a:t>Всички класове обекти (таблици</a:t>
-            </a:r>
-            <a:r>
-              <a:rPr lang="en-US" dirty="0"/>
+              <a:rPr lang="bg-BG" sz="3000" dirty="0"/>
+              <a:t>Всички </a:t>
+            </a:r>
+            <a:r>
+              <a:rPr lang="bg-BG" sz="3000" b="1" dirty="0">
+                <a:solidFill>
+                  <a:schemeClr val="bg1"/>
+                </a:solidFill>
+              </a:rPr>
+              <a:t>класове</a:t>
+            </a:r>
+            <a:r>
+              <a:rPr lang="bg-BG" sz="3000" dirty="0"/>
+              <a:t> (</a:t>
+            </a:r>
+            <a:r>
+              <a:rPr lang="bg-BG" sz="3000" b="1" dirty="0"/>
+              <a:t>таблици</a:t>
+            </a:r>
+            <a:r>
+              <a:rPr lang="en-US" sz="3000" dirty="0"/>
               <a:t>)</a:t>
             </a:r>
             <a:r>
-              <a:rPr lang="bg-BG" dirty="0"/>
-              <a:t> са посочени като свойства (</a:t>
-            </a:r>
-            <a:r>
-              <a:rPr lang="en-US" b="1" dirty="0">
+              <a:rPr lang="bg-BG" sz="3000" dirty="0"/>
+              <a:t> са изредени като </a:t>
+            </a:r>
+            <a:r>
+              <a:rPr lang="bg-BG" sz="3000" b="1" dirty="0">
                 <a:solidFill>
                   <a:schemeClr val="bg1"/>
                 </a:solidFill>
               </a:rPr>
+              <a:t>свойства</a:t>
+            </a:r>
+            <a:r>
+              <a:rPr lang="bg-BG" sz="3000" dirty="0"/>
+              <a:t> (</a:t>
+            </a:r>
+            <a:r>
+              <a:rPr lang="en-US" sz="3000" b="1" dirty="0"/>
               <a:t>properties</a:t>
             </a:r>
             <a:r>
-              <a:rPr lang="en-US" dirty="0"/>
+              <a:rPr lang="en-US" sz="3000" dirty="0"/>
               <a:t>)</a:t>
             </a:r>
           </a:p>
@@ -18023,15 +19329,15 @@
               </a:buClr>
             </a:pPr>
             <a:r>
-              <a:rPr lang="bg-BG" dirty="0"/>
+              <a:rPr lang="bg-BG" sz="2600" dirty="0"/>
               <a:t>Например</a:t>
             </a:r>
             <a:r>
-              <a:rPr lang="en-US" dirty="0"/>
+              <a:rPr lang="en-US" sz="2600" dirty="0"/>
               <a:t> </a:t>
             </a:r>
             <a:r>
-              <a:rPr lang="en-US" b="1" noProof="1">
+              <a:rPr lang="en-US" sz="2600" b="1" noProof="1">
                 <a:solidFill>
                   <a:schemeClr val="bg1"/>
                 </a:solidFill>
@@ -18057,7 +19363,7 @@
         </p:nvSpPr>
         <p:spPr>
           <a:xfrm>
-            <a:off x="742396" y="1944388"/>
+            <a:off x="742394" y="1764000"/>
             <a:ext cx="10707211" cy="461545"/>
           </a:xfrm>
           <a:prstGeom prst="rect">
@@ -18177,7 +19483,7 @@
                                 </p:cTn>
                               </p:par>
                               <p:par>
-                                <p:cTn id="7" presetID="1" presetClass="entr" presetSubtype="0" fill="hold" nodeType="withEffect">
+                                <p:cTn id="7" presetID="1" presetClass="entr" presetSubtype="0" fill="hold" grpId="0" nodeType="withEffect">
                                   <p:stCondLst>
                                     <p:cond delay="0"/>
                                   </p:stCondLst>
@@ -18185,6 +19491,51 @@
                                     <p:set>
                                       <p:cBhvr>
                                         <p:cTn id="8" dur="1" fill="hold">
+                                          <p:stCondLst>
+                                            <p:cond delay="0"/>
+                                          </p:stCondLst>
+                                        </p:cTn>
+                                        <p:tgtEl>
+                                          <p:spTgt spid="2"/>
+                                        </p:tgtEl>
+                                        <p:attrNameLst>
+                                          <p:attrName>style.visibility</p:attrName>
+                                        </p:attrNameLst>
+                                      </p:cBhvr>
+                                      <p:to>
+                                        <p:strVal val="visible"/>
+                                      </p:to>
+                                    </p:set>
+                                  </p:childTnLst>
+                                </p:cTn>
+                              </p:par>
+                            </p:childTnLst>
+                          </p:cTn>
+                        </p:par>
+                      </p:childTnLst>
+                    </p:cTn>
+                  </p:par>
+                  <p:par>
+                    <p:cTn id="9" fill="hold">
+                      <p:stCondLst>
+                        <p:cond delay="indefinite"/>
+                      </p:stCondLst>
+                      <p:childTnLst>
+                        <p:par>
+                          <p:cTn id="10" fill="hold">
+                            <p:stCondLst>
+                              <p:cond delay="0"/>
+                            </p:stCondLst>
+                            <p:childTnLst>
+                              <p:par>
+                                <p:cTn id="11" presetID="1" presetClass="entr" presetSubtype="0" fill="hold" nodeType="clickEffect">
+                                  <p:stCondLst>
+                                    <p:cond delay="0"/>
+                                  </p:stCondLst>
+                                  <p:childTnLst>
+                                    <p:set>
+                                      <p:cBhvr>
+                                        <p:cTn id="12" dur="1" fill="hold">
                                           <p:stCondLst>
                                             <p:cond delay="0"/>
                                           </p:stCondLst>
@@ -18207,15 +19558,33 @@
                                   </p:childTnLst>
                                 </p:cTn>
                               </p:par>
+                            </p:childTnLst>
+                          </p:cTn>
+                        </p:par>
+                      </p:childTnLst>
+                    </p:cTn>
+                  </p:par>
+                  <p:par>
+                    <p:cTn id="13" fill="hold">
+                      <p:stCondLst>
+                        <p:cond delay="indefinite"/>
+                      </p:stCondLst>
+                      <p:childTnLst>
+                        <p:par>
+                          <p:cTn id="14" fill="hold">
+                            <p:stCondLst>
+                              <p:cond delay="0"/>
+                            </p:stCondLst>
+                            <p:childTnLst>
                               <p:par>
-                                <p:cTn id="9" presetID="1" presetClass="entr" presetSubtype="0" fill="hold" nodeType="withEffect">
+                                <p:cTn id="15" presetID="1" presetClass="entr" presetSubtype="0" fill="hold" nodeType="clickEffect">
                                   <p:stCondLst>
                                     <p:cond delay="0"/>
                                   </p:stCondLst>
                                   <p:childTnLst>
                                     <p:set>
                                       <p:cBhvr>
-                                        <p:cTn id="10" dur="1" fill="hold">
+                                        <p:cTn id="16" dur="1" fill="hold">
                                           <p:stCondLst>
                                             <p:cond delay="0"/>
                                           </p:stCondLst>
@@ -18239,14 +19608,14 @@
                                 </p:cTn>
                               </p:par>
                               <p:par>
-                                <p:cTn id="11" presetID="1" presetClass="entr" presetSubtype="0" fill="hold" nodeType="withEffect">
+                                <p:cTn id="17" presetID="1" presetClass="entr" presetSubtype="0" fill="hold" nodeType="withEffect">
                                   <p:stCondLst>
                                     <p:cond delay="0"/>
                                   </p:stCondLst>
                                   <p:childTnLst>
                                     <p:set>
                                       <p:cBhvr>
-                                        <p:cTn id="12" dur="1" fill="hold">
+                                        <p:cTn id="18" dur="1" fill="hold">
                                           <p:stCondLst>
                                             <p:cond delay="0"/>
                                           </p:stCondLst>
@@ -18269,15 +19638,33 @@
                                   </p:childTnLst>
                                 </p:cTn>
                               </p:par>
+                            </p:childTnLst>
+                          </p:cTn>
+                        </p:par>
+                      </p:childTnLst>
+                    </p:cTn>
+                  </p:par>
+                  <p:par>
+                    <p:cTn id="19" fill="hold">
+                      <p:stCondLst>
+                        <p:cond delay="indefinite"/>
+                      </p:stCondLst>
+                      <p:childTnLst>
+                        <p:par>
+                          <p:cTn id="20" fill="hold">
+                            <p:stCondLst>
+                              <p:cond delay="0"/>
+                            </p:stCondLst>
+                            <p:childTnLst>
                               <p:par>
-                                <p:cTn id="13" presetID="1" presetClass="entr" presetSubtype="0" fill="hold" nodeType="withEffect">
+                                <p:cTn id="21" presetID="1" presetClass="entr" presetSubtype="0" fill="hold" nodeType="clickEffect">
                                   <p:stCondLst>
                                     <p:cond delay="0"/>
                                   </p:stCondLst>
                                   <p:childTnLst>
                                     <p:set>
                                       <p:cBhvr>
-                                        <p:cTn id="14" dur="1" fill="hold">
+                                        <p:cTn id="22" dur="1" fill="hold">
                                           <p:stCondLst>
                                             <p:cond delay="0"/>
                                           </p:stCondLst>
@@ -18300,15 +19687,33 @@
                                   </p:childTnLst>
                                 </p:cTn>
                               </p:par>
+                            </p:childTnLst>
+                          </p:cTn>
+                        </p:par>
+                      </p:childTnLst>
+                    </p:cTn>
+                  </p:par>
+                  <p:par>
+                    <p:cTn id="23" fill="hold">
+                      <p:stCondLst>
+                        <p:cond delay="indefinite"/>
+                      </p:stCondLst>
+                      <p:childTnLst>
+                        <p:par>
+                          <p:cTn id="24" fill="hold">
+                            <p:stCondLst>
+                              <p:cond delay="0"/>
+                            </p:stCondLst>
+                            <p:childTnLst>
                               <p:par>
-                                <p:cTn id="15" presetID="1" presetClass="entr" presetSubtype="0" fill="hold" nodeType="withEffect">
+                                <p:cTn id="25" presetID="1" presetClass="entr" presetSubtype="0" fill="hold" nodeType="clickEffect">
                                   <p:stCondLst>
                                     <p:cond delay="0"/>
                                   </p:stCondLst>
                                   <p:childTnLst>
                                     <p:set>
                                       <p:cBhvr>
-                                        <p:cTn id="16" dur="1" fill="hold">
+                                        <p:cTn id="26" dur="1" fill="hold">
                                           <p:stCondLst>
                                             <p:cond delay="0"/>
                                           </p:stCondLst>
@@ -18332,14 +19737,14 @@
                                 </p:cTn>
                               </p:par>
                               <p:par>
-                                <p:cTn id="17" presetID="1" presetClass="entr" presetSubtype="0" fill="hold" nodeType="withEffect">
+                                <p:cTn id="27" presetID="1" presetClass="entr" presetSubtype="0" fill="hold" nodeType="withEffect">
                                   <p:stCondLst>
                                     <p:cond delay="0"/>
                                   </p:stCondLst>
                                   <p:childTnLst>
                                     <p:set>
                                       <p:cBhvr>
-                                        <p:cTn id="18" dur="1" fill="hold">
+                                        <p:cTn id="28" dur="1" fill="hold">
                                           <p:stCondLst>
                                             <p:cond delay="0"/>
                                           </p:stCondLst>
@@ -18389,11 +19794,14 @@
         </p:cTn>
       </p:par>
     </p:tnLst>
+    <p:bldLst>
+      <p:bldP spid="2" grpId="0" animBg="1"/>
+    </p:bldLst>
   </p:timing>
 </p:sld>
 </file>
 
-<file path=ppt/slides/slide24.xml><?xml version="1.0" encoding="utf-8"?>
+<file path=ppt/slides/slide23.xml><?xml version="1.0" encoding="utf-8"?>
 <p:sld xmlns:a="http://schemas.openxmlformats.org/drawingml/2006/main" xmlns:r="http://schemas.openxmlformats.org/officeDocument/2006/relationships" xmlns:p="http://schemas.openxmlformats.org/presentationml/2006/main">
   <p:cSld>
     <p:spTree>
@@ -18443,7 +19851,7 @@
             <a:fld id="{2BF067CD-8E6B-4360-9AA8-C5DF2A48A6D1}" type="slidenum">
               <a:rPr lang="en-US" smtClean="0"/>
               <a:pPr/>
-              <a:t>24</a:t>
+              <a:t>23</a:t>
             </a:fld>
             <a:endParaRPr lang="en-US" dirty="0"/>
           </a:p>
@@ -18563,10 +19971,14 @@
             </a:r>
             <a:r>
               <a:rPr lang="en-US" sz="3200" dirty="0"/>
-              <a:t> EF </a:t>
-            </a:r>
-            <a:r>
-              <a:rPr lang="bg-BG" sz="3200" dirty="0"/>
+              <a:t> </a:t>
+            </a:r>
+            <a:r>
+              <a:rPr lang="en-US" sz="3200" b="1" dirty="0"/>
+              <a:t>EF </a:t>
+            </a:r>
+            <a:r>
+              <a:rPr lang="bg-BG" sz="3200" b="1" dirty="0"/>
               <a:t>обект</a:t>
             </a:r>
             <a:r>
@@ -18676,8 +20088,8 @@
         </p:nvSpPr>
         <p:spPr>
           <a:xfrm>
-            <a:off x="286462" y="5006483"/>
-            <a:ext cx="8432947" cy="1310787"/>
+            <a:off x="649521" y="5015532"/>
+            <a:ext cx="8432947" cy="1200329"/>
           </a:xfrm>
           <a:prstGeom prst="rect">
             <a:avLst/>
@@ -18740,7 +20152,7 @@
               </a:lnSpc>
             </a:pPr>
             <a:r>
-              <a:rPr lang="en-US" sz="2199" noProof="1">
+              <a:rPr lang="en-US" noProof="1">
                 <a:solidFill>
                   <a:schemeClr val="tx1"/>
                 </a:solidFill>
@@ -18756,7 +20168,7 @@
               </a:lnSpc>
             </a:pPr>
             <a:r>
-              <a:rPr lang="en-US" sz="2199" noProof="1">
+              <a:rPr lang="en-US" noProof="1">
                 <a:solidFill>
                   <a:schemeClr val="tx1"/>
                 </a:solidFill>
@@ -18765,7 +20177,7 @@
               <a:t>  </a:t>
             </a:r>
             <a:r>
-              <a:rPr lang="en-US" sz="2199" noProof="1">
+              <a:rPr lang="en-US" noProof="1">
                 <a:solidFill>
                   <a:schemeClr val="bg1"/>
                 </a:solidFill>
@@ -18781,7 +20193,7 @@
               </a:lnSpc>
             </a:pPr>
             <a:r>
-              <a:rPr lang="en-US" sz="2199" noProof="1">
+              <a:rPr lang="en-US" noProof="1">
                 <a:solidFill>
                   <a:schemeClr val="tx1"/>
                 </a:solidFill>
@@ -18797,7 +20209,7 @@
               </a:lnSpc>
             </a:pPr>
             <a:r>
-              <a:rPr lang="en-US" sz="2199" noProof="1">
+              <a:rPr lang="en-US" noProof="1">
                 <a:solidFill>
                   <a:schemeClr val="tx1"/>
                 </a:solidFill>
@@ -18824,8 +20236,8 @@
         </p:nvSpPr>
         <p:spPr>
           <a:xfrm>
-            <a:off x="274252" y="1878125"/>
-            <a:ext cx="11119304" cy="2529264"/>
+            <a:off x="649521" y="1815726"/>
+            <a:ext cx="11119304" cy="2308324"/>
           </a:xfrm>
           <a:prstGeom prst="rect">
             <a:avLst/>
@@ -18865,7 +20277,7 @@
               <a:buSzPct val="70000"/>
             </a:pPr>
             <a:r>
-              <a:rPr lang="en-US" sz="2199" b="1" noProof="1">
+              <a:rPr lang="en-US" sz="2000" b="1" noProof="1">
                 <a:latin typeface="Consolas" pitchFamily="49" charset="0"/>
                 <a:cs typeface="Consolas" pitchFamily="49" charset="0"/>
               </a:rPr>
@@ -18886,7 +20298,7 @@
               <a:buSzPct val="70000"/>
             </a:pPr>
             <a:r>
-              <a:rPr lang="en-US" sz="2199" b="1" noProof="1">
+              <a:rPr lang="en-US" sz="2000" b="1" noProof="1">
                 <a:latin typeface="Consolas" pitchFamily="49" charset="0"/>
                 <a:cs typeface="Consolas" pitchFamily="49" charset="0"/>
               </a:rPr>
@@ -18907,7 +20319,7 @@
               <a:buSzPct val="70000"/>
             </a:pPr>
             <a:r>
-              <a:rPr lang="en-US" sz="2199" b="1" noProof="1">
+              <a:rPr lang="en-US" sz="2000" b="1" noProof="1">
                 <a:latin typeface="Consolas" pitchFamily="49" charset="0"/>
                 <a:cs typeface="Consolas" pitchFamily="49" charset="0"/>
               </a:rPr>
@@ -18928,7 +20340,7 @@
               <a:buSzPct val="70000"/>
             </a:pPr>
             <a:r>
-              <a:rPr lang="en-US" sz="2199" b="1" noProof="1">
+              <a:rPr lang="en-US" sz="2000" b="1" noProof="1">
                 <a:latin typeface="Consolas" pitchFamily="49" charset="0"/>
                 <a:cs typeface="Consolas" pitchFamily="49" charset="0"/>
               </a:rPr>
@@ -18949,7 +20361,7 @@
               <a:buSzPct val="70000"/>
             </a:pPr>
             <a:r>
-              <a:rPr lang="en-US" sz="2199" b="1" noProof="1">
+              <a:rPr lang="en-US" sz="2000" b="1" noProof="1">
                 <a:latin typeface="Consolas" pitchFamily="49" charset="0"/>
                 <a:cs typeface="Consolas" pitchFamily="49" charset="0"/>
               </a:rPr>
@@ -18970,7 +20382,7 @@
               <a:buSzPct val="70000"/>
             </a:pPr>
             <a:r>
-              <a:rPr lang="en-US" sz="2199" b="1" noProof="1">
+              <a:rPr lang="en-US" sz="2000" b="1" noProof="1">
                 <a:latin typeface="Consolas" pitchFamily="49" charset="0"/>
                 <a:cs typeface="Consolas" pitchFamily="49" charset="0"/>
               </a:rPr>
@@ -18991,7 +20403,7 @@
               <a:buSzPct val="70000"/>
             </a:pPr>
             <a:r>
-              <a:rPr lang="en-US" sz="2199" b="1" noProof="1">
+              <a:rPr lang="en-US" sz="2000" b="1" noProof="1">
                 <a:latin typeface="Consolas" pitchFamily="49" charset="0"/>
                 <a:cs typeface="Consolas" pitchFamily="49" charset="0"/>
               </a:rPr>
@@ -19012,7 +20424,7 @@
               <a:buSzPct val="70000"/>
             </a:pPr>
             <a:r>
-              <a:rPr lang="en-US" sz="2199" b="1" noProof="1">
+              <a:rPr lang="en-US" sz="2000" b="1" noProof="1">
                 <a:latin typeface="Consolas" pitchFamily="49" charset="0"/>
                 <a:cs typeface="Consolas" pitchFamily="49" charset="0"/>
               </a:rPr>
@@ -19037,7 +20449,7 @@
         </p:nvSpPr>
         <p:spPr bwMode="auto">
           <a:xfrm>
-            <a:off x="9065228" y="2439294"/>
+            <a:off x="9153327" y="2565109"/>
             <a:ext cx="2671471" cy="919090"/>
           </a:xfrm>
           <a:prstGeom prst="wedgeRoundRectCallout">
@@ -19102,7 +20514,7 @@
                   <a:schemeClr val="bg2"/>
                 </a:solidFill>
               </a:rPr>
-              <a:t>превежда това в</a:t>
+              <a:t>превежда в</a:t>
             </a:r>
             <a:r>
               <a:rPr lang="en-US" sz="2399" b="1" noProof="1">
@@ -19150,7 +20562,7 @@
         </p:blipFill>
         <p:spPr>
           <a:xfrm>
-            <a:off x="8795297" y="3501052"/>
+            <a:off x="8569746" y="3629325"/>
             <a:ext cx="3255052" cy="1241081"/>
           </a:xfrm>
           <a:prstGeom prst="rect">
@@ -19231,7 +20643,7 @@
                                 </p:cTn>
                               </p:par>
                               <p:par>
-                                <p:cTn id="7" presetID="1" presetClass="entr" presetSubtype="0" fill="hold" nodeType="withEffect">
+                                <p:cTn id="7" presetID="1" presetClass="entr" presetSubtype="0" fill="hold" grpId="0" nodeType="withEffect">
                                   <p:stCondLst>
                                     <p:cond delay="0"/>
                                   </p:stCondLst>
@@ -19244,11 +20656,7 @@
                                           </p:stCondLst>
                                         </p:cTn>
                                         <p:tgtEl>
-                                          <p:spTgt spid="7">
-                                            <p:txEl>
-                                              <p:pRg st="5" end="5"/>
-                                            </p:txEl>
-                                          </p:spTgt>
+                                          <p:spTgt spid="10"/>
                                         </p:tgtEl>
                                         <p:attrNameLst>
                                           <p:attrName>style.visibility</p:attrName>
@@ -19306,15 +20714,109 @@
                                   </p:childTnLst>
                                 </p:cTn>
                               </p:par>
+                            </p:childTnLst>
+                          </p:cTn>
+                        </p:par>
+                      </p:childTnLst>
+                    </p:cTn>
+                  </p:par>
+                  <p:par>
+                    <p:cTn id="13" fill="hold">
+                      <p:stCondLst>
+                        <p:cond delay="indefinite"/>
+                      </p:stCondLst>
+                      <p:childTnLst>
+                        <p:par>
+                          <p:cTn id="14" fill="hold">
+                            <p:stCondLst>
+                              <p:cond delay="0"/>
+                            </p:stCondLst>
+                            <p:childTnLst>
                               <p:par>
-                                <p:cTn id="13" presetID="1" presetClass="entr" presetSubtype="0" fill="hold" grpId="0" nodeType="withEffect">
+                                <p:cTn id="15" presetID="1" presetClass="entr" presetSubtype="0" fill="hold" nodeType="clickEffect">
                                   <p:stCondLst>
                                     <p:cond delay="0"/>
                                   </p:stCondLst>
                                   <p:childTnLst>
                                     <p:set>
                                       <p:cBhvr>
-                                        <p:cTn id="14" dur="1" fill="hold">
+                                        <p:cTn id="16" dur="1" fill="hold">
+                                          <p:stCondLst>
+                                            <p:cond delay="0"/>
+                                          </p:stCondLst>
+                                        </p:cTn>
+                                        <p:tgtEl>
+                                          <p:spTgt spid="12"/>
+                                        </p:tgtEl>
+                                        <p:attrNameLst>
+                                          <p:attrName>style.visibility</p:attrName>
+                                        </p:attrNameLst>
+                                      </p:cBhvr>
+                                      <p:to>
+                                        <p:strVal val="visible"/>
+                                      </p:to>
+                                    </p:set>
+                                  </p:childTnLst>
+                                </p:cTn>
+                              </p:par>
+                            </p:childTnLst>
+                          </p:cTn>
+                        </p:par>
+                      </p:childTnLst>
+                    </p:cTn>
+                  </p:par>
+                  <p:par>
+                    <p:cTn id="17" fill="hold">
+                      <p:stCondLst>
+                        <p:cond delay="indefinite"/>
+                      </p:stCondLst>
+                      <p:childTnLst>
+                        <p:par>
+                          <p:cTn id="18" fill="hold">
+                            <p:stCondLst>
+                              <p:cond delay="0"/>
+                            </p:stCondLst>
+                            <p:childTnLst>
+                              <p:par>
+                                <p:cTn id="19" presetID="1" presetClass="entr" presetSubtype="0" fill="hold" nodeType="clickEffect">
+                                  <p:stCondLst>
+                                    <p:cond delay="0"/>
+                                  </p:stCondLst>
+                                  <p:childTnLst>
+                                    <p:set>
+                                      <p:cBhvr>
+                                        <p:cTn id="20" dur="1" fill="hold">
+                                          <p:stCondLst>
+                                            <p:cond delay="0"/>
+                                          </p:stCondLst>
+                                        </p:cTn>
+                                        <p:tgtEl>
+                                          <p:spTgt spid="7">
+                                            <p:txEl>
+                                              <p:pRg st="5" end="5"/>
+                                            </p:txEl>
+                                          </p:spTgt>
+                                        </p:tgtEl>
+                                        <p:attrNameLst>
+                                          <p:attrName>style.visibility</p:attrName>
+                                        </p:attrNameLst>
+                                      </p:cBhvr>
+                                      <p:to>
+                                        <p:strVal val="visible"/>
+                                      </p:to>
+                                    </p:set>
+                                  </p:childTnLst>
+                                </p:cTn>
+                              </p:par>
+                              <p:par>
+                                <p:cTn id="21" presetID="1" presetClass="entr" presetSubtype="0" fill="hold" grpId="0" nodeType="withEffect">
+                                  <p:stCondLst>
+                                    <p:cond delay="0"/>
+                                  </p:stCondLst>
+                                  <p:childTnLst>
+                                    <p:set>
+                                      <p:cBhvr>
+                                        <p:cTn id="22" dur="1" fill="hold">
                                           <p:stCondLst>
                                             <p:cond delay="0"/>
                                           </p:stCondLst>
@@ -19362,13 +20864,14 @@
     </p:tnLst>
     <p:bldLst>
       <p:bldP spid="8" grpId="0" animBg="1"/>
+      <p:bldP spid="10" grpId="0" animBg="1"/>
       <p:bldP spid="11" grpId="0" animBg="1"/>
     </p:bldLst>
   </p:timing>
 </p:sld>
 </file>
 
-<file path=ppt/slides/slide25.xml><?xml version="1.0" encoding="utf-8"?>
+<file path=ppt/slides/slide24.xml><?xml version="1.0" encoding="utf-8"?>
 <p:sld xmlns:a="http://schemas.openxmlformats.org/drawingml/2006/main" xmlns:r="http://schemas.openxmlformats.org/officeDocument/2006/relationships" xmlns:p="http://schemas.openxmlformats.org/presentationml/2006/main">
   <p:cSld>
     <p:spTree>
@@ -19418,7 +20921,7 @@
             <a:fld id="{2BF067CD-8E6B-4360-9AA8-C5DF2A48A6D1}" type="slidenum">
               <a:rPr lang="en-US" smtClean="0"/>
               <a:pPr/>
-              <a:t>25</a:t>
+              <a:t>24</a:t>
             </a:fld>
             <a:endParaRPr lang="en-US" dirty="0"/>
           </a:p>
@@ -19460,7 +20963,15 @@
             </a:r>
             <a:r>
               <a:rPr lang="en-US" dirty="0"/>
-              <a:t>(1)</a:t>
+              <a:t>(</a:t>
+            </a:r>
+            <a:r>
+              <a:rPr lang="bg-BG" dirty="0"/>
+              <a:t>2</a:t>
+            </a:r>
+            <a:r>
+              <a:rPr lang="en-US" dirty="0"/>
+              <a:t>)</a:t>
             </a:r>
           </a:p>
         </p:txBody>
@@ -19529,8 +21040,8 @@
         </p:nvSpPr>
         <p:spPr>
           <a:xfrm>
-            <a:off x="766200" y="2176123"/>
-            <a:ext cx="10659603" cy="2806191"/>
+            <a:off x="618598" y="1854000"/>
+            <a:ext cx="11134432" cy="2086725"/>
           </a:xfrm>
           <a:prstGeom prst="rect">
             <a:avLst/>
@@ -19570,7 +21081,7 @@
               <a:buSzPct val="70000"/>
             </a:pPr>
             <a:r>
-              <a:rPr lang="en-US" sz="2799" b="1" noProof="1">
+              <a:rPr lang="en-US" sz="2400" b="1" noProof="1">
                 <a:latin typeface="Consolas" pitchFamily="49" charset="0"/>
                 <a:cs typeface="Consolas" pitchFamily="49" charset="0"/>
               </a:rPr>
@@ -19591,7 +21102,7 @@
               <a:buSzPct val="70000"/>
             </a:pPr>
             <a:r>
-              <a:rPr lang="en-US" sz="2799" b="1" noProof="1">
+              <a:rPr lang="en-US" sz="2400" b="1" noProof="1">
                 <a:latin typeface="Consolas" pitchFamily="49" charset="0"/>
                 <a:cs typeface="Consolas" pitchFamily="49" charset="0"/>
               </a:rPr>
@@ -19612,14 +21123,14 @@
               <a:buSzPct val="70000"/>
             </a:pPr>
             <a:r>
-              <a:rPr lang="en-US" sz="2799" b="1" noProof="1">
+              <a:rPr lang="en-US" sz="2400" b="1" noProof="1">
                 <a:latin typeface="Consolas" pitchFamily="49" charset="0"/>
                 <a:cs typeface="Consolas" pitchFamily="49" charset="0"/>
               </a:rPr>
               <a:t>   var project = context.Projects.</a:t>
             </a:r>
             <a:r>
-              <a:rPr lang="en-US" sz="2799" b="1" noProof="1">
+              <a:rPr lang="en-US" sz="2400" b="1" noProof="1">
                 <a:solidFill>
                   <a:schemeClr val="bg1"/>
                 </a:solidFill>
@@ -19629,7 +21140,7 @@
               <a:t>Find(2)</a:t>
             </a:r>
             <a:r>
-              <a:rPr lang="en-US" sz="2799" b="1" noProof="1">
+              <a:rPr lang="en-US" sz="2400" b="1" noProof="1">
                 <a:latin typeface="Consolas" pitchFamily="49" charset="0"/>
                 <a:cs typeface="Consolas" pitchFamily="49" charset="0"/>
               </a:rPr>
@@ -19649,7 +21160,7 @@
               </a:buClr>
               <a:buSzPct val="70000"/>
             </a:pPr>
-            <a:endParaRPr lang="en-US" sz="2799" b="1" noProof="1">
+            <a:endParaRPr lang="en-US" sz="2400" b="1" noProof="1">
               <a:latin typeface="Consolas" pitchFamily="49" charset="0"/>
               <a:cs typeface="Consolas" pitchFamily="49" charset="0"/>
             </a:endParaRPr>
@@ -19668,7 +21179,7 @@
               <a:buSzPct val="70000"/>
             </a:pPr>
             <a:r>
-              <a:rPr lang="en-US" sz="2799" b="1" noProof="1">
+              <a:rPr lang="en-US" sz="2400" b="1" noProof="1">
                 <a:latin typeface="Consolas" pitchFamily="49" charset="0"/>
                 <a:cs typeface="Consolas" pitchFamily="49" charset="0"/>
               </a:rPr>
@@ -19689,7 +21200,7 @@
               <a:buSzPct val="70000"/>
             </a:pPr>
             <a:r>
-              <a:rPr lang="en-US" sz="2799" b="1" noProof="1">
+              <a:rPr lang="en-US" sz="2400" b="1" noProof="1">
                 <a:latin typeface="Consolas" pitchFamily="49" charset="0"/>
                 <a:cs typeface="Consolas" pitchFamily="49" charset="0"/>
               </a:rPr>
@@ -19719,7 +21230,7 @@
         </p:blipFill>
         <p:spPr>
           <a:xfrm>
-            <a:off x="5871059" y="4184091"/>
+            <a:off x="3452311" y="4898979"/>
             <a:ext cx="5287377" cy="1525791"/>
           </a:xfrm>
           <a:prstGeom prst="rect">
@@ -19734,6 +21245,60 @@
           </a:ln>
         </p:spPr>
       </p:pic>
+      <p:sp>
+        <p:nvSpPr>
+          <p:cNvPr id="2" name="Arrow: Right 10">
+            <a:extLst>
+              <a:ext uri="{FF2B5EF4-FFF2-40B4-BE49-F238E27FC236}">
+                <a16:creationId xmlns:a16="http://schemas.microsoft.com/office/drawing/2014/main" id="{81C1F833-DB9C-ADBB-CD83-5AEFF63D8A81}"/>
+              </a:ext>
+            </a:extLst>
+          </p:cNvPr>
+          <p:cNvSpPr/>
+          <p:nvPr/>
+        </p:nvSpPr>
+        <p:spPr>
+          <a:xfrm rot="5400000">
+            <a:off x="5757877" y="4172352"/>
+            <a:ext cx="676244" cy="495000"/>
+          </a:xfrm>
+          <a:prstGeom prst="rightArrow">
+            <a:avLst/>
+          </a:prstGeom>
+          <a:solidFill>
+            <a:schemeClr val="tx1"/>
+          </a:solidFill>
+          <a:ln>
+            <a:solidFill>
+              <a:schemeClr val="tx1"/>
+            </a:solidFill>
+          </a:ln>
+        </p:spPr>
+        <p:style>
+          <a:lnRef idx="2">
+            <a:schemeClr val="accent1">
+              <a:shade val="50000"/>
+            </a:schemeClr>
+          </a:lnRef>
+          <a:fillRef idx="1">
+            <a:schemeClr val="accent1"/>
+          </a:fillRef>
+          <a:effectRef idx="0">
+            <a:schemeClr val="accent1"/>
+          </a:effectRef>
+          <a:fontRef idx="minor">
+            <a:schemeClr val="lt1"/>
+          </a:fontRef>
+        </p:style>
+        <p:txBody>
+          <a:bodyPr rtlCol="0" anchor="ctr"/>
+          <a:lstStyle/>
+          <a:p>
+            <a:pPr algn="ctr"/>
+            <a:endParaRPr lang="en-US" sz="2799"/>
+          </a:p>
+        </p:txBody>
+      </p:sp>
     </p:spTree>
     <p:extLst>
       <p:ext uri="{BB962C8B-B14F-4D97-AF65-F5344CB8AC3E}">
@@ -19806,33 +21371,15 @@
                                   </p:childTnLst>
                                 </p:cTn>
                               </p:par>
-                            </p:childTnLst>
-                          </p:cTn>
-                        </p:par>
-                      </p:childTnLst>
-                    </p:cTn>
-                  </p:par>
-                  <p:par>
-                    <p:cTn id="7" fill="hold">
-                      <p:stCondLst>
-                        <p:cond delay="indefinite"/>
-                      </p:stCondLst>
-                      <p:childTnLst>
-                        <p:par>
-                          <p:cTn id="8" fill="hold">
-                            <p:stCondLst>
-                              <p:cond delay="0"/>
-                            </p:stCondLst>
-                            <p:childTnLst>
                               <p:par>
-                                <p:cTn id="9" presetID="1" presetClass="entr" presetSubtype="0" fill="hold" grpId="0" nodeType="clickEffect">
+                                <p:cTn id="7" presetID="1" presetClass="entr" presetSubtype="0" fill="hold" grpId="0" nodeType="withEffect">
                                   <p:stCondLst>
                                     <p:cond delay="0"/>
                                   </p:stCondLst>
                                   <p:childTnLst>
                                     <p:set>
                                       <p:cBhvr>
-                                        <p:cTn id="10" dur="1" fill="hold">
+                                        <p:cTn id="8" dur="1" fill="hold">
                                           <p:stCondLst>
                                             <p:cond delay="0"/>
                                           </p:stCondLst>
@@ -19851,8 +21398,26 @@
                                   </p:childTnLst>
                                 </p:cTn>
                               </p:par>
+                            </p:childTnLst>
+                          </p:cTn>
+                        </p:par>
+                      </p:childTnLst>
+                    </p:cTn>
+                  </p:par>
+                  <p:par>
+                    <p:cTn id="9" fill="hold">
+                      <p:stCondLst>
+                        <p:cond delay="indefinite"/>
+                      </p:stCondLst>
+                      <p:childTnLst>
+                        <p:par>
+                          <p:cTn id="10" fill="hold">
+                            <p:stCondLst>
+                              <p:cond delay="0"/>
+                            </p:stCondLst>
+                            <p:childTnLst>
                               <p:par>
-                                <p:cTn id="11" presetID="1" presetClass="entr" presetSubtype="0" fill="hold" nodeType="withEffect">
+                                <p:cTn id="11" presetID="1" presetClass="entr" presetSubtype="0" fill="hold" grpId="0" nodeType="clickEffect">
                                   <p:stCondLst>
                                     <p:cond delay="0"/>
                                   </p:stCondLst>
@@ -19860,6 +21425,33 @@
                                     <p:set>
                                       <p:cBhvr>
                                         <p:cTn id="12" dur="1" fill="hold">
+                                          <p:stCondLst>
+                                            <p:cond delay="0"/>
+                                          </p:stCondLst>
+                                        </p:cTn>
+                                        <p:tgtEl>
+                                          <p:spTgt spid="2"/>
+                                        </p:tgtEl>
+                                        <p:attrNameLst>
+                                          <p:attrName>style.visibility</p:attrName>
+                                        </p:attrNameLst>
+                                      </p:cBhvr>
+                                      <p:to>
+                                        <p:strVal val="visible"/>
+                                      </p:to>
+                                    </p:set>
+                                  </p:childTnLst>
+                                </p:cTn>
+                              </p:par>
+                              <p:par>
+                                <p:cTn id="13" presetID="1" presetClass="entr" presetSubtype="0" fill="hold" nodeType="withEffect">
+                                  <p:stCondLst>
+                                    <p:cond delay="0"/>
+                                  </p:stCondLst>
+                                  <p:childTnLst>
+                                    <p:set>
+                                      <p:cBhvr>
+                                        <p:cTn id="14" dur="1" fill="hold">
                                           <p:stCondLst>
                                             <p:cond delay="0"/>
                                           </p:stCondLst>
@@ -19907,12 +21499,13 @@
     </p:tnLst>
     <p:bldLst>
       <p:bldP spid="5" grpId="0" animBg="1"/>
+      <p:bldP spid="2" grpId="0" animBg="1"/>
     </p:bldLst>
   </p:timing>
 </p:sld>
 </file>
 
-<file path=ppt/slides/slide26.xml><?xml version="1.0" encoding="utf-8"?>
+<file path=ppt/slides/slide25.xml><?xml version="1.0" encoding="utf-8"?>
 <p:sld xmlns:a="http://schemas.openxmlformats.org/drawingml/2006/main" xmlns:r="http://schemas.openxmlformats.org/officeDocument/2006/relationships" xmlns:p="http://schemas.openxmlformats.org/presentationml/2006/main">
   <p:cSld>
     <p:spTree>
@@ -20053,7 +21646,7 @@
 </p:sld>
 </file>
 
-<file path=ppt/slides/slide27.xml><?xml version="1.0" encoding="utf-8"?>
+<file path=ppt/slides/slide26.xml><?xml version="1.0" encoding="utf-8"?>
 <p:sld xmlns:a="http://schemas.openxmlformats.org/drawingml/2006/main" xmlns:r="http://schemas.openxmlformats.org/officeDocument/2006/relationships" xmlns:p="http://schemas.openxmlformats.org/presentationml/2006/main">
   <p:cSld>
     <p:spTree>
@@ -20094,7 +21687,7 @@
             <a:fld id="{2BF067CD-8E6B-4360-9AA8-C5DF2A48A6D1}" type="slidenum">
               <a:rPr lang="en-US" noProof="0" smtClean="0"/>
               <a:pPr/>
-              <a:t>27</a:t>
+              <a:t>26</a:t>
             </a:fld>
             <a:endParaRPr lang="en-US" noProof="0" dirty="0"/>
           </a:p>
@@ -20378,7 +21971,7 @@
                             </p:stCondLst>
                             <p:childTnLst>
                               <p:par>
-                                <p:cTn id="5" presetID="1" presetClass="entr" presetSubtype="0" fill="hold" grpId="0" nodeType="withEffect">
+                                <p:cTn id="5" presetID="1" presetClass="entr" presetSubtype="0" fill="hold" nodeType="withEffect">
                                   <p:stCondLst>
                                     <p:cond delay="0"/>
                                   </p:stCondLst>
@@ -20391,7 +21984,110 @@
                                           </p:stCondLst>
                                         </p:cTn>
                                         <p:tgtEl>
+                                          <p:spTgt spid="3">
+                                            <p:txEl>
+                                              <p:pRg st="0" end="0"/>
+                                            </p:txEl>
+                                          </p:spTgt>
+                                        </p:tgtEl>
+                                        <p:attrNameLst>
+                                          <p:attrName>style.visibility</p:attrName>
+                                        </p:attrNameLst>
+                                      </p:cBhvr>
+                                      <p:to>
+                                        <p:strVal val="visible"/>
+                                      </p:to>
+                                    </p:set>
+                                  </p:childTnLst>
+                                </p:cTn>
+                              </p:par>
+                              <p:par>
+                                <p:cTn id="7" presetID="1" presetClass="entr" presetSubtype="0" fill="hold" nodeType="withEffect">
+                                  <p:stCondLst>
+                                    <p:cond delay="0"/>
+                                  </p:stCondLst>
+                                  <p:childTnLst>
+                                    <p:set>
+                                      <p:cBhvr>
+                                        <p:cTn id="8" dur="1" fill="hold">
+                                          <p:stCondLst>
+                                            <p:cond delay="0"/>
+                                          </p:stCondLst>
+                                        </p:cTn>
+                                        <p:tgtEl>
+                                          <p:spTgt spid="6"/>
+                                        </p:tgtEl>
+                                        <p:attrNameLst>
+                                          <p:attrName>style.visibility</p:attrName>
+                                        </p:attrNameLst>
+                                      </p:cBhvr>
+                                      <p:to>
+                                        <p:strVal val="visible"/>
+                                      </p:to>
+                                    </p:set>
+                                  </p:childTnLst>
+                                </p:cTn>
+                              </p:par>
+                            </p:childTnLst>
+                          </p:cTn>
+                        </p:par>
+                      </p:childTnLst>
+                    </p:cTn>
+                  </p:par>
+                  <p:par>
+                    <p:cTn id="9" fill="hold">
+                      <p:stCondLst>
+                        <p:cond delay="indefinite"/>
+                      </p:stCondLst>
+                      <p:childTnLst>
+                        <p:par>
+                          <p:cTn id="10" fill="hold">
+                            <p:stCondLst>
+                              <p:cond delay="0"/>
+                            </p:stCondLst>
+                            <p:childTnLst>
+                              <p:par>
+                                <p:cTn id="11" presetID="1" presetClass="entr" presetSubtype="0" fill="hold" grpId="0" nodeType="clickEffect">
+                                  <p:stCondLst>
+                                    <p:cond delay="0"/>
+                                  </p:stCondLst>
+                                  <p:childTnLst>
+                                    <p:set>
+                                      <p:cBhvr>
+                                        <p:cTn id="12" dur="1" fill="hold">
+                                          <p:stCondLst>
+                                            <p:cond delay="0"/>
+                                          </p:stCondLst>
+                                        </p:cTn>
+                                        <p:tgtEl>
                                           <p:spTgt spid="9"/>
+                                        </p:tgtEl>
+                                        <p:attrNameLst>
+                                          <p:attrName>style.visibility</p:attrName>
+                                        </p:attrNameLst>
+                                      </p:cBhvr>
+                                      <p:to>
+                                        <p:strVal val="visible"/>
+                                      </p:to>
+                                    </p:set>
+                                  </p:childTnLst>
+                                </p:cTn>
+                              </p:par>
+                              <p:par>
+                                <p:cTn id="13" presetID="1" presetClass="entr" presetSubtype="0" fill="hold" nodeType="withEffect">
+                                  <p:stCondLst>
+                                    <p:cond delay="0"/>
+                                  </p:stCondLst>
+                                  <p:childTnLst>
+                                    <p:set>
+                                      <p:cBhvr>
+                                        <p:cTn id="14" dur="1" fill="hold">
+                                          <p:stCondLst>
+                                            <p:cond delay="0"/>
+                                          </p:stCondLst>
+                                        </p:cTn>
+                                        <p:tgtEl>
+                                          <p:spTgt spid="8"/>
                                         </p:tgtEl>
                                         <p:attrNameLst>
                                           <p:attrName>style.visibility</p:attrName>
@@ -20438,7 +22134,7 @@
 </p:sld>
 </file>
 
-<file path=ppt/slides/slide28.xml><?xml version="1.0" encoding="utf-8"?>
+<file path=ppt/slides/slide27.xml><?xml version="1.0" encoding="utf-8"?>
 <p:sld xmlns:a="http://schemas.openxmlformats.org/drawingml/2006/main" xmlns:r="http://schemas.openxmlformats.org/officeDocument/2006/relationships" xmlns:p="http://schemas.openxmlformats.org/presentationml/2006/main">
   <p:cSld>
     <p:spTree>
@@ -20479,7 +22175,7 @@
             <a:fld id="{2BF067CD-8E6B-4360-9AA8-C5DF2A48A6D1}" type="slidenum">
               <a:rPr lang="en-US" noProof="0" smtClean="0"/>
               <a:pPr/>
-              <a:t>28</a:t>
+              <a:t>27</a:t>
             </a:fld>
             <a:endParaRPr lang="en-US" noProof="0" dirty="0"/>
           </a:p>
@@ -20555,15 +22251,7 @@
             </a:r>
             <a:r>
               <a:rPr lang="bg-BG" dirty="0"/>
-              <a:t> </a:t>
-            </a:r>
-            <a:r>
-              <a:rPr lang="bg-BG" dirty="0" err="1"/>
-              <a:t>кликаме</a:t>
-            </a:r>
-            <a:r>
-              <a:rPr lang="bg-BG" dirty="0"/>
-              <a:t> </a:t>
+              <a:t> кликаме върху </a:t>
             </a:r>
             <a:r>
               <a:rPr lang="en-US" b="1" dirty="0">
@@ -20792,7 +22480,7 @@
                             </p:stCondLst>
                             <p:childTnLst>
                               <p:par>
-                                <p:cTn id="5" presetID="1" presetClass="entr" presetSubtype="0" fill="hold" grpId="0" nodeType="withEffect">
+                                <p:cTn id="5" presetID="1" presetClass="entr" presetSubtype="0" fill="hold" nodeType="withEffect">
                                   <p:stCondLst>
                                     <p:cond delay="0"/>
                                   </p:stCondLst>
@@ -20805,7 +22493,110 @@
                                           </p:stCondLst>
                                         </p:cTn>
                                         <p:tgtEl>
+                                          <p:spTgt spid="3">
+                                            <p:txEl>
+                                              <p:pRg st="0" end="0"/>
+                                            </p:txEl>
+                                          </p:spTgt>
+                                        </p:tgtEl>
+                                        <p:attrNameLst>
+                                          <p:attrName>style.visibility</p:attrName>
+                                        </p:attrNameLst>
+                                      </p:cBhvr>
+                                      <p:to>
+                                        <p:strVal val="visible"/>
+                                      </p:to>
+                                    </p:set>
+                                  </p:childTnLst>
+                                </p:cTn>
+                              </p:par>
+                              <p:par>
+                                <p:cTn id="7" presetID="1" presetClass="entr" presetSubtype="0" fill="hold" nodeType="withEffect">
+                                  <p:stCondLst>
+                                    <p:cond delay="0"/>
+                                  </p:stCondLst>
+                                  <p:childTnLst>
+                                    <p:set>
+                                      <p:cBhvr>
+                                        <p:cTn id="8" dur="1" fill="hold">
+                                          <p:stCondLst>
+                                            <p:cond delay="0"/>
+                                          </p:stCondLst>
+                                        </p:cTn>
+                                        <p:tgtEl>
+                                          <p:spTgt spid="7"/>
+                                        </p:tgtEl>
+                                        <p:attrNameLst>
+                                          <p:attrName>style.visibility</p:attrName>
+                                        </p:attrNameLst>
+                                      </p:cBhvr>
+                                      <p:to>
+                                        <p:strVal val="visible"/>
+                                      </p:to>
+                                    </p:set>
+                                  </p:childTnLst>
+                                </p:cTn>
+                              </p:par>
+                            </p:childTnLst>
+                          </p:cTn>
+                        </p:par>
+                      </p:childTnLst>
+                    </p:cTn>
+                  </p:par>
+                  <p:par>
+                    <p:cTn id="9" fill="hold">
+                      <p:stCondLst>
+                        <p:cond delay="indefinite"/>
+                      </p:stCondLst>
+                      <p:childTnLst>
+                        <p:par>
+                          <p:cTn id="10" fill="hold">
+                            <p:stCondLst>
+                              <p:cond delay="0"/>
+                            </p:stCondLst>
+                            <p:childTnLst>
+                              <p:par>
+                                <p:cTn id="11" presetID="1" presetClass="entr" presetSubtype="0" fill="hold" grpId="0" nodeType="clickEffect">
+                                  <p:stCondLst>
+                                    <p:cond delay="0"/>
+                                  </p:stCondLst>
+                                  <p:childTnLst>
+                                    <p:set>
+                                      <p:cBhvr>
+                                        <p:cTn id="12" dur="1" fill="hold">
+                                          <p:stCondLst>
+                                            <p:cond delay="0"/>
+                                          </p:stCondLst>
+                                        </p:cTn>
+                                        <p:tgtEl>
                                           <p:spTgt spid="10"/>
+                                        </p:tgtEl>
+                                        <p:attrNameLst>
+                                          <p:attrName>style.visibility</p:attrName>
+                                        </p:attrNameLst>
+                                      </p:cBhvr>
+                                      <p:to>
+                                        <p:strVal val="visible"/>
+                                      </p:to>
+                                    </p:set>
+                                  </p:childTnLst>
+                                </p:cTn>
+                              </p:par>
+                              <p:par>
+                                <p:cTn id="13" presetID="1" presetClass="entr" presetSubtype="0" fill="hold" nodeType="withEffect">
+                                  <p:stCondLst>
+                                    <p:cond delay="0"/>
+                                  </p:stCondLst>
+                                  <p:childTnLst>
+                                    <p:set>
+                                      <p:cBhvr>
+                                        <p:cTn id="14" dur="1" fill="hold">
+                                          <p:stCondLst>
+                                            <p:cond delay="0"/>
+                                          </p:stCondLst>
+                                        </p:cTn>
+                                        <p:tgtEl>
+                                          <p:spTgt spid="9"/>
                                         </p:tgtEl>
                                         <p:attrNameLst>
                                           <p:attrName>style.visibility</p:attrName>
@@ -20852,7 +22643,7 @@
 </p:sld>
 </file>
 
-<file path=ppt/slides/slide29.xml><?xml version="1.0" encoding="utf-8"?>
+<file path=ppt/slides/slide28.xml><?xml version="1.0" encoding="utf-8"?>
 <p:sld xmlns:a="http://schemas.openxmlformats.org/drawingml/2006/main" xmlns:r="http://schemas.openxmlformats.org/officeDocument/2006/relationships" xmlns:p="http://schemas.openxmlformats.org/presentationml/2006/main">
   <p:cSld>
     <p:spTree>
@@ -20893,7 +22684,7 @@
             <a:fld id="{2BF067CD-8E6B-4360-9AA8-C5DF2A48A6D1}" type="slidenum">
               <a:rPr lang="en-US" noProof="0" smtClean="0"/>
               <a:pPr/>
-              <a:t>29</a:t>
+              <a:t>28</a:t>
             </a:fld>
             <a:endParaRPr lang="en-US" noProof="0" dirty="0"/>
           </a:p>
@@ -21414,7 +23205,7 @@
                             </p:stCondLst>
                             <p:childTnLst>
                               <p:par>
-                                <p:cTn id="5" presetID="1" presetClass="entr" presetSubtype="0" fill="hold" grpId="0" nodeType="withEffect">
+                                <p:cTn id="5" presetID="1" presetClass="entr" presetSubtype="0" fill="hold" nodeType="withEffect">
                                   <p:stCondLst>
                                     <p:cond delay="0"/>
                                   </p:stCondLst>
@@ -21427,7 +23218,11 @@
                                           </p:stCondLst>
                                         </p:cTn>
                                         <p:tgtEl>
-                                          <p:spTgt spid="13"/>
+                                          <p:spTgt spid="3">
+                                            <p:txEl>
+                                              <p:pRg st="0" end="0"/>
+                                            </p:txEl>
+                                          </p:spTgt>
                                         </p:tgtEl>
                                         <p:attrNameLst>
                                           <p:attrName>style.visibility</p:attrName>
@@ -21440,26 +23235,39 @@
                                   </p:childTnLst>
                                 </p:cTn>
                               </p:par>
-                            </p:childTnLst>
-                          </p:cTn>
-                        </p:par>
-                      </p:childTnLst>
-                    </p:cTn>
-                  </p:par>
-                  <p:par>
-                    <p:cTn id="7" fill="hold">
-                      <p:stCondLst>
-                        <p:cond delay="indefinite"/>
-                      </p:stCondLst>
-                      <p:childTnLst>
-                        <p:par>
-                          <p:cTn id="8" fill="hold">
-                            <p:stCondLst>
-                              <p:cond delay="0"/>
-                            </p:stCondLst>
-                            <p:childTnLst>
                               <p:par>
-                                <p:cTn id="9" presetID="1" presetClass="entr" presetSubtype="0" fill="hold" grpId="0" nodeType="clickEffect">
+                                <p:cTn id="7" presetID="1" presetClass="entr" presetSubtype="0" fill="hold" nodeType="withEffect">
+                                  <p:stCondLst>
+                                    <p:cond delay="0"/>
+                                  </p:stCondLst>
+                                  <p:childTnLst>
+                                    <p:set>
+                                      <p:cBhvr>
+                                        <p:cTn id="8" dur="1" fill="hold">
+                                          <p:stCondLst>
+                                            <p:cond delay="0"/>
+                                          </p:stCondLst>
+                                        </p:cTn>
+                                        <p:tgtEl>
+                                          <p:spTgt spid="3">
+                                            <p:txEl>
+                                              <p:pRg st="1" end="1"/>
+                                            </p:txEl>
+                                          </p:spTgt>
+                                        </p:tgtEl>
+                                        <p:attrNameLst>
+                                          <p:attrName>style.visibility</p:attrName>
+                                        </p:attrNameLst>
+                                      </p:cBhvr>
+                                      <p:to>
+                                        <p:strVal val="visible"/>
+                                      </p:to>
+                                    </p:set>
+                                  </p:childTnLst>
+                                </p:cTn>
+                              </p:par>
+                              <p:par>
+                                <p:cTn id="9" presetID="1" presetClass="entr" presetSubtype="0" fill="hold" grpId="0" nodeType="withEffect">
                                   <p:stCondLst>
                                     <p:cond delay="0"/>
                                   </p:stCondLst>
@@ -21485,6 +23293,33 @@
                                   </p:childTnLst>
                                 </p:cTn>
                               </p:par>
+                              <p:par>
+                                <p:cTn id="11" presetID="1" presetClass="entr" presetSubtype="0" fill="hold" nodeType="withEffect">
+                                  <p:stCondLst>
+                                    <p:cond delay="0"/>
+                                  </p:stCondLst>
+                                  <p:childTnLst>
+                                    <p:set>
+                                      <p:cBhvr>
+                                        <p:cTn id="12" dur="1" fill="hold">
+                                          <p:stCondLst>
+                                            <p:cond delay="0"/>
+                                          </p:stCondLst>
+                                        </p:cTn>
+                                        <p:tgtEl>
+                                          <p:spTgt spid="9"/>
+                                        </p:tgtEl>
+                                        <p:attrNameLst>
+                                          <p:attrName>style.visibility</p:attrName>
+                                        </p:attrNameLst>
+                                      </p:cBhvr>
+                                      <p:to>
+                                        <p:strVal val="visible"/>
+                                      </p:to>
+                                    </p:set>
+                                  </p:childTnLst>
+                                </p:cTn>
+                              </p:par>
                             </p:childTnLst>
                           </p:cTn>
                         </p:par>
@@ -21492,32 +23327,197 @@
                     </p:cTn>
                   </p:par>
                   <p:par>
-                    <p:cTn id="11" fill="hold">
+                    <p:cTn id="13" fill="hold">
                       <p:stCondLst>
                         <p:cond delay="indefinite"/>
                       </p:stCondLst>
                       <p:childTnLst>
                         <p:par>
-                          <p:cTn id="12" fill="hold">
+                          <p:cTn id="14" fill="hold">
                             <p:stCondLst>
                               <p:cond delay="0"/>
                             </p:stCondLst>
                             <p:childTnLst>
                               <p:par>
-                                <p:cTn id="13" presetID="1" presetClass="entr" presetSubtype="0" fill="hold" grpId="0" nodeType="clickEffect">
+                                <p:cTn id="15" presetID="1" presetClass="entr" presetSubtype="0" fill="hold" nodeType="clickEffect">
                                   <p:stCondLst>
                                     <p:cond delay="0"/>
                                   </p:stCondLst>
                                   <p:childTnLst>
                                     <p:set>
                                       <p:cBhvr>
-                                        <p:cTn id="14" dur="1" fill="hold">
+                                        <p:cTn id="16" dur="1" fill="hold">
+                                          <p:stCondLst>
+                                            <p:cond delay="0"/>
+                                          </p:stCondLst>
+                                        </p:cTn>
+                                        <p:tgtEl>
+                                          <p:spTgt spid="3">
+                                            <p:txEl>
+                                              <p:pRg st="3" end="3"/>
+                                            </p:txEl>
+                                          </p:spTgt>
+                                        </p:tgtEl>
+                                        <p:attrNameLst>
+                                          <p:attrName>style.visibility</p:attrName>
+                                        </p:attrNameLst>
+                                      </p:cBhvr>
+                                      <p:to>
+                                        <p:strVal val="visible"/>
+                                      </p:to>
+                                    </p:set>
+                                  </p:childTnLst>
+                                </p:cTn>
+                              </p:par>
+                              <p:par>
+                                <p:cTn id="17" presetID="1" presetClass="entr" presetSubtype="0" fill="hold" nodeType="withEffect">
+                                  <p:stCondLst>
+                                    <p:cond delay="0"/>
+                                  </p:stCondLst>
+                                  <p:childTnLst>
+                                    <p:set>
+                                      <p:cBhvr>
+                                        <p:cTn id="18" dur="1" fill="hold">
+                                          <p:stCondLst>
+                                            <p:cond delay="0"/>
+                                          </p:stCondLst>
+                                        </p:cTn>
+                                        <p:tgtEl>
+                                          <p:spTgt spid="3">
+                                            <p:txEl>
+                                              <p:pRg st="4" end="4"/>
+                                            </p:txEl>
+                                          </p:spTgt>
+                                        </p:tgtEl>
+                                        <p:attrNameLst>
+                                          <p:attrName>style.visibility</p:attrName>
+                                        </p:attrNameLst>
+                                      </p:cBhvr>
+                                      <p:to>
+                                        <p:strVal val="visible"/>
+                                      </p:to>
+                                    </p:set>
+                                  </p:childTnLst>
+                                </p:cTn>
+                              </p:par>
+                              <p:par>
+                                <p:cTn id="19" presetID="1" presetClass="entr" presetSubtype="0" fill="hold" grpId="0" nodeType="withEffect">
+                                  <p:stCondLst>
+                                    <p:cond delay="0"/>
+                                  </p:stCondLst>
+                                  <p:childTnLst>
+                                    <p:set>
+                                      <p:cBhvr>
+                                        <p:cTn id="20" dur="1" fill="hold">
                                           <p:stCondLst>
                                             <p:cond delay="0"/>
                                           </p:stCondLst>
                                         </p:cTn>
                                         <p:tgtEl>
                                           <p:spTgt spid="6"/>
+                                        </p:tgtEl>
+                                        <p:attrNameLst>
+                                          <p:attrName>style.visibility</p:attrName>
+                                        </p:attrNameLst>
+                                      </p:cBhvr>
+                                      <p:to>
+                                        <p:strVal val="visible"/>
+                                      </p:to>
+                                    </p:set>
+                                  </p:childTnLst>
+                                </p:cTn>
+                              </p:par>
+                            </p:childTnLst>
+                          </p:cTn>
+                        </p:par>
+                      </p:childTnLst>
+                    </p:cTn>
+                  </p:par>
+                  <p:par>
+                    <p:cTn id="21" fill="hold">
+                      <p:stCondLst>
+                        <p:cond delay="indefinite"/>
+                      </p:stCondLst>
+                      <p:childTnLst>
+                        <p:par>
+                          <p:cTn id="22" fill="hold">
+                            <p:stCondLst>
+                              <p:cond delay="0"/>
+                            </p:stCondLst>
+                            <p:childTnLst>
+                              <p:par>
+                                <p:cTn id="23" presetID="1" presetClass="entr" presetSubtype="0" fill="hold" nodeType="clickEffect">
+                                  <p:stCondLst>
+                                    <p:cond delay="0"/>
+                                  </p:stCondLst>
+                                  <p:childTnLst>
+                                    <p:set>
+                                      <p:cBhvr>
+                                        <p:cTn id="24" dur="1" fill="hold">
+                                          <p:stCondLst>
+                                            <p:cond delay="0"/>
+                                          </p:stCondLst>
+                                        </p:cTn>
+                                        <p:tgtEl>
+                                          <p:spTgt spid="3">
+                                            <p:txEl>
+                                              <p:pRg st="6" end="6"/>
+                                            </p:txEl>
+                                          </p:spTgt>
+                                        </p:tgtEl>
+                                        <p:attrNameLst>
+                                          <p:attrName>style.visibility</p:attrName>
+                                        </p:attrNameLst>
+                                      </p:cBhvr>
+                                      <p:to>
+                                        <p:strVal val="visible"/>
+                                      </p:to>
+                                    </p:set>
+                                  </p:childTnLst>
+                                </p:cTn>
+                              </p:par>
+                              <p:par>
+                                <p:cTn id="25" presetID="1" presetClass="entr" presetSubtype="0" fill="hold" grpId="0" nodeType="withEffect">
+                                  <p:stCondLst>
+                                    <p:cond delay="0"/>
+                                  </p:stCondLst>
+                                  <p:childTnLst>
+                                    <p:set>
+                                      <p:cBhvr>
+                                        <p:cTn id="26" dur="1" fill="hold">
+                                          <p:stCondLst>
+                                            <p:cond delay="0"/>
+                                          </p:stCondLst>
+                                        </p:cTn>
+                                        <p:tgtEl>
+                                          <p:spTgt spid="13"/>
+                                        </p:tgtEl>
+                                        <p:attrNameLst>
+                                          <p:attrName>style.visibility</p:attrName>
+                                        </p:attrNameLst>
+                                      </p:cBhvr>
+                                      <p:to>
+                                        <p:strVal val="visible"/>
+                                      </p:to>
+                                    </p:set>
+                                  </p:childTnLst>
+                                </p:cTn>
+                              </p:par>
+                              <p:par>
+                                <p:cTn id="27" presetID="1" presetClass="entr" presetSubtype="0" fill="hold" nodeType="withEffect">
+                                  <p:stCondLst>
+                                    <p:cond delay="0"/>
+                                  </p:stCondLst>
+                                  <p:childTnLst>
+                                    <p:set>
+                                      <p:cBhvr>
+                                        <p:cTn id="28" dur="1" fill="hold">
+                                          <p:stCondLst>
+                                            <p:cond delay="0"/>
+                                          </p:stCondLst>
+                                        </p:cTn>
+                                        <p:tgtEl>
+                                          <p:spTgt spid="11"/>
                                         </p:tgtEl>
                                         <p:attrNameLst>
                                           <p:attrName>style.visibility</p:attrName>
@@ -21566,142 +23566,7 @@
 </p:sld>
 </file>
 
-<file path=ppt/slides/slide3.xml><?xml version="1.0" encoding="utf-8"?>
-<p:sld xmlns:a="http://schemas.openxmlformats.org/drawingml/2006/main" xmlns:r="http://schemas.openxmlformats.org/officeDocument/2006/relationships" xmlns:p="http://schemas.openxmlformats.org/presentationml/2006/main">
-  <p:cSld>
-    <p:spTree>
-      <p:nvGrpSpPr>
-        <p:cNvPr id="1" name=""/>
-        <p:cNvGrpSpPr/>
-        <p:nvPr/>
-      </p:nvGrpSpPr>
-      <p:grpSpPr>
-        <a:xfrm>
-          <a:off x="0" y="0"/>
-          <a:ext cx="0" cy="0"/>
-          <a:chOff x="0" y="0"/>
-          <a:chExt cx="0" cy="0"/>
-        </a:xfrm>
-      </p:grpSpPr>
-      <p:sp>
-        <p:nvSpPr>
-          <p:cNvPr id="4" name="Slide Subtitle">
-            <a:extLst>
-              <a:ext uri="{FF2B5EF4-FFF2-40B4-BE49-F238E27FC236}">
-                <a16:creationId xmlns:a16="http://schemas.microsoft.com/office/drawing/2014/main" id="{BEB5BB41-09D4-4E9F-8C80-EE8709171CB3}"/>
-              </a:ext>
-            </a:extLst>
-          </p:cNvPr>
-          <p:cNvSpPr>
-            <a:spLocks noGrp="1"/>
-          </p:cNvSpPr>
-          <p:nvPr>
-            <p:ph type="subTitle" sz="quarter" idx="11"/>
-          </p:nvPr>
-        </p:nvSpPr>
-        <p:spPr/>
-        <p:txBody>
-          <a:bodyPr/>
-          <a:lstStyle/>
-          <a:p>
-            <a:r>
-              <a:rPr lang="en-US" dirty="0"/>
-              <a:t>Object-Relational Mapping</a:t>
-            </a:r>
-            <a:endParaRPr lang="bg-BG" dirty="0"/>
-          </a:p>
-        </p:txBody>
-      </p:sp>
-      <p:sp>
-        <p:nvSpPr>
-          <p:cNvPr id="6" name="Slide Title">
-            <a:extLst>
-              <a:ext uri="{FF2B5EF4-FFF2-40B4-BE49-F238E27FC236}">
-                <a16:creationId xmlns:a16="http://schemas.microsoft.com/office/drawing/2014/main" id="{028D9EA3-B5E0-4F17-9467-4BE3C280DA68}"/>
-              </a:ext>
-            </a:extLst>
-          </p:cNvPr>
-          <p:cNvSpPr>
-            <a:spLocks noGrp="1"/>
-          </p:cNvSpPr>
-          <p:nvPr>
-            <p:ph type="title" sz="quarter" idx="10"/>
-          </p:nvPr>
-        </p:nvSpPr>
-        <p:spPr/>
-        <p:txBody>
-          <a:bodyPr/>
-          <a:lstStyle/>
-          <a:p>
-            <a:r>
-              <a:rPr lang="bg-BG" dirty="0"/>
-              <a:t>Какво е </a:t>
-            </a:r>
-            <a:r>
-              <a:rPr lang="en-US" dirty="0"/>
-              <a:t>ORM?</a:t>
-            </a:r>
-          </a:p>
-        </p:txBody>
-      </p:sp>
-      <p:pic>
-        <p:nvPicPr>
-          <p:cNvPr id="8" name="Picture 7">
-            <a:extLst>
-              <a:ext uri="{FF2B5EF4-FFF2-40B4-BE49-F238E27FC236}">
-                <a16:creationId xmlns:a16="http://schemas.microsoft.com/office/drawing/2014/main" id="{0FAD798F-68A8-264A-F25C-7525C06EB04D}"/>
-              </a:ext>
-            </a:extLst>
-          </p:cNvPr>
-          <p:cNvPicPr>
-            <a:picLocks noChangeAspect="1"/>
-          </p:cNvPicPr>
-          <p:nvPr/>
-        </p:nvPicPr>
-        <p:blipFill>
-          <a:blip r:embed="rId3">
-            <a:extLst>
-              <a:ext uri="{28A0092B-C50C-407E-A947-70E740481C1C}">
-                <a14:useLocalDpi xmlns:a14="http://schemas.microsoft.com/office/drawing/2010/main" val="0"/>
-              </a:ext>
-            </a:extLst>
-          </a:blip>
-          <a:stretch>
-            <a:fillRect/>
-          </a:stretch>
-        </p:blipFill>
-        <p:spPr>
-          <a:xfrm>
-            <a:off x="5092700" y="1718741"/>
-            <a:ext cx="2006600" cy="2006600"/>
-          </a:xfrm>
-          <a:prstGeom prst="rect">
-            <a:avLst/>
-          </a:prstGeom>
-        </p:spPr>
-      </p:pic>
-    </p:spTree>
-    <p:extLst>
-      <p:ext uri="{BB962C8B-B14F-4D97-AF65-F5344CB8AC3E}">
-        <p14:creationId xmlns:p14="http://schemas.microsoft.com/office/powerpoint/2010/main" val="882194472"/>
-      </p:ext>
-    </p:extLst>
-  </p:cSld>
-  <p:clrMapOvr>
-    <a:masterClrMapping/>
-  </p:clrMapOvr>
-  <mc:AlternateContent xmlns:mc="http://schemas.openxmlformats.org/markup-compatibility/2006" xmlns:p14="http://schemas.microsoft.com/office/powerpoint/2010/main">
-    <mc:Choice Requires="p14">
-      <p:transition spd="slow" p14:dur="2000" advClick="0" advTm="5000"/>
-    </mc:Choice>
-    <mc:Fallback xmlns="">
-      <p:transition spd="slow" advClick="0" advTm="5000"/>
-    </mc:Fallback>
-  </mc:AlternateContent>
-</p:sld>
-</file>
-
-<file path=ppt/slides/slide30.xml><?xml version="1.0" encoding="utf-8"?>
+<file path=ppt/slides/slide29.xml><?xml version="1.0" encoding="utf-8"?>
 <p:sld xmlns:a="http://schemas.openxmlformats.org/drawingml/2006/main" xmlns:r="http://schemas.openxmlformats.org/officeDocument/2006/relationships" xmlns:p="http://schemas.openxmlformats.org/presentationml/2006/main">
   <p:cSld>
     <p:spTree>
@@ -21742,7 +23607,7 @@
             <a:fld id="{2BF067CD-8E6B-4360-9AA8-C5DF2A48A6D1}" type="slidenum">
               <a:rPr lang="en-US" noProof="0" smtClean="0"/>
               <a:pPr/>
-              <a:t>30</a:t>
+              <a:t>29</a:t>
             </a:fld>
             <a:endParaRPr lang="en-US" noProof="0" dirty="0"/>
           </a:p>
@@ -21993,7 +23858,7 @@
           <a:lstStyle/>
           <a:p>
             <a:pPr algn="ctr"/>
-            <a:endParaRPr lang="en-US" sz="2799"/>
+            <a:endParaRPr lang="en-US" sz="2799" dirty="0"/>
           </a:p>
         </p:txBody>
       </p:sp>
@@ -22039,7 +23904,7 @@
                             </p:stCondLst>
                             <p:childTnLst>
                               <p:par>
-                                <p:cTn id="5" presetID="1" presetClass="entr" presetSubtype="0" fill="hold" grpId="0" nodeType="withEffect">
+                                <p:cTn id="5" presetID="1" presetClass="entr" presetSubtype="0" fill="hold" nodeType="withEffect">
                                   <p:stCondLst>
                                     <p:cond delay="0"/>
                                   </p:stCondLst>
@@ -22052,7 +23917,190 @@
                                           </p:stCondLst>
                                         </p:cTn>
                                         <p:tgtEl>
+                                          <p:spTgt spid="3">
+                                            <p:txEl>
+                                              <p:pRg st="0" end="0"/>
+                                            </p:txEl>
+                                          </p:spTgt>
+                                        </p:tgtEl>
+                                        <p:attrNameLst>
+                                          <p:attrName>style.visibility</p:attrName>
+                                        </p:attrNameLst>
+                                      </p:cBhvr>
+                                      <p:to>
+                                        <p:strVal val="visible"/>
+                                      </p:to>
+                                    </p:set>
+                                  </p:childTnLst>
+                                </p:cTn>
+                              </p:par>
+                              <p:par>
+                                <p:cTn id="7" presetID="1" presetClass="entr" presetSubtype="0" fill="hold" nodeType="withEffect">
+                                  <p:stCondLst>
+                                    <p:cond delay="0"/>
+                                  </p:stCondLst>
+                                  <p:childTnLst>
+                                    <p:set>
+                                      <p:cBhvr>
+                                        <p:cTn id="8" dur="1" fill="hold">
+                                          <p:stCondLst>
+                                            <p:cond delay="0"/>
+                                          </p:stCondLst>
+                                        </p:cTn>
+                                        <p:tgtEl>
+                                          <p:spTgt spid="23"/>
+                                        </p:tgtEl>
+                                        <p:attrNameLst>
+                                          <p:attrName>style.visibility</p:attrName>
+                                        </p:attrNameLst>
+                                      </p:cBhvr>
+                                      <p:to>
+                                        <p:strVal val="visible"/>
+                                      </p:to>
+                                    </p:set>
+                                  </p:childTnLst>
+                                </p:cTn>
+                              </p:par>
+                            </p:childTnLst>
+                          </p:cTn>
+                        </p:par>
+                      </p:childTnLst>
+                    </p:cTn>
+                  </p:par>
+                  <p:par>
+                    <p:cTn id="9" fill="hold">
+                      <p:stCondLst>
+                        <p:cond delay="indefinite"/>
+                      </p:stCondLst>
+                      <p:childTnLst>
+                        <p:par>
+                          <p:cTn id="10" fill="hold">
+                            <p:stCondLst>
+                              <p:cond delay="0"/>
+                            </p:stCondLst>
+                            <p:childTnLst>
+                              <p:par>
+                                <p:cTn id="11" presetID="1" presetClass="entr" presetSubtype="0" fill="hold" nodeType="clickEffect">
+                                  <p:stCondLst>
+                                    <p:cond delay="0"/>
+                                  </p:stCondLst>
+                                  <p:childTnLst>
+                                    <p:set>
+                                      <p:cBhvr>
+                                        <p:cTn id="12" dur="1" fill="hold">
+                                          <p:stCondLst>
+                                            <p:cond delay="0"/>
+                                          </p:stCondLst>
+                                        </p:cTn>
+                                        <p:tgtEl>
+                                          <p:spTgt spid="3">
+                                            <p:txEl>
+                                              <p:pRg st="1" end="1"/>
+                                            </p:txEl>
+                                          </p:spTgt>
+                                        </p:tgtEl>
+                                        <p:attrNameLst>
+                                          <p:attrName>style.visibility</p:attrName>
+                                        </p:attrNameLst>
+                                      </p:cBhvr>
+                                      <p:to>
+                                        <p:strVal val="visible"/>
+                                      </p:to>
+                                    </p:set>
+                                  </p:childTnLst>
+                                </p:cTn>
+                              </p:par>
+                            </p:childTnLst>
+                          </p:cTn>
+                        </p:par>
+                      </p:childTnLst>
+                    </p:cTn>
+                  </p:par>
+                  <p:par>
+                    <p:cTn id="13" fill="hold">
+                      <p:stCondLst>
+                        <p:cond delay="indefinite"/>
+                      </p:stCondLst>
+                      <p:childTnLst>
+                        <p:par>
+                          <p:cTn id="14" fill="hold">
+                            <p:stCondLst>
+                              <p:cond delay="0"/>
+                            </p:stCondLst>
+                            <p:childTnLst>
+                              <p:par>
+                                <p:cTn id="15" presetID="1" presetClass="entr" presetSubtype="0" fill="hold" nodeType="clickEffect">
+                                  <p:stCondLst>
+                                    <p:cond delay="0"/>
+                                  </p:stCondLst>
+                                  <p:childTnLst>
+                                    <p:set>
+                                      <p:cBhvr>
+                                        <p:cTn id="16" dur="1" fill="hold">
+                                          <p:stCondLst>
+                                            <p:cond delay="0"/>
+                                          </p:stCondLst>
+                                        </p:cTn>
+                                        <p:tgtEl>
+                                          <p:spTgt spid="3">
+                                            <p:txEl>
+                                              <p:pRg st="2" end="2"/>
+                                            </p:txEl>
+                                          </p:spTgt>
+                                        </p:tgtEl>
+                                        <p:attrNameLst>
+                                          <p:attrName>style.visibility</p:attrName>
+                                        </p:attrNameLst>
+                                      </p:cBhvr>
+                                      <p:to>
+                                        <p:strVal val="visible"/>
+                                      </p:to>
+                                    </p:set>
+                                  </p:childTnLst>
+                                </p:cTn>
+                              </p:par>
+                              <p:par>
+                                <p:cTn id="17" presetID="1" presetClass="entr" presetSubtype="0" fill="hold" grpId="0" nodeType="withEffect">
+                                  <p:stCondLst>
+                                    <p:cond delay="0"/>
+                                  </p:stCondLst>
+                                  <p:childTnLst>
+                                    <p:set>
+                                      <p:cBhvr>
+                                        <p:cTn id="18" dur="1" fill="hold">
+                                          <p:stCondLst>
+                                            <p:cond delay="0"/>
+                                          </p:stCondLst>
+                                        </p:cTn>
+                                        <p:tgtEl>
                                           <p:spTgt spid="5"/>
+                                        </p:tgtEl>
+                                        <p:attrNameLst>
+                                          <p:attrName>style.visibility</p:attrName>
+                                        </p:attrNameLst>
+                                      </p:cBhvr>
+                                      <p:to>
+                                        <p:strVal val="visible"/>
+                                      </p:to>
+                                    </p:set>
+                                  </p:childTnLst>
+                                </p:cTn>
+                              </p:par>
+                              <p:par>
+                                <p:cTn id="19" presetID="1" presetClass="entr" presetSubtype="0" fill="hold" nodeType="withEffect">
+                                  <p:stCondLst>
+                                    <p:cond delay="0"/>
+                                  </p:stCondLst>
+                                  <p:childTnLst>
+                                    <p:set>
+                                      <p:cBhvr>
+                                        <p:cTn id="20" dur="1" fill="hold">
+                                          <p:stCondLst>
+                                            <p:cond delay="0"/>
+                                          </p:stCondLst>
+                                        </p:cTn>
+                                        <p:tgtEl>
+                                          <p:spTgt spid="12"/>
                                         </p:tgtEl>
                                         <p:attrNameLst>
                                           <p:attrName>style.visibility</p:attrName>
@@ -22099,7 +24147,142 @@
 </p:sld>
 </file>
 
-<file path=ppt/slides/slide31.xml><?xml version="1.0" encoding="utf-8"?>
+<file path=ppt/slides/slide3.xml><?xml version="1.0" encoding="utf-8"?>
+<p:sld xmlns:a="http://schemas.openxmlformats.org/drawingml/2006/main" xmlns:r="http://schemas.openxmlformats.org/officeDocument/2006/relationships" xmlns:p="http://schemas.openxmlformats.org/presentationml/2006/main">
+  <p:cSld>
+    <p:spTree>
+      <p:nvGrpSpPr>
+        <p:cNvPr id="1" name=""/>
+        <p:cNvGrpSpPr/>
+        <p:nvPr/>
+      </p:nvGrpSpPr>
+      <p:grpSpPr>
+        <a:xfrm>
+          <a:off x="0" y="0"/>
+          <a:ext cx="0" cy="0"/>
+          <a:chOff x="0" y="0"/>
+          <a:chExt cx="0" cy="0"/>
+        </a:xfrm>
+      </p:grpSpPr>
+      <p:sp>
+        <p:nvSpPr>
+          <p:cNvPr id="4" name="Slide Subtitle">
+            <a:extLst>
+              <a:ext uri="{FF2B5EF4-FFF2-40B4-BE49-F238E27FC236}">
+                <a16:creationId xmlns:a16="http://schemas.microsoft.com/office/drawing/2014/main" id="{BEB5BB41-09D4-4E9F-8C80-EE8709171CB3}"/>
+              </a:ext>
+            </a:extLst>
+          </p:cNvPr>
+          <p:cNvSpPr>
+            <a:spLocks noGrp="1"/>
+          </p:cNvSpPr>
+          <p:nvPr>
+            <p:ph type="subTitle" sz="quarter" idx="11"/>
+          </p:nvPr>
+        </p:nvSpPr>
+        <p:spPr/>
+        <p:txBody>
+          <a:bodyPr/>
+          <a:lstStyle/>
+          <a:p>
+            <a:r>
+              <a:rPr lang="en-US" dirty="0"/>
+              <a:t>Object-Relational Mapping</a:t>
+            </a:r>
+            <a:endParaRPr lang="bg-BG" dirty="0"/>
+          </a:p>
+        </p:txBody>
+      </p:sp>
+      <p:sp>
+        <p:nvSpPr>
+          <p:cNvPr id="6" name="Slide Title">
+            <a:extLst>
+              <a:ext uri="{FF2B5EF4-FFF2-40B4-BE49-F238E27FC236}">
+                <a16:creationId xmlns:a16="http://schemas.microsoft.com/office/drawing/2014/main" id="{028D9EA3-B5E0-4F17-9467-4BE3C280DA68}"/>
+              </a:ext>
+            </a:extLst>
+          </p:cNvPr>
+          <p:cNvSpPr>
+            <a:spLocks noGrp="1"/>
+          </p:cNvSpPr>
+          <p:nvPr>
+            <p:ph type="title" sz="quarter" idx="10"/>
+          </p:nvPr>
+        </p:nvSpPr>
+        <p:spPr/>
+        <p:txBody>
+          <a:bodyPr/>
+          <a:lstStyle/>
+          <a:p>
+            <a:r>
+              <a:rPr lang="bg-BG" dirty="0"/>
+              <a:t>Какво е </a:t>
+            </a:r>
+            <a:r>
+              <a:rPr lang="en-US" dirty="0"/>
+              <a:t>ORM?</a:t>
+            </a:r>
+          </a:p>
+        </p:txBody>
+      </p:sp>
+      <p:pic>
+        <p:nvPicPr>
+          <p:cNvPr id="8" name="Picture 7">
+            <a:extLst>
+              <a:ext uri="{FF2B5EF4-FFF2-40B4-BE49-F238E27FC236}">
+                <a16:creationId xmlns:a16="http://schemas.microsoft.com/office/drawing/2014/main" id="{0FAD798F-68A8-264A-F25C-7525C06EB04D}"/>
+              </a:ext>
+            </a:extLst>
+          </p:cNvPr>
+          <p:cNvPicPr>
+            <a:picLocks noChangeAspect="1"/>
+          </p:cNvPicPr>
+          <p:nvPr/>
+        </p:nvPicPr>
+        <p:blipFill>
+          <a:blip r:embed="rId3">
+            <a:extLst>
+              <a:ext uri="{28A0092B-C50C-407E-A947-70E740481C1C}">
+                <a14:useLocalDpi xmlns:a14="http://schemas.microsoft.com/office/drawing/2010/main" val="0"/>
+              </a:ext>
+            </a:extLst>
+          </a:blip>
+          <a:stretch>
+            <a:fillRect/>
+          </a:stretch>
+        </p:blipFill>
+        <p:spPr>
+          <a:xfrm>
+            <a:off x="5092700" y="1718741"/>
+            <a:ext cx="2006600" cy="2006600"/>
+          </a:xfrm>
+          <a:prstGeom prst="rect">
+            <a:avLst/>
+          </a:prstGeom>
+        </p:spPr>
+      </p:pic>
+    </p:spTree>
+    <p:extLst>
+      <p:ext uri="{BB962C8B-B14F-4D97-AF65-F5344CB8AC3E}">
+        <p14:creationId xmlns:p14="http://schemas.microsoft.com/office/powerpoint/2010/main" val="882194472"/>
+      </p:ext>
+    </p:extLst>
+  </p:cSld>
+  <p:clrMapOvr>
+    <a:masterClrMapping/>
+  </p:clrMapOvr>
+  <mc:AlternateContent xmlns:mc="http://schemas.openxmlformats.org/markup-compatibility/2006" xmlns:p14="http://schemas.microsoft.com/office/powerpoint/2010/main">
+    <mc:Choice Requires="p14">
+      <p:transition spd="slow" p14:dur="2000" advClick="0" advTm="5000"/>
+    </mc:Choice>
+    <mc:Fallback xmlns="">
+      <p:transition spd="slow" advClick="0" advTm="5000"/>
+    </mc:Fallback>
+  </mc:AlternateContent>
+</p:sld>
+</file>
+
+<file path=ppt/slides/slide30.xml><?xml version="1.0" encoding="utf-8"?>
 <p:sld xmlns:a="http://schemas.openxmlformats.org/drawingml/2006/main" xmlns:r="http://schemas.openxmlformats.org/officeDocument/2006/relationships" xmlns:p="http://schemas.openxmlformats.org/presentationml/2006/main">
   <p:cSld>
     <p:spTree>
@@ -22140,7 +24323,7 @@
             <a:fld id="{2BF067CD-8E6B-4360-9AA8-C5DF2A48A6D1}" type="slidenum">
               <a:rPr lang="en-US" noProof="0" smtClean="0"/>
               <a:pPr/>
-              <a:t>31</a:t>
+              <a:t>30</a:t>
             </a:fld>
             <a:endParaRPr lang="en-US" noProof="0" dirty="0"/>
           </a:p>
@@ -22706,6 +24889,9 @@
                     <p:cTn id="3" fill="hold">
                       <p:stCondLst>
                         <p:cond delay="indefinite"/>
+                        <p:cond evt="onBegin" delay="0">
+                          <p:tn val="2"/>
+                        </p:cond>
                       </p:stCondLst>
                       <p:childTnLst>
                         <p:par>
@@ -22715,7 +24901,7 @@
                             </p:stCondLst>
                             <p:childTnLst>
                               <p:par>
-                                <p:cTn id="5" presetID="1" presetClass="entr" presetSubtype="0" fill="hold" grpId="0" nodeType="clickEffect">
+                                <p:cTn id="5" presetID="1" presetClass="entr" presetSubtype="0" fill="hold" nodeType="withEffect">
                                   <p:stCondLst>
                                     <p:cond delay="0"/>
                                   </p:stCondLst>
@@ -22723,6 +24909,82 @@
                                     <p:set>
                                       <p:cBhvr>
                                         <p:cTn id="6" dur="1" fill="hold">
+                                          <p:stCondLst>
+                                            <p:cond delay="0"/>
+                                          </p:stCondLst>
+                                        </p:cTn>
+                                        <p:tgtEl>
+                                          <p:spTgt spid="3">
+                                            <p:txEl>
+                                              <p:pRg st="0" end="0"/>
+                                            </p:txEl>
+                                          </p:spTgt>
+                                        </p:tgtEl>
+                                        <p:attrNameLst>
+                                          <p:attrName>style.visibility</p:attrName>
+                                        </p:attrNameLst>
+                                      </p:cBhvr>
+                                      <p:to>
+                                        <p:strVal val="visible"/>
+                                      </p:to>
+                                    </p:set>
+                                  </p:childTnLst>
+                                </p:cTn>
+                              </p:par>
+                              <p:par>
+                                <p:cTn id="7" presetID="1" presetClass="entr" presetSubtype="0" fill="hold" nodeType="withEffect">
+                                  <p:stCondLst>
+                                    <p:cond delay="0"/>
+                                  </p:stCondLst>
+                                  <p:childTnLst>
+                                    <p:set>
+                                      <p:cBhvr>
+                                        <p:cTn id="8" dur="1" fill="hold">
+                                          <p:stCondLst>
+                                            <p:cond delay="0"/>
+                                          </p:stCondLst>
+                                        </p:cTn>
+                                        <p:tgtEl>
+                                          <p:spTgt spid="5"/>
+                                        </p:tgtEl>
+                                        <p:attrNameLst>
+                                          <p:attrName>style.visibility</p:attrName>
+                                        </p:attrNameLst>
+                                      </p:cBhvr>
+                                      <p:to>
+                                        <p:strVal val="visible"/>
+                                      </p:to>
+                                    </p:set>
+                                  </p:childTnLst>
+                                </p:cTn>
+                              </p:par>
+                            </p:childTnLst>
+                          </p:cTn>
+                        </p:par>
+                      </p:childTnLst>
+                    </p:cTn>
+                  </p:par>
+                  <p:par>
+                    <p:cTn id="9" fill="hold">
+                      <p:stCondLst>
+                        <p:cond delay="indefinite"/>
+                      </p:stCondLst>
+                      <p:childTnLst>
+                        <p:par>
+                          <p:cTn id="10" fill="hold">
+                            <p:stCondLst>
+                              <p:cond delay="0"/>
+                            </p:stCondLst>
+                            <p:childTnLst>
+                              <p:par>
+                                <p:cTn id="11" presetID="1" presetClass="entr" presetSubtype="0" fill="hold" grpId="0" nodeType="clickEffect">
+                                  <p:stCondLst>
+                                    <p:cond delay="0"/>
+                                  </p:stCondLst>
+                                  <p:childTnLst>
+                                    <p:set>
+                                      <p:cBhvr>
+                                        <p:cTn id="12" dur="1" fill="hold">
                                           <p:stCondLst>
                                             <p:cond delay="0"/>
                                           </p:stCondLst>
@@ -22775,7 +25037,7 @@
 </p:sld>
 </file>
 
-<file path=ppt/slides/slide32.xml><?xml version="1.0" encoding="utf-8"?>
+<file path=ppt/slides/slide31.xml><?xml version="1.0" encoding="utf-8"?>
 <p:sld xmlns:a="http://schemas.openxmlformats.org/drawingml/2006/main" xmlns:r="http://schemas.openxmlformats.org/officeDocument/2006/relationships" xmlns:p="http://schemas.openxmlformats.org/presentationml/2006/main">
   <p:cSld>
     <p:spTree>
@@ -22816,7 +25078,7 @@
             <a:fld id="{2BF067CD-8E6B-4360-9AA8-C5DF2A48A6D1}" type="slidenum">
               <a:rPr lang="en-US" noProof="0" smtClean="0"/>
               <a:pPr/>
-              <a:t>32</a:t>
+              <a:t>31</a:t>
             </a:fld>
             <a:endParaRPr lang="en-US" noProof="0" dirty="0"/>
           </a:p>
@@ -23135,7 +25397,7 @@
                             </p:stCondLst>
                             <p:childTnLst>
                               <p:par>
-                                <p:cTn id="5" presetID="1" presetClass="entr" presetSubtype="0" fill="hold" grpId="0" nodeType="withEffect">
+                                <p:cTn id="5" presetID="1" presetClass="entr" presetSubtype="0" fill="hold" nodeType="withEffect">
                                   <p:stCondLst>
                                     <p:cond delay="0"/>
                                   </p:stCondLst>
@@ -23148,7 +25410,141 @@
                                           </p:stCondLst>
                                         </p:cTn>
                                         <p:tgtEl>
+                                          <p:spTgt spid="3">
+                                            <p:txEl>
+                                              <p:pRg st="0" end="0"/>
+                                            </p:txEl>
+                                          </p:spTgt>
+                                        </p:tgtEl>
+                                        <p:attrNameLst>
+                                          <p:attrName>style.visibility</p:attrName>
+                                        </p:attrNameLst>
+                                      </p:cBhvr>
+                                      <p:to>
+                                        <p:strVal val="visible"/>
+                                      </p:to>
+                                    </p:set>
+                                  </p:childTnLst>
+                                </p:cTn>
+                              </p:par>
+                              <p:par>
+                                <p:cTn id="7" presetID="1" presetClass="entr" presetSubtype="0" fill="hold" nodeType="withEffect">
+                                  <p:stCondLst>
+                                    <p:cond delay="0"/>
+                                  </p:stCondLst>
+                                  <p:childTnLst>
+                                    <p:set>
+                                      <p:cBhvr>
+                                        <p:cTn id="8" dur="1" fill="hold">
+                                          <p:stCondLst>
+                                            <p:cond delay="0"/>
+                                          </p:stCondLst>
+                                        </p:cTn>
+                                        <p:tgtEl>
+                                          <p:spTgt spid="5"/>
+                                        </p:tgtEl>
+                                        <p:attrNameLst>
+                                          <p:attrName>style.visibility</p:attrName>
+                                        </p:attrNameLst>
+                                      </p:cBhvr>
+                                      <p:to>
+                                        <p:strVal val="visible"/>
+                                      </p:to>
+                                    </p:set>
+                                  </p:childTnLst>
+                                </p:cTn>
+                              </p:par>
+                            </p:childTnLst>
+                          </p:cTn>
+                        </p:par>
+                      </p:childTnLst>
+                    </p:cTn>
+                  </p:par>
+                  <p:par>
+                    <p:cTn id="9" fill="hold">
+                      <p:stCondLst>
+                        <p:cond delay="indefinite"/>
+                      </p:stCondLst>
+                      <p:childTnLst>
+                        <p:par>
+                          <p:cTn id="10" fill="hold">
+                            <p:stCondLst>
+                              <p:cond delay="0"/>
+                            </p:stCondLst>
+                            <p:childTnLst>
+                              <p:par>
+                                <p:cTn id="11" presetID="1" presetClass="entr" presetSubtype="0" fill="hold" nodeType="clickEffect">
+                                  <p:stCondLst>
+                                    <p:cond delay="0"/>
+                                  </p:stCondLst>
+                                  <p:childTnLst>
+                                    <p:set>
+                                      <p:cBhvr>
+                                        <p:cTn id="12" dur="1" fill="hold">
+                                          <p:stCondLst>
+                                            <p:cond delay="0"/>
+                                          </p:stCondLst>
+                                        </p:cTn>
+                                        <p:tgtEl>
+                                          <p:spTgt spid="3">
+                                            <p:txEl>
+                                              <p:pRg st="1" end="1"/>
+                                            </p:txEl>
+                                          </p:spTgt>
+                                        </p:tgtEl>
+                                        <p:attrNameLst>
+                                          <p:attrName>style.visibility</p:attrName>
+                                        </p:attrNameLst>
+                                      </p:cBhvr>
+                                      <p:to>
+                                        <p:strVal val="visible"/>
+                                      </p:to>
+                                    </p:set>
+                                  </p:childTnLst>
+                                </p:cTn>
+                              </p:par>
+                              <p:par>
+                                <p:cTn id="13" presetID="1" presetClass="entr" presetSubtype="0" fill="hold" grpId="0" nodeType="withEffect">
+                                  <p:stCondLst>
+                                    <p:cond delay="0"/>
+                                  </p:stCondLst>
+                                  <p:childTnLst>
+                                    <p:set>
+                                      <p:cBhvr>
+                                        <p:cTn id="14" dur="1" fill="hold">
+                                          <p:stCondLst>
+                                            <p:cond delay="0"/>
+                                          </p:stCondLst>
+                                        </p:cTn>
+                                        <p:tgtEl>
                                           <p:spTgt spid="7"/>
+                                        </p:tgtEl>
+                                        <p:attrNameLst>
+                                          <p:attrName>style.visibility</p:attrName>
+                                        </p:attrNameLst>
+                                      </p:cBhvr>
+                                      <p:to>
+                                        <p:strVal val="visible"/>
+                                      </p:to>
+                                    </p:set>
+                                  </p:childTnLst>
+                                </p:cTn>
+                              </p:par>
+                              <p:par>
+                                <p:cTn id="15" presetID="1" presetClass="entr" presetSubtype="0" fill="hold" nodeType="withEffect">
+                                  <p:stCondLst>
+                                    <p:cond delay="0"/>
+                                  </p:stCondLst>
+                                  <p:childTnLst>
+                                    <p:set>
+                                      <p:cBhvr>
+                                        <p:cTn id="16" dur="1" fill="hold">
+                                          <p:stCondLst>
+                                            <p:cond delay="0"/>
+                                          </p:stCondLst>
+                                        </p:cTn>
+                                        <p:tgtEl>
+                                          <p:spTgt spid="6"/>
                                         </p:tgtEl>
                                         <p:attrNameLst>
                                           <p:attrName>style.visibility</p:attrName>
@@ -23195,7 +25591,7 @@
 </p:sld>
 </file>
 
-<file path=ppt/slides/slide33.xml><?xml version="1.0" encoding="utf-8"?>
+<file path=ppt/slides/slide32.xml><?xml version="1.0" encoding="utf-8"?>
 <p:sld xmlns:a="http://schemas.openxmlformats.org/drawingml/2006/main" xmlns:r="http://schemas.openxmlformats.org/officeDocument/2006/relationships" xmlns:p="http://schemas.openxmlformats.org/presentationml/2006/main">
   <p:cSld>
     <p:spTree>
@@ -23236,7 +25632,7 @@
             <a:fld id="{2BF067CD-8E6B-4360-9AA8-C5DF2A48A6D1}" type="slidenum">
               <a:rPr lang="en-US" noProof="0" smtClean="0"/>
               <a:pPr/>
-              <a:t>33</a:t>
+              <a:t>32</a:t>
             </a:fld>
             <a:endParaRPr lang="en-US" noProof="0" dirty="0"/>
           </a:p>
@@ -23532,7 +25928,7 @@
                             </p:stCondLst>
                             <p:childTnLst>
                               <p:par>
-                                <p:cTn id="5" presetID="1" presetClass="entr" presetSubtype="0" fill="hold" grpId="0" nodeType="withEffect">
+                                <p:cTn id="5" presetID="1" presetClass="entr" presetSubtype="0" fill="hold" nodeType="withEffect">
                                   <p:stCondLst>
                                     <p:cond delay="0"/>
                                   </p:stCondLst>
@@ -23540,6 +25936,109 @@
                                     <p:set>
                                       <p:cBhvr>
                                         <p:cTn id="6" dur="1" fill="hold">
+                                          <p:stCondLst>
+                                            <p:cond delay="0"/>
+                                          </p:stCondLst>
+                                        </p:cTn>
+                                        <p:tgtEl>
+                                          <p:spTgt spid="3">
+                                            <p:txEl>
+                                              <p:pRg st="0" end="0"/>
+                                            </p:txEl>
+                                          </p:spTgt>
+                                        </p:tgtEl>
+                                        <p:attrNameLst>
+                                          <p:attrName>style.visibility</p:attrName>
+                                        </p:attrNameLst>
+                                      </p:cBhvr>
+                                      <p:to>
+                                        <p:strVal val="visible"/>
+                                      </p:to>
+                                    </p:set>
+                                  </p:childTnLst>
+                                </p:cTn>
+                              </p:par>
+                              <p:par>
+                                <p:cTn id="7" presetID="1" presetClass="entr" presetSubtype="0" fill="hold" nodeType="withEffect">
+                                  <p:stCondLst>
+                                    <p:cond delay="0"/>
+                                  </p:stCondLst>
+                                  <p:childTnLst>
+                                    <p:set>
+                                      <p:cBhvr>
+                                        <p:cTn id="8" dur="1" fill="hold">
+                                          <p:stCondLst>
+                                            <p:cond delay="0"/>
+                                          </p:stCondLst>
+                                        </p:cTn>
+                                        <p:tgtEl>
+                                          <p:spTgt spid="5"/>
+                                        </p:tgtEl>
+                                        <p:attrNameLst>
+                                          <p:attrName>style.visibility</p:attrName>
+                                        </p:attrNameLst>
+                                      </p:cBhvr>
+                                      <p:to>
+                                        <p:strVal val="visible"/>
+                                      </p:to>
+                                    </p:set>
+                                  </p:childTnLst>
+                                </p:cTn>
+                              </p:par>
+                            </p:childTnLst>
+                          </p:cTn>
+                        </p:par>
+                      </p:childTnLst>
+                    </p:cTn>
+                  </p:par>
+                  <p:par>
+                    <p:cTn id="9" fill="hold">
+                      <p:stCondLst>
+                        <p:cond delay="indefinite"/>
+                      </p:stCondLst>
+                      <p:childTnLst>
+                        <p:par>
+                          <p:cTn id="10" fill="hold">
+                            <p:stCondLst>
+                              <p:cond delay="0"/>
+                            </p:stCondLst>
+                            <p:childTnLst>
+                              <p:par>
+                                <p:cTn id="11" presetID="1" presetClass="entr" presetSubtype="0" fill="hold" nodeType="clickEffect">
+                                  <p:stCondLst>
+                                    <p:cond delay="0"/>
+                                  </p:stCondLst>
+                                  <p:childTnLst>
+                                    <p:set>
+                                      <p:cBhvr>
+                                        <p:cTn id="12" dur="1" fill="hold">
+                                          <p:stCondLst>
+                                            <p:cond delay="0"/>
+                                          </p:stCondLst>
+                                        </p:cTn>
+                                        <p:tgtEl>
+                                          <p:spTgt spid="6"/>
+                                        </p:tgtEl>
+                                        <p:attrNameLst>
+                                          <p:attrName>style.visibility</p:attrName>
+                                        </p:attrNameLst>
+                                      </p:cBhvr>
+                                      <p:to>
+                                        <p:strVal val="visible"/>
+                                      </p:to>
+                                    </p:set>
+                                  </p:childTnLst>
+                                </p:cTn>
+                              </p:par>
+                              <p:par>
+                                <p:cTn id="13" presetID="1" presetClass="entr" presetSubtype="0" fill="hold" grpId="0" nodeType="withEffect">
+                                  <p:stCondLst>
+                                    <p:cond delay="0"/>
+                                  </p:stCondLst>
+                                  <p:childTnLst>
+                                    <p:set>
+                                      <p:cBhvr>
+                                        <p:cTn id="14" dur="1" fill="hold">
                                           <p:stCondLst>
                                             <p:cond delay="0"/>
                                           </p:stCondLst>
@@ -23592,7 +26091,7 @@
 </p:sld>
 </file>
 
-<file path=ppt/slides/slide34.xml><?xml version="1.0" encoding="utf-8"?>
+<file path=ppt/slides/slide33.xml><?xml version="1.0" encoding="utf-8"?>
 <p:sld xmlns:a="http://schemas.openxmlformats.org/drawingml/2006/main" xmlns:r="http://schemas.openxmlformats.org/officeDocument/2006/relationships" xmlns:p="http://schemas.openxmlformats.org/presentationml/2006/main">
   <p:cSld>
     <p:spTree>
@@ -23633,7 +26132,7 @@
             <a:fld id="{2BF067CD-8E6B-4360-9AA8-C5DF2A48A6D1}" type="slidenum">
               <a:rPr lang="en-US" noProof="0" smtClean="0"/>
               <a:pPr/>
-              <a:t>34</a:t>
+              <a:t>33</a:t>
             </a:fld>
             <a:endParaRPr lang="en-US" noProof="0" dirty="0"/>
           </a:p>
@@ -23834,10 +26333,168 @@
       <p:transition spd="slow" advClick="0" advTm="5000"/>
     </mc:Fallback>
   </mc:AlternateContent>
+  <p:timing>
+    <p:tnLst>
+      <p:par>
+        <p:cTn id="1" dur="indefinite" restart="never" nodeType="tmRoot">
+          <p:childTnLst>
+            <p:seq concurrent="1" nextAc="seek">
+              <p:cTn id="2" dur="indefinite" nodeType="mainSeq">
+                <p:childTnLst>
+                  <p:par>
+                    <p:cTn id="3" fill="hold">
+                      <p:stCondLst>
+                        <p:cond delay="indefinite"/>
+                        <p:cond evt="onBegin" delay="0">
+                          <p:tn val="2"/>
+                        </p:cond>
+                      </p:stCondLst>
+                      <p:childTnLst>
+                        <p:par>
+                          <p:cTn id="4" fill="hold">
+                            <p:stCondLst>
+                              <p:cond delay="0"/>
+                            </p:stCondLst>
+                            <p:childTnLst>
+                              <p:par>
+                                <p:cTn id="5" presetID="1" presetClass="entr" presetSubtype="0" fill="hold" nodeType="withEffect">
+                                  <p:stCondLst>
+                                    <p:cond delay="0"/>
+                                  </p:stCondLst>
+                                  <p:childTnLst>
+                                    <p:set>
+                                      <p:cBhvr>
+                                        <p:cTn id="6" dur="1" fill="hold">
+                                          <p:stCondLst>
+                                            <p:cond delay="0"/>
+                                          </p:stCondLst>
+                                        </p:cTn>
+                                        <p:tgtEl>
+                                          <p:spTgt spid="3">
+                                            <p:txEl>
+                                              <p:pRg st="0" end="0"/>
+                                            </p:txEl>
+                                          </p:spTgt>
+                                        </p:tgtEl>
+                                        <p:attrNameLst>
+                                          <p:attrName>style.visibility</p:attrName>
+                                        </p:attrNameLst>
+                                      </p:cBhvr>
+                                      <p:to>
+                                        <p:strVal val="visible"/>
+                                      </p:to>
+                                    </p:set>
+                                  </p:childTnLst>
+                                </p:cTn>
+                              </p:par>
+                              <p:par>
+                                <p:cTn id="7" presetID="1" presetClass="entr" presetSubtype="0" fill="hold" nodeType="withEffect">
+                                  <p:stCondLst>
+                                    <p:cond delay="0"/>
+                                  </p:stCondLst>
+                                  <p:childTnLst>
+                                    <p:set>
+                                      <p:cBhvr>
+                                        <p:cTn id="8" dur="1" fill="hold">
+                                          <p:stCondLst>
+                                            <p:cond delay="0"/>
+                                          </p:stCondLst>
+                                        </p:cTn>
+                                        <p:tgtEl>
+                                          <p:spTgt spid="8"/>
+                                        </p:tgtEl>
+                                        <p:attrNameLst>
+                                          <p:attrName>style.visibility</p:attrName>
+                                        </p:attrNameLst>
+                                      </p:cBhvr>
+                                      <p:to>
+                                        <p:strVal val="visible"/>
+                                      </p:to>
+                                    </p:set>
+                                  </p:childTnLst>
+                                </p:cTn>
+                              </p:par>
+                            </p:childTnLst>
+                          </p:cTn>
+                        </p:par>
+                      </p:childTnLst>
+                    </p:cTn>
+                  </p:par>
+                  <p:par>
+                    <p:cTn id="9" fill="hold">
+                      <p:stCondLst>
+                        <p:cond delay="indefinite"/>
+                      </p:stCondLst>
+                      <p:childTnLst>
+                        <p:par>
+                          <p:cTn id="10" fill="hold">
+                            <p:stCondLst>
+                              <p:cond delay="0"/>
+                            </p:stCondLst>
+                            <p:childTnLst>
+                              <p:par>
+                                <p:cTn id="11" presetID="1" presetClass="entr" presetSubtype="0" fill="hold" nodeType="clickEffect">
+                                  <p:stCondLst>
+                                    <p:cond delay="0"/>
+                                  </p:stCondLst>
+                                  <p:childTnLst>
+                                    <p:set>
+                                      <p:cBhvr>
+                                        <p:cTn id="12" dur="1" fill="hold">
+                                          <p:stCondLst>
+                                            <p:cond delay="0"/>
+                                          </p:stCondLst>
+                                        </p:cTn>
+                                        <p:tgtEl>
+                                          <p:spTgt spid="3">
+                                            <p:txEl>
+                                              <p:pRg st="1" end="1"/>
+                                            </p:txEl>
+                                          </p:spTgt>
+                                        </p:tgtEl>
+                                        <p:attrNameLst>
+                                          <p:attrName>style.visibility</p:attrName>
+                                        </p:attrNameLst>
+                                      </p:cBhvr>
+                                      <p:to>
+                                        <p:strVal val="visible"/>
+                                      </p:to>
+                                    </p:set>
+                                  </p:childTnLst>
+                                </p:cTn>
+                              </p:par>
+                            </p:childTnLst>
+                          </p:cTn>
+                        </p:par>
+                      </p:childTnLst>
+                    </p:cTn>
+                  </p:par>
+                </p:childTnLst>
+              </p:cTn>
+              <p:prevCondLst>
+                <p:cond evt="onPrev" delay="0">
+                  <p:tgtEl>
+                    <p:sldTgt/>
+                  </p:tgtEl>
+                </p:cond>
+              </p:prevCondLst>
+              <p:nextCondLst>
+                <p:cond evt="onNext" delay="0">
+                  <p:tgtEl>
+                    <p:sldTgt/>
+                  </p:tgtEl>
+                </p:cond>
+              </p:nextCondLst>
+            </p:seq>
+          </p:childTnLst>
+        </p:cTn>
+      </p:par>
+    </p:tnLst>
+  </p:timing>
 </p:sld>
 </file>
 
-<file path=ppt/slides/slide35.xml><?xml version="1.0" encoding="utf-8"?>
+<file path=ppt/slides/slide34.xml><?xml version="1.0" encoding="utf-8"?>
 <p:sld xmlns:a="http://schemas.openxmlformats.org/drawingml/2006/main" xmlns:r="http://schemas.openxmlformats.org/officeDocument/2006/relationships" xmlns:p="http://schemas.openxmlformats.org/presentationml/2006/main">
   <p:cSld>
     <p:spTree>
@@ -23878,7 +26535,7 @@
             <a:fld id="{2BF067CD-8E6B-4360-9AA8-C5DF2A48A6D1}" type="slidenum">
               <a:rPr lang="en-US" noProof="0" smtClean="0"/>
               <a:pPr/>
-              <a:t>35</a:t>
+              <a:t>34</a:t>
             </a:fld>
             <a:endParaRPr lang="en-US" noProof="0" dirty="0"/>
           </a:p>
@@ -24288,7 +26945,7 @@
                             </p:stCondLst>
                             <p:childTnLst>
                               <p:par>
-                                <p:cTn id="5" presetID="1" presetClass="entr" presetSubtype="0" fill="hold" grpId="0" nodeType="withEffect">
+                                <p:cTn id="5" presetID="1" presetClass="entr" presetSubtype="0" fill="hold" nodeType="withEffect">
                                   <p:stCondLst>
                                     <p:cond delay="0"/>
                                   </p:stCondLst>
@@ -24296,6 +26953,37 @@
                                     <p:set>
                                       <p:cBhvr>
                                         <p:cTn id="6" dur="1" fill="hold">
+                                          <p:stCondLst>
+                                            <p:cond delay="0"/>
+                                          </p:stCondLst>
+                                        </p:cTn>
+                                        <p:tgtEl>
+                                          <p:spTgt spid="3">
+                                            <p:txEl>
+                                              <p:pRg st="0" end="0"/>
+                                            </p:txEl>
+                                          </p:spTgt>
+                                        </p:tgtEl>
+                                        <p:attrNameLst>
+                                          <p:attrName>style.visibility</p:attrName>
+                                        </p:attrNameLst>
+                                      </p:cBhvr>
+                                      <p:to>
+                                        <p:strVal val="visible"/>
+                                      </p:to>
+                                    </p:set>
+                                  </p:childTnLst>
+                                </p:cTn>
+                              </p:par>
+                              <p:par>
+                                <p:cTn id="7" presetID="1" presetClass="entr" presetSubtype="0" fill="hold" grpId="0" nodeType="withEffect">
+                                  <p:stCondLst>
+                                    <p:cond delay="0"/>
+                                  </p:stCondLst>
+                                  <p:childTnLst>
+                                    <p:set>
+                                      <p:cBhvr>
+                                        <p:cTn id="8" dur="1" fill="hold">
                                           <p:stCondLst>
                                             <p:cond delay="0"/>
                                           </p:stCondLst>
@@ -24314,26 +27002,8 @@
                                   </p:childTnLst>
                                 </p:cTn>
                               </p:par>
-                            </p:childTnLst>
-                          </p:cTn>
-                        </p:par>
-                      </p:childTnLst>
-                    </p:cTn>
-                  </p:par>
-                  <p:par>
-                    <p:cTn id="7" fill="hold">
-                      <p:stCondLst>
-                        <p:cond delay="indefinite"/>
-                      </p:stCondLst>
-                      <p:childTnLst>
-                        <p:par>
-                          <p:cTn id="8" fill="hold">
-                            <p:stCondLst>
-                              <p:cond delay="0"/>
-                            </p:stCondLst>
-                            <p:childTnLst>
                               <p:par>
-                                <p:cTn id="9" presetID="1" presetClass="entr" presetSubtype="0" fill="hold" grpId="0" nodeType="clickEffect">
+                                <p:cTn id="9" presetID="1" presetClass="entr" presetSubtype="0" fill="hold" grpId="0" nodeType="withEffect">
                                   <p:stCondLst>
                                     <p:cond delay="0"/>
                                   </p:stCondLst>
@@ -24359,33 +27029,15 @@
                                   </p:childTnLst>
                                 </p:cTn>
                               </p:par>
-                            </p:childTnLst>
-                          </p:cTn>
-                        </p:par>
-                      </p:childTnLst>
-                    </p:cTn>
-                  </p:par>
-                  <p:par>
-                    <p:cTn id="11" fill="hold">
-                      <p:stCondLst>
-                        <p:cond delay="indefinite"/>
-                      </p:stCondLst>
-                      <p:childTnLst>
-                        <p:par>
-                          <p:cTn id="12" fill="hold">
-                            <p:stCondLst>
-                              <p:cond delay="0"/>
-                            </p:stCondLst>
-                            <p:childTnLst>
                               <p:par>
-                                <p:cTn id="13" presetID="1" presetClass="entr" presetSubtype="0" fill="hold" grpId="0" nodeType="clickEffect">
+                                <p:cTn id="11" presetID="1" presetClass="entr" presetSubtype="0" fill="hold" grpId="0" nodeType="withEffect">
                                   <p:stCondLst>
                                     <p:cond delay="0"/>
                                   </p:stCondLst>
                                   <p:childTnLst>
                                     <p:set>
                                       <p:cBhvr>
-                                        <p:cTn id="14" dur="1" fill="hold">
+                                        <p:cTn id="12" dur="1" fill="hold">
                                           <p:stCondLst>
                                             <p:cond delay="0"/>
                                           </p:stCondLst>
@@ -24404,8 +27056,26 @@
                                   </p:childTnLst>
                                 </p:cTn>
                               </p:par>
+                            </p:childTnLst>
+                          </p:cTn>
+                        </p:par>
+                      </p:childTnLst>
+                    </p:cTn>
+                  </p:par>
+                  <p:par>
+                    <p:cTn id="13" fill="hold">
+                      <p:stCondLst>
+                        <p:cond delay="indefinite"/>
+                      </p:stCondLst>
+                      <p:childTnLst>
+                        <p:par>
+                          <p:cTn id="14" fill="hold">
+                            <p:stCondLst>
+                              <p:cond delay="0"/>
+                            </p:stCondLst>
+                            <p:childTnLst>
                               <p:par>
-                                <p:cTn id="15" presetID="1" presetClass="entr" presetSubtype="0" fill="hold" grpId="0" nodeType="withEffect">
+                                <p:cTn id="15" presetID="1" presetClass="entr" presetSubtype="0" fill="hold" nodeType="clickEffect">
                                   <p:stCondLst>
                                     <p:cond delay="0"/>
                                   </p:stCondLst>
@@ -24413,6 +27083,37 @@
                                     <p:set>
                                       <p:cBhvr>
                                         <p:cTn id="16" dur="1" fill="hold">
+                                          <p:stCondLst>
+                                            <p:cond delay="0"/>
+                                          </p:stCondLst>
+                                        </p:cTn>
+                                        <p:tgtEl>
+                                          <p:spTgt spid="3">
+                                            <p:txEl>
+                                              <p:pRg st="4" end="4"/>
+                                            </p:txEl>
+                                          </p:spTgt>
+                                        </p:tgtEl>
+                                        <p:attrNameLst>
+                                          <p:attrName>style.visibility</p:attrName>
+                                        </p:attrNameLst>
+                                      </p:cBhvr>
+                                      <p:to>
+                                        <p:strVal val="visible"/>
+                                      </p:to>
+                                    </p:set>
+                                  </p:childTnLst>
+                                </p:cTn>
+                              </p:par>
+                              <p:par>
+                                <p:cTn id="17" presetID="1" presetClass="entr" presetSubtype="0" fill="hold" grpId="0" nodeType="withEffect">
+                                  <p:stCondLst>
+                                    <p:cond delay="0"/>
+                                  </p:stCondLst>
+                                  <p:childTnLst>
+                                    <p:set>
+                                      <p:cBhvr>
+                                        <p:cTn id="18" dur="1" fill="hold">
                                           <p:stCondLst>
                                             <p:cond delay="0"/>
                                           </p:stCondLst>
@@ -24468,7 +27169,7 @@
 </p:sld>
 </file>
 
-<file path=ppt/slides/slide36.xml><?xml version="1.0" encoding="utf-8"?>
+<file path=ppt/slides/slide35.xml><?xml version="1.0" encoding="utf-8"?>
 <p:sld xmlns:a="http://schemas.openxmlformats.org/drawingml/2006/main" xmlns:r="http://schemas.openxmlformats.org/officeDocument/2006/relationships" xmlns:p="http://schemas.openxmlformats.org/presentationml/2006/main">
   <p:cSld>
     <p:spTree>
@@ -24509,7 +27210,7 @@
             <a:fld id="{2BF067CD-8E6B-4360-9AA8-C5DF2A48A6D1}" type="slidenum">
               <a:rPr lang="en-US" noProof="0" smtClean="0"/>
               <a:pPr/>
-              <a:t>36</a:t>
+              <a:t>35</a:t>
             </a:fld>
             <a:endParaRPr lang="en-US" noProof="0" dirty="0"/>
           </a:p>
@@ -24664,10 +27365,119 @@
       <p:transition spd="slow" advClick="0" advTm="5000"/>
     </mc:Fallback>
   </mc:AlternateContent>
+  <p:timing>
+    <p:tnLst>
+      <p:par>
+        <p:cTn id="1" dur="indefinite" restart="never" nodeType="tmRoot">
+          <p:childTnLst>
+            <p:seq concurrent="1" nextAc="seek">
+              <p:cTn id="2" dur="indefinite" nodeType="mainSeq">
+                <p:childTnLst>
+                  <p:par>
+                    <p:cTn id="3" fill="hold">
+                      <p:stCondLst>
+                        <p:cond delay="indefinite"/>
+                        <p:cond evt="onBegin" delay="0">
+                          <p:tn val="2"/>
+                        </p:cond>
+                      </p:stCondLst>
+                      <p:childTnLst>
+                        <p:par>
+                          <p:cTn id="4" fill="hold">
+                            <p:stCondLst>
+                              <p:cond delay="0"/>
+                            </p:stCondLst>
+                            <p:childTnLst>
+                              <p:par>
+                                <p:cTn id="5" presetID="1" presetClass="entr" presetSubtype="0" fill="hold" nodeType="withEffect">
+                                  <p:stCondLst>
+                                    <p:cond delay="0"/>
+                                  </p:stCondLst>
+                                  <p:childTnLst>
+                                    <p:set>
+                                      <p:cBhvr>
+                                        <p:cTn id="6" dur="1" fill="hold">
+                                          <p:stCondLst>
+                                            <p:cond delay="0"/>
+                                          </p:stCondLst>
+                                        </p:cTn>
+                                        <p:tgtEl>
+                                          <p:spTgt spid="3">
+                                            <p:txEl>
+                                              <p:pRg st="0" end="0"/>
+                                            </p:txEl>
+                                          </p:spTgt>
+                                        </p:tgtEl>
+                                        <p:attrNameLst>
+                                          <p:attrName>style.visibility</p:attrName>
+                                        </p:attrNameLst>
+                                      </p:cBhvr>
+                                      <p:to>
+                                        <p:strVal val="visible"/>
+                                      </p:to>
+                                    </p:set>
+                                  </p:childTnLst>
+                                </p:cTn>
+                              </p:par>
+                              <p:par>
+                                <p:cTn id="7" presetID="1" presetClass="entr" presetSubtype="0" fill="hold" nodeType="withEffect">
+                                  <p:stCondLst>
+                                    <p:cond delay="0"/>
+                                  </p:stCondLst>
+                                  <p:childTnLst>
+                                    <p:set>
+                                      <p:cBhvr>
+                                        <p:cTn id="8" dur="1" fill="hold">
+                                          <p:stCondLst>
+                                            <p:cond delay="0"/>
+                                          </p:stCondLst>
+                                        </p:cTn>
+                                        <p:tgtEl>
+                                          <p:spTgt spid="7"/>
+                                        </p:tgtEl>
+                                        <p:attrNameLst>
+                                          <p:attrName>style.visibility</p:attrName>
+                                        </p:attrNameLst>
+                                      </p:cBhvr>
+                                      <p:to>
+                                        <p:strVal val="visible"/>
+                                      </p:to>
+                                    </p:set>
+                                  </p:childTnLst>
+                                </p:cTn>
+                              </p:par>
+                            </p:childTnLst>
+                          </p:cTn>
+                        </p:par>
+                      </p:childTnLst>
+                    </p:cTn>
+                  </p:par>
+                </p:childTnLst>
+              </p:cTn>
+              <p:prevCondLst>
+                <p:cond evt="onPrev" delay="0">
+                  <p:tgtEl>
+                    <p:sldTgt/>
+                  </p:tgtEl>
+                </p:cond>
+              </p:prevCondLst>
+              <p:nextCondLst>
+                <p:cond evt="onNext" delay="0">
+                  <p:tgtEl>
+                    <p:sldTgt/>
+                  </p:tgtEl>
+                </p:cond>
+              </p:nextCondLst>
+            </p:seq>
+          </p:childTnLst>
+        </p:cTn>
+      </p:par>
+    </p:tnLst>
+  </p:timing>
 </p:sld>
 </file>
 
-<file path=ppt/slides/slide37.xml><?xml version="1.0" encoding="utf-8"?>
+<file path=ppt/slides/slide36.xml><?xml version="1.0" encoding="utf-8"?>
 <p:sld xmlns:a="http://schemas.openxmlformats.org/drawingml/2006/main" xmlns:r="http://schemas.openxmlformats.org/officeDocument/2006/relationships" xmlns:p="http://schemas.openxmlformats.org/presentationml/2006/main">
   <p:cSld>
     <p:spTree>
@@ -24708,7 +27518,7 @@
             <a:fld id="{2BF067CD-8E6B-4360-9AA8-C5DF2A48A6D1}" type="slidenum">
               <a:rPr lang="en-US" noProof="0" smtClean="0"/>
               <a:pPr/>
-              <a:t>37</a:t>
+              <a:t>36</a:t>
             </a:fld>
             <a:endParaRPr lang="en-US" noProof="0" dirty="0"/>
           </a:p>
@@ -25090,6 +27900,37 @@
                                   </p:childTnLst>
                                 </p:cTn>
                               </p:par>
+                              <p:par>
+                                <p:cTn id="7" presetID="1" presetClass="entr" presetSubtype="0" fill="hold" nodeType="withEffect">
+                                  <p:stCondLst>
+                                    <p:cond delay="0"/>
+                                  </p:stCondLst>
+                                  <p:childTnLst>
+                                    <p:set>
+                                      <p:cBhvr>
+                                        <p:cTn id="8" dur="1" fill="hold">
+                                          <p:stCondLst>
+                                            <p:cond delay="0"/>
+                                          </p:stCondLst>
+                                        </p:cTn>
+                                        <p:tgtEl>
+                                          <p:spTgt spid="3">
+                                            <p:txEl>
+                                              <p:pRg st="0" end="0"/>
+                                            </p:txEl>
+                                          </p:spTgt>
+                                        </p:tgtEl>
+                                        <p:attrNameLst>
+                                          <p:attrName>style.visibility</p:attrName>
+                                        </p:attrNameLst>
+                                      </p:cBhvr>
+                                      <p:to>
+                                        <p:strVal val="visible"/>
+                                      </p:to>
+                                    </p:set>
+                                  </p:childTnLst>
+                                </p:cTn>
+                              </p:par>
                             </p:childTnLst>
                           </p:cTn>
                         </p:par>
@@ -25124,7 +27965,7 @@
 </p:sld>
 </file>
 
-<file path=ppt/slides/slide38.xml><?xml version="1.0" encoding="utf-8"?>
+<file path=ppt/slides/slide37.xml><?xml version="1.0" encoding="utf-8"?>
 <p:sld xmlns:a="http://schemas.openxmlformats.org/drawingml/2006/main" xmlns:r="http://schemas.openxmlformats.org/officeDocument/2006/relationships" xmlns:p="http://schemas.openxmlformats.org/presentationml/2006/main">
   <p:cSld>
     <p:spTree>
@@ -25165,7 +28006,7 @@
             <a:fld id="{2BF067CD-8E6B-4360-9AA8-C5DF2A48A6D1}" type="slidenum">
               <a:rPr lang="en-US" noProof="0" smtClean="0"/>
               <a:pPr/>
-              <a:t>38</a:t>
+              <a:t>37</a:t>
             </a:fld>
             <a:endParaRPr lang="en-US" noProof="0" dirty="0"/>
           </a:p>
@@ -25264,10 +28105,88 @@
       <p:transition spd="slow" advClick="0" advTm="5000"/>
     </mc:Fallback>
   </mc:AlternateContent>
+  <p:timing>
+    <p:tnLst>
+      <p:par>
+        <p:cTn id="1" dur="indefinite" restart="never" nodeType="tmRoot">
+          <p:childTnLst>
+            <p:seq concurrent="1" nextAc="seek">
+              <p:cTn id="2" dur="indefinite" nodeType="mainSeq">
+                <p:childTnLst>
+                  <p:par>
+                    <p:cTn id="3" fill="hold">
+                      <p:stCondLst>
+                        <p:cond delay="indefinite"/>
+                        <p:cond evt="onBegin" delay="0">
+                          <p:tn val="2"/>
+                        </p:cond>
+                      </p:stCondLst>
+                      <p:childTnLst>
+                        <p:par>
+                          <p:cTn id="4" fill="hold">
+                            <p:stCondLst>
+                              <p:cond delay="0"/>
+                            </p:stCondLst>
+                            <p:childTnLst>
+                              <p:par>
+                                <p:cTn id="5" presetID="1" presetClass="entr" presetSubtype="0" fill="hold" nodeType="withEffect">
+                                  <p:stCondLst>
+                                    <p:cond delay="0"/>
+                                  </p:stCondLst>
+                                  <p:childTnLst>
+                                    <p:set>
+                                      <p:cBhvr>
+                                        <p:cTn id="6" dur="1" fill="hold">
+                                          <p:stCondLst>
+                                            <p:cond delay="0"/>
+                                          </p:stCondLst>
+                                        </p:cTn>
+                                        <p:tgtEl>
+                                          <p:spTgt spid="7"/>
+                                        </p:tgtEl>
+                                        <p:attrNameLst>
+                                          <p:attrName>style.visibility</p:attrName>
+                                        </p:attrNameLst>
+                                      </p:cBhvr>
+                                      <p:to>
+                                        <p:strVal val="visible"/>
+                                      </p:to>
+                                    </p:set>
+                                  </p:childTnLst>
+                                </p:cTn>
+                              </p:par>
+                            </p:childTnLst>
+                          </p:cTn>
+                        </p:par>
+                      </p:childTnLst>
+                    </p:cTn>
+                  </p:par>
+                </p:childTnLst>
+              </p:cTn>
+              <p:prevCondLst>
+                <p:cond evt="onPrev" delay="0">
+                  <p:tgtEl>
+                    <p:sldTgt/>
+                  </p:tgtEl>
+                </p:cond>
+              </p:prevCondLst>
+              <p:nextCondLst>
+                <p:cond evt="onNext" delay="0">
+                  <p:tgtEl>
+                    <p:sldTgt/>
+                  </p:tgtEl>
+                </p:cond>
+              </p:nextCondLst>
+            </p:seq>
+          </p:childTnLst>
+        </p:cTn>
+      </p:par>
+    </p:tnLst>
+  </p:timing>
 </p:sld>
 </file>
 
-<file path=ppt/slides/slide39.xml><?xml version="1.0" encoding="utf-8"?>
+<file path=ppt/slides/slide38.xml><?xml version="1.0" encoding="utf-8"?>
 <p:sld xmlns:a="http://schemas.openxmlformats.org/drawingml/2006/main" xmlns:r="http://schemas.openxmlformats.org/officeDocument/2006/relationships" xmlns:p="http://schemas.openxmlformats.org/presentationml/2006/main">
   <p:cSld>
     <p:spTree>
@@ -25504,7 +28423,7 @@
         </p:spPr>
         <p:txBody>
           <a:bodyPr>
-            <a:normAutofit/>
+            <a:normAutofit fontScale="70000" lnSpcReduction="20000"/>
           </a:bodyPr>
           <a:lstStyle>
             <a:lvl1pPr marL="514350" indent="-514350">
@@ -25560,13 +28479,61 @@
               </a:buClr>
             </a:pPr>
             <a:r>
-              <a:rPr lang="en-US" sz="3200" dirty="0">
-                <a:solidFill>
-                  <a:schemeClr val="bg2"/>
+              <a:rPr lang="en-US" sz="3200" b="1" dirty="0">
+                <a:solidFill>
+                  <a:schemeClr val="accent1"/>
                 </a:solidFill>
               </a:rPr>
               <a:t>ORM</a:t>
             </a:r>
+            <a:r>
+              <a:rPr lang="bg-BG" sz="3200" dirty="0">
+                <a:solidFill>
+                  <a:schemeClr val="bg2"/>
+                </a:solidFill>
+              </a:rPr>
+              <a:t> (</a:t>
+            </a:r>
+            <a:r>
+              <a:rPr lang="en-US" sz="3200" dirty="0"/>
+              <a:t>Object-Relational Mapping</a:t>
+            </a:r>
+            <a:r>
+              <a:rPr lang="en-US" sz="3200" dirty="0">
+                <a:solidFill>
+                  <a:schemeClr val="bg2"/>
+                </a:solidFill>
+              </a:rPr>
+              <a:t>)</a:t>
+            </a:r>
+          </a:p>
+          <a:p>
+            <a:pPr marL="969948" lvl="1" indent="-360363" fontAlgn="base">
+              <a:buClr>
+                <a:schemeClr val="bg2"/>
+              </a:buClr>
+            </a:pPr>
+            <a:r>
+              <a:rPr lang="bg-BG" sz="3000" dirty="0">
+                <a:solidFill>
+                  <a:schemeClr val="bg2"/>
+                </a:solidFill>
+              </a:rPr>
+              <a:t>Технология, позволяваща работа с данни от бази данни като </a:t>
+            </a:r>
+            <a:r>
+              <a:rPr lang="bg-BG" sz="3000" b="1" dirty="0">
+                <a:solidFill>
+                  <a:schemeClr val="accent1"/>
+                </a:solidFill>
+              </a:rPr>
+              <a:t>обекти</a:t>
+            </a:r>
+            <a:endParaRPr lang="en-US" sz="3000" b="1" dirty="0">
+              <a:solidFill>
+                <a:schemeClr val="accent1"/>
+              </a:solidFill>
+            </a:endParaRPr>
           </a:p>
           <a:p>
             <a:pPr marL="360363" indent="-360363" fontAlgn="base">
@@ -25575,9 +28542,138 @@
               </a:buClr>
             </a:pPr>
             <a:r>
+              <a:rPr lang="bg-BG" sz="3200" b="1" dirty="0"/>
+              <a:t>Подходи</a:t>
+            </a:r>
+            <a:r>
+              <a:rPr lang="bg-BG" sz="3200" dirty="0"/>
+              <a:t> за работа с </a:t>
+            </a:r>
+            <a:r>
               <a:rPr lang="en-US" sz="3200" dirty="0"/>
-              <a:t>Code First</a:t>
-            </a:r>
+              <a:t>ORM</a:t>
+            </a:r>
+            <a:endParaRPr lang="bg-BG" sz="3200" dirty="0"/>
+          </a:p>
+          <a:p>
+            <a:pPr marL="969948" lvl="1" indent="-360363" fontAlgn="base">
+              <a:buClr>
+                <a:schemeClr val="bg2"/>
+              </a:buClr>
+            </a:pPr>
+            <a:r>
+              <a:rPr lang="en-US" sz="3000" b="1" dirty="0">
+                <a:solidFill>
+                  <a:schemeClr val="accent1"/>
+                </a:solidFill>
+              </a:rPr>
+              <a:t>Code First </a:t>
+            </a:r>
+            <a:r>
+              <a:rPr lang="en-US" sz="3000" dirty="0">
+                <a:solidFill>
+                  <a:schemeClr val="bg2"/>
+                </a:solidFill>
+              </a:rPr>
+              <a:t>- </a:t>
+            </a:r>
+            <a:r>
+              <a:rPr lang="bg-BG" sz="3000" dirty="0">
+                <a:solidFill>
+                  <a:schemeClr val="bg2"/>
+                </a:solidFill>
+              </a:rPr>
+              <a:t>първо се създават </a:t>
+            </a:r>
+            <a:r>
+              <a:rPr lang="bg-BG" sz="3000" b="1" dirty="0">
+                <a:solidFill>
+                  <a:schemeClr val="bg2"/>
+                </a:solidFill>
+              </a:rPr>
+              <a:t>класове</a:t>
+            </a:r>
+            <a:r>
+              <a:rPr lang="bg-BG" sz="3000" dirty="0">
+                <a:solidFill>
+                  <a:schemeClr val="bg2"/>
+                </a:solidFill>
+              </a:rPr>
+              <a:t> и след това </a:t>
+            </a:r>
+            <a:r>
+              <a:rPr lang="bg-BG" sz="3000" b="1" dirty="0">
+                <a:solidFill>
+                  <a:schemeClr val="bg2"/>
+                </a:solidFill>
+              </a:rPr>
+              <a:t>база данни</a:t>
+            </a:r>
+            <a:endParaRPr lang="en-US" sz="3000" b="1" dirty="0">
+              <a:solidFill>
+                <a:schemeClr val="bg2"/>
+              </a:solidFill>
+            </a:endParaRPr>
+          </a:p>
+          <a:p>
+            <a:pPr marL="969948" lvl="1" indent="-360363" fontAlgn="base">
+              <a:buClr>
+                <a:schemeClr val="bg2"/>
+              </a:buClr>
+            </a:pPr>
+            <a:r>
+              <a:rPr lang="en-US" sz="3000" b="1" dirty="0">
+                <a:solidFill>
+                  <a:schemeClr val="accent1"/>
+                </a:solidFill>
+              </a:rPr>
+              <a:t>Database First</a:t>
+            </a:r>
+            <a:r>
+              <a:rPr lang="bg-BG" sz="3000" b="1" dirty="0">
+                <a:solidFill>
+                  <a:schemeClr val="accent1"/>
+                </a:solidFill>
+              </a:rPr>
+              <a:t> </a:t>
+            </a:r>
+            <a:r>
+              <a:rPr lang="bg-BG" sz="3000" dirty="0">
+                <a:solidFill>
+                  <a:schemeClr val="bg2"/>
+                </a:solidFill>
+              </a:rPr>
+              <a:t>- първо се създава </a:t>
+            </a:r>
+            <a:r>
+              <a:rPr lang="bg-BG" sz="3000" b="1" dirty="0">
+                <a:solidFill>
+                  <a:schemeClr val="bg2"/>
+                </a:solidFill>
+              </a:rPr>
+              <a:t>база данни </a:t>
+            </a:r>
+            <a:r>
+              <a:rPr lang="bg-BG" sz="3000" dirty="0">
+                <a:solidFill>
+                  <a:schemeClr val="bg2"/>
+                </a:solidFill>
+              </a:rPr>
+              <a:t>и след </a:t>
+            </a:r>
+            <a:r>
+              <a:rPr lang="bg-BG" sz="3000" b="1" dirty="0">
+                <a:solidFill>
+                  <a:schemeClr val="bg2"/>
+                </a:solidFill>
+              </a:rPr>
+              <a:t>това класове</a:t>
+            </a:r>
+            <a:endParaRPr lang="en-US" sz="3000" b="1" dirty="0">
+              <a:solidFill>
+                <a:schemeClr val="bg2"/>
+              </a:solidFill>
+            </a:endParaRPr>
           </a:p>
           <a:p>
             <a:pPr marL="360363" indent="-360363" fontAlgn="base">
@@ -25586,12 +28682,127 @@
               </a:buClr>
             </a:pPr>
             <a:r>
-              <a:rPr lang="en-US" sz="3200" dirty="0"/>
-              <a:t>Database First</a:t>
-            </a:r>
-            <a:endParaRPr lang="bg-BG" sz="3200" dirty="0">
+              <a:rPr lang="en-US" sz="3200" b="1" dirty="0">
+                <a:solidFill>
+                  <a:schemeClr val="accent1"/>
+                </a:solidFill>
+              </a:rPr>
+              <a:t>Entity Framework </a:t>
+            </a:r>
+            <a:endParaRPr lang="en-US" sz="3200" dirty="0"/>
+          </a:p>
+          <a:p>
+            <a:pPr marL="969948" lvl="1" indent="-360363" fontAlgn="base">
+              <a:buClr>
+                <a:schemeClr val="bg2"/>
+              </a:buClr>
+            </a:pPr>
+            <a:r>
+              <a:rPr lang="en-US" sz="3000" dirty="0">
+                <a:solidFill>
+                  <a:schemeClr val="bg2"/>
+                </a:solidFill>
+              </a:rPr>
+              <a:t>ORM н</a:t>
+            </a:r>
+            <a:r>
+              <a:rPr lang="bg-BG" sz="3000" dirty="0">
+                <a:solidFill>
+                  <a:schemeClr val="bg2"/>
+                </a:solidFill>
+              </a:rPr>
+              <a:t>а </a:t>
+            </a:r>
+            <a:r>
+              <a:rPr lang="en-US" sz="3000" b="1" dirty="0">
+                <a:solidFill>
+                  <a:schemeClr val="accent1"/>
+                </a:solidFill>
+              </a:rPr>
+              <a:t>.NET</a:t>
+            </a:r>
+          </a:p>
+          <a:p>
+            <a:pPr marL="969948" lvl="1" indent="-360363" fontAlgn="base">
+              <a:buClr>
+                <a:schemeClr val="bg2"/>
+              </a:buClr>
+            </a:pPr>
+            <a:r>
+              <a:rPr lang="bg-BG" sz="3000" dirty="0">
+                <a:solidFill>
+                  <a:schemeClr val="bg2"/>
+                </a:solidFill>
+              </a:rPr>
+              <a:t>Осигурява</a:t>
+            </a:r>
+            <a:r>
+              <a:rPr lang="bg-BG" sz="3000" dirty="0">
+                <a:solidFill>
+                  <a:schemeClr val="accent1"/>
+                </a:solidFill>
+              </a:rPr>
+              <a:t> </a:t>
+            </a:r>
+            <a:r>
+              <a:rPr lang="bg-BG" sz="3000" b="1" dirty="0">
+                <a:solidFill>
+                  <a:schemeClr val="accent1"/>
+                </a:solidFill>
+              </a:rPr>
+              <a:t>L</a:t>
+            </a:r>
+            <a:r>
+              <a:rPr lang="en-US" sz="3000" b="1" dirty="0">
+                <a:solidFill>
+                  <a:schemeClr val="accent1"/>
+                </a:solidFill>
+              </a:rPr>
+              <a:t>INQ </a:t>
+            </a:r>
+            <a:r>
+              <a:rPr lang="bg-BG" sz="3000" dirty="0">
+                <a:solidFill>
+                  <a:schemeClr val="bg2"/>
+                </a:solidFill>
+              </a:rPr>
+              <a:t>заявки, </a:t>
+            </a:r>
+            <a:r>
+              <a:rPr lang="en-US" sz="3000" b="1" dirty="0">
+                <a:solidFill>
+                  <a:schemeClr val="accent1"/>
+                </a:solidFill>
+              </a:rPr>
+              <a:t>CRUD</a:t>
+            </a:r>
+            <a:r>
+              <a:rPr lang="en-US" sz="3000" dirty="0">
+                <a:solidFill>
+                  <a:schemeClr val="bg2"/>
+                </a:solidFill>
+              </a:rPr>
+              <a:t> </a:t>
+            </a:r>
+            <a:r>
+              <a:rPr lang="bg-BG" sz="3000" dirty="0">
+                <a:solidFill>
+                  <a:schemeClr val="bg2"/>
+                </a:solidFill>
+              </a:rPr>
+              <a:t>операции, автоматично </a:t>
+            </a:r>
+            <a:r>
+              <a:rPr lang="bg-BG" sz="3000" b="1" dirty="0">
+                <a:solidFill>
+                  <a:schemeClr val="accent1"/>
+                </a:solidFill>
+              </a:rPr>
+              <a:t>проследяване на промени</a:t>
+            </a:r>
+            <a:endParaRPr lang="en-US" sz="3000" b="1" dirty="0">
               <a:solidFill>
-                <a:schemeClr val="bg2"/>
+                <a:schemeClr val="accent1"/>
               </a:solidFill>
             </a:endParaRPr>
           </a:p>
@@ -25602,28 +28813,86 @@
               </a:buClr>
             </a:pPr>
             <a:r>
-              <a:rPr lang="en-US" sz="3200" dirty="0"/>
-              <a:t>Entity Framework </a:t>
-            </a:r>
-            <a:r>
-              <a:rPr lang="bg-BG" sz="3200" dirty="0"/>
-              <a:t>е стандартът на .</a:t>
-            </a:r>
-            <a:r>
-              <a:rPr lang="en-US" sz="3200" dirty="0"/>
-              <a:t>NET</a:t>
-            </a:r>
-          </a:p>
-          <a:p>
-            <a:pPr marL="360363" indent="-360363" fontAlgn="base">
+              <a:rPr lang="en-US" sz="3200" b="1" dirty="0">
+                <a:solidFill>
+                  <a:schemeClr val="accent1"/>
+                </a:solidFill>
+              </a:rPr>
+              <a:t>Connection string</a:t>
+            </a:r>
+            <a:endParaRPr lang="bg-BG" sz="3200" b="1" dirty="0">
+              <a:solidFill>
+                <a:schemeClr val="accent1"/>
+              </a:solidFill>
+            </a:endParaRPr>
+          </a:p>
+          <a:p>
+            <a:pPr marL="969948" lvl="1" indent="-360363" fontAlgn="base">
               <a:buClr>
                 <a:schemeClr val="bg2"/>
               </a:buClr>
             </a:pPr>
             <a:r>
-              <a:rPr lang="en-US" sz="3200" dirty="0"/>
-              <a:t>Connection string</a:t>
-            </a:r>
+              <a:rPr lang="bg-BG" sz="3000" b="1" dirty="0">
+                <a:solidFill>
+                  <a:schemeClr val="bg2"/>
+                </a:solidFill>
+              </a:rPr>
+              <a:t>Информация</a:t>
+            </a:r>
+            <a:r>
+              <a:rPr lang="bg-BG" sz="3000" dirty="0">
+                <a:solidFill>
+                  <a:schemeClr val="bg2"/>
+                </a:solidFill>
+              </a:rPr>
+              <a:t> под формата на </a:t>
+            </a:r>
+            <a:r>
+              <a:rPr lang="bg-BG" sz="3000" b="1" dirty="0">
+                <a:solidFill>
+                  <a:schemeClr val="accent1"/>
+                </a:solidFill>
+              </a:rPr>
+              <a:t>текст</a:t>
+            </a:r>
+            <a:r>
+              <a:rPr lang="bg-BG" sz="3000" dirty="0">
+                <a:solidFill>
+                  <a:schemeClr val="bg2"/>
+                </a:solidFill>
+              </a:rPr>
+              <a:t>, която се използва от приложението, за да се </a:t>
+            </a:r>
+            <a:r>
+              <a:rPr lang="bg-BG" sz="3000" b="1" dirty="0">
+                <a:solidFill>
+                  <a:schemeClr val="accent1"/>
+                </a:solidFill>
+              </a:rPr>
+              <a:t>свърже</a:t>
+            </a:r>
+            <a:r>
+              <a:rPr lang="bg-BG" sz="3000" dirty="0">
+                <a:solidFill>
+                  <a:schemeClr val="bg2"/>
+                </a:solidFill>
+              </a:rPr>
+              <a:t> с </a:t>
+            </a:r>
+            <a:r>
+              <a:rPr lang="bg-BG" sz="3000" b="1" dirty="0">
+                <a:solidFill>
+                  <a:schemeClr val="bg2"/>
+                </a:solidFill>
+              </a:rPr>
+              <a:t>база данни</a:t>
+            </a:r>
+            <a:endParaRPr lang="en-US" sz="3000" b="1" dirty="0">
+              <a:solidFill>
+                <a:schemeClr val="bg2"/>
+              </a:solidFill>
+            </a:endParaRPr>
           </a:p>
         </p:txBody>
       </p:sp>
@@ -25688,7 +28957,7 @@
             <a:fld id="{2BF067CD-8E6B-4360-9AA8-C5DF2A48A6D1}" type="slidenum">
               <a:rPr lang="en-US" noProof="0" smtClean="0"/>
               <a:pPr/>
-              <a:t>39</a:t>
+              <a:t>38</a:t>
             </a:fld>
             <a:endParaRPr lang="en-US" noProof="0" dirty="0"/>
           </a:p>
@@ -25797,39 +29066,26 @@
                                   </p:childTnLst>
                                 </p:cTn>
                               </p:par>
+                            </p:childTnLst>
+                          </p:cTn>
+                        </p:par>
+                      </p:childTnLst>
+                    </p:cTn>
+                  </p:par>
+                  <p:par>
+                    <p:cTn id="9" fill="hold">
+                      <p:stCondLst>
+                        <p:cond delay="indefinite"/>
+                      </p:stCondLst>
+                      <p:childTnLst>
+                        <p:par>
+                          <p:cTn id="10" fill="hold">
+                            <p:stCondLst>
+                              <p:cond delay="0"/>
+                            </p:stCondLst>
+                            <p:childTnLst>
                               <p:par>
-                                <p:cTn id="9" presetID="1" presetClass="entr" presetSubtype="0" fill="hold" nodeType="withEffect">
-                                  <p:stCondLst>
-                                    <p:cond delay="0"/>
-                                  </p:stCondLst>
-                                  <p:childTnLst>
-                                    <p:set>
-                                      <p:cBhvr>
-                                        <p:cTn id="10" dur="1" fill="hold">
-                                          <p:stCondLst>
-                                            <p:cond delay="0"/>
-                                          </p:stCondLst>
-                                        </p:cTn>
-                                        <p:tgtEl>
-                                          <p:spTgt spid="14">
-                                            <p:txEl>
-                                              <p:pRg st="2" end="2"/>
-                                            </p:txEl>
-                                          </p:spTgt>
-                                        </p:tgtEl>
-                                        <p:attrNameLst>
-                                          <p:attrName>style.visibility</p:attrName>
-                                        </p:attrNameLst>
-                                      </p:cBhvr>
-                                      <p:to>
-                                        <p:strVal val="visible"/>
-                                      </p:to>
-                                    </p:set>
-                                  </p:childTnLst>
-                                </p:cTn>
-                              </p:par>
-                              <p:par>
-                                <p:cTn id="11" presetID="1" presetClass="entr" presetSubtype="0" fill="hold" nodeType="withEffect">
+                                <p:cTn id="11" presetID="1" presetClass="entr" presetSubtype="0" fill="hold" nodeType="clickEffect">
                                   <p:stCondLst>
                                     <p:cond delay="0"/>
                                   </p:stCondLst>
@@ -25844,7 +29100,7 @@
                                         <p:tgtEl>
                                           <p:spTgt spid="14">
                                             <p:txEl>
-                                              <p:pRg st="3" end="3"/>
+                                              <p:pRg st="2" end="2"/>
                                             </p:txEl>
                                           </p:spTgt>
                                         </p:tgtEl>
@@ -25875,7 +29131,229 @@
                                         <p:tgtEl>
                                           <p:spTgt spid="14">
                                             <p:txEl>
+                                              <p:pRg st="3" end="3"/>
+                                            </p:txEl>
+                                          </p:spTgt>
+                                        </p:tgtEl>
+                                        <p:attrNameLst>
+                                          <p:attrName>style.visibility</p:attrName>
+                                        </p:attrNameLst>
+                                      </p:cBhvr>
+                                      <p:to>
+                                        <p:strVal val="visible"/>
+                                      </p:to>
+                                    </p:set>
+                                  </p:childTnLst>
+                                </p:cTn>
+                              </p:par>
+                              <p:par>
+                                <p:cTn id="15" presetID="1" presetClass="entr" presetSubtype="0" fill="hold" nodeType="withEffect">
+                                  <p:stCondLst>
+                                    <p:cond delay="0"/>
+                                  </p:stCondLst>
+                                  <p:childTnLst>
+                                    <p:set>
+                                      <p:cBhvr>
+                                        <p:cTn id="16" dur="1" fill="hold">
+                                          <p:stCondLst>
+                                            <p:cond delay="0"/>
+                                          </p:stCondLst>
+                                        </p:cTn>
+                                        <p:tgtEl>
+                                          <p:spTgt spid="14">
+                                            <p:txEl>
                                               <p:pRg st="4" end="4"/>
+                                            </p:txEl>
+                                          </p:spTgt>
+                                        </p:tgtEl>
+                                        <p:attrNameLst>
+                                          <p:attrName>style.visibility</p:attrName>
+                                        </p:attrNameLst>
+                                      </p:cBhvr>
+                                      <p:to>
+                                        <p:strVal val="visible"/>
+                                      </p:to>
+                                    </p:set>
+                                  </p:childTnLst>
+                                </p:cTn>
+                              </p:par>
+                            </p:childTnLst>
+                          </p:cTn>
+                        </p:par>
+                      </p:childTnLst>
+                    </p:cTn>
+                  </p:par>
+                  <p:par>
+                    <p:cTn id="17" fill="hold">
+                      <p:stCondLst>
+                        <p:cond delay="indefinite"/>
+                      </p:stCondLst>
+                      <p:childTnLst>
+                        <p:par>
+                          <p:cTn id="18" fill="hold">
+                            <p:stCondLst>
+                              <p:cond delay="0"/>
+                            </p:stCondLst>
+                            <p:childTnLst>
+                              <p:par>
+                                <p:cTn id="19" presetID="1" presetClass="entr" presetSubtype="0" fill="hold" nodeType="clickEffect">
+                                  <p:stCondLst>
+                                    <p:cond delay="0"/>
+                                  </p:stCondLst>
+                                  <p:childTnLst>
+                                    <p:set>
+                                      <p:cBhvr>
+                                        <p:cTn id="20" dur="1" fill="hold">
+                                          <p:stCondLst>
+                                            <p:cond delay="0"/>
+                                          </p:stCondLst>
+                                        </p:cTn>
+                                        <p:tgtEl>
+                                          <p:spTgt spid="14">
+                                            <p:txEl>
+                                              <p:pRg st="5" end="5"/>
+                                            </p:txEl>
+                                          </p:spTgt>
+                                        </p:tgtEl>
+                                        <p:attrNameLst>
+                                          <p:attrName>style.visibility</p:attrName>
+                                        </p:attrNameLst>
+                                      </p:cBhvr>
+                                      <p:to>
+                                        <p:strVal val="visible"/>
+                                      </p:to>
+                                    </p:set>
+                                  </p:childTnLst>
+                                </p:cTn>
+                              </p:par>
+                              <p:par>
+                                <p:cTn id="21" presetID="1" presetClass="entr" presetSubtype="0" fill="hold" nodeType="withEffect">
+                                  <p:stCondLst>
+                                    <p:cond delay="0"/>
+                                  </p:stCondLst>
+                                  <p:childTnLst>
+                                    <p:set>
+                                      <p:cBhvr>
+                                        <p:cTn id="22" dur="1" fill="hold">
+                                          <p:stCondLst>
+                                            <p:cond delay="0"/>
+                                          </p:stCondLst>
+                                        </p:cTn>
+                                        <p:tgtEl>
+                                          <p:spTgt spid="14">
+                                            <p:txEl>
+                                              <p:pRg st="6" end="6"/>
+                                            </p:txEl>
+                                          </p:spTgt>
+                                        </p:tgtEl>
+                                        <p:attrNameLst>
+                                          <p:attrName>style.visibility</p:attrName>
+                                        </p:attrNameLst>
+                                      </p:cBhvr>
+                                      <p:to>
+                                        <p:strVal val="visible"/>
+                                      </p:to>
+                                    </p:set>
+                                  </p:childTnLst>
+                                </p:cTn>
+                              </p:par>
+                              <p:par>
+                                <p:cTn id="23" presetID="1" presetClass="entr" presetSubtype="0" fill="hold" nodeType="withEffect">
+                                  <p:stCondLst>
+                                    <p:cond delay="0"/>
+                                  </p:stCondLst>
+                                  <p:childTnLst>
+                                    <p:set>
+                                      <p:cBhvr>
+                                        <p:cTn id="24" dur="1" fill="hold">
+                                          <p:stCondLst>
+                                            <p:cond delay="0"/>
+                                          </p:stCondLst>
+                                        </p:cTn>
+                                        <p:tgtEl>
+                                          <p:spTgt spid="14">
+                                            <p:txEl>
+                                              <p:pRg st="7" end="7"/>
+                                            </p:txEl>
+                                          </p:spTgt>
+                                        </p:tgtEl>
+                                        <p:attrNameLst>
+                                          <p:attrName>style.visibility</p:attrName>
+                                        </p:attrNameLst>
+                                      </p:cBhvr>
+                                      <p:to>
+                                        <p:strVal val="visible"/>
+                                      </p:to>
+                                    </p:set>
+                                  </p:childTnLst>
+                                </p:cTn>
+                              </p:par>
+                            </p:childTnLst>
+                          </p:cTn>
+                        </p:par>
+                      </p:childTnLst>
+                    </p:cTn>
+                  </p:par>
+                  <p:par>
+                    <p:cTn id="25" fill="hold">
+                      <p:stCondLst>
+                        <p:cond delay="indefinite"/>
+                      </p:stCondLst>
+                      <p:childTnLst>
+                        <p:par>
+                          <p:cTn id="26" fill="hold">
+                            <p:stCondLst>
+                              <p:cond delay="0"/>
+                            </p:stCondLst>
+                            <p:childTnLst>
+                              <p:par>
+                                <p:cTn id="27" presetID="1" presetClass="entr" presetSubtype="0" fill="hold" nodeType="clickEffect">
+                                  <p:stCondLst>
+                                    <p:cond delay="0"/>
+                                  </p:stCondLst>
+                                  <p:childTnLst>
+                                    <p:set>
+                                      <p:cBhvr>
+                                        <p:cTn id="28" dur="1" fill="hold">
+                                          <p:stCondLst>
+                                            <p:cond delay="0"/>
+                                          </p:stCondLst>
+                                        </p:cTn>
+                                        <p:tgtEl>
+                                          <p:spTgt spid="14">
+                                            <p:txEl>
+                                              <p:pRg st="8" end="8"/>
+                                            </p:txEl>
+                                          </p:spTgt>
+                                        </p:tgtEl>
+                                        <p:attrNameLst>
+                                          <p:attrName>style.visibility</p:attrName>
+                                        </p:attrNameLst>
+                                      </p:cBhvr>
+                                      <p:to>
+                                        <p:strVal val="visible"/>
+                                      </p:to>
+                                    </p:set>
+                                  </p:childTnLst>
+                                </p:cTn>
+                              </p:par>
+                              <p:par>
+                                <p:cTn id="29" presetID="1" presetClass="entr" presetSubtype="0" fill="hold" nodeType="withEffect">
+                                  <p:stCondLst>
+                                    <p:cond delay="0"/>
+                                  </p:stCondLst>
+                                  <p:childTnLst>
+                                    <p:set>
+                                      <p:cBhvr>
+                                        <p:cTn id="30" dur="1" fill="hold">
+                                          <p:stCondLst>
+                                            <p:cond delay="0"/>
+                                          </p:stCondLst>
+                                        </p:cTn>
+                                        <p:tgtEl>
+                                          <p:spTgt spid="14">
+                                            <p:txEl>
+                                              <p:pRg st="9" end="9"/>
                                             </p:txEl>
                                           </p:spTgt>
                                         </p:tgtEl>
@@ -25918,6 +29396,196 @@
       </p:par>
     </p:tnLst>
   </p:timing>
+</p:sld>
+</file>
+
+<file path=ppt/slides/slide39.xml><?xml version="1.0" encoding="utf-8"?>
+<p:sld xmlns:a="http://schemas.openxmlformats.org/drawingml/2006/main" xmlns:r="http://schemas.openxmlformats.org/officeDocument/2006/relationships" xmlns:p="http://schemas.openxmlformats.org/presentationml/2006/main">
+  <p:cSld>
+    <p:spTree>
+      <p:nvGrpSpPr>
+        <p:cNvPr id="1" name=""/>
+        <p:cNvGrpSpPr/>
+        <p:nvPr/>
+      </p:nvGrpSpPr>
+      <p:grpSpPr>
+        <a:xfrm>
+          <a:off x="0" y="0"/>
+          <a:ext cx="0" cy="0"/>
+          <a:chOff x="0" y="0"/>
+          <a:chExt cx="0" cy="0"/>
+        </a:xfrm>
+      </p:grpSpPr>
+      <p:sp>
+        <p:nvSpPr>
+          <p:cNvPr id="5" name="Slide Title">
+            <a:extLst>
+              <a:ext uri="{FF2B5EF4-FFF2-40B4-BE49-F238E27FC236}">
+                <a16:creationId xmlns:a16="http://schemas.microsoft.com/office/drawing/2014/main" id="{FA0703FC-0F8F-4C80-A615-E4B381EC0E0C}"/>
+              </a:ext>
+            </a:extLst>
+          </p:cNvPr>
+          <p:cNvSpPr>
+            <a:spLocks noGrp="1"/>
+          </p:cNvSpPr>
+          <p:nvPr>
+            <p:ph type="title"/>
+          </p:nvPr>
+        </p:nvSpPr>
+        <p:spPr/>
+        <p:txBody>
+          <a:bodyPr/>
+          <a:lstStyle/>
+          <a:p>
+            <a:r>
+              <a:rPr lang="bg-BG" dirty="0"/>
+              <a:t>Въпроси</a:t>
+            </a:r>
+            <a:r>
+              <a:rPr lang="en-US" dirty="0"/>
+              <a:t>?</a:t>
+            </a:r>
+          </a:p>
+        </p:txBody>
+      </p:sp>
+      <p:sp>
+        <p:nvSpPr>
+          <p:cNvPr id="2" name="Rectangle Bottom Copyright">
+            <a:extLst>
+              <a:ext uri="{FF2B5EF4-FFF2-40B4-BE49-F238E27FC236}">
+                <a16:creationId xmlns:a16="http://schemas.microsoft.com/office/drawing/2014/main" id="{664812A4-2991-44D1-BFE9-32E55AADF8A5}"/>
+              </a:ext>
+            </a:extLst>
+          </p:cNvPr>
+          <p:cNvSpPr/>
+          <p:nvPr/>
+        </p:nvSpPr>
+        <p:spPr>
+          <a:xfrm>
+            <a:off x="111000" y="6454758"/>
+            <a:ext cx="11970000" cy="304242"/>
+          </a:xfrm>
+          <a:prstGeom prst="rect">
+            <a:avLst/>
+          </a:prstGeom>
+        </p:spPr>
+        <p:txBody>
+          <a:bodyPr wrap="square">
+            <a:noAutofit/>
+          </a:bodyPr>
+          <a:lstStyle/>
+          <a:p>
+            <a:pPr algn="ctr">
+              <a:lnSpc>
+                <a:spcPct val="100000"/>
+              </a:lnSpc>
+              <a:spcBef>
+                <a:spcPts val="0"/>
+              </a:spcBef>
+              <a:spcAft>
+                <a:spcPts val="0"/>
+              </a:spcAft>
+            </a:pPr>
+            <a:r>
+              <a:rPr lang="bg-BG" sz="1600" dirty="0">
+                <a:solidFill>
+                  <a:schemeClr val="bg2"/>
+                </a:solidFill>
+                <a:effectLst/>
+                <a:latin typeface="Calibri" panose="020F0502020204030204" pitchFamily="34" charset="0"/>
+                <a:ea typeface="Calibri" panose="020F0502020204030204" pitchFamily="34" charset="0"/>
+                <a:cs typeface="Arial" panose="020B0604020202020204" pitchFamily="34" charset="0"/>
+              </a:rPr>
+              <a:t>Проект "</a:t>
+            </a:r>
+            <a:r>
+              <a:rPr lang="bg-BG" sz="1600" dirty="0">
+                <a:solidFill>
+                  <a:schemeClr val="bg1">
+                    <a:lumMod val="20000"/>
+                    <a:lumOff val="80000"/>
+                  </a:schemeClr>
+                </a:solidFill>
+                <a:effectLst/>
+                <a:latin typeface="Calibri" panose="020F0502020204030204" pitchFamily="34" charset="0"/>
+                <a:ea typeface="Calibri" panose="020F0502020204030204" pitchFamily="34" charset="0"/>
+                <a:cs typeface="Arial" panose="020B0604020202020204" pitchFamily="34" charset="0"/>
+                <a:hlinkClick r:id="rId3">
+                  <a:extLst>
+                    <a:ext uri="{A12FA001-AC4F-418D-AE19-62706E023703}">
+                      <ahyp:hlinkClr xmlns:ahyp="http://schemas.microsoft.com/office/drawing/2018/hyperlinkcolor" val="tx"/>
+                    </a:ext>
+                  </a:extLst>
+                </a:hlinkClick>
+              </a:rPr>
+              <a:t>Отворено учебно съдържание по програмиране и ИТ</a:t>
+            </a:r>
+            <a:r>
+              <a:rPr lang="bg-BG" sz="1600" dirty="0">
+                <a:solidFill>
+                  <a:schemeClr val="bg2"/>
+                </a:solidFill>
+                <a:effectLst/>
+                <a:latin typeface="Calibri" panose="020F0502020204030204" pitchFamily="34" charset="0"/>
+                <a:ea typeface="Calibri" panose="020F0502020204030204" pitchFamily="34" charset="0"/>
+                <a:cs typeface="Arial" panose="020B0604020202020204" pitchFamily="34" charset="0"/>
+              </a:rPr>
+              <a:t>", СофтУни Фондация (лиценз </a:t>
+            </a:r>
+            <a:r>
+              <a:rPr lang="en-US" sz="1600" dirty="0">
+                <a:solidFill>
+                  <a:schemeClr val="bg2"/>
+                </a:solidFill>
+                <a:effectLst/>
+                <a:latin typeface="Calibri" panose="020F0502020204030204" pitchFamily="34" charset="0"/>
+                <a:ea typeface="Calibri" panose="020F0502020204030204" pitchFamily="34" charset="0"/>
+                <a:cs typeface="Arial" panose="020B0604020202020204" pitchFamily="34" charset="0"/>
+              </a:rPr>
+              <a:t>CC-BY-NC-SA</a:t>
+            </a:r>
+            <a:r>
+              <a:rPr lang="bg-BG" sz="1600" dirty="0">
+                <a:solidFill>
+                  <a:schemeClr val="bg2"/>
+                </a:solidFill>
+                <a:effectLst/>
+                <a:latin typeface="Calibri" panose="020F0502020204030204" pitchFamily="34" charset="0"/>
+                <a:ea typeface="Calibri" panose="020F0502020204030204" pitchFamily="34" charset="0"/>
+                <a:cs typeface="Arial" panose="020B0604020202020204" pitchFamily="34" charset="0"/>
+              </a:rPr>
+              <a:t>)</a:t>
+            </a:r>
+            <a:endParaRPr lang="bg-BG" sz="2400" dirty="0">
+              <a:solidFill>
+                <a:schemeClr val="bg2"/>
+              </a:solidFill>
+              <a:effectLst/>
+              <a:latin typeface="Calibri" panose="020F0502020204030204" pitchFamily="34" charset="0"/>
+              <a:ea typeface="Calibri" panose="020F0502020204030204" pitchFamily="34" charset="0"/>
+              <a:cs typeface="Arial" panose="020B0604020202020204" pitchFamily="34" charset="0"/>
+            </a:endParaRPr>
+          </a:p>
+        </p:txBody>
+      </p:sp>
+    </p:spTree>
+    <p:extLst>
+      <p:ext uri="{BB962C8B-B14F-4D97-AF65-F5344CB8AC3E}">
+        <p14:creationId xmlns:p14="http://schemas.microsoft.com/office/powerpoint/2010/main" val="1472534970"/>
+      </p:ext>
+    </p:extLst>
+  </p:cSld>
+  <p:clrMapOvr>
+    <a:masterClrMapping/>
+  </p:clrMapOvr>
+  <mc:AlternateContent xmlns:mc="http://schemas.openxmlformats.org/markup-compatibility/2006" xmlns:p14="http://schemas.microsoft.com/office/powerpoint/2010/main">
+    <mc:Choice Requires="p14">
+      <p:transition spd="slow" p14:dur="2000" advClick="0" advTm="5000"/>
+    </mc:Choice>
+    <mc:Fallback xmlns="">
+      <p:transition spd="slow" advClick="0" advTm="5000"/>
+    </mc:Fallback>
+  </mc:AlternateContent>
 </p:sld>
 </file>
 
@@ -26120,7 +29788,7 @@
         </p:blipFill>
         <p:spPr>
           <a:xfrm>
-            <a:off x="4698979" y="3040108"/>
+            <a:off x="5511000" y="2873791"/>
             <a:ext cx="5767843" cy="2786710"/>
           </a:xfrm>
           <a:prstGeom prst="rect">
@@ -26157,8 +29825,8 @@
         </p:blipFill>
         <p:spPr>
           <a:xfrm>
-            <a:off x="1141248" y="3072101"/>
-            <a:ext cx="2417848" cy="2588400"/>
+            <a:off x="786000" y="2873791"/>
+            <a:ext cx="2603092" cy="2786711"/>
           </a:xfrm>
           <a:prstGeom prst="rect">
             <a:avLst/>
@@ -26186,8 +29854,8 @@
         </p:nvSpPr>
         <p:spPr>
           <a:xfrm>
-            <a:off x="3831903" y="4083731"/>
-            <a:ext cx="595549" cy="566510"/>
+            <a:off x="3959339" y="3914591"/>
+            <a:ext cx="981413" cy="705109"/>
           </a:xfrm>
           <a:prstGeom prst="rightArrow">
             <a:avLst/>
@@ -26256,6 +29924,9 @@
                     <p:cTn id="3" fill="hold">
                       <p:stCondLst>
                         <p:cond delay="indefinite"/>
+                        <p:cond evt="onBegin" delay="0">
+                          <p:tn val="2"/>
+                        </p:cond>
                       </p:stCondLst>
                       <p:childTnLst>
                         <p:par>
@@ -26265,7 +29936,7 @@
                             </p:stCondLst>
                             <p:childTnLst>
                               <p:par>
-                                <p:cTn id="5" presetID="1" presetClass="entr" presetSubtype="0" fill="hold" nodeType="clickEffect">
+                                <p:cTn id="5" presetID="1" presetClass="entr" presetSubtype="0" fill="hold" nodeType="withEffect">
                                   <p:stCondLst>
                                     <p:cond delay="0"/>
                                   </p:stCondLst>
@@ -26295,33 +29966,15 @@
                                   </p:childTnLst>
                                 </p:cTn>
                               </p:par>
-                            </p:childTnLst>
-                          </p:cTn>
-                        </p:par>
-                      </p:childTnLst>
-                    </p:cTn>
-                  </p:par>
-                  <p:par>
-                    <p:cTn id="7" fill="hold">
-                      <p:stCondLst>
-                        <p:cond delay="indefinite"/>
-                      </p:stCondLst>
-                      <p:childTnLst>
-                        <p:par>
-                          <p:cTn id="8" fill="hold">
-                            <p:stCondLst>
-                              <p:cond delay="0"/>
-                            </p:stCondLst>
-                            <p:childTnLst>
                               <p:par>
-                                <p:cTn id="9" presetID="1" presetClass="entr" presetSubtype="0" fill="hold" nodeType="clickEffect">
+                                <p:cTn id="7" presetID="1" presetClass="entr" presetSubtype="0" fill="hold" nodeType="withEffect">
                                   <p:stCondLst>
                                     <p:cond delay="0"/>
                                   </p:stCondLst>
                                   <p:childTnLst>
                                     <p:set>
                                       <p:cBhvr>
-                                        <p:cTn id="10" dur="1" fill="hold">
+                                        <p:cTn id="8" dur="1" fill="hold">
                                           <p:stCondLst>
                                             <p:cond delay="0"/>
                                           </p:stCondLst>
@@ -26340,8 +29993,26 @@
                                   </p:childTnLst>
                                 </p:cTn>
                               </p:par>
+                            </p:childTnLst>
+                          </p:cTn>
+                        </p:par>
+                      </p:childTnLst>
+                    </p:cTn>
+                  </p:par>
+                  <p:par>
+                    <p:cTn id="9" fill="hold">
+                      <p:stCondLst>
+                        <p:cond delay="indefinite"/>
+                      </p:stCondLst>
+                      <p:childTnLst>
+                        <p:par>
+                          <p:cTn id="10" fill="hold">
+                            <p:stCondLst>
+                              <p:cond delay="0"/>
+                            </p:stCondLst>
+                            <p:childTnLst>
                               <p:par>
-                                <p:cTn id="11" presetID="1" presetClass="entr" presetSubtype="0" fill="hold" nodeType="withEffect">
+                                <p:cTn id="11" presetID="1" presetClass="entr" presetSubtype="0" fill="hold" grpId="0" nodeType="clickEffect">
                                   <p:stCondLst>
                                     <p:cond delay="0"/>
                                   </p:stCondLst>
@@ -26354,7 +30025,7 @@
                                           </p:stCondLst>
                                         </p:cTn>
                                         <p:tgtEl>
-                                          <p:spTgt spid="2"/>
+                                          <p:spTgt spid="6"/>
                                         </p:tgtEl>
                                         <p:attrNameLst>
                                           <p:attrName>style.visibility</p:attrName>
@@ -26368,7 +30039,7 @@
                                 </p:cTn>
                               </p:par>
                               <p:par>
-                                <p:cTn id="13" presetID="1" presetClass="entr" presetSubtype="0" fill="hold" grpId="0" nodeType="withEffect">
+                                <p:cTn id="13" presetID="1" presetClass="entr" presetSubtype="0" fill="hold" nodeType="withEffect">
                                   <p:stCondLst>
                                     <p:cond delay="0"/>
                                   </p:stCondLst>
@@ -26381,7 +30052,7 @@
                                           </p:stCondLst>
                                         </p:cTn>
                                         <p:tgtEl>
-                                          <p:spTgt spid="6"/>
+                                          <p:spTgt spid="2"/>
                                         </p:tgtEl>
                                         <p:attrNameLst>
                                           <p:attrName>style.visibility</p:attrName>
@@ -26447,196 +30118,6 @@
       </p:grpSpPr>
       <p:sp>
         <p:nvSpPr>
-          <p:cNvPr id="5" name="Slide Title">
-            <a:extLst>
-              <a:ext uri="{FF2B5EF4-FFF2-40B4-BE49-F238E27FC236}">
-                <a16:creationId xmlns:a16="http://schemas.microsoft.com/office/drawing/2014/main" id="{FA0703FC-0F8F-4C80-A615-E4B381EC0E0C}"/>
-              </a:ext>
-            </a:extLst>
-          </p:cNvPr>
-          <p:cNvSpPr>
-            <a:spLocks noGrp="1"/>
-          </p:cNvSpPr>
-          <p:nvPr>
-            <p:ph type="title"/>
-          </p:nvPr>
-        </p:nvSpPr>
-        <p:spPr/>
-        <p:txBody>
-          <a:bodyPr/>
-          <a:lstStyle/>
-          <a:p>
-            <a:r>
-              <a:rPr lang="bg-BG" dirty="0"/>
-              <a:t>Въпроси</a:t>
-            </a:r>
-            <a:r>
-              <a:rPr lang="en-US" dirty="0"/>
-              <a:t>?</a:t>
-            </a:r>
-          </a:p>
-        </p:txBody>
-      </p:sp>
-      <p:sp>
-        <p:nvSpPr>
-          <p:cNvPr id="2" name="Rectangle Bottom Copyright">
-            <a:extLst>
-              <a:ext uri="{FF2B5EF4-FFF2-40B4-BE49-F238E27FC236}">
-                <a16:creationId xmlns:a16="http://schemas.microsoft.com/office/drawing/2014/main" id="{664812A4-2991-44D1-BFE9-32E55AADF8A5}"/>
-              </a:ext>
-            </a:extLst>
-          </p:cNvPr>
-          <p:cNvSpPr/>
-          <p:nvPr/>
-        </p:nvSpPr>
-        <p:spPr>
-          <a:xfrm>
-            <a:off x="111000" y="6454758"/>
-            <a:ext cx="11970000" cy="304242"/>
-          </a:xfrm>
-          <a:prstGeom prst="rect">
-            <a:avLst/>
-          </a:prstGeom>
-        </p:spPr>
-        <p:txBody>
-          <a:bodyPr wrap="square">
-            <a:noAutofit/>
-          </a:bodyPr>
-          <a:lstStyle/>
-          <a:p>
-            <a:pPr algn="ctr">
-              <a:lnSpc>
-                <a:spcPct val="100000"/>
-              </a:lnSpc>
-              <a:spcBef>
-                <a:spcPts val="0"/>
-              </a:spcBef>
-              <a:spcAft>
-                <a:spcPts val="0"/>
-              </a:spcAft>
-            </a:pPr>
-            <a:r>
-              <a:rPr lang="bg-BG" sz="1600" dirty="0">
-                <a:solidFill>
-                  <a:schemeClr val="bg2"/>
-                </a:solidFill>
-                <a:effectLst/>
-                <a:latin typeface="Calibri" panose="020F0502020204030204" pitchFamily="34" charset="0"/>
-                <a:ea typeface="Calibri" panose="020F0502020204030204" pitchFamily="34" charset="0"/>
-                <a:cs typeface="Arial" panose="020B0604020202020204" pitchFamily="34" charset="0"/>
-              </a:rPr>
-              <a:t>Проект "</a:t>
-            </a:r>
-            <a:r>
-              <a:rPr lang="bg-BG" sz="1600" dirty="0">
-                <a:solidFill>
-                  <a:schemeClr val="bg1">
-                    <a:lumMod val="20000"/>
-                    <a:lumOff val="80000"/>
-                  </a:schemeClr>
-                </a:solidFill>
-                <a:effectLst/>
-                <a:latin typeface="Calibri" panose="020F0502020204030204" pitchFamily="34" charset="0"/>
-                <a:ea typeface="Calibri" panose="020F0502020204030204" pitchFamily="34" charset="0"/>
-                <a:cs typeface="Arial" panose="020B0604020202020204" pitchFamily="34" charset="0"/>
-                <a:hlinkClick r:id="rId3">
-                  <a:extLst>
-                    <a:ext uri="{A12FA001-AC4F-418D-AE19-62706E023703}">
-                      <ahyp:hlinkClr xmlns:ahyp="http://schemas.microsoft.com/office/drawing/2018/hyperlinkcolor" val="tx"/>
-                    </a:ext>
-                  </a:extLst>
-                </a:hlinkClick>
-              </a:rPr>
-              <a:t>Отворено учебно съдържание по програмиране и ИТ</a:t>
-            </a:r>
-            <a:r>
-              <a:rPr lang="bg-BG" sz="1600" dirty="0">
-                <a:solidFill>
-                  <a:schemeClr val="bg2"/>
-                </a:solidFill>
-                <a:effectLst/>
-                <a:latin typeface="Calibri" panose="020F0502020204030204" pitchFamily="34" charset="0"/>
-                <a:ea typeface="Calibri" panose="020F0502020204030204" pitchFamily="34" charset="0"/>
-                <a:cs typeface="Arial" panose="020B0604020202020204" pitchFamily="34" charset="0"/>
-              </a:rPr>
-              <a:t>", СофтУни Фондация (лиценз </a:t>
-            </a:r>
-            <a:r>
-              <a:rPr lang="en-US" sz="1600" dirty="0">
-                <a:solidFill>
-                  <a:schemeClr val="bg2"/>
-                </a:solidFill>
-                <a:effectLst/>
-                <a:latin typeface="Calibri" panose="020F0502020204030204" pitchFamily="34" charset="0"/>
-                <a:ea typeface="Calibri" panose="020F0502020204030204" pitchFamily="34" charset="0"/>
-                <a:cs typeface="Arial" panose="020B0604020202020204" pitchFamily="34" charset="0"/>
-              </a:rPr>
-              <a:t>CC-BY-NC-SA</a:t>
-            </a:r>
-            <a:r>
-              <a:rPr lang="bg-BG" sz="1600" dirty="0">
-                <a:solidFill>
-                  <a:schemeClr val="bg2"/>
-                </a:solidFill>
-                <a:effectLst/>
-                <a:latin typeface="Calibri" panose="020F0502020204030204" pitchFamily="34" charset="0"/>
-                <a:ea typeface="Calibri" panose="020F0502020204030204" pitchFamily="34" charset="0"/>
-                <a:cs typeface="Arial" panose="020B0604020202020204" pitchFamily="34" charset="0"/>
-              </a:rPr>
-              <a:t>)</a:t>
-            </a:r>
-            <a:endParaRPr lang="bg-BG" sz="2400" dirty="0">
-              <a:solidFill>
-                <a:schemeClr val="bg2"/>
-              </a:solidFill>
-              <a:effectLst/>
-              <a:latin typeface="Calibri" panose="020F0502020204030204" pitchFamily="34" charset="0"/>
-              <a:ea typeface="Calibri" panose="020F0502020204030204" pitchFamily="34" charset="0"/>
-              <a:cs typeface="Arial" panose="020B0604020202020204" pitchFamily="34" charset="0"/>
-            </a:endParaRPr>
-          </a:p>
-        </p:txBody>
-      </p:sp>
-    </p:spTree>
-    <p:extLst>
-      <p:ext uri="{BB962C8B-B14F-4D97-AF65-F5344CB8AC3E}">
-        <p14:creationId xmlns:p14="http://schemas.microsoft.com/office/powerpoint/2010/main" val="1472534970"/>
-      </p:ext>
-    </p:extLst>
-  </p:cSld>
-  <p:clrMapOvr>
-    <a:masterClrMapping/>
-  </p:clrMapOvr>
-  <mc:AlternateContent xmlns:mc="http://schemas.openxmlformats.org/markup-compatibility/2006" xmlns:p14="http://schemas.microsoft.com/office/powerpoint/2010/main">
-    <mc:Choice Requires="p14">
-      <p:transition spd="slow" p14:dur="2000" advClick="0" advTm="5000"/>
-    </mc:Choice>
-    <mc:Fallback xmlns="">
-      <p:transition spd="slow" advClick="0" advTm="5000"/>
-    </mc:Fallback>
-  </mc:AlternateContent>
-</p:sld>
-</file>
-
-<file path=ppt/slides/slide41.xml><?xml version="1.0" encoding="utf-8"?>
-<p:sld xmlns:a="http://schemas.openxmlformats.org/drawingml/2006/main" xmlns:r="http://schemas.openxmlformats.org/officeDocument/2006/relationships" xmlns:p="http://schemas.openxmlformats.org/presentationml/2006/main">
-  <p:cSld>
-    <p:spTree>
-      <p:nvGrpSpPr>
-        <p:cNvPr id="1" name=""/>
-        <p:cNvGrpSpPr/>
-        <p:nvPr/>
-      </p:nvGrpSpPr>
-      <p:grpSpPr>
-        <a:xfrm>
-          <a:off x="0" y="0"/>
-          <a:ext cx="0" cy="0"/>
-          <a:chOff x="0" y="0"/>
-          <a:chExt cx="0" cy="0"/>
-        </a:xfrm>
-      </p:grpSpPr>
-      <p:sp>
-        <p:nvSpPr>
           <p:cNvPr id="5" name="Slide Number">
             <a:extLst>
               <a:ext uri="{FF2B5EF4-FFF2-40B4-BE49-F238E27FC236}">
@@ -26671,7 +30152,7 @@
             <a:fld id="{2BF067CD-8E6B-4360-9AA8-C5DF2A48A6D1}" type="slidenum">
               <a:rPr lang="en-US" smtClean="0"/>
               <a:pPr/>
-              <a:t>41</a:t>
+              <a:t>40</a:t>
             </a:fld>
             <a:endParaRPr lang="en-US" dirty="0"/>
           </a:p>
@@ -27629,6 +31110,9 @@
                     <p:cTn id="3" fill="hold">
                       <p:stCondLst>
                         <p:cond delay="indefinite"/>
+                        <p:cond evt="onBegin" delay="0">
+                          <p:tn val="2"/>
+                        </p:cond>
                       </p:stCondLst>
                       <p:childTnLst>
                         <p:par>
@@ -27638,7 +31122,7 @@
                             </p:stCondLst>
                             <p:childTnLst>
                               <p:par>
-                                <p:cTn id="5" presetID="1" presetClass="entr" presetSubtype="0" fill="hold" nodeType="clickEffect">
+                                <p:cTn id="5" presetID="1" presetClass="entr" presetSubtype="0" fill="hold" nodeType="withEffect">
                                   <p:stCondLst>
                                     <p:cond delay="0"/>
                                   </p:stCondLst>
@@ -27717,43 +31201,21 @@
                                   </p:childTnLst>
                                 </p:cTn>
                               </p:par>
-                            </p:childTnLst>
-                          </p:cTn>
-                        </p:par>
-                      </p:childTnLst>
-                    </p:cTn>
-                  </p:par>
-                  <p:par>
-                    <p:cTn id="11" fill="hold">
-                      <p:stCondLst>
-                        <p:cond delay="indefinite"/>
-                      </p:stCondLst>
-                      <p:childTnLst>
-                        <p:par>
-                          <p:cTn id="12" fill="hold">
-                            <p:stCondLst>
-                              <p:cond delay="0"/>
-                            </p:stCondLst>
-                            <p:childTnLst>
                               <p:par>
-                                <p:cTn id="13" presetID="1" presetClass="entr" presetSubtype="0" fill="hold" nodeType="clickEffect">
+                                <p:cTn id="11" presetID="1" presetClass="entr" presetSubtype="0" fill="hold" grpId="0" nodeType="withEffect">
                                   <p:stCondLst>
                                     <p:cond delay="0"/>
                                   </p:stCondLst>
                                   <p:childTnLst>
                                     <p:set>
                                       <p:cBhvr>
-                                        <p:cTn id="14" dur="1" fill="hold">
+                                        <p:cTn id="12" dur="1" fill="hold">
                                           <p:stCondLst>
                                             <p:cond delay="0"/>
                                           </p:stCondLst>
                                         </p:cTn>
                                         <p:tgtEl>
-                                          <p:spTgt spid="7">
-                                            <p:txEl>
-                                              <p:pRg st="6" end="6"/>
-                                            </p:txEl>
-                                          </p:spTgt>
+                                          <p:spTgt spid="3"/>
                                         </p:tgtEl>
                                         <p:attrNameLst>
                                           <p:attrName>style.visibility</p:attrName>
@@ -27773,19 +31235,46 @@
                     </p:cTn>
                   </p:par>
                   <p:par>
-                    <p:cTn id="15" fill="hold">
+                    <p:cTn id="13" fill="hold">
                       <p:stCondLst>
                         <p:cond delay="indefinite"/>
                       </p:stCondLst>
                       <p:childTnLst>
                         <p:par>
-                          <p:cTn id="16" fill="hold">
+                          <p:cTn id="14" fill="hold">
                             <p:stCondLst>
                               <p:cond delay="0"/>
                             </p:stCondLst>
                             <p:childTnLst>
                               <p:par>
-                                <p:cTn id="17" presetID="1" presetClass="entr" presetSubtype="0" fill="hold" nodeType="clickEffect">
+                                <p:cTn id="15" presetID="1" presetClass="entr" presetSubtype="0" fill="hold" grpId="0" nodeType="clickEffect">
+                                  <p:stCondLst>
+                                    <p:cond delay="0"/>
+                                  </p:stCondLst>
+                                  <p:childTnLst>
+                                    <p:set>
+                                      <p:cBhvr>
+                                        <p:cTn id="16" dur="1" fill="hold">
+                                          <p:stCondLst>
+                                            <p:cond delay="0"/>
+                                          </p:stCondLst>
+                                        </p:cTn>
+                                        <p:tgtEl>
+                                          <p:spTgt spid="2"/>
+                                        </p:tgtEl>
+                                        <p:attrNameLst>
+                                          <p:attrName>style.visibility</p:attrName>
+                                        </p:attrNameLst>
+                                      </p:cBhvr>
+                                      <p:to>
+                                        <p:strVal val="visible"/>
+                                      </p:to>
+                                    </p:set>
+                                  </p:childTnLst>
+                                </p:cTn>
+                              </p:par>
+                              <p:par>
+                                <p:cTn id="17" presetID="1" presetClass="entr" presetSubtype="0" fill="hold" grpId="0" nodeType="withEffect">
                                   <p:stCondLst>
                                     <p:cond delay="0"/>
                                   </p:stCondLst>
@@ -27798,11 +31287,7 @@
                                           </p:stCondLst>
                                         </p:cTn>
                                         <p:tgtEl>
-                                          <p:spTgt spid="7">
-                                            <p:txEl>
-                                              <p:pRg st="7" end="7"/>
-                                            </p:txEl>
-                                          </p:spTgt>
+                                          <p:spTgt spid="5"/>
                                         </p:tgtEl>
                                         <p:attrNameLst>
                                           <p:attrName>style.visibility</p:attrName>
@@ -27834,7 +31319,7 @@
                             </p:stCondLst>
                             <p:childTnLst>
                               <p:par>
-                                <p:cTn id="21" presetID="1" presetClass="entr" presetSubtype="0" fill="hold" grpId="0" nodeType="clickEffect">
+                                <p:cTn id="21" presetID="1" presetClass="entr" presetSubtype="0" fill="hold" nodeType="clickEffect">
                                   <p:stCondLst>
                                     <p:cond delay="0"/>
                                   </p:stCondLst>
@@ -27847,7 +31332,11 @@
                                           </p:stCondLst>
                                         </p:cTn>
                                         <p:tgtEl>
-                                          <p:spTgt spid="3"/>
+                                          <p:spTgt spid="7">
+                                            <p:txEl>
+                                              <p:pRg st="6" end="6"/>
+                                            </p:txEl>
+                                          </p:spTgt>
                                         </p:tgtEl>
                                         <p:attrNameLst>
                                           <p:attrName>style.visibility</p:attrName>
@@ -27879,7 +31368,7 @@
                             </p:stCondLst>
                             <p:childTnLst>
                               <p:par>
-                                <p:cTn id="25" presetID="1" presetClass="entr" presetSubtype="0" fill="hold" grpId="0" nodeType="clickEffect">
+                                <p:cTn id="25" presetID="1" presetClass="entr" presetSubtype="0" fill="hold" nodeType="clickEffect">
                                   <p:stCondLst>
                                     <p:cond delay="0"/>
                                   </p:stCondLst>
@@ -27892,34 +31381,11 @@
                                           </p:stCondLst>
                                         </p:cTn>
                                         <p:tgtEl>
-                                          <p:spTgt spid="2"/>
-                                        </p:tgtEl>
-                                        <p:attrNameLst>
-                                          <p:attrName>style.visibility</p:attrName>
-                                        </p:attrNameLst>
-                                      </p:cBhvr>
-                                      <p:to>
-                                        <p:strVal val="visible"/>
-                                      </p:to>
-                                    </p:set>
-                                  </p:childTnLst>
-                                </p:cTn>
-                              </p:par>
-                              <p:par>
-                                <p:cTn id="27" presetID="1" presetClass="entr" presetSubtype="0" fill="hold" grpId="0" nodeType="withEffect">
-                                  <p:stCondLst>
-                                    <p:cond delay="0"/>
-                                  </p:stCondLst>
-                                  <p:childTnLst>
-                                    <p:set>
-                                      <p:cBhvr>
-                                        <p:cTn id="28" dur="1" fill="hold">
-                                          <p:stCondLst>
-                                            <p:cond delay="0"/>
-                                          </p:stCondLst>
-                                        </p:cTn>
-                                        <p:tgtEl>
-                                          <p:spTgt spid="5"/>
+                                          <p:spTgt spid="7">
+                                            <p:txEl>
+                                              <p:pRg st="7" end="7"/>
+                                            </p:txEl>
+                                          </p:spTgt>
                                         </p:tgtEl>
                                         <p:attrNameLst>
                                           <p:attrName>style.visibility</p:attrName>
@@ -28739,7 +32205,7 @@
                 </a:effectLst>
                 <a:cs typeface="Consolas" pitchFamily="49" charset="0"/>
               </a:rPr>
-              <a:t>ORM е</a:t>
+              <a:t>ORM </a:t>
             </a:r>
             <a:r>
               <a:rPr lang="bg-BG" sz="1999" b="1" noProof="1">
@@ -28755,7 +32221,7 @@
                 </a:effectLst>
                 <a:cs typeface="Consolas" pitchFamily="49" charset="0"/>
               </a:rPr>
-              <a:t>диници</a:t>
+              <a:t>обекти</a:t>
             </a:r>
             <a:endParaRPr lang="en-US" sz="1999" b="1" noProof="1">
               <a:solidFill>
@@ -28862,6 +32328,9 @@
                     <p:cTn id="3" fill="hold">
                       <p:stCondLst>
                         <p:cond delay="indefinite"/>
+                        <p:cond evt="onBegin" delay="0">
+                          <p:tn val="2"/>
+                        </p:cond>
                       </p:stCondLst>
                       <p:childTnLst>
                         <p:par>
@@ -28871,7 +32340,7 @@
                             </p:stCondLst>
                             <p:childTnLst>
                               <p:par>
-                                <p:cTn id="5" presetID="1" presetClass="entr" presetSubtype="0" fill="hold" grpId="0" nodeType="clickEffect">
+                                <p:cTn id="5" presetID="1" presetClass="entr" presetSubtype="0" fill="hold" nodeType="withEffect">
                                   <p:stCondLst>
                                     <p:cond delay="0"/>
                                   </p:stCondLst>
@@ -28879,6 +32348,105 @@
                                     <p:set>
                                       <p:cBhvr>
                                         <p:cTn id="6" dur="1" fill="hold">
+                                          <p:stCondLst>
+                                            <p:cond delay="0"/>
+                                          </p:stCondLst>
+                                        </p:cTn>
+                                        <p:tgtEl>
+                                          <p:spTgt spid="6"/>
+                                        </p:tgtEl>
+                                        <p:attrNameLst>
+                                          <p:attrName>style.visibility</p:attrName>
+                                        </p:attrNameLst>
+                                      </p:cBhvr>
+                                      <p:to>
+                                        <p:strVal val="visible"/>
+                                      </p:to>
+                                    </p:set>
+                                  </p:childTnLst>
+                                </p:cTn>
+                              </p:par>
+                              <p:par>
+                                <p:cTn id="7" presetID="1" presetClass="entr" presetSubtype="0" fill="hold" nodeType="withEffect">
+                                  <p:stCondLst>
+                                    <p:cond delay="0"/>
+                                  </p:stCondLst>
+                                  <p:childTnLst>
+                                    <p:set>
+                                      <p:cBhvr>
+                                        <p:cTn id="8" dur="1" fill="hold">
+                                          <p:stCondLst>
+                                            <p:cond delay="0"/>
+                                          </p:stCondLst>
+                                        </p:cTn>
+                                        <p:tgtEl>
+                                          <p:spTgt spid="8"/>
+                                        </p:tgtEl>
+                                        <p:attrNameLst>
+                                          <p:attrName>style.visibility</p:attrName>
+                                        </p:attrNameLst>
+                                      </p:cBhvr>
+                                      <p:to>
+                                        <p:strVal val="visible"/>
+                                      </p:to>
+                                    </p:set>
+                                  </p:childTnLst>
+                                </p:cTn>
+                              </p:par>
+                              <p:par>
+                                <p:cTn id="9" presetID="1" presetClass="entr" presetSubtype="0" fill="hold" nodeType="withEffect">
+                                  <p:stCondLst>
+                                    <p:cond delay="0"/>
+                                  </p:stCondLst>
+                                  <p:childTnLst>
+                                    <p:set>
+                                      <p:cBhvr>
+                                        <p:cTn id="10" dur="1" fill="hold">
+                                          <p:stCondLst>
+                                            <p:cond delay="0"/>
+                                          </p:stCondLst>
+                                        </p:cTn>
+                                        <p:tgtEl>
+                                          <p:spTgt spid="10"/>
+                                        </p:tgtEl>
+                                        <p:attrNameLst>
+                                          <p:attrName>style.visibility</p:attrName>
+                                        </p:attrNameLst>
+                                      </p:cBhvr>
+                                      <p:to>
+                                        <p:strVal val="visible"/>
+                                      </p:to>
+                                    </p:set>
+                                  </p:childTnLst>
+                                </p:cTn>
+                              </p:par>
+                            </p:childTnLst>
+                          </p:cTn>
+                        </p:par>
+                      </p:childTnLst>
+                    </p:cTn>
+                  </p:par>
+                  <p:par>
+                    <p:cTn id="11" fill="hold">
+                      <p:stCondLst>
+                        <p:cond delay="indefinite"/>
+                      </p:stCondLst>
+                      <p:childTnLst>
+                        <p:par>
+                          <p:cTn id="12" fill="hold">
+                            <p:stCondLst>
+                              <p:cond delay="0"/>
+                            </p:stCondLst>
+                            <p:childTnLst>
+                              <p:par>
+                                <p:cTn id="13" presetID="1" presetClass="entr" presetSubtype="0" fill="hold" grpId="0" nodeType="clickEffect">
+                                  <p:stCondLst>
+                                    <p:cond delay="0"/>
+                                  </p:stCondLst>
+                                  <p:childTnLst>
+                                    <p:set>
+                                      <p:cBhvr>
+                                        <p:cTn id="14" dur="1" fill="hold">
                                           <p:stCondLst>
                                             <p:cond delay="0"/>
                                           </p:stCondLst>
@@ -28904,26 +32472,26 @@
                     </p:cTn>
                   </p:par>
                   <p:par>
-                    <p:cTn id="7" fill="hold">
+                    <p:cTn id="15" fill="hold">
                       <p:stCondLst>
                         <p:cond delay="indefinite"/>
                       </p:stCondLst>
                       <p:childTnLst>
                         <p:par>
-                          <p:cTn id="8" fill="hold">
+                          <p:cTn id="16" fill="hold">
                             <p:stCondLst>
                               <p:cond delay="0"/>
                             </p:stCondLst>
                             <p:childTnLst>
                               <p:par>
-                                <p:cTn id="9" presetID="1" presetClass="entr" presetSubtype="0" fill="hold" grpId="0" nodeType="clickEffect">
+                                <p:cTn id="17" presetID="1" presetClass="entr" presetSubtype="0" fill="hold" grpId="0" nodeType="clickEffect">
                                   <p:stCondLst>
                                     <p:cond delay="0"/>
                                   </p:stCondLst>
                                   <p:childTnLst>
                                     <p:set>
                                       <p:cBhvr>
-                                        <p:cTn id="10" dur="1" fill="hold">
+                                        <p:cTn id="18" dur="1" fill="hold">
                                           <p:stCondLst>
                                             <p:cond delay="0"/>
                                           </p:stCondLst>
@@ -29017,7 +32585,7 @@
           <a:p>
             <a:r>
               <a:rPr lang="bg-BG" dirty="0"/>
-              <a:t>Основни подходи за създаване на</a:t>
+              <a:t>Подходи за работа с</a:t>
             </a:r>
             <a:r>
               <a:rPr lang="en-US" dirty="0"/>
@@ -29225,15 +32793,27 @@
               <a:t>– първо се </a:t>
             </a:r>
             <a:r>
-              <a:rPr lang="bg-BG" b="1" dirty="0"/>
+              <a:rPr lang="bg-BG" b="1" dirty="0">
+                <a:solidFill>
+                  <a:schemeClr val="bg1"/>
+                </a:solidFill>
+              </a:rPr>
               <a:t>създават</a:t>
             </a:r>
             <a:r>
-              <a:rPr lang="bg-BG" dirty="0"/>
+              <a:rPr lang="bg-BG" dirty="0">
+                <a:solidFill>
+                  <a:schemeClr val="bg1"/>
+                </a:solidFill>
+              </a:rPr>
               <a:t> </a:t>
             </a:r>
             <a:r>
-              <a:rPr lang="bg-BG" b="1" dirty="0"/>
+              <a:rPr lang="bg-BG" b="1" dirty="0">
+                <a:solidFill>
+                  <a:schemeClr val="bg1"/>
+                </a:solidFill>
+              </a:rPr>
               <a:t>класове</a:t>
             </a:r>
             <a:r>
@@ -29249,26 +32829,50 @@
               <a:t> и след това </a:t>
             </a:r>
             <a:r>
-              <a:rPr lang="en-US" b="1" dirty="0"/>
+              <a:rPr lang="en-US" b="1" dirty="0">
+                <a:solidFill>
+                  <a:schemeClr val="bg1"/>
+                </a:solidFill>
+              </a:rPr>
               <a:t>ORM</a:t>
             </a:r>
             <a:r>
-              <a:rPr lang="en-US" dirty="0"/>
+              <a:rPr lang="en-US" dirty="0">
+                <a:solidFill>
+                  <a:schemeClr val="bg1"/>
+                </a:solidFill>
+              </a:rPr>
               <a:t> </a:t>
             </a:r>
             <a:r>
-              <a:rPr lang="bg-BG" b="1" dirty="0"/>
+              <a:rPr lang="bg-BG" b="1" dirty="0">
+                <a:solidFill>
+                  <a:schemeClr val="bg1"/>
+                </a:solidFill>
+              </a:rPr>
               <a:t>създава</a:t>
             </a:r>
             <a:r>
-              <a:rPr lang="bg-BG" dirty="0"/>
+              <a:rPr lang="bg-BG" dirty="0">
+                <a:solidFill>
+                  <a:schemeClr val="bg1"/>
+                </a:solidFill>
+              </a:rPr>
               <a:t> </a:t>
             </a:r>
             <a:r>
-              <a:rPr lang="bg-BG" b="1" dirty="0"/>
+              <a:rPr lang="bg-BG" b="1" dirty="0">
+                <a:solidFill>
+                  <a:schemeClr val="bg1"/>
+                </a:solidFill>
+              </a:rPr>
               <a:t>база данни</a:t>
             </a:r>
-            <a:endParaRPr lang="en-US" b="1" dirty="0"/>
+            <a:endParaRPr lang="en-US" b="1" dirty="0">
+              <a:solidFill>
+                <a:schemeClr val="bg1"/>
+              </a:solidFill>
+            </a:endParaRPr>
           </a:p>
         </p:txBody>
       </p:sp>
@@ -29313,7 +32917,7 @@
         </p:nvSpPr>
         <p:spPr>
           <a:xfrm>
-            <a:off x="5241224" y="4058836"/>
+            <a:off x="5048771" y="3749393"/>
             <a:ext cx="813695" cy="618886"/>
           </a:xfrm>
           <a:prstGeom prst="rightArrow">
@@ -29375,8 +32979,8 @@
         </p:blipFill>
         <p:spPr>
           <a:xfrm>
-            <a:off x="1327242" y="3429000"/>
-            <a:ext cx="3294792" cy="1850152"/>
+            <a:off x="561000" y="3046336"/>
+            <a:ext cx="3606165" cy="2025000"/>
           </a:xfrm>
           <a:prstGeom prst="rect">
             <a:avLst/>
@@ -29411,7 +33015,7 @@
         </p:blipFill>
         <p:spPr>
           <a:xfrm>
-            <a:off x="6744072" y="2708921"/>
+            <a:off x="6744072" y="2604083"/>
             <a:ext cx="4312478" cy="3528391"/>
           </a:xfrm>
           <a:prstGeom prst="rect">
@@ -29498,6 +33102,33 @@
                                   </p:childTnLst>
                                 </p:cTn>
                               </p:par>
+                              <p:par>
+                                <p:cTn id="7" presetID="1" presetClass="entr" presetSubtype="0" fill="hold" nodeType="withEffect">
+                                  <p:stCondLst>
+                                    <p:cond delay="0"/>
+                                  </p:stCondLst>
+                                  <p:childTnLst>
+                                    <p:set>
+                                      <p:cBhvr>
+                                        <p:cTn id="8" dur="1" fill="hold">
+                                          <p:stCondLst>
+                                            <p:cond delay="0"/>
+                                          </p:stCondLst>
+                                        </p:cTn>
+                                        <p:tgtEl>
+                                          <p:spTgt spid="10"/>
+                                        </p:tgtEl>
+                                        <p:attrNameLst>
+                                          <p:attrName>style.visibility</p:attrName>
+                                        </p:attrNameLst>
+                                      </p:cBhvr>
+                                      <p:to>
+                                        <p:strVal val="visible"/>
+                                      </p:to>
+                                    </p:set>
+                                  </p:childTnLst>
+                                </p:cTn>
+                              </p:par>
                             </p:childTnLst>
                           </p:cTn>
                         </p:par>
@@ -29505,26 +33136,26 @@
                     </p:cTn>
                   </p:par>
                   <p:par>
-                    <p:cTn id="7" fill="hold">
+                    <p:cTn id="9" fill="hold">
                       <p:stCondLst>
                         <p:cond delay="indefinite"/>
                       </p:stCondLst>
                       <p:childTnLst>
                         <p:par>
-                          <p:cTn id="8" fill="hold">
+                          <p:cTn id="10" fill="hold">
                             <p:stCondLst>
                               <p:cond delay="0"/>
                             </p:stCondLst>
                             <p:childTnLst>
                               <p:par>
-                                <p:cTn id="9" presetID="10" presetClass="entr" presetSubtype="0" fill="hold" nodeType="clickEffect">
+                                <p:cTn id="11" presetID="10" presetClass="entr" presetSubtype="0" fill="hold" nodeType="clickEffect">
                                   <p:stCondLst>
                                     <p:cond delay="0"/>
                                   </p:stCondLst>
                                   <p:childTnLst>
                                     <p:set>
                                       <p:cBhvr>
-                                        <p:cTn id="10" dur="1" fill="hold">
+                                        <p:cTn id="12" dur="1" fill="hold">
                                           <p:stCondLst>
                                             <p:cond delay="0"/>
                                           </p:stCondLst>
@@ -29542,7 +33173,7 @@
                                     </p:set>
                                     <p:animEffect transition="in" filter="fade">
                                       <p:cBhvr>
-                                        <p:cTn id="11" dur="500"/>
+                                        <p:cTn id="13" dur="500"/>
                                         <p:tgtEl>
                                           <p:spTgt spid="11"/>
                                         </p:tgtEl>
@@ -29552,14 +33183,14 @@
                                 </p:cTn>
                               </p:par>
                               <p:par>
-                                <p:cTn id="12" presetID="1" presetClass="entr" presetSubtype="0" fill="hold" grpId="0" nodeType="withEffect">
+                                <p:cTn id="14" presetID="1" presetClass="entr" presetSubtype="0" fill="hold" grpId="0" nodeType="withEffect">
                                   <p:stCondLst>
                                     <p:cond delay="0"/>
                                   </p:stCondLst>
                                   <p:childTnLst>
                                     <p:set>
                                       <p:cBhvr>
-                                        <p:cTn id="13" dur="1" fill="hold">
+                                        <p:cTn id="15" dur="1" fill="hold">
                                           <p:stCondLst>
                                             <p:cond delay="0"/>
                                           </p:stCondLst>
@@ -29724,7 +33355,11 @@
               <a:t>– </a:t>
             </a:r>
             <a:r>
-              <a:rPr lang="bg-BG" b="1" dirty="0"/>
+              <a:rPr lang="bg-BG" b="1" dirty="0">
+                <a:solidFill>
+                  <a:schemeClr val="bg1"/>
+                </a:solidFill>
+              </a:rPr>
               <a:t>съществуваща база данни </a:t>
             </a:r>
             <a:r>
@@ -29732,7 +33367,11 @@
               <a:t>се използва за </a:t>
             </a:r>
             <a:r>
-              <a:rPr lang="bg-BG" b="1" dirty="0"/>
+              <a:rPr lang="bg-BG" b="1" dirty="0">
+                <a:solidFill>
+                  <a:schemeClr val="bg1"/>
+                </a:solidFill>
+              </a:rPr>
               <a:t>генериране</a:t>
             </a:r>
             <a:r>
@@ -29740,10 +33379,18 @@
               <a:t> на </a:t>
             </a:r>
             <a:r>
-              <a:rPr lang="bg-BG" b="1" dirty="0"/>
+              <a:rPr lang="bg-BG" b="1" dirty="0">
+                <a:solidFill>
+                  <a:schemeClr val="bg1"/>
+                </a:solidFill>
+              </a:rPr>
               <a:t>обектно-ориентиран модел</a:t>
             </a:r>
-            <a:endParaRPr lang="en-US" b="1" dirty="0"/>
+            <a:endParaRPr lang="en-US" b="1" dirty="0">
+              <a:solidFill>
+                <a:schemeClr val="bg1"/>
+              </a:solidFill>
+            </a:endParaRPr>
           </a:p>
         </p:txBody>
       </p:sp>
@@ -29788,7 +33435,7 @@
         </p:nvSpPr>
         <p:spPr>
           <a:xfrm>
-            <a:off x="6099451" y="4033719"/>
+            <a:off x="6100493" y="3890978"/>
             <a:ext cx="813695" cy="618886"/>
           </a:xfrm>
           <a:prstGeom prst="rightArrow">
@@ -29849,7 +33496,7 @@
         </p:blipFill>
         <p:spPr>
           <a:xfrm>
-            <a:off x="1055440" y="2564905"/>
+            <a:off x="645183" y="2462595"/>
             <a:ext cx="4680520" cy="3761133"/>
           </a:xfrm>
           <a:prstGeom prst="rect">
@@ -29886,8 +33533,8 @@
         </p:blipFill>
         <p:spPr>
           <a:xfrm>
-            <a:off x="7156638" y="3418086"/>
-            <a:ext cx="3294792" cy="1850152"/>
+            <a:off x="7686894" y="3204000"/>
+            <a:ext cx="3548898" cy="1992842"/>
           </a:xfrm>
           <a:prstGeom prst="rect">
             <a:avLst/>
@@ -29973,6 +33620,33 @@
                                   </p:childTnLst>
                                 </p:cTn>
                               </p:par>
+                              <p:par>
+                                <p:cTn id="7" presetID="1" presetClass="entr" presetSubtype="0" fill="hold" nodeType="withEffect">
+                                  <p:stCondLst>
+                                    <p:cond delay="0"/>
+                                  </p:stCondLst>
+                                  <p:childTnLst>
+                                    <p:set>
+                                      <p:cBhvr>
+                                        <p:cTn id="8" dur="1" fill="hold">
+                                          <p:stCondLst>
+                                            <p:cond delay="0"/>
+                                          </p:stCondLst>
+                                        </p:cTn>
+                                        <p:tgtEl>
+                                          <p:spTgt spid="3"/>
+                                        </p:tgtEl>
+                                        <p:attrNameLst>
+                                          <p:attrName>style.visibility</p:attrName>
+                                        </p:attrNameLst>
+                                      </p:cBhvr>
+                                      <p:to>
+                                        <p:strVal val="visible"/>
+                                      </p:to>
+                                    </p:set>
+                                  </p:childTnLst>
+                                </p:cTn>
+                              </p:par>
                             </p:childTnLst>
                           </p:cTn>
                         </p:par>
@@ -29980,26 +33654,26 @@
                     </p:cTn>
                   </p:par>
                   <p:par>
-                    <p:cTn id="7" fill="hold">
+                    <p:cTn id="9" fill="hold">
                       <p:stCondLst>
                         <p:cond delay="indefinite"/>
                       </p:stCondLst>
                       <p:childTnLst>
                         <p:par>
-                          <p:cTn id="8" fill="hold">
+                          <p:cTn id="10" fill="hold">
                             <p:stCondLst>
                               <p:cond delay="0"/>
                             </p:stCondLst>
                             <p:childTnLst>
                               <p:par>
-                                <p:cTn id="9" presetID="1" presetClass="entr" presetSubtype="0" fill="hold" grpId="0" nodeType="clickEffect">
+                                <p:cTn id="11" presetID="1" presetClass="entr" presetSubtype="0" fill="hold" grpId="0" nodeType="clickEffect">
                                   <p:stCondLst>
                                     <p:cond delay="0"/>
                                   </p:stCondLst>
                                   <p:childTnLst>
                                     <p:set>
                                       <p:cBhvr>
-                                        <p:cTn id="10" dur="1" fill="hold">
+                                        <p:cTn id="12" dur="1" fill="hold">
                                           <p:stCondLst>
                                             <p:cond delay="0"/>
                                           </p:stCondLst>
@@ -30019,14 +33693,14 @@
                                 </p:cTn>
                               </p:par>
                               <p:par>
-                                <p:cTn id="11" presetID="1" presetClass="entr" presetSubtype="0" fill="hold" nodeType="withEffect">
+                                <p:cTn id="13" presetID="1" presetClass="entr" presetSubtype="0" fill="hold" nodeType="withEffect">
                                   <p:stCondLst>
                                     <p:cond delay="0"/>
                                   </p:stCondLst>
                                   <p:childTnLst>
                                     <p:set>
                                       <p:cBhvr>
-                                        <p:cTn id="12" dur="1" fill="hold">
+                                        <p:cTn id="14" dur="1" fill="hold">
                                           <p:stCondLst>
                                             <p:cond delay="0"/>
                                           </p:stCondLst>

--- a/Courses/Software-Sciences/Module-4-Information-Systems-New/03-Introduction-to-ORM/03-Introduction-to-ORM.pptx
+++ b/Courses/Software-Sciences/Module-4-Information-Systems-New/03-Introduction-to-ORM/03-Introduction-to-ORM.pptx
@@ -345,7 +345,7 @@
           <a:p>
             <a:fld id="{4E087215-0C8F-4762-A664-737A353EC9A4}" type="datetimeFigureOut">
               <a:rPr lang="bg-BG" smtClean="0"/>
-              <a:t>17.04.24 г.</a:t>
+              <a:t>18.04.24 г.</a:t>
             </a:fld>
             <a:endParaRPr lang="bg-BG"/>
           </a:p>
@@ -541,7 +541,7 @@
           <a:p>
             <a:fld id="{72D84649-876A-46C9-8472-14CB09C070D8}" type="datetimeFigureOut">
               <a:rPr lang="en-US" smtClean="0"/>
-              <a:t>4/17/24</a:t>
+              <a:t>4/18/24</a:t>
             </a:fld>
             <a:endParaRPr lang="en-US"/>
           </a:p>
@@ -4705,135 +4705,28 @@
           <a:bodyPr/>
           <a:lstStyle/>
           <a:p>
-            <a:endParaRPr lang="en-US" dirty="0"/>
+            <a:endParaRPr lang="en-BG" dirty="0"/>
           </a:p>
         </p:txBody>
       </p:sp>
       <p:sp>
         <p:nvSpPr>
-          <p:cNvPr id="7" name="Slide Number Placeholder 5">
-            <a:extLst>
-              <a:ext uri="{FF2B5EF4-FFF2-40B4-BE49-F238E27FC236}">
-                <a16:creationId xmlns:a16="http://schemas.microsoft.com/office/drawing/2014/main" id="{E65F1CA9-65DC-416B-8882-B3A5E415CE67}"/>
-              </a:ext>
-            </a:extLst>
-          </p:cNvPr>
-          <p:cNvSpPr txBox="1">
-            <a:spLocks/>
+          <p:cNvPr id="4" name="Slide Number Placeholder 3"/>
+          <p:cNvSpPr>
+            <a:spLocks noGrp="1"/>
           </p:cNvSpPr>
-          <p:nvPr/>
+          <p:nvPr>
+            <p:ph type="sldNum" sz="quarter" idx="5"/>
+          </p:nvPr>
         </p:nvSpPr>
-        <p:spPr>
-          <a:xfrm>
-            <a:off x="6488999" y="8847000"/>
-            <a:ext cx="367414" cy="297000"/>
-          </a:xfrm>
-          <a:prstGeom prst="rect">
-            <a:avLst/>
-          </a:prstGeom>
-        </p:spPr>
+        <p:spPr/>
         <p:txBody>
-          <a:bodyPr vert="horz" lIns="91440" tIns="45720" rIns="91440" bIns="45720" rtlCol="0" anchor="b"/>
-          <a:lstStyle>
-            <a:defPPr>
-              <a:defRPr lang="en-US"/>
-            </a:defPPr>
-            <a:lvl1pPr marL="0" algn="r" defTabSz="914400" rtl="0" eaLnBrk="1" latinLnBrk="0" hangingPunct="1">
-              <a:defRPr sz="1200" kern="1200">
-                <a:solidFill>
-                  <a:schemeClr val="tx1"/>
-                </a:solidFill>
-                <a:latin typeface="+mn-lt"/>
-                <a:ea typeface="+mn-ea"/>
-                <a:cs typeface="+mn-cs"/>
-              </a:defRPr>
-            </a:lvl1pPr>
-            <a:lvl2pPr marL="457200" algn="l" defTabSz="914400" rtl="0" eaLnBrk="1" latinLnBrk="0" hangingPunct="1">
-              <a:defRPr sz="1800" kern="1200">
-                <a:solidFill>
-                  <a:schemeClr val="tx1"/>
-                </a:solidFill>
-                <a:latin typeface="+mn-lt"/>
-                <a:ea typeface="+mn-ea"/>
-                <a:cs typeface="+mn-cs"/>
-              </a:defRPr>
-            </a:lvl2pPr>
-            <a:lvl3pPr marL="914400" algn="l" defTabSz="914400" rtl="0" eaLnBrk="1" latinLnBrk="0" hangingPunct="1">
-              <a:defRPr sz="1800" kern="1200">
-                <a:solidFill>
-                  <a:schemeClr val="tx1"/>
-                </a:solidFill>
-                <a:latin typeface="+mn-lt"/>
-                <a:ea typeface="+mn-ea"/>
-                <a:cs typeface="+mn-cs"/>
-              </a:defRPr>
-            </a:lvl3pPr>
-            <a:lvl4pPr marL="1371600" algn="l" defTabSz="914400" rtl="0" eaLnBrk="1" latinLnBrk="0" hangingPunct="1">
-              <a:defRPr sz="1800" kern="1200">
-                <a:solidFill>
-                  <a:schemeClr val="tx1"/>
-                </a:solidFill>
-                <a:latin typeface="+mn-lt"/>
-                <a:ea typeface="+mn-ea"/>
-                <a:cs typeface="+mn-cs"/>
-              </a:defRPr>
-            </a:lvl4pPr>
-            <a:lvl5pPr marL="1828800" algn="l" defTabSz="914400" rtl="0" eaLnBrk="1" latinLnBrk="0" hangingPunct="1">
-              <a:defRPr sz="1800" kern="1200">
-                <a:solidFill>
-                  <a:schemeClr val="tx1"/>
-                </a:solidFill>
-                <a:latin typeface="+mn-lt"/>
-                <a:ea typeface="+mn-ea"/>
-                <a:cs typeface="+mn-cs"/>
-              </a:defRPr>
-            </a:lvl5pPr>
-            <a:lvl6pPr marL="2286000" algn="l" defTabSz="914400" rtl="0" eaLnBrk="1" latinLnBrk="0" hangingPunct="1">
-              <a:defRPr sz="1800" kern="1200">
-                <a:solidFill>
-                  <a:schemeClr val="tx1"/>
-                </a:solidFill>
-                <a:latin typeface="+mn-lt"/>
-                <a:ea typeface="+mn-ea"/>
-                <a:cs typeface="+mn-cs"/>
-              </a:defRPr>
-            </a:lvl6pPr>
-            <a:lvl7pPr marL="2743200" algn="l" defTabSz="914400" rtl="0" eaLnBrk="1" latinLnBrk="0" hangingPunct="1">
-              <a:defRPr sz="1800" kern="1200">
-                <a:solidFill>
-                  <a:schemeClr val="tx1"/>
-                </a:solidFill>
-                <a:latin typeface="+mn-lt"/>
-                <a:ea typeface="+mn-ea"/>
-                <a:cs typeface="+mn-cs"/>
-              </a:defRPr>
-            </a:lvl7pPr>
-            <a:lvl8pPr marL="3200400" algn="l" defTabSz="914400" rtl="0" eaLnBrk="1" latinLnBrk="0" hangingPunct="1">
-              <a:defRPr sz="1800" kern="1200">
-                <a:solidFill>
-                  <a:schemeClr val="tx1"/>
-                </a:solidFill>
-                <a:latin typeface="+mn-lt"/>
-                <a:ea typeface="+mn-ea"/>
-                <a:cs typeface="+mn-cs"/>
-              </a:defRPr>
-            </a:lvl8pPr>
-            <a:lvl9pPr marL="3657600" algn="l" defTabSz="914400" rtl="0" eaLnBrk="1" latinLnBrk="0" hangingPunct="1">
-              <a:defRPr sz="1800" kern="1200">
-                <a:solidFill>
-                  <a:schemeClr val="tx1"/>
-                </a:solidFill>
-                <a:latin typeface="+mn-lt"/>
-                <a:ea typeface="+mn-ea"/>
-                <a:cs typeface="+mn-cs"/>
-              </a:defRPr>
-            </a:lvl9pPr>
-          </a:lstStyle>
-          <a:p>
-            <a:fld id="{3EBA5BD7-F043-4D1B-AA17-CD412FC534DE}" type="slidenum">
+          <a:bodyPr/>
+          <a:lstStyle/>
+          <a:p>
+            <a:fld id="{2BF067CD-8E6B-4360-9AA8-C5DF2A48A6D1}" type="slidenum">
               <a:rPr lang="en-US" smtClean="0"/>
-              <a:pPr/>
-              <a:t>38</a:t>
+              <a:t>29</a:t>
             </a:fld>
             <a:endParaRPr lang="en-US" dirty="0"/>
           </a:p>
@@ -4841,13 +4734,7 @@
       </p:sp>
       <p:sp>
         <p:nvSpPr>
-          <p:cNvPr id="5" name="Footer Placeholder 7">
-            <a:extLst>
-              <a:ext uri="{FF2B5EF4-FFF2-40B4-BE49-F238E27FC236}">
-                <a16:creationId xmlns:a16="http://schemas.microsoft.com/office/drawing/2014/main" id="{43FAF785-0C8D-730E-8E59-68198DC82CE0}"/>
-              </a:ext>
-            </a:extLst>
-          </p:cNvPr>
+          <p:cNvPr id="5" name="Footer Placeholder 4"/>
           <p:cNvSpPr>
             <a:spLocks noGrp="1"/>
           </p:cNvSpPr>
@@ -4855,37 +4742,25 @@
             <p:ph type="ftr" sz="quarter" idx="4"/>
           </p:nvPr>
         </p:nvSpPr>
-        <p:spPr>
-          <a:xfrm>
-            <a:off x="-1" y="8892000"/>
-            <a:ext cx="6488999" cy="252000"/>
-          </a:xfrm>
-          <a:prstGeom prst="rect">
-            <a:avLst/>
-          </a:prstGeom>
-        </p:spPr>
+        <p:spPr/>
         <p:txBody>
-          <a:bodyPr vert="horz" lIns="91440" tIns="45720" rIns="91440" bIns="45720" rtlCol="0" anchor="b"/>
-          <a:lstStyle>
-            <a:lvl1pPr algn="l">
-              <a:defRPr sz="1100"/>
-            </a:lvl1pPr>
-          </a:lstStyle>
-          <a:p>
-            <a:r>
-              <a:rPr lang="bg-BG" sz="1100" dirty="0"/>
+          <a:bodyPr/>
+          <a:lstStyle/>
+          <a:p>
+            <a:r>
+              <a:rPr lang="bg-BG" sz="1100"/>
               <a:t>Работна група </a:t>
             </a:r>
             <a:r>
-              <a:rPr lang="bg-BG" dirty="0"/>
+              <a:rPr lang="bg-BG"/>
               <a:t>"Образование по програмиране и ИТ"</a:t>
             </a:r>
             <a:r>
-              <a:rPr lang="bg-BG" sz="1100" dirty="0"/>
+              <a:rPr lang="bg-BG" sz="1100"/>
               <a:t>, с подкрепата на </a:t>
             </a:r>
             <a:r>
-              <a:rPr lang="en-US" sz="1100" dirty="0">
+              <a:rPr lang="en-US" sz="1100">
                 <a:hlinkClick r:id="rId3"/>
               </a:rPr>
               <a:t>SoftUni</a:t>
@@ -4897,7 +4772,7 @@
     </p:spTree>
     <p:extLst>
       <p:ext uri="{BB962C8B-B14F-4D97-AF65-F5344CB8AC3E}">
-        <p14:creationId xmlns:p14="http://schemas.microsoft.com/office/powerpoint/2010/main" val="2689344733"/>
+        <p14:creationId xmlns:p14="http://schemas.microsoft.com/office/powerpoint/2010/main" val="1704420269"/>
       </p:ext>
     </p:extLst>
   </p:cSld>
@@ -4951,6 +4826,373 @@
           <a:bodyPr/>
           <a:lstStyle/>
           <a:p>
+            <a:endParaRPr lang="en-BG" dirty="0"/>
+          </a:p>
+        </p:txBody>
+      </p:sp>
+      <p:sp>
+        <p:nvSpPr>
+          <p:cNvPr id="4" name="Slide Number Placeholder 3"/>
+          <p:cNvSpPr>
+            <a:spLocks noGrp="1"/>
+          </p:cNvSpPr>
+          <p:nvPr>
+            <p:ph type="sldNum" sz="quarter" idx="5"/>
+          </p:nvPr>
+        </p:nvSpPr>
+        <p:spPr/>
+        <p:txBody>
+          <a:bodyPr/>
+          <a:lstStyle/>
+          <a:p>
+            <a:fld id="{2BF067CD-8E6B-4360-9AA8-C5DF2A48A6D1}" type="slidenum">
+              <a:rPr lang="en-US" smtClean="0"/>
+              <a:t>30</a:t>
+            </a:fld>
+            <a:endParaRPr lang="en-US" dirty="0"/>
+          </a:p>
+        </p:txBody>
+      </p:sp>
+      <p:sp>
+        <p:nvSpPr>
+          <p:cNvPr id="5" name="Footer Placeholder 4"/>
+          <p:cNvSpPr>
+            <a:spLocks noGrp="1"/>
+          </p:cNvSpPr>
+          <p:nvPr>
+            <p:ph type="ftr" sz="quarter" idx="4"/>
+          </p:nvPr>
+        </p:nvSpPr>
+        <p:spPr/>
+        <p:txBody>
+          <a:bodyPr/>
+          <a:lstStyle/>
+          <a:p>
+            <a:r>
+              <a:rPr lang="bg-BG" sz="1100"/>
+              <a:t>Работна група </a:t>
+            </a:r>
+            <a:r>
+              <a:rPr lang="bg-BG"/>
+              <a:t>"Образование по програмиране и ИТ"</a:t>
+            </a:r>
+            <a:r>
+              <a:rPr lang="bg-BG" sz="1100"/>
+              <a:t>, с подкрепата на </a:t>
+            </a:r>
+            <a:r>
+              <a:rPr lang="en-US" sz="1100">
+                <a:hlinkClick r:id="rId3"/>
+              </a:rPr>
+              <a:t>SoftUni</a:t>
+            </a:r>
+            <a:endParaRPr lang="en-US" sz="1100" dirty="0"/>
+          </a:p>
+        </p:txBody>
+      </p:sp>
+    </p:spTree>
+    <p:extLst>
+      <p:ext uri="{BB962C8B-B14F-4D97-AF65-F5344CB8AC3E}">
+        <p14:creationId xmlns:p14="http://schemas.microsoft.com/office/powerpoint/2010/main" val="3023148276"/>
+      </p:ext>
+    </p:extLst>
+  </p:cSld>
+  <p:clrMapOvr>
+    <a:masterClrMapping/>
+  </p:clrMapOvr>
+</p:notes>
+</file>
+
+<file path=ppt/notesSlides/notesSlide27.xml><?xml version="1.0" encoding="utf-8"?>
+<p:notes xmlns:a="http://schemas.openxmlformats.org/drawingml/2006/main" xmlns:r="http://schemas.openxmlformats.org/officeDocument/2006/relationships" xmlns:p="http://schemas.openxmlformats.org/presentationml/2006/main">
+  <p:cSld>
+    <p:spTree>
+      <p:nvGrpSpPr>
+        <p:cNvPr id="1" name=""/>
+        <p:cNvGrpSpPr/>
+        <p:nvPr/>
+      </p:nvGrpSpPr>
+      <p:grpSpPr>
+        <a:xfrm>
+          <a:off x="0" y="0"/>
+          <a:ext cx="0" cy="0"/>
+          <a:chOff x="0" y="0"/>
+          <a:chExt cx="0" cy="0"/>
+        </a:xfrm>
+      </p:grpSpPr>
+      <p:sp>
+        <p:nvSpPr>
+          <p:cNvPr id="2" name="Slide Image Placeholder 1"/>
+          <p:cNvSpPr>
+            <a:spLocks noGrp="1" noRot="1" noChangeAspect="1"/>
+          </p:cNvSpPr>
+          <p:nvPr>
+            <p:ph type="sldImg"/>
+          </p:nvPr>
+        </p:nvSpPr>
+        <p:spPr/>
+      </p:sp>
+      <p:sp>
+        <p:nvSpPr>
+          <p:cNvPr id="3" name="Notes Placeholder 2"/>
+          <p:cNvSpPr>
+            <a:spLocks noGrp="1"/>
+          </p:cNvSpPr>
+          <p:nvPr>
+            <p:ph type="body" idx="1"/>
+          </p:nvPr>
+        </p:nvSpPr>
+        <p:spPr/>
+        <p:txBody>
+          <a:bodyPr/>
+          <a:lstStyle/>
+          <a:p>
+            <a:endParaRPr lang="en-US" dirty="0"/>
+          </a:p>
+        </p:txBody>
+      </p:sp>
+      <p:sp>
+        <p:nvSpPr>
+          <p:cNvPr id="7" name="Slide Number Placeholder 5">
+            <a:extLst>
+              <a:ext uri="{FF2B5EF4-FFF2-40B4-BE49-F238E27FC236}">
+                <a16:creationId xmlns:a16="http://schemas.microsoft.com/office/drawing/2014/main" id="{E65F1CA9-65DC-416B-8882-B3A5E415CE67}"/>
+              </a:ext>
+            </a:extLst>
+          </p:cNvPr>
+          <p:cNvSpPr txBox="1">
+            <a:spLocks/>
+          </p:cNvSpPr>
+          <p:nvPr/>
+        </p:nvSpPr>
+        <p:spPr>
+          <a:xfrm>
+            <a:off x="6488999" y="8847000"/>
+            <a:ext cx="367414" cy="297000"/>
+          </a:xfrm>
+          <a:prstGeom prst="rect">
+            <a:avLst/>
+          </a:prstGeom>
+        </p:spPr>
+        <p:txBody>
+          <a:bodyPr vert="horz" lIns="91440" tIns="45720" rIns="91440" bIns="45720" rtlCol="0" anchor="b"/>
+          <a:lstStyle>
+            <a:defPPr>
+              <a:defRPr lang="en-US"/>
+            </a:defPPr>
+            <a:lvl1pPr marL="0" algn="r" defTabSz="914400" rtl="0" eaLnBrk="1" latinLnBrk="0" hangingPunct="1">
+              <a:defRPr sz="1200" kern="1200">
+                <a:solidFill>
+                  <a:schemeClr val="tx1"/>
+                </a:solidFill>
+                <a:latin typeface="+mn-lt"/>
+                <a:ea typeface="+mn-ea"/>
+                <a:cs typeface="+mn-cs"/>
+              </a:defRPr>
+            </a:lvl1pPr>
+            <a:lvl2pPr marL="457200" algn="l" defTabSz="914400" rtl="0" eaLnBrk="1" latinLnBrk="0" hangingPunct="1">
+              <a:defRPr sz="1800" kern="1200">
+                <a:solidFill>
+                  <a:schemeClr val="tx1"/>
+                </a:solidFill>
+                <a:latin typeface="+mn-lt"/>
+                <a:ea typeface="+mn-ea"/>
+                <a:cs typeface="+mn-cs"/>
+              </a:defRPr>
+            </a:lvl2pPr>
+            <a:lvl3pPr marL="914400" algn="l" defTabSz="914400" rtl="0" eaLnBrk="1" latinLnBrk="0" hangingPunct="1">
+              <a:defRPr sz="1800" kern="1200">
+                <a:solidFill>
+                  <a:schemeClr val="tx1"/>
+                </a:solidFill>
+                <a:latin typeface="+mn-lt"/>
+                <a:ea typeface="+mn-ea"/>
+                <a:cs typeface="+mn-cs"/>
+              </a:defRPr>
+            </a:lvl3pPr>
+            <a:lvl4pPr marL="1371600" algn="l" defTabSz="914400" rtl="0" eaLnBrk="1" latinLnBrk="0" hangingPunct="1">
+              <a:defRPr sz="1800" kern="1200">
+                <a:solidFill>
+                  <a:schemeClr val="tx1"/>
+                </a:solidFill>
+                <a:latin typeface="+mn-lt"/>
+                <a:ea typeface="+mn-ea"/>
+                <a:cs typeface="+mn-cs"/>
+              </a:defRPr>
+            </a:lvl4pPr>
+            <a:lvl5pPr marL="1828800" algn="l" defTabSz="914400" rtl="0" eaLnBrk="1" latinLnBrk="0" hangingPunct="1">
+              <a:defRPr sz="1800" kern="1200">
+                <a:solidFill>
+                  <a:schemeClr val="tx1"/>
+                </a:solidFill>
+                <a:latin typeface="+mn-lt"/>
+                <a:ea typeface="+mn-ea"/>
+                <a:cs typeface="+mn-cs"/>
+              </a:defRPr>
+            </a:lvl5pPr>
+            <a:lvl6pPr marL="2286000" algn="l" defTabSz="914400" rtl="0" eaLnBrk="1" latinLnBrk="0" hangingPunct="1">
+              <a:defRPr sz="1800" kern="1200">
+                <a:solidFill>
+                  <a:schemeClr val="tx1"/>
+                </a:solidFill>
+                <a:latin typeface="+mn-lt"/>
+                <a:ea typeface="+mn-ea"/>
+                <a:cs typeface="+mn-cs"/>
+              </a:defRPr>
+            </a:lvl6pPr>
+            <a:lvl7pPr marL="2743200" algn="l" defTabSz="914400" rtl="0" eaLnBrk="1" latinLnBrk="0" hangingPunct="1">
+              <a:defRPr sz="1800" kern="1200">
+                <a:solidFill>
+                  <a:schemeClr val="tx1"/>
+                </a:solidFill>
+                <a:latin typeface="+mn-lt"/>
+                <a:ea typeface="+mn-ea"/>
+                <a:cs typeface="+mn-cs"/>
+              </a:defRPr>
+            </a:lvl7pPr>
+            <a:lvl8pPr marL="3200400" algn="l" defTabSz="914400" rtl="0" eaLnBrk="1" latinLnBrk="0" hangingPunct="1">
+              <a:defRPr sz="1800" kern="1200">
+                <a:solidFill>
+                  <a:schemeClr val="tx1"/>
+                </a:solidFill>
+                <a:latin typeface="+mn-lt"/>
+                <a:ea typeface="+mn-ea"/>
+                <a:cs typeface="+mn-cs"/>
+              </a:defRPr>
+            </a:lvl8pPr>
+            <a:lvl9pPr marL="3657600" algn="l" defTabSz="914400" rtl="0" eaLnBrk="1" latinLnBrk="0" hangingPunct="1">
+              <a:defRPr sz="1800" kern="1200">
+                <a:solidFill>
+                  <a:schemeClr val="tx1"/>
+                </a:solidFill>
+                <a:latin typeface="+mn-lt"/>
+                <a:ea typeface="+mn-ea"/>
+                <a:cs typeface="+mn-cs"/>
+              </a:defRPr>
+            </a:lvl9pPr>
+          </a:lstStyle>
+          <a:p>
+            <a:fld id="{3EBA5BD7-F043-4D1B-AA17-CD412FC534DE}" type="slidenum">
+              <a:rPr lang="en-US" smtClean="0"/>
+              <a:pPr/>
+              <a:t>38</a:t>
+            </a:fld>
+            <a:endParaRPr lang="en-US" dirty="0"/>
+          </a:p>
+        </p:txBody>
+      </p:sp>
+      <p:sp>
+        <p:nvSpPr>
+          <p:cNvPr id="5" name="Footer Placeholder 7">
+            <a:extLst>
+              <a:ext uri="{FF2B5EF4-FFF2-40B4-BE49-F238E27FC236}">
+                <a16:creationId xmlns:a16="http://schemas.microsoft.com/office/drawing/2014/main" id="{43FAF785-0C8D-730E-8E59-68198DC82CE0}"/>
+              </a:ext>
+            </a:extLst>
+          </p:cNvPr>
+          <p:cNvSpPr>
+            <a:spLocks noGrp="1"/>
+          </p:cNvSpPr>
+          <p:nvPr>
+            <p:ph type="ftr" sz="quarter" idx="4"/>
+          </p:nvPr>
+        </p:nvSpPr>
+        <p:spPr>
+          <a:xfrm>
+            <a:off x="-1" y="8892000"/>
+            <a:ext cx="6488999" cy="252000"/>
+          </a:xfrm>
+          <a:prstGeom prst="rect">
+            <a:avLst/>
+          </a:prstGeom>
+        </p:spPr>
+        <p:txBody>
+          <a:bodyPr vert="horz" lIns="91440" tIns="45720" rIns="91440" bIns="45720" rtlCol="0" anchor="b"/>
+          <a:lstStyle>
+            <a:lvl1pPr algn="l">
+              <a:defRPr sz="1100"/>
+            </a:lvl1pPr>
+          </a:lstStyle>
+          <a:p>
+            <a:r>
+              <a:rPr lang="bg-BG" sz="1100" dirty="0"/>
+              <a:t>Работна група </a:t>
+            </a:r>
+            <a:r>
+              <a:rPr lang="bg-BG" dirty="0"/>
+              <a:t>"Образование по програмиране и ИТ"</a:t>
+            </a:r>
+            <a:r>
+              <a:rPr lang="bg-BG" sz="1100" dirty="0"/>
+              <a:t>, с подкрепата на </a:t>
+            </a:r>
+            <a:r>
+              <a:rPr lang="en-US" sz="1100" dirty="0">
+                <a:hlinkClick r:id="rId3"/>
+              </a:rPr>
+              <a:t>SoftUni</a:t>
+            </a:r>
+            <a:endParaRPr lang="en-US" sz="1100" dirty="0"/>
+          </a:p>
+        </p:txBody>
+      </p:sp>
+    </p:spTree>
+    <p:extLst>
+      <p:ext uri="{BB962C8B-B14F-4D97-AF65-F5344CB8AC3E}">
+        <p14:creationId xmlns:p14="http://schemas.microsoft.com/office/powerpoint/2010/main" val="2689344733"/>
+      </p:ext>
+    </p:extLst>
+  </p:cSld>
+  <p:clrMapOvr>
+    <a:masterClrMapping/>
+  </p:clrMapOvr>
+</p:notes>
+</file>
+
+<file path=ppt/notesSlides/notesSlide28.xml><?xml version="1.0" encoding="utf-8"?>
+<p:notes xmlns:a="http://schemas.openxmlformats.org/drawingml/2006/main" xmlns:r="http://schemas.openxmlformats.org/officeDocument/2006/relationships" xmlns:p="http://schemas.openxmlformats.org/presentationml/2006/main">
+  <p:cSld>
+    <p:spTree>
+      <p:nvGrpSpPr>
+        <p:cNvPr id="1" name=""/>
+        <p:cNvGrpSpPr/>
+        <p:nvPr/>
+      </p:nvGrpSpPr>
+      <p:grpSpPr>
+        <a:xfrm>
+          <a:off x="0" y="0"/>
+          <a:ext cx="0" cy="0"/>
+          <a:chOff x="0" y="0"/>
+          <a:chExt cx="0" cy="0"/>
+        </a:xfrm>
+      </p:grpSpPr>
+      <p:sp>
+        <p:nvSpPr>
+          <p:cNvPr id="2" name="Slide Image Placeholder 1"/>
+          <p:cNvSpPr>
+            <a:spLocks noGrp="1" noRot="1" noChangeAspect="1"/>
+          </p:cNvSpPr>
+          <p:nvPr>
+            <p:ph type="sldImg"/>
+          </p:nvPr>
+        </p:nvSpPr>
+        <p:spPr/>
+      </p:sp>
+      <p:sp>
+        <p:nvSpPr>
+          <p:cNvPr id="3" name="Notes Placeholder 2"/>
+          <p:cNvSpPr>
+            <a:spLocks noGrp="1"/>
+          </p:cNvSpPr>
+          <p:nvPr>
+            <p:ph type="body" idx="1"/>
+          </p:nvPr>
+        </p:nvSpPr>
+        <p:spPr/>
+        <p:txBody>
+          <a:bodyPr/>
+          <a:lstStyle/>
+          <a:p>
             <a:endParaRPr lang="en-US" dirty="0"/>
           </a:p>
         </p:txBody>
@@ -5137,7 +5379,7 @@
 </p:notes>
 </file>
 
-<file path=ppt/notesSlides/notesSlide27.xml><?xml version="1.0" encoding="utf-8"?>
+<file path=ppt/notesSlides/notesSlide29.xml><?xml version="1.0" encoding="utf-8"?>
 <p:notes xmlns:a="http://schemas.openxmlformats.org/drawingml/2006/main" xmlns:r="http://schemas.openxmlformats.org/officeDocument/2006/relationships" xmlns:p="http://schemas.openxmlformats.org/presentationml/2006/main">
   <p:cSld>
     <p:spTree>
@@ -23738,7 +23980,7 @@
           <p:nvPr/>
         </p:nvPicPr>
         <p:blipFill>
-          <a:blip r:embed="rId2">
+          <a:blip r:embed="rId3">
             <a:extLst>
               <a:ext uri="{28A0092B-C50C-407E-A947-70E740481C1C}">
                 <a14:useLocalDpi xmlns:a14="http://schemas.microsoft.com/office/drawing/2010/main" val="0"/>
@@ -23781,7 +24023,7 @@
           <p:nvPr/>
         </p:nvPicPr>
         <p:blipFill>
-          <a:blip r:embed="rId3">
+          <a:blip r:embed="rId4">
             <a:extLst>
               <a:ext uri="{28A0092B-C50C-407E-A947-70E740481C1C}">
                 <a14:useLocalDpi xmlns:a14="http://schemas.microsoft.com/office/drawing/2010/main" val="0"/>
@@ -24831,7 +25073,7 @@
           <p:nvPr/>
         </p:nvPicPr>
         <p:blipFill>
-          <a:blip r:embed="rId2">
+          <a:blip r:embed="rId3">
             <a:extLst>
               <a:ext uri="{28A0092B-C50C-407E-A947-70E740481C1C}">
                 <a14:useLocalDpi xmlns:a14="http://schemas.microsoft.com/office/drawing/2010/main" val="0"/>
@@ -26184,11 +26426,11 @@
           </a:p>
           <a:p>
             <a:r>
-              <a:rPr lang="bg-BG" sz="3200" dirty="0"/>
-              <a:t>С десен бутон на </a:t>
-            </a:r>
-            <a:r>
-              <a:rPr lang="en-US" sz="3200" b="1" dirty="0">
+              <a:rPr lang="bg-BG" sz="3200"/>
+              <a:t>От менюто </a:t>
+            </a:r>
+            <a:r>
+              <a:rPr lang="en-US" sz="3200" b="1">
                 <a:solidFill>
                   <a:schemeClr val="bg1"/>
                 </a:solidFill>
@@ -26196,8 +26438,12 @@
               <a:t>Tools</a:t>
             </a:r>
             <a:r>
+              <a:rPr lang="en-US" sz="3200"/>
+              <a:t> </a:t>
+            </a:r>
+            <a:r>
               <a:rPr lang="en-US" sz="3200" dirty="0"/>
-              <a:t> -&gt; </a:t>
+              <a:t>-&gt; </a:t>
             </a:r>
             <a:r>
               <a:rPr lang="en-US" sz="3200" b="1" dirty="0">

--- a/Courses/Software-Sciences/Module-4-Information-Systems-New/03-Introduction-to-ORM/03-Introduction-to-ORM.pptx
+++ b/Courses/Software-Sciences/Module-4-Information-Systems-New/03-Introduction-to-ORM/03-Introduction-to-ORM.pptx
@@ -363,7 +363,7 @@
           <a:p>
             <a:fld id="{4E087215-0C8F-4762-A664-737A353EC9A4}" type="datetimeFigureOut">
               <a:rPr lang="bg-BG" smtClean="0"/>
-              <a:t>19.04.24 г.</a:t>
+              <a:t>23.04.24 г.</a:t>
             </a:fld>
             <a:endParaRPr lang="bg-BG"/>
           </a:p>
@@ -559,7 +559,7 @@
           <a:p>
             <a:fld id="{72D84649-876A-46C9-8472-14CB09C070D8}" type="datetimeFigureOut">
               <a:rPr lang="en-US" smtClean="0"/>
-              <a:t>4/19/24</a:t>
+              <a:t>4/23/24</a:t>
             </a:fld>
             <a:endParaRPr lang="en-US"/>
           </a:p>
@@ -14135,8 +14135,8 @@
         </p:blipFill>
         <p:spPr>
           <a:xfrm>
-            <a:off x="570368" y="3037179"/>
-            <a:ext cx="1901238" cy="886971"/>
+            <a:off x="570368" y="3054314"/>
+            <a:ext cx="1901238" cy="852701"/>
           </a:xfrm>
           <a:prstGeom prst="rect">
             <a:avLst/>
@@ -29103,11 +29103,11 @@
             </a:r>
             <a:r>
               <a:rPr lang="en-US" dirty="0"/>
-              <a:t> и</a:t>
+              <a:t> </a:t>
             </a:r>
             <a:r>
               <a:rPr lang="bg-BG" dirty="0"/>
-              <a:t> кликаме върху </a:t>
+              <a:t>и натискаме </a:t>
             </a:r>
             <a:r>
               <a:rPr lang="en-US" b="1" dirty="0">
@@ -30524,7 +30524,7 @@
           <a:p>
             <a:r>
               <a:rPr lang="bg-BG" dirty="0"/>
-              <a:t>Кликаме върху нея с десен бутон и избираме </a:t>
+              <a:t>Натискаме върху нея с десен бутон и избираме </a:t>
             </a:r>
             <a:r>
               <a:rPr lang="bg-BG" b="1" dirty="0">
@@ -31830,7 +31830,7 @@
           <a:p>
             <a:r>
               <a:rPr lang="bg-BG" sz="3200" dirty="0"/>
-              <a:t>Кликаме върху </a:t>
+              <a:t>Натискаме </a:t>
             </a:r>
             <a:r>
               <a:rPr lang="en-US" sz="3200" b="1" dirty="0">

--- a/Courses/Software-Sciences/Module-4-Information-Systems-New/03-Introduction-to-ORM/03-Introduction-to-ORM.pptx
+++ b/Courses/Software-Sciences/Module-4-Information-Systems-New/03-Introduction-to-ORM/03-Introduction-to-ORM.pptx
@@ -363,7 +363,7 @@
           <a:p>
             <a:fld id="{4E087215-0C8F-4762-A664-737A353EC9A4}" type="datetimeFigureOut">
               <a:rPr lang="bg-BG" smtClean="0"/>
-              <a:t>23.04.24 г.</a:t>
+              <a:t>23.04.24 г.</a:t>
             </a:fld>
             <a:endParaRPr lang="bg-BG"/>
           </a:p>
@@ -31128,13 +31128,18 @@
               <a:t>SQL </a:t>
             </a:r>
             <a:r>
-              <a:rPr lang="bg-BG" sz="2700" b="1" dirty="0">
+              <a:rPr lang="bg-BG" sz="2700" b="1">
                 <a:solidFill>
                   <a:schemeClr val="bg1"/>
                 </a:solidFill>
               </a:rPr>
               <a:t>скрипт</a:t>
             </a:r>
+            <a:endParaRPr lang="en-US" sz="2700" b="1" dirty="0">
+              <a:solidFill>
+                <a:schemeClr val="bg1"/>
+              </a:solidFill>
+            </a:endParaRPr>
           </a:p>
         </p:txBody>
       </p:sp>
@@ -33011,8 +33016,8 @@
         </p:blipFill>
         <p:spPr>
           <a:xfrm>
-            <a:off x="5511000" y="2873791"/>
-            <a:ext cx="5767843" cy="2786710"/>
+            <a:off x="5200342" y="2877631"/>
+            <a:ext cx="6551248" cy="3165209"/>
           </a:xfrm>
           <a:prstGeom prst="rect">
             <a:avLst/>
@@ -33048,8 +33053,8 @@
         </p:blipFill>
         <p:spPr>
           <a:xfrm>
-            <a:off x="786000" y="2873791"/>
-            <a:ext cx="2603092" cy="2786711"/>
+            <a:off x="607393" y="2574294"/>
+            <a:ext cx="3240000" cy="3468546"/>
           </a:xfrm>
           <a:prstGeom prst="rect">
             <a:avLst/>
@@ -33077,7 +33082,7 @@
         </p:nvSpPr>
         <p:spPr>
           <a:xfrm>
-            <a:off x="3959339" y="3914591"/>
+            <a:off x="4033161" y="3956012"/>
             <a:ext cx="981413" cy="705109"/>
           </a:xfrm>
           <a:prstGeom prst="rightArrow">
@@ -38883,7 +38888,7 @@
             <a:r>
               <a:rPr lang="bg-BG" sz="1999" b="1" noProof="1">
                 <a:solidFill>
-                  <a:srgbClr val="F7FFE7"/>
+                  <a:schemeClr val="bg2"/>
                 </a:solidFill>
                 <a:effectLst>
                   <a:outerShdw blurRad="38100" dist="38100" dir="2700000" algn="tl">
@@ -38898,7 +38903,7 @@
             </a:r>
             <a:endParaRPr lang="en-US" sz="1999" b="1" noProof="1">
               <a:solidFill>
-                <a:srgbClr val="F7FFE7"/>
+                <a:schemeClr val="bg2"/>
               </a:solidFill>
               <a:effectLst>
                 <a:outerShdw blurRad="38100" dist="38100" dir="2700000" algn="tl">
@@ -38988,7 +38993,7 @@
             <a:r>
               <a:rPr lang="en-US" sz="1999" b="1" noProof="1">
                 <a:solidFill>
-                  <a:srgbClr val="F7FFE7"/>
+                  <a:schemeClr val="bg2"/>
                 </a:solidFill>
                 <a:effectLst>
                   <a:outerShdw blurRad="38100" dist="38100" dir="2700000" algn="tl">
@@ -39004,7 +39009,7 @@
             <a:r>
               <a:rPr lang="bg-BG" sz="1999" b="1" noProof="1">
                 <a:solidFill>
-                  <a:srgbClr val="F7FFE7"/>
+                  <a:schemeClr val="bg2"/>
                 </a:solidFill>
                 <a:effectLst>
                   <a:outerShdw blurRad="38100" dist="38100" dir="2700000" algn="tl">
@@ -39019,7 +39024,7 @@
             </a:r>
             <a:endParaRPr lang="en-US" sz="1999" b="1" noProof="1">
               <a:solidFill>
-                <a:srgbClr val="F7FFE7"/>
+                <a:schemeClr val="bg2"/>
               </a:solidFill>
               <a:effectLst>
                 <a:outerShdw blurRad="38100" dist="38100" dir="2700000" algn="tl">
@@ -39044,7 +39049,7 @@
             <a:r>
               <a:rPr lang="en-US" sz="1999" b="1" noProof="1">
                 <a:solidFill>
-                  <a:srgbClr val="F7FFE7"/>
+                  <a:schemeClr val="bg2"/>
                 </a:solidFill>
                 <a:effectLst>
                   <a:outerShdw blurRad="38100" dist="38100" dir="2700000" algn="tl">
@@ -39060,7 +39065,7 @@
             <a:r>
               <a:rPr lang="bg-BG" sz="1999" b="1" noProof="1">
                 <a:solidFill>
-                  <a:srgbClr val="F7FFE7"/>
+                  <a:schemeClr val="bg2"/>
                 </a:solidFill>
                 <a:effectLst>
                   <a:outerShdw blurRad="38100" dist="38100" dir="2700000" algn="tl">
@@ -39076,7 +39081,7 @@
             <a:r>
               <a:rPr lang="en-US" sz="1999" b="1" noProof="1">
                 <a:solidFill>
-                  <a:srgbClr val="F7FFE7"/>
+                  <a:schemeClr val="bg2"/>
                 </a:solidFill>
                 <a:effectLst>
                   <a:outerShdw blurRad="38100" dist="38100" dir="2700000" algn="tl">
@@ -39711,7 +39716,7 @@
         </p:nvSpPr>
         <p:spPr>
           <a:xfrm>
-            <a:off x="5048771" y="3749393"/>
+            <a:off x="5389499" y="3852980"/>
             <a:ext cx="813695" cy="618886"/>
           </a:xfrm>
           <a:prstGeom prst="rightArrow">
@@ -39774,7 +39779,7 @@
         <p:spPr>
           <a:xfrm>
             <a:off x="561000" y="3046336"/>
-            <a:ext cx="3606165" cy="2025000"/>
+            <a:ext cx="4287622" cy="2407664"/>
           </a:xfrm>
           <a:prstGeom prst="rect">
             <a:avLst/>
@@ -39810,7 +39815,7 @@
         <p:spPr>
           <a:xfrm>
             <a:off x="6744072" y="2604083"/>
-            <a:ext cx="4312478" cy="3528391"/>
+            <a:ext cx="4616928" cy="3777486"/>
           </a:xfrm>
           <a:prstGeom prst="rect">
             <a:avLst/>
@@ -40291,7 +40296,7 @@
         <p:spPr>
           <a:xfrm>
             <a:off x="645183" y="2462595"/>
-            <a:ext cx="4680520" cy="3761133"/>
+            <a:ext cx="4898636" cy="3936405"/>
           </a:xfrm>
           <a:prstGeom prst="rect">
             <a:avLst/>
@@ -40327,8 +40332,8 @@
         </p:blipFill>
         <p:spPr>
           <a:xfrm>
-            <a:off x="7686894" y="3204000"/>
-            <a:ext cx="3548898" cy="1992842"/>
+            <a:off x="7470862" y="3159000"/>
+            <a:ext cx="3686303" cy="2070000"/>
           </a:xfrm>
           <a:prstGeom prst="rect">
             <a:avLst/>

--- a/Courses/Software-Sciences/Module-4-Information-Systems-New/03-Introduction-to-ORM/03-Introduction-to-ORM.pptx
+++ b/Courses/Software-Sciences/Module-4-Information-Systems-New/03-Introduction-to-ORM/03-Introduction-to-ORM.pptx
@@ -363,7 +363,7 @@
           <a:p>
             <a:fld id="{4E087215-0C8F-4762-A664-737A353EC9A4}" type="datetimeFigureOut">
               <a:rPr lang="bg-BG" smtClean="0"/>
-              <a:t>23.04.24 г.</a:t>
+              <a:t>25.04.24 г.</a:t>
             </a:fld>
             <a:endParaRPr lang="bg-BG"/>
           </a:p>
@@ -559,7 +559,7 @@
           <a:p>
             <a:fld id="{72D84649-876A-46C9-8472-14CB09C070D8}" type="datetimeFigureOut">
               <a:rPr lang="en-US" smtClean="0"/>
-              <a:t>4/23/24</a:t>
+              <a:t>4/25/24</a:t>
             </a:fld>
             <a:endParaRPr lang="en-US"/>
           </a:p>
@@ -20336,7 +20336,15 @@
           <a:p>
             <a:r>
               <a:rPr lang="bg-BG" sz="3200" dirty="0"/>
-              <a:t>Примерно приложение</a:t>
+              <a:t>Примерно приложение:</a:t>
+            </a:r>
+            <a:r>
+              <a:rPr lang="en-US" sz="3200" dirty="0"/>
+              <a:t> </a:t>
+            </a:r>
+            <a:r>
+              <a:rPr lang="bg-BG" sz="3200" dirty="0"/>
+              <a:t>Магазин с продукти</a:t>
             </a:r>
           </a:p>
         </p:txBody>
@@ -28401,7 +28409,7 @@
           <a:p>
             <a:r>
               <a:rPr lang="bg-BG" dirty="0"/>
-              <a:t>Конзолно приложение - Магазин с продукти</a:t>
+              <a:t>Магазин с продукти</a:t>
             </a:r>
           </a:p>
         </p:txBody>
@@ -28429,7 +28437,7 @@
           <a:p>
             <a:r>
               <a:rPr lang="bg-BG" dirty="0"/>
-              <a:t>Демо</a:t>
+              <a:t>Примерно приложение</a:t>
             </a:r>
             <a:endParaRPr lang="en-US" dirty="0"/>
           </a:p>

--- a/Courses/Software-Sciences/Module-4-Information-Systems-New/03-Introduction-to-ORM/03-Introduction-to-ORM.pptx
+++ b/Courses/Software-Sciences/Module-4-Information-Systems-New/03-Introduction-to-ORM/03-Introduction-to-ORM.pptx
@@ -363,7 +363,7 @@
           <a:p>
             <a:fld id="{4E087215-0C8F-4762-A664-737A353EC9A4}" type="datetimeFigureOut">
               <a:rPr lang="bg-BG" smtClean="0"/>
-              <a:t>25.04.24 г.</a:t>
+              <a:t>26.04.24 г.</a:t>
             </a:fld>
             <a:endParaRPr lang="bg-BG"/>
           </a:p>
@@ -559,7 +559,7 @@
           <a:p>
             <a:fld id="{72D84649-876A-46C9-8472-14CB09C070D8}" type="datetimeFigureOut">
               <a:rPr lang="en-US" smtClean="0"/>
-              <a:t>4/25/24</a:t>
+              <a:t>4/26/24</a:t>
             </a:fld>
             <a:endParaRPr lang="en-US"/>
           </a:p>
@@ -28580,7 +28580,7 @@
           <a:p>
             <a:r>
               <a:rPr lang="bg-BG" dirty="0"/>
-              <a:t>Избираме </a:t>
+              <a:t>Създаваме нов </a:t>
             </a:r>
             <a:r>
               <a:rPr lang="en-US" b="1" dirty="0"/>
@@ -28611,6 +28611,8 @@
                 <a:solidFill>
                   <a:schemeClr val="bg1"/>
                 </a:solidFill>
+                <a:latin typeface="Consolas" panose="020B0609020204030204" pitchFamily="49" charset="0"/>
+                <a:cs typeface="Consolas" panose="020B0609020204030204" pitchFamily="49" charset="0"/>
               </a:rPr>
               <a:t>GroceryStore</a:t>
             </a:r>
@@ -29158,7 +29160,7 @@
           <a:p>
             <a:r>
               <a:rPr lang="bg-BG" dirty="0"/>
-              <a:t>Създаване на база данни</a:t>
+              <a:t>Свързване на сървър</a:t>
             </a:r>
             <a:endParaRPr lang="en-BG" dirty="0"/>
           </a:p>
@@ -34496,8 +34498,18 @@
                 <a:solidFill>
                   <a:schemeClr val="bg1"/>
                 </a:solidFill>
+                <a:latin typeface="Consolas" panose="020B0609020204030204" pitchFamily="49" charset="0"/>
+                <a:cs typeface="Consolas" panose="020B0609020204030204" pitchFamily="49" charset="0"/>
               </a:rPr>
-              <a:t>DbContext </a:t>
+              <a:t>DbContext</a:t>
+            </a:r>
+            <a:r>
+              <a:rPr lang="en-US" sz="3200" b="1" dirty="0">
+                <a:solidFill>
+                  <a:schemeClr val="bg1"/>
+                </a:solidFill>
+              </a:rPr>
+              <a:t> </a:t>
             </a:r>
             <a:r>
               <a:rPr lang="en-US" sz="3200" dirty="0"/>
@@ -34512,6 +34524,8 @@
                 <a:solidFill>
                   <a:schemeClr val="bg1"/>
                 </a:solidFill>
+                <a:latin typeface="Consolas" panose="020B0609020204030204" pitchFamily="49" charset="0"/>
+                <a:cs typeface="Consolas" panose="020B0609020204030204" pitchFamily="49" charset="0"/>
               </a:rPr>
               <a:t>Product</a:t>
             </a:r>
@@ -34519,6 +34533,8 @@
               <a:solidFill>
                 <a:schemeClr val="bg1"/>
               </a:solidFill>
+              <a:latin typeface="Consolas" panose="020B0609020204030204" pitchFamily="49" charset="0"/>
+              <a:cs typeface="Consolas" panose="020B0609020204030204" pitchFamily="49" charset="0"/>
             </a:endParaRPr>
           </a:p>
         </p:txBody>
@@ -34802,6 +34818,8 @@
                 <a:solidFill>
                   <a:schemeClr val="bg1"/>
                 </a:solidFill>
+                <a:latin typeface="Consolas" panose="020B0609020204030204" pitchFamily="49" charset="0"/>
+                <a:cs typeface="Consolas" panose="020B0609020204030204" pitchFamily="49" charset="0"/>
               </a:rPr>
               <a:t>Main</a:t>
             </a:r>

--- a/Courses/Software-Sciences/Module-4-Information-Systems-New/03-Introduction-to-ORM/03-Introduction-to-ORM.pptx
+++ b/Courses/Software-Sciences/Module-4-Information-Systems-New/03-Introduction-to-ORM/03-Introduction-to-ORM.pptx
@@ -363,7 +363,7 @@
           <a:p>
             <a:fld id="{4E087215-0C8F-4762-A664-737A353EC9A4}" type="datetimeFigureOut">
               <a:rPr lang="bg-BG" smtClean="0"/>
-              <a:t>26.04.24 г.</a:t>
+              <a:t>10.06.24 г.</a:t>
             </a:fld>
             <a:endParaRPr lang="bg-BG"/>
           </a:p>
@@ -559,7 +559,7 @@
           <a:p>
             <a:fld id="{72D84649-876A-46C9-8472-14CB09C070D8}" type="datetimeFigureOut">
               <a:rPr lang="en-US" smtClean="0"/>
-              <a:t>4/26/24</a:t>
+              <a:t>6/10/24</a:t>
             </a:fld>
             <a:endParaRPr lang="en-US"/>
           </a:p>
@@ -17716,7 +17716,17 @@
             </a:r>
             <a:r>
               <a:rPr lang="en-US" sz="3000" dirty="0"/>
-              <a:t> -&gt; </a:t>
+              <a:t> </a:t>
+            </a:r>
+            <a:r>
+              <a:rPr lang="en-US" sz="2400" dirty="0">
+                <a:sym typeface="Wingdings" panose="05000000000000000000" pitchFamily="2" charset="2"/>
+              </a:rPr>
+              <a:t></a:t>
+            </a:r>
+            <a:r>
+              <a:rPr lang="en-US" sz="3000" dirty="0"/>
+              <a:t> </a:t>
             </a:r>
             <a:r>
               <a:rPr lang="en-US" sz="3000" b="1" dirty="0">
@@ -19442,8 +19452,14 @@
               <a:t> </a:t>
             </a:r>
             <a:r>
+              <a:rPr lang="en-US" sz="2400" dirty="0">
+                <a:sym typeface="Wingdings" panose="05000000000000000000" pitchFamily="2" charset="2"/>
+              </a:rPr>
+              <a:t></a:t>
+            </a:r>
+            <a:r>
               <a:rPr lang="en-US" sz="2800" dirty="0"/>
-              <a:t>-&gt; </a:t>
+              <a:t> </a:t>
             </a:r>
             <a:r>
               <a:rPr lang="en-US" sz="2800" b="1" dirty="0">
@@ -19482,7 +19498,17 @@
             </a:r>
             <a:r>
               <a:rPr lang="en-US" sz="2800" dirty="0"/>
-              <a:t> -&gt; </a:t>
+              <a:t> </a:t>
+            </a:r>
+            <a:r>
+              <a:rPr lang="en-US" sz="2400" dirty="0">
+                <a:sym typeface="Wingdings" panose="05000000000000000000" pitchFamily="2" charset="2"/>
+              </a:rPr>
+              <a:t></a:t>
+            </a:r>
+            <a:r>
+              <a:rPr lang="en-US" sz="2400" dirty="0"/>
+              <a:t> </a:t>
             </a:r>
             <a:r>
               <a:rPr lang="en-US" sz="2800" b="1" dirty="0">
@@ -23003,7 +23029,13 @@
             </a:r>
             <a:r>
               <a:rPr lang="en-US" sz="2900" dirty="0"/>
-              <a:t> -&gt;</a:t>
+              <a:t> </a:t>
+            </a:r>
+            <a:r>
+              <a:rPr lang="en-US" sz="2400" dirty="0">
+                <a:sym typeface="Wingdings" panose="05000000000000000000" pitchFamily="2" charset="2"/>
+              </a:rPr>
+              <a:t></a:t>
             </a:r>
             <a:r>
               <a:rPr lang="en-US" sz="2900" b="1" dirty="0">
@@ -23014,8 +23046,14 @@
               <a:t> NuGet Package Manager </a:t>
             </a:r>
             <a:r>
+              <a:rPr lang="en-US" sz="2400" dirty="0">
+                <a:sym typeface="Wingdings" panose="05000000000000000000" pitchFamily="2" charset="2"/>
+              </a:rPr>
+              <a:t></a:t>
+            </a:r>
+            <a:r>
               <a:rPr lang="en-US" sz="2900" dirty="0"/>
-              <a:t>-&gt; </a:t>
+              <a:t> </a:t>
             </a:r>
             <a:r>
               <a:rPr lang="en-US" sz="2900" b="1" dirty="0">
@@ -29082,7 +29120,17 @@
             </a:r>
             <a:r>
               <a:rPr lang="en-US" dirty="0"/>
-              <a:t> -&gt; </a:t>
+              <a:t> </a:t>
+            </a:r>
+            <a:r>
+              <a:rPr lang="en-US" sz="2400" dirty="0">
+                <a:sym typeface="Wingdings" panose="05000000000000000000" pitchFamily="2" charset="2"/>
+              </a:rPr>
+              <a:t></a:t>
+            </a:r>
+            <a:r>
+              <a:rPr lang="en-US" dirty="0"/>
+              <a:t> </a:t>
             </a:r>
             <a:r>
               <a:rPr lang="en-US" b="1" dirty="0">
@@ -32430,12 +32478,14 @@
               <a:t> </a:t>
             </a:r>
             <a:r>
-              <a:rPr lang="bg-BG" sz="3200" dirty="0"/>
-              <a:t>-</a:t>
+              <a:rPr lang="en-US" sz="2400" dirty="0">
+                <a:sym typeface="Wingdings" panose="05000000000000000000" pitchFamily="2" charset="2"/>
+              </a:rPr>
+              <a:t></a:t>
             </a:r>
             <a:r>
               <a:rPr lang="en-US" sz="3200" dirty="0"/>
-              <a:t>&gt; </a:t>
+              <a:t> </a:t>
             </a:r>
             <a:r>
               <a:rPr lang="en-US" sz="3200" b="1" dirty="0">
@@ -33430,11 +33480,11 @@
           </a:p>
           <a:p>
             <a:r>
-              <a:rPr lang="bg-BG" sz="3200"/>
+              <a:rPr lang="bg-BG" sz="3200" dirty="0"/>
               <a:t>От менюто </a:t>
             </a:r>
             <a:r>
-              <a:rPr lang="en-US" sz="3200" b="1">
+              <a:rPr lang="en-US" sz="3200" b="1" dirty="0">
                 <a:solidFill>
                   <a:schemeClr val="bg1"/>
                 </a:solidFill>
@@ -33442,12 +33492,18 @@
               <a:t>Tools</a:t>
             </a:r>
             <a:r>
-              <a:rPr lang="en-US" sz="3200"/>
+              <a:rPr lang="en-US" sz="3200" dirty="0"/>
               <a:t> </a:t>
             </a:r>
             <a:r>
+              <a:rPr lang="en-US" sz="2400" dirty="0">
+                <a:sym typeface="Wingdings" panose="05000000000000000000" pitchFamily="2" charset="2"/>
+              </a:rPr>
+              <a:t></a:t>
+            </a:r>
+            <a:r>
               <a:rPr lang="en-US" sz="3200" dirty="0"/>
-              <a:t>-&gt; </a:t>
+              <a:t> </a:t>
             </a:r>
             <a:r>
               <a:rPr lang="en-US" sz="3200" b="1" dirty="0">
@@ -33455,11 +33511,25 @@
                   <a:schemeClr val="bg1"/>
                 </a:solidFill>
               </a:rPr>
-              <a:t>NuGet Package Manager </a:t>
-            </a:r>
-            <a:r>
-              <a:rPr lang="en-US" sz="3200" dirty="0"/>
-              <a:t>-&gt; </a:t>
+              <a:t>NuGet Package Manager</a:t>
+            </a:r>
+            <a:r>
+              <a:rPr lang="en-US" sz="2400" b="1" dirty="0">
+                <a:solidFill>
+                  <a:schemeClr val="bg1"/>
+                </a:solidFill>
+              </a:rPr>
+              <a:t> </a:t>
+            </a:r>
+            <a:r>
+              <a:rPr lang="en-US" sz="2400" dirty="0">
+                <a:sym typeface="Wingdings" panose="05000000000000000000" pitchFamily="2" charset="2"/>
+              </a:rPr>
+              <a:t></a:t>
+            </a:r>
+            <a:r>
+              <a:rPr lang="en-US" sz="2400" dirty="0"/>
+              <a:t> </a:t>
             </a:r>
             <a:r>
               <a:rPr lang="bg-BG" sz="3200" dirty="0"/>

--- a/Courses/Software-Sciences/Module-4-Information-Systems-New/03-Introduction-to-ORM/03-Introduction-to-ORM.pptx
+++ b/Courses/Software-Sciences/Module-4-Information-Systems-New/03-Introduction-to-ORM/03-Introduction-to-ORM.pptx
@@ -269,6 +269,64 @@
 </p:presentation>
 </file>
 
+<file path=ppt/authors.xml><?xml version="1.0" encoding="utf-8"?>
+<p188:authorLst xmlns:a="http://schemas.openxmlformats.org/drawingml/2006/main" xmlns:r="http://schemas.openxmlformats.org/officeDocument/2006/relationships" xmlns:p188="http://schemas.microsoft.com/office/powerpoint/2018/8/main">
+  <p188:author id="{61328A60-1351-1658-BC09-0F9214BEF0FD}" name="Александрина Ю. Механджийска" initials="АМ" userId="S::am43953203@edu.mon.bg::60a33b73-667f-441e-9a53-8ce9df28dca4" providerId="AD"/>
+</p188:authorLst>
+</file>
+
+<file path=ppt/comments/modernComment_114_622B06B4.xml><?xml version="1.0" encoding="utf-8"?>
+<p188:cmLst xmlns:a="http://schemas.openxmlformats.org/drawingml/2006/main" xmlns:r="http://schemas.openxmlformats.org/officeDocument/2006/relationships" xmlns:p188="http://schemas.microsoft.com/office/powerpoint/2018/8/main">
+  <p188:cm id="{DC687EA5-6C4C-FD40-B8A3-EA8F1D0D4389}" authorId="{61328A60-1351-1658-BC09-0F9214BEF0FD}" created="2024-06-12T11:21:46.332">
+    <ac:txMkLst xmlns:ac="http://schemas.microsoft.com/office/drawing/2013/main/command">
+      <pc:docMk xmlns:pc="http://schemas.microsoft.com/office/powerpoint/2013/main/command"/>
+      <pc:sldMk xmlns:pc="http://schemas.microsoft.com/office/powerpoint/2013/main/command" cId="1646986932" sldId="276"/>
+      <ac:spMk id="444419" creationId="{00000000-0000-0000-0000-000000000000}"/>
+      <ac:txMk cp="72" len="57">
+        <ac:context len="335" hash="1345561544"/>
+      </ac:txMk>
+    </ac:txMkLst>
+    <p188:pos x="10638874" y="2255516"/>
+    <p188:txBody>
+      <a:bodyPr/>
+      <a:lstStyle/>
+      <a:p>
+        <a:r>
+          <a:rPr lang="bg-BG"/>
+          <a:t>TODO: да се опише как и къде се добавя connection string</a:t>
+        </a:r>
+      </a:p>
+    </p188:txBody>
+  </p188:cm>
+</p188:cmLst>
+</file>
+
+<file path=ppt/comments/modernComment_2C2_1F75CD03.xml><?xml version="1.0" encoding="utf-8"?>
+<p188:cmLst xmlns:a="http://schemas.openxmlformats.org/drawingml/2006/main" xmlns:r="http://schemas.openxmlformats.org/officeDocument/2006/relationships" xmlns:p188="http://schemas.microsoft.com/office/powerpoint/2018/8/main">
+  <p188:cm id="{F3A53A6A-FF2F-3644-8DC0-A0A8A9C4B098}" authorId="{61328A60-1351-1658-BC09-0F9214BEF0FD}" created="2024-06-12T11:46:44.319">
+    <ac:txMkLst xmlns:ac="http://schemas.microsoft.com/office/drawing/2013/main/command">
+      <pc:docMk xmlns:pc="http://schemas.microsoft.com/office/powerpoint/2013/main/command"/>
+      <pc:sldMk xmlns:pc="http://schemas.microsoft.com/office/powerpoint/2013/main/command" cId="527813891" sldId="706"/>
+      <ac:spMk id="2" creationId="{5DF70964-08C1-23B3-198A-C18C505396EB}"/>
+      <ac:txMk cp="18" len="17">
+        <ac:context len="36" hash="646668859"/>
+      </ac:txMk>
+    </ac:txMkLst>
+    <p188:pos x="6237526" y="598200"/>
+    <p188:txBody>
+      <a:bodyPr/>
+      <a:lstStyle/>
+      <a:p>
+        <a:r>
+          <a:rPr lang="bg-BG"/>
+          <a:t>Откъде идва SoftUnIContext()?</a:t>
+        </a:r>
+      </a:p>
+    </p188:txBody>
+  </p188:cm>
+</p188:cmLst>
+</file>
+
 <file path=ppt/handoutMasters/handoutMaster1.xml><?xml version="1.0" encoding="utf-8"?>
 <p:handoutMaster xmlns:a="http://schemas.openxmlformats.org/drawingml/2006/main" xmlns:r="http://schemas.openxmlformats.org/officeDocument/2006/relationships" xmlns:p="http://schemas.openxmlformats.org/presentationml/2006/main">
   <p:cSld>
@@ -363,7 +421,7 @@
           <a:p>
             <a:fld id="{4E087215-0C8F-4762-A664-737A353EC9A4}" type="datetimeFigureOut">
               <a:rPr lang="bg-BG" smtClean="0"/>
-              <a:t>10.06.24 г.</a:t>
+              <a:t>12.06.24 г.</a:t>
             </a:fld>
             <a:endParaRPr lang="bg-BG"/>
           </a:p>
@@ -559,7 +617,7 @@
           <a:p>
             <a:fld id="{72D84649-876A-46C9-8472-14CB09C070D8}" type="datetimeFigureOut">
               <a:rPr lang="en-US" smtClean="0"/>
-              <a:t>6/10/24</a:t>
+              <a:t>6/12/24</a:t>
             </a:fld>
             <a:endParaRPr lang="en-US"/>
           </a:p>
@@ -15031,7 +15089,7 @@
         </p:spPr>
         <p:txBody>
           <a:bodyPr>
-            <a:normAutofit fontScale="85000" lnSpcReduction="20000"/>
+            <a:normAutofit fontScale="85000" lnSpcReduction="10000"/>
           </a:bodyPr>
           <a:lstStyle/>
           <a:p>
@@ -15150,95 +15208,19 @@
                   <a:schemeClr val="bg1"/>
                 </a:solidFill>
               </a:rPr>
-              <a:t>SQL Server</a:t>
-            </a:r>
-            <a:r>
-              <a:rPr lang="bg-BG" dirty="0">
+              <a:t>релационни </a:t>
+            </a:r>
+            <a:r>
+              <a:rPr lang="bg-BG" dirty="0"/>
+              <a:t>и </a:t>
+            </a:r>
+            <a:r>
+              <a:rPr lang="bg-BG" b="1" dirty="0">
                 <a:solidFill>
                   <a:schemeClr val="bg1"/>
                 </a:solidFill>
               </a:rPr>
-              <a:t>/</a:t>
-            </a:r>
-            <a:r>
-              <a:rPr lang="bg-BG" b="1" dirty="0">
-                <a:solidFill>
-                  <a:schemeClr val="bg1"/>
-                </a:solidFill>
-              </a:rPr>
-              <a:t>Azure</a:t>
-            </a:r>
-            <a:r>
-              <a:rPr lang="bg-BG" dirty="0">
-                <a:solidFill>
-                  <a:schemeClr val="bg1"/>
-                </a:solidFill>
-              </a:rPr>
-              <a:t> </a:t>
-            </a:r>
-            <a:r>
-              <a:rPr lang="bg-BG" b="1" dirty="0">
-                <a:solidFill>
-                  <a:schemeClr val="bg1"/>
-                </a:solidFill>
-              </a:rPr>
-              <a:t>SQL</a:t>
-            </a:r>
-            <a:r>
-              <a:rPr lang="bg-BG" dirty="0">
-                <a:solidFill>
-                  <a:schemeClr val="bg1"/>
-                </a:solidFill>
-              </a:rPr>
-              <a:t> </a:t>
-            </a:r>
-            <a:r>
-              <a:rPr lang="en-US" b="1" dirty="0">
-                <a:solidFill>
-                  <a:schemeClr val="bg1"/>
-                </a:solidFill>
-              </a:rPr>
-              <a:t>Database</a:t>
-            </a:r>
-            <a:r>
-              <a:rPr lang="bg-BG" dirty="0"/>
-              <a:t>, </a:t>
-            </a:r>
-            <a:r>
-              <a:rPr lang="bg-BG" b="1" dirty="0">
-                <a:solidFill>
-                  <a:schemeClr val="bg1"/>
-                </a:solidFill>
-              </a:rPr>
-              <a:t>SQLite</a:t>
-            </a:r>
-            <a:r>
-              <a:rPr lang="bg-BG" dirty="0"/>
-              <a:t>, </a:t>
-            </a:r>
-            <a:r>
-              <a:rPr lang="bg-BG" b="1" dirty="0">
-                <a:solidFill>
-                  <a:schemeClr val="bg1"/>
-                </a:solidFill>
-              </a:rPr>
-              <a:t>MySQL</a:t>
-            </a:r>
-            <a:r>
-              <a:rPr lang="bg-BG" dirty="0"/>
-              <a:t>, </a:t>
-            </a:r>
-            <a:r>
-              <a:rPr lang="bg-BG" b="1" dirty="0">
-                <a:solidFill>
-                  <a:schemeClr val="bg1"/>
-                </a:solidFill>
-              </a:rPr>
-              <a:t>PostgreSQL</a:t>
-            </a:r>
-            <a:r>
-              <a:rPr lang="bg-BG" dirty="0"/>
-              <a:t> и други бази данни</a:t>
+              <a:t>нерелационни бази данни</a:t>
             </a:r>
             <a:endParaRPr lang="en-BG" dirty="0"/>
           </a:p>
@@ -15461,15 +15443,82 @@
                                   </p:childTnLst>
                                 </p:cTn>
                               </p:par>
+                            </p:childTnLst>
+                          </p:cTn>
+                        </p:par>
+                      </p:childTnLst>
+                    </p:cTn>
+                  </p:par>
+                  <p:par>
+                    <p:cTn id="7" fill="hold">
+                      <p:stCondLst>
+                        <p:cond delay="indefinite"/>
+                      </p:stCondLst>
+                      <p:childTnLst>
+                        <p:par>
+                          <p:cTn id="8" fill="hold">
+                            <p:stCondLst>
+                              <p:cond delay="0"/>
+                            </p:stCondLst>
+                            <p:childTnLst>
                               <p:par>
-                                <p:cTn id="7" presetID="1" presetClass="entr" presetSubtype="0" fill="hold" nodeType="withEffect">
+                                <p:cTn id="9" presetID="1" presetClass="entr" presetSubtype="0" fill="hold" nodeType="clickEffect">
                                   <p:stCondLst>
                                     <p:cond delay="0"/>
                                   </p:stCondLst>
                                   <p:childTnLst>
                                     <p:set>
                                       <p:cBhvr>
-                                        <p:cTn id="8" dur="1" fill="hold">
+                                        <p:cTn id="10" dur="1" fill="hold">
+                                          <p:stCondLst>
+                                            <p:cond delay="0"/>
+                                          </p:stCondLst>
+                                        </p:cTn>
+                                        <p:tgtEl>
+                                          <p:spTgt spid="3">
+                                            <p:txEl>
+                                              <p:pRg st="0" end="0"/>
+                                            </p:txEl>
+                                          </p:spTgt>
+                                        </p:tgtEl>
+                                        <p:attrNameLst>
+                                          <p:attrName>style.visibility</p:attrName>
+                                        </p:attrNameLst>
+                                      </p:cBhvr>
+                                      <p:to>
+                                        <p:strVal val="visible"/>
+                                      </p:to>
+                                    </p:set>
+                                  </p:childTnLst>
+                                </p:cTn>
+                              </p:par>
+                            </p:childTnLst>
+                          </p:cTn>
+                        </p:par>
+                      </p:childTnLst>
+                    </p:cTn>
+                  </p:par>
+                  <p:par>
+                    <p:cTn id="11" fill="hold">
+                      <p:stCondLst>
+                        <p:cond delay="indefinite"/>
+                      </p:stCondLst>
+                      <p:childTnLst>
+                        <p:par>
+                          <p:cTn id="12" fill="hold">
+                            <p:stCondLst>
+                              <p:cond delay="0"/>
+                            </p:stCondLst>
+                            <p:childTnLst>
+                              <p:par>
+                                <p:cTn id="13" presetID="1" presetClass="entr" presetSubtype="0" fill="hold" nodeType="clickEffect">
+                                  <p:stCondLst>
+                                    <p:cond delay="0"/>
+                                  </p:stCondLst>
+                                  <p:childTnLst>
+                                    <p:set>
+                                      <p:cBhvr>
+                                        <p:cTn id="14" dur="1" fill="hold">
                                           <p:stCondLst>
                                             <p:cond delay="0"/>
                                           </p:stCondLst>
@@ -15499,26 +15548,75 @@
                     </p:cTn>
                   </p:par>
                   <p:par>
-                    <p:cTn id="9" fill="hold">
+                    <p:cTn id="15" fill="hold">
                       <p:stCondLst>
                         <p:cond delay="indefinite"/>
                       </p:stCondLst>
                       <p:childTnLst>
                         <p:par>
-                          <p:cTn id="10" fill="hold">
+                          <p:cTn id="16" fill="hold">
                             <p:stCondLst>
                               <p:cond delay="0"/>
                             </p:stCondLst>
                             <p:childTnLst>
                               <p:par>
-                                <p:cTn id="11" presetID="1" presetClass="entr" presetSubtype="0" fill="hold" nodeType="clickEffect">
+                                <p:cTn id="17" presetID="1" presetClass="entr" presetSubtype="0" fill="hold" nodeType="clickEffect">
                                   <p:stCondLst>
                                     <p:cond delay="0"/>
                                   </p:stCondLst>
                                   <p:childTnLst>
                                     <p:set>
                                       <p:cBhvr>
-                                        <p:cTn id="12" dur="1" fill="hold">
+                                        <p:cTn id="18" dur="1" fill="hold">
+                                          <p:stCondLst>
+                                            <p:cond delay="0"/>
+                                          </p:stCondLst>
+                                        </p:cTn>
+                                        <p:tgtEl>
+                                          <p:spTgt spid="3">
+                                            <p:txEl>
+                                              <p:pRg st="1" end="1"/>
+                                            </p:txEl>
+                                          </p:spTgt>
+                                        </p:tgtEl>
+                                        <p:attrNameLst>
+                                          <p:attrName>style.visibility</p:attrName>
+                                        </p:attrNameLst>
+                                      </p:cBhvr>
+                                      <p:to>
+                                        <p:strVal val="visible"/>
+                                      </p:to>
+                                    </p:set>
+                                  </p:childTnLst>
+                                </p:cTn>
+                              </p:par>
+                            </p:childTnLst>
+                          </p:cTn>
+                        </p:par>
+                      </p:childTnLst>
+                    </p:cTn>
+                  </p:par>
+                  <p:par>
+                    <p:cTn id="19" fill="hold">
+                      <p:stCondLst>
+                        <p:cond delay="indefinite"/>
+                      </p:stCondLst>
+                      <p:childTnLst>
+                        <p:par>
+                          <p:cTn id="20" fill="hold">
+                            <p:stCondLst>
+                              <p:cond delay="0"/>
+                            </p:stCondLst>
+                            <p:childTnLst>
+                              <p:par>
+                                <p:cTn id="21" presetID="1" presetClass="entr" presetSubtype="0" fill="hold" nodeType="clickEffect">
+                                  <p:stCondLst>
+                                    <p:cond delay="0"/>
+                                  </p:stCondLst>
+                                  <p:childTnLst>
+                                    <p:set>
+                                      <p:cBhvr>
+                                        <p:cTn id="22" dur="1" fill="hold">
                                           <p:stCondLst>
                                             <p:cond delay="0"/>
                                           </p:stCondLst>
@@ -15548,124 +15646,26 @@
                     </p:cTn>
                   </p:par>
                   <p:par>
-                    <p:cTn id="13" fill="hold">
+                    <p:cTn id="23" fill="hold">
                       <p:stCondLst>
                         <p:cond delay="indefinite"/>
                       </p:stCondLst>
                       <p:childTnLst>
                         <p:par>
-                          <p:cTn id="14" fill="hold">
+                          <p:cTn id="24" fill="hold">
                             <p:stCondLst>
                               <p:cond delay="0"/>
                             </p:stCondLst>
                             <p:childTnLst>
                               <p:par>
-                                <p:cTn id="15" presetID="1" presetClass="entr" presetSubtype="0" fill="hold" nodeType="clickEffect">
+                                <p:cTn id="25" presetID="1" presetClass="entr" presetSubtype="0" fill="hold" nodeType="clickEffect">
                                   <p:stCondLst>
                                     <p:cond delay="0"/>
                                   </p:stCondLst>
                                   <p:childTnLst>
                                     <p:set>
                                       <p:cBhvr>
-                                        <p:cTn id="16" dur="1" fill="hold">
-                                          <p:stCondLst>
-                                            <p:cond delay="0"/>
-                                          </p:stCondLst>
-                                        </p:cTn>
-                                        <p:tgtEl>
-                                          <p:spTgt spid="3">
-                                            <p:txEl>
-                                              <p:pRg st="0" end="0"/>
-                                            </p:txEl>
-                                          </p:spTgt>
-                                        </p:tgtEl>
-                                        <p:attrNameLst>
-                                          <p:attrName>style.visibility</p:attrName>
-                                        </p:attrNameLst>
-                                      </p:cBhvr>
-                                      <p:to>
-                                        <p:strVal val="visible"/>
-                                      </p:to>
-                                    </p:set>
-                                  </p:childTnLst>
-                                </p:cTn>
-                              </p:par>
-                            </p:childTnLst>
-                          </p:cTn>
-                        </p:par>
-                      </p:childTnLst>
-                    </p:cTn>
-                  </p:par>
-                  <p:par>
-                    <p:cTn id="17" fill="hold">
-                      <p:stCondLst>
-                        <p:cond delay="indefinite"/>
-                      </p:stCondLst>
-                      <p:childTnLst>
-                        <p:par>
-                          <p:cTn id="18" fill="hold">
-                            <p:stCondLst>
-                              <p:cond delay="0"/>
-                            </p:stCondLst>
-                            <p:childTnLst>
-                              <p:par>
-                                <p:cTn id="19" presetID="1" presetClass="entr" presetSubtype="0" fill="hold" nodeType="clickEffect">
-                                  <p:stCondLst>
-                                    <p:cond delay="0"/>
-                                  </p:stCondLst>
-                                  <p:childTnLst>
-                                    <p:set>
-                                      <p:cBhvr>
-                                        <p:cTn id="20" dur="1" fill="hold">
-                                          <p:stCondLst>
-                                            <p:cond delay="0"/>
-                                          </p:stCondLst>
-                                        </p:cTn>
-                                        <p:tgtEl>
-                                          <p:spTgt spid="3">
-                                            <p:txEl>
-                                              <p:pRg st="1" end="1"/>
-                                            </p:txEl>
-                                          </p:spTgt>
-                                        </p:tgtEl>
-                                        <p:attrNameLst>
-                                          <p:attrName>style.visibility</p:attrName>
-                                        </p:attrNameLst>
-                                      </p:cBhvr>
-                                      <p:to>
-                                        <p:strVal val="visible"/>
-                                      </p:to>
-                                    </p:set>
-                                  </p:childTnLst>
-                                </p:cTn>
-                              </p:par>
-                            </p:childTnLst>
-                          </p:cTn>
-                        </p:par>
-                      </p:childTnLst>
-                    </p:cTn>
-                  </p:par>
-                  <p:par>
-                    <p:cTn id="21" fill="hold">
-                      <p:stCondLst>
-                        <p:cond delay="indefinite"/>
-                      </p:stCondLst>
-                      <p:childTnLst>
-                        <p:par>
-                          <p:cTn id="22" fill="hold">
-                            <p:stCondLst>
-                              <p:cond delay="0"/>
-                            </p:stCondLst>
-                            <p:childTnLst>
-                              <p:par>
-                                <p:cTn id="23" presetID="1" presetClass="entr" presetSubtype="0" fill="hold" nodeType="clickEffect">
-                                  <p:stCondLst>
-                                    <p:cond delay="0"/>
-                                  </p:stCondLst>
-                                  <p:childTnLst>
-                                    <p:set>
-                                      <p:cBhvr>
-                                        <p:cTn id="24" dur="1" fill="hold">
+                                        <p:cTn id="26" dur="1" fill="hold">
                                           <p:stCondLst>
                                             <p:cond delay="0"/>
                                           </p:stCondLst>
@@ -15978,9 +15978,10 @@
             </a:endParaRPr>
           </a:p>
           <a:p>
+            <a:pPr lvl="1"/>
             <a:r>
               <a:rPr lang="bg-BG" dirty="0"/>
-              <a:t>Съдържа </a:t>
+              <a:t>Той съдържа </a:t>
             </a:r>
             <a:r>
               <a:rPr lang="bg-BG" b="1" dirty="0">
@@ -16041,9 +16042,14 @@
             </a:endParaRPr>
           </a:p>
           <a:p>
+            <a:pPr lvl="1"/>
+            <a:r>
+              <a:rPr lang="bg-BG" b="1" dirty="0"/>
+              <a:t>Пример</a:t>
+            </a:r>
             <a:r>
               <a:rPr lang="bg-BG" dirty="0"/>
-              <a:t>Пример:</a:t>
+              <a:t>:</a:t>
             </a:r>
             <a:endParaRPr lang="en-BG" dirty="0"/>
           </a:p>
@@ -16097,8 +16103,8 @@
         </p:nvSpPr>
         <p:spPr>
           <a:xfrm>
-            <a:off x="644672" y="4548236"/>
-            <a:ext cx="11108357" cy="1107996"/>
+            <a:off x="1101000" y="4369213"/>
+            <a:ext cx="9663466" cy="1292662"/>
           </a:xfrm>
           <a:prstGeom prst="rect">
             <a:avLst/>
@@ -16131,91 +16137,91 @@
               </a:lnSpc>
             </a:pPr>
             <a:r>
-              <a:rPr lang="en-US" sz="2200" b="1" noProof="1">
+              <a:rPr lang="en-US" sz="2600" b="1" noProof="1">
                 <a:latin typeface="Consolas" panose="020B0609020204030204" pitchFamily="49" charset="0"/>
               </a:rPr>
               <a:t>"Server=&lt;и</a:t>
             </a:r>
             <a:r>
-              <a:rPr lang="bg-BG" sz="2200" b="1" noProof="1">
+              <a:rPr lang="bg-BG" sz="2600" b="1" noProof="1">
                 <a:latin typeface="Consolas" panose="020B0609020204030204" pitchFamily="49" charset="0"/>
               </a:rPr>
               <a:t>ме на сървър</a:t>
             </a:r>
             <a:r>
-              <a:rPr lang="en-US" sz="2200" b="1" noProof="1">
+              <a:rPr lang="en-US" sz="2600" b="1" noProof="1">
                 <a:latin typeface="Consolas" panose="020B0609020204030204" pitchFamily="49" charset="0"/>
               </a:rPr>
               <a:t>&gt;;Initial Catalog=&lt;и</a:t>
             </a:r>
             <a:r>
-              <a:rPr lang="bg-BG" sz="2200" b="1" noProof="1">
+              <a:rPr lang="bg-BG" sz="2600" b="1" noProof="1">
                 <a:latin typeface="Consolas" panose="020B0609020204030204" pitchFamily="49" charset="0"/>
               </a:rPr>
               <a:t>ме на баз</a:t>
             </a:r>
             <a:r>
-              <a:rPr lang="en-US" sz="2200" b="1" noProof="1">
+              <a:rPr lang="en-US" sz="2600" b="1" noProof="1">
                 <a:latin typeface="Consolas" panose="020B0609020204030204" pitchFamily="49" charset="0"/>
               </a:rPr>
               <a:t>а </a:t>
             </a:r>
             <a:r>
-              <a:rPr lang="bg-BG" sz="2200" b="1" noProof="1">
+              <a:rPr lang="bg-BG" sz="2600" b="1" noProof="1">
                 <a:latin typeface="Consolas" panose="020B0609020204030204" pitchFamily="49" charset="0"/>
               </a:rPr>
               <a:t>данни</a:t>
             </a:r>
             <a:r>
-              <a:rPr lang="en-US" sz="2200" b="1" noProof="1">
+              <a:rPr lang="en-US" sz="2600" b="1" noProof="1">
                 <a:latin typeface="Consolas" panose="020B0609020204030204" pitchFamily="49" charset="0"/>
               </a:rPr>
               <a:t>&gt;;User=&lt;</a:t>
             </a:r>
             <a:r>
-              <a:rPr lang="bg-BG" sz="2200" b="1" noProof="1">
+              <a:rPr lang="bg-BG" sz="2600" b="1" noProof="1">
                 <a:latin typeface="Consolas" panose="020B0609020204030204" pitchFamily="49" charset="0"/>
               </a:rPr>
               <a:t>потребителско име</a:t>
             </a:r>
             <a:r>
-              <a:rPr lang="en-US" sz="2200" b="1" noProof="1">
+              <a:rPr lang="en-US" sz="2600" b="1" noProof="1">
                 <a:latin typeface="Consolas" panose="020B0609020204030204" pitchFamily="49" charset="0"/>
               </a:rPr>
               <a:t>&gt;</a:t>
             </a:r>
             <a:r>
-              <a:rPr lang="bg-BG" sz="2200" b="1" noProof="1">
+              <a:rPr lang="bg-BG" sz="2600" b="1" noProof="1">
                 <a:latin typeface="Consolas" panose="020B0609020204030204" pitchFamily="49" charset="0"/>
               </a:rPr>
               <a:t>;</a:t>
             </a:r>
             <a:r>
-              <a:rPr lang="en-US" sz="2200" b="1" noProof="1">
+              <a:rPr lang="en-US" sz="2600" b="1" noProof="1">
                 <a:latin typeface="Consolas" panose="020B0609020204030204" pitchFamily="49" charset="0"/>
               </a:rPr>
               <a:t>Password=</a:t>
             </a:r>
             <a:r>
-              <a:rPr lang="bg-BG" sz="2200" b="1" noProof="1">
+              <a:rPr lang="bg-BG" sz="2600" b="1" noProof="1">
                 <a:latin typeface="Consolas" panose="020B0609020204030204" pitchFamily="49" charset="0"/>
               </a:rPr>
               <a:t>&lt;парола</a:t>
             </a:r>
             <a:r>
-              <a:rPr lang="en-US" sz="2200" b="1" noProof="1">
+              <a:rPr lang="en-US" sz="2600" b="1" noProof="1">
                 <a:latin typeface="Consolas" panose="020B0609020204030204" pitchFamily="49" charset="0"/>
               </a:rPr>
               <a:t>&gt;</a:t>
             </a:r>
             <a:r>
-              <a:rPr lang="bg-BG" sz="2200" b="1" noProof="1">
+              <a:rPr lang="bg-BG" sz="2600" b="1" noProof="1">
                 <a:latin typeface="Consolas" panose="020B0609020204030204" pitchFamily="49" charset="0"/>
               </a:rPr>
               <a:t>;</a:t>
             </a:r>
             <a:r>
-              <a:rPr lang="en-US" sz="2200" b="1" noProof="1">
+              <a:rPr lang="en-US" sz="2600" b="1" noProof="1">
                 <a:latin typeface="Consolas" panose="020B0609020204030204" pitchFamily="49" charset="0"/>
               </a:rPr>
               <a:t>Integrated Security=True;"</a:t>
@@ -17684,30 +17690,11 @@
           <a:lstStyle/>
           <a:p>
             <a:r>
-              <a:rPr lang="bg-BG" sz="3000" dirty="0"/>
-              <a:t>Свързваме се със </a:t>
-            </a:r>
-            <a:r>
-              <a:rPr lang="bg-BG" sz="3000" b="1" dirty="0">
-                <a:solidFill>
-                  <a:schemeClr val="bg1"/>
-                </a:solidFill>
-              </a:rPr>
-              <a:t>съществуваща</a:t>
-            </a:r>
-            <a:r>
-              <a:rPr lang="bg-BG" sz="3000" dirty="0"/>
-              <a:t> база данни</a:t>
-            </a:r>
-            <a:endParaRPr lang="en-US" sz="3000" dirty="0"/>
-          </a:p>
-          <a:p>
-            <a:r>
-              <a:rPr lang="bg-BG" sz="3000" dirty="0"/>
+              <a:rPr lang="bg-BG" sz="3200" dirty="0"/>
               <a:t>Избираме </a:t>
             </a:r>
             <a:r>
-              <a:rPr lang="en-US" sz="3000" b="1" dirty="0">
+              <a:rPr lang="en-US" sz="3200" b="1" dirty="0">
                 <a:solidFill>
                   <a:schemeClr val="bg1"/>
                 </a:solidFill>
@@ -17715,28 +17702,28 @@
               <a:t>Tools</a:t>
             </a:r>
             <a:r>
-              <a:rPr lang="en-US" sz="3000" dirty="0"/>
+              <a:rPr lang="en-US" sz="3200" dirty="0"/>
               <a:t> </a:t>
             </a:r>
             <a:r>
-              <a:rPr lang="en-US" sz="2400" dirty="0">
+              <a:rPr lang="en-US" sz="3200" dirty="0">
                 <a:sym typeface="Wingdings" panose="05000000000000000000" pitchFamily="2" charset="2"/>
               </a:rPr>
               <a:t></a:t>
             </a:r>
             <a:r>
-              <a:rPr lang="en-US" sz="3000" dirty="0"/>
+              <a:rPr lang="en-US" sz="3200" dirty="0"/>
               <a:t> </a:t>
             </a:r>
             <a:r>
-              <a:rPr lang="en-US" sz="3000" b="1" dirty="0">
+              <a:rPr lang="en-US" sz="3200" b="1" dirty="0">
                 <a:solidFill>
                   <a:schemeClr val="bg1"/>
                 </a:solidFill>
               </a:rPr>
               <a:t>Connect to Database</a:t>
             </a:r>
-            <a:endParaRPr lang="bg-BG" sz="3000" b="1" dirty="0">
+            <a:endParaRPr lang="bg-BG" sz="3200" b="1" dirty="0">
               <a:solidFill>
                 <a:schemeClr val="bg1"/>
               </a:solidFill>
@@ -17744,11 +17731,11 @@
           </a:p>
           <a:p>
             <a:r>
-              <a:rPr lang="bg-BG" sz="3000" dirty="0"/>
+              <a:rPr lang="bg-BG" sz="3200" dirty="0"/>
               <a:t>Избираме </a:t>
             </a:r>
             <a:r>
-              <a:rPr lang="en-US" sz="3000" b="1" dirty="0">
+              <a:rPr lang="en-US" sz="3200" b="1" dirty="0">
                 <a:solidFill>
                   <a:schemeClr val="bg1"/>
                 </a:solidFill>
@@ -17756,35 +17743,34 @@
               <a:t>Microsoft SQL Server</a:t>
             </a:r>
             <a:r>
-              <a:rPr lang="en-US" sz="3000" dirty="0"/>
+              <a:rPr lang="en-US" sz="3200" dirty="0"/>
               <a:t> </a:t>
             </a:r>
             <a:r>
-              <a:rPr lang="bg-BG" sz="3000" dirty="0"/>
+              <a:rPr lang="bg-BG" sz="3200" dirty="0"/>
               <a:t>и натискаме </a:t>
             </a:r>
             <a:r>
-              <a:rPr lang="en-US" sz="3000" b="1" dirty="0">
+              <a:rPr lang="en-US" sz="3200" dirty="0"/>
+              <a:t>[</a:t>
+            </a:r>
+            <a:r>
+              <a:rPr lang="en-US" sz="3200" b="1" dirty="0">
                 <a:solidFill>
                   <a:schemeClr val="bg1"/>
                 </a:solidFill>
               </a:rPr>
               <a:t>Continue</a:t>
             </a:r>
-            <a:endParaRPr lang="en-BG" sz="3000" b="1" dirty="0">
+            <a:r>
+              <a:rPr lang="en-US" sz="3200" dirty="0"/>
+              <a:t>]</a:t>
+            </a:r>
+            <a:endParaRPr lang="en-BG" sz="3200" b="1" dirty="0">
               <a:solidFill>
                 <a:schemeClr val="bg1"/>
               </a:solidFill>
             </a:endParaRPr>
-          </a:p>
-          <a:p>
-            <a:pPr marL="0" indent="0">
-              <a:buNone/>
-            </a:pPr>
-            <a:endParaRPr lang="en-US" sz="3200" dirty="0"/>
-          </a:p>
-          <a:p>
-            <a:endParaRPr lang="en-US" sz="3200" dirty="0"/>
           </a:p>
         </p:txBody>
       </p:sp>
@@ -18033,8 +18019,8 @@
         </p:blipFill>
         <p:spPr>
           <a:xfrm>
-            <a:off x="606644" y="3826402"/>
-            <a:ext cx="4366890" cy="1306800"/>
+            <a:off x="394650" y="3545815"/>
+            <a:ext cx="4903536" cy="1467392"/>
           </a:xfrm>
           <a:prstGeom prst="rect">
             <a:avLst/>
@@ -18075,8 +18061,8 @@
         </p:blipFill>
         <p:spPr>
           <a:xfrm>
-            <a:off x="6768365" y="3016402"/>
-            <a:ext cx="4729197" cy="3490598"/>
+            <a:off x="6607419" y="2568733"/>
+            <a:ext cx="5228536" cy="3859158"/>
           </a:xfrm>
           <a:prstGeom prst="rect">
             <a:avLst/>
@@ -18104,8 +18090,8 @@
         </p:nvSpPr>
         <p:spPr>
           <a:xfrm>
-            <a:off x="5464102" y="4170359"/>
-            <a:ext cx="813695" cy="618886"/>
+            <a:off x="5543660" y="3960370"/>
+            <a:ext cx="857650" cy="638283"/>
           </a:xfrm>
           <a:prstGeom prst="rightArrow">
             <a:avLst/>
@@ -18292,64 +18278,15 @@
                                   </p:childTnLst>
                                 </p:cTn>
                               </p:par>
-                            </p:childTnLst>
-                          </p:cTn>
-                        </p:par>
-                      </p:childTnLst>
-                    </p:cTn>
-                  </p:par>
-                  <p:par>
-                    <p:cTn id="13" fill="hold">
-                      <p:stCondLst>
-                        <p:cond delay="indefinite"/>
-                      </p:stCondLst>
-                      <p:childTnLst>
-                        <p:par>
-                          <p:cTn id="14" fill="hold">
-                            <p:stCondLst>
-                              <p:cond delay="0"/>
-                            </p:stCondLst>
-                            <p:childTnLst>
                               <p:par>
-                                <p:cTn id="15" presetID="1" presetClass="entr" presetSubtype="0" fill="hold" nodeType="clickEffect">
+                                <p:cTn id="13" presetID="1" presetClass="entr" presetSubtype="0" fill="hold" grpId="0" nodeType="withEffect">
                                   <p:stCondLst>
                                     <p:cond delay="0"/>
                                   </p:stCondLst>
                                   <p:childTnLst>
                                     <p:set>
                                       <p:cBhvr>
-                                        <p:cTn id="16" dur="1" fill="hold">
-                                          <p:stCondLst>
-                                            <p:cond delay="0"/>
-                                          </p:stCondLst>
-                                        </p:cTn>
-                                        <p:tgtEl>
-                                          <p:spTgt spid="8">
-                                            <p:txEl>
-                                              <p:pRg st="2" end="2"/>
-                                            </p:txEl>
-                                          </p:spTgt>
-                                        </p:tgtEl>
-                                        <p:attrNameLst>
-                                          <p:attrName>style.visibility</p:attrName>
-                                        </p:attrNameLst>
-                                      </p:cBhvr>
-                                      <p:to>
-                                        <p:strVal val="visible"/>
-                                      </p:to>
-                                    </p:set>
-                                  </p:childTnLst>
-                                </p:cTn>
-                              </p:par>
-                              <p:par>
-                                <p:cTn id="17" presetID="1" presetClass="entr" presetSubtype="0" fill="hold" grpId="0" nodeType="withEffect">
-                                  <p:stCondLst>
-                                    <p:cond delay="0"/>
-                                  </p:stCondLst>
-                                  <p:childTnLst>
-                                    <p:set>
-                                      <p:cBhvr>
-                                        <p:cTn id="18" dur="1" fill="hold">
+                                        <p:cTn id="14" dur="1" fill="hold">
                                           <p:stCondLst>
                                             <p:cond delay="0"/>
                                           </p:stCondLst>
@@ -18369,14 +18306,14 @@
                                 </p:cTn>
                               </p:par>
                               <p:par>
-                                <p:cTn id="19" presetID="1" presetClass="entr" presetSubtype="0" fill="hold" nodeType="withEffect">
+                                <p:cTn id="15" presetID="1" presetClass="entr" presetSubtype="0" fill="hold" nodeType="withEffect">
                                   <p:stCondLst>
                                     <p:cond delay="0"/>
                                   </p:stCondLst>
                                   <p:childTnLst>
                                     <p:set>
                                       <p:cBhvr>
-                                        <p:cTn id="20" dur="1" fill="hold">
+                                        <p:cTn id="16" dur="1" fill="hold">
                                           <p:stCondLst>
                                             <p:cond delay="0"/>
                                           </p:stCondLst>
@@ -19459,7 +19396,7 @@
             </a:r>
             <a:r>
               <a:rPr lang="en-US" sz="2800" dirty="0"/>
-              <a:t> </a:t>
+              <a:t> [</a:t>
             </a:r>
             <a:r>
               <a:rPr lang="en-US" sz="2800" b="1" dirty="0">
@@ -19468,6 +19405,10 @@
                 </a:solidFill>
               </a:rPr>
               <a:t>Add New Item</a:t>
+            </a:r>
+            <a:r>
+              <a:rPr lang="en-US" sz="2800" dirty="0"/>
+              <a:t>]</a:t>
             </a:r>
             <a:endParaRPr lang="bg-BG" sz="2800" b="1" dirty="0">
               <a:solidFill>
@@ -19511,6 +19452,10 @@
               <a:t> </a:t>
             </a:r>
             <a:r>
+              <a:rPr lang="en-US" sz="2800" dirty="0"/>
+              <a:t>[</a:t>
+            </a:r>
+            <a:r>
               <a:rPr lang="en-US" sz="2800" b="1" dirty="0">
                 <a:solidFill>
                   <a:schemeClr val="bg1"/>
@@ -19518,8 +19463,22 @@
               </a:rPr>
               <a:t>ADO.NET Entity Data Model</a:t>
             </a:r>
-          </a:p>
-          <a:p>
+            <a:r>
+              <a:rPr lang="en-US" sz="2800" dirty="0"/>
+              <a:t>]</a:t>
+            </a:r>
+            <a:endParaRPr lang="en-US" sz="2800" b="1" dirty="0">
+              <a:solidFill>
+                <a:schemeClr val="bg1"/>
+              </a:solidFill>
+            </a:endParaRPr>
+          </a:p>
+          <a:p>
+            <a:pPr>
+              <a:tabLst>
+                <a:tab pos="7407275" algn="l"/>
+              </a:tabLst>
+            </a:pPr>
             <a:r>
               <a:rPr lang="bg-BG" sz="2800" dirty="0"/>
               <a:t>Задаваме </a:t>
@@ -19533,12 +19492,20 @@
               <a:t>и натискаме </a:t>
             </a:r>
             <a:r>
+              <a:rPr lang="en-US" sz="2800" dirty="0"/>
+              <a:t>[</a:t>
+            </a:r>
+            <a:r>
               <a:rPr lang="en-US" sz="2800" b="1" dirty="0">
                 <a:solidFill>
                   <a:schemeClr val="bg1"/>
                 </a:solidFill>
               </a:rPr>
               <a:t>Add</a:t>
+            </a:r>
+            <a:r>
+              <a:rPr lang="en-US" sz="2800" dirty="0"/>
+              <a:t>]</a:t>
             </a:r>
             <a:endParaRPr lang="bg-BG" sz="2800" b="1" dirty="0">
               <a:solidFill>
@@ -20361,8 +20328,16 @@
           </a:p>
           <a:p>
             <a:r>
+              <a:rPr lang="en-US" sz="3200" dirty="0"/>
+              <a:t>͏</a:t>
+            </a:r>
+            <a:r>
+              <a:rPr lang="bg-BG" sz="3200" b="1" dirty="0"/>
+              <a:t>Примерно приложение</a:t>
+            </a:r>
+            <a:r>
               <a:rPr lang="bg-BG" sz="3200" dirty="0"/>
-              <a:t>Примерно приложение:</a:t>
+              <a:t>:</a:t>
             </a:r>
             <a:r>
               <a:rPr lang="en-US" sz="3200" dirty="0"/>
@@ -20846,6 +20821,11 @@
       </p:par>
     </p:tnLst>
   </p:timing>
+  <p:extLst>
+    <p:ext uri="{6950BFC3-D8DA-4A85-94F7-54DA5524770B}">
+      <p188:commentRel xmlns:p188="http://schemas.microsoft.com/office/powerpoint/2018/8/main" r:id="rId3"/>
+    </p:ext>
+  </p:extLst>
 </p:sld>
 </file>
 
@@ -21026,6 +21006,10 @@
               <a:t>и натискаме </a:t>
             </a:r>
             <a:r>
+              <a:rPr lang="en-US" sz="2400" dirty="0"/>
+              <a:t>[</a:t>
+            </a:r>
+            <a:r>
               <a:rPr lang="en-US" sz="2400" b="1" dirty="0">
                 <a:solidFill>
                   <a:schemeClr val="bg1"/>
@@ -21033,6 +21017,15 @@
               </a:rPr>
               <a:t>Next</a:t>
             </a:r>
+            <a:r>
+              <a:rPr lang="en-US" sz="2400" dirty="0"/>
+              <a:t>]</a:t>
+            </a:r>
+            <a:endParaRPr lang="en-US" sz="2400" b="1" dirty="0">
+              <a:solidFill>
+                <a:schemeClr val="bg1"/>
+              </a:solidFill>
+            </a:endParaRPr>
           </a:p>
           <a:p>
             <a:r>
@@ -21073,7 +21066,7 @@
             </a:r>
             <a:r>
               <a:rPr lang="bg-BG" sz="2400" dirty="0"/>
-              <a:t> избираме да пази ли </a:t>
+              <a:t> избираме дали да пази </a:t>
             </a:r>
             <a:r>
               <a:rPr lang="bg-BG" sz="2400" b="1" dirty="0"/>
@@ -21141,7 +21134,7 @@
         <p:spPr>
           <a:xfrm>
             <a:off x="1461000" y="3094154"/>
-            <a:ext cx="3565660" cy="3412846"/>
+            <a:ext cx="3804116" cy="3641082"/>
           </a:xfrm>
           <a:prstGeom prst="rect">
             <a:avLst/>
@@ -21184,7 +21177,7 @@
         <p:spPr>
           <a:xfrm>
             <a:off x="6521884" y="3094154"/>
-            <a:ext cx="3565660" cy="3412846"/>
+            <a:ext cx="3804116" cy="3641082"/>
           </a:xfrm>
           <a:prstGeom prst="rect">
             <a:avLst/>
@@ -21212,7 +21205,7 @@
         </p:nvSpPr>
         <p:spPr>
           <a:xfrm>
-            <a:off x="5429477" y="4583477"/>
+            <a:off x="5548705" y="4697595"/>
             <a:ext cx="689589" cy="434199"/>
           </a:xfrm>
           <a:prstGeom prst="rightArrow">
@@ -21637,6 +21630,10 @@
               <a:t> и натискаме </a:t>
             </a:r>
             <a:r>
+              <a:rPr lang="en-US" sz="2800" dirty="0"/>
+              <a:t>[</a:t>
+            </a:r>
+            <a:r>
               <a:rPr lang="en-US" sz="2800" b="1" dirty="0">
                 <a:solidFill>
                   <a:schemeClr val="bg1"/>
@@ -21644,6 +21641,15 @@
               </a:rPr>
               <a:t>Next</a:t>
             </a:r>
+            <a:r>
+              <a:rPr lang="en-US" sz="2800" dirty="0"/>
+              <a:t>]</a:t>
+            </a:r>
+            <a:endParaRPr lang="en-US" sz="2800" b="1" dirty="0">
+              <a:solidFill>
+                <a:schemeClr val="bg1"/>
+              </a:solidFill>
+            </a:endParaRPr>
           </a:p>
           <a:p>
             <a:r>
@@ -21679,6 +21685,10 @@
               <a:t>модела</a:t>
             </a:r>
             <a:r>
+              <a:rPr lang="en-US" sz="2800" dirty="0"/>
+              <a:t>,</a:t>
+            </a:r>
+            <a:r>
               <a:rPr lang="en-US" sz="2800" b="1" dirty="0"/>
               <a:t> </a:t>
             </a:r>
@@ -21687,12 +21697,20 @@
               <a:t>и натискаме </a:t>
             </a:r>
             <a:r>
+              <a:rPr lang="en-US" sz="2800" dirty="0"/>
+              <a:t>[</a:t>
+            </a:r>
+            <a:r>
               <a:rPr lang="en-US" sz="2800" b="1" dirty="0">
                 <a:solidFill>
                   <a:schemeClr val="bg1"/>
                 </a:solidFill>
               </a:rPr>
               <a:t>Finish</a:t>
+            </a:r>
+            <a:r>
+              <a:rPr lang="en-US" sz="2800" dirty="0"/>
+              <a:t>]</a:t>
             </a:r>
             <a:endParaRPr lang="bg-BG" sz="2800" b="1" dirty="0">
               <a:solidFill>
@@ -22317,8 +22335,8 @@
         </p:blipFill>
         <p:spPr>
           <a:xfrm>
-            <a:off x="4836000" y="1719327"/>
-            <a:ext cx="2520000" cy="2062548"/>
+            <a:off x="4836000" y="1196707"/>
+            <a:ext cx="3158532" cy="2585168"/>
           </a:xfrm>
           <a:prstGeom prst="rect">
             <a:avLst/>
@@ -22967,7 +22985,7 @@
             </a:r>
             <a:r>
               <a:rPr lang="en-US" sz="2900" dirty="0"/>
-              <a:t> </a:t>
+              <a:t>, </a:t>
             </a:r>
             <a:r>
               <a:rPr lang="bg-BG" sz="2900" dirty="0"/>
@@ -23053,7 +23071,7 @@
             </a:r>
             <a:r>
               <a:rPr lang="en-US" sz="2900" dirty="0"/>
-              <a:t> </a:t>
+              <a:t> [</a:t>
             </a:r>
             <a:r>
               <a:rPr lang="en-US" sz="2900" b="1" dirty="0">
@@ -23062,6 +23080,10 @@
                 </a:solidFill>
               </a:rPr>
               <a:t>Package Manager Console</a:t>
+            </a:r>
+            <a:r>
+              <a:rPr lang="en-US" sz="2900" dirty="0"/>
+              <a:t>]</a:t>
             </a:r>
             <a:endParaRPr lang="bg-BG" sz="2900" b="1" dirty="0">
               <a:solidFill>
@@ -23503,11 +23525,11 @@
           <a:p>
             <a:r>
               <a:rPr lang="bg-BG" sz="3000" dirty="0"/>
-              <a:t>Изпълняваме </a:t>
+              <a:t>Изпълняваме следните </a:t>
             </a:r>
             <a:r>
               <a:rPr lang="bg-BG" sz="3000" b="1" dirty="0"/>
-              <a:t>командите</a:t>
+              <a:t>команди</a:t>
             </a:r>
             <a:r>
               <a:rPr lang="bg-BG" sz="3000" dirty="0"/>
@@ -24345,8 +24367,8 @@
         </p:blipFill>
         <p:spPr>
           <a:xfrm>
-            <a:off x="2991000" y="4589414"/>
-            <a:ext cx="6210000" cy="1807691"/>
+            <a:off x="2708883" y="4599290"/>
+            <a:ext cx="6774234" cy="1971936"/>
           </a:xfrm>
           <a:prstGeom prst="rect">
             <a:avLst/>
@@ -24892,7 +24914,7 @@
         </p:spPr>
         <p:txBody>
           <a:bodyPr>
-            <a:normAutofit fontScale="92500"/>
+            <a:normAutofit lnSpcReduction="10000"/>
           </a:bodyPr>
           <a:lstStyle/>
           <a:p>
@@ -25033,7 +25055,10 @@
               <a:t>(</a:t>
             </a:r>
             <a:r>
-              <a:rPr lang="en-US" sz="3000" b="1" noProof="1"/>
+              <a:rPr lang="en-US" sz="3000" b="1" noProof="1">
+                <a:latin typeface="Consolas" panose="020B0609020204030204" pitchFamily="49" charset="0"/>
+                <a:cs typeface="Consolas" panose="020B0609020204030204" pitchFamily="49" charset="0"/>
+              </a:rPr>
               <a:t>Add() </a:t>
             </a:r>
             <a:r>
@@ -25127,11 +25152,42 @@
               </a:rPr>
               <a:t>обекти</a:t>
             </a:r>
-            <a:endParaRPr lang="en-US" sz="3000" b="1" dirty="0">
-              <a:solidFill>
-                <a:schemeClr val="bg1"/>
-              </a:solidFill>
-            </a:endParaRPr>
+          </a:p>
+          <a:p>
+            <a:pPr lvl="2">
+              <a:buClr>
+                <a:schemeClr val="tx1"/>
+              </a:buClr>
+            </a:pPr>
+            <a:r>
+              <a:rPr lang="bg-BG" sz="3000" dirty="0"/>
+              <a:t>Начин за </a:t>
+            </a:r>
+            <a:r>
+              <a:rPr lang="bg-BG" sz="3000" b="1" dirty="0">
+                <a:solidFill>
+                  <a:schemeClr val="bg1"/>
+                </a:solidFill>
+              </a:rPr>
+              <a:t>изтриване</a:t>
+            </a:r>
+            <a:r>
+              <a:rPr lang="bg-BG" sz="3000" dirty="0"/>
+              <a:t> на </a:t>
+            </a:r>
+            <a:r>
+              <a:rPr lang="bg-BG" sz="3000" b="1" dirty="0">
+                <a:solidFill>
+                  <a:schemeClr val="bg1"/>
+                </a:solidFill>
+              </a:rPr>
+              <a:t>данни</a:t>
+            </a:r>
+            <a:r>
+              <a:rPr lang="bg-BG" sz="3000" dirty="0"/>
+              <a:t> от базата</a:t>
+            </a:r>
+            <a:endParaRPr lang="en-US" sz="3000" dirty="0"/>
           </a:p>
           <a:p>
             <a:r>
@@ -25238,49 +25294,6 @@
                 <a:schemeClr val="bg1"/>
               </a:solidFill>
             </a:endParaRPr>
-          </a:p>
-          <a:p>
-            <a:r>
-              <a:rPr lang="bg-BG" sz="3200" b="1" dirty="0"/>
-              <a:t>Управление</a:t>
-            </a:r>
-            <a:r>
-              <a:rPr lang="bg-BG" sz="3200" dirty="0"/>
-              <a:t> на базата данни – </a:t>
-            </a:r>
-            <a:r>
-              <a:rPr lang="bg-BG" sz="3200" b="1" dirty="0">
-                <a:solidFill>
-                  <a:schemeClr val="bg1"/>
-                </a:solidFill>
-              </a:rPr>
-              <a:t>създаване</a:t>
-            </a:r>
-            <a:r>
-              <a:rPr lang="en-US" sz="3200" dirty="0"/>
-              <a:t>/</a:t>
-            </a:r>
-            <a:r>
-              <a:rPr lang="bg-BG" sz="3200" b="1" dirty="0">
-                <a:solidFill>
-                  <a:schemeClr val="bg1"/>
-                </a:solidFill>
-              </a:rPr>
-              <a:t>изтриване</a:t>
-            </a:r>
-            <a:r>
-              <a:rPr lang="en-US" sz="3200" dirty="0"/>
-              <a:t>/</a:t>
-            </a:r>
-            <a:r>
-              <a:rPr lang="bg-BG" sz="3200" b="1" dirty="0">
-                <a:solidFill>
-                  <a:schemeClr val="bg1"/>
-                </a:solidFill>
-              </a:rPr>
-              <a:t>мигриране</a:t>
-            </a:r>
-            <a:endParaRPr lang="en-US" sz="3200" dirty="0"/>
           </a:p>
         </p:txBody>
       </p:sp>
@@ -25846,6 +25859,8 @@
                 <a:solidFill>
                   <a:schemeClr val="bg1"/>
                 </a:solidFill>
+                <a:latin typeface="Consolas" panose="020B0609020204030204" pitchFamily="49" charset="0"/>
+                <a:cs typeface="Consolas" panose="020B0609020204030204" pitchFamily="49" charset="0"/>
               </a:rPr>
               <a:t>DbContext</a:t>
             </a:r>
@@ -25911,6 +25926,8 @@
                 <a:solidFill>
                   <a:schemeClr val="bg1"/>
                 </a:solidFill>
+                <a:latin typeface="Consolas" panose="020B0609020204030204" pitchFamily="49" charset="0"/>
+                <a:cs typeface="Consolas" panose="020B0609020204030204" pitchFamily="49" charset="0"/>
               </a:rPr>
               <a:t>DbContext</a:t>
             </a:r>
@@ -25943,21 +25960,15 @@
             </a:r>
             <a:r>
               <a:rPr lang="en-US" sz="3000" dirty="0"/>
-              <a:t> </a:t>
-            </a:r>
-            <a:r>
-              <a:rPr lang="bg-BG" sz="3000" dirty="0"/>
-              <a:t>-</a:t>
-            </a:r>
-            <a:r>
-              <a:rPr lang="en-US" sz="3000" dirty="0"/>
-              <a:t> </a:t>
+              <a:t> – </a:t>
             </a:r>
             <a:r>
               <a:rPr lang="en-US" sz="3000" b="1" dirty="0">
                 <a:solidFill>
                   <a:schemeClr val="bg1"/>
                 </a:solidFill>
+                <a:latin typeface="Consolas" panose="020B0609020204030204" pitchFamily="49" charset="0"/>
+                <a:cs typeface="Consolas" panose="020B0609020204030204" pitchFamily="49" charset="0"/>
               </a:rPr>
               <a:t>EnsureCreated</a:t>
             </a:r>
@@ -25970,6 +25981,8 @@
                 <a:solidFill>
                   <a:schemeClr val="bg1"/>
                 </a:solidFill>
+                <a:latin typeface="Consolas" panose="020B0609020204030204" pitchFamily="49" charset="0"/>
+                <a:cs typeface="Consolas" panose="020B0609020204030204" pitchFamily="49" charset="0"/>
               </a:rPr>
               <a:t>Deleted</a:t>
             </a:r>
@@ -25997,6 +26010,8 @@
                 <a:solidFill>
                   <a:schemeClr val="bg1"/>
                 </a:solidFill>
+                <a:latin typeface="Consolas" panose="020B0609020204030204" pitchFamily="49" charset="0"/>
+                <a:cs typeface="Consolas" panose="020B0609020204030204" pitchFamily="49" charset="0"/>
               </a:rPr>
               <a:t>ChangeTracker</a:t>
             </a:r>
@@ -26108,6 +26123,8 @@
                 <a:solidFill>
                   <a:schemeClr val="bg1"/>
                 </a:solidFill>
+                <a:latin typeface="Consolas" panose="020B0609020204030204" pitchFamily="49" charset="0"/>
+                <a:cs typeface="Consolas" panose="020B0609020204030204" pitchFamily="49" charset="0"/>
               </a:rPr>
               <a:t>DbSet&lt;Employee&gt; Employees { get; set; }</a:t>
             </a:r>
@@ -26565,6 +26582,11 @@
       <p:bldP spid="2" grpId="0" animBg="1"/>
     </p:bldLst>
   </p:timing>
+  <p:extLst>
+    <p:ext uri="{6950BFC3-D8DA-4A85-94F7-54DA5524770B}">
+      <p188:commentRel xmlns:p188="http://schemas.microsoft.com/office/powerpoint/2018/8/main" r:id="rId3"/>
+    </p:ext>
+  </p:extLst>
 </p:sld>
 </file>
 
@@ -26964,6 +26986,8 @@
                 <a:solidFill>
                   <a:schemeClr val="bg1"/>
                 </a:solidFill>
+                <a:latin typeface="Consolas" panose="020B0609020204030204" pitchFamily="49" charset="0"/>
+                <a:cs typeface="Consolas" panose="020B0609020204030204" pitchFamily="49" charset="0"/>
               </a:rPr>
               <a:t>DbContext</a:t>
             </a:r>
@@ -27920,6 +27944,8 @@
                 <a:solidFill>
                   <a:schemeClr val="bg1"/>
                 </a:solidFill>
+                <a:latin typeface="Consolas" panose="020B0609020204030204" pitchFamily="49" charset="0"/>
+                <a:cs typeface="Consolas" panose="020B0609020204030204" pitchFamily="49" charset="0"/>
               </a:rPr>
               <a:t>ID</a:t>
             </a:r>
@@ -28440,7 +28466,12 @@
             <p:ph type="subTitle" sz="quarter" idx="11"/>
           </p:nvPr>
         </p:nvSpPr>
-        <p:spPr/>
+        <p:spPr>
+          <a:xfrm>
+            <a:off x="615108" y="5817084"/>
+            <a:ext cx="10961783" cy="768084"/>
+          </a:xfrm>
+        </p:spPr>
         <p:txBody>
           <a:bodyPr/>
           <a:lstStyle/>
@@ -28468,7 +28499,12 @@
             <p:ph type="title" sz="quarter" idx="10"/>
           </p:nvPr>
         </p:nvSpPr>
-        <p:spPr/>
+        <p:spPr>
+          <a:xfrm>
+            <a:off x="615108" y="5049000"/>
+            <a:ext cx="10961783" cy="768084"/>
+          </a:xfrm>
+        </p:spPr>
         <p:txBody>
           <a:bodyPr/>
           <a:lstStyle/>
@@ -28509,8 +28545,8 @@
         </p:blipFill>
         <p:spPr>
           <a:xfrm>
-            <a:off x="2937373" y="774000"/>
-            <a:ext cx="6317254" cy="3817818"/>
+            <a:off x="2626685" y="684000"/>
+            <a:ext cx="6938627" cy="4193343"/>
           </a:xfrm>
           <a:prstGeom prst="rect">
             <a:avLst/>
@@ -28722,8 +28758,8 @@
         </p:blipFill>
         <p:spPr>
           <a:xfrm>
-            <a:off x="626689" y="3156190"/>
-            <a:ext cx="5336859" cy="1859621"/>
+            <a:off x="471000" y="2961708"/>
+            <a:ext cx="5895000" cy="2054104"/>
           </a:xfrm>
           <a:prstGeom prst="rect">
             <a:avLst/>
@@ -28764,7 +28800,7 @@
         </p:blipFill>
         <p:spPr>
           <a:xfrm>
-            <a:off x="7356000" y="2259000"/>
+            <a:off x="7200311" y="2259000"/>
             <a:ext cx="4492622" cy="3654000"/>
           </a:xfrm>
           <a:prstGeom prst="rect">
@@ -28793,7 +28829,7 @@
         </p:nvSpPr>
         <p:spPr>
           <a:xfrm>
-            <a:off x="6252926" y="3776557"/>
+            <a:off x="6398860" y="3776557"/>
             <a:ext cx="813695" cy="618886"/>
           </a:xfrm>
           <a:prstGeom prst="rightArrow">
@@ -29130,7 +29166,7 @@
             </a:r>
             <a:r>
               <a:rPr lang="en-US" dirty="0"/>
-              <a:t> </a:t>
+              <a:t> [</a:t>
             </a:r>
             <a:r>
               <a:rPr lang="en-US" b="1" dirty="0">
@@ -29139,6 +29175,10 @@
                 </a:solidFill>
               </a:rPr>
               <a:t>Connect to Database</a:t>
+            </a:r>
+            <a:r>
+              <a:rPr lang="en-US" sz="3600" dirty="0"/>
+              <a:t>]</a:t>
             </a:r>
             <a:endParaRPr lang="bg-BG" b="1" dirty="0">
               <a:solidFill>
@@ -29168,12 +29208,20 @@
               <a:t>и натискаме </a:t>
             </a:r>
             <a:r>
+              <a:rPr lang="en-US" dirty="0"/>
+              <a:t>[</a:t>
+            </a:r>
+            <a:r>
               <a:rPr lang="en-US" b="1" dirty="0">
                 <a:solidFill>
                   <a:schemeClr val="bg1"/>
                 </a:solidFill>
               </a:rPr>
               <a:t>Continue</a:t>
+            </a:r>
+            <a:r>
+              <a:rPr lang="en-US" sz="3600" dirty="0"/>
+              <a:t>]</a:t>
             </a:r>
             <a:endParaRPr lang="en-BG" b="1" dirty="0">
               <a:solidFill>
@@ -29241,8 +29289,8 @@
         </p:blipFill>
         <p:spPr>
           <a:xfrm>
-            <a:off x="654279" y="3474000"/>
-            <a:ext cx="4366890" cy="1306800"/>
+            <a:off x="328524" y="3823557"/>
+            <a:ext cx="5283937" cy="1581228"/>
           </a:xfrm>
           <a:prstGeom prst="rect">
             <a:avLst/>
@@ -29283,8 +29331,8 @@
         </p:blipFill>
         <p:spPr>
           <a:xfrm>
-            <a:off x="6816000" y="2664000"/>
-            <a:ext cx="4729197" cy="3490598"/>
+            <a:off x="6579540" y="2694342"/>
+            <a:ext cx="5202117" cy="3839658"/>
           </a:xfrm>
           <a:prstGeom prst="rect">
             <a:avLst/>
@@ -29312,7 +29360,7 @@
         </p:nvSpPr>
         <p:spPr>
           <a:xfrm>
-            <a:off x="5511737" y="3817957"/>
+            <a:off x="5689153" y="4419000"/>
             <a:ext cx="813695" cy="618886"/>
           </a:xfrm>
           <a:prstGeom prst="rightArrow">
@@ -29349,6 +29397,248 @@
           <a:p>
             <a:pPr algn="ctr"/>
             <a:endParaRPr lang="en-US" sz="2799"/>
+          </a:p>
+        </p:txBody>
+      </p:sp>
+      <p:sp>
+        <p:nvSpPr>
+          <p:cNvPr id="6" name="Rectangle 2">
+            <a:extLst>
+              <a:ext uri="{FF2B5EF4-FFF2-40B4-BE49-F238E27FC236}">
+                <a16:creationId xmlns:a16="http://schemas.microsoft.com/office/drawing/2014/main" id="{1E89C428-4EC5-529F-18BC-44F8DB9D036B}"/>
+              </a:ext>
+            </a:extLst>
+          </p:cNvPr>
+          <p:cNvSpPr>
+            <a:spLocks noChangeArrowheads="1"/>
+          </p:cNvSpPr>
+          <p:nvPr/>
+        </p:nvSpPr>
+        <p:spPr bwMode="auto">
+          <a:xfrm>
+            <a:off x="0" y="0"/>
+            <a:ext cx="12192000" cy="0"/>
+          </a:xfrm>
+          <a:prstGeom prst="rect">
+            <a:avLst/>
+          </a:prstGeom>
+          <a:noFill/>
+          <a:ln>
+            <a:noFill/>
+          </a:ln>
+          <a:effectLst/>
+          <a:extLst>
+            <a:ext uri="{909E8E84-426E-40DD-AFC4-6F175D3DCCD1}">
+              <a14:hiddenFill xmlns:a14="http://schemas.microsoft.com/office/drawing/2010/main">
+                <a:solidFill>
+                  <a:schemeClr val="accent1"/>
+                </a:solidFill>
+              </a14:hiddenFill>
+            </a:ext>
+            <a:ext uri="{91240B29-F687-4F45-9708-019B960494DF}">
+              <a14:hiddenLine xmlns:a14="http://schemas.microsoft.com/office/drawing/2010/main" w="9525">
+                <a:solidFill>
+                  <a:schemeClr val="tx1"/>
+                </a:solidFill>
+                <a:miter lim="800000"/>
+                <a:headEnd/>
+                <a:tailEnd/>
+              </a14:hiddenLine>
+            </a:ext>
+            <a:ext uri="{AF507438-7753-43E0-B8FC-AC1667EBCBE1}">
+              <a14:hiddenEffects xmlns:a14="http://schemas.microsoft.com/office/drawing/2010/main">
+                <a:effectLst>
+                  <a:outerShdw dist="35921" dir="2700000" algn="ctr" rotWithShape="0">
+                    <a:schemeClr val="bg2"/>
+                  </a:outerShdw>
+                </a:effectLst>
+              </a14:hiddenEffects>
+            </a:ext>
+          </a:extLst>
+        </p:spPr>
+        <p:txBody>
+          <a:bodyPr vert="horz" wrap="none" lIns="91440" tIns="45720" rIns="91440" bIns="45720" numCol="1" anchor="ctr" anchorCtr="0" compatLnSpc="1">
+            <a:prstTxWarp prst="textNoShape">
+              <a:avLst/>
+            </a:prstTxWarp>
+            <a:spAutoFit/>
+          </a:bodyPr>
+          <a:lstStyle/>
+          <a:p>
+            <a:pPr marL="0" marR="0" lvl="0" indent="0" algn="l" defTabSz="914400" rtl="0" eaLnBrk="0" fontAlgn="base" latinLnBrk="0" hangingPunct="0">
+              <a:lnSpc>
+                <a:spcPct val="100000"/>
+              </a:lnSpc>
+              <a:spcBef>
+                <a:spcPct val="0"/>
+              </a:spcBef>
+              <a:spcAft>
+                <a:spcPct val="0"/>
+              </a:spcAft>
+              <a:buClrTx/>
+              <a:buSzTx/>
+              <a:buFontTx/>
+              <a:buNone/>
+              <a:tabLst/>
+            </a:pPr>
+            <a:r>
+              <a:rPr kumimoji="0" lang="en-US" altLang="en-BG" sz="2800" b="0" i="0" u="none" strike="noStrike" cap="none" normalizeH="0" baseline="0">
+                <a:ln>
+                  <a:noFill/>
+                </a:ln>
+                <a:solidFill>
+                  <a:schemeClr val="tx1"/>
+                </a:solidFill>
+                <a:effectLst/>
+                <a:latin typeface="Calibri" panose="020F0502020204030204" pitchFamily="34" charset="0"/>
+                <a:ea typeface="+mn-ea"/>
+                <a:cs typeface="+mn-cs"/>
+              </a:rPr>
+              <a:t>]</a:t>
+            </a:r>
+            <a:r>
+              <a:rPr kumimoji="0" lang="en-US" altLang="en-BG" sz="800" b="0" i="0" u="none" strike="noStrike" cap="none" normalizeH="0" baseline="0">
+                <a:ln>
+                  <a:noFill/>
+                </a:ln>
+                <a:solidFill>
+                  <a:schemeClr val="tx1"/>
+                </a:solidFill>
+                <a:effectLst/>
+              </a:rPr>
+              <a:t> </a:t>
+            </a:r>
+            <a:endParaRPr kumimoji="0" lang="en-US" altLang="en-BG" sz="1800" b="0" i="0" u="none" strike="noStrike" cap="none" normalizeH="0" baseline="0">
+              <a:ln>
+                <a:noFill/>
+              </a:ln>
+              <a:solidFill>
+                <a:schemeClr val="tx1"/>
+              </a:solidFill>
+              <a:effectLst/>
+              <a:latin typeface="Arial" panose="020B0604020202020204" pitchFamily="34" charset="0"/>
+            </a:endParaRPr>
+          </a:p>
+        </p:txBody>
+      </p:sp>
+      <p:sp>
+        <p:nvSpPr>
+          <p:cNvPr id="8" name="Rectangle 3">
+            <a:extLst>
+              <a:ext uri="{FF2B5EF4-FFF2-40B4-BE49-F238E27FC236}">
+                <a16:creationId xmlns:a16="http://schemas.microsoft.com/office/drawing/2014/main" id="{66FFB31B-E94F-5A4D-BB4F-BA0E591D57C1}"/>
+              </a:ext>
+            </a:extLst>
+          </p:cNvPr>
+          <p:cNvSpPr>
+            <a:spLocks noChangeArrowheads="1"/>
+          </p:cNvSpPr>
+          <p:nvPr/>
+        </p:nvSpPr>
+        <p:spPr bwMode="auto">
+          <a:xfrm>
+            <a:off x="152400" y="152400"/>
+            <a:ext cx="12192000" cy="0"/>
+          </a:xfrm>
+          <a:prstGeom prst="rect">
+            <a:avLst/>
+          </a:prstGeom>
+          <a:noFill/>
+          <a:ln>
+            <a:noFill/>
+          </a:ln>
+          <a:effectLst/>
+          <a:extLst>
+            <a:ext uri="{909E8E84-426E-40DD-AFC4-6F175D3DCCD1}">
+              <a14:hiddenFill xmlns:a14="http://schemas.microsoft.com/office/drawing/2010/main">
+                <a:solidFill>
+                  <a:schemeClr val="accent1"/>
+                </a:solidFill>
+              </a14:hiddenFill>
+            </a:ext>
+            <a:ext uri="{91240B29-F687-4F45-9708-019B960494DF}">
+              <a14:hiddenLine xmlns:a14="http://schemas.microsoft.com/office/drawing/2010/main" w="9525">
+                <a:solidFill>
+                  <a:schemeClr val="tx1"/>
+                </a:solidFill>
+                <a:miter lim="800000"/>
+                <a:headEnd/>
+                <a:tailEnd/>
+              </a14:hiddenLine>
+            </a:ext>
+            <a:ext uri="{AF507438-7753-43E0-B8FC-AC1667EBCBE1}">
+              <a14:hiddenEffects xmlns:a14="http://schemas.microsoft.com/office/drawing/2010/main">
+                <a:effectLst>
+                  <a:outerShdw dist="35921" dir="2700000" algn="ctr" rotWithShape="0">
+                    <a:schemeClr val="bg2"/>
+                  </a:outerShdw>
+                </a:effectLst>
+              </a14:hiddenEffects>
+            </a:ext>
+          </a:extLst>
+        </p:spPr>
+        <p:txBody>
+          <a:bodyPr vert="horz" wrap="none" lIns="91440" tIns="45720" rIns="91440" bIns="45720" numCol="1" anchor="ctr" anchorCtr="0" compatLnSpc="1">
+            <a:prstTxWarp prst="textNoShape">
+              <a:avLst/>
+            </a:prstTxWarp>
+            <a:spAutoFit/>
+          </a:bodyPr>
+          <a:lstStyle/>
+          <a:p>
+            <a:pPr marL="0" marR="0" lvl="0" indent="0" algn="l" defTabSz="914400" rtl="0" eaLnBrk="0" fontAlgn="base" latinLnBrk="0" hangingPunct="0">
+              <a:lnSpc>
+                <a:spcPct val="100000"/>
+              </a:lnSpc>
+              <a:spcBef>
+                <a:spcPct val="0"/>
+              </a:spcBef>
+              <a:spcAft>
+                <a:spcPct val="0"/>
+              </a:spcAft>
+              <a:buClrTx/>
+              <a:buSzTx/>
+              <a:buFontTx/>
+              <a:buNone/>
+              <a:tabLst/>
+            </a:pPr>
+            <a:r>
+              <a:rPr kumimoji="0" lang="en-US" altLang="en-BG" sz="2800" b="0" i="0" u="none" strike="noStrike" cap="none" normalizeH="0" baseline="0">
+                <a:ln>
+                  <a:noFill/>
+                </a:ln>
+                <a:solidFill>
+                  <a:schemeClr val="tx1"/>
+                </a:solidFill>
+                <a:effectLst/>
+                <a:latin typeface="Calibri" panose="020F0502020204030204" pitchFamily="34" charset="0"/>
+                <a:ea typeface="+mn-ea"/>
+                <a:cs typeface="+mn-cs"/>
+              </a:rPr>
+              <a:t>]</a:t>
+            </a:r>
+            <a:r>
+              <a:rPr kumimoji="0" lang="en-US" altLang="en-BG" sz="800" b="0" i="0" u="none" strike="noStrike" cap="none" normalizeH="0" baseline="0">
+                <a:ln>
+                  <a:noFill/>
+                </a:ln>
+                <a:solidFill>
+                  <a:schemeClr val="tx1"/>
+                </a:solidFill>
+                <a:effectLst/>
+              </a:rPr>
+              <a:t> </a:t>
+            </a:r>
+            <a:endParaRPr kumimoji="0" lang="en-US" altLang="en-BG" sz="1800" b="0" i="0" u="none" strike="noStrike" cap="none" normalizeH="0" baseline="0">
+              <a:ln>
+                <a:noFill/>
+              </a:ln>
+              <a:solidFill>
+                <a:schemeClr val="tx1"/>
+              </a:solidFill>
+              <a:effectLst/>
+              <a:latin typeface="Arial" panose="020B0604020202020204" pitchFamily="34" charset="0"/>
+            </a:endParaRPr>
           </a:p>
         </p:txBody>
       </p:sp>
@@ -29511,6 +29801,37 @@
                                         </p:cTn>
                                         <p:tgtEl>
                                           <p:spTgt spid="9"/>
+                                        </p:tgtEl>
+                                        <p:attrNameLst>
+                                          <p:attrName>style.visibility</p:attrName>
+                                        </p:attrNameLst>
+                                      </p:cBhvr>
+                                      <p:to>
+                                        <p:strVal val="visible"/>
+                                      </p:to>
+                                    </p:set>
+                                  </p:childTnLst>
+                                </p:cTn>
+                              </p:par>
+                              <p:par>
+                                <p:cTn id="15" presetID="1" presetClass="entr" presetSubtype="0" fill="hold" nodeType="withEffect">
+                                  <p:stCondLst>
+                                    <p:cond delay="0"/>
+                                  </p:stCondLst>
+                                  <p:childTnLst>
+                                    <p:set>
+                                      <p:cBhvr>
+                                        <p:cTn id="16" dur="1" fill="hold">
+                                          <p:stCondLst>
+                                            <p:cond delay="0"/>
+                                          </p:stCondLst>
+                                        </p:cTn>
+                                        <p:tgtEl>
+                                          <p:spTgt spid="3">
+                                            <p:txEl>
+                                              <p:pRg st="1" end="1"/>
+                                            </p:txEl>
+                                          </p:spTgt>
                                         </p:tgtEl>
                                         <p:attrNameLst>
                                           <p:attrName>style.visibility</p:attrName>
@@ -30568,7 +30889,7 @@
           <a:p>
             <a:r>
               <a:rPr lang="bg-BG" dirty="0"/>
-              <a:t>Новата база данни може да я намерим в </a:t>
+              <a:t>Можем да я намерим в </a:t>
             </a:r>
             <a:r>
               <a:rPr lang="en-US" b="1" dirty="0">
@@ -30585,20 +30906,20 @@
               <a:t>Натискаме върху нея с десен бутон и избираме </a:t>
             </a:r>
             <a:r>
-              <a:rPr lang="bg-BG" b="1" dirty="0">
+              <a:rPr lang="en-US" dirty="0"/>
+              <a:t>[</a:t>
+            </a:r>
+            <a:r>
+              <a:rPr lang="en-US" b="1" dirty="0">
                 <a:solidFill>
                   <a:schemeClr val="bg1"/>
                 </a:solidFill>
               </a:rPr>
-              <a:t>N</a:t>
-            </a:r>
-            <a:r>
-              <a:rPr lang="en-US" b="1" dirty="0">
-                <a:solidFill>
-                  <a:schemeClr val="bg1"/>
-                </a:solidFill>
-              </a:rPr>
-              <a:t>ew Query</a:t>
+              <a:t>New Query</a:t>
+            </a:r>
+            <a:r>
+              <a:rPr lang="en-US" sz="3600" dirty="0"/>
+              <a:t>]</a:t>
             </a:r>
             <a:endParaRPr lang="bg-BG" b="1" dirty="0">
               <a:solidFill>
@@ -30665,8 +30986,8 @@
         </p:blipFill>
         <p:spPr>
           <a:xfrm>
-            <a:off x="7007698" y="3816125"/>
-            <a:ext cx="4043843" cy="1863896"/>
+            <a:off x="6708946" y="3783719"/>
+            <a:ext cx="5147054" cy="2372391"/>
           </a:xfrm>
           <a:prstGeom prst="rect">
             <a:avLst/>
@@ -30707,8 +31028,8 @@
         </p:blipFill>
         <p:spPr>
           <a:xfrm>
-            <a:off x="561000" y="3816153"/>
-            <a:ext cx="4268485" cy="1863841"/>
+            <a:off x="392935" y="3801643"/>
+            <a:ext cx="5433065" cy="2372357"/>
           </a:xfrm>
           <a:prstGeom prst="rect">
             <a:avLst/>
@@ -30736,7 +31057,7 @@
         </p:nvSpPr>
         <p:spPr>
           <a:xfrm>
-            <a:off x="5510796" y="4438630"/>
+            <a:off x="5875723" y="4678378"/>
             <a:ext cx="813695" cy="618886"/>
           </a:xfrm>
           <a:prstGeom prst="rightArrow">
@@ -31124,7 +31445,12 @@
             <p:ph type="body" sz="quarter" idx="10"/>
           </p:nvPr>
         </p:nvSpPr>
-        <p:spPr/>
+        <p:spPr>
+          <a:xfrm>
+            <a:off x="190402" y="1134000"/>
+            <a:ext cx="11818096" cy="5528766"/>
+          </a:xfrm>
+        </p:spPr>
         <p:txBody>
           <a:bodyPr>
             <a:normAutofit/>
@@ -31175,7 +31501,7 @@
           <a:p>
             <a:r>
               <a:rPr lang="bg-BG" sz="2700" dirty="0"/>
-              <a:t>Изпълняваме дадения </a:t>
+              <a:t>Изпълняваме следния </a:t>
             </a:r>
             <a:r>
               <a:rPr lang="en-US" sz="2700" b="1" dirty="0">
@@ -31186,12 +31512,16 @@
               <a:t>SQL </a:t>
             </a:r>
             <a:r>
-              <a:rPr lang="bg-BG" sz="2700" b="1">
+              <a:rPr lang="bg-BG" sz="2700" b="1" dirty="0">
                 <a:solidFill>
                   <a:schemeClr val="bg1"/>
                 </a:solidFill>
               </a:rPr>
               <a:t>скрипт</a:t>
+            </a:r>
+            <a:r>
+              <a:rPr lang="bg-BG" sz="2700" dirty="0"/>
+              <a:t>:</a:t>
             </a:r>
             <a:endParaRPr lang="en-US" sz="2700" b="1" dirty="0">
               <a:solidFill>
@@ -31250,8 +31580,8 @@
         </p:nvSpPr>
         <p:spPr>
           <a:xfrm>
-            <a:off x="595027" y="2561876"/>
-            <a:ext cx="11001946" cy="3776418"/>
+            <a:off x="831000" y="2259000"/>
+            <a:ext cx="11001946" cy="4390433"/>
           </a:xfrm>
           <a:prstGeom prst="rect">
             <a:avLst/>
@@ -31291,7 +31621,7 @@
               <a:buSzPct val="70000"/>
             </a:pPr>
             <a:r>
-              <a:rPr lang="en-US" sz="1600" b="1" noProof="1">
+              <a:rPr lang="en-US" sz="1900" b="1" noProof="1">
                 <a:latin typeface="Consolas" pitchFamily="49" charset="0"/>
                 <a:cs typeface="Consolas" pitchFamily="49" charset="0"/>
               </a:rPr>
@@ -31312,7 +31642,7 @@
               <a:buSzPct val="70000"/>
             </a:pPr>
             <a:r>
-              <a:rPr lang="en-US" sz="1600" b="1" noProof="1">
+              <a:rPr lang="en-US" sz="1900" b="1" noProof="1">
                 <a:latin typeface="Consolas" pitchFamily="49" charset="0"/>
                 <a:cs typeface="Consolas" pitchFamily="49" charset="0"/>
               </a:rPr>
@@ -31333,7 +31663,7 @@
               <a:buSzPct val="70000"/>
             </a:pPr>
             <a:r>
-              <a:rPr lang="en-US" sz="1600" b="1" noProof="1">
+              <a:rPr lang="en-US" sz="1900" b="1" noProof="1">
                 <a:latin typeface="Consolas" pitchFamily="49" charset="0"/>
                 <a:cs typeface="Consolas" pitchFamily="49" charset="0"/>
               </a:rPr>
@@ -31354,7 +31684,7 @@
               <a:buSzPct val="70000"/>
             </a:pPr>
             <a:r>
-              <a:rPr lang="en-US" sz="1600" b="1" noProof="1">
+              <a:rPr lang="en-US" sz="1900" b="1" noProof="1">
                 <a:latin typeface="Consolas" pitchFamily="49" charset="0"/>
                 <a:cs typeface="Consolas" pitchFamily="49" charset="0"/>
               </a:rPr>
@@ -31375,11 +31705,38 @@
               <a:buSzPct val="70000"/>
             </a:pPr>
             <a:r>
-              <a:rPr lang="en-US" sz="1600" b="1" noProof="1">
+              <a:rPr lang="en-US" sz="1900" b="1" noProof="1">
                 <a:latin typeface="Consolas" pitchFamily="49" charset="0"/>
                 <a:cs typeface="Consolas" pitchFamily="49" charset="0"/>
               </a:rPr>
               <a:t>[UnitType] NVARCHAR(50) NOT NULL CHECK (UnitType IN ('kilogram', 'liter', 'piece')));</a:t>
+            </a:r>
+          </a:p>
+          <a:p>
+            <a:pPr eaLnBrk="0" hangingPunct="0">
+              <a:lnSpc>
+                <a:spcPct val="60000"/>
+              </a:lnSpc>
+              <a:buClr>
+                <a:schemeClr val="accent5">
+                  <a:lumMod val="40000"/>
+                  <a:lumOff val="60000"/>
+                </a:schemeClr>
+              </a:buClr>
+              <a:buSzPct val="70000"/>
+            </a:pPr>
+            <a:br>
+              <a:rPr lang="en-US" sz="1900" b="1" noProof="1">
+                <a:latin typeface="Consolas" pitchFamily="49" charset="0"/>
+                <a:cs typeface="Consolas" pitchFamily="49" charset="0"/>
+              </a:rPr>
+            </a:br>
+            <a:r>
+              <a:rPr lang="en-US" sz="1900" b="1" noProof="1">
+                <a:latin typeface="Consolas" pitchFamily="49" charset="0"/>
+                <a:cs typeface="Consolas" pitchFamily="49" charset="0"/>
+              </a:rPr>
+              <a:t>INSERT INTO [Product] (Name, Price, UnitType) VALUES</a:t>
             </a:r>
           </a:p>
           <a:p>
@@ -31395,18 +31752,12 @@
               </a:buClr>
               <a:buSzPct val="70000"/>
             </a:pPr>
-            <a:br>
-              <a:rPr lang="en-US" sz="1600" b="1" noProof="1">
+            <a:r>
+              <a:rPr lang="en-US" sz="1900" b="1" noProof="1">
                 <a:latin typeface="Consolas" pitchFamily="49" charset="0"/>
                 <a:cs typeface="Consolas" pitchFamily="49" charset="0"/>
               </a:rPr>
-            </a:br>
-            <a:r>
-              <a:rPr lang="en-US" sz="1600" b="1" noProof="1">
-                <a:latin typeface="Consolas" pitchFamily="49" charset="0"/>
-                <a:cs typeface="Consolas" pitchFamily="49" charset="0"/>
-              </a:rPr>
-              <a:t>INSERT INTO [Product] (Name, Price, UnitType) VALUES</a:t>
+              <a:t>('Apple', 1.50, 'kilogram'),</a:t>
             </a:r>
           </a:p>
           <a:p>
@@ -31423,11 +31774,11 @@
               <a:buSzPct val="70000"/>
             </a:pPr>
             <a:r>
-              <a:rPr lang="en-US" sz="1600" b="1" noProof="1">
+              <a:rPr lang="en-US" sz="1900" b="1" noProof="1">
                 <a:latin typeface="Consolas" pitchFamily="49" charset="0"/>
                 <a:cs typeface="Consolas" pitchFamily="49" charset="0"/>
               </a:rPr>
-              <a:t>('Apple', 1.50, 'kilogram'),</a:t>
+              <a:t>('Blueberry', 2.50, 'kilogram'),</a:t>
             </a:r>
           </a:p>
           <a:p>
@@ -31444,11 +31795,11 @@
               <a:buSzPct val="70000"/>
             </a:pPr>
             <a:r>
-              <a:rPr lang="en-US" sz="1600" b="1" noProof="1">
+              <a:rPr lang="en-US" sz="1900" b="1" noProof="1">
                 <a:latin typeface="Consolas" pitchFamily="49" charset="0"/>
                 <a:cs typeface="Consolas" pitchFamily="49" charset="0"/>
               </a:rPr>
-              <a:t>('Blueberry', 2.50, 'kilogram'),</a:t>
+              <a:t>('Carrot', 0.80, 'kilogram'),</a:t>
             </a:r>
           </a:p>
           <a:p>
@@ -31465,11 +31816,11 @@
               <a:buSzPct val="70000"/>
             </a:pPr>
             <a:r>
-              <a:rPr lang="en-US" sz="1600" b="1" noProof="1">
+              <a:rPr lang="en-US" sz="1900" b="1" noProof="1">
                 <a:latin typeface="Consolas" pitchFamily="49" charset="0"/>
                 <a:cs typeface="Consolas" pitchFamily="49" charset="0"/>
               </a:rPr>
-              <a:t>('Carrot', 0.80, 'kilogram'),</a:t>
+              <a:t>('Tomato', 4.60, 'kilogram'),</a:t>
             </a:r>
           </a:p>
           <a:p>
@@ -31486,11 +31837,11 @@
               <a:buSzPct val="70000"/>
             </a:pPr>
             <a:r>
-              <a:rPr lang="en-US" sz="1600" b="1" noProof="1">
+              <a:rPr lang="en-US" sz="1900" b="1" noProof="1">
                 <a:latin typeface="Consolas" pitchFamily="49" charset="0"/>
                 <a:cs typeface="Consolas" pitchFamily="49" charset="0"/>
               </a:rPr>
-              <a:t>('Tomato', 4.60, 'kilogram'),</a:t>
+              <a:t>('Cucumber', 3.20, 'kilogram'),</a:t>
             </a:r>
           </a:p>
           <a:p>
@@ -31507,11 +31858,11 @@
               <a:buSzPct val="70000"/>
             </a:pPr>
             <a:r>
-              <a:rPr lang="en-US" sz="1600" b="1" noProof="1">
+              <a:rPr lang="en-US" sz="1900" b="1" noProof="1">
                 <a:latin typeface="Consolas" pitchFamily="49" charset="0"/>
                 <a:cs typeface="Consolas" pitchFamily="49" charset="0"/>
               </a:rPr>
-              <a:t>('Cucumber', 3.20, 'kilogram'),</a:t>
+              <a:t>('Yogurt', 4.25, 'liter'),</a:t>
             </a:r>
           </a:p>
           <a:p>
@@ -31528,11 +31879,11 @@
               <a:buSzPct val="70000"/>
             </a:pPr>
             <a:r>
-              <a:rPr lang="en-US" sz="1600" b="1" noProof="1">
+              <a:rPr lang="en-US" sz="1900" b="1" noProof="1">
                 <a:latin typeface="Consolas" pitchFamily="49" charset="0"/>
                 <a:cs typeface="Consolas" pitchFamily="49" charset="0"/>
               </a:rPr>
-              <a:t>('Yogurt', 4.25, 'liter'),</a:t>
+              <a:t>('Mineral water', 0.90, 'liter'),</a:t>
             </a:r>
           </a:p>
           <a:p>
@@ -31549,11 +31900,11 @@
               <a:buSzPct val="70000"/>
             </a:pPr>
             <a:r>
-              <a:rPr lang="en-US" sz="1600" b="1" noProof="1">
+              <a:rPr lang="en-US" sz="1900" b="1" noProof="1">
                 <a:latin typeface="Consolas" pitchFamily="49" charset="0"/>
                 <a:cs typeface="Consolas" pitchFamily="49" charset="0"/>
               </a:rPr>
-              <a:t>('Mineral water', 0.90, 'liter'),</a:t>
+              <a:t>('Avocado', 2.00, 'piece'),</a:t>
             </a:r>
           </a:p>
           <a:p>
@@ -31570,28 +31921,7 @@
               <a:buSzPct val="70000"/>
             </a:pPr>
             <a:r>
-              <a:rPr lang="en-US" sz="1600" b="1" noProof="1">
-                <a:latin typeface="Consolas" pitchFamily="49" charset="0"/>
-                <a:cs typeface="Consolas" pitchFamily="49" charset="0"/>
-              </a:rPr>
-              <a:t>('Avocado', 2.00, 'piece'),</a:t>
-            </a:r>
-          </a:p>
-          <a:p>
-            <a:pPr eaLnBrk="0" hangingPunct="0">
-              <a:lnSpc>
-                <a:spcPct val="90000"/>
-              </a:lnSpc>
-              <a:buClr>
-                <a:schemeClr val="accent5">
-                  <a:lumMod val="40000"/>
-                  <a:lumOff val="60000"/>
-                </a:schemeClr>
-              </a:buClr>
-              <a:buSzPct val="70000"/>
-            </a:pPr>
-            <a:r>
-              <a:rPr lang="en-US" sz="1600" b="1" noProof="1">
+              <a:rPr lang="en-US" sz="1900" b="1" noProof="1">
                 <a:latin typeface="Consolas" pitchFamily="49" charset="0"/>
                 <a:cs typeface="Consolas" pitchFamily="49" charset="0"/>
               </a:rPr>
@@ -31600,49 +31930,6 @@
           </a:p>
         </p:txBody>
       </p:sp>
-      <p:pic>
-        <p:nvPicPr>
-          <p:cNvPr id="5" name="Picture 4">
-            <a:extLst>
-              <a:ext uri="{FF2B5EF4-FFF2-40B4-BE49-F238E27FC236}">
-                <a16:creationId xmlns:a16="http://schemas.microsoft.com/office/drawing/2014/main" id="{76A7C03C-78C4-9E69-4EE4-C1B31C7A60F7}"/>
-              </a:ext>
-            </a:extLst>
-          </p:cNvPr>
-          <p:cNvPicPr>
-            <a:picLocks noChangeAspect="1"/>
-          </p:cNvPicPr>
-          <p:nvPr/>
-        </p:nvPicPr>
-        <p:blipFill>
-          <a:blip r:embed="rId3">
-            <a:extLst>
-              <a:ext uri="{28A0092B-C50C-407E-A947-70E740481C1C}">
-                <a14:useLocalDpi xmlns:a14="http://schemas.microsoft.com/office/drawing/2010/main" val="0"/>
-              </a:ext>
-            </a:extLst>
-          </a:blip>
-          <a:stretch>
-            <a:fillRect/>
-          </a:stretch>
-        </p:blipFill>
-        <p:spPr>
-          <a:xfrm>
-            <a:off x="6580473" y="4306000"/>
-            <a:ext cx="5016500" cy="2349500"/>
-          </a:xfrm>
-          <a:prstGeom prst="rect">
-            <a:avLst/>
-          </a:prstGeom>
-          <a:ln>
-            <a:solidFill>
-              <a:schemeClr val="bg2">
-                <a:lumMod val="75000"/>
-              </a:schemeClr>
-            </a:solidFill>
-          </a:ln>
-        </p:spPr>
-      </p:pic>
     </p:spTree>
     <p:extLst>
       <p:ext uri="{BB962C8B-B14F-4D97-AF65-F5344CB8AC3E}">
@@ -31715,21 +32002,43 @@
                                   </p:childTnLst>
                                 </p:cTn>
                               </p:par>
+                            </p:childTnLst>
+                          </p:cTn>
+                        </p:par>
+                      </p:childTnLst>
+                    </p:cTn>
+                  </p:par>
+                  <p:par>
+                    <p:cTn id="7" fill="hold">
+                      <p:stCondLst>
+                        <p:cond delay="indefinite"/>
+                      </p:stCondLst>
+                      <p:childTnLst>
+                        <p:par>
+                          <p:cTn id="8" fill="hold">
+                            <p:stCondLst>
+                              <p:cond delay="0"/>
+                            </p:stCondLst>
+                            <p:childTnLst>
                               <p:par>
-                                <p:cTn id="7" presetID="1" presetClass="entr" presetSubtype="0" fill="hold" nodeType="withEffect">
+                                <p:cTn id="9" presetID="1" presetClass="entr" presetSubtype="0" fill="hold" nodeType="clickEffect">
                                   <p:stCondLst>
                                     <p:cond delay="0"/>
                                   </p:stCondLst>
                                   <p:childTnLst>
                                     <p:set>
                                       <p:cBhvr>
-                                        <p:cTn id="8" dur="1" fill="hold">
+                                        <p:cTn id="10" dur="1" fill="hold">
                                           <p:stCondLst>
                                             <p:cond delay="0"/>
                                           </p:stCondLst>
                                         </p:cTn>
                                         <p:tgtEl>
-                                          <p:spTgt spid="5"/>
+                                          <p:spTgt spid="3">
+                                            <p:txEl>
+                                              <p:pRg st="1" end="1"/>
+                                            </p:txEl>
+                                          </p:spTgt>
                                         </p:tgtEl>
                                         <p:attrNameLst>
                                           <p:attrName>style.visibility</p:attrName>
@@ -31749,26 +32058,26 @@
                     </p:cTn>
                   </p:par>
                   <p:par>
-                    <p:cTn id="9" fill="hold">
+                    <p:cTn id="11" fill="hold">
                       <p:stCondLst>
                         <p:cond delay="indefinite"/>
                       </p:stCondLst>
                       <p:childTnLst>
                         <p:par>
-                          <p:cTn id="10" fill="hold">
+                          <p:cTn id="12" fill="hold">
                             <p:stCondLst>
                               <p:cond delay="0"/>
                             </p:stCondLst>
                             <p:childTnLst>
                               <p:par>
-                                <p:cTn id="11" presetID="1" presetClass="entr" presetSubtype="0" fill="hold" grpId="0" nodeType="clickEffect">
+                                <p:cTn id="13" presetID="1" presetClass="entr" presetSubtype="0" fill="hold" grpId="0" nodeType="clickEffect">
                                   <p:stCondLst>
                                     <p:cond delay="0"/>
                                   </p:stCondLst>
                                   <p:childTnLst>
                                     <p:set>
                                       <p:cBhvr>
-                                        <p:cTn id="12" dur="1" fill="hold">
+                                        <p:cTn id="14" dur="1" fill="hold">
                                           <p:stCondLst>
                                             <p:cond delay="0"/>
                                           </p:stCondLst>
@@ -31927,6 +32236,8 @@
                 <a:solidFill>
                   <a:schemeClr val="bg1"/>
                 </a:solidFill>
+                <a:latin typeface="Consolas" panose="020B0609020204030204" pitchFamily="49" charset="0"/>
+                <a:cs typeface="Consolas" panose="020B0609020204030204" pitchFamily="49" charset="0"/>
               </a:rPr>
               <a:t>Product</a:t>
             </a:r>
@@ -32027,8 +32338,8 @@
         </p:blipFill>
         <p:spPr>
           <a:xfrm>
-            <a:off x="628544" y="3204000"/>
-            <a:ext cx="6153353" cy="2655000"/>
+            <a:off x="356204" y="2799000"/>
+            <a:ext cx="8190113" cy="3533805"/>
           </a:xfrm>
           <a:prstGeom prst="rect">
             <a:avLst/>
@@ -32070,8 +32381,8 @@
         </p:blipFill>
         <p:spPr>
           <a:xfrm>
-            <a:off x="8779234" y="3994033"/>
-            <a:ext cx="2784222" cy="781536"/>
+            <a:off x="9001827" y="4040559"/>
+            <a:ext cx="3062644" cy="859690"/>
           </a:xfrm>
           <a:prstGeom prst="rect">
             <a:avLst/>
@@ -32099,7 +32410,7 @@
         </p:nvSpPr>
         <p:spPr>
           <a:xfrm>
-            <a:off x="7373718" y="4075358"/>
+            <a:off x="8305271" y="4256459"/>
             <a:ext cx="813695" cy="618886"/>
           </a:xfrm>
           <a:prstGeom prst="rightArrow">
@@ -32485,15 +32796,27 @@
             </a:r>
             <a:r>
               <a:rPr lang="en-US" sz="3200" dirty="0"/>
+              <a:t> [</a:t>
+            </a:r>
+            <a:r>
+              <a:rPr lang="en-US" sz="3200" b="1" dirty="0">
+                <a:solidFill>
+                  <a:schemeClr val="bg1"/>
+                </a:solidFill>
+              </a:rPr>
+              <a:t>Show Table Data</a:t>
+            </a:r>
+            <a:r>
+              <a:rPr lang="en-US" sz="3200" dirty="0"/>
+              <a:t>]</a:t>
+            </a:r>
+            <a:r>
+              <a:rPr lang="en-US" sz="3200" b="1" dirty="0">
+                <a:solidFill>
+                  <a:schemeClr val="bg1"/>
+                </a:solidFill>
+              </a:rPr>
               <a:t> </a:t>
-            </a:r>
-            <a:r>
-              <a:rPr lang="en-US" sz="3200" b="1" dirty="0">
-                <a:solidFill>
-                  <a:schemeClr val="bg1"/>
-                </a:solidFill>
-              </a:rPr>
-              <a:t>Show Table Data </a:t>
             </a:r>
             <a:endParaRPr lang="en-BG" sz="3200" b="1" dirty="0">
               <a:solidFill>
@@ -33000,7 +33323,7 @@
                   <a:schemeClr val="bg1"/>
                 </a:solidFill>
               </a:rPr>
-              <a:t>общи класове </a:t>
+              <a:t>класове </a:t>
             </a:r>
             <a:r>
               <a:rPr lang="bg-BG" sz="3200" dirty="0"/>
@@ -34899,7 +35222,7 @@
             </a:r>
             <a:r>
               <a:rPr lang="bg-BG" dirty="0"/>
-              <a:t>метода на програмата ни, можем да прочетем </a:t>
+              <a:t>метода на програмата ни можем да прочетем </a:t>
             </a:r>
             <a:r>
               <a:rPr lang="bg-BG" b="1" dirty="0">
@@ -35753,13 +36076,13 @@
         </p:nvSpPr>
         <p:spPr>
           <a:xfrm>
-            <a:off x="697877" y="1676785"/>
-            <a:ext cx="10826670" cy="4830215"/>
+            <a:off x="697877" y="1529427"/>
+            <a:ext cx="10826670" cy="4977573"/>
           </a:xfrm>
         </p:spPr>
         <p:txBody>
           <a:bodyPr>
-            <a:normAutofit fontScale="62500" lnSpcReduction="20000"/>
+            <a:noAutofit/>
           </a:bodyPr>
           <a:lstStyle>
             <a:lvl1pPr marL="514350" indent="-514350">
@@ -35815,15 +36138,18 @@
               </a:buClr>
             </a:pPr>
             <a:r>
-              <a:rPr lang="en-US" sz="3200" b="1" dirty="0">
-                <a:solidFill>
-                  <a:schemeClr val="accent1"/>
+              <a:rPr lang="en-US" sz="2800" b="1" dirty="0">
+                <a:solidFill>
+                  <a:schemeClr val="accent1">
+                    <a:lumMod val="60000"/>
+                    <a:lumOff val="40000"/>
+                  </a:schemeClr>
                 </a:solidFill>
               </a:rPr>
               <a:t>ORM</a:t>
             </a:r>
             <a:r>
-              <a:rPr lang="bg-BG" sz="3200" dirty="0">
+              <a:rPr lang="bg-BG" sz="2800" dirty="0">
                 <a:solidFill>
                   <a:schemeClr val="bg2"/>
                 </a:solidFill>
@@ -35831,17 +36157,80 @@
               <a:t> (</a:t>
             </a:r>
             <a:r>
-              <a:rPr lang="en-US" sz="3200" dirty="0"/>
+              <a:rPr lang="en-US" sz="2800" dirty="0"/>
               <a:t>Object-Relational Mapping</a:t>
             </a:r>
             <a:r>
-              <a:rPr lang="en-US" sz="3200" dirty="0">
+              <a:rPr lang="en-US" sz="2800" dirty="0">
                 <a:solidFill>
                   <a:schemeClr val="bg2"/>
                 </a:solidFill>
               </a:rPr>
               <a:t>)</a:t>
             </a:r>
+            <a:r>
+              <a:rPr lang="bg-BG" sz="2800" dirty="0">
+                <a:solidFill>
+                  <a:schemeClr val="bg2"/>
+                </a:solidFill>
+              </a:rPr>
+              <a:t> </a:t>
+            </a:r>
+            <a:r>
+              <a:rPr lang="bg-BG" sz="2800" b="1" dirty="0">
+                <a:solidFill>
+                  <a:schemeClr val="bg2"/>
+                </a:solidFill>
+              </a:rPr>
+              <a:t>==</a:t>
+            </a:r>
+            <a:r>
+              <a:rPr lang="bg-BG" sz="2800" dirty="0">
+                <a:solidFill>
+                  <a:schemeClr val="bg2"/>
+                </a:solidFill>
+              </a:rPr>
+              <a:t> технология, позволяваща работа с данни от бази данни като </a:t>
+            </a:r>
+            <a:r>
+              <a:rPr lang="bg-BG" sz="2800" b="1" dirty="0">
+                <a:solidFill>
+                  <a:schemeClr val="accent1">
+                    <a:lumMod val="60000"/>
+                    <a:lumOff val="40000"/>
+                  </a:schemeClr>
+                </a:solidFill>
+              </a:rPr>
+              <a:t>обекти</a:t>
+            </a:r>
+            <a:endParaRPr lang="en-US" sz="2800" b="1" dirty="0">
+              <a:solidFill>
+                <a:schemeClr val="accent1">
+                  <a:lumMod val="60000"/>
+                  <a:lumOff val="40000"/>
+                </a:schemeClr>
+              </a:solidFill>
+            </a:endParaRPr>
+          </a:p>
+          <a:p>
+            <a:pPr marL="360363" indent="-360363" fontAlgn="base">
+              <a:buClr>
+                <a:schemeClr val="bg2"/>
+              </a:buClr>
+            </a:pPr>
+            <a:r>
+              <a:rPr lang="bg-BG" sz="2800" b="1" dirty="0"/>
+              <a:t>Подходи</a:t>
+            </a:r>
+            <a:r>
+              <a:rPr lang="bg-BG" sz="2800" dirty="0"/>
+              <a:t> за работа с </a:t>
+            </a:r>
+            <a:r>
+              <a:rPr lang="en-US" sz="2800" dirty="0"/>
+              <a:t>ORM</a:t>
+            </a:r>
+            <a:endParaRPr lang="bg-BG" sz="2800" dirty="0"/>
           </a:p>
           <a:p>
             <a:pPr marL="969948" lvl="1" indent="-360363" fontAlgn="base">
@@ -35850,24 +36239,125 @@
               </a:buClr>
             </a:pPr>
             <a:r>
-              <a:rPr lang="bg-BG" sz="3000" dirty="0">
+              <a:rPr lang="en-US" sz="2600" b="1" dirty="0">
+                <a:solidFill>
+                  <a:schemeClr val="accent1">
+                    <a:lumMod val="60000"/>
+                    <a:lumOff val="40000"/>
+                  </a:schemeClr>
+                </a:solidFill>
+              </a:rPr>
+              <a:t>Code First </a:t>
+            </a:r>
+            <a:r>
+              <a:rPr lang="en-US" sz="2600" dirty="0">
                 <a:solidFill>
                   <a:schemeClr val="bg2"/>
                 </a:solidFill>
               </a:rPr>
-              <a:t>Технология, позволяваща работа с данни от бази данни като </a:t>
-            </a:r>
-            <a:r>
-              <a:rPr lang="bg-BG" sz="3000" b="1" dirty="0">
-                <a:solidFill>
-                  <a:schemeClr val="accent1"/>
+              <a:t>- </a:t>
+            </a:r>
+            <a:r>
+              <a:rPr lang="bg-BG" sz="2600" dirty="0">
+                <a:solidFill>
+                  <a:schemeClr val="bg2"/>
                 </a:solidFill>
               </a:rPr>
-              <a:t>обекти</a:t>
-            </a:r>
-            <a:endParaRPr lang="en-US" sz="3000" b="1" dirty="0">
+              <a:t>първо се създават </a:t>
+            </a:r>
+            <a:r>
+              <a:rPr lang="bg-BG" sz="2600" b="1" dirty="0">
+                <a:solidFill>
+                  <a:schemeClr val="bg2"/>
+                </a:solidFill>
+              </a:rPr>
+              <a:t>класове</a:t>
+            </a:r>
+            <a:r>
+              <a:rPr lang="bg-BG" sz="2600" dirty="0">
+                <a:solidFill>
+                  <a:schemeClr val="bg2"/>
+                </a:solidFill>
+              </a:rPr>
+              <a:t> и след това </a:t>
+            </a:r>
+            <a:r>
+              <a:rPr lang="bg-BG" sz="2600" b="1" dirty="0">
+                <a:solidFill>
+                  <a:schemeClr val="bg2"/>
+                </a:solidFill>
+              </a:rPr>
+              <a:t>база данни</a:t>
+            </a:r>
+            <a:endParaRPr lang="en-US" sz="2600" b="1" dirty="0">
               <a:solidFill>
-                <a:schemeClr val="accent1"/>
+                <a:schemeClr val="bg2"/>
+              </a:solidFill>
+            </a:endParaRPr>
+          </a:p>
+          <a:p>
+            <a:pPr marL="969948" lvl="1" indent="-360363" fontAlgn="base">
+              <a:buClr>
+                <a:schemeClr val="bg2"/>
+              </a:buClr>
+            </a:pPr>
+            <a:r>
+              <a:rPr lang="en-US" sz="2600" b="1" dirty="0">
+                <a:solidFill>
+                  <a:schemeClr val="accent1">
+                    <a:lumMod val="60000"/>
+                    <a:lumOff val="40000"/>
+                  </a:schemeClr>
+                </a:solidFill>
+              </a:rPr>
+              <a:t>Database First</a:t>
+            </a:r>
+            <a:r>
+              <a:rPr lang="bg-BG" sz="2600" b="1" dirty="0">
+                <a:solidFill>
+                  <a:schemeClr val="accent1">
+                    <a:lumMod val="60000"/>
+                    <a:lumOff val="40000"/>
+                  </a:schemeClr>
+                </a:solidFill>
+              </a:rPr>
+              <a:t> </a:t>
+            </a:r>
+            <a:r>
+              <a:rPr lang="bg-BG" sz="2600" dirty="0">
+                <a:solidFill>
+                  <a:schemeClr val="bg2"/>
+                </a:solidFill>
+              </a:rPr>
+              <a:t>- първо се създава </a:t>
+            </a:r>
+            <a:r>
+              <a:rPr lang="bg-BG" sz="2600" b="1" dirty="0">
+                <a:solidFill>
+                  <a:schemeClr val="bg2"/>
+                </a:solidFill>
+              </a:rPr>
+              <a:t>база данни </a:t>
+            </a:r>
+            <a:r>
+              <a:rPr lang="bg-BG" sz="2600" dirty="0">
+                <a:solidFill>
+                  <a:schemeClr val="bg2"/>
+                </a:solidFill>
+              </a:rPr>
+              <a:t>и след </a:t>
+            </a:r>
+            <a:r>
+              <a:rPr lang="bg-BG" sz="2600" b="1" dirty="0">
+                <a:solidFill>
+                  <a:schemeClr val="bg2"/>
+                </a:solidFill>
+              </a:rPr>
+              <a:t>това класове</a:t>
+            </a:r>
+            <a:endParaRPr lang="en-US" sz="2600" b="1" dirty="0">
+              <a:solidFill>
+                <a:schemeClr val="bg2"/>
               </a:solidFill>
             </a:endParaRPr>
           </a:p>
@@ -35878,136 +36368,136 @@
               </a:buClr>
             </a:pPr>
             <a:r>
-              <a:rPr lang="bg-BG" sz="3200" b="1" dirty="0"/>
-              <a:t>Подходи</a:t>
-            </a:r>
-            <a:r>
-              <a:rPr lang="bg-BG" sz="3200" dirty="0"/>
-              <a:t> за работа с </a:t>
-            </a:r>
-            <a:r>
-              <a:rPr lang="en-US" sz="3200" dirty="0"/>
-              <a:t>ORM</a:t>
-            </a:r>
-            <a:endParaRPr lang="bg-BG" sz="3200" dirty="0"/>
-          </a:p>
-          <a:p>
-            <a:pPr marL="969948" lvl="1" indent="-360363" fontAlgn="base">
-              <a:buClr>
-                <a:schemeClr val="bg2"/>
-              </a:buClr>
-            </a:pPr>
-            <a:r>
-              <a:rPr lang="en-US" sz="3000" b="1" dirty="0">
-                <a:solidFill>
-                  <a:schemeClr val="accent1"/>
+              <a:rPr lang="en-US" sz="2800" b="1" dirty="0">
+                <a:solidFill>
+                  <a:schemeClr val="accent1">
+                    <a:lumMod val="60000"/>
+                    <a:lumOff val="40000"/>
+                  </a:schemeClr>
                 </a:solidFill>
               </a:rPr>
-              <a:t>Code First </a:t>
-            </a:r>
-            <a:r>
-              <a:rPr lang="en-US" sz="3000" dirty="0">
-                <a:solidFill>
-                  <a:schemeClr val="bg2"/>
-                </a:solidFill>
-              </a:rPr>
-              <a:t>- </a:t>
-            </a:r>
-            <a:r>
-              <a:rPr lang="bg-BG" sz="3000" dirty="0">
-                <a:solidFill>
-                  <a:schemeClr val="bg2"/>
-                </a:solidFill>
-              </a:rPr>
-              <a:t>първо се създават </a:t>
-            </a:r>
-            <a:r>
-              <a:rPr lang="bg-BG" sz="3000" b="1" dirty="0">
-                <a:solidFill>
-                  <a:schemeClr val="bg2"/>
-                </a:solidFill>
-              </a:rPr>
-              <a:t>класове</a:t>
-            </a:r>
-            <a:r>
-              <a:rPr lang="bg-BG" sz="3000" dirty="0">
-                <a:solidFill>
-                  <a:schemeClr val="bg2"/>
-                </a:solidFill>
-              </a:rPr>
-              <a:t> и след това </a:t>
-            </a:r>
-            <a:r>
-              <a:rPr lang="bg-BG" sz="3000" b="1" dirty="0">
-                <a:solidFill>
-                  <a:schemeClr val="bg2"/>
-                </a:solidFill>
-              </a:rPr>
-              <a:t>база данни</a:t>
-            </a:r>
-            <a:endParaRPr lang="en-US" sz="3000" b="1" dirty="0">
-              <a:solidFill>
-                <a:schemeClr val="bg2"/>
-              </a:solidFill>
-            </a:endParaRPr>
-          </a:p>
-          <a:p>
-            <a:pPr marL="969948" lvl="1" indent="-360363" fontAlgn="base">
-              <a:buClr>
-                <a:schemeClr val="bg2"/>
-              </a:buClr>
-            </a:pPr>
-            <a:r>
-              <a:rPr lang="en-US" sz="3000" b="1" dirty="0">
-                <a:solidFill>
-                  <a:schemeClr val="accent1"/>
-                </a:solidFill>
-              </a:rPr>
-              <a:t>Database First</a:t>
-            </a:r>
-            <a:r>
-              <a:rPr lang="bg-BG" sz="3000" b="1" dirty="0">
-                <a:solidFill>
-                  <a:schemeClr val="accent1"/>
+              <a:t>Entity Framework </a:t>
+            </a:r>
+            <a:r>
+              <a:rPr lang="bg-BG" sz="2800" dirty="0">
+                <a:solidFill>
+                  <a:schemeClr val="accent1">
+                    <a:lumMod val="60000"/>
+                    <a:lumOff val="40000"/>
+                  </a:schemeClr>
                 </a:solidFill>
               </a:rPr>
               <a:t> </a:t>
             </a:r>
             <a:r>
-              <a:rPr lang="bg-BG" sz="3000" dirty="0">
+              <a:rPr lang="bg-BG" sz="2800" b="1" dirty="0"/>
+              <a:t>==</a:t>
+            </a:r>
+            <a:r>
+              <a:rPr lang="bg-BG" sz="2800" dirty="0">
+                <a:solidFill>
+                  <a:schemeClr val="accent1">
+                    <a:lumMod val="60000"/>
+                    <a:lumOff val="40000"/>
+                  </a:schemeClr>
+                </a:solidFill>
+              </a:rPr>
+              <a:t> </a:t>
+            </a:r>
+            <a:r>
+              <a:rPr lang="bg-BG" sz="2800" dirty="0"/>
+              <a:t>о</a:t>
+            </a:r>
+            <a:r>
+              <a:rPr lang="bg-BG" sz="2800" dirty="0">
                 <a:solidFill>
                   <a:schemeClr val="bg2"/>
                 </a:solidFill>
               </a:rPr>
-              <a:t>- първо се създава </a:t>
-            </a:r>
-            <a:r>
-              <a:rPr lang="bg-BG" sz="3000" b="1" dirty="0">
+              <a:t>сигурява</a:t>
+            </a:r>
+            <a:r>
+              <a:rPr lang="bg-BG" sz="2800" dirty="0">
+                <a:solidFill>
+                  <a:schemeClr val="accent1"/>
+                </a:solidFill>
+              </a:rPr>
+              <a:t> </a:t>
+            </a:r>
+            <a:r>
+              <a:rPr lang="bg-BG" sz="2800" b="1" dirty="0">
+                <a:solidFill>
+                  <a:schemeClr val="accent1">
+                    <a:lumMod val="60000"/>
+                    <a:lumOff val="40000"/>
+                  </a:schemeClr>
+                </a:solidFill>
+              </a:rPr>
+              <a:t>L</a:t>
+            </a:r>
+            <a:r>
+              <a:rPr lang="en-US" sz="2800" b="1" dirty="0">
+                <a:solidFill>
+                  <a:schemeClr val="accent1">
+                    <a:lumMod val="60000"/>
+                    <a:lumOff val="40000"/>
+                  </a:schemeClr>
+                </a:solidFill>
+              </a:rPr>
+              <a:t>INQ </a:t>
+            </a:r>
+            <a:r>
+              <a:rPr lang="bg-BG" sz="2800" dirty="0">
                 <a:solidFill>
                   <a:schemeClr val="bg2"/>
                 </a:solidFill>
               </a:rPr>
-              <a:t>база данни </a:t>
-            </a:r>
-            <a:r>
-              <a:rPr lang="bg-BG" sz="3000" dirty="0">
+              <a:t>заявки, </a:t>
+            </a:r>
+            <a:r>
+              <a:rPr lang="en-US" sz="2800" b="1" dirty="0">
+                <a:solidFill>
+                  <a:schemeClr val="accent1">
+                    <a:lumMod val="60000"/>
+                    <a:lumOff val="40000"/>
+                  </a:schemeClr>
+                </a:solidFill>
+              </a:rPr>
+              <a:t>CRUD</a:t>
+            </a:r>
+            <a:r>
+              <a:rPr lang="en-US" sz="2800" dirty="0">
                 <a:solidFill>
                   <a:schemeClr val="bg2"/>
                 </a:solidFill>
               </a:rPr>
-              <a:t>и след </a:t>
-            </a:r>
-            <a:r>
-              <a:rPr lang="bg-BG" sz="3000" b="1" dirty="0">
+              <a:t> </a:t>
+            </a:r>
+            <a:r>
+              <a:rPr lang="bg-BG" sz="2800" dirty="0">
                 <a:solidFill>
                   <a:schemeClr val="bg2"/>
                 </a:solidFill>
               </a:rPr>
-              <a:t>това класове</a:t>
-            </a:r>
-            <a:endParaRPr lang="en-US" sz="3000" b="1" dirty="0">
+              <a:t>операции, автоматично </a:t>
+            </a:r>
+            <a:r>
+              <a:rPr lang="bg-BG" sz="2800" b="1" dirty="0">
+                <a:solidFill>
+                  <a:schemeClr val="accent1">
+                    <a:lumMod val="60000"/>
+                    <a:lumOff val="40000"/>
+                  </a:schemeClr>
+                </a:solidFill>
+              </a:rPr>
+              <a:t>проследяване на промени</a:t>
+            </a:r>
+            <a:endParaRPr lang="en-US" sz="2800" b="1" dirty="0">
               <a:solidFill>
-                <a:schemeClr val="bg2"/>
+                <a:schemeClr val="accent1">
+                  <a:lumMod val="60000"/>
+                  <a:lumOff val="40000"/>
+                </a:schemeClr>
               </a:solidFill>
             </a:endParaRPr>
           </a:p>
@@ -36018,235 +36508,103 @@
               </a:buClr>
             </a:pPr>
             <a:r>
-              <a:rPr lang="en-US" sz="3200" b="1" dirty="0">
-                <a:solidFill>
-                  <a:schemeClr val="accent1"/>
+              <a:rPr lang="en-US" sz="2800" b="1" dirty="0">
+                <a:solidFill>
+                  <a:schemeClr val="accent1">
+                    <a:lumMod val="60000"/>
+                    <a:lumOff val="40000"/>
+                  </a:schemeClr>
                 </a:solidFill>
               </a:rPr>
-              <a:t>Entity Framework </a:t>
-            </a:r>
-            <a:endParaRPr lang="en-US" sz="3200" dirty="0"/>
-          </a:p>
-          <a:p>
-            <a:pPr marL="969948" lvl="1" indent="-360363" fontAlgn="base">
-              <a:buClr>
-                <a:schemeClr val="bg2"/>
-              </a:buClr>
-            </a:pPr>
-            <a:r>
-              <a:rPr lang="en-US" sz="3000" dirty="0">
-                <a:solidFill>
-                  <a:schemeClr val="bg2"/>
-                </a:solidFill>
-              </a:rPr>
-              <a:t>ORM н</a:t>
-            </a:r>
-            <a:r>
-              <a:rPr lang="bg-BG" sz="3000" dirty="0">
-                <a:solidFill>
-                  <a:schemeClr val="bg2"/>
-                </a:solidFill>
-              </a:rPr>
-              <a:t>а </a:t>
-            </a:r>
-            <a:r>
-              <a:rPr lang="en-US" sz="3000" b="1" dirty="0">
-                <a:solidFill>
-                  <a:schemeClr val="accent1"/>
-                </a:solidFill>
-              </a:rPr>
-              <a:t>.NET</a:t>
-            </a:r>
-          </a:p>
-          <a:p>
-            <a:pPr marL="969948" lvl="1" indent="-360363" fontAlgn="base">
-              <a:buClr>
-                <a:schemeClr val="bg2"/>
-              </a:buClr>
-            </a:pPr>
-            <a:r>
-              <a:rPr lang="bg-BG" sz="3000" dirty="0">
-                <a:solidFill>
-                  <a:schemeClr val="bg2"/>
-                </a:solidFill>
-              </a:rPr>
-              <a:t>Осигурява</a:t>
-            </a:r>
-            <a:r>
-              <a:rPr lang="bg-BG" sz="3000" dirty="0">
-                <a:solidFill>
-                  <a:schemeClr val="accent1"/>
+              <a:t>Connection string</a:t>
+            </a:r>
+            <a:r>
+              <a:rPr lang="bg-BG" sz="2800" b="1" dirty="0">
+                <a:solidFill>
+                  <a:schemeClr val="accent1">
+                    <a:lumMod val="60000"/>
+                    <a:lumOff val="40000"/>
+                  </a:schemeClr>
                 </a:solidFill>
               </a:rPr>
               <a:t> </a:t>
             </a:r>
             <a:r>
-              <a:rPr lang="bg-BG" sz="3000" b="1" dirty="0">
-                <a:solidFill>
-                  <a:schemeClr val="accent1"/>
-                </a:solidFill>
-              </a:rPr>
-              <a:t>L</a:t>
-            </a:r>
-            <a:r>
-              <a:rPr lang="en-US" sz="3000" b="1" dirty="0">
-                <a:solidFill>
-                  <a:schemeClr val="accent1"/>
-                </a:solidFill>
-              </a:rPr>
-              <a:t>INQ </a:t>
-            </a:r>
-            <a:r>
-              <a:rPr lang="bg-BG" sz="3000" dirty="0">
-                <a:solidFill>
-                  <a:schemeClr val="bg2"/>
-                </a:solidFill>
-              </a:rPr>
-              <a:t>заявки, </a:t>
-            </a:r>
-            <a:r>
-              <a:rPr lang="en-US" sz="3000" b="1" dirty="0">
-                <a:solidFill>
-                  <a:schemeClr val="accent1"/>
-                </a:solidFill>
-              </a:rPr>
-              <a:t>CRUD</a:t>
-            </a:r>
-            <a:r>
-              <a:rPr lang="en-US" sz="3000" dirty="0">
-                <a:solidFill>
-                  <a:schemeClr val="bg2"/>
+              <a:rPr lang="bg-BG" sz="2800" b="1" dirty="0"/>
+              <a:t>==</a:t>
+            </a:r>
+            <a:r>
+              <a:rPr lang="bg-BG" sz="2800" b="1" dirty="0">
+                <a:solidFill>
+                  <a:schemeClr val="accent1">
+                    <a:lumMod val="60000"/>
+                    <a:lumOff val="40000"/>
+                  </a:schemeClr>
                 </a:solidFill>
               </a:rPr>
               <a:t> </a:t>
             </a:r>
             <a:r>
-              <a:rPr lang="bg-BG" sz="3000" dirty="0">
+              <a:rPr lang="bg-BG" sz="2800" b="1" dirty="0"/>
+              <a:t>и</a:t>
+            </a:r>
+            <a:r>
+              <a:rPr lang="bg-BG" sz="2800" b="1" dirty="0">
                 <a:solidFill>
                   <a:schemeClr val="bg2"/>
                 </a:solidFill>
               </a:rPr>
-              <a:t>операции, автоматично </a:t>
-            </a:r>
-            <a:r>
-              <a:rPr lang="bg-BG" sz="3000" b="1" dirty="0">
-                <a:solidFill>
-                  <a:schemeClr val="accent1"/>
+              <a:t>нформация</a:t>
+            </a:r>
+            <a:r>
+              <a:rPr lang="bg-BG" sz="2800" dirty="0">
+                <a:solidFill>
+                  <a:schemeClr val="bg2"/>
                 </a:solidFill>
               </a:rPr>
-              <a:t>проследяване на промени</a:t>
-            </a:r>
-            <a:endParaRPr lang="en-US" sz="3000" b="1" dirty="0">
-              <a:solidFill>
-                <a:schemeClr val="accent1"/>
-              </a:solidFill>
-            </a:endParaRPr>
-          </a:p>
-          <a:p>
-            <a:pPr marL="360363" indent="-360363" fontAlgn="base">
-              <a:buClr>
-                <a:schemeClr val="bg2"/>
-              </a:buClr>
-            </a:pPr>
-            <a:r>
-              <a:rPr lang="en-US" sz="3200" b="1" dirty="0">
-                <a:solidFill>
-                  <a:schemeClr val="accent1"/>
+              <a:t>, чрез която </a:t>
+            </a:r>
+            <a:r>
+              <a:rPr lang="bg-BG" sz="2800" b="1" dirty="0">
+                <a:solidFill>
+                  <a:schemeClr val="accent1">
+                    <a:lumMod val="60000"/>
+                    <a:lumOff val="40000"/>
+                  </a:schemeClr>
                 </a:solidFill>
               </a:rPr>
-              <a:t>Connection string</a:t>
-            </a:r>
-            <a:endParaRPr lang="bg-BG" sz="3200" b="1" dirty="0">
-              <a:solidFill>
-                <a:schemeClr val="accent1"/>
-              </a:solidFill>
-            </a:endParaRPr>
-          </a:p>
-          <a:p>
-            <a:pPr marL="969948" lvl="1" indent="-360363" fontAlgn="base">
-              <a:buClr>
-                <a:schemeClr val="bg2"/>
-              </a:buClr>
-            </a:pPr>
-            <a:r>
-              <a:rPr lang="bg-BG" sz="3000" b="1" dirty="0">
+              <a:t>свързваме приложението </a:t>
+            </a:r>
+            <a:r>
+              <a:rPr lang="bg-BG" sz="2800" dirty="0">
+                <a:solidFill>
+                  <a:schemeClr val="accent1">
+                    <a:lumMod val="60000"/>
+                    <a:lumOff val="40000"/>
+                  </a:schemeClr>
+                </a:solidFill>
+              </a:rPr>
+              <a:t> </a:t>
+            </a:r>
+            <a:r>
+              <a:rPr lang="bg-BG" sz="2800" dirty="0">
                 <a:solidFill>
                   <a:schemeClr val="bg2"/>
                 </a:solidFill>
               </a:rPr>
-              <a:t>Информация</a:t>
-            </a:r>
-            <a:r>
-              <a:rPr lang="bg-BG" sz="3000" dirty="0">
+              <a:t>с </a:t>
+            </a:r>
+            <a:r>
+              <a:rPr lang="bg-BG" sz="2800" b="1" dirty="0">
                 <a:solidFill>
                   <a:schemeClr val="bg2"/>
                 </a:solidFill>
               </a:rPr>
-              <a:t> под формата на </a:t>
-            </a:r>
-            <a:r>
-              <a:rPr lang="bg-BG" sz="3000" b="1" dirty="0">
-                <a:solidFill>
-                  <a:schemeClr val="accent1"/>
-                </a:solidFill>
-              </a:rPr>
-              <a:t>текст</a:t>
-            </a:r>
-            <a:r>
-              <a:rPr lang="bg-BG" sz="3000" dirty="0">
-                <a:solidFill>
-                  <a:schemeClr val="bg2"/>
-                </a:solidFill>
-              </a:rPr>
-              <a:t>, която се използва от приложението, за да се </a:t>
-            </a:r>
-            <a:r>
-              <a:rPr lang="bg-BG" sz="3000" b="1" dirty="0">
-                <a:solidFill>
-                  <a:schemeClr val="accent1"/>
-                </a:solidFill>
-              </a:rPr>
-              <a:t>свърже</a:t>
-            </a:r>
-            <a:r>
-              <a:rPr lang="bg-BG" sz="3000" dirty="0">
-                <a:solidFill>
-                  <a:schemeClr val="bg2"/>
-                </a:solidFill>
-              </a:rPr>
-              <a:t> с </a:t>
-            </a:r>
-            <a:r>
-              <a:rPr lang="bg-BG" sz="3000" b="1" dirty="0">
-                <a:solidFill>
-                  <a:schemeClr val="bg2"/>
-                </a:solidFill>
-              </a:rPr>
-              <a:t>база данни</a:t>
-            </a:r>
-            <a:endParaRPr lang="en-US" sz="3000" b="1" dirty="0">
+              <a:t>базата данни</a:t>
+            </a:r>
+            <a:endParaRPr lang="en-US" sz="2800" b="1" dirty="0">
               <a:solidFill>
                 <a:schemeClr val="bg2"/>
-              </a:solidFill>
-            </a:endParaRPr>
-          </a:p>
-          <a:p>
-            <a:pPr marL="360363" indent="-360363" fontAlgn="base">
-              <a:buClr>
-                <a:schemeClr val="bg2"/>
-              </a:buClr>
-            </a:pPr>
-            <a:r>
-              <a:rPr lang="en-GB" sz="3200" b="1" dirty="0">
-                <a:solidFill>
-                  <a:schemeClr val="accent1"/>
-                </a:solidFill>
-              </a:rPr>
-              <a:t>ADO.NET Entity Data Model</a:t>
-            </a:r>
-            <a:endParaRPr lang="en-US" sz="3200" b="1" dirty="0">
-              <a:solidFill>
-                <a:schemeClr val="accent1"/>
               </a:solidFill>
             </a:endParaRPr>
           </a:p>
@@ -36391,15 +36749,33 @@
                                   </p:childTnLst>
                                 </p:cTn>
                               </p:par>
+                            </p:childTnLst>
+                          </p:cTn>
+                        </p:par>
+                      </p:childTnLst>
+                    </p:cTn>
+                  </p:par>
+                  <p:par>
+                    <p:cTn id="7" fill="hold">
+                      <p:stCondLst>
+                        <p:cond delay="indefinite"/>
+                      </p:stCondLst>
+                      <p:childTnLst>
+                        <p:par>
+                          <p:cTn id="8" fill="hold">
+                            <p:stCondLst>
+                              <p:cond delay="0"/>
+                            </p:stCondLst>
+                            <p:childTnLst>
                               <p:par>
-                                <p:cTn id="7" presetID="1" presetClass="entr" presetSubtype="0" fill="hold" nodeType="withEffect">
+                                <p:cTn id="9" presetID="1" presetClass="entr" presetSubtype="0" fill="hold" nodeType="clickEffect">
                                   <p:stCondLst>
                                     <p:cond delay="0"/>
                                   </p:stCondLst>
                                   <p:childTnLst>
                                     <p:set>
                                       <p:cBhvr>
-                                        <p:cTn id="8" dur="1" fill="hold">
+                                        <p:cTn id="10" dur="1" fill="hold">
                                           <p:stCondLst>
                                             <p:cond delay="0"/>
                                           </p:stCondLst>
@@ -36422,26 +36798,8 @@
                                   </p:childTnLst>
                                 </p:cTn>
                               </p:par>
-                            </p:childTnLst>
-                          </p:cTn>
-                        </p:par>
-                      </p:childTnLst>
-                    </p:cTn>
-                  </p:par>
-                  <p:par>
-                    <p:cTn id="9" fill="hold">
-                      <p:stCondLst>
-                        <p:cond delay="indefinite"/>
-                      </p:stCondLst>
-                      <p:childTnLst>
-                        <p:par>
-                          <p:cTn id="10" fill="hold">
-                            <p:stCondLst>
-                              <p:cond delay="0"/>
-                            </p:stCondLst>
-                            <p:childTnLst>
                               <p:par>
-                                <p:cTn id="11" presetID="1" presetClass="entr" presetSubtype="0" fill="hold" nodeType="clickEffect">
+                                <p:cTn id="11" presetID="1" presetClass="entr" presetSubtype="0" fill="hold" nodeType="withEffect">
                                   <p:stCondLst>
                                     <p:cond delay="0"/>
                                   </p:stCondLst>
@@ -36471,39 +36829,26 @@
                                   </p:childTnLst>
                                 </p:cTn>
                               </p:par>
+                            </p:childTnLst>
+                          </p:cTn>
+                        </p:par>
+                      </p:childTnLst>
+                    </p:cTn>
+                  </p:par>
+                  <p:par>
+                    <p:cTn id="13" fill="hold">
+                      <p:stCondLst>
+                        <p:cond delay="indefinite"/>
+                      </p:stCondLst>
+                      <p:childTnLst>
+                        <p:par>
+                          <p:cTn id="14" fill="hold">
+                            <p:stCondLst>
+                              <p:cond delay="0"/>
+                            </p:stCondLst>
+                            <p:childTnLst>
                               <p:par>
-                                <p:cTn id="13" presetID="1" presetClass="entr" presetSubtype="0" fill="hold" nodeType="withEffect">
-                                  <p:stCondLst>
-                                    <p:cond delay="0"/>
-                                  </p:stCondLst>
-                                  <p:childTnLst>
-                                    <p:set>
-                                      <p:cBhvr>
-                                        <p:cTn id="14" dur="1" fill="hold">
-                                          <p:stCondLst>
-                                            <p:cond delay="0"/>
-                                          </p:stCondLst>
-                                        </p:cTn>
-                                        <p:tgtEl>
-                                          <p:spTgt spid="14">
-                                            <p:txEl>
-                                              <p:pRg st="3" end="3"/>
-                                            </p:txEl>
-                                          </p:spTgt>
-                                        </p:tgtEl>
-                                        <p:attrNameLst>
-                                          <p:attrName>style.visibility</p:attrName>
-                                        </p:attrNameLst>
-                                      </p:cBhvr>
-                                      <p:to>
-                                        <p:strVal val="visible"/>
-                                      </p:to>
-                                    </p:set>
-                                  </p:childTnLst>
-                                </p:cTn>
-                              </p:par>
-                              <p:par>
-                                <p:cTn id="15" presetID="1" presetClass="entr" presetSubtype="0" fill="hold" nodeType="withEffect">
+                                <p:cTn id="15" presetID="1" presetClass="entr" presetSubtype="0" fill="hold" nodeType="clickEffect">
                                   <p:stCondLst>
                                     <p:cond delay="0"/>
                                   </p:stCondLst>
@@ -36518,7 +36863,7 @@
                                         <p:tgtEl>
                                           <p:spTgt spid="14">
                                             <p:txEl>
-                                              <p:pRg st="4" end="4"/>
+                                              <p:pRg st="3" end="3"/>
                                             </p:txEl>
                                           </p:spTgt>
                                         </p:tgtEl>
@@ -36567,69 +36912,7 @@
                                         <p:tgtEl>
                                           <p:spTgt spid="14">
                                             <p:txEl>
-                                              <p:pRg st="5" end="5"/>
-                                            </p:txEl>
-                                          </p:spTgt>
-                                        </p:tgtEl>
-                                        <p:attrNameLst>
-                                          <p:attrName>style.visibility</p:attrName>
-                                        </p:attrNameLst>
-                                      </p:cBhvr>
-                                      <p:to>
-                                        <p:strVal val="visible"/>
-                                      </p:to>
-                                    </p:set>
-                                  </p:childTnLst>
-                                </p:cTn>
-                              </p:par>
-                              <p:par>
-                                <p:cTn id="21" presetID="1" presetClass="entr" presetSubtype="0" fill="hold" nodeType="withEffect">
-                                  <p:stCondLst>
-                                    <p:cond delay="0"/>
-                                  </p:stCondLst>
-                                  <p:childTnLst>
-                                    <p:set>
-                                      <p:cBhvr>
-                                        <p:cTn id="22" dur="1" fill="hold">
-                                          <p:stCondLst>
-                                            <p:cond delay="0"/>
-                                          </p:stCondLst>
-                                        </p:cTn>
-                                        <p:tgtEl>
-                                          <p:spTgt spid="14">
-                                            <p:txEl>
-                                              <p:pRg st="6" end="6"/>
-                                            </p:txEl>
-                                          </p:spTgt>
-                                        </p:tgtEl>
-                                        <p:attrNameLst>
-                                          <p:attrName>style.visibility</p:attrName>
-                                        </p:attrNameLst>
-                                      </p:cBhvr>
-                                      <p:to>
-                                        <p:strVal val="visible"/>
-                                      </p:to>
-                                    </p:set>
-                                  </p:childTnLst>
-                                </p:cTn>
-                              </p:par>
-                              <p:par>
-                                <p:cTn id="23" presetID="1" presetClass="entr" presetSubtype="0" fill="hold" nodeType="withEffect">
-                                  <p:stCondLst>
-                                    <p:cond delay="0"/>
-                                  </p:stCondLst>
-                                  <p:childTnLst>
-                                    <p:set>
-                                      <p:cBhvr>
-                                        <p:cTn id="24" dur="1" fill="hold">
-                                          <p:stCondLst>
-                                            <p:cond delay="0"/>
-                                          </p:stCondLst>
-                                        </p:cTn>
-                                        <p:tgtEl>
-                                          <p:spTgt spid="14">
-                                            <p:txEl>
-                                              <p:pRg st="7" end="7"/>
+                                              <p:pRg st="4" end="4"/>
                                             </p:txEl>
                                           </p:spTgt>
                                         </p:tgtEl>
@@ -36651,26 +36934,26 @@
                     </p:cTn>
                   </p:par>
                   <p:par>
-                    <p:cTn id="25" fill="hold">
+                    <p:cTn id="21" fill="hold">
                       <p:stCondLst>
                         <p:cond delay="indefinite"/>
                       </p:stCondLst>
                       <p:childTnLst>
                         <p:par>
-                          <p:cTn id="26" fill="hold">
+                          <p:cTn id="22" fill="hold">
                             <p:stCondLst>
                               <p:cond delay="0"/>
                             </p:stCondLst>
                             <p:childTnLst>
                               <p:par>
-                                <p:cTn id="27" presetID="1" presetClass="entr" presetSubtype="0" fill="hold" nodeType="clickEffect">
+                                <p:cTn id="23" presetID="1" presetClass="entr" presetSubtype="0" fill="hold" nodeType="clickEffect">
                                   <p:stCondLst>
                                     <p:cond delay="0"/>
                                   </p:stCondLst>
                                   <p:childTnLst>
                                     <p:set>
                                       <p:cBhvr>
-                                        <p:cTn id="28" dur="1" fill="hold">
+                                        <p:cTn id="24" dur="1" fill="hold">
                                           <p:stCondLst>
                                             <p:cond delay="0"/>
                                           </p:stCondLst>
@@ -36678,87 +36961,7 @@
                                         <p:tgtEl>
                                           <p:spTgt spid="14">
                                             <p:txEl>
-                                              <p:pRg st="8" end="8"/>
-                                            </p:txEl>
-                                          </p:spTgt>
-                                        </p:tgtEl>
-                                        <p:attrNameLst>
-                                          <p:attrName>style.visibility</p:attrName>
-                                        </p:attrNameLst>
-                                      </p:cBhvr>
-                                      <p:to>
-                                        <p:strVal val="visible"/>
-                                      </p:to>
-                                    </p:set>
-                                  </p:childTnLst>
-                                </p:cTn>
-                              </p:par>
-                              <p:par>
-                                <p:cTn id="29" presetID="1" presetClass="entr" presetSubtype="0" fill="hold" nodeType="withEffect">
-                                  <p:stCondLst>
-                                    <p:cond delay="0"/>
-                                  </p:stCondLst>
-                                  <p:childTnLst>
-                                    <p:set>
-                                      <p:cBhvr>
-                                        <p:cTn id="30" dur="1" fill="hold">
-                                          <p:stCondLst>
-                                            <p:cond delay="0"/>
-                                          </p:stCondLst>
-                                        </p:cTn>
-                                        <p:tgtEl>
-                                          <p:spTgt spid="14">
-                                            <p:txEl>
-                                              <p:pRg st="9" end="9"/>
-                                            </p:txEl>
-                                          </p:spTgt>
-                                        </p:tgtEl>
-                                        <p:attrNameLst>
-                                          <p:attrName>style.visibility</p:attrName>
-                                        </p:attrNameLst>
-                                      </p:cBhvr>
-                                      <p:to>
-                                        <p:strVal val="visible"/>
-                                      </p:to>
-                                    </p:set>
-                                  </p:childTnLst>
-                                </p:cTn>
-                              </p:par>
-                            </p:childTnLst>
-                          </p:cTn>
-                        </p:par>
-                      </p:childTnLst>
-                    </p:cTn>
-                  </p:par>
-                  <p:par>
-                    <p:cTn id="31" fill="hold">
-                      <p:stCondLst>
-                        <p:cond delay="indefinite"/>
-                      </p:stCondLst>
-                      <p:childTnLst>
-                        <p:par>
-                          <p:cTn id="32" fill="hold">
-                            <p:stCondLst>
-                              <p:cond delay="0"/>
-                            </p:stCondLst>
-                            <p:childTnLst>
-                              <p:par>
-                                <p:cTn id="33" presetID="1" presetClass="entr" presetSubtype="0" fill="hold" nodeType="clickEffect">
-                                  <p:stCondLst>
-                                    <p:cond delay="0"/>
-                                  </p:stCondLst>
-                                  <p:childTnLst>
-                                    <p:set>
-                                      <p:cBhvr>
-                                        <p:cTn id="34" dur="1" fill="hold">
-                                          <p:stCondLst>
-                                            <p:cond delay="0"/>
-                                          </p:stCondLst>
-                                        </p:cTn>
-                                        <p:tgtEl>
-                                          <p:spTgt spid="14">
-                                            <p:txEl>
-                                              <p:pRg st="10" end="10"/>
+                                              <p:pRg st="5" end="5"/>
                                             </p:txEl>
                                           </p:spTgt>
                                         </p:tgtEl>
@@ -36995,7 +37198,7 @@
 </file>
 
 <file path=ppt/slides/slide47.xml><?xml version="1.0" encoding="utf-8"?>
-<p:sld xmlns:a="http://schemas.openxmlformats.org/drawingml/2006/main" xmlns:r="http://schemas.openxmlformats.org/officeDocument/2006/relationships" xmlns:p="http://schemas.openxmlformats.org/presentationml/2006/main">
+<p:sld xmlns:a="http://schemas.openxmlformats.org/drawingml/2006/main" xmlns:r="http://schemas.openxmlformats.org/officeDocument/2006/relationships" xmlns:p="http://schemas.openxmlformats.org/presentationml/2006/main" show="0">
   <p:cSld>
     <p:spTree>
       <p:nvGrpSpPr>
@@ -37366,11 +37569,11 @@
   <p:clrMapOvr>
     <a:masterClrMapping/>
   </p:clrMapOvr>
-  <mc:AlternateContent xmlns:mc="http://schemas.openxmlformats.org/markup-compatibility/2006" xmlns:p14="http://schemas.microsoft.com/office/powerpoint/2010/main">
-    <mc:Choice Requires="p14">
+  <mc:AlternateContent xmlns:mc="http://schemas.openxmlformats.org/markup-compatibility/2006">
+    <mc:Choice xmlns:p14="http://schemas.microsoft.com/office/powerpoint/2010/main" Requires="p14">
       <p:transition spd="slow" p14:dur="2000" advClick="0" advTm="5000"/>
     </mc:Choice>
-    <mc:Fallback xmlns="">
+    <mc:Fallback>
       <p:transition spd="slow" advClick="0" advTm="5000"/>
     </mc:Fallback>
   </mc:AlternateContent>
@@ -37506,6 +37709,61 @@
           <a:p>
             <a:pPr lvl="1"/>
             <a:r>
+              <a:rPr lang="bg-BG" sz="3000" dirty="0"/>
+              <a:t>Създаване на </a:t>
+            </a:r>
+            <a:r>
+              <a:rPr lang="bg-BG" sz="3000" b="1" dirty="0">
+                <a:solidFill>
+                  <a:schemeClr val="bg1"/>
+                </a:solidFill>
+              </a:rPr>
+              <a:t>база данни от обект </a:t>
+            </a:r>
+            <a:r>
+              <a:rPr lang="bg-BG" sz="3000" dirty="0"/>
+              <a:t>(</a:t>
+            </a:r>
+            <a:r>
+              <a:rPr lang="en-US" sz="3000" b="1" dirty="0"/>
+              <a:t>Code First</a:t>
+            </a:r>
+            <a:r>
+              <a:rPr lang="en-US" sz="3000" dirty="0"/>
+              <a:t>)</a:t>
+            </a:r>
+          </a:p>
+          <a:p>
+            <a:pPr lvl="1"/>
+            <a:r>
+              <a:rPr lang="bg-BG" sz="3000" dirty="0"/>
+              <a:t>Създаване на </a:t>
+            </a:r>
+            <a:r>
+              <a:rPr lang="bg-BG" sz="3000" b="1" dirty="0">
+                <a:solidFill>
+                  <a:schemeClr val="bg1"/>
+                </a:solidFill>
+              </a:rPr>
+              <a:t>обект от база данни </a:t>
+            </a:r>
+            <a:r>
+              <a:rPr lang="en-US" sz="3000" dirty="0"/>
+              <a:t>(</a:t>
+            </a:r>
+            <a:r>
+              <a:rPr lang="en-US" sz="3000" b="1" dirty="0"/>
+              <a:t>Database First</a:t>
+            </a:r>
+            <a:r>
+              <a:rPr lang="en-US" sz="3000" dirty="0"/>
+              <a:t>)</a:t>
+            </a:r>
+            <a:endParaRPr lang="en-US" sz="3200" dirty="0"/>
+          </a:p>
+          <a:p>
+            <a:pPr lvl="1"/>
+            <a:r>
               <a:rPr lang="bg-BG" sz="3000" b="1" dirty="0">
                 <a:solidFill>
                   <a:schemeClr val="bg1"/>
@@ -37553,60 +37811,6 @@
               <a:buNone/>
             </a:pPr>
             <a:endParaRPr lang="bg-BG" sz="3000" dirty="0"/>
-          </a:p>
-          <a:p>
-            <a:pPr lvl="1"/>
-            <a:r>
-              <a:rPr lang="bg-BG" sz="3000" dirty="0"/>
-              <a:t>Създаване на </a:t>
-            </a:r>
-            <a:r>
-              <a:rPr lang="bg-BG" sz="3000" b="1" dirty="0">
-                <a:solidFill>
-                  <a:schemeClr val="bg1"/>
-                </a:solidFill>
-              </a:rPr>
-              <a:t>база данни от обект </a:t>
-            </a:r>
-            <a:r>
-              <a:rPr lang="bg-BG" sz="3000" dirty="0"/>
-              <a:t>(</a:t>
-            </a:r>
-            <a:r>
-              <a:rPr lang="en-US" sz="3000" b="1" dirty="0"/>
-              <a:t>Code First</a:t>
-            </a:r>
-            <a:r>
-              <a:rPr lang="en-US" sz="3000" dirty="0"/>
-              <a:t>)</a:t>
-            </a:r>
-          </a:p>
-          <a:p>
-            <a:pPr lvl="1"/>
-            <a:r>
-              <a:rPr lang="bg-BG" sz="3000" dirty="0"/>
-              <a:t>Създаване на </a:t>
-            </a:r>
-            <a:r>
-              <a:rPr lang="bg-BG" sz="3000" b="1" dirty="0">
-                <a:solidFill>
-                  <a:schemeClr val="bg1"/>
-                </a:solidFill>
-              </a:rPr>
-              <a:t>обект от база данни </a:t>
-            </a:r>
-            <a:r>
-              <a:rPr lang="en-US" sz="3000" dirty="0"/>
-              <a:t>(</a:t>
-            </a:r>
-            <a:r>
-              <a:rPr lang="en-US" sz="3000" b="1" dirty="0"/>
-              <a:t>Database First</a:t>
-            </a:r>
-            <a:r>
-              <a:rPr lang="en-US" sz="3000" dirty="0"/>
-              <a:t>)</a:t>
-            </a:r>
           </a:p>
           <a:p>
             <a:pPr lvl="1"/>
@@ -37666,7 +37870,7 @@
         </p:nvSpPr>
         <p:spPr>
           <a:xfrm>
-            <a:off x="6093684" y="3476255"/>
+            <a:off x="6148513" y="4786995"/>
             <a:ext cx="595549" cy="425628"/>
           </a:xfrm>
           <a:prstGeom prst="rightArrow">
@@ -37720,7 +37924,7 @@
         </p:nvSpPr>
         <p:spPr>
           <a:xfrm>
-            <a:off x="679980" y="2574000"/>
+            <a:off x="741000" y="3884741"/>
             <a:ext cx="5302959" cy="2230139"/>
           </a:xfrm>
           <a:prstGeom prst="rect">
@@ -37885,7 +38089,7 @@
         </p:nvSpPr>
         <p:spPr>
           <a:xfrm>
-            <a:off x="6799977" y="3081700"/>
+            <a:off x="6896551" y="4392438"/>
             <a:ext cx="4959458" cy="1214741"/>
           </a:xfrm>
           <a:prstGeom prst="rect">
@@ -38096,15 +38300,113 @@
                                   </p:childTnLst>
                                 </p:cTn>
                               </p:par>
+                            </p:childTnLst>
+                          </p:cTn>
+                        </p:par>
+                      </p:childTnLst>
+                    </p:cTn>
+                  </p:par>
+                  <p:par>
+                    <p:cTn id="11" fill="hold">
+                      <p:stCondLst>
+                        <p:cond delay="indefinite"/>
+                      </p:stCondLst>
+                      <p:childTnLst>
+                        <p:par>
+                          <p:cTn id="12" fill="hold">
+                            <p:stCondLst>
+                              <p:cond delay="0"/>
+                            </p:stCondLst>
+                            <p:childTnLst>
                               <p:par>
-                                <p:cTn id="11" presetID="1" presetClass="entr" presetSubtype="0" fill="hold" grpId="0" nodeType="withEffect">
+                                <p:cTn id="13" presetID="1" presetClass="entr" presetSubtype="0" fill="hold" nodeType="clickEffect">
                                   <p:stCondLst>
                                     <p:cond delay="0"/>
                                   </p:stCondLst>
                                   <p:childTnLst>
                                     <p:set>
                                       <p:cBhvr>
-                                        <p:cTn id="12" dur="1" fill="hold">
+                                        <p:cTn id="14" dur="1" fill="hold">
+                                          <p:stCondLst>
+                                            <p:cond delay="0"/>
+                                          </p:stCondLst>
+                                        </p:cTn>
+                                        <p:tgtEl>
+                                          <p:spTgt spid="7">
+                                            <p:txEl>
+                                              <p:pRg st="2" end="2"/>
+                                            </p:txEl>
+                                          </p:spTgt>
+                                        </p:tgtEl>
+                                        <p:attrNameLst>
+                                          <p:attrName>style.visibility</p:attrName>
+                                        </p:attrNameLst>
+                                      </p:cBhvr>
+                                      <p:to>
+                                        <p:strVal val="visible"/>
+                                      </p:to>
+                                    </p:set>
+                                  </p:childTnLst>
+                                </p:cTn>
+                              </p:par>
+                            </p:childTnLst>
+                          </p:cTn>
+                        </p:par>
+                      </p:childTnLst>
+                    </p:cTn>
+                  </p:par>
+                  <p:par>
+                    <p:cTn id="15" fill="hold">
+                      <p:stCondLst>
+                        <p:cond delay="indefinite"/>
+                      </p:stCondLst>
+                      <p:childTnLst>
+                        <p:par>
+                          <p:cTn id="16" fill="hold">
+                            <p:stCondLst>
+                              <p:cond delay="0"/>
+                            </p:stCondLst>
+                            <p:childTnLst>
+                              <p:par>
+                                <p:cTn id="17" presetID="1" presetClass="entr" presetSubtype="0" fill="hold" nodeType="clickEffect">
+                                  <p:stCondLst>
+                                    <p:cond delay="0"/>
+                                  </p:stCondLst>
+                                  <p:childTnLst>
+                                    <p:set>
+                                      <p:cBhvr>
+                                        <p:cTn id="18" dur="1" fill="hold">
+                                          <p:stCondLst>
+                                            <p:cond delay="0"/>
+                                          </p:stCondLst>
+                                        </p:cTn>
+                                        <p:tgtEl>
+                                          <p:spTgt spid="7">
+                                            <p:txEl>
+                                              <p:pRg st="3" end="3"/>
+                                            </p:txEl>
+                                          </p:spTgt>
+                                        </p:tgtEl>
+                                        <p:attrNameLst>
+                                          <p:attrName>style.visibility</p:attrName>
+                                        </p:attrNameLst>
+                                      </p:cBhvr>
+                                      <p:to>
+                                        <p:strVal val="visible"/>
+                                      </p:to>
+                                    </p:set>
+                                  </p:childTnLst>
+                                </p:cTn>
+                              </p:par>
+                              <p:par>
+                                <p:cTn id="19" presetID="1" presetClass="entr" presetSubtype="0" fill="hold" grpId="0" nodeType="withEffect">
+                                  <p:stCondLst>
+                                    <p:cond delay="0"/>
+                                  </p:stCondLst>
+                                  <p:childTnLst>
+                                    <p:set>
+                                      <p:cBhvr>
+                                        <p:cTn id="20" dur="1" fill="hold">
                                           <p:stCondLst>
                                             <p:cond delay="0"/>
                                           </p:stCondLst>
@@ -38130,26 +38432,26 @@
                     </p:cTn>
                   </p:par>
                   <p:par>
-                    <p:cTn id="13" fill="hold">
+                    <p:cTn id="21" fill="hold">
                       <p:stCondLst>
                         <p:cond delay="indefinite"/>
                       </p:stCondLst>
                       <p:childTnLst>
                         <p:par>
-                          <p:cTn id="14" fill="hold">
+                          <p:cTn id="22" fill="hold">
                             <p:stCondLst>
                               <p:cond delay="0"/>
                             </p:stCondLst>
                             <p:childTnLst>
                               <p:par>
-                                <p:cTn id="15" presetID="1" presetClass="entr" presetSubtype="0" fill="hold" grpId="0" nodeType="clickEffect">
+                                <p:cTn id="23" presetID="1" presetClass="entr" presetSubtype="0" fill="hold" grpId="0" nodeType="clickEffect">
                                   <p:stCondLst>
                                     <p:cond delay="0"/>
                                   </p:stCondLst>
                                   <p:childTnLst>
                                     <p:set>
                                       <p:cBhvr>
-                                        <p:cTn id="16" dur="1" fill="hold">
+                                        <p:cTn id="24" dur="1" fill="hold">
                                           <p:stCondLst>
                                             <p:cond delay="0"/>
                                           </p:stCondLst>
@@ -38169,101 +38471,7 @@
                                 </p:cTn>
                               </p:par>
                               <p:par>
-                                <p:cTn id="17" presetID="1" presetClass="entr" presetSubtype="0" fill="hold" grpId="0" nodeType="withEffect">
-                                  <p:stCondLst>
-                                    <p:cond delay="0"/>
-                                  </p:stCondLst>
-                                  <p:childTnLst>
-                                    <p:set>
-                                      <p:cBhvr>
-                                        <p:cTn id="18" dur="1" fill="hold">
-                                          <p:stCondLst>
-                                            <p:cond delay="0"/>
-                                          </p:stCondLst>
-                                        </p:cTn>
-                                        <p:tgtEl>
-                                          <p:spTgt spid="5"/>
-                                        </p:tgtEl>
-                                        <p:attrNameLst>
-                                          <p:attrName>style.visibility</p:attrName>
-                                        </p:attrNameLst>
-                                      </p:cBhvr>
-                                      <p:to>
-                                        <p:strVal val="visible"/>
-                                      </p:to>
-                                    </p:set>
-                                  </p:childTnLst>
-                                </p:cTn>
-                              </p:par>
-                            </p:childTnLst>
-                          </p:cTn>
-                        </p:par>
-                      </p:childTnLst>
-                    </p:cTn>
-                  </p:par>
-                  <p:par>
-                    <p:cTn id="19" fill="hold">
-                      <p:stCondLst>
-                        <p:cond delay="indefinite"/>
-                      </p:stCondLst>
-                      <p:childTnLst>
-                        <p:par>
-                          <p:cTn id="20" fill="hold">
-                            <p:stCondLst>
-                              <p:cond delay="0"/>
-                            </p:stCondLst>
-                            <p:childTnLst>
-                              <p:par>
-                                <p:cTn id="21" presetID="1" presetClass="entr" presetSubtype="0" fill="hold" nodeType="clickEffect">
-                                  <p:stCondLst>
-                                    <p:cond delay="0"/>
-                                  </p:stCondLst>
-                                  <p:childTnLst>
-                                    <p:set>
-                                      <p:cBhvr>
-                                        <p:cTn id="22" dur="1" fill="hold">
-                                          <p:stCondLst>
-                                            <p:cond delay="0"/>
-                                          </p:stCondLst>
-                                        </p:cTn>
-                                        <p:tgtEl>
-                                          <p:spTgt spid="7">
-                                            <p:txEl>
-                                              <p:pRg st="6" end="6"/>
-                                            </p:txEl>
-                                          </p:spTgt>
-                                        </p:tgtEl>
-                                        <p:attrNameLst>
-                                          <p:attrName>style.visibility</p:attrName>
-                                        </p:attrNameLst>
-                                      </p:cBhvr>
-                                      <p:to>
-                                        <p:strVal val="visible"/>
-                                      </p:to>
-                                    </p:set>
-                                  </p:childTnLst>
-                                </p:cTn>
-                              </p:par>
-                            </p:childTnLst>
-                          </p:cTn>
-                        </p:par>
-                      </p:childTnLst>
-                    </p:cTn>
-                  </p:par>
-                  <p:par>
-                    <p:cTn id="23" fill="hold">
-                      <p:stCondLst>
-                        <p:cond delay="indefinite"/>
-                      </p:stCondLst>
-                      <p:childTnLst>
-                        <p:par>
-                          <p:cTn id="24" fill="hold">
-                            <p:stCondLst>
-                              <p:cond delay="0"/>
-                            </p:stCondLst>
-                            <p:childTnLst>
-                              <p:par>
-                                <p:cTn id="25" presetID="1" presetClass="entr" presetSubtype="0" fill="hold" nodeType="clickEffect">
+                                <p:cTn id="25" presetID="1" presetClass="entr" presetSubtype="0" fill="hold" grpId="0" nodeType="withEffect">
                                   <p:stCondLst>
                                     <p:cond delay="0"/>
                                   </p:stCondLst>
@@ -38276,11 +38484,7 @@
                                           </p:stCondLst>
                                         </p:cTn>
                                         <p:tgtEl>
-                                          <p:spTgt spid="7">
-                                            <p:txEl>
-                                              <p:pRg st="7" end="7"/>
-                                            </p:txEl>
-                                          </p:spTgt>
+                                          <p:spTgt spid="5"/>
                                         </p:tgtEl>
                                         <p:attrNameLst>
                                           <p:attrName>style.visibility</p:attrName>
@@ -38601,7 +38805,7 @@
               <a:r>
                 <a:rPr lang="en-US" sz="1999" b="1" dirty="0">
                   <a:solidFill>
-                    <a:srgbClr val="F7FFE7"/>
+                    <a:schemeClr val="bg2"/>
                   </a:solidFill>
                   <a:effectLst>
                     <a:outerShdw blurRad="38100" dist="38100" dir="2700000" algn="tl">
@@ -38617,7 +38821,7 @@
               </a:r>
               <a:endParaRPr lang="bg-BG" sz="1999" b="1" dirty="0">
                 <a:solidFill>
-                  <a:srgbClr val="F7FFE7"/>
+                  <a:schemeClr val="bg2"/>
                 </a:solidFill>
                 <a:effectLst>
                   <a:outerShdw blurRad="38100" dist="38100" dir="2700000" algn="tl">
@@ -38644,7 +38848,7 @@
               <a:r>
                 <a:rPr lang="bg-BG" sz="1999" b="1" dirty="0">
                   <a:solidFill>
-                    <a:srgbClr val="F7FFE7"/>
+                    <a:schemeClr val="bg2"/>
                   </a:solidFill>
                   <a:effectLst>
                     <a:outerShdw blurRad="38100" dist="38100" dir="2700000" algn="tl">
@@ -38660,7 +38864,7 @@
               </a:r>
               <a:endParaRPr lang="en-US" sz="1999" b="1" dirty="0">
                 <a:solidFill>
-                  <a:srgbClr val="F7FFE7"/>
+                  <a:schemeClr val="bg2"/>
                 </a:solidFill>
                 <a:effectLst>
                   <a:outerShdw blurRad="38100" dist="38100" dir="2700000" algn="tl">

--- a/Courses/Software-Sciences/Module-4-Information-Systems-New/03-Introduction-to-ORM/03-Introduction-to-ORM.pptx
+++ b/Courses/Software-Sciences/Module-4-Information-Systems-New/03-Introduction-to-ORM/03-Introduction-to-ORM.pptx
@@ -5,10 +5,10 @@
     <p:sldMasterId id="2147483675" r:id="rId1"/>
   </p:sldMasterIdLst>
   <p:notesMasterIdLst>
-    <p:notesMasterId r:id="rId49"/>
+    <p:notesMasterId r:id="rId51"/>
   </p:notesMasterIdLst>
   <p:handoutMasterIdLst>
-    <p:handoutMasterId r:id="rId50"/>
+    <p:handoutMasterId r:id="rId52"/>
   </p:handoutMasterIdLst>
   <p:sldIdLst>
     <p:sldId id="503" r:id="rId2"/>
@@ -23,41 +23,43 @@
     <p:sldId id="616" r:id="rId11"/>
     <p:sldId id="620" r:id="rId12"/>
     <p:sldId id="717" r:id="rId13"/>
-    <p:sldId id="589" r:id="rId14"/>
-    <p:sldId id="719" r:id="rId15"/>
-    <p:sldId id="718" r:id="rId16"/>
-    <p:sldId id="723" r:id="rId17"/>
-    <p:sldId id="728" r:id="rId18"/>
-    <p:sldId id="730" r:id="rId19"/>
-    <p:sldId id="726" r:id="rId20"/>
-    <p:sldId id="725" r:id="rId21"/>
-    <p:sldId id="727" r:id="rId22"/>
-    <p:sldId id="729" r:id="rId23"/>
-    <p:sldId id="664" r:id="rId24"/>
-    <p:sldId id="682" r:id="rId25"/>
-    <p:sldId id="700" r:id="rId26"/>
-    <p:sldId id="701" r:id="rId27"/>
-    <p:sldId id="698" r:id="rId28"/>
-    <p:sldId id="703" r:id="rId29"/>
-    <p:sldId id="706" r:id="rId30"/>
-    <p:sldId id="705" r:id="rId31"/>
-    <p:sldId id="704" r:id="rId32"/>
-    <p:sldId id="649" r:id="rId33"/>
-    <p:sldId id="707" r:id="rId34"/>
-    <p:sldId id="708" r:id="rId35"/>
-    <p:sldId id="709" r:id="rId36"/>
-    <p:sldId id="710" r:id="rId37"/>
-    <p:sldId id="711" r:id="rId38"/>
-    <p:sldId id="713" r:id="rId39"/>
-    <p:sldId id="712" r:id="rId40"/>
-    <p:sldId id="714" r:id="rId41"/>
-    <p:sldId id="715" r:id="rId42"/>
-    <p:sldId id="720" r:id="rId43"/>
-    <p:sldId id="721" r:id="rId44"/>
-    <p:sldId id="722" r:id="rId45"/>
-    <p:sldId id="633" r:id="rId46"/>
-    <p:sldId id="504" r:id="rId47"/>
-    <p:sldId id="505" r:id="rId48"/>
+    <p:sldId id="718" r:id="rId14"/>
+    <p:sldId id="723" r:id="rId15"/>
+    <p:sldId id="728" r:id="rId16"/>
+    <p:sldId id="730" r:id="rId17"/>
+    <p:sldId id="726" r:id="rId18"/>
+    <p:sldId id="725" r:id="rId19"/>
+    <p:sldId id="727" r:id="rId20"/>
+    <p:sldId id="729" r:id="rId21"/>
+    <p:sldId id="664" r:id="rId22"/>
+    <p:sldId id="682" r:id="rId23"/>
+    <p:sldId id="700" r:id="rId24"/>
+    <p:sldId id="701" r:id="rId25"/>
+    <p:sldId id="698" r:id="rId26"/>
+    <p:sldId id="703" r:id="rId27"/>
+    <p:sldId id="706" r:id="rId28"/>
+    <p:sldId id="705" r:id="rId29"/>
+    <p:sldId id="704" r:id="rId30"/>
+    <p:sldId id="589" r:id="rId31"/>
+    <p:sldId id="719" r:id="rId32"/>
+    <p:sldId id="731" r:id="rId33"/>
+    <p:sldId id="732" r:id="rId34"/>
+    <p:sldId id="649" r:id="rId35"/>
+    <p:sldId id="707" r:id="rId36"/>
+    <p:sldId id="708" r:id="rId37"/>
+    <p:sldId id="709" r:id="rId38"/>
+    <p:sldId id="710" r:id="rId39"/>
+    <p:sldId id="711" r:id="rId40"/>
+    <p:sldId id="713" r:id="rId41"/>
+    <p:sldId id="712" r:id="rId42"/>
+    <p:sldId id="714" r:id="rId43"/>
+    <p:sldId id="715" r:id="rId44"/>
+    <p:sldId id="720" r:id="rId45"/>
+    <p:sldId id="721" r:id="rId46"/>
+    <p:sldId id="722" r:id="rId47"/>
+    <p:sldId id="633" r:id="rId48"/>
+    <p:sldId id="504" r:id="rId49"/>
+    <p:sldId id="505" r:id="rId50"/>
   </p:sldIdLst>
   <p:sldSz cx="12192000" cy="6858000"/>
   <p:notesSz cx="6858000" cy="9144000"/>
@@ -187,12 +189,6 @@
             <p14:sldId id="717"/>
           </p14:sldIdLst>
         </p14:section>
-        <p14:section name="Конфигурация на връзка към база данни" id="{FAFEC62E-8A3E-B74C-B607-F2A5F82A6EDC}">
-          <p14:sldIdLst>
-            <p14:sldId id="589"/>
-            <p14:sldId id="719"/>
-          </p14:sldIdLst>
-        </p14:section>
         <p14:section name="ADO.NET Entity Data Model" id="{0D171D52-D08B-C04E-BC5C-DAFB2388529A}">
           <p14:sldIdLst>
             <p14:sldId id="718"/>
@@ -220,6 +216,14 @@
             <p14:sldId id="706"/>
             <p14:sldId id="705"/>
             <p14:sldId id="704"/>
+          </p14:sldIdLst>
+        </p14:section>
+        <p14:section name="Конфигурация на връзка към база данни" id="{FAFEC62E-8A3E-B74C-B607-F2A5F82A6EDC}">
+          <p14:sldIdLst>
+            <p14:sldId id="589"/>
+            <p14:sldId id="719"/>
+            <p14:sldId id="731"/>
+            <p14:sldId id="732"/>
           </p14:sldIdLst>
         </p14:section>
         <p14:section name="Примерно приложение" id="{A764BDC4-FBCF-8642-9DA0-2A050F6690EB}">
@@ -271,6 +275,7 @@
 
 <file path=ppt/authors.xml><?xml version="1.0" encoding="utf-8"?>
 <p188:authorLst xmlns:a="http://schemas.openxmlformats.org/drawingml/2006/main" xmlns:r="http://schemas.openxmlformats.org/officeDocument/2006/relationships" xmlns:p188="http://schemas.microsoft.com/office/powerpoint/2018/8/main">
+  <p188:author id="{B24AAD53-8AA6-8321-73F3-FE25FD6B3B5A}" name="Mirela Damyanova" initials="MD" userId="Mirela Damyanova" providerId="None"/>
   <p188:author id="{61328A60-1351-1658-BC09-0F9214BEF0FD}" name="Александрина Ю. Механджийска" initials="АМ" userId="S::am43953203@edu.mon.bg::60a33b73-667f-441e-9a53-8ce9df28dca4" providerId="AD"/>
 </p188:authorLst>
 </file>
@@ -282,11 +287,25 @@
       <pc:docMk xmlns:pc="http://schemas.microsoft.com/office/powerpoint/2013/main/command"/>
       <pc:sldMk xmlns:pc="http://schemas.microsoft.com/office/powerpoint/2013/main/command" cId="1646986932" sldId="276"/>
       <ac:spMk id="444419" creationId="{00000000-0000-0000-0000-000000000000}"/>
-      <ac:txMk cp="72" len="57">
-        <ac:context len="335" hash="1345561544"/>
+      <ac:txMk cp="71">
+        <ac:context len="335" hash="1399023528"/>
       </ac:txMk>
     </ac:txMkLst>
     <p188:pos x="10638874" y="2255516"/>
+    <p188:replyLst>
+      <p188:reply id="{59E39E9E-1180-F043-83A5-BB2E7714169A}" authorId="{B24AAD53-8AA6-8321-73F3-FE25FD6B3B5A}" created="2024-06-17T08:25:39.400">
+        <p188:txBody>
+          <a:bodyPr/>
+          <a:lstStyle/>
+          <a:p>
+            <a:r>
+              <a:rPr lang="en-BG"/>
+              <a:t>Done</a:t>
+            </a:r>
+          </a:p>
+        </p188:txBody>
+      </p188:reply>
+    </p188:replyLst>
     <p188:txBody>
       <a:bodyPr/>
       <a:lstStyle/>
@@ -308,11 +327,25 @@
       <pc:docMk xmlns:pc="http://schemas.microsoft.com/office/powerpoint/2013/main/command"/>
       <pc:sldMk xmlns:pc="http://schemas.microsoft.com/office/powerpoint/2013/main/command" cId="527813891" sldId="706"/>
       <ac:spMk id="2" creationId="{5DF70964-08C1-23B3-198A-C18C505396EB}"/>
-      <ac:txMk cp="18" len="17">
-        <ac:context len="36" hash="646668859"/>
+      <ac:txMk cp="18" len="12">
+        <ac:context len="31" hash="514766745"/>
       </ac:txMk>
     </ac:txMkLst>
     <p188:pos x="6237526" y="598200"/>
+    <p188:replyLst>
+      <p188:reply id="{0BE531DF-36FB-9F4D-B7C1-30FB2FE49E42}" authorId="{B24AAD53-8AA6-8321-73F3-FE25FD6B3B5A}" created="2024-06-17T07:56:55.406">
+        <p188:txBody>
+          <a:bodyPr/>
+          <a:lstStyle/>
+          <a:p>
+            <a:r>
+              <a:rPr lang="en-BG"/>
+              <a:t>Done</a:t>
+            </a:r>
+          </a:p>
+        </p188:txBody>
+      </p188:reply>
+    </p188:replyLst>
     <p188:txBody>
       <a:bodyPr/>
       <a:lstStyle/>
@@ -421,7 +454,7 @@
           <a:p>
             <a:fld id="{4E087215-0C8F-4762-A664-737A353EC9A4}" type="datetimeFigureOut">
               <a:rPr lang="bg-BG" smtClean="0"/>
-              <a:t>12.06.24 г.</a:t>
+              <a:t>17.06.24 г.</a:t>
             </a:fld>
             <a:endParaRPr lang="bg-BG"/>
           </a:p>
@@ -617,7 +650,7 @@
           <a:p>
             <a:fld id="{72D84649-876A-46C9-8472-14CB09C070D8}" type="datetimeFigureOut">
               <a:rPr lang="en-US" smtClean="0"/>
-              <a:t>6/12/24</a:t>
+              <a:t>6/17/24</a:t>
             </a:fld>
             <a:endParaRPr lang="en-US"/>
           </a:p>
@@ -1785,10 +1818,10 @@
       </p:sp>
       <p:sp>
         <p:nvSpPr>
-          <p:cNvPr id="7" name="Slide Number Placeholder 5">
+          <p:cNvPr id="6" name="Slide Number Placeholder 5">
             <a:extLst>
               <a:ext uri="{FF2B5EF4-FFF2-40B4-BE49-F238E27FC236}">
-                <a16:creationId xmlns:a16="http://schemas.microsoft.com/office/drawing/2014/main" id="{BD88B0D8-949C-482D-990A-2DAB14AD4AD1}"/>
+                <a16:creationId xmlns:a16="http://schemas.microsoft.com/office/drawing/2014/main" id="{973EF363-177A-44DE-80E9-FC9248B7DCA2}"/>
               </a:ext>
             </a:extLst>
           </p:cNvPr>
@@ -1918,7 +1951,7 @@
           <p:cNvPr id="4" name="Footer Placeholder 3">
             <a:extLst>
               <a:ext uri="{FF2B5EF4-FFF2-40B4-BE49-F238E27FC236}">
-                <a16:creationId xmlns:a16="http://schemas.microsoft.com/office/drawing/2014/main" id="{58474633-D38D-4432-867B-70F325FA7016}"/>
+                <a16:creationId xmlns:a16="http://schemas.microsoft.com/office/drawing/2014/main" id="{8EE613EE-6697-4964-A067-C2136C00C834}"/>
               </a:ext>
             </a:extLst>
           </p:cNvPr>
@@ -1955,7 +1988,7 @@
     </p:spTree>
     <p:extLst>
       <p:ext uri="{BB962C8B-B14F-4D97-AF65-F5344CB8AC3E}">
-        <p14:creationId xmlns:p14="http://schemas.microsoft.com/office/powerpoint/2010/main" val="1802721241"/>
+        <p14:creationId xmlns:p14="http://schemas.microsoft.com/office/powerpoint/2010/main" val="3536872469"/>
       </p:ext>
     </p:extLst>
   </p:cSld>
@@ -2137,7 +2170,7 @@
             <a:fld id="{3EBA5BD7-F043-4D1B-AA17-CD412FC534DE}" type="slidenum">
               <a:rPr lang="en-US" smtClean="0"/>
               <a:pPr/>
-              <a:t>15</a:t>
+              <a:t>14</a:t>
             </a:fld>
             <a:endParaRPr lang="en-US" dirty="0"/>
           </a:p>
@@ -2185,7 +2218,7 @@
     </p:spTree>
     <p:extLst>
       <p:ext uri="{BB962C8B-B14F-4D97-AF65-F5344CB8AC3E}">
-        <p14:creationId xmlns:p14="http://schemas.microsoft.com/office/powerpoint/2010/main" val="3536872469"/>
+        <p14:creationId xmlns:p14="http://schemas.microsoft.com/office/powerpoint/2010/main" val="1244590099"/>
       </p:ext>
     </p:extLst>
   </p:cSld>
@@ -2367,7 +2400,7 @@
             <a:fld id="{3EBA5BD7-F043-4D1B-AA17-CD412FC534DE}" type="slidenum">
               <a:rPr lang="en-US" smtClean="0"/>
               <a:pPr/>
-              <a:t>16</a:t>
+              <a:t>15</a:t>
             </a:fld>
             <a:endParaRPr lang="en-US" dirty="0"/>
           </a:p>
@@ -2415,7 +2448,7 @@
     </p:spTree>
     <p:extLst>
       <p:ext uri="{BB962C8B-B14F-4D97-AF65-F5344CB8AC3E}">
-        <p14:creationId xmlns:p14="http://schemas.microsoft.com/office/powerpoint/2010/main" val="1244590099"/>
+        <p14:creationId xmlns:p14="http://schemas.microsoft.com/office/powerpoint/2010/main" val="1635038138"/>
       </p:ext>
     </p:extLst>
   </p:cSld>
@@ -2597,7 +2630,7 @@
             <a:fld id="{3EBA5BD7-F043-4D1B-AA17-CD412FC534DE}" type="slidenum">
               <a:rPr lang="en-US" smtClean="0"/>
               <a:pPr/>
-              <a:t>17</a:t>
+              <a:t>16</a:t>
             </a:fld>
             <a:endParaRPr lang="en-US" dirty="0"/>
           </a:p>
@@ -2645,7 +2678,7 @@
     </p:spTree>
     <p:extLst>
       <p:ext uri="{BB962C8B-B14F-4D97-AF65-F5344CB8AC3E}">
-        <p14:creationId xmlns:p14="http://schemas.microsoft.com/office/powerpoint/2010/main" val="1635038138"/>
+        <p14:creationId xmlns:p14="http://schemas.microsoft.com/office/powerpoint/2010/main" val="863895507"/>
       </p:ext>
     </p:extLst>
   </p:cSld>
@@ -2827,7 +2860,7 @@
             <a:fld id="{3EBA5BD7-F043-4D1B-AA17-CD412FC534DE}" type="slidenum">
               <a:rPr lang="en-US" smtClean="0"/>
               <a:pPr/>
-              <a:t>18</a:t>
+              <a:t>17</a:t>
             </a:fld>
             <a:endParaRPr lang="en-US" dirty="0"/>
           </a:p>
@@ -2875,7 +2908,7 @@
     </p:spTree>
     <p:extLst>
       <p:ext uri="{BB962C8B-B14F-4D97-AF65-F5344CB8AC3E}">
-        <p14:creationId xmlns:p14="http://schemas.microsoft.com/office/powerpoint/2010/main" val="863895507"/>
+        <p14:creationId xmlns:p14="http://schemas.microsoft.com/office/powerpoint/2010/main" val="2954606473"/>
       </p:ext>
     </p:extLst>
   </p:cSld>
@@ -3057,7 +3090,7 @@
             <a:fld id="{3EBA5BD7-F043-4D1B-AA17-CD412FC534DE}" type="slidenum">
               <a:rPr lang="en-US" smtClean="0"/>
               <a:pPr/>
-              <a:t>19</a:t>
+              <a:t>18</a:t>
             </a:fld>
             <a:endParaRPr lang="en-US" dirty="0"/>
           </a:p>
@@ -3105,7 +3138,7 @@
     </p:spTree>
     <p:extLst>
       <p:ext uri="{BB962C8B-B14F-4D97-AF65-F5344CB8AC3E}">
-        <p14:creationId xmlns:p14="http://schemas.microsoft.com/office/powerpoint/2010/main" val="2954606473"/>
+        <p14:creationId xmlns:p14="http://schemas.microsoft.com/office/powerpoint/2010/main" val="864857987"/>
       </p:ext>
     </p:extLst>
   </p:cSld>
@@ -3287,7 +3320,7 @@
             <a:fld id="{3EBA5BD7-F043-4D1B-AA17-CD412FC534DE}" type="slidenum">
               <a:rPr lang="en-US" smtClean="0"/>
               <a:pPr/>
-              <a:t>20</a:t>
+              <a:t>19</a:t>
             </a:fld>
             <a:endParaRPr lang="en-US" dirty="0"/>
           </a:p>
@@ -3335,7 +3368,7 @@
     </p:spTree>
     <p:extLst>
       <p:ext uri="{BB962C8B-B14F-4D97-AF65-F5344CB8AC3E}">
-        <p14:creationId xmlns:p14="http://schemas.microsoft.com/office/powerpoint/2010/main" val="864857987"/>
+        <p14:creationId xmlns:p14="http://schemas.microsoft.com/office/powerpoint/2010/main" val="3090333337"/>
       </p:ext>
     </p:extLst>
   </p:cSld>
@@ -3759,7 +3792,7 @@
             <a:fld id="{3EBA5BD7-F043-4D1B-AA17-CD412FC534DE}" type="slidenum">
               <a:rPr lang="en-US" smtClean="0"/>
               <a:pPr/>
-              <a:t>21</a:t>
+              <a:t>20</a:t>
             </a:fld>
             <a:endParaRPr lang="en-US" dirty="0"/>
           </a:p>
@@ -3807,7 +3840,7 @@
     </p:spTree>
     <p:extLst>
       <p:ext uri="{BB962C8B-B14F-4D97-AF65-F5344CB8AC3E}">
-        <p14:creationId xmlns:p14="http://schemas.microsoft.com/office/powerpoint/2010/main" val="3090333337"/>
+        <p14:creationId xmlns:p14="http://schemas.microsoft.com/office/powerpoint/2010/main" val="3201894951"/>
       </p:ext>
     </p:extLst>
   </p:cSld>
@@ -3867,10 +3900,10 @@
       </p:sp>
       <p:sp>
         <p:nvSpPr>
-          <p:cNvPr id="6" name="Slide Number Placeholder 5">
+          <p:cNvPr id="7" name="Slide Number Placeholder 5">
             <a:extLst>
               <a:ext uri="{FF2B5EF4-FFF2-40B4-BE49-F238E27FC236}">
-                <a16:creationId xmlns:a16="http://schemas.microsoft.com/office/drawing/2014/main" id="{973EF363-177A-44DE-80E9-FC9248B7DCA2}"/>
+                <a16:creationId xmlns:a16="http://schemas.microsoft.com/office/drawing/2014/main" id="{BD88B0D8-949C-482D-990A-2DAB14AD4AD1}"/>
               </a:ext>
             </a:extLst>
           </p:cNvPr>
@@ -3989,7 +4022,7 @@
             <a:fld id="{3EBA5BD7-F043-4D1B-AA17-CD412FC534DE}" type="slidenum">
               <a:rPr lang="en-US" smtClean="0"/>
               <a:pPr/>
-              <a:t>22</a:t>
+              <a:t>21</a:t>
             </a:fld>
             <a:endParaRPr lang="en-US" dirty="0"/>
           </a:p>
@@ -4000,7 +4033,7 @@
           <p:cNvPr id="4" name="Footer Placeholder 3">
             <a:extLst>
               <a:ext uri="{FF2B5EF4-FFF2-40B4-BE49-F238E27FC236}">
-                <a16:creationId xmlns:a16="http://schemas.microsoft.com/office/drawing/2014/main" id="{8EE613EE-6697-4964-A067-C2136C00C834}"/>
+                <a16:creationId xmlns:a16="http://schemas.microsoft.com/office/drawing/2014/main" id="{58474633-D38D-4432-867B-70F325FA7016}"/>
               </a:ext>
             </a:extLst>
           </p:cNvPr>
@@ -4037,7 +4070,7 @@
     </p:spTree>
     <p:extLst>
       <p:ext uri="{BB962C8B-B14F-4D97-AF65-F5344CB8AC3E}">
-        <p14:creationId xmlns:p14="http://schemas.microsoft.com/office/powerpoint/2010/main" val="3201894951"/>
+        <p14:creationId xmlns:p14="http://schemas.microsoft.com/office/powerpoint/2010/main" val="2385403816"/>
       </p:ext>
     </p:extLst>
   </p:cSld>
@@ -4097,10 +4130,10 @@
       </p:sp>
       <p:sp>
         <p:nvSpPr>
-          <p:cNvPr id="7" name="Slide Number Placeholder 5">
+          <p:cNvPr id="6" name="Slide Number Placeholder 5">
             <a:extLst>
               <a:ext uri="{FF2B5EF4-FFF2-40B4-BE49-F238E27FC236}">
-                <a16:creationId xmlns:a16="http://schemas.microsoft.com/office/drawing/2014/main" id="{BD88B0D8-949C-482D-990A-2DAB14AD4AD1}"/>
+                <a16:creationId xmlns:a16="http://schemas.microsoft.com/office/drawing/2014/main" id="{973EF363-177A-44DE-80E9-FC9248B7DCA2}"/>
               </a:ext>
             </a:extLst>
           </p:cNvPr>
@@ -4219,7 +4252,7 @@
             <a:fld id="{3EBA5BD7-F043-4D1B-AA17-CD412FC534DE}" type="slidenum">
               <a:rPr lang="en-US" smtClean="0"/>
               <a:pPr/>
-              <a:t>23</a:t>
+              <a:t>22</a:t>
             </a:fld>
             <a:endParaRPr lang="en-US" dirty="0"/>
           </a:p>
@@ -4230,7 +4263,7 @@
           <p:cNvPr id="4" name="Footer Placeholder 3">
             <a:extLst>
               <a:ext uri="{FF2B5EF4-FFF2-40B4-BE49-F238E27FC236}">
-                <a16:creationId xmlns:a16="http://schemas.microsoft.com/office/drawing/2014/main" id="{58474633-D38D-4432-867B-70F325FA7016}"/>
+                <a16:creationId xmlns:a16="http://schemas.microsoft.com/office/drawing/2014/main" id="{8EE613EE-6697-4964-A067-C2136C00C834}"/>
               </a:ext>
             </a:extLst>
           </p:cNvPr>
@@ -4267,7 +4300,7 @@
     </p:spTree>
     <p:extLst>
       <p:ext uri="{BB962C8B-B14F-4D97-AF65-F5344CB8AC3E}">
-        <p14:creationId xmlns:p14="http://schemas.microsoft.com/office/powerpoint/2010/main" val="2385403816"/>
+        <p14:creationId xmlns:p14="http://schemas.microsoft.com/office/powerpoint/2010/main" val="2657672140"/>
       </p:ext>
     </p:extLst>
   </p:cSld>
@@ -4449,7 +4482,7 @@
             <a:fld id="{3EBA5BD7-F043-4D1B-AA17-CD412FC534DE}" type="slidenum">
               <a:rPr lang="en-US" smtClean="0"/>
               <a:pPr/>
-              <a:t>24</a:t>
+              <a:t>23</a:t>
             </a:fld>
             <a:endParaRPr lang="en-US" dirty="0"/>
           </a:p>
@@ -4497,7 +4530,7 @@
     </p:spTree>
     <p:extLst>
       <p:ext uri="{BB962C8B-B14F-4D97-AF65-F5344CB8AC3E}">
-        <p14:creationId xmlns:p14="http://schemas.microsoft.com/office/powerpoint/2010/main" val="2657672140"/>
+        <p14:creationId xmlns:p14="http://schemas.microsoft.com/office/powerpoint/2010/main" val="2145358388"/>
       </p:ext>
     </p:extLst>
   </p:cSld>
@@ -4679,7 +4712,7 @@
             <a:fld id="{3EBA5BD7-F043-4D1B-AA17-CD412FC534DE}" type="slidenum">
               <a:rPr lang="en-US" smtClean="0"/>
               <a:pPr/>
-              <a:t>25</a:t>
+              <a:t>24</a:t>
             </a:fld>
             <a:endParaRPr lang="en-US" dirty="0"/>
           </a:p>
@@ -4727,7 +4760,7 @@
     </p:spTree>
     <p:extLst>
       <p:ext uri="{BB962C8B-B14F-4D97-AF65-F5344CB8AC3E}">
-        <p14:creationId xmlns:p14="http://schemas.microsoft.com/office/powerpoint/2010/main" val="2145358388"/>
+        <p14:creationId xmlns:p14="http://schemas.microsoft.com/office/powerpoint/2010/main" val="4269485805"/>
       </p:ext>
     </p:extLst>
   </p:cSld>
@@ -4787,10 +4820,10 @@
       </p:sp>
       <p:sp>
         <p:nvSpPr>
-          <p:cNvPr id="6" name="Slide Number Placeholder 5">
+          <p:cNvPr id="7" name="Slide Number Placeholder 5">
             <a:extLst>
               <a:ext uri="{FF2B5EF4-FFF2-40B4-BE49-F238E27FC236}">
-                <a16:creationId xmlns:a16="http://schemas.microsoft.com/office/drawing/2014/main" id="{973EF363-177A-44DE-80E9-FC9248B7DCA2}"/>
+                <a16:creationId xmlns:a16="http://schemas.microsoft.com/office/drawing/2014/main" id="{BD88B0D8-949C-482D-990A-2DAB14AD4AD1}"/>
               </a:ext>
             </a:extLst>
           </p:cNvPr>
@@ -4909,7 +4942,7 @@
             <a:fld id="{3EBA5BD7-F043-4D1B-AA17-CD412FC534DE}" type="slidenum">
               <a:rPr lang="en-US" smtClean="0"/>
               <a:pPr/>
-              <a:t>26</a:t>
+              <a:t>25</a:t>
             </a:fld>
             <a:endParaRPr lang="en-US" dirty="0"/>
           </a:p>
@@ -4920,7 +4953,7 @@
           <p:cNvPr id="4" name="Footer Placeholder 3">
             <a:extLst>
               <a:ext uri="{FF2B5EF4-FFF2-40B4-BE49-F238E27FC236}">
-                <a16:creationId xmlns:a16="http://schemas.microsoft.com/office/drawing/2014/main" id="{8EE613EE-6697-4964-A067-C2136C00C834}"/>
+                <a16:creationId xmlns:a16="http://schemas.microsoft.com/office/drawing/2014/main" id="{58474633-D38D-4432-867B-70F325FA7016}"/>
               </a:ext>
             </a:extLst>
           </p:cNvPr>
@@ -4957,7 +4990,7 @@
     </p:spTree>
     <p:extLst>
       <p:ext uri="{BB962C8B-B14F-4D97-AF65-F5344CB8AC3E}">
-        <p14:creationId xmlns:p14="http://schemas.microsoft.com/office/powerpoint/2010/main" val="4269485805"/>
+        <p14:creationId xmlns:p14="http://schemas.microsoft.com/office/powerpoint/2010/main" val="2422749412"/>
       </p:ext>
     </p:extLst>
   </p:cSld>
@@ -5011,16 +5044,16 @@
           <a:bodyPr/>
           <a:lstStyle/>
           <a:p>
-            <a:endParaRPr lang="en-US"/>
+            <a:endParaRPr lang="en-US" dirty="0"/>
           </a:p>
         </p:txBody>
       </p:sp>
       <p:sp>
         <p:nvSpPr>
-          <p:cNvPr id="7" name="Slide Number Placeholder 5">
+          <p:cNvPr id="6" name="Slide Number Placeholder 5">
             <a:extLst>
               <a:ext uri="{FF2B5EF4-FFF2-40B4-BE49-F238E27FC236}">
-                <a16:creationId xmlns:a16="http://schemas.microsoft.com/office/drawing/2014/main" id="{BD88B0D8-949C-482D-990A-2DAB14AD4AD1}"/>
+                <a16:creationId xmlns:a16="http://schemas.microsoft.com/office/drawing/2014/main" id="{973EF363-177A-44DE-80E9-FC9248B7DCA2}"/>
               </a:ext>
             </a:extLst>
           </p:cNvPr>
@@ -5139,7 +5172,7 @@
             <a:fld id="{3EBA5BD7-F043-4D1B-AA17-CD412FC534DE}" type="slidenum">
               <a:rPr lang="en-US" smtClean="0"/>
               <a:pPr/>
-              <a:t>27</a:t>
+              <a:t>26</a:t>
             </a:fld>
             <a:endParaRPr lang="en-US" dirty="0"/>
           </a:p>
@@ -5150,7 +5183,7 @@
           <p:cNvPr id="4" name="Footer Placeholder 3">
             <a:extLst>
               <a:ext uri="{FF2B5EF4-FFF2-40B4-BE49-F238E27FC236}">
-                <a16:creationId xmlns:a16="http://schemas.microsoft.com/office/drawing/2014/main" id="{58474633-D38D-4432-867B-70F325FA7016}"/>
+                <a16:creationId xmlns:a16="http://schemas.microsoft.com/office/drawing/2014/main" id="{8EE613EE-6697-4964-A067-C2136C00C834}"/>
               </a:ext>
             </a:extLst>
           </p:cNvPr>
@@ -5187,7 +5220,7 @@
     </p:spTree>
     <p:extLst>
       <p:ext uri="{BB962C8B-B14F-4D97-AF65-F5344CB8AC3E}">
-        <p14:creationId xmlns:p14="http://schemas.microsoft.com/office/powerpoint/2010/main" val="2422749412"/>
+        <p14:creationId xmlns:p14="http://schemas.microsoft.com/office/powerpoint/2010/main" val="3125195826"/>
       </p:ext>
     </p:extLst>
   </p:cSld>
@@ -5241,7 +5274,7 @@
           <a:bodyPr/>
           <a:lstStyle/>
           <a:p>
-            <a:endParaRPr lang="en-US" dirty="0"/>
+            <a:endParaRPr lang="en-US"/>
           </a:p>
         </p:txBody>
       </p:sp>
@@ -5369,7 +5402,7 @@
             <a:fld id="{3EBA5BD7-F043-4D1B-AA17-CD412FC534DE}" type="slidenum">
               <a:rPr lang="en-US" smtClean="0"/>
               <a:pPr/>
-              <a:t>28</a:t>
+              <a:t>27</a:t>
             </a:fld>
             <a:endParaRPr lang="en-US" dirty="0"/>
           </a:p>
@@ -5417,7 +5450,7 @@
     </p:spTree>
     <p:extLst>
       <p:ext uri="{BB962C8B-B14F-4D97-AF65-F5344CB8AC3E}">
-        <p14:creationId xmlns:p14="http://schemas.microsoft.com/office/powerpoint/2010/main" val="3125195826"/>
+        <p14:creationId xmlns:p14="http://schemas.microsoft.com/office/powerpoint/2010/main" val="543015053"/>
       </p:ext>
     </p:extLst>
   </p:cSld>
@@ -5599,7 +5632,7 @@
             <a:fld id="{3EBA5BD7-F043-4D1B-AA17-CD412FC534DE}" type="slidenum">
               <a:rPr lang="en-US" smtClean="0"/>
               <a:pPr/>
-              <a:t>29</a:t>
+              <a:t>28</a:t>
             </a:fld>
             <a:endParaRPr lang="en-US" dirty="0"/>
           </a:p>
@@ -5647,7 +5680,7 @@
     </p:spTree>
     <p:extLst>
       <p:ext uri="{BB962C8B-B14F-4D97-AF65-F5344CB8AC3E}">
-        <p14:creationId xmlns:p14="http://schemas.microsoft.com/office/powerpoint/2010/main" val="543015053"/>
+        <p14:creationId xmlns:p14="http://schemas.microsoft.com/office/powerpoint/2010/main" val="4264459693"/>
       </p:ext>
     </p:extLst>
   </p:cSld>
@@ -5829,7 +5862,7 @@
             <a:fld id="{3EBA5BD7-F043-4D1B-AA17-CD412FC534DE}" type="slidenum">
               <a:rPr lang="en-US" smtClean="0"/>
               <a:pPr/>
-              <a:t>30</a:t>
+              <a:t>29</a:t>
             </a:fld>
             <a:endParaRPr lang="en-US" dirty="0"/>
           </a:p>
@@ -5877,7 +5910,7 @@
     </p:spTree>
     <p:extLst>
       <p:ext uri="{BB962C8B-B14F-4D97-AF65-F5344CB8AC3E}">
-        <p14:creationId xmlns:p14="http://schemas.microsoft.com/office/powerpoint/2010/main" val="4264459693"/>
+        <p14:creationId xmlns:p14="http://schemas.microsoft.com/office/powerpoint/2010/main" val="638781853"/>
       </p:ext>
     </p:extLst>
   </p:cSld>
@@ -6167,10 +6200,10 @@
       </p:sp>
       <p:sp>
         <p:nvSpPr>
-          <p:cNvPr id="6" name="Slide Number Placeholder 5">
+          <p:cNvPr id="7" name="Slide Number Placeholder 5">
             <a:extLst>
               <a:ext uri="{FF2B5EF4-FFF2-40B4-BE49-F238E27FC236}">
-                <a16:creationId xmlns:a16="http://schemas.microsoft.com/office/drawing/2014/main" id="{973EF363-177A-44DE-80E9-FC9248B7DCA2}"/>
+                <a16:creationId xmlns:a16="http://schemas.microsoft.com/office/drawing/2014/main" id="{BD88B0D8-949C-482D-990A-2DAB14AD4AD1}"/>
               </a:ext>
             </a:extLst>
           </p:cNvPr>
@@ -6289,7 +6322,7 @@
             <a:fld id="{3EBA5BD7-F043-4D1B-AA17-CD412FC534DE}" type="slidenum">
               <a:rPr lang="en-US" smtClean="0"/>
               <a:pPr/>
-              <a:t>31</a:t>
+              <a:t>30</a:t>
             </a:fld>
             <a:endParaRPr lang="en-US" dirty="0"/>
           </a:p>
@@ -6300,7 +6333,7 @@
           <p:cNvPr id="4" name="Footer Placeholder 3">
             <a:extLst>
               <a:ext uri="{FF2B5EF4-FFF2-40B4-BE49-F238E27FC236}">
-                <a16:creationId xmlns:a16="http://schemas.microsoft.com/office/drawing/2014/main" id="{8EE613EE-6697-4964-A067-C2136C00C834}"/>
+                <a16:creationId xmlns:a16="http://schemas.microsoft.com/office/drawing/2014/main" id="{58474633-D38D-4432-867B-70F325FA7016}"/>
               </a:ext>
             </a:extLst>
           </p:cNvPr>
@@ -6337,7 +6370,7 @@
     </p:spTree>
     <p:extLst>
       <p:ext uri="{BB962C8B-B14F-4D97-AF65-F5344CB8AC3E}">
-        <p14:creationId xmlns:p14="http://schemas.microsoft.com/office/powerpoint/2010/main" val="638781853"/>
+        <p14:creationId xmlns:p14="http://schemas.microsoft.com/office/powerpoint/2010/main" val="1802721241"/>
       </p:ext>
     </p:extLst>
   </p:cSld>
@@ -6519,7 +6552,7 @@
             <a:fld id="{3EBA5BD7-F043-4D1B-AA17-CD412FC534DE}" type="slidenum">
               <a:rPr lang="en-US" smtClean="0"/>
               <a:pPr/>
-              <a:t>32</a:t>
+              <a:t>34</a:t>
             </a:fld>
             <a:endParaRPr lang="en-US" dirty="0"/>
           </a:p>
@@ -6642,7 +6675,7 @@
           <a:p>
             <a:fld id="{2BF067CD-8E6B-4360-9AA8-C5DF2A48A6D1}" type="slidenum">
               <a:rPr lang="en-US" smtClean="0"/>
-              <a:t>36</a:t>
+              <a:t>38</a:t>
             </a:fld>
             <a:endParaRPr lang="en-US" dirty="0"/>
           </a:p>
@@ -6763,7 +6796,7 @@
           <a:p>
             <a:fld id="{2BF067CD-8E6B-4360-9AA8-C5DF2A48A6D1}" type="slidenum">
               <a:rPr lang="en-US" smtClean="0"/>
-              <a:t>37</a:t>
+              <a:t>39</a:t>
             </a:fld>
             <a:endParaRPr lang="en-US" dirty="0"/>
           </a:p>
@@ -6991,7 +7024,7 @@
             <a:fld id="{3EBA5BD7-F043-4D1B-AA17-CD412FC534DE}" type="slidenum">
               <a:rPr lang="en-US" smtClean="0"/>
               <a:pPr/>
-              <a:t>45</a:t>
+              <a:t>47</a:t>
             </a:fld>
             <a:endParaRPr lang="en-US" dirty="0"/>
           </a:p>
@@ -7237,7 +7270,7 @@
             <a:fld id="{3EBA5BD7-F043-4D1B-AA17-CD412FC534DE}" type="slidenum">
               <a:rPr lang="en-US" smtClean="0"/>
               <a:pPr/>
-              <a:t>46</a:t>
+              <a:t>48</a:t>
             </a:fld>
             <a:endParaRPr lang="en-US" dirty="0"/>
           </a:p>
@@ -7467,7 +7500,7 @@
             <a:fld id="{3EBA5BD7-F043-4D1B-AA17-CD412FC534DE}" type="slidenum">
               <a:rPr lang="en-US" smtClean="0"/>
               <a:pPr/>
-              <a:t>47</a:t>
+              <a:t>49</a:t>
             </a:fld>
             <a:endParaRPr lang="en-US" dirty="0"/>
           </a:p>
@@ -14014,7 +14047,7 @@
           <a:p>
             <a:r>
               <a:rPr lang="bg-BG" dirty="0"/>
-              <a:t>Курс “Информационни системи"</a:t>
+              <a:t>Курс "Информационни системи"</a:t>
             </a:r>
             <a:endParaRPr lang="en-US" dirty="0"/>
           </a:p>
@@ -15738,747 +15771,6 @@
       </p:grpSpPr>
       <p:sp>
         <p:nvSpPr>
-          <p:cNvPr id="4" name="Slide Subtitle">
-            <a:extLst>
-              <a:ext uri="{FF2B5EF4-FFF2-40B4-BE49-F238E27FC236}">
-                <a16:creationId xmlns:a16="http://schemas.microsoft.com/office/drawing/2014/main" id="{BEB5BB41-09D4-4E9F-8C80-EE8709171CB3}"/>
-              </a:ext>
-            </a:extLst>
-          </p:cNvPr>
-          <p:cNvSpPr>
-            <a:spLocks noGrp="1"/>
-          </p:cNvSpPr>
-          <p:nvPr>
-            <p:ph type="subTitle" sz="quarter" idx="11"/>
-          </p:nvPr>
-        </p:nvSpPr>
-        <p:spPr/>
-        <p:txBody>
-          <a:bodyPr/>
-          <a:lstStyle/>
-          <a:p>
-            <a:r>
-              <a:rPr lang="en-US" dirty="0"/>
-              <a:t>Connection string</a:t>
-            </a:r>
-            <a:endParaRPr lang="bg-BG" dirty="0"/>
-          </a:p>
-        </p:txBody>
-      </p:sp>
-      <p:sp>
-        <p:nvSpPr>
-          <p:cNvPr id="6" name="Slide Title">
-            <a:extLst>
-              <a:ext uri="{FF2B5EF4-FFF2-40B4-BE49-F238E27FC236}">
-                <a16:creationId xmlns:a16="http://schemas.microsoft.com/office/drawing/2014/main" id="{028D9EA3-B5E0-4F17-9467-4BE3C280DA68}"/>
-              </a:ext>
-            </a:extLst>
-          </p:cNvPr>
-          <p:cNvSpPr>
-            <a:spLocks noGrp="1"/>
-          </p:cNvSpPr>
-          <p:nvPr>
-            <p:ph type="title" sz="quarter" idx="10"/>
-          </p:nvPr>
-        </p:nvSpPr>
-        <p:spPr/>
-        <p:txBody>
-          <a:bodyPr/>
-          <a:lstStyle/>
-          <a:p>
-            <a:r>
-              <a:rPr lang="bg-BG" sz="4400" dirty="0"/>
-              <a:t>Конфигурация на връзка към база данни</a:t>
-            </a:r>
-            <a:endParaRPr lang="en-US" sz="4400" dirty="0"/>
-          </a:p>
-        </p:txBody>
-      </p:sp>
-      <p:pic>
-        <p:nvPicPr>
-          <p:cNvPr id="3" name="Picture 2">
-            <a:extLst>
-              <a:ext uri="{FF2B5EF4-FFF2-40B4-BE49-F238E27FC236}">
-                <a16:creationId xmlns:a16="http://schemas.microsoft.com/office/drawing/2014/main" id="{14CDDCB1-5B75-BFCE-B37B-E4E70E35E5F8}"/>
-              </a:ext>
-            </a:extLst>
-          </p:cNvPr>
-          <p:cNvPicPr>
-            <a:picLocks noChangeAspect="1"/>
-          </p:cNvPicPr>
-          <p:nvPr/>
-        </p:nvPicPr>
-        <p:blipFill>
-          <a:blip r:embed="rId3">
-            <a:extLst>
-              <a:ext uri="{28A0092B-C50C-407E-A947-70E740481C1C}">
-                <a14:useLocalDpi xmlns:a14="http://schemas.microsoft.com/office/drawing/2010/main" val="0"/>
-              </a:ext>
-            </a:extLst>
-          </a:blip>
-          <a:stretch>
-            <a:fillRect/>
-          </a:stretch>
-        </p:blipFill>
-        <p:spPr>
-          <a:xfrm>
-            <a:off x="4989760" y="1719000"/>
-            <a:ext cx="2212479" cy="1866780"/>
-          </a:xfrm>
-          <a:prstGeom prst="rect">
-            <a:avLst/>
-          </a:prstGeom>
-        </p:spPr>
-      </p:pic>
-    </p:spTree>
-    <p:extLst>
-      <p:ext uri="{BB962C8B-B14F-4D97-AF65-F5344CB8AC3E}">
-        <p14:creationId xmlns:p14="http://schemas.microsoft.com/office/powerpoint/2010/main" val="3019120954"/>
-      </p:ext>
-    </p:extLst>
-  </p:cSld>
-  <p:clrMapOvr>
-    <a:masterClrMapping/>
-  </p:clrMapOvr>
-  <mc:AlternateContent xmlns:mc="http://schemas.openxmlformats.org/markup-compatibility/2006" xmlns:p14="http://schemas.microsoft.com/office/powerpoint/2010/main">
-    <mc:Choice Requires="p14">
-      <p:transition spd="slow" p14:dur="2000" advClick="0" advTm="5000"/>
-    </mc:Choice>
-    <mc:Fallback xmlns="">
-      <p:transition spd="slow" advClick="0" advTm="5000"/>
-    </mc:Fallback>
-  </mc:AlternateContent>
-</p:sld>
-</file>
-
-<file path=ppt/slides/slide14.xml><?xml version="1.0" encoding="utf-8"?>
-<p:sld xmlns:a="http://schemas.openxmlformats.org/drawingml/2006/main" xmlns:r="http://schemas.openxmlformats.org/officeDocument/2006/relationships" xmlns:p="http://schemas.openxmlformats.org/presentationml/2006/main">
-  <p:cSld>
-    <p:spTree>
-      <p:nvGrpSpPr>
-        <p:cNvPr id="1" name=""/>
-        <p:cNvGrpSpPr/>
-        <p:nvPr/>
-      </p:nvGrpSpPr>
-      <p:grpSpPr>
-        <a:xfrm>
-          <a:off x="0" y="0"/>
-          <a:ext cx="0" cy="0"/>
-          <a:chOff x="0" y="0"/>
-          <a:chExt cx="0" cy="0"/>
-        </a:xfrm>
-      </p:grpSpPr>
-      <p:sp>
-        <p:nvSpPr>
-          <p:cNvPr id="2" name="Slide Number Placeholder 1">
-            <a:extLst>
-              <a:ext uri="{FF2B5EF4-FFF2-40B4-BE49-F238E27FC236}">
-                <a16:creationId xmlns:a16="http://schemas.microsoft.com/office/drawing/2014/main" id="{826DA4E5-4903-C868-7BE8-4D5D608931BB}"/>
-              </a:ext>
-            </a:extLst>
-          </p:cNvPr>
-          <p:cNvSpPr>
-            <a:spLocks noGrp="1"/>
-          </p:cNvSpPr>
-          <p:nvPr>
-            <p:ph type="sldNum" sz="quarter" idx="5"/>
-          </p:nvPr>
-        </p:nvSpPr>
-        <p:spPr/>
-        <p:txBody>
-          <a:bodyPr/>
-          <a:lstStyle/>
-          <a:p>
-            <a:fld id="{2BF067CD-8E6B-4360-9AA8-C5DF2A48A6D1}" type="slidenum">
-              <a:rPr lang="en-US" noProof="0" smtClean="0"/>
-              <a:pPr/>
-              <a:t>14</a:t>
-            </a:fld>
-            <a:endParaRPr lang="en-US" noProof="0" dirty="0"/>
-          </a:p>
-        </p:txBody>
-      </p:sp>
-      <p:sp>
-        <p:nvSpPr>
-          <p:cNvPr id="3" name="Text Placeholder 2">
-            <a:extLst>
-              <a:ext uri="{FF2B5EF4-FFF2-40B4-BE49-F238E27FC236}">
-                <a16:creationId xmlns:a16="http://schemas.microsoft.com/office/drawing/2014/main" id="{A16E2FEB-0DED-FF7A-6C13-E672C49F8C0B}"/>
-              </a:ext>
-            </a:extLst>
-          </p:cNvPr>
-          <p:cNvSpPr>
-            <a:spLocks noGrp="1"/>
-          </p:cNvSpPr>
-          <p:nvPr>
-            <p:ph type="body" sz="quarter" idx="10"/>
-          </p:nvPr>
-        </p:nvSpPr>
-        <p:spPr/>
-        <p:txBody>
-          <a:bodyPr/>
-          <a:lstStyle/>
-          <a:p>
-            <a:r>
-              <a:rPr lang="bg-BG" dirty="0"/>
-              <a:t>В </a:t>
-            </a:r>
-            <a:r>
-              <a:rPr lang="en-GB" b="1" dirty="0">
-                <a:solidFill>
-                  <a:schemeClr val="bg1"/>
-                </a:solidFill>
-              </a:rPr>
-              <a:t>Entity Framework</a:t>
-            </a:r>
-            <a:r>
-              <a:rPr lang="en-GB" dirty="0"/>
-              <a:t>, </a:t>
-            </a:r>
-            <a:r>
-              <a:rPr lang="bg-BG" b="1" dirty="0"/>
-              <a:t>конфигурацията</a:t>
-            </a:r>
-            <a:r>
-              <a:rPr lang="bg-BG" dirty="0"/>
-              <a:t> на </a:t>
-            </a:r>
-            <a:r>
-              <a:rPr lang="bg-BG" b="1" dirty="0"/>
-              <a:t>връзката</a:t>
-            </a:r>
-            <a:r>
-              <a:rPr lang="bg-BG" dirty="0"/>
-              <a:t> към база данни се извършва чрез </a:t>
-            </a:r>
-            <a:r>
-              <a:rPr lang="bg-BG" b="1" dirty="0">
-                <a:solidFill>
-                  <a:schemeClr val="bg1"/>
-                </a:solidFill>
-              </a:rPr>
-              <a:t>задаване </a:t>
-            </a:r>
-            <a:r>
-              <a:rPr lang="bg-BG" dirty="0"/>
-              <a:t>на </a:t>
-            </a:r>
-            <a:r>
-              <a:rPr lang="en-GB" b="1" dirty="0">
-                <a:solidFill>
-                  <a:schemeClr val="bg1"/>
-                </a:solidFill>
-              </a:rPr>
-              <a:t>connection string</a:t>
-            </a:r>
-            <a:endParaRPr lang="bg-BG" b="1" dirty="0">
-              <a:solidFill>
-                <a:schemeClr val="bg1"/>
-              </a:solidFill>
-            </a:endParaRPr>
-          </a:p>
-          <a:p>
-            <a:pPr lvl="1"/>
-            <a:r>
-              <a:rPr lang="bg-BG" dirty="0"/>
-              <a:t>Той съдържа </a:t>
-            </a:r>
-            <a:r>
-              <a:rPr lang="bg-BG" b="1" dirty="0">
-                <a:solidFill>
-                  <a:schemeClr val="bg1"/>
-                </a:solidFill>
-              </a:rPr>
-              <a:t>информация</a:t>
-            </a:r>
-            <a:r>
-              <a:rPr lang="bg-BG" dirty="0"/>
-              <a:t> за </a:t>
-            </a:r>
-            <a:r>
-              <a:rPr lang="bg-BG" b="1" dirty="0"/>
-              <a:t>сървър</a:t>
-            </a:r>
-            <a:r>
-              <a:rPr lang="bg-BG" dirty="0"/>
-              <a:t>, </a:t>
-            </a:r>
-            <a:r>
-              <a:rPr lang="bg-BG" b="1" dirty="0"/>
-              <a:t>база данни</a:t>
-            </a:r>
-            <a:r>
-              <a:rPr lang="bg-BG" dirty="0"/>
-              <a:t>, </a:t>
-            </a:r>
-            <a:r>
-              <a:rPr lang="bg-BG" b="1" dirty="0"/>
-              <a:t>потребителско име </a:t>
-            </a:r>
-            <a:r>
-              <a:rPr lang="bg-BG" dirty="0"/>
-              <a:t>и </a:t>
-            </a:r>
-            <a:r>
-              <a:rPr lang="bg-BG" b="1" dirty="0"/>
-              <a:t>парола</a:t>
-            </a:r>
-            <a:r>
-              <a:rPr lang="bg-BG" dirty="0"/>
-              <a:t>, и други </a:t>
-            </a:r>
-            <a:r>
-              <a:rPr lang="bg-BG" b="1" dirty="0">
-                <a:solidFill>
-                  <a:schemeClr val="bg1"/>
-                </a:solidFill>
-              </a:rPr>
-              <a:t>параметри</a:t>
-            </a:r>
-            <a:endParaRPr lang="en-US" b="1" dirty="0">
-              <a:solidFill>
-                <a:schemeClr val="bg1"/>
-              </a:solidFill>
-            </a:endParaRPr>
-          </a:p>
-          <a:p>
-            <a:pPr lvl="1"/>
-            <a:r>
-              <a:rPr lang="bg-BG" b="1" dirty="0"/>
-              <a:t>Пример</a:t>
-            </a:r>
-            <a:r>
-              <a:rPr lang="bg-BG" dirty="0"/>
-              <a:t>:</a:t>
-            </a:r>
-            <a:endParaRPr lang="en-BG" dirty="0"/>
-          </a:p>
-          <a:p>
-            <a:endParaRPr lang="en-BG" dirty="0"/>
-          </a:p>
-        </p:txBody>
-      </p:sp>
-      <p:sp>
-        <p:nvSpPr>
-          <p:cNvPr id="4" name="Title 3">
-            <a:extLst>
-              <a:ext uri="{FF2B5EF4-FFF2-40B4-BE49-F238E27FC236}">
-                <a16:creationId xmlns:a16="http://schemas.microsoft.com/office/drawing/2014/main" id="{4F00B37C-338E-4D12-B850-43F40611BE48}"/>
-              </a:ext>
-            </a:extLst>
-          </p:cNvPr>
-          <p:cNvSpPr>
-            <a:spLocks noGrp="1"/>
-          </p:cNvSpPr>
-          <p:nvPr>
-            <p:ph type="title"/>
-          </p:nvPr>
-        </p:nvSpPr>
-        <p:spPr/>
-        <p:txBody>
-          <a:bodyPr/>
-          <a:lstStyle/>
-          <a:p>
-            <a:r>
-              <a:rPr lang="en-GB" dirty="0"/>
-              <a:t>Connection string</a:t>
-            </a:r>
-            <a:endParaRPr lang="en-BG" dirty="0"/>
-          </a:p>
-        </p:txBody>
-      </p:sp>
-      <p:sp>
-        <p:nvSpPr>
-          <p:cNvPr id="7" name="Text Placeholder 4">
-            <a:extLst>
-              <a:ext uri="{FF2B5EF4-FFF2-40B4-BE49-F238E27FC236}">
-                <a16:creationId xmlns:a16="http://schemas.microsoft.com/office/drawing/2014/main" id="{65CCF1E4-B174-1DDF-24C1-0C7400D33C51}"/>
-              </a:ext>
-            </a:extLst>
-          </p:cNvPr>
-          <p:cNvSpPr txBox="1">
-            <a:spLocks/>
-          </p:cNvSpPr>
-          <p:nvPr/>
-        </p:nvSpPr>
-        <p:spPr>
-          <a:xfrm>
-            <a:off x="1101000" y="4369213"/>
-            <a:ext cx="9663466" cy="1292662"/>
-          </a:xfrm>
-          <a:prstGeom prst="rect">
-            <a:avLst/>
-          </a:prstGeom>
-          <a:solidFill>
-            <a:schemeClr val="accent5">
-              <a:lumMod val="40000"/>
-              <a:lumOff val="60000"/>
-              <a:alpha val="15000"/>
-            </a:schemeClr>
-          </a:solidFill>
-          <a:ln w="12700">
-            <a:solidFill>
-              <a:schemeClr val="accent5">
-                <a:lumMod val="60000"/>
-                <a:lumOff val="40000"/>
-              </a:schemeClr>
-            </a:solidFill>
-          </a:ln>
-        </p:spPr>
-        <p:txBody>
-          <a:bodyPr wrap="square">
-            <a:spAutoFit/>
-          </a:bodyPr>
-          <a:lstStyle/>
-          <a:p>
-            <a:pPr>
-              <a:lnSpc>
-                <a:spcPct val="100000"/>
-              </a:lnSpc>
-            </a:pPr>
-            <a:r>
-              <a:rPr lang="en-US" sz="2600" b="1" noProof="1">
-                <a:latin typeface="Consolas" panose="020B0609020204030204" pitchFamily="49" charset="0"/>
-              </a:rPr>
-              <a:t>"Server=&lt;и</a:t>
-            </a:r>
-            <a:r>
-              <a:rPr lang="bg-BG" sz="2600" b="1" noProof="1">
-                <a:latin typeface="Consolas" panose="020B0609020204030204" pitchFamily="49" charset="0"/>
-              </a:rPr>
-              <a:t>ме на сървър</a:t>
-            </a:r>
-            <a:r>
-              <a:rPr lang="en-US" sz="2600" b="1" noProof="1">
-                <a:latin typeface="Consolas" panose="020B0609020204030204" pitchFamily="49" charset="0"/>
-              </a:rPr>
-              <a:t>&gt;;Initial Catalog=&lt;и</a:t>
-            </a:r>
-            <a:r>
-              <a:rPr lang="bg-BG" sz="2600" b="1" noProof="1">
-                <a:latin typeface="Consolas" panose="020B0609020204030204" pitchFamily="49" charset="0"/>
-              </a:rPr>
-              <a:t>ме на баз</a:t>
-            </a:r>
-            <a:r>
-              <a:rPr lang="en-US" sz="2600" b="1" noProof="1">
-                <a:latin typeface="Consolas" panose="020B0609020204030204" pitchFamily="49" charset="0"/>
-              </a:rPr>
-              <a:t>а </a:t>
-            </a:r>
-            <a:r>
-              <a:rPr lang="bg-BG" sz="2600" b="1" noProof="1">
-                <a:latin typeface="Consolas" panose="020B0609020204030204" pitchFamily="49" charset="0"/>
-              </a:rPr>
-              <a:t>данни</a:t>
-            </a:r>
-            <a:r>
-              <a:rPr lang="en-US" sz="2600" b="1" noProof="1">
-                <a:latin typeface="Consolas" panose="020B0609020204030204" pitchFamily="49" charset="0"/>
-              </a:rPr>
-              <a:t>&gt;;User=&lt;</a:t>
-            </a:r>
-            <a:r>
-              <a:rPr lang="bg-BG" sz="2600" b="1" noProof="1">
-                <a:latin typeface="Consolas" panose="020B0609020204030204" pitchFamily="49" charset="0"/>
-              </a:rPr>
-              <a:t>потребителско име</a:t>
-            </a:r>
-            <a:r>
-              <a:rPr lang="en-US" sz="2600" b="1" noProof="1">
-                <a:latin typeface="Consolas" panose="020B0609020204030204" pitchFamily="49" charset="0"/>
-              </a:rPr>
-              <a:t>&gt;</a:t>
-            </a:r>
-            <a:r>
-              <a:rPr lang="bg-BG" sz="2600" b="1" noProof="1">
-                <a:latin typeface="Consolas" panose="020B0609020204030204" pitchFamily="49" charset="0"/>
-              </a:rPr>
-              <a:t>;</a:t>
-            </a:r>
-            <a:r>
-              <a:rPr lang="en-US" sz="2600" b="1" noProof="1">
-                <a:latin typeface="Consolas" panose="020B0609020204030204" pitchFamily="49" charset="0"/>
-              </a:rPr>
-              <a:t>Password=</a:t>
-            </a:r>
-            <a:r>
-              <a:rPr lang="bg-BG" sz="2600" b="1" noProof="1">
-                <a:latin typeface="Consolas" panose="020B0609020204030204" pitchFamily="49" charset="0"/>
-              </a:rPr>
-              <a:t>&lt;парола</a:t>
-            </a:r>
-            <a:r>
-              <a:rPr lang="en-US" sz="2600" b="1" noProof="1">
-                <a:latin typeface="Consolas" panose="020B0609020204030204" pitchFamily="49" charset="0"/>
-              </a:rPr>
-              <a:t>&gt;</a:t>
-            </a:r>
-            <a:r>
-              <a:rPr lang="bg-BG" sz="2600" b="1" noProof="1">
-                <a:latin typeface="Consolas" panose="020B0609020204030204" pitchFamily="49" charset="0"/>
-              </a:rPr>
-              <a:t>;</a:t>
-            </a:r>
-            <a:r>
-              <a:rPr lang="en-US" sz="2600" b="1" noProof="1">
-                <a:latin typeface="Consolas" panose="020B0609020204030204" pitchFamily="49" charset="0"/>
-              </a:rPr>
-              <a:t>Integrated Security=True;"</a:t>
-            </a:r>
-          </a:p>
-        </p:txBody>
-      </p:sp>
-    </p:spTree>
-    <p:extLst>
-      <p:ext uri="{BB962C8B-B14F-4D97-AF65-F5344CB8AC3E}">
-        <p14:creationId xmlns:p14="http://schemas.microsoft.com/office/powerpoint/2010/main" val="2698054715"/>
-      </p:ext>
-    </p:extLst>
-  </p:cSld>
-  <p:clrMapOvr>
-    <a:masterClrMapping/>
-  </p:clrMapOvr>
-  <mc:AlternateContent xmlns:mc="http://schemas.openxmlformats.org/markup-compatibility/2006" xmlns:p14="http://schemas.microsoft.com/office/powerpoint/2010/main">
-    <mc:Choice Requires="p14">
-      <p:transition spd="slow" p14:dur="2000" advClick="0" advTm="5000"/>
-    </mc:Choice>
-    <mc:Fallback xmlns="">
-      <p:transition spd="slow" advClick="0" advTm="5000"/>
-    </mc:Fallback>
-  </mc:AlternateContent>
-  <p:timing>
-    <p:tnLst>
-      <p:par>
-        <p:cTn id="1" dur="indefinite" restart="never" nodeType="tmRoot">
-          <p:childTnLst>
-            <p:seq concurrent="1" nextAc="seek">
-              <p:cTn id="2" dur="indefinite" nodeType="mainSeq">
-                <p:childTnLst>
-                  <p:par>
-                    <p:cTn id="3" fill="hold">
-                      <p:stCondLst>
-                        <p:cond delay="indefinite"/>
-                        <p:cond evt="onBegin" delay="0">
-                          <p:tn val="2"/>
-                        </p:cond>
-                      </p:stCondLst>
-                      <p:childTnLst>
-                        <p:par>
-                          <p:cTn id="4" fill="hold">
-                            <p:stCondLst>
-                              <p:cond delay="0"/>
-                            </p:stCondLst>
-                            <p:childTnLst>
-                              <p:par>
-                                <p:cTn id="5" presetID="1" presetClass="entr" presetSubtype="0" fill="hold" nodeType="withEffect">
-                                  <p:stCondLst>
-                                    <p:cond delay="0"/>
-                                  </p:stCondLst>
-                                  <p:childTnLst>
-                                    <p:set>
-                                      <p:cBhvr>
-                                        <p:cTn id="6" dur="1" fill="hold">
-                                          <p:stCondLst>
-                                            <p:cond delay="0"/>
-                                          </p:stCondLst>
-                                        </p:cTn>
-                                        <p:tgtEl>
-                                          <p:spTgt spid="3">
-                                            <p:txEl>
-                                              <p:pRg st="0" end="0"/>
-                                            </p:txEl>
-                                          </p:spTgt>
-                                        </p:tgtEl>
-                                        <p:attrNameLst>
-                                          <p:attrName>style.visibility</p:attrName>
-                                        </p:attrNameLst>
-                                      </p:cBhvr>
-                                      <p:to>
-                                        <p:strVal val="visible"/>
-                                      </p:to>
-                                    </p:set>
-                                  </p:childTnLst>
-                                </p:cTn>
-                              </p:par>
-                            </p:childTnLst>
-                          </p:cTn>
-                        </p:par>
-                      </p:childTnLst>
-                    </p:cTn>
-                  </p:par>
-                  <p:par>
-                    <p:cTn id="7" fill="hold">
-                      <p:stCondLst>
-                        <p:cond delay="indefinite"/>
-                      </p:stCondLst>
-                      <p:childTnLst>
-                        <p:par>
-                          <p:cTn id="8" fill="hold">
-                            <p:stCondLst>
-                              <p:cond delay="0"/>
-                            </p:stCondLst>
-                            <p:childTnLst>
-                              <p:par>
-                                <p:cTn id="9" presetID="1" presetClass="entr" presetSubtype="0" fill="hold" nodeType="clickEffect">
-                                  <p:stCondLst>
-                                    <p:cond delay="0"/>
-                                  </p:stCondLst>
-                                  <p:childTnLst>
-                                    <p:set>
-                                      <p:cBhvr>
-                                        <p:cTn id="10" dur="1" fill="hold">
-                                          <p:stCondLst>
-                                            <p:cond delay="0"/>
-                                          </p:stCondLst>
-                                        </p:cTn>
-                                        <p:tgtEl>
-                                          <p:spTgt spid="3">
-                                            <p:txEl>
-                                              <p:pRg st="1" end="1"/>
-                                            </p:txEl>
-                                          </p:spTgt>
-                                        </p:tgtEl>
-                                        <p:attrNameLst>
-                                          <p:attrName>style.visibility</p:attrName>
-                                        </p:attrNameLst>
-                                      </p:cBhvr>
-                                      <p:to>
-                                        <p:strVal val="visible"/>
-                                      </p:to>
-                                    </p:set>
-                                  </p:childTnLst>
-                                </p:cTn>
-                              </p:par>
-                            </p:childTnLst>
-                          </p:cTn>
-                        </p:par>
-                      </p:childTnLst>
-                    </p:cTn>
-                  </p:par>
-                  <p:par>
-                    <p:cTn id="11" fill="hold">
-                      <p:stCondLst>
-                        <p:cond delay="indefinite"/>
-                      </p:stCondLst>
-                      <p:childTnLst>
-                        <p:par>
-                          <p:cTn id="12" fill="hold">
-                            <p:stCondLst>
-                              <p:cond delay="0"/>
-                            </p:stCondLst>
-                            <p:childTnLst>
-                              <p:par>
-                                <p:cTn id="13" presetID="1" presetClass="entr" presetSubtype="0" fill="hold" nodeType="clickEffect">
-                                  <p:stCondLst>
-                                    <p:cond delay="0"/>
-                                  </p:stCondLst>
-                                  <p:childTnLst>
-                                    <p:set>
-                                      <p:cBhvr>
-                                        <p:cTn id="14" dur="1" fill="hold">
-                                          <p:stCondLst>
-                                            <p:cond delay="0"/>
-                                          </p:stCondLst>
-                                        </p:cTn>
-                                        <p:tgtEl>
-                                          <p:spTgt spid="3">
-                                            <p:txEl>
-                                              <p:pRg st="2" end="2"/>
-                                            </p:txEl>
-                                          </p:spTgt>
-                                        </p:tgtEl>
-                                        <p:attrNameLst>
-                                          <p:attrName>style.visibility</p:attrName>
-                                        </p:attrNameLst>
-                                      </p:cBhvr>
-                                      <p:to>
-                                        <p:strVal val="visible"/>
-                                      </p:to>
-                                    </p:set>
-                                  </p:childTnLst>
-                                </p:cTn>
-                              </p:par>
-                              <p:par>
-                                <p:cTn id="15" presetID="1" presetClass="entr" presetSubtype="0" fill="hold" grpId="0" nodeType="withEffect">
-                                  <p:stCondLst>
-                                    <p:cond delay="0"/>
-                                  </p:stCondLst>
-                                  <p:childTnLst>
-                                    <p:set>
-                                      <p:cBhvr>
-                                        <p:cTn id="16" dur="1" fill="hold">
-                                          <p:stCondLst>
-                                            <p:cond delay="0"/>
-                                          </p:stCondLst>
-                                        </p:cTn>
-                                        <p:tgtEl>
-                                          <p:spTgt spid="7"/>
-                                        </p:tgtEl>
-                                        <p:attrNameLst>
-                                          <p:attrName>style.visibility</p:attrName>
-                                        </p:attrNameLst>
-                                      </p:cBhvr>
-                                      <p:to>
-                                        <p:strVal val="visible"/>
-                                      </p:to>
-                                    </p:set>
-                                  </p:childTnLst>
-                                </p:cTn>
-                              </p:par>
-                            </p:childTnLst>
-                          </p:cTn>
-                        </p:par>
-                      </p:childTnLst>
-                    </p:cTn>
-                  </p:par>
-                </p:childTnLst>
-              </p:cTn>
-              <p:prevCondLst>
-                <p:cond evt="onPrev" delay="0">
-                  <p:tgtEl>
-                    <p:sldTgt/>
-                  </p:tgtEl>
-                </p:cond>
-              </p:prevCondLst>
-              <p:nextCondLst>
-                <p:cond evt="onNext" delay="0">
-                  <p:tgtEl>
-                    <p:sldTgt/>
-                  </p:tgtEl>
-                </p:cond>
-              </p:nextCondLst>
-            </p:seq>
-          </p:childTnLst>
-        </p:cTn>
-      </p:par>
-    </p:tnLst>
-    <p:bldLst>
-      <p:bldP spid="7" grpId="0" animBg="1"/>
-    </p:bldLst>
-  </p:timing>
-</p:sld>
-</file>
-
-<file path=ppt/slides/slide15.xml><?xml version="1.0" encoding="utf-8"?>
-<p:sld xmlns:a="http://schemas.openxmlformats.org/drawingml/2006/main" xmlns:r="http://schemas.openxmlformats.org/officeDocument/2006/relationships" xmlns:p="http://schemas.openxmlformats.org/presentationml/2006/main">
-  <p:cSld>
-    <p:spTree>
-      <p:nvGrpSpPr>
-        <p:cNvPr id="1" name=""/>
-        <p:cNvGrpSpPr/>
-        <p:nvPr/>
-      </p:nvGrpSpPr>
-      <p:grpSpPr>
-        <a:xfrm>
-          <a:off x="0" y="0"/>
-          <a:ext cx="0" cy="0"/>
-          <a:chOff x="0" y="0"/>
-          <a:chExt cx="0" cy="0"/>
-        </a:xfrm>
-      </p:grpSpPr>
-      <p:sp>
-        <p:nvSpPr>
           <p:cNvPr id="9" name="Slide Number">
             <a:extLst>
               <a:ext uri="{FF2B5EF4-FFF2-40B4-BE49-F238E27FC236}">
@@ -16510,7 +15802,7 @@
             <a:fld id="{2BF067CD-8E6B-4360-9AA8-C5DF2A48A6D1}" type="slidenum">
               <a:rPr lang="en-US" smtClean="0"/>
               <a:pPr/>
-              <a:t>15</a:t>
+              <a:t>13</a:t>
             </a:fld>
             <a:endParaRPr lang="en-US" dirty="0"/>
           </a:p>
@@ -17044,7 +16336,7 @@
 </p:sld>
 </file>
 
-<file path=ppt/slides/slide16.xml><?xml version="1.0" encoding="utf-8"?>
+<file path=ppt/slides/slide14.xml><?xml version="1.0" encoding="utf-8"?>
 <p:sld xmlns:a="http://schemas.openxmlformats.org/drawingml/2006/main" xmlns:r="http://schemas.openxmlformats.org/officeDocument/2006/relationships" xmlns:p="http://schemas.openxmlformats.org/presentationml/2006/main">
   <p:cSld>
     <p:spTree>
@@ -17094,7 +16386,7 @@
             <a:fld id="{2BF067CD-8E6B-4360-9AA8-C5DF2A48A6D1}" type="slidenum">
               <a:rPr lang="en-US" smtClean="0"/>
               <a:pPr/>
-              <a:t>16</a:t>
+              <a:t>14</a:t>
             </a:fld>
             <a:endParaRPr lang="en-US" dirty="0"/>
           </a:p>
@@ -17572,7 +16864,7 @@
 </p:sld>
 </file>
 
-<file path=ppt/slides/slide17.xml><?xml version="1.0" encoding="utf-8"?>
+<file path=ppt/slides/slide15.xml><?xml version="1.0" encoding="utf-8"?>
 <p:sld xmlns:a="http://schemas.openxmlformats.org/drawingml/2006/main" xmlns:r="http://schemas.openxmlformats.org/officeDocument/2006/relationships" xmlns:p="http://schemas.openxmlformats.org/presentationml/2006/main">
   <p:cSld>
     <p:spTree>
@@ -17622,7 +16914,7 @@
             <a:fld id="{2BF067CD-8E6B-4360-9AA8-C5DF2A48A6D1}" type="slidenum">
               <a:rPr lang="en-US" smtClean="0"/>
               <a:pPr/>
-              <a:t>17</a:t>
+              <a:t>15</a:t>
             </a:fld>
             <a:endParaRPr lang="en-US" dirty="0"/>
           </a:p>
@@ -17706,7 +16998,7 @@
               <a:t> </a:t>
             </a:r>
             <a:r>
-              <a:rPr lang="en-US" sz="3200" dirty="0">
+              <a:rPr lang="en-US" sz="3000" dirty="0">
                 <a:sym typeface="Wingdings" panose="05000000000000000000" pitchFamily="2" charset="2"/>
               </a:rPr>
               <a:t></a:t>
@@ -17721,7 +17013,7 @@
                   <a:schemeClr val="bg1"/>
                 </a:solidFill>
               </a:rPr>
-              <a:t>Connect to Database</a:t>
+              <a:t>[Connect to Database]</a:t>
             </a:r>
             <a:endParaRPr lang="bg-BG" sz="3200" b="1" dirty="0">
               <a:solidFill>
@@ -17751,20 +17043,12 @@
               <a:t>и натискаме </a:t>
             </a:r>
             <a:r>
-              <a:rPr lang="en-US" sz="3200" dirty="0"/>
-              <a:t>[</a:t>
-            </a:r>
-            <a:r>
               <a:rPr lang="en-US" sz="3200" b="1" dirty="0">
                 <a:solidFill>
                   <a:schemeClr val="bg1"/>
                 </a:solidFill>
               </a:rPr>
-              <a:t>Continue</a:t>
-            </a:r>
-            <a:r>
-              <a:rPr lang="en-US" sz="3200" dirty="0"/>
-              <a:t>]</a:t>
+              <a:t>[Continue]</a:t>
             </a:r>
             <a:endParaRPr lang="en-BG" sz="3200" b="1" dirty="0">
               <a:solidFill>
@@ -18366,7 +17650,7 @@
 </p:sld>
 </file>
 
-<file path=ppt/slides/slide18.xml><?xml version="1.0" encoding="utf-8"?>
+<file path=ppt/slides/slide16.xml><?xml version="1.0" encoding="utf-8"?>
 <p:sld xmlns:a="http://schemas.openxmlformats.org/drawingml/2006/main" xmlns:r="http://schemas.openxmlformats.org/officeDocument/2006/relationships" xmlns:p="http://schemas.openxmlformats.org/presentationml/2006/main">
   <p:cSld>
     <p:spTree>
@@ -18416,7 +17700,7 @@
             <a:fld id="{2BF067CD-8E6B-4360-9AA8-C5DF2A48A6D1}" type="slidenum">
               <a:rPr lang="en-US" smtClean="0"/>
               <a:pPr/>
-              <a:t>18</a:t>
+              <a:t>16</a:t>
             </a:fld>
             <a:endParaRPr lang="en-US" dirty="0"/>
           </a:p>
@@ -19248,7 +18532,7 @@
 </p:sld>
 </file>
 
-<file path=ppt/slides/slide19.xml><?xml version="1.0" encoding="utf-8"?>
+<file path=ppt/slides/slide17.xml><?xml version="1.0" encoding="utf-8"?>
 <p:sld xmlns:a="http://schemas.openxmlformats.org/drawingml/2006/main" xmlns:r="http://schemas.openxmlformats.org/officeDocument/2006/relationships" xmlns:p="http://schemas.openxmlformats.org/presentationml/2006/main">
   <p:cSld>
     <p:spTree>
@@ -19298,7 +18582,7 @@
             <a:fld id="{2BF067CD-8E6B-4360-9AA8-C5DF2A48A6D1}" type="slidenum">
               <a:rPr lang="en-US" smtClean="0"/>
               <a:pPr/>
-              <a:t>19</a:t>
+              <a:t>17</a:t>
             </a:fld>
             <a:endParaRPr lang="en-US" dirty="0"/>
           </a:p>
@@ -19396,7 +18680,7 @@
             </a:r>
             <a:r>
               <a:rPr lang="en-US" sz="2800" dirty="0"/>
-              <a:t> [</a:t>
+              <a:t> </a:t>
             </a:r>
             <a:r>
               <a:rPr lang="en-US" sz="2800" b="1" dirty="0">
@@ -19404,11 +18688,7 @@
                   <a:schemeClr val="bg1"/>
                 </a:solidFill>
               </a:rPr>
-              <a:t>Add New Item</a:t>
-            </a:r>
-            <a:r>
-              <a:rPr lang="en-US" sz="2800" dirty="0"/>
-              <a:t>]</a:t>
+              <a:t>[Add New Item]</a:t>
             </a:r>
             <a:endParaRPr lang="bg-BG" sz="2800" b="1" dirty="0">
               <a:solidFill>
@@ -19452,26 +18732,13 @@
               <a:t> </a:t>
             </a:r>
             <a:r>
-              <a:rPr lang="en-US" sz="2800" dirty="0"/>
-              <a:t>[</a:t>
-            </a:r>
-            <a:r>
               <a:rPr lang="en-US" sz="2800" b="1" dirty="0">
                 <a:solidFill>
                   <a:schemeClr val="bg1"/>
                 </a:solidFill>
               </a:rPr>
-              <a:t>ADO.NET Entity Data Model</a:t>
-            </a:r>
-            <a:r>
-              <a:rPr lang="en-US" sz="2800" dirty="0"/>
-              <a:t>]</a:t>
-            </a:r>
-            <a:endParaRPr lang="en-US" sz="2800" b="1" dirty="0">
-              <a:solidFill>
-                <a:schemeClr val="bg1"/>
-              </a:solidFill>
-            </a:endParaRPr>
+              <a:t>[ADO.NET Entity Data Model]</a:t>
+            </a:r>
           </a:p>
           <a:p>
             <a:pPr>
@@ -19492,20 +18759,12 @@
               <a:t>и натискаме </a:t>
             </a:r>
             <a:r>
-              <a:rPr lang="en-US" sz="2800" dirty="0"/>
-              <a:t>[</a:t>
-            </a:r>
-            <a:r>
               <a:rPr lang="en-US" sz="2800" b="1" dirty="0">
                 <a:solidFill>
                   <a:schemeClr val="bg1"/>
                 </a:solidFill>
               </a:rPr>
-              <a:t>Add</a:t>
-            </a:r>
-            <a:r>
-              <a:rPr lang="en-US" sz="2800" dirty="0"/>
-              <a:t>]</a:t>
+              <a:t>[Add]</a:t>
             </a:r>
             <a:endParaRPr lang="bg-BG" sz="2800" b="1" dirty="0">
               <a:solidFill>
@@ -19949,6 +19208,1245 @@
 </p:sld>
 </file>
 
+<file path=ppt/slides/slide18.xml><?xml version="1.0" encoding="utf-8"?>
+<p:sld xmlns:a="http://schemas.openxmlformats.org/drawingml/2006/main" xmlns:r="http://schemas.openxmlformats.org/officeDocument/2006/relationships" xmlns:p="http://schemas.openxmlformats.org/presentationml/2006/main">
+  <p:cSld>
+    <p:spTree>
+      <p:nvGrpSpPr>
+        <p:cNvPr id="1" name=""/>
+        <p:cNvGrpSpPr/>
+        <p:nvPr/>
+      </p:nvGrpSpPr>
+      <p:grpSpPr>
+        <a:xfrm>
+          <a:off x="0" y="0"/>
+          <a:ext cx="0" cy="0"/>
+          <a:chOff x="0" y="0"/>
+          <a:chExt cx="0" cy="0"/>
+        </a:xfrm>
+      </p:grpSpPr>
+      <p:sp>
+        <p:nvSpPr>
+          <p:cNvPr id="9" name="Slide Number">
+            <a:extLst>
+              <a:ext uri="{FF2B5EF4-FFF2-40B4-BE49-F238E27FC236}">
+                <a16:creationId xmlns:a16="http://schemas.microsoft.com/office/drawing/2014/main" id="{8891F045-A272-4231-985A-53063F832AC8}"/>
+              </a:ext>
+            </a:extLst>
+          </p:cNvPr>
+          <p:cNvSpPr>
+            <a:spLocks noGrp="1"/>
+          </p:cNvSpPr>
+          <p:nvPr>
+            <p:ph type="sldNum" sz="quarter" idx="5"/>
+          </p:nvPr>
+        </p:nvSpPr>
+        <p:spPr>
+          <a:xfrm>
+            <a:off x="11753030" y="6507000"/>
+            <a:ext cx="367414" cy="297000"/>
+          </a:xfrm>
+        </p:spPr>
+        <p:txBody>
+          <a:bodyPr vert="horz" lIns="91440" tIns="45720" rIns="91440" bIns="45720" rtlCol="0" anchor="b"/>
+          <a:lstStyle>
+            <a:lvl1pPr algn="r">
+              <a:defRPr sz="1000"/>
+            </a:lvl1pPr>
+          </a:lstStyle>
+          <a:p>
+            <a:fld id="{2BF067CD-8E6B-4360-9AA8-C5DF2A48A6D1}" type="slidenum">
+              <a:rPr lang="en-US" smtClean="0"/>
+              <a:pPr/>
+              <a:t>18</a:t>
+            </a:fld>
+            <a:endParaRPr lang="en-US" dirty="0"/>
+          </a:p>
+        </p:txBody>
+      </p:sp>
+      <p:sp>
+        <p:nvSpPr>
+          <p:cNvPr id="4" name="Slide Title"/>
+          <p:cNvSpPr>
+            <a:spLocks noGrp="1"/>
+          </p:cNvSpPr>
+          <p:nvPr>
+            <p:ph type="title"/>
+          </p:nvPr>
+        </p:nvSpPr>
+        <p:spPr>
+          <a:xfrm>
+            <a:off x="190406" y="100750"/>
+            <a:ext cx="10270594" cy="882654"/>
+          </a:xfrm>
+        </p:spPr>
+        <p:txBody>
+          <a:bodyPr>
+            <a:normAutofit/>
+          </a:bodyPr>
+          <a:lstStyle/>
+          <a:p>
+            <a:r>
+              <a:rPr lang="bg-BG" i="0" dirty="0">
+                <a:effectLst/>
+              </a:rPr>
+              <a:t>Избиране на </a:t>
+            </a:r>
+            <a:r>
+              <a:rPr lang="en-US" dirty="0"/>
+              <a:t>Database First </a:t>
+            </a:r>
+            <a:r>
+              <a:rPr lang="bg-BG" dirty="0"/>
+              <a:t>метода</a:t>
+            </a:r>
+            <a:endParaRPr lang="en-US" dirty="0"/>
+          </a:p>
+        </p:txBody>
+      </p:sp>
+      <p:sp>
+        <p:nvSpPr>
+          <p:cNvPr id="8" name="Текстов контейнер 2">
+            <a:extLst>
+              <a:ext uri="{FF2B5EF4-FFF2-40B4-BE49-F238E27FC236}">
+                <a16:creationId xmlns:a16="http://schemas.microsoft.com/office/drawing/2014/main" id="{F7B45ECA-AA11-6CF2-710B-54503827A4A1}"/>
+              </a:ext>
+            </a:extLst>
+          </p:cNvPr>
+          <p:cNvSpPr>
+            <a:spLocks noGrp="1"/>
+          </p:cNvSpPr>
+          <p:nvPr>
+            <p:ph type="body" sz="quarter" idx="10"/>
+          </p:nvPr>
+        </p:nvSpPr>
+        <p:spPr>
+          <a:xfrm>
+            <a:off x="191941" y="1196707"/>
+            <a:ext cx="11561089" cy="5527326"/>
+          </a:xfrm>
+        </p:spPr>
+        <p:txBody>
+          <a:bodyPr>
+            <a:normAutofit/>
+          </a:bodyPr>
+          <a:lstStyle/>
+          <a:p>
+            <a:r>
+              <a:rPr lang="bg-BG" sz="2400" dirty="0"/>
+              <a:t>Избираме </a:t>
+            </a:r>
+            <a:r>
+              <a:rPr lang="bg-BG" sz="2400" b="1" dirty="0">
+                <a:solidFill>
+                  <a:schemeClr val="bg1"/>
+                </a:solidFill>
+              </a:rPr>
+              <a:t>метода</a:t>
+            </a:r>
+            <a:r>
+              <a:rPr lang="bg-BG" sz="2400" dirty="0"/>
+              <a:t> за създаване на </a:t>
+            </a:r>
+            <a:r>
+              <a:rPr lang="bg-BG" sz="2400" b="1" dirty="0"/>
+              <a:t>модела</a:t>
+            </a:r>
+            <a:r>
+              <a:rPr lang="bg-BG" sz="2400" dirty="0"/>
+              <a:t> - </a:t>
+            </a:r>
+            <a:r>
+              <a:rPr lang="en-US" sz="2400" b="1" dirty="0">
+                <a:solidFill>
+                  <a:schemeClr val="bg1"/>
+                </a:solidFill>
+              </a:rPr>
+              <a:t>EF Designer from database</a:t>
+            </a:r>
+            <a:r>
+              <a:rPr lang="bg-BG" sz="2400" b="1" dirty="0">
+                <a:solidFill>
+                  <a:schemeClr val="bg1"/>
+                </a:solidFill>
+              </a:rPr>
+              <a:t> </a:t>
+            </a:r>
+            <a:r>
+              <a:rPr lang="bg-BG" sz="2400" dirty="0"/>
+              <a:t>(</a:t>
+            </a:r>
+            <a:r>
+              <a:rPr lang="en-US" sz="2400" dirty="0"/>
+              <a:t>Database First) </a:t>
+            </a:r>
+            <a:r>
+              <a:rPr lang="bg-BG" sz="2400" dirty="0"/>
+              <a:t>и натискаме </a:t>
+            </a:r>
+            <a:r>
+              <a:rPr lang="en-US" sz="2400" b="1" dirty="0">
+                <a:solidFill>
+                  <a:schemeClr val="bg1"/>
+                </a:solidFill>
+              </a:rPr>
+              <a:t>[Next]</a:t>
+            </a:r>
+          </a:p>
+          <a:p>
+            <a:r>
+              <a:rPr lang="bg-BG" sz="2400" dirty="0"/>
+              <a:t>Избираме коя </a:t>
+            </a:r>
+            <a:r>
+              <a:rPr lang="bg-BG" sz="2400" b="1" dirty="0">
+                <a:solidFill>
+                  <a:schemeClr val="bg1"/>
+                </a:solidFill>
+              </a:rPr>
+              <a:t>съществуваща база данни </a:t>
+            </a:r>
+            <a:r>
+              <a:rPr lang="bg-BG" sz="2400" dirty="0"/>
+              <a:t>да се използва, задаваме </a:t>
+            </a:r>
+            <a:r>
+              <a:rPr lang="bg-BG" sz="2400" b="1" dirty="0"/>
+              <a:t>име</a:t>
+            </a:r>
+            <a:r>
+              <a:rPr lang="bg-BG" sz="2400" dirty="0"/>
+              <a:t> на </a:t>
+            </a:r>
+            <a:r>
+              <a:rPr lang="en-US" sz="2400" b="1" dirty="0">
+                <a:solidFill>
+                  <a:schemeClr val="bg1"/>
+                </a:solidFill>
+              </a:rPr>
+              <a:t>connection string</a:t>
+            </a:r>
+            <a:r>
+              <a:rPr lang="en-US" sz="2400" dirty="0"/>
+              <a:t>,</a:t>
+            </a:r>
+            <a:r>
+              <a:rPr lang="bg-BG" sz="2400" dirty="0"/>
+              <a:t> избираме дали да пази </a:t>
+            </a:r>
+            <a:r>
+              <a:rPr lang="bg-BG" sz="2400" b="1" dirty="0"/>
+              <a:t>сензитивна информация </a:t>
+            </a:r>
+            <a:r>
+              <a:rPr lang="bg-BG" sz="2400" dirty="0"/>
+              <a:t>и натискаме</a:t>
+            </a:r>
+            <a:r>
+              <a:rPr lang="en-US" sz="2400" dirty="0"/>
+              <a:t> </a:t>
+            </a:r>
+            <a:r>
+              <a:rPr lang="en-US" sz="2400" b="1" dirty="0">
+                <a:solidFill>
+                  <a:schemeClr val="bg1"/>
+                </a:solidFill>
+              </a:rPr>
+              <a:t>[Next]</a:t>
+            </a:r>
+            <a:endParaRPr lang="bg-BG" sz="2400" b="1" dirty="0">
+              <a:solidFill>
+                <a:schemeClr val="bg1"/>
+              </a:solidFill>
+            </a:endParaRPr>
+          </a:p>
+          <a:p>
+            <a:pPr marL="0" indent="0">
+              <a:buNone/>
+            </a:pPr>
+            <a:endParaRPr lang="en-US" sz="3200" dirty="0"/>
+          </a:p>
+          <a:p>
+            <a:endParaRPr lang="en-US" sz="3200" dirty="0"/>
+          </a:p>
+        </p:txBody>
+      </p:sp>
+      <p:pic>
+        <p:nvPicPr>
+          <p:cNvPr id="3" name="Picture 2">
+            <a:extLst>
+              <a:ext uri="{FF2B5EF4-FFF2-40B4-BE49-F238E27FC236}">
+                <a16:creationId xmlns:a16="http://schemas.microsoft.com/office/drawing/2014/main" id="{169BA581-3814-D519-D608-98AB374D9E7A}"/>
+              </a:ext>
+            </a:extLst>
+          </p:cNvPr>
+          <p:cNvPicPr>
+            <a:picLocks noChangeAspect="1"/>
+          </p:cNvPicPr>
+          <p:nvPr/>
+        </p:nvPicPr>
+        <p:blipFill>
+          <a:blip r:embed="rId3">
+            <a:extLst>
+              <a:ext uri="{28A0092B-C50C-407E-A947-70E740481C1C}">
+                <a14:useLocalDpi xmlns:a14="http://schemas.microsoft.com/office/drawing/2010/main" val="0"/>
+              </a:ext>
+            </a:extLst>
+          </a:blip>
+          <a:stretch>
+            <a:fillRect/>
+          </a:stretch>
+        </p:blipFill>
+        <p:spPr>
+          <a:xfrm>
+            <a:off x="1461000" y="3094154"/>
+            <a:ext cx="3804116" cy="3641082"/>
+          </a:xfrm>
+          <a:prstGeom prst="rect">
+            <a:avLst/>
+          </a:prstGeom>
+          <a:ln>
+            <a:solidFill>
+              <a:schemeClr val="bg2">
+                <a:lumMod val="75000"/>
+              </a:schemeClr>
+            </a:solidFill>
+          </a:ln>
+        </p:spPr>
+      </p:pic>
+      <p:pic>
+        <p:nvPicPr>
+          <p:cNvPr id="6" name="Picture 5">
+            <a:extLst>
+              <a:ext uri="{FF2B5EF4-FFF2-40B4-BE49-F238E27FC236}">
+                <a16:creationId xmlns:a16="http://schemas.microsoft.com/office/drawing/2014/main" id="{1370FFFD-8552-5ADC-7B2B-89B389C659FC}"/>
+              </a:ext>
+            </a:extLst>
+          </p:cNvPr>
+          <p:cNvPicPr>
+            <a:picLocks noChangeAspect="1"/>
+          </p:cNvPicPr>
+          <p:nvPr/>
+        </p:nvPicPr>
+        <p:blipFill>
+          <a:blip r:embed="rId4">
+            <a:extLst>
+              <a:ext uri="{28A0092B-C50C-407E-A947-70E740481C1C}">
+                <a14:useLocalDpi xmlns:a14="http://schemas.microsoft.com/office/drawing/2010/main" val="0"/>
+              </a:ext>
+            </a:extLst>
+          </a:blip>
+          <a:stretch>
+            <a:fillRect/>
+          </a:stretch>
+        </p:blipFill>
+        <p:spPr>
+          <a:xfrm>
+            <a:off x="6521884" y="3094154"/>
+            <a:ext cx="3804116" cy="3641082"/>
+          </a:xfrm>
+          <a:prstGeom prst="rect">
+            <a:avLst/>
+          </a:prstGeom>
+          <a:ln>
+            <a:solidFill>
+              <a:schemeClr val="bg2">
+                <a:lumMod val="75000"/>
+              </a:schemeClr>
+            </a:solidFill>
+          </a:ln>
+        </p:spPr>
+      </p:pic>
+      <p:sp>
+        <p:nvSpPr>
+          <p:cNvPr id="7" name="Arrow: Right 10">
+            <a:extLst>
+              <a:ext uri="{FF2B5EF4-FFF2-40B4-BE49-F238E27FC236}">
+                <a16:creationId xmlns:a16="http://schemas.microsoft.com/office/drawing/2014/main" id="{3EE4EEDE-883D-3A80-AAA0-7E042EFB4275}"/>
+              </a:ext>
+            </a:extLst>
+          </p:cNvPr>
+          <p:cNvSpPr/>
+          <p:nvPr/>
+        </p:nvSpPr>
+        <p:spPr>
+          <a:xfrm>
+            <a:off x="5548705" y="4697595"/>
+            <a:ext cx="689589" cy="434199"/>
+          </a:xfrm>
+          <a:prstGeom prst="rightArrow">
+            <a:avLst/>
+          </a:prstGeom>
+          <a:solidFill>
+            <a:schemeClr val="tx1"/>
+          </a:solidFill>
+          <a:ln>
+            <a:solidFill>
+              <a:schemeClr val="tx1"/>
+            </a:solidFill>
+          </a:ln>
+        </p:spPr>
+        <p:style>
+          <a:lnRef idx="2">
+            <a:schemeClr val="accent1">
+              <a:shade val="50000"/>
+            </a:schemeClr>
+          </a:lnRef>
+          <a:fillRef idx="1">
+            <a:schemeClr val="accent1"/>
+          </a:fillRef>
+          <a:effectRef idx="0">
+            <a:schemeClr val="accent1"/>
+          </a:effectRef>
+          <a:fontRef idx="minor">
+            <a:schemeClr val="lt1"/>
+          </a:fontRef>
+        </p:style>
+        <p:txBody>
+          <a:bodyPr rtlCol="0" anchor="ctr"/>
+          <a:lstStyle/>
+          <a:p>
+            <a:pPr algn="ctr"/>
+            <a:endParaRPr lang="en-US" sz="2799"/>
+          </a:p>
+        </p:txBody>
+      </p:sp>
+    </p:spTree>
+    <p:extLst>
+      <p:ext uri="{BB962C8B-B14F-4D97-AF65-F5344CB8AC3E}">
+        <p14:creationId xmlns:p14="http://schemas.microsoft.com/office/powerpoint/2010/main" val="1622036048"/>
+      </p:ext>
+    </p:extLst>
+  </p:cSld>
+  <p:clrMapOvr>
+    <a:masterClrMapping/>
+  </p:clrMapOvr>
+  <mc:AlternateContent xmlns:mc="http://schemas.openxmlformats.org/markup-compatibility/2006" xmlns:p14="http://schemas.microsoft.com/office/powerpoint/2010/main">
+    <mc:Choice Requires="p14">
+      <p:transition spd="slow" p14:dur="2000" advClick="0" advTm="5000"/>
+    </mc:Choice>
+    <mc:Fallback xmlns="">
+      <p:transition spd="slow" advClick="0" advTm="5000"/>
+    </mc:Fallback>
+  </mc:AlternateContent>
+  <p:timing>
+    <p:tnLst>
+      <p:par>
+        <p:cTn id="1" dur="indefinite" restart="never" nodeType="tmRoot">
+          <p:childTnLst>
+            <p:seq concurrent="1" nextAc="seek">
+              <p:cTn id="2" dur="indefinite" nodeType="mainSeq">
+                <p:childTnLst>
+                  <p:par>
+                    <p:cTn id="3" fill="hold">
+                      <p:stCondLst>
+                        <p:cond delay="indefinite"/>
+                        <p:cond evt="onBegin" delay="0">
+                          <p:tn val="2"/>
+                        </p:cond>
+                      </p:stCondLst>
+                      <p:childTnLst>
+                        <p:par>
+                          <p:cTn id="4" fill="hold">
+                            <p:stCondLst>
+                              <p:cond delay="0"/>
+                            </p:stCondLst>
+                            <p:childTnLst>
+                              <p:par>
+                                <p:cTn id="5" presetID="1" presetClass="entr" presetSubtype="0" fill="hold" nodeType="withEffect">
+                                  <p:stCondLst>
+                                    <p:cond delay="0"/>
+                                  </p:stCondLst>
+                                  <p:childTnLst>
+                                    <p:set>
+                                      <p:cBhvr>
+                                        <p:cTn id="6" dur="1" fill="hold">
+                                          <p:stCondLst>
+                                            <p:cond delay="0"/>
+                                          </p:stCondLst>
+                                        </p:cTn>
+                                        <p:tgtEl>
+                                          <p:spTgt spid="3"/>
+                                        </p:tgtEl>
+                                        <p:attrNameLst>
+                                          <p:attrName>style.visibility</p:attrName>
+                                        </p:attrNameLst>
+                                      </p:cBhvr>
+                                      <p:to>
+                                        <p:strVal val="visible"/>
+                                      </p:to>
+                                    </p:set>
+                                  </p:childTnLst>
+                                </p:cTn>
+                              </p:par>
+                              <p:par>
+                                <p:cTn id="7" presetID="1" presetClass="entr" presetSubtype="0" fill="hold" nodeType="withEffect">
+                                  <p:stCondLst>
+                                    <p:cond delay="0"/>
+                                  </p:stCondLst>
+                                  <p:childTnLst>
+                                    <p:set>
+                                      <p:cBhvr>
+                                        <p:cTn id="8" dur="1" fill="hold">
+                                          <p:stCondLst>
+                                            <p:cond delay="0"/>
+                                          </p:stCondLst>
+                                        </p:cTn>
+                                        <p:tgtEl>
+                                          <p:spTgt spid="8">
+                                            <p:txEl>
+                                              <p:pRg st="0" end="0"/>
+                                            </p:txEl>
+                                          </p:spTgt>
+                                        </p:tgtEl>
+                                        <p:attrNameLst>
+                                          <p:attrName>style.visibility</p:attrName>
+                                        </p:attrNameLst>
+                                      </p:cBhvr>
+                                      <p:to>
+                                        <p:strVal val="visible"/>
+                                      </p:to>
+                                    </p:set>
+                                  </p:childTnLst>
+                                </p:cTn>
+                              </p:par>
+                            </p:childTnLst>
+                          </p:cTn>
+                        </p:par>
+                      </p:childTnLst>
+                    </p:cTn>
+                  </p:par>
+                  <p:par>
+                    <p:cTn id="9" fill="hold">
+                      <p:stCondLst>
+                        <p:cond delay="indefinite"/>
+                      </p:stCondLst>
+                      <p:childTnLst>
+                        <p:par>
+                          <p:cTn id="10" fill="hold">
+                            <p:stCondLst>
+                              <p:cond delay="0"/>
+                            </p:stCondLst>
+                            <p:childTnLst>
+                              <p:par>
+                                <p:cTn id="11" presetID="1" presetClass="entr" presetSubtype="0" fill="hold" nodeType="clickEffect">
+                                  <p:stCondLst>
+                                    <p:cond delay="0"/>
+                                  </p:stCondLst>
+                                  <p:childTnLst>
+                                    <p:set>
+                                      <p:cBhvr>
+                                        <p:cTn id="12" dur="1" fill="hold">
+                                          <p:stCondLst>
+                                            <p:cond delay="0"/>
+                                          </p:stCondLst>
+                                        </p:cTn>
+                                        <p:tgtEl>
+                                          <p:spTgt spid="8">
+                                            <p:txEl>
+                                              <p:pRg st="1" end="1"/>
+                                            </p:txEl>
+                                          </p:spTgt>
+                                        </p:tgtEl>
+                                        <p:attrNameLst>
+                                          <p:attrName>style.visibility</p:attrName>
+                                        </p:attrNameLst>
+                                      </p:cBhvr>
+                                      <p:to>
+                                        <p:strVal val="visible"/>
+                                      </p:to>
+                                    </p:set>
+                                  </p:childTnLst>
+                                </p:cTn>
+                              </p:par>
+                              <p:par>
+                                <p:cTn id="13" presetID="1" presetClass="entr" presetSubtype="0" fill="hold" grpId="0" nodeType="withEffect">
+                                  <p:stCondLst>
+                                    <p:cond delay="0"/>
+                                  </p:stCondLst>
+                                  <p:childTnLst>
+                                    <p:set>
+                                      <p:cBhvr>
+                                        <p:cTn id="14" dur="1" fill="hold">
+                                          <p:stCondLst>
+                                            <p:cond delay="0"/>
+                                          </p:stCondLst>
+                                        </p:cTn>
+                                        <p:tgtEl>
+                                          <p:spTgt spid="7"/>
+                                        </p:tgtEl>
+                                        <p:attrNameLst>
+                                          <p:attrName>style.visibility</p:attrName>
+                                        </p:attrNameLst>
+                                      </p:cBhvr>
+                                      <p:to>
+                                        <p:strVal val="visible"/>
+                                      </p:to>
+                                    </p:set>
+                                  </p:childTnLst>
+                                </p:cTn>
+                              </p:par>
+                              <p:par>
+                                <p:cTn id="15" presetID="1" presetClass="entr" presetSubtype="0" fill="hold" nodeType="withEffect">
+                                  <p:stCondLst>
+                                    <p:cond delay="0"/>
+                                  </p:stCondLst>
+                                  <p:childTnLst>
+                                    <p:set>
+                                      <p:cBhvr>
+                                        <p:cTn id="16" dur="1" fill="hold">
+                                          <p:stCondLst>
+                                            <p:cond delay="0"/>
+                                          </p:stCondLst>
+                                        </p:cTn>
+                                        <p:tgtEl>
+                                          <p:spTgt spid="6"/>
+                                        </p:tgtEl>
+                                        <p:attrNameLst>
+                                          <p:attrName>style.visibility</p:attrName>
+                                        </p:attrNameLst>
+                                      </p:cBhvr>
+                                      <p:to>
+                                        <p:strVal val="visible"/>
+                                      </p:to>
+                                    </p:set>
+                                  </p:childTnLst>
+                                </p:cTn>
+                              </p:par>
+                            </p:childTnLst>
+                          </p:cTn>
+                        </p:par>
+                      </p:childTnLst>
+                    </p:cTn>
+                  </p:par>
+                </p:childTnLst>
+              </p:cTn>
+              <p:prevCondLst>
+                <p:cond evt="onPrev" delay="0">
+                  <p:tgtEl>
+                    <p:sldTgt/>
+                  </p:tgtEl>
+                </p:cond>
+              </p:prevCondLst>
+              <p:nextCondLst>
+                <p:cond evt="onNext" delay="0">
+                  <p:tgtEl>
+                    <p:sldTgt/>
+                  </p:tgtEl>
+                </p:cond>
+              </p:nextCondLst>
+            </p:seq>
+          </p:childTnLst>
+        </p:cTn>
+      </p:par>
+    </p:tnLst>
+    <p:bldLst>
+      <p:bldP spid="7" grpId="0" animBg="1"/>
+    </p:bldLst>
+  </p:timing>
+</p:sld>
+</file>
+
+<file path=ppt/slides/slide19.xml><?xml version="1.0" encoding="utf-8"?>
+<p:sld xmlns:a="http://schemas.openxmlformats.org/drawingml/2006/main" xmlns:r="http://schemas.openxmlformats.org/officeDocument/2006/relationships" xmlns:p="http://schemas.openxmlformats.org/presentationml/2006/main">
+  <p:cSld>
+    <p:spTree>
+      <p:nvGrpSpPr>
+        <p:cNvPr id="1" name=""/>
+        <p:cNvGrpSpPr/>
+        <p:nvPr/>
+      </p:nvGrpSpPr>
+      <p:grpSpPr>
+        <a:xfrm>
+          <a:off x="0" y="0"/>
+          <a:ext cx="0" cy="0"/>
+          <a:chOff x="0" y="0"/>
+          <a:chExt cx="0" cy="0"/>
+        </a:xfrm>
+      </p:grpSpPr>
+      <p:sp>
+        <p:nvSpPr>
+          <p:cNvPr id="9" name="Slide Number">
+            <a:extLst>
+              <a:ext uri="{FF2B5EF4-FFF2-40B4-BE49-F238E27FC236}">
+                <a16:creationId xmlns:a16="http://schemas.microsoft.com/office/drawing/2014/main" id="{8891F045-A272-4231-985A-53063F832AC8}"/>
+              </a:ext>
+            </a:extLst>
+          </p:cNvPr>
+          <p:cNvSpPr>
+            <a:spLocks noGrp="1"/>
+          </p:cNvSpPr>
+          <p:nvPr>
+            <p:ph type="sldNum" sz="quarter" idx="5"/>
+          </p:nvPr>
+        </p:nvSpPr>
+        <p:spPr>
+          <a:xfrm>
+            <a:off x="11753030" y="6507000"/>
+            <a:ext cx="367414" cy="297000"/>
+          </a:xfrm>
+        </p:spPr>
+        <p:txBody>
+          <a:bodyPr vert="horz" lIns="91440" tIns="45720" rIns="91440" bIns="45720" rtlCol="0" anchor="b"/>
+          <a:lstStyle>
+            <a:lvl1pPr algn="r">
+              <a:defRPr sz="1000"/>
+            </a:lvl1pPr>
+          </a:lstStyle>
+          <a:p>
+            <a:fld id="{2BF067CD-8E6B-4360-9AA8-C5DF2A48A6D1}" type="slidenum">
+              <a:rPr lang="en-US" smtClean="0"/>
+              <a:pPr/>
+              <a:t>19</a:t>
+            </a:fld>
+            <a:endParaRPr lang="en-US" dirty="0"/>
+          </a:p>
+        </p:txBody>
+      </p:sp>
+      <p:sp>
+        <p:nvSpPr>
+          <p:cNvPr id="4" name="Slide Title"/>
+          <p:cNvSpPr>
+            <a:spLocks noGrp="1"/>
+          </p:cNvSpPr>
+          <p:nvPr>
+            <p:ph type="title"/>
+          </p:nvPr>
+        </p:nvSpPr>
+        <p:spPr>
+          <a:xfrm>
+            <a:off x="190406" y="100750"/>
+            <a:ext cx="10270594" cy="882654"/>
+          </a:xfrm>
+        </p:spPr>
+        <p:txBody>
+          <a:bodyPr>
+            <a:normAutofit/>
+          </a:bodyPr>
+          <a:lstStyle/>
+          <a:p>
+            <a:r>
+              <a:rPr lang="bg-BG" i="0" dirty="0">
+                <a:effectLst/>
+              </a:rPr>
+              <a:t>Настройване на модела</a:t>
+            </a:r>
+            <a:endParaRPr lang="en-US" dirty="0"/>
+          </a:p>
+        </p:txBody>
+      </p:sp>
+      <p:sp>
+        <p:nvSpPr>
+          <p:cNvPr id="8" name="Текстов контейнер 2">
+            <a:extLst>
+              <a:ext uri="{FF2B5EF4-FFF2-40B4-BE49-F238E27FC236}">
+                <a16:creationId xmlns:a16="http://schemas.microsoft.com/office/drawing/2014/main" id="{F7B45ECA-AA11-6CF2-710B-54503827A4A1}"/>
+              </a:ext>
+            </a:extLst>
+          </p:cNvPr>
+          <p:cNvSpPr>
+            <a:spLocks noGrp="1"/>
+          </p:cNvSpPr>
+          <p:nvPr>
+            <p:ph type="body" sz="quarter" idx="10"/>
+          </p:nvPr>
+        </p:nvSpPr>
+        <p:spPr>
+          <a:xfrm>
+            <a:off x="191941" y="1196707"/>
+            <a:ext cx="11561089" cy="5527326"/>
+          </a:xfrm>
+        </p:spPr>
+        <p:txBody>
+          <a:bodyPr>
+            <a:normAutofit/>
+          </a:bodyPr>
+          <a:lstStyle/>
+          <a:p>
+            <a:r>
+              <a:rPr lang="bg-BG" sz="2800" dirty="0"/>
+              <a:t>Избираме </a:t>
+            </a:r>
+            <a:r>
+              <a:rPr lang="bg-BG" sz="2800" b="1" dirty="0"/>
+              <a:t>версията</a:t>
+            </a:r>
+            <a:r>
+              <a:rPr lang="bg-BG" sz="2800" dirty="0"/>
+              <a:t> на</a:t>
+            </a:r>
+            <a:r>
+              <a:rPr lang="bg-BG" sz="2800" b="1" dirty="0">
+                <a:solidFill>
+                  <a:schemeClr val="bg1"/>
+                </a:solidFill>
+              </a:rPr>
+              <a:t> </a:t>
+            </a:r>
+            <a:r>
+              <a:rPr lang="en-US" sz="2800" b="1" dirty="0">
+                <a:solidFill>
+                  <a:schemeClr val="bg1"/>
+                </a:solidFill>
+              </a:rPr>
+              <a:t>Entity Framework</a:t>
+            </a:r>
+            <a:r>
+              <a:rPr lang="bg-BG" sz="2800" dirty="0"/>
+              <a:t> и натискаме </a:t>
+            </a:r>
+            <a:r>
+              <a:rPr lang="en-US" sz="2800" b="1" dirty="0">
+                <a:solidFill>
+                  <a:schemeClr val="bg1"/>
+                </a:solidFill>
+              </a:rPr>
+              <a:t>[Next]</a:t>
+            </a:r>
+          </a:p>
+          <a:p>
+            <a:r>
+              <a:rPr lang="bg-BG" sz="2800" dirty="0"/>
+              <a:t>Избираме </a:t>
+            </a:r>
+            <a:r>
+              <a:rPr lang="bg-BG" sz="2800" b="1" dirty="0">
+                <a:solidFill>
+                  <a:schemeClr val="bg1"/>
+                </a:solidFill>
+              </a:rPr>
+              <a:t>данните</a:t>
+            </a:r>
+            <a:r>
+              <a:rPr lang="bg-BG" sz="2800" dirty="0"/>
+              <a:t> от </a:t>
+            </a:r>
+            <a:r>
+              <a:rPr lang="bg-BG" sz="2800" b="1" dirty="0">
+                <a:solidFill>
+                  <a:schemeClr val="bg1"/>
+                </a:solidFill>
+              </a:rPr>
+              <a:t>базата данни</a:t>
+            </a:r>
+            <a:r>
+              <a:rPr lang="bg-BG" sz="2800" dirty="0"/>
+              <a:t>, които да се включат в </a:t>
+            </a:r>
+            <a:r>
+              <a:rPr lang="bg-BG" sz="2800" b="1" dirty="0"/>
+              <a:t>модела</a:t>
+            </a:r>
+            <a:r>
+              <a:rPr lang="en-US" sz="2800" dirty="0"/>
+              <a:t>,</a:t>
+            </a:r>
+            <a:r>
+              <a:rPr lang="en-US" sz="2800" b="1" dirty="0"/>
+              <a:t> </a:t>
+            </a:r>
+            <a:r>
+              <a:rPr lang="bg-BG" sz="2800" dirty="0"/>
+              <a:t>и натискаме </a:t>
+            </a:r>
+            <a:r>
+              <a:rPr lang="en-US" sz="2800" b="1" dirty="0">
+                <a:solidFill>
+                  <a:schemeClr val="bg1"/>
+                </a:solidFill>
+              </a:rPr>
+              <a:t>[Finish]</a:t>
+            </a:r>
+            <a:endParaRPr lang="bg-BG" sz="2800" b="1" dirty="0">
+              <a:solidFill>
+                <a:schemeClr val="bg1"/>
+              </a:solidFill>
+            </a:endParaRPr>
+          </a:p>
+          <a:p>
+            <a:endParaRPr lang="en-US" sz="3200" dirty="0"/>
+          </a:p>
+          <a:p>
+            <a:endParaRPr lang="en-US" sz="3200" dirty="0"/>
+          </a:p>
+        </p:txBody>
+      </p:sp>
+      <p:pic>
+        <p:nvPicPr>
+          <p:cNvPr id="3" name="Picture 2">
+            <a:extLst>
+              <a:ext uri="{FF2B5EF4-FFF2-40B4-BE49-F238E27FC236}">
+                <a16:creationId xmlns:a16="http://schemas.microsoft.com/office/drawing/2014/main" id="{3216D5E3-5868-1D44-0B2F-3786B7782C2F}"/>
+              </a:ext>
+            </a:extLst>
+          </p:cNvPr>
+          <p:cNvPicPr>
+            <a:picLocks noChangeAspect="1"/>
+          </p:cNvPicPr>
+          <p:nvPr/>
+        </p:nvPicPr>
+        <p:blipFill>
+          <a:blip r:embed="rId3">
+            <a:extLst>
+              <a:ext uri="{28A0092B-C50C-407E-A947-70E740481C1C}">
+                <a14:useLocalDpi xmlns:a14="http://schemas.microsoft.com/office/drawing/2010/main" val="0"/>
+              </a:ext>
+            </a:extLst>
+          </a:blip>
+          <a:stretch>
+            <a:fillRect/>
+          </a:stretch>
+        </p:blipFill>
+        <p:spPr>
+          <a:xfrm>
+            <a:off x="631273" y="2875929"/>
+            <a:ext cx="3781000" cy="3618957"/>
+          </a:xfrm>
+          <a:prstGeom prst="rect">
+            <a:avLst/>
+          </a:prstGeom>
+          <a:ln>
+            <a:solidFill>
+              <a:schemeClr val="bg2">
+                <a:lumMod val="75000"/>
+              </a:schemeClr>
+            </a:solidFill>
+          </a:ln>
+        </p:spPr>
+      </p:pic>
+      <p:pic>
+        <p:nvPicPr>
+          <p:cNvPr id="6" name="Picture 5">
+            <a:extLst>
+              <a:ext uri="{FF2B5EF4-FFF2-40B4-BE49-F238E27FC236}">
+                <a16:creationId xmlns:a16="http://schemas.microsoft.com/office/drawing/2014/main" id="{1FD32765-E7A8-CE79-0F5A-43A3A8428691}"/>
+              </a:ext>
+            </a:extLst>
+          </p:cNvPr>
+          <p:cNvPicPr>
+            <a:picLocks noChangeAspect="1"/>
+          </p:cNvPicPr>
+          <p:nvPr/>
+        </p:nvPicPr>
+        <p:blipFill>
+          <a:blip r:embed="rId4">
+            <a:extLst>
+              <a:ext uri="{28A0092B-C50C-407E-A947-70E740481C1C}">
+                <a14:useLocalDpi xmlns:a14="http://schemas.microsoft.com/office/drawing/2010/main" val="0"/>
+              </a:ext>
+            </a:extLst>
+          </a:blip>
+          <a:stretch>
+            <a:fillRect/>
+          </a:stretch>
+        </p:blipFill>
+        <p:spPr>
+          <a:xfrm>
+            <a:off x="6901934" y="2365202"/>
+            <a:ext cx="4482401" cy="4290298"/>
+          </a:xfrm>
+          <a:prstGeom prst="rect">
+            <a:avLst/>
+          </a:prstGeom>
+          <a:ln>
+            <a:solidFill>
+              <a:schemeClr val="bg2">
+                <a:lumMod val="75000"/>
+              </a:schemeClr>
+            </a:solidFill>
+          </a:ln>
+        </p:spPr>
+      </p:pic>
+      <p:sp>
+        <p:nvSpPr>
+          <p:cNvPr id="7" name="Arrow: Right 10">
+            <a:extLst>
+              <a:ext uri="{FF2B5EF4-FFF2-40B4-BE49-F238E27FC236}">
+                <a16:creationId xmlns:a16="http://schemas.microsoft.com/office/drawing/2014/main" id="{39B3CE4C-E871-D3EE-D694-9526A9D9D815}"/>
+              </a:ext>
+            </a:extLst>
+          </p:cNvPr>
+          <p:cNvSpPr/>
+          <p:nvPr/>
+        </p:nvSpPr>
+        <p:spPr>
+          <a:xfrm>
+            <a:off x="5162103" y="4156455"/>
+            <a:ext cx="990000" cy="707792"/>
+          </a:xfrm>
+          <a:prstGeom prst="rightArrow">
+            <a:avLst/>
+          </a:prstGeom>
+          <a:solidFill>
+            <a:schemeClr val="tx1"/>
+          </a:solidFill>
+          <a:ln>
+            <a:solidFill>
+              <a:schemeClr val="tx1"/>
+            </a:solidFill>
+          </a:ln>
+        </p:spPr>
+        <p:style>
+          <a:lnRef idx="2">
+            <a:schemeClr val="accent1">
+              <a:shade val="50000"/>
+            </a:schemeClr>
+          </a:lnRef>
+          <a:fillRef idx="1">
+            <a:schemeClr val="accent1"/>
+          </a:fillRef>
+          <a:effectRef idx="0">
+            <a:schemeClr val="accent1"/>
+          </a:effectRef>
+          <a:fontRef idx="minor">
+            <a:schemeClr val="lt1"/>
+          </a:fontRef>
+        </p:style>
+        <p:txBody>
+          <a:bodyPr rtlCol="0" anchor="ctr"/>
+          <a:lstStyle/>
+          <a:p>
+            <a:pPr algn="ctr"/>
+            <a:endParaRPr lang="en-US" sz="2799"/>
+          </a:p>
+        </p:txBody>
+      </p:sp>
+    </p:spTree>
+    <p:extLst>
+      <p:ext uri="{BB962C8B-B14F-4D97-AF65-F5344CB8AC3E}">
+        <p14:creationId xmlns:p14="http://schemas.microsoft.com/office/powerpoint/2010/main" val="3008397494"/>
+      </p:ext>
+    </p:extLst>
+  </p:cSld>
+  <p:clrMapOvr>
+    <a:masterClrMapping/>
+  </p:clrMapOvr>
+  <mc:AlternateContent xmlns:mc="http://schemas.openxmlformats.org/markup-compatibility/2006" xmlns:p14="http://schemas.microsoft.com/office/powerpoint/2010/main">
+    <mc:Choice Requires="p14">
+      <p:transition spd="slow" p14:dur="2000" advClick="0" advTm="5000"/>
+    </mc:Choice>
+    <mc:Fallback xmlns="">
+      <p:transition spd="slow" advClick="0" advTm="5000"/>
+    </mc:Fallback>
+  </mc:AlternateContent>
+  <p:timing>
+    <p:tnLst>
+      <p:par>
+        <p:cTn id="1" dur="indefinite" restart="never" nodeType="tmRoot">
+          <p:childTnLst>
+            <p:seq concurrent="1" nextAc="seek">
+              <p:cTn id="2" dur="indefinite" nodeType="mainSeq">
+                <p:childTnLst>
+                  <p:par>
+                    <p:cTn id="3" fill="hold">
+                      <p:stCondLst>
+                        <p:cond delay="indefinite"/>
+                        <p:cond evt="onBegin" delay="0">
+                          <p:tn val="2"/>
+                        </p:cond>
+                      </p:stCondLst>
+                      <p:childTnLst>
+                        <p:par>
+                          <p:cTn id="4" fill="hold">
+                            <p:stCondLst>
+                              <p:cond delay="0"/>
+                            </p:stCondLst>
+                            <p:childTnLst>
+                              <p:par>
+                                <p:cTn id="5" presetID="1" presetClass="entr" presetSubtype="0" fill="hold" nodeType="withEffect">
+                                  <p:stCondLst>
+                                    <p:cond delay="0"/>
+                                  </p:stCondLst>
+                                  <p:childTnLst>
+                                    <p:set>
+                                      <p:cBhvr>
+                                        <p:cTn id="6" dur="1" fill="hold">
+                                          <p:stCondLst>
+                                            <p:cond delay="0"/>
+                                          </p:stCondLst>
+                                        </p:cTn>
+                                        <p:tgtEl>
+                                          <p:spTgt spid="8">
+                                            <p:txEl>
+                                              <p:pRg st="0" end="0"/>
+                                            </p:txEl>
+                                          </p:spTgt>
+                                        </p:tgtEl>
+                                        <p:attrNameLst>
+                                          <p:attrName>style.visibility</p:attrName>
+                                        </p:attrNameLst>
+                                      </p:cBhvr>
+                                      <p:to>
+                                        <p:strVal val="visible"/>
+                                      </p:to>
+                                    </p:set>
+                                  </p:childTnLst>
+                                </p:cTn>
+                              </p:par>
+                              <p:par>
+                                <p:cTn id="7" presetID="1" presetClass="entr" presetSubtype="0" fill="hold" nodeType="withEffect">
+                                  <p:stCondLst>
+                                    <p:cond delay="0"/>
+                                  </p:stCondLst>
+                                  <p:childTnLst>
+                                    <p:set>
+                                      <p:cBhvr>
+                                        <p:cTn id="8" dur="1" fill="hold">
+                                          <p:stCondLst>
+                                            <p:cond delay="0"/>
+                                          </p:stCondLst>
+                                        </p:cTn>
+                                        <p:tgtEl>
+                                          <p:spTgt spid="3"/>
+                                        </p:tgtEl>
+                                        <p:attrNameLst>
+                                          <p:attrName>style.visibility</p:attrName>
+                                        </p:attrNameLst>
+                                      </p:cBhvr>
+                                      <p:to>
+                                        <p:strVal val="visible"/>
+                                      </p:to>
+                                    </p:set>
+                                  </p:childTnLst>
+                                </p:cTn>
+                              </p:par>
+                            </p:childTnLst>
+                          </p:cTn>
+                        </p:par>
+                      </p:childTnLst>
+                    </p:cTn>
+                  </p:par>
+                  <p:par>
+                    <p:cTn id="9" fill="hold">
+                      <p:stCondLst>
+                        <p:cond delay="indefinite"/>
+                      </p:stCondLst>
+                      <p:childTnLst>
+                        <p:par>
+                          <p:cTn id="10" fill="hold">
+                            <p:stCondLst>
+                              <p:cond delay="0"/>
+                            </p:stCondLst>
+                            <p:childTnLst>
+                              <p:par>
+                                <p:cTn id="11" presetID="1" presetClass="entr" presetSubtype="0" fill="hold" nodeType="clickEffect">
+                                  <p:stCondLst>
+                                    <p:cond delay="0"/>
+                                  </p:stCondLst>
+                                  <p:childTnLst>
+                                    <p:set>
+                                      <p:cBhvr>
+                                        <p:cTn id="12" dur="1" fill="hold">
+                                          <p:stCondLst>
+                                            <p:cond delay="0"/>
+                                          </p:stCondLst>
+                                        </p:cTn>
+                                        <p:tgtEl>
+                                          <p:spTgt spid="8">
+                                            <p:txEl>
+                                              <p:pRg st="1" end="1"/>
+                                            </p:txEl>
+                                          </p:spTgt>
+                                        </p:tgtEl>
+                                        <p:attrNameLst>
+                                          <p:attrName>style.visibility</p:attrName>
+                                        </p:attrNameLst>
+                                      </p:cBhvr>
+                                      <p:to>
+                                        <p:strVal val="visible"/>
+                                      </p:to>
+                                    </p:set>
+                                  </p:childTnLst>
+                                </p:cTn>
+                              </p:par>
+                              <p:par>
+                                <p:cTn id="13" presetID="1" presetClass="entr" presetSubtype="0" fill="hold" grpId="0" nodeType="withEffect">
+                                  <p:stCondLst>
+                                    <p:cond delay="0"/>
+                                  </p:stCondLst>
+                                  <p:childTnLst>
+                                    <p:set>
+                                      <p:cBhvr>
+                                        <p:cTn id="14" dur="1" fill="hold">
+                                          <p:stCondLst>
+                                            <p:cond delay="0"/>
+                                          </p:stCondLst>
+                                        </p:cTn>
+                                        <p:tgtEl>
+                                          <p:spTgt spid="7"/>
+                                        </p:tgtEl>
+                                        <p:attrNameLst>
+                                          <p:attrName>style.visibility</p:attrName>
+                                        </p:attrNameLst>
+                                      </p:cBhvr>
+                                      <p:to>
+                                        <p:strVal val="visible"/>
+                                      </p:to>
+                                    </p:set>
+                                  </p:childTnLst>
+                                </p:cTn>
+                              </p:par>
+                              <p:par>
+                                <p:cTn id="15" presetID="1" presetClass="entr" presetSubtype="0" fill="hold" nodeType="withEffect">
+                                  <p:stCondLst>
+                                    <p:cond delay="0"/>
+                                  </p:stCondLst>
+                                  <p:childTnLst>
+                                    <p:set>
+                                      <p:cBhvr>
+                                        <p:cTn id="16" dur="1" fill="hold">
+                                          <p:stCondLst>
+                                            <p:cond delay="0"/>
+                                          </p:stCondLst>
+                                        </p:cTn>
+                                        <p:tgtEl>
+                                          <p:spTgt spid="6"/>
+                                        </p:tgtEl>
+                                        <p:attrNameLst>
+                                          <p:attrName>style.visibility</p:attrName>
+                                        </p:attrNameLst>
+                                      </p:cBhvr>
+                                      <p:to>
+                                        <p:strVal val="visible"/>
+                                      </p:to>
+                                    </p:set>
+                                  </p:childTnLst>
+                                </p:cTn>
+                              </p:par>
+                            </p:childTnLst>
+                          </p:cTn>
+                        </p:par>
+                      </p:childTnLst>
+                    </p:cTn>
+                  </p:par>
+                </p:childTnLst>
+              </p:cTn>
+              <p:prevCondLst>
+                <p:cond evt="onPrev" delay="0">
+                  <p:tgtEl>
+                    <p:sldTgt/>
+                  </p:tgtEl>
+                </p:cond>
+              </p:prevCondLst>
+              <p:nextCondLst>
+                <p:cond evt="onNext" delay="0">
+                  <p:tgtEl>
+                    <p:sldTgt/>
+                  </p:tgtEl>
+                </p:cond>
+              </p:nextCondLst>
+            </p:seq>
+          </p:childTnLst>
+        </p:cTn>
+      </p:par>
+    </p:tnLst>
+    <p:bldLst>
+      <p:bldP spid="7" grpId="0" animBg="1"/>
+    </p:bldLst>
+  </p:timing>
+</p:sld>
+</file>
+
 <file path=ppt/slides/slide2.xml><?xml version="1.0" encoding="utf-8"?>
 <p:sld xmlns:a="http://schemas.openxmlformats.org/drawingml/2006/main" xmlns:r="http://schemas.openxmlformats.org/officeDocument/2006/relationships" xmlns:p="http://schemas.openxmlformats.org/presentationml/2006/main">
   <p:cSld>
@@ -20190,36 +20688,6 @@
           </a:p>
           <a:p>
             <a:r>
-              <a:rPr lang="en-US" sz="3200" dirty="0"/>
-              <a:t>​</a:t>
-            </a:r>
-            <a:r>
-              <a:rPr lang="bg-BG" sz="3200" b="1" dirty="0"/>
-              <a:t>Конфигурация </a:t>
-            </a:r>
-            <a:r>
-              <a:rPr lang="bg-BG" sz="3200" dirty="0"/>
-              <a:t>на </a:t>
-            </a:r>
-            <a:r>
-              <a:rPr lang="bg-BG" sz="3200" b="1" dirty="0"/>
-              <a:t>връзка</a:t>
-            </a:r>
-            <a:r>
-              <a:rPr lang="bg-BG" sz="3200" dirty="0"/>
-              <a:t> към база данни – </a:t>
-            </a:r>
-            <a:r>
-              <a:rPr lang="en-GB" sz="3200" b="1" dirty="0">
-                <a:solidFill>
-                  <a:schemeClr val="bg1"/>
-                </a:solidFill>
-              </a:rPr>
-              <a:t>connection string</a:t>
-            </a:r>
-          </a:p>
-          <a:p>
-            <a:r>
               <a:rPr lang="en-GB" sz="3200" dirty="0"/>
               <a:t>​​</a:t>
             </a:r>
@@ -20323,6 +20791,37 @@
             <a:r>
               <a:rPr lang="en-US" sz="3200" b="1" dirty="0"/>
               <a:t>Entity Framework</a:t>
+            </a:r>
+            <a:endParaRPr lang="bg-BG" sz="3200" b="1" dirty="0"/>
+          </a:p>
+          <a:p>
+            <a:r>
+              <a:rPr lang="en-US" sz="3200" dirty="0"/>
+              <a:t>​</a:t>
+            </a:r>
+            <a:r>
+              <a:rPr lang="bg-BG" sz="3200" b="1" dirty="0"/>
+              <a:t>Конфигурация </a:t>
+            </a:r>
+            <a:r>
+              <a:rPr lang="bg-BG" sz="3200" dirty="0"/>
+              <a:t>на </a:t>
+            </a:r>
+            <a:r>
+              <a:rPr lang="bg-BG" sz="3200" b="1" dirty="0"/>
+              <a:t>връзка</a:t>
+            </a:r>
+            <a:r>
+              <a:rPr lang="bg-BG" sz="3200" dirty="0"/>
+              <a:t> към база данни – </a:t>
+            </a:r>
+            <a:r>
+              <a:rPr lang="en-GB" sz="3200" b="1" dirty="0">
+                <a:solidFill>
+                  <a:schemeClr val="bg1"/>
+                </a:solidFill>
+              </a:rPr>
+              <a:t>connection string</a:t>
             </a:r>
             <a:endParaRPr lang="en-GB" sz="3200" b="1" dirty="0"/>
           </a:p>
@@ -20911,1279 +21410,6 @@
               <a:rPr lang="bg-BG" i="0" dirty="0">
                 <a:effectLst/>
               </a:rPr>
-              <a:t>Избиране на </a:t>
-            </a:r>
-            <a:r>
-              <a:rPr lang="en-US" dirty="0"/>
-              <a:t>Database First </a:t>
-            </a:r>
-            <a:r>
-              <a:rPr lang="bg-BG" dirty="0"/>
-              <a:t>метода</a:t>
-            </a:r>
-            <a:endParaRPr lang="en-US" dirty="0"/>
-          </a:p>
-        </p:txBody>
-      </p:sp>
-      <p:sp>
-        <p:nvSpPr>
-          <p:cNvPr id="8" name="Текстов контейнер 2">
-            <a:extLst>
-              <a:ext uri="{FF2B5EF4-FFF2-40B4-BE49-F238E27FC236}">
-                <a16:creationId xmlns:a16="http://schemas.microsoft.com/office/drawing/2014/main" id="{F7B45ECA-AA11-6CF2-710B-54503827A4A1}"/>
-              </a:ext>
-            </a:extLst>
-          </p:cNvPr>
-          <p:cNvSpPr>
-            <a:spLocks noGrp="1"/>
-          </p:cNvSpPr>
-          <p:nvPr>
-            <p:ph type="body" sz="quarter" idx="10"/>
-          </p:nvPr>
-        </p:nvSpPr>
-        <p:spPr>
-          <a:xfrm>
-            <a:off x="191941" y="1196707"/>
-            <a:ext cx="11561089" cy="5527326"/>
-          </a:xfrm>
-        </p:spPr>
-        <p:txBody>
-          <a:bodyPr>
-            <a:normAutofit/>
-          </a:bodyPr>
-          <a:lstStyle/>
-          <a:p>
-            <a:r>
-              <a:rPr lang="bg-BG" sz="2400" dirty="0"/>
-              <a:t>Избираме </a:t>
-            </a:r>
-            <a:r>
-              <a:rPr lang="bg-BG" sz="2400" b="1" dirty="0">
-                <a:solidFill>
-                  <a:schemeClr val="bg1"/>
-                </a:solidFill>
-              </a:rPr>
-              <a:t>метода</a:t>
-            </a:r>
-            <a:r>
-              <a:rPr lang="bg-BG" sz="2400" dirty="0"/>
-              <a:t> за създаване на </a:t>
-            </a:r>
-            <a:r>
-              <a:rPr lang="bg-BG" sz="2400" b="1" dirty="0"/>
-              <a:t>модела</a:t>
-            </a:r>
-            <a:r>
-              <a:rPr lang="bg-BG" sz="2400" dirty="0"/>
-              <a:t> - </a:t>
-            </a:r>
-            <a:r>
-              <a:rPr lang="en-US" sz="2400" b="1" dirty="0">
-                <a:solidFill>
-                  <a:schemeClr val="bg1"/>
-                </a:solidFill>
-              </a:rPr>
-              <a:t>EF Designer from database</a:t>
-            </a:r>
-            <a:r>
-              <a:rPr lang="bg-BG" sz="2400" b="1" dirty="0">
-                <a:solidFill>
-                  <a:schemeClr val="bg1"/>
-                </a:solidFill>
-              </a:rPr>
-              <a:t> </a:t>
-            </a:r>
-            <a:r>
-              <a:rPr lang="bg-BG" sz="2400" dirty="0"/>
-              <a:t>(</a:t>
-            </a:r>
-            <a:r>
-              <a:rPr lang="en-US" sz="2400" dirty="0"/>
-              <a:t>Database First) </a:t>
-            </a:r>
-            <a:r>
-              <a:rPr lang="bg-BG" sz="2400" dirty="0"/>
-              <a:t>и натискаме </a:t>
-            </a:r>
-            <a:r>
-              <a:rPr lang="en-US" sz="2400" dirty="0"/>
-              <a:t>[</a:t>
-            </a:r>
-            <a:r>
-              <a:rPr lang="en-US" sz="2400" b="1" dirty="0">
-                <a:solidFill>
-                  <a:schemeClr val="bg1"/>
-                </a:solidFill>
-              </a:rPr>
-              <a:t>Next</a:t>
-            </a:r>
-            <a:r>
-              <a:rPr lang="en-US" sz="2400" dirty="0"/>
-              <a:t>]</a:t>
-            </a:r>
-            <a:endParaRPr lang="en-US" sz="2400" b="1" dirty="0">
-              <a:solidFill>
-                <a:schemeClr val="bg1"/>
-              </a:solidFill>
-            </a:endParaRPr>
-          </a:p>
-          <a:p>
-            <a:r>
-              <a:rPr lang="bg-BG" sz="2400" dirty="0"/>
-              <a:t>Избираме коя </a:t>
-            </a:r>
-            <a:r>
-              <a:rPr lang="bg-BG" sz="2400" b="1" dirty="0">
-                <a:solidFill>
-                  <a:schemeClr val="bg1"/>
-                </a:solidFill>
-              </a:rPr>
-              <a:t>съществуваща база данни </a:t>
-            </a:r>
-            <a:r>
-              <a:rPr lang="bg-BG" sz="2400" dirty="0"/>
-              <a:t>да се използва, задаваме </a:t>
-            </a:r>
-            <a:r>
-              <a:rPr lang="bg-BG" sz="2400" b="1" dirty="0"/>
-              <a:t>име</a:t>
-            </a:r>
-            <a:r>
-              <a:rPr lang="bg-BG" sz="2400" dirty="0"/>
-              <a:t> на </a:t>
-            </a:r>
-            <a:r>
-              <a:rPr lang="en-US" sz="2400" b="1" dirty="0">
-                <a:solidFill>
-                  <a:schemeClr val="bg1"/>
-                </a:solidFill>
-              </a:rPr>
-              <a:t>connection string</a:t>
-            </a:r>
-            <a:r>
-              <a:rPr lang="en-US" sz="2400" dirty="0"/>
-              <a:t>,</a:t>
-            </a:r>
-            <a:r>
-              <a:rPr lang="bg-BG" sz="2400" dirty="0"/>
-              <a:t> избираме дали да пази </a:t>
-            </a:r>
-            <a:r>
-              <a:rPr lang="bg-BG" sz="2400" b="1" dirty="0"/>
-              <a:t>сензитивна информация </a:t>
-            </a:r>
-            <a:r>
-              <a:rPr lang="bg-BG" sz="2400" dirty="0"/>
-              <a:t>и натискаме</a:t>
-            </a:r>
-            <a:r>
-              <a:rPr lang="en-US" sz="2400" dirty="0"/>
-              <a:t> </a:t>
-            </a:r>
-            <a:r>
-              <a:rPr lang="en-US" sz="2400" b="1" dirty="0">
-                <a:solidFill>
-                  <a:schemeClr val="bg1"/>
-                </a:solidFill>
-              </a:rPr>
-              <a:t>Next</a:t>
-            </a:r>
-            <a:endParaRPr lang="bg-BG" sz="2400" b="1" dirty="0">
-              <a:solidFill>
-                <a:schemeClr val="bg1"/>
-              </a:solidFill>
-            </a:endParaRPr>
-          </a:p>
-          <a:p>
-            <a:pPr marL="0" indent="0">
-              <a:buNone/>
-            </a:pPr>
-            <a:endParaRPr lang="en-US" sz="3200" dirty="0"/>
-          </a:p>
-          <a:p>
-            <a:endParaRPr lang="en-US" sz="3200" dirty="0"/>
-          </a:p>
-        </p:txBody>
-      </p:sp>
-      <p:pic>
-        <p:nvPicPr>
-          <p:cNvPr id="3" name="Picture 2">
-            <a:extLst>
-              <a:ext uri="{FF2B5EF4-FFF2-40B4-BE49-F238E27FC236}">
-                <a16:creationId xmlns:a16="http://schemas.microsoft.com/office/drawing/2014/main" id="{169BA581-3814-D519-D608-98AB374D9E7A}"/>
-              </a:ext>
-            </a:extLst>
-          </p:cNvPr>
-          <p:cNvPicPr>
-            <a:picLocks noChangeAspect="1"/>
-          </p:cNvPicPr>
-          <p:nvPr/>
-        </p:nvPicPr>
-        <p:blipFill>
-          <a:blip r:embed="rId3">
-            <a:extLst>
-              <a:ext uri="{28A0092B-C50C-407E-A947-70E740481C1C}">
-                <a14:useLocalDpi xmlns:a14="http://schemas.microsoft.com/office/drawing/2010/main" val="0"/>
-              </a:ext>
-            </a:extLst>
-          </a:blip>
-          <a:stretch>
-            <a:fillRect/>
-          </a:stretch>
-        </p:blipFill>
-        <p:spPr>
-          <a:xfrm>
-            <a:off x="1461000" y="3094154"/>
-            <a:ext cx="3804116" cy="3641082"/>
-          </a:xfrm>
-          <a:prstGeom prst="rect">
-            <a:avLst/>
-          </a:prstGeom>
-          <a:ln>
-            <a:solidFill>
-              <a:schemeClr val="bg2">
-                <a:lumMod val="75000"/>
-              </a:schemeClr>
-            </a:solidFill>
-          </a:ln>
-        </p:spPr>
-      </p:pic>
-      <p:pic>
-        <p:nvPicPr>
-          <p:cNvPr id="6" name="Picture 5">
-            <a:extLst>
-              <a:ext uri="{FF2B5EF4-FFF2-40B4-BE49-F238E27FC236}">
-                <a16:creationId xmlns:a16="http://schemas.microsoft.com/office/drawing/2014/main" id="{1370FFFD-8552-5ADC-7B2B-89B389C659FC}"/>
-              </a:ext>
-            </a:extLst>
-          </p:cNvPr>
-          <p:cNvPicPr>
-            <a:picLocks noChangeAspect="1"/>
-          </p:cNvPicPr>
-          <p:nvPr/>
-        </p:nvPicPr>
-        <p:blipFill>
-          <a:blip r:embed="rId4">
-            <a:extLst>
-              <a:ext uri="{28A0092B-C50C-407E-A947-70E740481C1C}">
-                <a14:useLocalDpi xmlns:a14="http://schemas.microsoft.com/office/drawing/2010/main" val="0"/>
-              </a:ext>
-            </a:extLst>
-          </a:blip>
-          <a:stretch>
-            <a:fillRect/>
-          </a:stretch>
-        </p:blipFill>
-        <p:spPr>
-          <a:xfrm>
-            <a:off x="6521884" y="3094154"/>
-            <a:ext cx="3804116" cy="3641082"/>
-          </a:xfrm>
-          <a:prstGeom prst="rect">
-            <a:avLst/>
-          </a:prstGeom>
-          <a:ln>
-            <a:solidFill>
-              <a:schemeClr val="bg2">
-                <a:lumMod val="75000"/>
-              </a:schemeClr>
-            </a:solidFill>
-          </a:ln>
-        </p:spPr>
-      </p:pic>
-      <p:sp>
-        <p:nvSpPr>
-          <p:cNvPr id="7" name="Arrow: Right 10">
-            <a:extLst>
-              <a:ext uri="{FF2B5EF4-FFF2-40B4-BE49-F238E27FC236}">
-                <a16:creationId xmlns:a16="http://schemas.microsoft.com/office/drawing/2014/main" id="{3EE4EEDE-883D-3A80-AAA0-7E042EFB4275}"/>
-              </a:ext>
-            </a:extLst>
-          </p:cNvPr>
-          <p:cNvSpPr/>
-          <p:nvPr/>
-        </p:nvSpPr>
-        <p:spPr>
-          <a:xfrm>
-            <a:off x="5548705" y="4697595"/>
-            <a:ext cx="689589" cy="434199"/>
-          </a:xfrm>
-          <a:prstGeom prst="rightArrow">
-            <a:avLst/>
-          </a:prstGeom>
-          <a:solidFill>
-            <a:schemeClr val="tx1"/>
-          </a:solidFill>
-          <a:ln>
-            <a:solidFill>
-              <a:schemeClr val="tx1"/>
-            </a:solidFill>
-          </a:ln>
-        </p:spPr>
-        <p:style>
-          <a:lnRef idx="2">
-            <a:schemeClr val="accent1">
-              <a:shade val="50000"/>
-            </a:schemeClr>
-          </a:lnRef>
-          <a:fillRef idx="1">
-            <a:schemeClr val="accent1"/>
-          </a:fillRef>
-          <a:effectRef idx="0">
-            <a:schemeClr val="accent1"/>
-          </a:effectRef>
-          <a:fontRef idx="minor">
-            <a:schemeClr val="lt1"/>
-          </a:fontRef>
-        </p:style>
-        <p:txBody>
-          <a:bodyPr rtlCol="0" anchor="ctr"/>
-          <a:lstStyle/>
-          <a:p>
-            <a:pPr algn="ctr"/>
-            <a:endParaRPr lang="en-US" sz="2799"/>
-          </a:p>
-        </p:txBody>
-      </p:sp>
-    </p:spTree>
-    <p:extLst>
-      <p:ext uri="{BB962C8B-B14F-4D97-AF65-F5344CB8AC3E}">
-        <p14:creationId xmlns:p14="http://schemas.microsoft.com/office/powerpoint/2010/main" val="1622036048"/>
-      </p:ext>
-    </p:extLst>
-  </p:cSld>
-  <p:clrMapOvr>
-    <a:masterClrMapping/>
-  </p:clrMapOvr>
-  <mc:AlternateContent xmlns:mc="http://schemas.openxmlformats.org/markup-compatibility/2006" xmlns:p14="http://schemas.microsoft.com/office/powerpoint/2010/main">
-    <mc:Choice Requires="p14">
-      <p:transition spd="slow" p14:dur="2000" advClick="0" advTm="5000"/>
-    </mc:Choice>
-    <mc:Fallback xmlns="">
-      <p:transition spd="slow" advClick="0" advTm="5000"/>
-    </mc:Fallback>
-  </mc:AlternateContent>
-  <p:timing>
-    <p:tnLst>
-      <p:par>
-        <p:cTn id="1" dur="indefinite" restart="never" nodeType="tmRoot">
-          <p:childTnLst>
-            <p:seq concurrent="1" nextAc="seek">
-              <p:cTn id="2" dur="indefinite" nodeType="mainSeq">
-                <p:childTnLst>
-                  <p:par>
-                    <p:cTn id="3" fill="hold">
-                      <p:stCondLst>
-                        <p:cond delay="indefinite"/>
-                        <p:cond evt="onBegin" delay="0">
-                          <p:tn val="2"/>
-                        </p:cond>
-                      </p:stCondLst>
-                      <p:childTnLst>
-                        <p:par>
-                          <p:cTn id="4" fill="hold">
-                            <p:stCondLst>
-                              <p:cond delay="0"/>
-                            </p:stCondLst>
-                            <p:childTnLst>
-                              <p:par>
-                                <p:cTn id="5" presetID="1" presetClass="entr" presetSubtype="0" fill="hold" nodeType="withEffect">
-                                  <p:stCondLst>
-                                    <p:cond delay="0"/>
-                                  </p:stCondLst>
-                                  <p:childTnLst>
-                                    <p:set>
-                                      <p:cBhvr>
-                                        <p:cTn id="6" dur="1" fill="hold">
-                                          <p:stCondLst>
-                                            <p:cond delay="0"/>
-                                          </p:stCondLst>
-                                        </p:cTn>
-                                        <p:tgtEl>
-                                          <p:spTgt spid="3"/>
-                                        </p:tgtEl>
-                                        <p:attrNameLst>
-                                          <p:attrName>style.visibility</p:attrName>
-                                        </p:attrNameLst>
-                                      </p:cBhvr>
-                                      <p:to>
-                                        <p:strVal val="visible"/>
-                                      </p:to>
-                                    </p:set>
-                                  </p:childTnLst>
-                                </p:cTn>
-                              </p:par>
-                              <p:par>
-                                <p:cTn id="7" presetID="1" presetClass="entr" presetSubtype="0" fill="hold" nodeType="withEffect">
-                                  <p:stCondLst>
-                                    <p:cond delay="0"/>
-                                  </p:stCondLst>
-                                  <p:childTnLst>
-                                    <p:set>
-                                      <p:cBhvr>
-                                        <p:cTn id="8" dur="1" fill="hold">
-                                          <p:stCondLst>
-                                            <p:cond delay="0"/>
-                                          </p:stCondLst>
-                                        </p:cTn>
-                                        <p:tgtEl>
-                                          <p:spTgt spid="8">
-                                            <p:txEl>
-                                              <p:pRg st="0" end="0"/>
-                                            </p:txEl>
-                                          </p:spTgt>
-                                        </p:tgtEl>
-                                        <p:attrNameLst>
-                                          <p:attrName>style.visibility</p:attrName>
-                                        </p:attrNameLst>
-                                      </p:cBhvr>
-                                      <p:to>
-                                        <p:strVal val="visible"/>
-                                      </p:to>
-                                    </p:set>
-                                  </p:childTnLst>
-                                </p:cTn>
-                              </p:par>
-                            </p:childTnLst>
-                          </p:cTn>
-                        </p:par>
-                      </p:childTnLst>
-                    </p:cTn>
-                  </p:par>
-                  <p:par>
-                    <p:cTn id="9" fill="hold">
-                      <p:stCondLst>
-                        <p:cond delay="indefinite"/>
-                      </p:stCondLst>
-                      <p:childTnLst>
-                        <p:par>
-                          <p:cTn id="10" fill="hold">
-                            <p:stCondLst>
-                              <p:cond delay="0"/>
-                            </p:stCondLst>
-                            <p:childTnLst>
-                              <p:par>
-                                <p:cTn id="11" presetID="1" presetClass="entr" presetSubtype="0" fill="hold" nodeType="clickEffect">
-                                  <p:stCondLst>
-                                    <p:cond delay="0"/>
-                                  </p:stCondLst>
-                                  <p:childTnLst>
-                                    <p:set>
-                                      <p:cBhvr>
-                                        <p:cTn id="12" dur="1" fill="hold">
-                                          <p:stCondLst>
-                                            <p:cond delay="0"/>
-                                          </p:stCondLst>
-                                        </p:cTn>
-                                        <p:tgtEl>
-                                          <p:spTgt spid="8">
-                                            <p:txEl>
-                                              <p:pRg st="1" end="1"/>
-                                            </p:txEl>
-                                          </p:spTgt>
-                                        </p:tgtEl>
-                                        <p:attrNameLst>
-                                          <p:attrName>style.visibility</p:attrName>
-                                        </p:attrNameLst>
-                                      </p:cBhvr>
-                                      <p:to>
-                                        <p:strVal val="visible"/>
-                                      </p:to>
-                                    </p:set>
-                                  </p:childTnLst>
-                                </p:cTn>
-                              </p:par>
-                              <p:par>
-                                <p:cTn id="13" presetID="1" presetClass="entr" presetSubtype="0" fill="hold" grpId="0" nodeType="withEffect">
-                                  <p:stCondLst>
-                                    <p:cond delay="0"/>
-                                  </p:stCondLst>
-                                  <p:childTnLst>
-                                    <p:set>
-                                      <p:cBhvr>
-                                        <p:cTn id="14" dur="1" fill="hold">
-                                          <p:stCondLst>
-                                            <p:cond delay="0"/>
-                                          </p:stCondLst>
-                                        </p:cTn>
-                                        <p:tgtEl>
-                                          <p:spTgt spid="7"/>
-                                        </p:tgtEl>
-                                        <p:attrNameLst>
-                                          <p:attrName>style.visibility</p:attrName>
-                                        </p:attrNameLst>
-                                      </p:cBhvr>
-                                      <p:to>
-                                        <p:strVal val="visible"/>
-                                      </p:to>
-                                    </p:set>
-                                  </p:childTnLst>
-                                </p:cTn>
-                              </p:par>
-                              <p:par>
-                                <p:cTn id="15" presetID="1" presetClass="entr" presetSubtype="0" fill="hold" nodeType="withEffect">
-                                  <p:stCondLst>
-                                    <p:cond delay="0"/>
-                                  </p:stCondLst>
-                                  <p:childTnLst>
-                                    <p:set>
-                                      <p:cBhvr>
-                                        <p:cTn id="16" dur="1" fill="hold">
-                                          <p:stCondLst>
-                                            <p:cond delay="0"/>
-                                          </p:stCondLst>
-                                        </p:cTn>
-                                        <p:tgtEl>
-                                          <p:spTgt spid="6"/>
-                                        </p:tgtEl>
-                                        <p:attrNameLst>
-                                          <p:attrName>style.visibility</p:attrName>
-                                        </p:attrNameLst>
-                                      </p:cBhvr>
-                                      <p:to>
-                                        <p:strVal val="visible"/>
-                                      </p:to>
-                                    </p:set>
-                                  </p:childTnLst>
-                                </p:cTn>
-                              </p:par>
-                            </p:childTnLst>
-                          </p:cTn>
-                        </p:par>
-                      </p:childTnLst>
-                    </p:cTn>
-                  </p:par>
-                </p:childTnLst>
-              </p:cTn>
-              <p:prevCondLst>
-                <p:cond evt="onPrev" delay="0">
-                  <p:tgtEl>
-                    <p:sldTgt/>
-                  </p:tgtEl>
-                </p:cond>
-              </p:prevCondLst>
-              <p:nextCondLst>
-                <p:cond evt="onNext" delay="0">
-                  <p:tgtEl>
-                    <p:sldTgt/>
-                  </p:tgtEl>
-                </p:cond>
-              </p:nextCondLst>
-            </p:seq>
-          </p:childTnLst>
-        </p:cTn>
-      </p:par>
-    </p:tnLst>
-    <p:bldLst>
-      <p:bldP spid="7" grpId="0" animBg="1"/>
-    </p:bldLst>
-  </p:timing>
-</p:sld>
-</file>
-
-<file path=ppt/slides/slide21.xml><?xml version="1.0" encoding="utf-8"?>
-<p:sld xmlns:a="http://schemas.openxmlformats.org/drawingml/2006/main" xmlns:r="http://schemas.openxmlformats.org/officeDocument/2006/relationships" xmlns:p="http://schemas.openxmlformats.org/presentationml/2006/main">
-  <p:cSld>
-    <p:spTree>
-      <p:nvGrpSpPr>
-        <p:cNvPr id="1" name=""/>
-        <p:cNvGrpSpPr/>
-        <p:nvPr/>
-      </p:nvGrpSpPr>
-      <p:grpSpPr>
-        <a:xfrm>
-          <a:off x="0" y="0"/>
-          <a:ext cx="0" cy="0"/>
-          <a:chOff x="0" y="0"/>
-          <a:chExt cx="0" cy="0"/>
-        </a:xfrm>
-      </p:grpSpPr>
-      <p:sp>
-        <p:nvSpPr>
-          <p:cNvPr id="9" name="Slide Number">
-            <a:extLst>
-              <a:ext uri="{FF2B5EF4-FFF2-40B4-BE49-F238E27FC236}">
-                <a16:creationId xmlns:a16="http://schemas.microsoft.com/office/drawing/2014/main" id="{8891F045-A272-4231-985A-53063F832AC8}"/>
-              </a:ext>
-            </a:extLst>
-          </p:cNvPr>
-          <p:cNvSpPr>
-            <a:spLocks noGrp="1"/>
-          </p:cNvSpPr>
-          <p:nvPr>
-            <p:ph type="sldNum" sz="quarter" idx="5"/>
-          </p:nvPr>
-        </p:nvSpPr>
-        <p:spPr>
-          <a:xfrm>
-            <a:off x="11753030" y="6507000"/>
-            <a:ext cx="367414" cy="297000"/>
-          </a:xfrm>
-        </p:spPr>
-        <p:txBody>
-          <a:bodyPr vert="horz" lIns="91440" tIns="45720" rIns="91440" bIns="45720" rtlCol="0" anchor="b"/>
-          <a:lstStyle>
-            <a:lvl1pPr algn="r">
-              <a:defRPr sz="1000"/>
-            </a:lvl1pPr>
-          </a:lstStyle>
-          <a:p>
-            <a:fld id="{2BF067CD-8E6B-4360-9AA8-C5DF2A48A6D1}" type="slidenum">
-              <a:rPr lang="en-US" smtClean="0"/>
-              <a:pPr/>
-              <a:t>21</a:t>
-            </a:fld>
-            <a:endParaRPr lang="en-US" dirty="0"/>
-          </a:p>
-        </p:txBody>
-      </p:sp>
-      <p:sp>
-        <p:nvSpPr>
-          <p:cNvPr id="4" name="Slide Title"/>
-          <p:cNvSpPr>
-            <a:spLocks noGrp="1"/>
-          </p:cNvSpPr>
-          <p:nvPr>
-            <p:ph type="title"/>
-          </p:nvPr>
-        </p:nvSpPr>
-        <p:spPr>
-          <a:xfrm>
-            <a:off x="190406" y="100750"/>
-            <a:ext cx="10270594" cy="882654"/>
-          </a:xfrm>
-        </p:spPr>
-        <p:txBody>
-          <a:bodyPr>
-            <a:normAutofit/>
-          </a:bodyPr>
-          <a:lstStyle/>
-          <a:p>
-            <a:r>
-              <a:rPr lang="bg-BG" i="0" dirty="0">
-                <a:effectLst/>
-              </a:rPr>
-              <a:t>Настройване на модела</a:t>
-            </a:r>
-            <a:endParaRPr lang="en-US" dirty="0"/>
-          </a:p>
-        </p:txBody>
-      </p:sp>
-      <p:sp>
-        <p:nvSpPr>
-          <p:cNvPr id="8" name="Текстов контейнер 2">
-            <a:extLst>
-              <a:ext uri="{FF2B5EF4-FFF2-40B4-BE49-F238E27FC236}">
-                <a16:creationId xmlns:a16="http://schemas.microsoft.com/office/drawing/2014/main" id="{F7B45ECA-AA11-6CF2-710B-54503827A4A1}"/>
-              </a:ext>
-            </a:extLst>
-          </p:cNvPr>
-          <p:cNvSpPr>
-            <a:spLocks noGrp="1"/>
-          </p:cNvSpPr>
-          <p:nvPr>
-            <p:ph type="body" sz="quarter" idx="10"/>
-          </p:nvPr>
-        </p:nvSpPr>
-        <p:spPr>
-          <a:xfrm>
-            <a:off x="191941" y="1196707"/>
-            <a:ext cx="11561089" cy="5527326"/>
-          </a:xfrm>
-        </p:spPr>
-        <p:txBody>
-          <a:bodyPr>
-            <a:normAutofit/>
-          </a:bodyPr>
-          <a:lstStyle/>
-          <a:p>
-            <a:r>
-              <a:rPr lang="bg-BG" sz="2800" dirty="0"/>
-              <a:t>Избираме </a:t>
-            </a:r>
-            <a:r>
-              <a:rPr lang="bg-BG" sz="2800" b="1" dirty="0"/>
-              <a:t>версията</a:t>
-            </a:r>
-            <a:r>
-              <a:rPr lang="bg-BG" sz="2800" dirty="0"/>
-              <a:t> на</a:t>
-            </a:r>
-            <a:r>
-              <a:rPr lang="bg-BG" sz="2800" b="1" dirty="0">
-                <a:solidFill>
-                  <a:schemeClr val="bg1"/>
-                </a:solidFill>
-              </a:rPr>
-              <a:t> </a:t>
-            </a:r>
-            <a:r>
-              <a:rPr lang="en-US" sz="2800" b="1" dirty="0">
-                <a:solidFill>
-                  <a:schemeClr val="bg1"/>
-                </a:solidFill>
-              </a:rPr>
-              <a:t>Entity Framework</a:t>
-            </a:r>
-            <a:r>
-              <a:rPr lang="bg-BG" sz="2800" dirty="0"/>
-              <a:t> и натискаме </a:t>
-            </a:r>
-            <a:r>
-              <a:rPr lang="en-US" sz="2800" dirty="0"/>
-              <a:t>[</a:t>
-            </a:r>
-            <a:r>
-              <a:rPr lang="en-US" sz="2800" b="1" dirty="0">
-                <a:solidFill>
-                  <a:schemeClr val="bg1"/>
-                </a:solidFill>
-              </a:rPr>
-              <a:t>Next</a:t>
-            </a:r>
-            <a:r>
-              <a:rPr lang="en-US" sz="2800" dirty="0"/>
-              <a:t>]</a:t>
-            </a:r>
-            <a:endParaRPr lang="en-US" sz="2800" b="1" dirty="0">
-              <a:solidFill>
-                <a:schemeClr val="bg1"/>
-              </a:solidFill>
-            </a:endParaRPr>
-          </a:p>
-          <a:p>
-            <a:r>
-              <a:rPr lang="bg-BG" sz="2800" dirty="0"/>
-              <a:t>Избираме </a:t>
-            </a:r>
-            <a:r>
-              <a:rPr lang="bg-BG" sz="2800" b="1" dirty="0">
-                <a:solidFill>
-                  <a:schemeClr val="bg1"/>
-                </a:solidFill>
-              </a:rPr>
-              <a:t>данните</a:t>
-            </a:r>
-            <a:r>
-              <a:rPr lang="bg-BG" sz="2800" dirty="0"/>
-              <a:t> от </a:t>
-            </a:r>
-            <a:r>
-              <a:rPr lang="bg-BG" sz="2800" b="1" dirty="0">
-                <a:solidFill>
-                  <a:schemeClr val="bg1"/>
-                </a:solidFill>
-              </a:rPr>
-              <a:t>базата данни</a:t>
-            </a:r>
-            <a:r>
-              <a:rPr lang="bg-BG" sz="2800" dirty="0"/>
-              <a:t>, които да се включат в </a:t>
-            </a:r>
-            <a:r>
-              <a:rPr lang="bg-BG" sz="2800" b="1" dirty="0"/>
-              <a:t>модела</a:t>
-            </a:r>
-            <a:r>
-              <a:rPr lang="en-US" sz="2800" dirty="0"/>
-              <a:t>,</a:t>
-            </a:r>
-            <a:r>
-              <a:rPr lang="en-US" sz="2800" b="1" dirty="0"/>
-              <a:t> </a:t>
-            </a:r>
-            <a:r>
-              <a:rPr lang="bg-BG" sz="2800" dirty="0"/>
-              <a:t>и натискаме </a:t>
-            </a:r>
-            <a:r>
-              <a:rPr lang="en-US" sz="2800" dirty="0"/>
-              <a:t>[</a:t>
-            </a:r>
-            <a:r>
-              <a:rPr lang="en-US" sz="2800" b="1" dirty="0">
-                <a:solidFill>
-                  <a:schemeClr val="bg1"/>
-                </a:solidFill>
-              </a:rPr>
-              <a:t>Finish</a:t>
-            </a:r>
-            <a:r>
-              <a:rPr lang="en-US" sz="2800" dirty="0"/>
-              <a:t>]</a:t>
-            </a:r>
-            <a:endParaRPr lang="bg-BG" sz="2800" b="1" dirty="0">
-              <a:solidFill>
-                <a:schemeClr val="bg1"/>
-              </a:solidFill>
-            </a:endParaRPr>
-          </a:p>
-          <a:p>
-            <a:endParaRPr lang="en-US" sz="3200" dirty="0"/>
-          </a:p>
-          <a:p>
-            <a:endParaRPr lang="en-US" sz="3200" dirty="0"/>
-          </a:p>
-        </p:txBody>
-      </p:sp>
-      <p:pic>
-        <p:nvPicPr>
-          <p:cNvPr id="3" name="Picture 2">
-            <a:extLst>
-              <a:ext uri="{FF2B5EF4-FFF2-40B4-BE49-F238E27FC236}">
-                <a16:creationId xmlns:a16="http://schemas.microsoft.com/office/drawing/2014/main" id="{3216D5E3-5868-1D44-0B2F-3786B7782C2F}"/>
-              </a:ext>
-            </a:extLst>
-          </p:cNvPr>
-          <p:cNvPicPr>
-            <a:picLocks noChangeAspect="1"/>
-          </p:cNvPicPr>
-          <p:nvPr/>
-        </p:nvPicPr>
-        <p:blipFill>
-          <a:blip r:embed="rId3">
-            <a:extLst>
-              <a:ext uri="{28A0092B-C50C-407E-A947-70E740481C1C}">
-                <a14:useLocalDpi xmlns:a14="http://schemas.microsoft.com/office/drawing/2010/main" val="0"/>
-              </a:ext>
-            </a:extLst>
-          </a:blip>
-          <a:stretch>
-            <a:fillRect/>
-          </a:stretch>
-        </p:blipFill>
-        <p:spPr>
-          <a:xfrm>
-            <a:off x="631273" y="2875929"/>
-            <a:ext cx="3781000" cy="3618957"/>
-          </a:xfrm>
-          <a:prstGeom prst="rect">
-            <a:avLst/>
-          </a:prstGeom>
-          <a:ln>
-            <a:solidFill>
-              <a:schemeClr val="bg2">
-                <a:lumMod val="75000"/>
-              </a:schemeClr>
-            </a:solidFill>
-          </a:ln>
-        </p:spPr>
-      </p:pic>
-      <p:pic>
-        <p:nvPicPr>
-          <p:cNvPr id="6" name="Picture 5">
-            <a:extLst>
-              <a:ext uri="{FF2B5EF4-FFF2-40B4-BE49-F238E27FC236}">
-                <a16:creationId xmlns:a16="http://schemas.microsoft.com/office/drawing/2014/main" id="{1FD32765-E7A8-CE79-0F5A-43A3A8428691}"/>
-              </a:ext>
-            </a:extLst>
-          </p:cNvPr>
-          <p:cNvPicPr>
-            <a:picLocks noChangeAspect="1"/>
-          </p:cNvPicPr>
-          <p:nvPr/>
-        </p:nvPicPr>
-        <p:blipFill>
-          <a:blip r:embed="rId4">
-            <a:extLst>
-              <a:ext uri="{28A0092B-C50C-407E-A947-70E740481C1C}">
-                <a14:useLocalDpi xmlns:a14="http://schemas.microsoft.com/office/drawing/2010/main" val="0"/>
-              </a:ext>
-            </a:extLst>
-          </a:blip>
-          <a:stretch>
-            <a:fillRect/>
-          </a:stretch>
-        </p:blipFill>
-        <p:spPr>
-          <a:xfrm>
-            <a:off x="6901934" y="2365202"/>
-            <a:ext cx="4482401" cy="4290298"/>
-          </a:xfrm>
-          <a:prstGeom prst="rect">
-            <a:avLst/>
-          </a:prstGeom>
-          <a:ln>
-            <a:solidFill>
-              <a:schemeClr val="bg2">
-                <a:lumMod val="75000"/>
-              </a:schemeClr>
-            </a:solidFill>
-          </a:ln>
-        </p:spPr>
-      </p:pic>
-      <p:sp>
-        <p:nvSpPr>
-          <p:cNvPr id="7" name="Arrow: Right 10">
-            <a:extLst>
-              <a:ext uri="{FF2B5EF4-FFF2-40B4-BE49-F238E27FC236}">
-                <a16:creationId xmlns:a16="http://schemas.microsoft.com/office/drawing/2014/main" id="{39B3CE4C-E871-D3EE-D694-9526A9D9D815}"/>
-              </a:ext>
-            </a:extLst>
-          </p:cNvPr>
-          <p:cNvSpPr/>
-          <p:nvPr/>
-        </p:nvSpPr>
-        <p:spPr>
-          <a:xfrm>
-            <a:off x="5162103" y="4156455"/>
-            <a:ext cx="990000" cy="707792"/>
-          </a:xfrm>
-          <a:prstGeom prst="rightArrow">
-            <a:avLst/>
-          </a:prstGeom>
-          <a:solidFill>
-            <a:schemeClr val="tx1"/>
-          </a:solidFill>
-          <a:ln>
-            <a:solidFill>
-              <a:schemeClr val="tx1"/>
-            </a:solidFill>
-          </a:ln>
-        </p:spPr>
-        <p:style>
-          <a:lnRef idx="2">
-            <a:schemeClr val="accent1">
-              <a:shade val="50000"/>
-            </a:schemeClr>
-          </a:lnRef>
-          <a:fillRef idx="1">
-            <a:schemeClr val="accent1"/>
-          </a:fillRef>
-          <a:effectRef idx="0">
-            <a:schemeClr val="accent1"/>
-          </a:effectRef>
-          <a:fontRef idx="minor">
-            <a:schemeClr val="lt1"/>
-          </a:fontRef>
-        </p:style>
-        <p:txBody>
-          <a:bodyPr rtlCol="0" anchor="ctr"/>
-          <a:lstStyle/>
-          <a:p>
-            <a:pPr algn="ctr"/>
-            <a:endParaRPr lang="en-US" sz="2799"/>
-          </a:p>
-        </p:txBody>
-      </p:sp>
-    </p:spTree>
-    <p:extLst>
-      <p:ext uri="{BB962C8B-B14F-4D97-AF65-F5344CB8AC3E}">
-        <p14:creationId xmlns:p14="http://schemas.microsoft.com/office/powerpoint/2010/main" val="3008397494"/>
-      </p:ext>
-    </p:extLst>
-  </p:cSld>
-  <p:clrMapOvr>
-    <a:masterClrMapping/>
-  </p:clrMapOvr>
-  <mc:AlternateContent xmlns:mc="http://schemas.openxmlformats.org/markup-compatibility/2006" xmlns:p14="http://schemas.microsoft.com/office/powerpoint/2010/main">
-    <mc:Choice Requires="p14">
-      <p:transition spd="slow" p14:dur="2000" advClick="0" advTm="5000"/>
-    </mc:Choice>
-    <mc:Fallback xmlns="">
-      <p:transition spd="slow" advClick="0" advTm="5000"/>
-    </mc:Fallback>
-  </mc:AlternateContent>
-  <p:timing>
-    <p:tnLst>
-      <p:par>
-        <p:cTn id="1" dur="indefinite" restart="never" nodeType="tmRoot">
-          <p:childTnLst>
-            <p:seq concurrent="1" nextAc="seek">
-              <p:cTn id="2" dur="indefinite" nodeType="mainSeq">
-                <p:childTnLst>
-                  <p:par>
-                    <p:cTn id="3" fill="hold">
-                      <p:stCondLst>
-                        <p:cond delay="indefinite"/>
-                        <p:cond evt="onBegin" delay="0">
-                          <p:tn val="2"/>
-                        </p:cond>
-                      </p:stCondLst>
-                      <p:childTnLst>
-                        <p:par>
-                          <p:cTn id="4" fill="hold">
-                            <p:stCondLst>
-                              <p:cond delay="0"/>
-                            </p:stCondLst>
-                            <p:childTnLst>
-                              <p:par>
-                                <p:cTn id="5" presetID="1" presetClass="entr" presetSubtype="0" fill="hold" nodeType="withEffect">
-                                  <p:stCondLst>
-                                    <p:cond delay="0"/>
-                                  </p:stCondLst>
-                                  <p:childTnLst>
-                                    <p:set>
-                                      <p:cBhvr>
-                                        <p:cTn id="6" dur="1" fill="hold">
-                                          <p:stCondLst>
-                                            <p:cond delay="0"/>
-                                          </p:stCondLst>
-                                        </p:cTn>
-                                        <p:tgtEl>
-                                          <p:spTgt spid="8">
-                                            <p:txEl>
-                                              <p:pRg st="0" end="0"/>
-                                            </p:txEl>
-                                          </p:spTgt>
-                                        </p:tgtEl>
-                                        <p:attrNameLst>
-                                          <p:attrName>style.visibility</p:attrName>
-                                        </p:attrNameLst>
-                                      </p:cBhvr>
-                                      <p:to>
-                                        <p:strVal val="visible"/>
-                                      </p:to>
-                                    </p:set>
-                                  </p:childTnLst>
-                                </p:cTn>
-                              </p:par>
-                              <p:par>
-                                <p:cTn id="7" presetID="1" presetClass="entr" presetSubtype="0" fill="hold" nodeType="withEffect">
-                                  <p:stCondLst>
-                                    <p:cond delay="0"/>
-                                  </p:stCondLst>
-                                  <p:childTnLst>
-                                    <p:set>
-                                      <p:cBhvr>
-                                        <p:cTn id="8" dur="1" fill="hold">
-                                          <p:stCondLst>
-                                            <p:cond delay="0"/>
-                                          </p:stCondLst>
-                                        </p:cTn>
-                                        <p:tgtEl>
-                                          <p:spTgt spid="3"/>
-                                        </p:tgtEl>
-                                        <p:attrNameLst>
-                                          <p:attrName>style.visibility</p:attrName>
-                                        </p:attrNameLst>
-                                      </p:cBhvr>
-                                      <p:to>
-                                        <p:strVal val="visible"/>
-                                      </p:to>
-                                    </p:set>
-                                  </p:childTnLst>
-                                </p:cTn>
-                              </p:par>
-                            </p:childTnLst>
-                          </p:cTn>
-                        </p:par>
-                      </p:childTnLst>
-                    </p:cTn>
-                  </p:par>
-                  <p:par>
-                    <p:cTn id="9" fill="hold">
-                      <p:stCondLst>
-                        <p:cond delay="indefinite"/>
-                      </p:stCondLst>
-                      <p:childTnLst>
-                        <p:par>
-                          <p:cTn id="10" fill="hold">
-                            <p:stCondLst>
-                              <p:cond delay="0"/>
-                            </p:stCondLst>
-                            <p:childTnLst>
-                              <p:par>
-                                <p:cTn id="11" presetID="1" presetClass="entr" presetSubtype="0" fill="hold" nodeType="clickEffect">
-                                  <p:stCondLst>
-                                    <p:cond delay="0"/>
-                                  </p:stCondLst>
-                                  <p:childTnLst>
-                                    <p:set>
-                                      <p:cBhvr>
-                                        <p:cTn id="12" dur="1" fill="hold">
-                                          <p:stCondLst>
-                                            <p:cond delay="0"/>
-                                          </p:stCondLst>
-                                        </p:cTn>
-                                        <p:tgtEl>
-                                          <p:spTgt spid="8">
-                                            <p:txEl>
-                                              <p:pRg st="1" end="1"/>
-                                            </p:txEl>
-                                          </p:spTgt>
-                                        </p:tgtEl>
-                                        <p:attrNameLst>
-                                          <p:attrName>style.visibility</p:attrName>
-                                        </p:attrNameLst>
-                                      </p:cBhvr>
-                                      <p:to>
-                                        <p:strVal val="visible"/>
-                                      </p:to>
-                                    </p:set>
-                                  </p:childTnLst>
-                                </p:cTn>
-                              </p:par>
-                              <p:par>
-                                <p:cTn id="13" presetID="1" presetClass="entr" presetSubtype="0" fill="hold" grpId="0" nodeType="withEffect">
-                                  <p:stCondLst>
-                                    <p:cond delay="0"/>
-                                  </p:stCondLst>
-                                  <p:childTnLst>
-                                    <p:set>
-                                      <p:cBhvr>
-                                        <p:cTn id="14" dur="1" fill="hold">
-                                          <p:stCondLst>
-                                            <p:cond delay="0"/>
-                                          </p:stCondLst>
-                                        </p:cTn>
-                                        <p:tgtEl>
-                                          <p:spTgt spid="7"/>
-                                        </p:tgtEl>
-                                        <p:attrNameLst>
-                                          <p:attrName>style.visibility</p:attrName>
-                                        </p:attrNameLst>
-                                      </p:cBhvr>
-                                      <p:to>
-                                        <p:strVal val="visible"/>
-                                      </p:to>
-                                    </p:set>
-                                  </p:childTnLst>
-                                </p:cTn>
-                              </p:par>
-                              <p:par>
-                                <p:cTn id="15" presetID="1" presetClass="entr" presetSubtype="0" fill="hold" nodeType="withEffect">
-                                  <p:stCondLst>
-                                    <p:cond delay="0"/>
-                                  </p:stCondLst>
-                                  <p:childTnLst>
-                                    <p:set>
-                                      <p:cBhvr>
-                                        <p:cTn id="16" dur="1" fill="hold">
-                                          <p:stCondLst>
-                                            <p:cond delay="0"/>
-                                          </p:stCondLst>
-                                        </p:cTn>
-                                        <p:tgtEl>
-                                          <p:spTgt spid="6"/>
-                                        </p:tgtEl>
-                                        <p:attrNameLst>
-                                          <p:attrName>style.visibility</p:attrName>
-                                        </p:attrNameLst>
-                                      </p:cBhvr>
-                                      <p:to>
-                                        <p:strVal val="visible"/>
-                                      </p:to>
-                                    </p:set>
-                                  </p:childTnLst>
-                                </p:cTn>
-                              </p:par>
-                            </p:childTnLst>
-                          </p:cTn>
-                        </p:par>
-                      </p:childTnLst>
-                    </p:cTn>
-                  </p:par>
-                </p:childTnLst>
-              </p:cTn>
-              <p:prevCondLst>
-                <p:cond evt="onPrev" delay="0">
-                  <p:tgtEl>
-                    <p:sldTgt/>
-                  </p:tgtEl>
-                </p:cond>
-              </p:prevCondLst>
-              <p:nextCondLst>
-                <p:cond evt="onNext" delay="0">
-                  <p:tgtEl>
-                    <p:sldTgt/>
-                  </p:tgtEl>
-                </p:cond>
-              </p:nextCondLst>
-            </p:seq>
-          </p:childTnLst>
-        </p:cTn>
-      </p:par>
-    </p:tnLst>
-    <p:bldLst>
-      <p:bldP spid="7" grpId="0" animBg="1"/>
-    </p:bldLst>
-  </p:timing>
-</p:sld>
-</file>
-
-<file path=ppt/slides/slide22.xml><?xml version="1.0" encoding="utf-8"?>
-<p:sld xmlns:a="http://schemas.openxmlformats.org/drawingml/2006/main" xmlns:r="http://schemas.openxmlformats.org/officeDocument/2006/relationships" xmlns:p="http://schemas.openxmlformats.org/presentationml/2006/main">
-  <p:cSld>
-    <p:spTree>
-      <p:nvGrpSpPr>
-        <p:cNvPr id="1" name=""/>
-        <p:cNvGrpSpPr/>
-        <p:nvPr/>
-      </p:nvGrpSpPr>
-      <p:grpSpPr>
-        <a:xfrm>
-          <a:off x="0" y="0"/>
-          <a:ext cx="0" cy="0"/>
-          <a:chOff x="0" y="0"/>
-          <a:chExt cx="0" cy="0"/>
-        </a:xfrm>
-      </p:grpSpPr>
-      <p:sp>
-        <p:nvSpPr>
-          <p:cNvPr id="9" name="Slide Number">
-            <a:extLst>
-              <a:ext uri="{FF2B5EF4-FFF2-40B4-BE49-F238E27FC236}">
-                <a16:creationId xmlns:a16="http://schemas.microsoft.com/office/drawing/2014/main" id="{8891F045-A272-4231-985A-53063F832AC8}"/>
-              </a:ext>
-            </a:extLst>
-          </p:cNvPr>
-          <p:cNvSpPr>
-            <a:spLocks noGrp="1"/>
-          </p:cNvSpPr>
-          <p:nvPr>
-            <p:ph type="sldNum" sz="quarter" idx="5"/>
-          </p:nvPr>
-        </p:nvSpPr>
-        <p:spPr>
-          <a:xfrm>
-            <a:off x="11753030" y="6507000"/>
-            <a:ext cx="367414" cy="297000"/>
-          </a:xfrm>
-        </p:spPr>
-        <p:txBody>
-          <a:bodyPr vert="horz" lIns="91440" tIns="45720" rIns="91440" bIns="45720" rtlCol="0" anchor="b"/>
-          <a:lstStyle>
-            <a:lvl1pPr algn="r">
-              <a:defRPr sz="1000"/>
-            </a:lvl1pPr>
-          </a:lstStyle>
-          <a:p>
-            <a:fld id="{2BF067CD-8E6B-4360-9AA8-C5DF2A48A6D1}" type="slidenum">
-              <a:rPr lang="en-US" smtClean="0"/>
-              <a:pPr/>
-              <a:t>22</a:t>
-            </a:fld>
-            <a:endParaRPr lang="en-US" dirty="0"/>
-          </a:p>
-        </p:txBody>
-      </p:sp>
-      <p:sp>
-        <p:nvSpPr>
-          <p:cNvPr id="4" name="Slide Title"/>
-          <p:cNvSpPr>
-            <a:spLocks noGrp="1"/>
-          </p:cNvSpPr>
-          <p:nvPr>
-            <p:ph type="title"/>
-          </p:nvPr>
-        </p:nvSpPr>
-        <p:spPr>
-          <a:xfrm>
-            <a:off x="190406" y="100750"/>
-            <a:ext cx="10270594" cy="882654"/>
-          </a:xfrm>
-        </p:spPr>
-        <p:txBody>
-          <a:bodyPr>
-            <a:normAutofit/>
-          </a:bodyPr>
-          <a:lstStyle/>
-          <a:p>
-            <a:r>
-              <a:rPr lang="bg-BG" i="0" dirty="0">
-                <a:effectLst/>
-              </a:rPr>
               <a:t>Резултат</a:t>
             </a:r>
             <a:endParaRPr lang="en-US" dirty="0"/>
@@ -22627,7 +21853,7 @@
 </p:sld>
 </file>
 
-<file path=ppt/slides/slide23.xml><?xml version="1.0" encoding="utf-8"?>
+<file path=ppt/slides/slide21.xml><?xml version="1.0" encoding="utf-8"?>
 <p:sld xmlns:a="http://schemas.openxmlformats.org/drawingml/2006/main" xmlns:r="http://schemas.openxmlformats.org/officeDocument/2006/relationships" xmlns:p="http://schemas.openxmlformats.org/presentationml/2006/main">
   <p:cSld>
     <p:spTree>
@@ -22784,7 +22010,7 @@
 </p:sld>
 </file>
 
-<file path=ppt/slides/slide24.xml><?xml version="1.0" encoding="utf-8"?>
+<file path=ppt/slides/slide22.xml><?xml version="1.0" encoding="utf-8"?>
 <p:sld xmlns:a="http://schemas.openxmlformats.org/drawingml/2006/main" xmlns:r="http://schemas.openxmlformats.org/officeDocument/2006/relationships" xmlns:p="http://schemas.openxmlformats.org/presentationml/2006/main">
   <p:cSld>
     <p:spTree>
@@ -22834,7 +22060,7 @@
             <a:fld id="{2BF067CD-8E6B-4360-9AA8-C5DF2A48A6D1}" type="slidenum">
               <a:rPr lang="en-US" smtClean="0"/>
               <a:pPr/>
-              <a:t>24</a:t>
+              <a:t>22</a:t>
             </a:fld>
             <a:endParaRPr lang="en-US" dirty="0"/>
           </a:p>
@@ -23071,7 +22297,7 @@
             </a:r>
             <a:r>
               <a:rPr lang="en-US" sz="2900" dirty="0"/>
-              <a:t> [</a:t>
+              <a:t> </a:t>
             </a:r>
             <a:r>
               <a:rPr lang="en-US" sz="2900" b="1" dirty="0">
@@ -23079,11 +22305,7 @@
                   <a:schemeClr val="bg1"/>
                 </a:solidFill>
               </a:rPr>
-              <a:t>Package Manager Console</a:t>
-            </a:r>
-            <a:r>
-              <a:rPr lang="en-US" sz="2900" dirty="0"/>
-              <a:t>]</a:t>
+              <a:t>[Package Manager Console]</a:t>
             </a:r>
             <a:endParaRPr lang="bg-BG" sz="2900" b="1" dirty="0">
               <a:solidFill>
@@ -23401,7 +22623,7 @@
 </p:sld>
 </file>
 
-<file path=ppt/slides/slide25.xml><?xml version="1.0" encoding="utf-8"?>
+<file path=ppt/slides/slide23.xml><?xml version="1.0" encoding="utf-8"?>
 <p:sld xmlns:a="http://schemas.openxmlformats.org/drawingml/2006/main" xmlns:r="http://schemas.openxmlformats.org/officeDocument/2006/relationships" xmlns:p="http://schemas.openxmlformats.org/presentationml/2006/main">
   <p:cSld>
     <p:spTree>
@@ -23451,7 +22673,7 @@
             <a:fld id="{2BF067CD-8E6B-4360-9AA8-C5DF2A48A6D1}" type="slidenum">
               <a:rPr lang="en-US" smtClean="0"/>
               <a:pPr/>
-              <a:t>25</a:t>
+              <a:t>23</a:t>
             </a:fld>
             <a:endParaRPr lang="en-US" dirty="0"/>
           </a:p>
@@ -24037,7 +23259,7 @@
 </p:sld>
 </file>
 
-<file path=ppt/slides/slide26.xml><?xml version="1.0" encoding="utf-8"?>
+<file path=ppt/slides/slide24.xml><?xml version="1.0" encoding="utf-8"?>
 <p:sld xmlns:a="http://schemas.openxmlformats.org/drawingml/2006/main" xmlns:r="http://schemas.openxmlformats.org/officeDocument/2006/relationships" xmlns:p="http://schemas.openxmlformats.org/presentationml/2006/main">
   <p:cSld>
     <p:spTree>
@@ -24087,7 +23309,7 @@
             <a:fld id="{2BF067CD-8E6B-4360-9AA8-C5DF2A48A6D1}" type="slidenum">
               <a:rPr lang="en-US" smtClean="0"/>
               <a:pPr/>
-              <a:t>26</a:t>
+              <a:t>24</a:t>
             </a:fld>
             <a:endParaRPr lang="en-US" dirty="0"/>
           </a:p>
@@ -24658,7 +23880,7 @@
 </p:sld>
 </file>
 
-<file path=ppt/slides/slide27.xml><?xml version="1.0" encoding="utf-8"?>
+<file path=ppt/slides/slide25.xml><?xml version="1.0" encoding="utf-8"?>
 <p:sld xmlns:a="http://schemas.openxmlformats.org/drawingml/2006/main" xmlns:r="http://schemas.openxmlformats.org/officeDocument/2006/relationships" xmlns:p="http://schemas.openxmlformats.org/presentationml/2006/main">
   <p:cSld>
     <p:spTree>
@@ -24801,7 +24023,7 @@
 </p:sld>
 </file>
 
-<file path=ppt/slides/slide28.xml><?xml version="1.0" encoding="utf-8"?>
+<file path=ppt/slides/slide26.xml><?xml version="1.0" encoding="utf-8"?>
 <p:sld xmlns:a="http://schemas.openxmlformats.org/drawingml/2006/main" xmlns:r="http://schemas.openxmlformats.org/officeDocument/2006/relationships" xmlns:p="http://schemas.openxmlformats.org/presentationml/2006/main">
   <p:cSld>
     <p:spTree>
@@ -24851,7 +24073,7 @@
             <a:fld id="{2BF067CD-8E6B-4360-9AA8-C5DF2A48A6D1}" type="slidenum">
               <a:rPr lang="en-US" smtClean="0"/>
               <a:pPr/>
-              <a:t>28</a:t>
+              <a:t>26</a:t>
             </a:fld>
             <a:endParaRPr lang="en-US" dirty="0"/>
           </a:p>
@@ -25725,7 +24947,7 @@
 </p:sld>
 </file>
 
-<file path=ppt/slides/slide29.xml><?xml version="1.0" encoding="utf-8"?>
+<file path=ppt/slides/slide27.xml><?xml version="1.0" encoding="utf-8"?>
 <p:sld xmlns:a="http://schemas.openxmlformats.org/drawingml/2006/main" xmlns:r="http://schemas.openxmlformats.org/officeDocument/2006/relationships" xmlns:p="http://schemas.openxmlformats.org/presentationml/2006/main">
   <p:cSld>
     <p:spTree>
@@ -25775,7 +24997,7 @@
             <a:fld id="{2BF067CD-8E6B-4360-9AA8-C5DF2A48A6D1}" type="slidenum">
               <a:rPr lang="en-US" smtClean="0"/>
               <a:pPr/>
-              <a:t>29</a:t>
+              <a:t>27</a:t>
             </a:fld>
             <a:endParaRPr lang="en-US" dirty="0"/>
           </a:p>
@@ -26189,7 +25411,7 @@
                 <a:latin typeface="Consolas" pitchFamily="49" charset="0"/>
                 <a:cs typeface="Consolas" pitchFamily="49" charset="0"/>
               </a:rPr>
-              <a:t>var context = new SoftUniContext();</a:t>
+              <a:t>var context = new DbContext();</a:t>
             </a:r>
           </a:p>
         </p:txBody>
@@ -26590,142 +25812,7 @@
 </p:sld>
 </file>
 
-<file path=ppt/slides/slide3.xml><?xml version="1.0" encoding="utf-8"?>
-<p:sld xmlns:a="http://schemas.openxmlformats.org/drawingml/2006/main" xmlns:r="http://schemas.openxmlformats.org/officeDocument/2006/relationships" xmlns:p="http://schemas.openxmlformats.org/presentationml/2006/main">
-  <p:cSld>
-    <p:spTree>
-      <p:nvGrpSpPr>
-        <p:cNvPr id="1" name=""/>
-        <p:cNvGrpSpPr/>
-        <p:nvPr/>
-      </p:nvGrpSpPr>
-      <p:grpSpPr>
-        <a:xfrm>
-          <a:off x="0" y="0"/>
-          <a:ext cx="0" cy="0"/>
-          <a:chOff x="0" y="0"/>
-          <a:chExt cx="0" cy="0"/>
-        </a:xfrm>
-      </p:grpSpPr>
-      <p:sp>
-        <p:nvSpPr>
-          <p:cNvPr id="4" name="Slide Subtitle">
-            <a:extLst>
-              <a:ext uri="{FF2B5EF4-FFF2-40B4-BE49-F238E27FC236}">
-                <a16:creationId xmlns:a16="http://schemas.microsoft.com/office/drawing/2014/main" id="{BEB5BB41-09D4-4E9F-8C80-EE8709171CB3}"/>
-              </a:ext>
-            </a:extLst>
-          </p:cNvPr>
-          <p:cNvSpPr>
-            <a:spLocks noGrp="1"/>
-          </p:cNvSpPr>
-          <p:nvPr>
-            <p:ph type="subTitle" sz="quarter" idx="11"/>
-          </p:nvPr>
-        </p:nvSpPr>
-        <p:spPr/>
-        <p:txBody>
-          <a:bodyPr/>
-          <a:lstStyle/>
-          <a:p>
-            <a:r>
-              <a:rPr lang="en-US" dirty="0"/>
-              <a:t>Object-Relational Mapping</a:t>
-            </a:r>
-            <a:endParaRPr lang="bg-BG" dirty="0"/>
-          </a:p>
-        </p:txBody>
-      </p:sp>
-      <p:sp>
-        <p:nvSpPr>
-          <p:cNvPr id="6" name="Slide Title">
-            <a:extLst>
-              <a:ext uri="{FF2B5EF4-FFF2-40B4-BE49-F238E27FC236}">
-                <a16:creationId xmlns:a16="http://schemas.microsoft.com/office/drawing/2014/main" id="{028D9EA3-B5E0-4F17-9467-4BE3C280DA68}"/>
-              </a:ext>
-            </a:extLst>
-          </p:cNvPr>
-          <p:cNvSpPr>
-            <a:spLocks noGrp="1"/>
-          </p:cNvSpPr>
-          <p:nvPr>
-            <p:ph type="title" sz="quarter" idx="10"/>
-          </p:nvPr>
-        </p:nvSpPr>
-        <p:spPr/>
-        <p:txBody>
-          <a:bodyPr/>
-          <a:lstStyle/>
-          <a:p>
-            <a:r>
-              <a:rPr lang="bg-BG" dirty="0"/>
-              <a:t>Какво е </a:t>
-            </a:r>
-            <a:r>
-              <a:rPr lang="en-US" dirty="0"/>
-              <a:t>ORM?</a:t>
-            </a:r>
-          </a:p>
-        </p:txBody>
-      </p:sp>
-      <p:pic>
-        <p:nvPicPr>
-          <p:cNvPr id="8" name="Picture 7">
-            <a:extLst>
-              <a:ext uri="{FF2B5EF4-FFF2-40B4-BE49-F238E27FC236}">
-                <a16:creationId xmlns:a16="http://schemas.microsoft.com/office/drawing/2014/main" id="{0FAD798F-68A8-264A-F25C-7525C06EB04D}"/>
-              </a:ext>
-            </a:extLst>
-          </p:cNvPr>
-          <p:cNvPicPr>
-            <a:picLocks noChangeAspect="1"/>
-          </p:cNvPicPr>
-          <p:nvPr/>
-        </p:nvPicPr>
-        <p:blipFill>
-          <a:blip r:embed="rId3">
-            <a:extLst>
-              <a:ext uri="{28A0092B-C50C-407E-A947-70E740481C1C}">
-                <a14:useLocalDpi xmlns:a14="http://schemas.microsoft.com/office/drawing/2010/main" val="0"/>
-              </a:ext>
-            </a:extLst>
-          </a:blip>
-          <a:stretch>
-            <a:fillRect/>
-          </a:stretch>
-        </p:blipFill>
-        <p:spPr>
-          <a:xfrm>
-            <a:off x="5092700" y="1718741"/>
-            <a:ext cx="2006600" cy="2006600"/>
-          </a:xfrm>
-          <a:prstGeom prst="rect">
-            <a:avLst/>
-          </a:prstGeom>
-        </p:spPr>
-      </p:pic>
-    </p:spTree>
-    <p:extLst>
-      <p:ext uri="{BB962C8B-B14F-4D97-AF65-F5344CB8AC3E}">
-        <p14:creationId xmlns:p14="http://schemas.microsoft.com/office/powerpoint/2010/main" val="882194472"/>
-      </p:ext>
-    </p:extLst>
-  </p:cSld>
-  <p:clrMapOvr>
-    <a:masterClrMapping/>
-  </p:clrMapOvr>
-  <mc:AlternateContent xmlns:mc="http://schemas.openxmlformats.org/markup-compatibility/2006" xmlns:p14="http://schemas.microsoft.com/office/powerpoint/2010/main">
-    <mc:Choice Requires="p14">
-      <p:transition spd="slow" p14:dur="2000" advClick="0" advTm="5000"/>
-    </mc:Choice>
-    <mc:Fallback xmlns="">
-      <p:transition spd="slow" advClick="0" advTm="5000"/>
-    </mc:Fallback>
-  </mc:AlternateContent>
-</p:sld>
-</file>
-
-<file path=ppt/slides/slide30.xml><?xml version="1.0" encoding="utf-8"?>
+<file path=ppt/slides/slide28.xml><?xml version="1.0" encoding="utf-8"?>
 <p:sld xmlns:a="http://schemas.openxmlformats.org/drawingml/2006/main" xmlns:r="http://schemas.openxmlformats.org/officeDocument/2006/relationships" xmlns:p="http://schemas.openxmlformats.org/presentationml/2006/main">
   <p:cSld>
     <p:spTree>
@@ -26775,7 +25862,7 @@
             <a:fld id="{2BF067CD-8E6B-4360-9AA8-C5DF2A48A6D1}" type="slidenum">
               <a:rPr lang="en-US" smtClean="0"/>
               <a:pPr/>
-              <a:t>30</a:t>
+              <a:t>28</a:t>
             </a:fld>
             <a:endParaRPr lang="en-US" dirty="0"/>
           </a:p>
@@ -27797,7 +26884,7 @@
 </p:sld>
 </file>
 
-<file path=ppt/slides/slide31.xml><?xml version="1.0" encoding="utf-8"?>
+<file path=ppt/slides/slide29.xml><?xml version="1.0" encoding="utf-8"?>
 <p:sld xmlns:a="http://schemas.openxmlformats.org/drawingml/2006/main" xmlns:r="http://schemas.openxmlformats.org/officeDocument/2006/relationships" xmlns:p="http://schemas.openxmlformats.org/presentationml/2006/main">
   <p:cSld>
     <p:spTree>
@@ -27847,7 +26934,7 @@
             <a:fld id="{2BF067CD-8E6B-4360-9AA8-C5DF2A48A6D1}" type="slidenum">
               <a:rPr lang="en-US" smtClean="0"/>
               <a:pPr/>
-              <a:t>31</a:t>
+              <a:t>29</a:t>
             </a:fld>
             <a:endParaRPr lang="en-US" dirty="0"/>
           </a:p>
@@ -28433,7 +27520,2159 @@
 </p:sld>
 </file>
 
+<file path=ppt/slides/slide3.xml><?xml version="1.0" encoding="utf-8"?>
+<p:sld xmlns:a="http://schemas.openxmlformats.org/drawingml/2006/main" xmlns:r="http://schemas.openxmlformats.org/officeDocument/2006/relationships" xmlns:p="http://schemas.openxmlformats.org/presentationml/2006/main">
+  <p:cSld>
+    <p:spTree>
+      <p:nvGrpSpPr>
+        <p:cNvPr id="1" name=""/>
+        <p:cNvGrpSpPr/>
+        <p:nvPr/>
+      </p:nvGrpSpPr>
+      <p:grpSpPr>
+        <a:xfrm>
+          <a:off x="0" y="0"/>
+          <a:ext cx="0" cy="0"/>
+          <a:chOff x="0" y="0"/>
+          <a:chExt cx="0" cy="0"/>
+        </a:xfrm>
+      </p:grpSpPr>
+      <p:sp>
+        <p:nvSpPr>
+          <p:cNvPr id="4" name="Slide Subtitle">
+            <a:extLst>
+              <a:ext uri="{FF2B5EF4-FFF2-40B4-BE49-F238E27FC236}">
+                <a16:creationId xmlns:a16="http://schemas.microsoft.com/office/drawing/2014/main" id="{BEB5BB41-09D4-4E9F-8C80-EE8709171CB3}"/>
+              </a:ext>
+            </a:extLst>
+          </p:cNvPr>
+          <p:cNvSpPr>
+            <a:spLocks noGrp="1"/>
+          </p:cNvSpPr>
+          <p:nvPr>
+            <p:ph type="subTitle" sz="quarter" idx="11"/>
+          </p:nvPr>
+        </p:nvSpPr>
+        <p:spPr/>
+        <p:txBody>
+          <a:bodyPr/>
+          <a:lstStyle/>
+          <a:p>
+            <a:r>
+              <a:rPr lang="en-US" dirty="0"/>
+              <a:t>Object-Relational Mapping</a:t>
+            </a:r>
+            <a:endParaRPr lang="bg-BG" dirty="0"/>
+          </a:p>
+        </p:txBody>
+      </p:sp>
+      <p:sp>
+        <p:nvSpPr>
+          <p:cNvPr id="6" name="Slide Title">
+            <a:extLst>
+              <a:ext uri="{FF2B5EF4-FFF2-40B4-BE49-F238E27FC236}">
+                <a16:creationId xmlns:a16="http://schemas.microsoft.com/office/drawing/2014/main" id="{028D9EA3-B5E0-4F17-9467-4BE3C280DA68}"/>
+              </a:ext>
+            </a:extLst>
+          </p:cNvPr>
+          <p:cNvSpPr>
+            <a:spLocks noGrp="1"/>
+          </p:cNvSpPr>
+          <p:nvPr>
+            <p:ph type="title" sz="quarter" idx="10"/>
+          </p:nvPr>
+        </p:nvSpPr>
+        <p:spPr/>
+        <p:txBody>
+          <a:bodyPr/>
+          <a:lstStyle/>
+          <a:p>
+            <a:r>
+              <a:rPr lang="bg-BG" dirty="0"/>
+              <a:t>Какво е </a:t>
+            </a:r>
+            <a:r>
+              <a:rPr lang="en-US" dirty="0"/>
+              <a:t>ORM?</a:t>
+            </a:r>
+          </a:p>
+        </p:txBody>
+      </p:sp>
+      <p:pic>
+        <p:nvPicPr>
+          <p:cNvPr id="8" name="Picture 7">
+            <a:extLst>
+              <a:ext uri="{FF2B5EF4-FFF2-40B4-BE49-F238E27FC236}">
+                <a16:creationId xmlns:a16="http://schemas.microsoft.com/office/drawing/2014/main" id="{0FAD798F-68A8-264A-F25C-7525C06EB04D}"/>
+              </a:ext>
+            </a:extLst>
+          </p:cNvPr>
+          <p:cNvPicPr>
+            <a:picLocks noChangeAspect="1"/>
+          </p:cNvPicPr>
+          <p:nvPr/>
+        </p:nvPicPr>
+        <p:blipFill>
+          <a:blip r:embed="rId3">
+            <a:extLst>
+              <a:ext uri="{28A0092B-C50C-407E-A947-70E740481C1C}">
+                <a14:useLocalDpi xmlns:a14="http://schemas.microsoft.com/office/drawing/2010/main" val="0"/>
+              </a:ext>
+            </a:extLst>
+          </a:blip>
+          <a:stretch>
+            <a:fillRect/>
+          </a:stretch>
+        </p:blipFill>
+        <p:spPr>
+          <a:xfrm>
+            <a:off x="5092700" y="1718741"/>
+            <a:ext cx="2006600" cy="2006600"/>
+          </a:xfrm>
+          <a:prstGeom prst="rect">
+            <a:avLst/>
+          </a:prstGeom>
+        </p:spPr>
+      </p:pic>
+    </p:spTree>
+    <p:extLst>
+      <p:ext uri="{BB962C8B-B14F-4D97-AF65-F5344CB8AC3E}">
+        <p14:creationId xmlns:p14="http://schemas.microsoft.com/office/powerpoint/2010/main" val="882194472"/>
+      </p:ext>
+    </p:extLst>
+  </p:cSld>
+  <p:clrMapOvr>
+    <a:masterClrMapping/>
+  </p:clrMapOvr>
+  <mc:AlternateContent xmlns:mc="http://schemas.openxmlformats.org/markup-compatibility/2006" xmlns:p14="http://schemas.microsoft.com/office/powerpoint/2010/main">
+    <mc:Choice Requires="p14">
+      <p:transition spd="slow" p14:dur="2000" advClick="0" advTm="5000"/>
+    </mc:Choice>
+    <mc:Fallback xmlns="">
+      <p:transition spd="slow" advClick="0" advTm="5000"/>
+    </mc:Fallback>
+  </mc:AlternateContent>
+</p:sld>
+</file>
+
+<file path=ppt/slides/slide30.xml><?xml version="1.0" encoding="utf-8"?>
+<p:sld xmlns:a="http://schemas.openxmlformats.org/drawingml/2006/main" xmlns:r="http://schemas.openxmlformats.org/officeDocument/2006/relationships" xmlns:p="http://schemas.openxmlformats.org/presentationml/2006/main">
+  <p:cSld>
+    <p:spTree>
+      <p:nvGrpSpPr>
+        <p:cNvPr id="1" name=""/>
+        <p:cNvGrpSpPr/>
+        <p:nvPr/>
+      </p:nvGrpSpPr>
+      <p:grpSpPr>
+        <a:xfrm>
+          <a:off x="0" y="0"/>
+          <a:ext cx="0" cy="0"/>
+          <a:chOff x="0" y="0"/>
+          <a:chExt cx="0" cy="0"/>
+        </a:xfrm>
+      </p:grpSpPr>
+      <p:sp>
+        <p:nvSpPr>
+          <p:cNvPr id="4" name="Slide Subtitle">
+            <a:extLst>
+              <a:ext uri="{FF2B5EF4-FFF2-40B4-BE49-F238E27FC236}">
+                <a16:creationId xmlns:a16="http://schemas.microsoft.com/office/drawing/2014/main" id="{BEB5BB41-09D4-4E9F-8C80-EE8709171CB3}"/>
+              </a:ext>
+            </a:extLst>
+          </p:cNvPr>
+          <p:cNvSpPr>
+            <a:spLocks noGrp="1"/>
+          </p:cNvSpPr>
+          <p:nvPr>
+            <p:ph type="subTitle" sz="quarter" idx="11"/>
+          </p:nvPr>
+        </p:nvSpPr>
+        <p:spPr/>
+        <p:txBody>
+          <a:bodyPr/>
+          <a:lstStyle/>
+          <a:p>
+            <a:r>
+              <a:rPr lang="en-US" dirty="0"/>
+              <a:t>Connection string</a:t>
+            </a:r>
+            <a:endParaRPr lang="bg-BG" dirty="0"/>
+          </a:p>
+        </p:txBody>
+      </p:sp>
+      <p:sp>
+        <p:nvSpPr>
+          <p:cNvPr id="6" name="Slide Title">
+            <a:extLst>
+              <a:ext uri="{FF2B5EF4-FFF2-40B4-BE49-F238E27FC236}">
+                <a16:creationId xmlns:a16="http://schemas.microsoft.com/office/drawing/2014/main" id="{028D9EA3-B5E0-4F17-9467-4BE3C280DA68}"/>
+              </a:ext>
+            </a:extLst>
+          </p:cNvPr>
+          <p:cNvSpPr>
+            <a:spLocks noGrp="1"/>
+          </p:cNvSpPr>
+          <p:nvPr>
+            <p:ph type="title" sz="quarter" idx="10"/>
+          </p:nvPr>
+        </p:nvSpPr>
+        <p:spPr/>
+        <p:txBody>
+          <a:bodyPr/>
+          <a:lstStyle/>
+          <a:p>
+            <a:r>
+              <a:rPr lang="bg-BG" sz="4400" dirty="0"/>
+              <a:t>Конфигурация на връзка към база данни</a:t>
+            </a:r>
+            <a:endParaRPr lang="en-US" sz="4400" dirty="0"/>
+          </a:p>
+        </p:txBody>
+      </p:sp>
+      <p:pic>
+        <p:nvPicPr>
+          <p:cNvPr id="3" name="Picture 2">
+            <a:extLst>
+              <a:ext uri="{FF2B5EF4-FFF2-40B4-BE49-F238E27FC236}">
+                <a16:creationId xmlns:a16="http://schemas.microsoft.com/office/drawing/2014/main" id="{14CDDCB1-5B75-BFCE-B37B-E4E70E35E5F8}"/>
+              </a:ext>
+            </a:extLst>
+          </p:cNvPr>
+          <p:cNvPicPr>
+            <a:picLocks noChangeAspect="1"/>
+          </p:cNvPicPr>
+          <p:nvPr/>
+        </p:nvPicPr>
+        <p:blipFill>
+          <a:blip r:embed="rId3">
+            <a:extLst>
+              <a:ext uri="{28A0092B-C50C-407E-A947-70E740481C1C}">
+                <a14:useLocalDpi xmlns:a14="http://schemas.microsoft.com/office/drawing/2010/main" val="0"/>
+              </a:ext>
+            </a:extLst>
+          </a:blip>
+          <a:stretch>
+            <a:fillRect/>
+          </a:stretch>
+        </p:blipFill>
+        <p:spPr>
+          <a:xfrm>
+            <a:off x="4989760" y="1719000"/>
+            <a:ext cx="2212479" cy="1866780"/>
+          </a:xfrm>
+          <a:prstGeom prst="rect">
+            <a:avLst/>
+          </a:prstGeom>
+        </p:spPr>
+      </p:pic>
+    </p:spTree>
+    <p:extLst>
+      <p:ext uri="{BB962C8B-B14F-4D97-AF65-F5344CB8AC3E}">
+        <p14:creationId xmlns:p14="http://schemas.microsoft.com/office/powerpoint/2010/main" val="3019120954"/>
+      </p:ext>
+    </p:extLst>
+  </p:cSld>
+  <p:clrMapOvr>
+    <a:masterClrMapping/>
+  </p:clrMapOvr>
+  <mc:AlternateContent xmlns:mc="http://schemas.openxmlformats.org/markup-compatibility/2006" xmlns:p14="http://schemas.microsoft.com/office/powerpoint/2010/main">
+    <mc:Choice Requires="p14">
+      <p:transition spd="slow" p14:dur="2000" advClick="0" advTm="5000"/>
+    </mc:Choice>
+    <mc:Fallback xmlns="">
+      <p:transition spd="slow" advClick="0" advTm="5000"/>
+    </mc:Fallback>
+  </mc:AlternateContent>
+</p:sld>
+</file>
+
+<file path=ppt/slides/slide31.xml><?xml version="1.0" encoding="utf-8"?>
+<p:sld xmlns:a="http://schemas.openxmlformats.org/drawingml/2006/main" xmlns:r="http://schemas.openxmlformats.org/officeDocument/2006/relationships" xmlns:p="http://schemas.openxmlformats.org/presentationml/2006/main">
+  <p:cSld>
+    <p:spTree>
+      <p:nvGrpSpPr>
+        <p:cNvPr id="1" name=""/>
+        <p:cNvGrpSpPr/>
+        <p:nvPr/>
+      </p:nvGrpSpPr>
+      <p:grpSpPr>
+        <a:xfrm>
+          <a:off x="0" y="0"/>
+          <a:ext cx="0" cy="0"/>
+          <a:chOff x="0" y="0"/>
+          <a:chExt cx="0" cy="0"/>
+        </a:xfrm>
+      </p:grpSpPr>
+      <p:sp>
+        <p:nvSpPr>
+          <p:cNvPr id="2" name="Slide Number Placeholder 1">
+            <a:extLst>
+              <a:ext uri="{FF2B5EF4-FFF2-40B4-BE49-F238E27FC236}">
+                <a16:creationId xmlns:a16="http://schemas.microsoft.com/office/drawing/2014/main" id="{826DA4E5-4903-C868-7BE8-4D5D608931BB}"/>
+              </a:ext>
+            </a:extLst>
+          </p:cNvPr>
+          <p:cNvSpPr>
+            <a:spLocks noGrp="1"/>
+          </p:cNvSpPr>
+          <p:nvPr>
+            <p:ph type="sldNum" sz="quarter" idx="5"/>
+          </p:nvPr>
+        </p:nvSpPr>
+        <p:spPr/>
+        <p:txBody>
+          <a:bodyPr/>
+          <a:lstStyle/>
+          <a:p>
+            <a:fld id="{2BF067CD-8E6B-4360-9AA8-C5DF2A48A6D1}" type="slidenum">
+              <a:rPr lang="en-US" noProof="0" smtClean="0"/>
+              <a:pPr/>
+              <a:t>31</a:t>
+            </a:fld>
+            <a:endParaRPr lang="en-US" noProof="0" dirty="0"/>
+          </a:p>
+        </p:txBody>
+      </p:sp>
+      <p:sp>
+        <p:nvSpPr>
+          <p:cNvPr id="3" name="Text Placeholder 2">
+            <a:extLst>
+              <a:ext uri="{FF2B5EF4-FFF2-40B4-BE49-F238E27FC236}">
+                <a16:creationId xmlns:a16="http://schemas.microsoft.com/office/drawing/2014/main" id="{A16E2FEB-0DED-FF7A-6C13-E672C49F8C0B}"/>
+              </a:ext>
+            </a:extLst>
+          </p:cNvPr>
+          <p:cNvSpPr>
+            <a:spLocks noGrp="1"/>
+          </p:cNvSpPr>
+          <p:nvPr>
+            <p:ph type="body" sz="quarter" idx="10"/>
+          </p:nvPr>
+        </p:nvSpPr>
+        <p:spPr/>
+        <p:txBody>
+          <a:bodyPr/>
+          <a:lstStyle/>
+          <a:p>
+            <a:r>
+              <a:rPr lang="bg-BG" dirty="0"/>
+              <a:t>В </a:t>
+            </a:r>
+            <a:r>
+              <a:rPr lang="en-GB" b="1" dirty="0">
+                <a:solidFill>
+                  <a:schemeClr val="bg1"/>
+                </a:solidFill>
+              </a:rPr>
+              <a:t>Entity Framework</a:t>
+            </a:r>
+            <a:r>
+              <a:rPr lang="en-GB" dirty="0"/>
+              <a:t>, </a:t>
+            </a:r>
+            <a:r>
+              <a:rPr lang="bg-BG" b="1" dirty="0"/>
+              <a:t>конфигурацията</a:t>
+            </a:r>
+            <a:r>
+              <a:rPr lang="bg-BG" dirty="0"/>
+              <a:t> на </a:t>
+            </a:r>
+            <a:r>
+              <a:rPr lang="bg-BG" b="1" dirty="0"/>
+              <a:t>връзката</a:t>
+            </a:r>
+            <a:r>
+              <a:rPr lang="bg-BG" dirty="0"/>
+              <a:t> към база данни се извършва чрез </a:t>
+            </a:r>
+            <a:r>
+              <a:rPr lang="bg-BG" b="1" dirty="0">
+                <a:solidFill>
+                  <a:schemeClr val="bg1"/>
+                </a:solidFill>
+              </a:rPr>
+              <a:t>задаване </a:t>
+            </a:r>
+            <a:r>
+              <a:rPr lang="bg-BG" dirty="0"/>
+              <a:t>на </a:t>
+            </a:r>
+            <a:r>
+              <a:rPr lang="en-GB" b="1" dirty="0">
+                <a:solidFill>
+                  <a:schemeClr val="bg1"/>
+                </a:solidFill>
+              </a:rPr>
+              <a:t>connection string</a:t>
+            </a:r>
+            <a:endParaRPr lang="bg-BG" b="1" dirty="0">
+              <a:solidFill>
+                <a:schemeClr val="bg1"/>
+              </a:solidFill>
+            </a:endParaRPr>
+          </a:p>
+          <a:p>
+            <a:pPr lvl="1"/>
+            <a:r>
+              <a:rPr lang="bg-BG" dirty="0"/>
+              <a:t>Той съдържа </a:t>
+            </a:r>
+            <a:r>
+              <a:rPr lang="bg-BG" b="1" dirty="0">
+                <a:solidFill>
+                  <a:schemeClr val="bg1"/>
+                </a:solidFill>
+              </a:rPr>
+              <a:t>информация</a:t>
+            </a:r>
+            <a:r>
+              <a:rPr lang="bg-BG" dirty="0"/>
+              <a:t> за </a:t>
+            </a:r>
+            <a:r>
+              <a:rPr lang="bg-BG" b="1" dirty="0"/>
+              <a:t>сървър</a:t>
+            </a:r>
+            <a:r>
+              <a:rPr lang="bg-BG" dirty="0"/>
+              <a:t>, </a:t>
+            </a:r>
+            <a:r>
+              <a:rPr lang="bg-BG" b="1" dirty="0"/>
+              <a:t>база данни</a:t>
+            </a:r>
+            <a:r>
+              <a:rPr lang="bg-BG" dirty="0"/>
+              <a:t>, </a:t>
+            </a:r>
+            <a:r>
+              <a:rPr lang="bg-BG" b="1" dirty="0"/>
+              <a:t>потребителско име </a:t>
+            </a:r>
+            <a:r>
+              <a:rPr lang="bg-BG" dirty="0"/>
+              <a:t>и </a:t>
+            </a:r>
+            <a:r>
+              <a:rPr lang="bg-BG" b="1" dirty="0"/>
+              <a:t>парола</a:t>
+            </a:r>
+            <a:r>
+              <a:rPr lang="bg-BG" dirty="0"/>
+              <a:t>, и други </a:t>
+            </a:r>
+            <a:r>
+              <a:rPr lang="bg-BG" b="1" dirty="0">
+                <a:solidFill>
+                  <a:schemeClr val="bg1"/>
+                </a:solidFill>
+              </a:rPr>
+              <a:t>параметри</a:t>
+            </a:r>
+            <a:endParaRPr lang="en-US" b="1" dirty="0">
+              <a:solidFill>
+                <a:schemeClr val="bg1"/>
+              </a:solidFill>
+            </a:endParaRPr>
+          </a:p>
+          <a:p>
+            <a:pPr lvl="1"/>
+            <a:r>
+              <a:rPr lang="bg-BG" b="1" dirty="0"/>
+              <a:t>Пример</a:t>
+            </a:r>
+            <a:r>
+              <a:rPr lang="bg-BG" dirty="0"/>
+              <a:t>:</a:t>
+            </a:r>
+            <a:endParaRPr lang="en-BG" dirty="0"/>
+          </a:p>
+          <a:p>
+            <a:endParaRPr lang="en-BG" dirty="0"/>
+          </a:p>
+        </p:txBody>
+      </p:sp>
+      <p:sp>
+        <p:nvSpPr>
+          <p:cNvPr id="4" name="Title 3">
+            <a:extLst>
+              <a:ext uri="{FF2B5EF4-FFF2-40B4-BE49-F238E27FC236}">
+                <a16:creationId xmlns:a16="http://schemas.microsoft.com/office/drawing/2014/main" id="{4F00B37C-338E-4D12-B850-43F40611BE48}"/>
+              </a:ext>
+            </a:extLst>
+          </p:cNvPr>
+          <p:cNvSpPr>
+            <a:spLocks noGrp="1"/>
+          </p:cNvSpPr>
+          <p:nvPr>
+            <p:ph type="title"/>
+          </p:nvPr>
+        </p:nvSpPr>
+        <p:spPr/>
+        <p:txBody>
+          <a:bodyPr/>
+          <a:lstStyle/>
+          <a:p>
+            <a:r>
+              <a:rPr lang="bg-BG" dirty="0"/>
+              <a:t>Какво е </a:t>
+            </a:r>
+            <a:r>
+              <a:rPr lang="en-US" dirty="0"/>
+              <a:t>connection </a:t>
+            </a:r>
+            <a:r>
+              <a:rPr lang="en-GB" dirty="0"/>
+              <a:t>string?</a:t>
+            </a:r>
+            <a:endParaRPr lang="en-BG" dirty="0"/>
+          </a:p>
+        </p:txBody>
+      </p:sp>
+      <p:sp>
+        <p:nvSpPr>
+          <p:cNvPr id="7" name="Text Placeholder 4">
+            <a:extLst>
+              <a:ext uri="{FF2B5EF4-FFF2-40B4-BE49-F238E27FC236}">
+                <a16:creationId xmlns:a16="http://schemas.microsoft.com/office/drawing/2014/main" id="{65CCF1E4-B174-1DDF-24C1-0C7400D33C51}"/>
+              </a:ext>
+            </a:extLst>
+          </p:cNvPr>
+          <p:cNvSpPr txBox="1">
+            <a:spLocks/>
+          </p:cNvSpPr>
+          <p:nvPr/>
+        </p:nvSpPr>
+        <p:spPr>
+          <a:xfrm>
+            <a:off x="1101000" y="4369213"/>
+            <a:ext cx="9663466" cy="1292662"/>
+          </a:xfrm>
+          <a:prstGeom prst="rect">
+            <a:avLst/>
+          </a:prstGeom>
+          <a:solidFill>
+            <a:schemeClr val="accent5">
+              <a:lumMod val="40000"/>
+              <a:lumOff val="60000"/>
+              <a:alpha val="15000"/>
+            </a:schemeClr>
+          </a:solidFill>
+          <a:ln w="12700">
+            <a:solidFill>
+              <a:schemeClr val="accent5">
+                <a:lumMod val="60000"/>
+                <a:lumOff val="40000"/>
+              </a:schemeClr>
+            </a:solidFill>
+          </a:ln>
+        </p:spPr>
+        <p:txBody>
+          <a:bodyPr wrap="square">
+            <a:spAutoFit/>
+          </a:bodyPr>
+          <a:lstStyle/>
+          <a:p>
+            <a:pPr>
+              <a:lnSpc>
+                <a:spcPct val="100000"/>
+              </a:lnSpc>
+            </a:pPr>
+            <a:r>
+              <a:rPr lang="en-US" sz="2600" b="1" noProof="1">
+                <a:latin typeface="Consolas" panose="020B0609020204030204" pitchFamily="49" charset="0"/>
+              </a:rPr>
+              <a:t>"Server=&lt;и</a:t>
+            </a:r>
+            <a:r>
+              <a:rPr lang="bg-BG" sz="2600" b="1" noProof="1">
+                <a:latin typeface="Consolas" panose="020B0609020204030204" pitchFamily="49" charset="0"/>
+              </a:rPr>
+              <a:t>ме на сървър</a:t>
+            </a:r>
+            <a:r>
+              <a:rPr lang="en-US" sz="2600" b="1" noProof="1">
+                <a:latin typeface="Consolas" panose="020B0609020204030204" pitchFamily="49" charset="0"/>
+              </a:rPr>
+              <a:t>&gt;;Initial Catalog=&lt;и</a:t>
+            </a:r>
+            <a:r>
+              <a:rPr lang="bg-BG" sz="2600" b="1" noProof="1">
+                <a:latin typeface="Consolas" panose="020B0609020204030204" pitchFamily="49" charset="0"/>
+              </a:rPr>
+              <a:t>ме на баз</a:t>
+            </a:r>
+            <a:r>
+              <a:rPr lang="en-US" sz="2600" b="1" noProof="1">
+                <a:latin typeface="Consolas" panose="020B0609020204030204" pitchFamily="49" charset="0"/>
+              </a:rPr>
+              <a:t>а </a:t>
+            </a:r>
+            <a:r>
+              <a:rPr lang="bg-BG" sz="2600" b="1" noProof="1">
+                <a:latin typeface="Consolas" panose="020B0609020204030204" pitchFamily="49" charset="0"/>
+              </a:rPr>
+              <a:t>данни</a:t>
+            </a:r>
+            <a:r>
+              <a:rPr lang="en-US" sz="2600" b="1" noProof="1">
+                <a:latin typeface="Consolas" panose="020B0609020204030204" pitchFamily="49" charset="0"/>
+              </a:rPr>
+              <a:t>&gt;;User=&lt;</a:t>
+            </a:r>
+            <a:r>
+              <a:rPr lang="bg-BG" sz="2600" b="1" noProof="1">
+                <a:latin typeface="Consolas" panose="020B0609020204030204" pitchFamily="49" charset="0"/>
+              </a:rPr>
+              <a:t>потребителско име</a:t>
+            </a:r>
+            <a:r>
+              <a:rPr lang="en-US" sz="2600" b="1" noProof="1">
+                <a:latin typeface="Consolas" panose="020B0609020204030204" pitchFamily="49" charset="0"/>
+              </a:rPr>
+              <a:t>&gt;</a:t>
+            </a:r>
+            <a:r>
+              <a:rPr lang="bg-BG" sz="2600" b="1" noProof="1">
+                <a:latin typeface="Consolas" panose="020B0609020204030204" pitchFamily="49" charset="0"/>
+              </a:rPr>
+              <a:t>;</a:t>
+            </a:r>
+            <a:r>
+              <a:rPr lang="en-US" sz="2600" b="1" noProof="1">
+                <a:latin typeface="Consolas" panose="020B0609020204030204" pitchFamily="49" charset="0"/>
+              </a:rPr>
+              <a:t>Password=</a:t>
+            </a:r>
+            <a:r>
+              <a:rPr lang="bg-BG" sz="2600" b="1" noProof="1">
+                <a:latin typeface="Consolas" panose="020B0609020204030204" pitchFamily="49" charset="0"/>
+              </a:rPr>
+              <a:t>&lt;парола</a:t>
+            </a:r>
+            <a:r>
+              <a:rPr lang="en-US" sz="2600" b="1" noProof="1">
+                <a:latin typeface="Consolas" panose="020B0609020204030204" pitchFamily="49" charset="0"/>
+              </a:rPr>
+              <a:t>&gt;</a:t>
+            </a:r>
+            <a:r>
+              <a:rPr lang="bg-BG" sz="2600" b="1" noProof="1">
+                <a:latin typeface="Consolas" panose="020B0609020204030204" pitchFamily="49" charset="0"/>
+              </a:rPr>
+              <a:t>;</a:t>
+            </a:r>
+            <a:r>
+              <a:rPr lang="en-US" sz="2600" b="1" noProof="1">
+                <a:latin typeface="Consolas" panose="020B0609020204030204" pitchFamily="49" charset="0"/>
+              </a:rPr>
+              <a:t>Integrated Security=True;"</a:t>
+            </a:r>
+          </a:p>
+        </p:txBody>
+      </p:sp>
+    </p:spTree>
+    <p:extLst>
+      <p:ext uri="{BB962C8B-B14F-4D97-AF65-F5344CB8AC3E}">
+        <p14:creationId xmlns:p14="http://schemas.microsoft.com/office/powerpoint/2010/main" val="2698054715"/>
+      </p:ext>
+    </p:extLst>
+  </p:cSld>
+  <p:clrMapOvr>
+    <a:masterClrMapping/>
+  </p:clrMapOvr>
+  <mc:AlternateContent xmlns:mc="http://schemas.openxmlformats.org/markup-compatibility/2006" xmlns:p14="http://schemas.microsoft.com/office/powerpoint/2010/main">
+    <mc:Choice Requires="p14">
+      <p:transition spd="slow" p14:dur="2000" advClick="0" advTm="5000"/>
+    </mc:Choice>
+    <mc:Fallback xmlns="">
+      <p:transition spd="slow" advClick="0" advTm="5000"/>
+    </mc:Fallback>
+  </mc:AlternateContent>
+  <p:timing>
+    <p:tnLst>
+      <p:par>
+        <p:cTn id="1" dur="indefinite" restart="never" nodeType="tmRoot">
+          <p:childTnLst>
+            <p:seq concurrent="1" nextAc="seek">
+              <p:cTn id="2" dur="indefinite" nodeType="mainSeq">
+                <p:childTnLst>
+                  <p:par>
+                    <p:cTn id="3" fill="hold">
+                      <p:stCondLst>
+                        <p:cond delay="indefinite"/>
+                        <p:cond evt="onBegin" delay="0">
+                          <p:tn val="2"/>
+                        </p:cond>
+                      </p:stCondLst>
+                      <p:childTnLst>
+                        <p:par>
+                          <p:cTn id="4" fill="hold">
+                            <p:stCondLst>
+                              <p:cond delay="0"/>
+                            </p:stCondLst>
+                            <p:childTnLst>
+                              <p:par>
+                                <p:cTn id="5" presetID="1" presetClass="entr" presetSubtype="0" fill="hold" nodeType="withEffect">
+                                  <p:stCondLst>
+                                    <p:cond delay="0"/>
+                                  </p:stCondLst>
+                                  <p:childTnLst>
+                                    <p:set>
+                                      <p:cBhvr>
+                                        <p:cTn id="6" dur="1" fill="hold">
+                                          <p:stCondLst>
+                                            <p:cond delay="0"/>
+                                          </p:stCondLst>
+                                        </p:cTn>
+                                        <p:tgtEl>
+                                          <p:spTgt spid="3">
+                                            <p:txEl>
+                                              <p:pRg st="0" end="0"/>
+                                            </p:txEl>
+                                          </p:spTgt>
+                                        </p:tgtEl>
+                                        <p:attrNameLst>
+                                          <p:attrName>style.visibility</p:attrName>
+                                        </p:attrNameLst>
+                                      </p:cBhvr>
+                                      <p:to>
+                                        <p:strVal val="visible"/>
+                                      </p:to>
+                                    </p:set>
+                                  </p:childTnLst>
+                                </p:cTn>
+                              </p:par>
+                            </p:childTnLst>
+                          </p:cTn>
+                        </p:par>
+                      </p:childTnLst>
+                    </p:cTn>
+                  </p:par>
+                  <p:par>
+                    <p:cTn id="7" fill="hold">
+                      <p:stCondLst>
+                        <p:cond delay="indefinite"/>
+                      </p:stCondLst>
+                      <p:childTnLst>
+                        <p:par>
+                          <p:cTn id="8" fill="hold">
+                            <p:stCondLst>
+                              <p:cond delay="0"/>
+                            </p:stCondLst>
+                            <p:childTnLst>
+                              <p:par>
+                                <p:cTn id="9" presetID="1" presetClass="entr" presetSubtype="0" fill="hold" nodeType="clickEffect">
+                                  <p:stCondLst>
+                                    <p:cond delay="0"/>
+                                  </p:stCondLst>
+                                  <p:childTnLst>
+                                    <p:set>
+                                      <p:cBhvr>
+                                        <p:cTn id="10" dur="1" fill="hold">
+                                          <p:stCondLst>
+                                            <p:cond delay="0"/>
+                                          </p:stCondLst>
+                                        </p:cTn>
+                                        <p:tgtEl>
+                                          <p:spTgt spid="3">
+                                            <p:txEl>
+                                              <p:pRg st="1" end="1"/>
+                                            </p:txEl>
+                                          </p:spTgt>
+                                        </p:tgtEl>
+                                        <p:attrNameLst>
+                                          <p:attrName>style.visibility</p:attrName>
+                                        </p:attrNameLst>
+                                      </p:cBhvr>
+                                      <p:to>
+                                        <p:strVal val="visible"/>
+                                      </p:to>
+                                    </p:set>
+                                  </p:childTnLst>
+                                </p:cTn>
+                              </p:par>
+                            </p:childTnLst>
+                          </p:cTn>
+                        </p:par>
+                      </p:childTnLst>
+                    </p:cTn>
+                  </p:par>
+                  <p:par>
+                    <p:cTn id="11" fill="hold">
+                      <p:stCondLst>
+                        <p:cond delay="indefinite"/>
+                      </p:stCondLst>
+                      <p:childTnLst>
+                        <p:par>
+                          <p:cTn id="12" fill="hold">
+                            <p:stCondLst>
+                              <p:cond delay="0"/>
+                            </p:stCondLst>
+                            <p:childTnLst>
+                              <p:par>
+                                <p:cTn id="13" presetID="1" presetClass="entr" presetSubtype="0" fill="hold" nodeType="clickEffect">
+                                  <p:stCondLst>
+                                    <p:cond delay="0"/>
+                                  </p:stCondLst>
+                                  <p:childTnLst>
+                                    <p:set>
+                                      <p:cBhvr>
+                                        <p:cTn id="14" dur="1" fill="hold">
+                                          <p:stCondLst>
+                                            <p:cond delay="0"/>
+                                          </p:stCondLst>
+                                        </p:cTn>
+                                        <p:tgtEl>
+                                          <p:spTgt spid="3">
+                                            <p:txEl>
+                                              <p:pRg st="2" end="2"/>
+                                            </p:txEl>
+                                          </p:spTgt>
+                                        </p:tgtEl>
+                                        <p:attrNameLst>
+                                          <p:attrName>style.visibility</p:attrName>
+                                        </p:attrNameLst>
+                                      </p:cBhvr>
+                                      <p:to>
+                                        <p:strVal val="visible"/>
+                                      </p:to>
+                                    </p:set>
+                                  </p:childTnLst>
+                                </p:cTn>
+                              </p:par>
+                              <p:par>
+                                <p:cTn id="15" presetID="1" presetClass="entr" presetSubtype="0" fill="hold" grpId="0" nodeType="withEffect">
+                                  <p:stCondLst>
+                                    <p:cond delay="0"/>
+                                  </p:stCondLst>
+                                  <p:childTnLst>
+                                    <p:set>
+                                      <p:cBhvr>
+                                        <p:cTn id="16" dur="1" fill="hold">
+                                          <p:stCondLst>
+                                            <p:cond delay="0"/>
+                                          </p:stCondLst>
+                                        </p:cTn>
+                                        <p:tgtEl>
+                                          <p:spTgt spid="7"/>
+                                        </p:tgtEl>
+                                        <p:attrNameLst>
+                                          <p:attrName>style.visibility</p:attrName>
+                                        </p:attrNameLst>
+                                      </p:cBhvr>
+                                      <p:to>
+                                        <p:strVal val="visible"/>
+                                      </p:to>
+                                    </p:set>
+                                  </p:childTnLst>
+                                </p:cTn>
+                              </p:par>
+                            </p:childTnLst>
+                          </p:cTn>
+                        </p:par>
+                      </p:childTnLst>
+                    </p:cTn>
+                  </p:par>
+                </p:childTnLst>
+              </p:cTn>
+              <p:prevCondLst>
+                <p:cond evt="onPrev" delay="0">
+                  <p:tgtEl>
+                    <p:sldTgt/>
+                  </p:tgtEl>
+                </p:cond>
+              </p:prevCondLst>
+              <p:nextCondLst>
+                <p:cond evt="onNext" delay="0">
+                  <p:tgtEl>
+                    <p:sldTgt/>
+                  </p:tgtEl>
+                </p:cond>
+              </p:nextCondLst>
+            </p:seq>
+          </p:childTnLst>
+        </p:cTn>
+      </p:par>
+    </p:tnLst>
+    <p:bldLst>
+      <p:bldP spid="7" grpId="0" animBg="1"/>
+    </p:bldLst>
+  </p:timing>
+</p:sld>
+</file>
+
 <file path=ppt/slides/slide32.xml><?xml version="1.0" encoding="utf-8"?>
+<p:sld xmlns:a="http://schemas.openxmlformats.org/drawingml/2006/main" xmlns:r="http://schemas.openxmlformats.org/officeDocument/2006/relationships" xmlns:p="http://schemas.openxmlformats.org/presentationml/2006/main">
+  <p:cSld>
+    <p:spTree>
+      <p:nvGrpSpPr>
+        <p:cNvPr id="1" name=""/>
+        <p:cNvGrpSpPr/>
+        <p:nvPr/>
+      </p:nvGrpSpPr>
+      <p:grpSpPr>
+        <a:xfrm>
+          <a:off x="0" y="0"/>
+          <a:ext cx="0" cy="0"/>
+          <a:chOff x="0" y="0"/>
+          <a:chExt cx="0" cy="0"/>
+        </a:xfrm>
+      </p:grpSpPr>
+      <p:sp>
+        <p:nvSpPr>
+          <p:cNvPr id="2" name="Slide Number Placeholder 1">
+            <a:extLst>
+              <a:ext uri="{FF2B5EF4-FFF2-40B4-BE49-F238E27FC236}">
+                <a16:creationId xmlns:a16="http://schemas.microsoft.com/office/drawing/2014/main" id="{826DA4E5-4903-C868-7BE8-4D5D608931BB}"/>
+              </a:ext>
+            </a:extLst>
+          </p:cNvPr>
+          <p:cNvSpPr>
+            <a:spLocks noGrp="1"/>
+          </p:cNvSpPr>
+          <p:nvPr>
+            <p:ph type="sldNum" sz="quarter" idx="5"/>
+          </p:nvPr>
+        </p:nvSpPr>
+        <p:spPr/>
+        <p:txBody>
+          <a:bodyPr/>
+          <a:lstStyle/>
+          <a:p>
+            <a:fld id="{2BF067CD-8E6B-4360-9AA8-C5DF2A48A6D1}" type="slidenum">
+              <a:rPr lang="en-US" noProof="0" smtClean="0"/>
+              <a:pPr/>
+              <a:t>32</a:t>
+            </a:fld>
+            <a:endParaRPr lang="en-US" noProof="0" dirty="0"/>
+          </a:p>
+        </p:txBody>
+      </p:sp>
+      <p:sp>
+        <p:nvSpPr>
+          <p:cNvPr id="3" name="Text Placeholder 2">
+            <a:extLst>
+              <a:ext uri="{FF2B5EF4-FFF2-40B4-BE49-F238E27FC236}">
+                <a16:creationId xmlns:a16="http://schemas.microsoft.com/office/drawing/2014/main" id="{A16E2FEB-0DED-FF7A-6C13-E672C49F8C0B}"/>
+              </a:ext>
+            </a:extLst>
+          </p:cNvPr>
+          <p:cNvSpPr>
+            <a:spLocks noGrp="1"/>
+          </p:cNvSpPr>
+          <p:nvPr>
+            <p:ph type="body" sz="quarter" idx="10"/>
+          </p:nvPr>
+        </p:nvSpPr>
+        <p:spPr/>
+        <p:txBody>
+          <a:bodyPr>
+            <a:normAutofit/>
+          </a:bodyPr>
+          <a:lstStyle/>
+          <a:p>
+            <a:r>
+              <a:rPr lang="en-US" sz="2800" b="1" dirty="0"/>
+              <a:t>EF</a:t>
+            </a:r>
+            <a:r>
+              <a:rPr lang="en-US" sz="2800" dirty="0"/>
+              <a:t> </a:t>
+            </a:r>
+            <a:r>
+              <a:rPr lang="bg-BG" sz="2800" dirty="0"/>
+              <a:t>добавя </a:t>
+            </a:r>
+            <a:r>
+              <a:rPr lang="en-GB" sz="2800" b="1" dirty="0"/>
+              <a:t>connection string </a:t>
+            </a:r>
+            <a:r>
+              <a:rPr lang="bg-BG" sz="2800" dirty="0"/>
+              <a:t>в </a:t>
+            </a:r>
+            <a:r>
+              <a:rPr lang="bg-BG" sz="2800" b="1" dirty="0">
+                <a:solidFill>
+                  <a:schemeClr val="bg1"/>
+                </a:solidFill>
+              </a:rPr>
+              <a:t>конфигурационния файл</a:t>
+            </a:r>
+            <a:r>
+              <a:rPr lang="bg-BG" sz="2800" b="1" dirty="0"/>
+              <a:t> </a:t>
+            </a:r>
+            <a:r>
+              <a:rPr lang="bg-BG" sz="2800" dirty="0"/>
+              <a:t>на приложението</a:t>
+            </a:r>
+            <a:endParaRPr lang="en-US" sz="2800" dirty="0"/>
+          </a:p>
+          <a:p>
+            <a:pPr lvl="1"/>
+            <a:r>
+              <a:rPr lang="en-GB" sz="2600" b="1" dirty="0">
+                <a:solidFill>
+                  <a:schemeClr val="bg1"/>
+                </a:solidFill>
+              </a:rPr>
+              <a:t>app.config </a:t>
+            </a:r>
+            <a:r>
+              <a:rPr lang="bg-BG" sz="2600" dirty="0"/>
+              <a:t>за </a:t>
+            </a:r>
+            <a:r>
+              <a:rPr lang="en-GB" sz="2600" b="1" dirty="0"/>
+              <a:t>.NET Framework</a:t>
+            </a:r>
+            <a:endParaRPr lang="bg-BG" sz="2600" b="1" dirty="0"/>
+          </a:p>
+          <a:p>
+            <a:pPr lvl="1"/>
+            <a:r>
+              <a:rPr lang="en-GB" sz="2600" b="1" dirty="0">
+                <a:solidFill>
+                  <a:schemeClr val="bg1"/>
+                </a:solidFill>
+              </a:rPr>
+              <a:t>appsettings.json</a:t>
+            </a:r>
+            <a:r>
+              <a:rPr lang="bg-BG" sz="2600" dirty="0"/>
+              <a:t> за </a:t>
+            </a:r>
+            <a:r>
+              <a:rPr lang="en-GB" sz="2600" b="1" dirty="0"/>
+              <a:t>.NET Core</a:t>
+            </a:r>
+          </a:p>
+          <a:p>
+            <a:pPr marL="442912" lvl="1" indent="0">
+              <a:buNone/>
+            </a:pPr>
+            <a:endParaRPr lang="en-BG" sz="2600" dirty="0"/>
+          </a:p>
+        </p:txBody>
+      </p:sp>
+      <p:sp>
+        <p:nvSpPr>
+          <p:cNvPr id="4" name="Title 3">
+            <a:extLst>
+              <a:ext uri="{FF2B5EF4-FFF2-40B4-BE49-F238E27FC236}">
+                <a16:creationId xmlns:a16="http://schemas.microsoft.com/office/drawing/2014/main" id="{4F00B37C-338E-4D12-B850-43F40611BE48}"/>
+              </a:ext>
+            </a:extLst>
+          </p:cNvPr>
+          <p:cNvSpPr>
+            <a:spLocks noGrp="1"/>
+          </p:cNvSpPr>
+          <p:nvPr>
+            <p:ph type="title"/>
+          </p:nvPr>
+        </p:nvSpPr>
+        <p:spPr/>
+        <p:txBody>
+          <a:bodyPr/>
+          <a:lstStyle/>
+          <a:p>
+            <a:r>
+              <a:rPr lang="bg-BG" dirty="0"/>
+              <a:t>Използване на </a:t>
+            </a:r>
+            <a:r>
+              <a:rPr lang="en-US" dirty="0"/>
+              <a:t>connection string (1)</a:t>
+            </a:r>
+            <a:endParaRPr lang="en-BG" dirty="0"/>
+          </a:p>
+        </p:txBody>
+      </p:sp>
+      <p:sp>
+        <p:nvSpPr>
+          <p:cNvPr id="6" name="Text Placeholder 4">
+            <a:extLst>
+              <a:ext uri="{FF2B5EF4-FFF2-40B4-BE49-F238E27FC236}">
+                <a16:creationId xmlns:a16="http://schemas.microsoft.com/office/drawing/2014/main" id="{7C83DA7E-CE2D-3FA9-01DE-5399801C1757}"/>
+              </a:ext>
+            </a:extLst>
+          </p:cNvPr>
+          <p:cNvSpPr txBox="1">
+            <a:spLocks/>
+          </p:cNvSpPr>
+          <p:nvPr/>
+        </p:nvSpPr>
+        <p:spPr>
+          <a:xfrm>
+            <a:off x="741000" y="3069000"/>
+            <a:ext cx="11260598" cy="2677656"/>
+          </a:xfrm>
+          <a:prstGeom prst="rect">
+            <a:avLst/>
+          </a:prstGeom>
+          <a:solidFill>
+            <a:schemeClr val="accent5">
+              <a:lumMod val="40000"/>
+              <a:lumOff val="60000"/>
+              <a:alpha val="15000"/>
+            </a:schemeClr>
+          </a:solidFill>
+          <a:ln w="12700">
+            <a:solidFill>
+              <a:schemeClr val="accent5">
+                <a:lumMod val="60000"/>
+                <a:lumOff val="40000"/>
+              </a:schemeClr>
+            </a:solidFill>
+          </a:ln>
+        </p:spPr>
+        <p:txBody>
+          <a:bodyPr wrap="square">
+            <a:spAutoFit/>
+          </a:bodyPr>
+          <a:lstStyle/>
+          <a:p>
+            <a:pPr>
+              <a:lnSpc>
+                <a:spcPct val="100000"/>
+              </a:lnSpc>
+            </a:pPr>
+            <a:r>
+              <a:rPr lang="en-US" sz="2400" b="1" noProof="1">
+                <a:latin typeface="Consolas" panose="020B0609020204030204" pitchFamily="49" charset="0"/>
+              </a:rPr>
+              <a:t>{</a:t>
+            </a:r>
+          </a:p>
+          <a:p>
+            <a:pPr>
+              <a:lnSpc>
+                <a:spcPct val="100000"/>
+              </a:lnSpc>
+            </a:pPr>
+            <a:r>
+              <a:rPr lang="en-US" sz="2400" b="1" noProof="1">
+                <a:latin typeface="Consolas" panose="020B0609020204030204" pitchFamily="49" charset="0"/>
+              </a:rPr>
+              <a:t>  "ConnectionStrings": {</a:t>
+            </a:r>
+          </a:p>
+          <a:p>
+            <a:r>
+              <a:rPr lang="en-US" sz="2400" b="1" noProof="1">
+                <a:latin typeface="Consolas" panose="020B0609020204030204" pitchFamily="49" charset="0"/>
+              </a:rPr>
+              <a:t>    "MyDatabase": "Server=&lt;и</a:t>
+            </a:r>
+            <a:r>
+              <a:rPr lang="bg-BG" sz="2400" b="1" noProof="1">
+                <a:latin typeface="Consolas" panose="020B0609020204030204" pitchFamily="49" charset="0"/>
+              </a:rPr>
+              <a:t>ме на сървър</a:t>
+            </a:r>
+            <a:r>
+              <a:rPr lang="en-US" sz="2400" b="1" noProof="1">
+                <a:latin typeface="Consolas" panose="020B0609020204030204" pitchFamily="49" charset="0"/>
+              </a:rPr>
+              <a:t>&gt;;Initial Catalog=&lt;и</a:t>
+            </a:r>
+            <a:r>
+              <a:rPr lang="bg-BG" sz="2400" b="1" noProof="1">
+                <a:latin typeface="Consolas" panose="020B0609020204030204" pitchFamily="49" charset="0"/>
+              </a:rPr>
+              <a:t>ме на баз</a:t>
+            </a:r>
+            <a:r>
+              <a:rPr lang="en-US" sz="2400" b="1" noProof="1">
+                <a:latin typeface="Consolas" panose="020B0609020204030204" pitchFamily="49" charset="0"/>
+              </a:rPr>
+              <a:t>а </a:t>
+            </a:r>
+            <a:r>
+              <a:rPr lang="bg-BG" sz="2400" b="1" noProof="1">
+                <a:latin typeface="Consolas" panose="020B0609020204030204" pitchFamily="49" charset="0"/>
+              </a:rPr>
+              <a:t>данни</a:t>
+            </a:r>
+            <a:r>
+              <a:rPr lang="en-US" sz="2400" b="1" noProof="1">
+                <a:latin typeface="Consolas" panose="020B0609020204030204" pitchFamily="49" charset="0"/>
+              </a:rPr>
+              <a:t>&gt;;User=&lt;</a:t>
+            </a:r>
+            <a:r>
+              <a:rPr lang="bg-BG" sz="2400" b="1" noProof="1">
+                <a:latin typeface="Consolas" panose="020B0609020204030204" pitchFamily="49" charset="0"/>
+              </a:rPr>
+              <a:t>потребителско име</a:t>
+            </a:r>
+            <a:r>
+              <a:rPr lang="en-US" sz="2400" b="1" noProof="1">
+                <a:latin typeface="Consolas" panose="020B0609020204030204" pitchFamily="49" charset="0"/>
+              </a:rPr>
+              <a:t>&gt;</a:t>
+            </a:r>
+            <a:r>
+              <a:rPr lang="bg-BG" sz="2400" b="1" noProof="1">
+                <a:latin typeface="Consolas" panose="020B0609020204030204" pitchFamily="49" charset="0"/>
+              </a:rPr>
+              <a:t>;</a:t>
+            </a:r>
+            <a:r>
+              <a:rPr lang="en-US" sz="2400" b="1" noProof="1">
+                <a:latin typeface="Consolas" panose="020B0609020204030204" pitchFamily="49" charset="0"/>
+              </a:rPr>
+              <a:t>Password=</a:t>
+            </a:r>
+            <a:r>
+              <a:rPr lang="bg-BG" sz="2400" b="1" noProof="1">
+                <a:latin typeface="Consolas" panose="020B0609020204030204" pitchFamily="49" charset="0"/>
+              </a:rPr>
+              <a:t>&lt;парола</a:t>
+            </a:r>
+            <a:r>
+              <a:rPr lang="en-US" sz="2400" b="1" noProof="1">
+                <a:latin typeface="Consolas" panose="020B0609020204030204" pitchFamily="49" charset="0"/>
+              </a:rPr>
+              <a:t>&gt;</a:t>
+            </a:r>
+            <a:r>
+              <a:rPr lang="bg-BG" sz="2400" b="1" noProof="1">
+                <a:latin typeface="Consolas" panose="020B0609020204030204" pitchFamily="49" charset="0"/>
+              </a:rPr>
+              <a:t>;</a:t>
+            </a:r>
+            <a:r>
+              <a:rPr lang="en-US" sz="2400" b="1" noProof="1">
+                <a:latin typeface="Consolas" panose="020B0609020204030204" pitchFamily="49" charset="0"/>
+              </a:rPr>
+              <a:t>Trusted_Connection=True;"</a:t>
+            </a:r>
+          </a:p>
+          <a:p>
+            <a:pPr>
+              <a:lnSpc>
+                <a:spcPct val="100000"/>
+              </a:lnSpc>
+            </a:pPr>
+            <a:r>
+              <a:rPr lang="en-US" sz="2400" b="1" noProof="1">
+                <a:latin typeface="Consolas" panose="020B0609020204030204" pitchFamily="49" charset="0"/>
+              </a:rPr>
+              <a:t>  }</a:t>
+            </a:r>
+          </a:p>
+          <a:p>
+            <a:pPr>
+              <a:lnSpc>
+                <a:spcPct val="100000"/>
+              </a:lnSpc>
+            </a:pPr>
+            <a:r>
+              <a:rPr lang="en-US" sz="2400" b="1" noProof="1">
+                <a:latin typeface="Consolas" panose="020B0609020204030204" pitchFamily="49" charset="0"/>
+              </a:rPr>
+              <a:t>}</a:t>
+            </a:r>
+          </a:p>
+        </p:txBody>
+      </p:sp>
+    </p:spTree>
+    <p:extLst>
+      <p:ext uri="{BB962C8B-B14F-4D97-AF65-F5344CB8AC3E}">
+        <p14:creationId xmlns:p14="http://schemas.microsoft.com/office/powerpoint/2010/main" val="622927990"/>
+      </p:ext>
+    </p:extLst>
+  </p:cSld>
+  <p:clrMapOvr>
+    <a:masterClrMapping/>
+  </p:clrMapOvr>
+  <mc:AlternateContent xmlns:mc="http://schemas.openxmlformats.org/markup-compatibility/2006" xmlns:p14="http://schemas.microsoft.com/office/powerpoint/2010/main">
+    <mc:Choice Requires="p14">
+      <p:transition spd="slow" p14:dur="2000" advClick="0" advTm="5000"/>
+    </mc:Choice>
+    <mc:Fallback xmlns="">
+      <p:transition spd="slow" advClick="0" advTm="5000"/>
+    </mc:Fallback>
+  </mc:AlternateContent>
+  <p:timing>
+    <p:tnLst>
+      <p:par>
+        <p:cTn id="1" dur="indefinite" restart="never" nodeType="tmRoot">
+          <p:childTnLst>
+            <p:seq concurrent="1" nextAc="seek">
+              <p:cTn id="2" dur="indefinite" nodeType="mainSeq">
+                <p:childTnLst>
+                  <p:par>
+                    <p:cTn id="3" fill="hold">
+                      <p:stCondLst>
+                        <p:cond delay="indefinite"/>
+                        <p:cond evt="onBegin" delay="0">
+                          <p:tn val="2"/>
+                        </p:cond>
+                      </p:stCondLst>
+                      <p:childTnLst>
+                        <p:par>
+                          <p:cTn id="4" fill="hold">
+                            <p:stCondLst>
+                              <p:cond delay="0"/>
+                            </p:stCondLst>
+                            <p:childTnLst>
+                              <p:par>
+                                <p:cTn id="5" presetID="1" presetClass="entr" presetSubtype="0" fill="hold" nodeType="withEffect">
+                                  <p:stCondLst>
+                                    <p:cond delay="0"/>
+                                  </p:stCondLst>
+                                  <p:childTnLst>
+                                    <p:set>
+                                      <p:cBhvr>
+                                        <p:cTn id="6" dur="1" fill="hold">
+                                          <p:stCondLst>
+                                            <p:cond delay="0"/>
+                                          </p:stCondLst>
+                                        </p:cTn>
+                                        <p:tgtEl>
+                                          <p:spTgt spid="3">
+                                            <p:txEl>
+                                              <p:pRg st="0" end="0"/>
+                                            </p:txEl>
+                                          </p:spTgt>
+                                        </p:tgtEl>
+                                        <p:attrNameLst>
+                                          <p:attrName>style.visibility</p:attrName>
+                                        </p:attrNameLst>
+                                      </p:cBhvr>
+                                      <p:to>
+                                        <p:strVal val="visible"/>
+                                      </p:to>
+                                    </p:set>
+                                  </p:childTnLst>
+                                </p:cTn>
+                              </p:par>
+                              <p:par>
+                                <p:cTn id="7" presetID="1" presetClass="entr" presetSubtype="0" fill="hold" grpId="0" nodeType="withEffect">
+                                  <p:stCondLst>
+                                    <p:cond delay="0"/>
+                                  </p:stCondLst>
+                                  <p:childTnLst>
+                                    <p:set>
+                                      <p:cBhvr>
+                                        <p:cTn id="8" dur="1" fill="hold">
+                                          <p:stCondLst>
+                                            <p:cond delay="0"/>
+                                          </p:stCondLst>
+                                        </p:cTn>
+                                        <p:tgtEl>
+                                          <p:spTgt spid="6"/>
+                                        </p:tgtEl>
+                                        <p:attrNameLst>
+                                          <p:attrName>style.visibility</p:attrName>
+                                        </p:attrNameLst>
+                                      </p:cBhvr>
+                                      <p:to>
+                                        <p:strVal val="visible"/>
+                                      </p:to>
+                                    </p:set>
+                                  </p:childTnLst>
+                                </p:cTn>
+                              </p:par>
+                            </p:childTnLst>
+                          </p:cTn>
+                        </p:par>
+                      </p:childTnLst>
+                    </p:cTn>
+                  </p:par>
+                  <p:par>
+                    <p:cTn id="9" fill="hold">
+                      <p:stCondLst>
+                        <p:cond delay="indefinite"/>
+                      </p:stCondLst>
+                      <p:childTnLst>
+                        <p:par>
+                          <p:cTn id="10" fill="hold">
+                            <p:stCondLst>
+                              <p:cond delay="0"/>
+                            </p:stCondLst>
+                            <p:childTnLst>
+                              <p:par>
+                                <p:cTn id="11" presetID="1" presetClass="entr" presetSubtype="0" fill="hold" nodeType="clickEffect">
+                                  <p:stCondLst>
+                                    <p:cond delay="0"/>
+                                  </p:stCondLst>
+                                  <p:childTnLst>
+                                    <p:set>
+                                      <p:cBhvr>
+                                        <p:cTn id="12" dur="1" fill="hold">
+                                          <p:stCondLst>
+                                            <p:cond delay="0"/>
+                                          </p:stCondLst>
+                                        </p:cTn>
+                                        <p:tgtEl>
+                                          <p:spTgt spid="3">
+                                            <p:txEl>
+                                              <p:pRg st="1" end="1"/>
+                                            </p:txEl>
+                                          </p:spTgt>
+                                        </p:tgtEl>
+                                        <p:attrNameLst>
+                                          <p:attrName>style.visibility</p:attrName>
+                                        </p:attrNameLst>
+                                      </p:cBhvr>
+                                      <p:to>
+                                        <p:strVal val="visible"/>
+                                      </p:to>
+                                    </p:set>
+                                  </p:childTnLst>
+                                </p:cTn>
+                              </p:par>
+                            </p:childTnLst>
+                          </p:cTn>
+                        </p:par>
+                      </p:childTnLst>
+                    </p:cTn>
+                  </p:par>
+                  <p:par>
+                    <p:cTn id="13" fill="hold">
+                      <p:stCondLst>
+                        <p:cond delay="indefinite"/>
+                      </p:stCondLst>
+                      <p:childTnLst>
+                        <p:par>
+                          <p:cTn id="14" fill="hold">
+                            <p:stCondLst>
+                              <p:cond delay="0"/>
+                            </p:stCondLst>
+                            <p:childTnLst>
+                              <p:par>
+                                <p:cTn id="15" presetID="1" presetClass="entr" presetSubtype="0" fill="hold" nodeType="clickEffect">
+                                  <p:stCondLst>
+                                    <p:cond delay="0"/>
+                                  </p:stCondLst>
+                                  <p:childTnLst>
+                                    <p:set>
+                                      <p:cBhvr>
+                                        <p:cTn id="16" dur="1" fill="hold">
+                                          <p:stCondLst>
+                                            <p:cond delay="0"/>
+                                          </p:stCondLst>
+                                        </p:cTn>
+                                        <p:tgtEl>
+                                          <p:spTgt spid="3">
+                                            <p:txEl>
+                                              <p:pRg st="2" end="2"/>
+                                            </p:txEl>
+                                          </p:spTgt>
+                                        </p:tgtEl>
+                                        <p:attrNameLst>
+                                          <p:attrName>style.visibility</p:attrName>
+                                        </p:attrNameLst>
+                                      </p:cBhvr>
+                                      <p:to>
+                                        <p:strVal val="visible"/>
+                                      </p:to>
+                                    </p:set>
+                                  </p:childTnLst>
+                                </p:cTn>
+                              </p:par>
+                            </p:childTnLst>
+                          </p:cTn>
+                        </p:par>
+                      </p:childTnLst>
+                    </p:cTn>
+                  </p:par>
+                </p:childTnLst>
+              </p:cTn>
+              <p:prevCondLst>
+                <p:cond evt="onPrev" delay="0">
+                  <p:tgtEl>
+                    <p:sldTgt/>
+                  </p:tgtEl>
+                </p:cond>
+              </p:prevCondLst>
+              <p:nextCondLst>
+                <p:cond evt="onNext" delay="0">
+                  <p:tgtEl>
+                    <p:sldTgt/>
+                  </p:tgtEl>
+                </p:cond>
+              </p:nextCondLst>
+            </p:seq>
+          </p:childTnLst>
+        </p:cTn>
+      </p:par>
+    </p:tnLst>
+    <p:bldLst>
+      <p:bldP spid="6" grpId="0" animBg="1"/>
+    </p:bldLst>
+  </p:timing>
+</p:sld>
+</file>
+
+<file path=ppt/slides/slide33.xml><?xml version="1.0" encoding="utf-8"?>
+<p:sld xmlns:a="http://schemas.openxmlformats.org/drawingml/2006/main" xmlns:r="http://schemas.openxmlformats.org/officeDocument/2006/relationships" xmlns:p="http://schemas.openxmlformats.org/presentationml/2006/main">
+  <p:cSld>
+    <p:spTree>
+      <p:nvGrpSpPr>
+        <p:cNvPr id="1" name=""/>
+        <p:cNvGrpSpPr/>
+        <p:nvPr/>
+      </p:nvGrpSpPr>
+      <p:grpSpPr>
+        <a:xfrm>
+          <a:off x="0" y="0"/>
+          <a:ext cx="0" cy="0"/>
+          <a:chOff x="0" y="0"/>
+          <a:chExt cx="0" cy="0"/>
+        </a:xfrm>
+      </p:grpSpPr>
+      <p:sp>
+        <p:nvSpPr>
+          <p:cNvPr id="2" name="Slide Number Placeholder 1">
+            <a:extLst>
+              <a:ext uri="{FF2B5EF4-FFF2-40B4-BE49-F238E27FC236}">
+                <a16:creationId xmlns:a16="http://schemas.microsoft.com/office/drawing/2014/main" id="{826DA4E5-4903-C868-7BE8-4D5D608931BB}"/>
+              </a:ext>
+            </a:extLst>
+          </p:cNvPr>
+          <p:cNvSpPr>
+            <a:spLocks noGrp="1"/>
+          </p:cNvSpPr>
+          <p:nvPr>
+            <p:ph type="sldNum" sz="quarter" idx="5"/>
+          </p:nvPr>
+        </p:nvSpPr>
+        <p:spPr/>
+        <p:txBody>
+          <a:bodyPr/>
+          <a:lstStyle/>
+          <a:p>
+            <a:fld id="{2BF067CD-8E6B-4360-9AA8-C5DF2A48A6D1}" type="slidenum">
+              <a:rPr lang="en-US" noProof="0" smtClean="0"/>
+              <a:pPr/>
+              <a:t>33</a:t>
+            </a:fld>
+            <a:endParaRPr lang="en-US" noProof="0" dirty="0"/>
+          </a:p>
+        </p:txBody>
+      </p:sp>
+      <p:sp>
+        <p:nvSpPr>
+          <p:cNvPr id="3" name="Text Placeholder 2">
+            <a:extLst>
+              <a:ext uri="{FF2B5EF4-FFF2-40B4-BE49-F238E27FC236}">
+                <a16:creationId xmlns:a16="http://schemas.microsoft.com/office/drawing/2014/main" id="{A16E2FEB-0DED-FF7A-6C13-E672C49F8C0B}"/>
+              </a:ext>
+            </a:extLst>
+          </p:cNvPr>
+          <p:cNvSpPr>
+            <a:spLocks noGrp="1"/>
+          </p:cNvSpPr>
+          <p:nvPr>
+            <p:ph type="body" sz="quarter" idx="10"/>
+          </p:nvPr>
+        </p:nvSpPr>
+        <p:spPr/>
+        <p:txBody>
+          <a:bodyPr>
+            <a:normAutofit/>
+          </a:bodyPr>
+          <a:lstStyle/>
+          <a:p>
+            <a:r>
+              <a:rPr lang="bg-BG" sz="2600" dirty="0"/>
+              <a:t>Можем да използваме </a:t>
+            </a:r>
+            <a:r>
+              <a:rPr lang="en-US" sz="2600" b="1" dirty="0"/>
+              <a:t>connection string </a:t>
+            </a:r>
+            <a:r>
+              <a:rPr lang="bg-BG" sz="2600" dirty="0"/>
+              <a:t>директно в </a:t>
+            </a:r>
+            <a:r>
+              <a:rPr lang="en-US" sz="2600" b="1" dirty="0">
+                <a:solidFill>
+                  <a:schemeClr val="bg1"/>
+                </a:solidFill>
+                <a:latin typeface="Consolas" panose="020B0609020204030204" pitchFamily="49" charset="0"/>
+                <a:cs typeface="Consolas" panose="020B0609020204030204" pitchFamily="49" charset="0"/>
+              </a:rPr>
+              <a:t>DbContext</a:t>
+            </a:r>
+          </a:p>
+          <a:p>
+            <a:endParaRPr lang="en-US" sz="2400" b="1" dirty="0">
+              <a:solidFill>
+                <a:schemeClr val="bg1"/>
+              </a:solidFill>
+              <a:latin typeface="Consolas" panose="020B0609020204030204" pitchFamily="49" charset="0"/>
+              <a:cs typeface="Consolas" panose="020B0609020204030204" pitchFamily="49" charset="0"/>
+            </a:endParaRPr>
+          </a:p>
+          <a:p>
+            <a:endParaRPr lang="en-US" sz="2400" b="1" dirty="0">
+              <a:solidFill>
+                <a:schemeClr val="bg1"/>
+              </a:solidFill>
+              <a:latin typeface="Consolas" panose="020B0609020204030204" pitchFamily="49" charset="0"/>
+              <a:cs typeface="Consolas" panose="020B0609020204030204" pitchFamily="49" charset="0"/>
+            </a:endParaRPr>
+          </a:p>
+          <a:p>
+            <a:endParaRPr lang="en-US" sz="2400" b="1" dirty="0">
+              <a:solidFill>
+                <a:schemeClr val="bg1"/>
+              </a:solidFill>
+              <a:latin typeface="Consolas" panose="020B0609020204030204" pitchFamily="49" charset="0"/>
+              <a:cs typeface="Consolas" panose="020B0609020204030204" pitchFamily="49" charset="0"/>
+            </a:endParaRPr>
+          </a:p>
+          <a:p>
+            <a:pPr marL="0" indent="0">
+              <a:buNone/>
+            </a:pPr>
+            <a:endParaRPr lang="en-US" sz="2400" dirty="0"/>
+          </a:p>
+          <a:p>
+            <a:r>
+              <a:rPr lang="bg-BG" sz="2600" dirty="0"/>
+              <a:t>При конфигуриране на </a:t>
+            </a:r>
+            <a:r>
+              <a:rPr lang="en-US" sz="2600" b="1" dirty="0">
+                <a:solidFill>
+                  <a:schemeClr val="bg1"/>
+                </a:solidFill>
+                <a:latin typeface="Consolas" panose="020B0609020204030204" pitchFamily="49" charset="0"/>
+                <a:cs typeface="Consolas" panose="020B0609020204030204" pitchFamily="49" charset="0"/>
+              </a:rPr>
+              <a:t>DbContext</a:t>
+            </a:r>
+            <a:r>
+              <a:rPr lang="en-US" sz="2600" dirty="0"/>
+              <a:t> </a:t>
+            </a:r>
+            <a:r>
+              <a:rPr lang="bg-BG" sz="2600" dirty="0"/>
+              <a:t>в </a:t>
+            </a:r>
+            <a:r>
+              <a:rPr lang="en-US" sz="2600" b="1" dirty="0">
+                <a:solidFill>
+                  <a:schemeClr val="bg1"/>
+                </a:solidFill>
+                <a:latin typeface="Consolas" panose="020B0609020204030204" pitchFamily="49" charset="0"/>
+                <a:cs typeface="Consolas" panose="020B0609020204030204" pitchFamily="49" charset="0"/>
+              </a:rPr>
+              <a:t>Program</a:t>
+            </a:r>
+            <a:r>
+              <a:rPr lang="en-US" sz="2600" dirty="0"/>
+              <a:t> </a:t>
+            </a:r>
+            <a:r>
+              <a:rPr lang="bg-BG" sz="2600" dirty="0"/>
+              <a:t>класа</a:t>
+            </a:r>
+            <a:endParaRPr lang="en-BG" sz="2600" dirty="0"/>
+          </a:p>
+        </p:txBody>
+      </p:sp>
+      <p:sp>
+        <p:nvSpPr>
+          <p:cNvPr id="4" name="Title 3">
+            <a:extLst>
+              <a:ext uri="{FF2B5EF4-FFF2-40B4-BE49-F238E27FC236}">
+                <a16:creationId xmlns:a16="http://schemas.microsoft.com/office/drawing/2014/main" id="{4F00B37C-338E-4D12-B850-43F40611BE48}"/>
+              </a:ext>
+            </a:extLst>
+          </p:cNvPr>
+          <p:cNvSpPr>
+            <a:spLocks noGrp="1"/>
+          </p:cNvSpPr>
+          <p:nvPr>
+            <p:ph type="title"/>
+          </p:nvPr>
+        </p:nvSpPr>
+        <p:spPr/>
+        <p:txBody>
+          <a:bodyPr/>
+          <a:lstStyle/>
+          <a:p>
+            <a:r>
+              <a:rPr lang="bg-BG" dirty="0"/>
+              <a:t>Използване на </a:t>
+            </a:r>
+            <a:r>
+              <a:rPr lang="en-US" dirty="0"/>
+              <a:t>connection string (2)</a:t>
+            </a:r>
+            <a:endParaRPr lang="en-BG" dirty="0"/>
+          </a:p>
+        </p:txBody>
+      </p:sp>
+      <p:sp>
+        <p:nvSpPr>
+          <p:cNvPr id="5" name="Text Placeholder 4">
+            <a:extLst>
+              <a:ext uri="{FF2B5EF4-FFF2-40B4-BE49-F238E27FC236}">
+                <a16:creationId xmlns:a16="http://schemas.microsoft.com/office/drawing/2014/main" id="{2232192D-B15D-D94E-9F41-53F14EF48E1B}"/>
+              </a:ext>
+            </a:extLst>
+          </p:cNvPr>
+          <p:cNvSpPr txBox="1">
+            <a:spLocks/>
+          </p:cNvSpPr>
+          <p:nvPr/>
+        </p:nvSpPr>
+        <p:spPr>
+          <a:xfrm>
+            <a:off x="311700" y="4469306"/>
+            <a:ext cx="11565000" cy="1631216"/>
+          </a:xfrm>
+          <a:prstGeom prst="rect">
+            <a:avLst/>
+          </a:prstGeom>
+          <a:solidFill>
+            <a:schemeClr val="accent5">
+              <a:lumMod val="40000"/>
+              <a:lumOff val="60000"/>
+              <a:alpha val="15000"/>
+            </a:schemeClr>
+          </a:solidFill>
+          <a:ln w="12700">
+            <a:solidFill>
+              <a:schemeClr val="accent5">
+                <a:lumMod val="60000"/>
+                <a:lumOff val="40000"/>
+              </a:schemeClr>
+            </a:solidFill>
+          </a:ln>
+        </p:spPr>
+        <p:txBody>
+          <a:bodyPr wrap="square">
+            <a:spAutoFit/>
+          </a:bodyPr>
+          <a:lstStyle/>
+          <a:p>
+            <a:pPr>
+              <a:lnSpc>
+                <a:spcPct val="100000"/>
+              </a:lnSpc>
+            </a:pPr>
+            <a:r>
+              <a:rPr lang="en-US" sz="2000" b="1" noProof="1">
+                <a:latin typeface="Consolas" panose="020B0609020204030204" pitchFamily="49" charset="0"/>
+              </a:rPr>
+              <a:t>public void ConfigureServices(IServiceCollection services)</a:t>
+            </a:r>
+          </a:p>
+          <a:p>
+            <a:pPr>
+              <a:lnSpc>
+                <a:spcPct val="100000"/>
+              </a:lnSpc>
+            </a:pPr>
+            <a:r>
+              <a:rPr lang="en-US" sz="2000" b="1" noProof="1">
+                <a:latin typeface="Consolas" panose="020B0609020204030204" pitchFamily="49" charset="0"/>
+              </a:rPr>
+              <a:t>{</a:t>
+            </a:r>
+          </a:p>
+          <a:p>
+            <a:pPr>
+              <a:lnSpc>
+                <a:spcPct val="100000"/>
+              </a:lnSpc>
+            </a:pPr>
+            <a:r>
+              <a:rPr lang="en-US" sz="2000" b="1" noProof="1">
+                <a:latin typeface="Consolas" panose="020B0609020204030204" pitchFamily="49" charset="0"/>
+              </a:rPr>
+              <a:t>    services.AddDbContext&lt;MyDbContext&gt;(options =&gt;</a:t>
+            </a:r>
+          </a:p>
+          <a:p>
+            <a:pPr>
+              <a:lnSpc>
+                <a:spcPct val="100000"/>
+              </a:lnSpc>
+            </a:pPr>
+            <a:r>
+              <a:rPr lang="en-US" sz="2000" b="1" noProof="1">
+                <a:latin typeface="Consolas" panose="020B0609020204030204" pitchFamily="49" charset="0"/>
+              </a:rPr>
+              <a:t>        options.UseSqlServer(Configuration.GetConnectionString("MyDatabase")));</a:t>
+            </a:r>
+          </a:p>
+          <a:p>
+            <a:pPr>
+              <a:lnSpc>
+                <a:spcPct val="100000"/>
+              </a:lnSpc>
+            </a:pPr>
+            <a:r>
+              <a:rPr lang="en-US" sz="2000" b="1" noProof="1">
+                <a:latin typeface="Consolas" panose="020B0609020204030204" pitchFamily="49" charset="0"/>
+              </a:rPr>
+              <a:t>}</a:t>
+            </a:r>
+          </a:p>
+        </p:txBody>
+      </p:sp>
+      <p:sp>
+        <p:nvSpPr>
+          <p:cNvPr id="6" name="Text Placeholder 4">
+            <a:extLst>
+              <a:ext uri="{FF2B5EF4-FFF2-40B4-BE49-F238E27FC236}">
+                <a16:creationId xmlns:a16="http://schemas.microsoft.com/office/drawing/2014/main" id="{7653C8AE-C4B4-95CD-E618-15F5AB8262D2}"/>
+              </a:ext>
+            </a:extLst>
+          </p:cNvPr>
+          <p:cNvSpPr txBox="1">
+            <a:spLocks/>
+          </p:cNvSpPr>
+          <p:nvPr/>
+        </p:nvSpPr>
+        <p:spPr>
+          <a:xfrm>
+            <a:off x="313500" y="1713739"/>
+            <a:ext cx="11565000" cy="2246769"/>
+          </a:xfrm>
+          <a:prstGeom prst="rect">
+            <a:avLst/>
+          </a:prstGeom>
+          <a:solidFill>
+            <a:schemeClr val="accent5">
+              <a:lumMod val="40000"/>
+              <a:lumOff val="60000"/>
+              <a:alpha val="15000"/>
+            </a:schemeClr>
+          </a:solidFill>
+          <a:ln w="12700">
+            <a:solidFill>
+              <a:schemeClr val="accent5">
+                <a:lumMod val="60000"/>
+                <a:lumOff val="40000"/>
+              </a:schemeClr>
+            </a:solidFill>
+          </a:ln>
+        </p:spPr>
+        <p:txBody>
+          <a:bodyPr wrap="square">
+            <a:spAutoFit/>
+          </a:bodyPr>
+          <a:lstStyle/>
+          <a:p>
+            <a:pPr>
+              <a:lnSpc>
+                <a:spcPct val="100000"/>
+              </a:lnSpc>
+            </a:pPr>
+            <a:r>
+              <a:rPr lang="en-US" sz="2000" b="1" noProof="1">
+                <a:latin typeface="Consolas" panose="020B0609020204030204" pitchFamily="49" charset="0"/>
+              </a:rPr>
+              <a:t>protected override void OnConfiguring(DbContextOptionsBuilder optionsBuilder) </a:t>
+            </a:r>
+          </a:p>
+          <a:p>
+            <a:pPr>
+              <a:lnSpc>
+                <a:spcPct val="100000"/>
+              </a:lnSpc>
+            </a:pPr>
+            <a:r>
+              <a:rPr lang="en-US" sz="2000" b="1" noProof="1">
+                <a:latin typeface="Consolas" panose="020B0609020204030204" pitchFamily="49" charset="0"/>
+              </a:rPr>
+              <a:t>{ </a:t>
+            </a:r>
+          </a:p>
+          <a:p>
+            <a:pPr>
+              <a:lnSpc>
+                <a:spcPct val="100000"/>
+              </a:lnSpc>
+            </a:pPr>
+            <a:r>
+              <a:rPr lang="en-US" sz="2000" b="1" noProof="1">
+                <a:latin typeface="Consolas" panose="020B0609020204030204" pitchFamily="49" charset="0"/>
+              </a:rPr>
+              <a:t>    if (!optionsBuilder.IsConfigured) </a:t>
+            </a:r>
+          </a:p>
+          <a:p>
+            <a:pPr>
+              <a:lnSpc>
+                <a:spcPct val="100000"/>
+              </a:lnSpc>
+            </a:pPr>
+            <a:r>
+              <a:rPr lang="en-US" sz="2000" b="1" noProof="1">
+                <a:latin typeface="Consolas" panose="020B0609020204030204" pitchFamily="49" charset="0"/>
+              </a:rPr>
+              <a:t>    {</a:t>
+            </a:r>
+          </a:p>
+          <a:p>
+            <a:pPr>
+              <a:lnSpc>
+                <a:spcPct val="100000"/>
+              </a:lnSpc>
+            </a:pPr>
+            <a:r>
+              <a:rPr lang="en-US" sz="2000" b="1" noProof="1">
+                <a:latin typeface="Consolas" panose="020B0609020204030204" pitchFamily="49" charset="0"/>
+              </a:rPr>
+              <a:t>        optionsBuilder.UseSqlServer("Connection string from config file");</a:t>
+            </a:r>
+          </a:p>
+          <a:p>
+            <a:pPr>
+              <a:lnSpc>
+                <a:spcPct val="100000"/>
+              </a:lnSpc>
+            </a:pPr>
+            <a:r>
+              <a:rPr lang="en-US" sz="2000" b="1" noProof="1">
+                <a:latin typeface="Consolas" panose="020B0609020204030204" pitchFamily="49" charset="0"/>
+              </a:rPr>
+              <a:t>    }</a:t>
+            </a:r>
+          </a:p>
+          <a:p>
+            <a:pPr>
+              <a:lnSpc>
+                <a:spcPct val="100000"/>
+              </a:lnSpc>
+            </a:pPr>
+            <a:r>
+              <a:rPr lang="en-US" sz="2000" b="1" noProof="1">
+                <a:latin typeface="Consolas" panose="020B0609020204030204" pitchFamily="49" charset="0"/>
+              </a:rPr>
+              <a:t>}</a:t>
+            </a:r>
+          </a:p>
+        </p:txBody>
+      </p:sp>
+    </p:spTree>
+    <p:extLst>
+      <p:ext uri="{BB962C8B-B14F-4D97-AF65-F5344CB8AC3E}">
+        <p14:creationId xmlns:p14="http://schemas.microsoft.com/office/powerpoint/2010/main" val="436083648"/>
+      </p:ext>
+    </p:extLst>
+  </p:cSld>
+  <p:clrMapOvr>
+    <a:masterClrMapping/>
+  </p:clrMapOvr>
+  <mc:AlternateContent xmlns:mc="http://schemas.openxmlformats.org/markup-compatibility/2006" xmlns:p14="http://schemas.microsoft.com/office/powerpoint/2010/main">
+    <mc:Choice Requires="p14">
+      <p:transition spd="slow" p14:dur="2000" advClick="0" advTm="5000"/>
+    </mc:Choice>
+    <mc:Fallback xmlns="">
+      <p:transition spd="slow" advClick="0" advTm="5000"/>
+    </mc:Fallback>
+  </mc:AlternateContent>
+  <p:timing>
+    <p:tnLst>
+      <p:par>
+        <p:cTn id="1" dur="indefinite" restart="never" nodeType="tmRoot">
+          <p:childTnLst>
+            <p:seq concurrent="1" nextAc="seek">
+              <p:cTn id="2" dur="indefinite" nodeType="mainSeq">
+                <p:childTnLst>
+                  <p:par>
+                    <p:cTn id="3" fill="hold">
+                      <p:stCondLst>
+                        <p:cond delay="indefinite"/>
+                        <p:cond evt="onBegin" delay="0">
+                          <p:tn val="2"/>
+                        </p:cond>
+                      </p:stCondLst>
+                      <p:childTnLst>
+                        <p:par>
+                          <p:cTn id="4" fill="hold">
+                            <p:stCondLst>
+                              <p:cond delay="0"/>
+                            </p:stCondLst>
+                            <p:childTnLst>
+                              <p:par>
+                                <p:cTn id="5" presetID="1" presetClass="entr" presetSubtype="0" fill="hold" nodeType="withEffect">
+                                  <p:stCondLst>
+                                    <p:cond delay="0"/>
+                                  </p:stCondLst>
+                                  <p:childTnLst>
+                                    <p:set>
+                                      <p:cBhvr>
+                                        <p:cTn id="6" dur="1" fill="hold">
+                                          <p:stCondLst>
+                                            <p:cond delay="0"/>
+                                          </p:stCondLst>
+                                        </p:cTn>
+                                        <p:tgtEl>
+                                          <p:spTgt spid="3">
+                                            <p:txEl>
+                                              <p:pRg st="0" end="0"/>
+                                            </p:txEl>
+                                          </p:spTgt>
+                                        </p:tgtEl>
+                                        <p:attrNameLst>
+                                          <p:attrName>style.visibility</p:attrName>
+                                        </p:attrNameLst>
+                                      </p:cBhvr>
+                                      <p:to>
+                                        <p:strVal val="visible"/>
+                                      </p:to>
+                                    </p:set>
+                                  </p:childTnLst>
+                                </p:cTn>
+                              </p:par>
+                              <p:par>
+                                <p:cTn id="7" presetID="1" presetClass="entr" presetSubtype="0" fill="hold" grpId="1" nodeType="withEffect">
+                                  <p:stCondLst>
+                                    <p:cond delay="0"/>
+                                  </p:stCondLst>
+                                  <p:childTnLst>
+                                    <p:set>
+                                      <p:cBhvr>
+                                        <p:cTn id="8" dur="1" fill="hold">
+                                          <p:stCondLst>
+                                            <p:cond delay="0"/>
+                                          </p:stCondLst>
+                                        </p:cTn>
+                                        <p:tgtEl>
+                                          <p:spTgt spid="6"/>
+                                        </p:tgtEl>
+                                        <p:attrNameLst>
+                                          <p:attrName>style.visibility</p:attrName>
+                                        </p:attrNameLst>
+                                      </p:cBhvr>
+                                      <p:to>
+                                        <p:strVal val="visible"/>
+                                      </p:to>
+                                    </p:set>
+                                  </p:childTnLst>
+                                </p:cTn>
+                              </p:par>
+                            </p:childTnLst>
+                          </p:cTn>
+                        </p:par>
+                      </p:childTnLst>
+                    </p:cTn>
+                  </p:par>
+                  <p:par>
+                    <p:cTn id="9" fill="hold">
+                      <p:stCondLst>
+                        <p:cond delay="indefinite"/>
+                      </p:stCondLst>
+                      <p:childTnLst>
+                        <p:par>
+                          <p:cTn id="10" fill="hold">
+                            <p:stCondLst>
+                              <p:cond delay="0"/>
+                            </p:stCondLst>
+                            <p:childTnLst>
+                              <p:par>
+                                <p:cTn id="11" presetID="1" presetClass="entr" presetSubtype="0" fill="hold" nodeType="clickEffect">
+                                  <p:stCondLst>
+                                    <p:cond delay="0"/>
+                                  </p:stCondLst>
+                                  <p:childTnLst>
+                                    <p:set>
+                                      <p:cBhvr>
+                                        <p:cTn id="12" dur="1" fill="hold">
+                                          <p:stCondLst>
+                                            <p:cond delay="0"/>
+                                          </p:stCondLst>
+                                        </p:cTn>
+                                        <p:tgtEl>
+                                          <p:spTgt spid="3">
+                                            <p:txEl>
+                                              <p:pRg st="5" end="5"/>
+                                            </p:txEl>
+                                          </p:spTgt>
+                                        </p:tgtEl>
+                                        <p:attrNameLst>
+                                          <p:attrName>style.visibility</p:attrName>
+                                        </p:attrNameLst>
+                                      </p:cBhvr>
+                                      <p:to>
+                                        <p:strVal val="visible"/>
+                                      </p:to>
+                                    </p:set>
+                                  </p:childTnLst>
+                                </p:cTn>
+                              </p:par>
+                              <p:par>
+                                <p:cTn id="13" presetID="1" presetClass="entr" presetSubtype="0" fill="hold" grpId="0" nodeType="withEffect">
+                                  <p:stCondLst>
+                                    <p:cond delay="0"/>
+                                  </p:stCondLst>
+                                  <p:childTnLst>
+                                    <p:set>
+                                      <p:cBhvr>
+                                        <p:cTn id="14" dur="1" fill="hold">
+                                          <p:stCondLst>
+                                            <p:cond delay="0"/>
+                                          </p:stCondLst>
+                                        </p:cTn>
+                                        <p:tgtEl>
+                                          <p:spTgt spid="5"/>
+                                        </p:tgtEl>
+                                        <p:attrNameLst>
+                                          <p:attrName>style.visibility</p:attrName>
+                                        </p:attrNameLst>
+                                      </p:cBhvr>
+                                      <p:to>
+                                        <p:strVal val="visible"/>
+                                      </p:to>
+                                    </p:set>
+                                  </p:childTnLst>
+                                </p:cTn>
+                              </p:par>
+                            </p:childTnLst>
+                          </p:cTn>
+                        </p:par>
+                      </p:childTnLst>
+                    </p:cTn>
+                  </p:par>
+                </p:childTnLst>
+              </p:cTn>
+              <p:prevCondLst>
+                <p:cond evt="onPrev" delay="0">
+                  <p:tgtEl>
+                    <p:sldTgt/>
+                  </p:tgtEl>
+                </p:cond>
+              </p:prevCondLst>
+              <p:nextCondLst>
+                <p:cond evt="onNext" delay="0">
+                  <p:tgtEl>
+                    <p:sldTgt/>
+                  </p:tgtEl>
+                </p:cond>
+              </p:nextCondLst>
+            </p:seq>
+          </p:childTnLst>
+        </p:cTn>
+      </p:par>
+    </p:tnLst>
+    <p:bldLst>
+      <p:bldP spid="5" grpId="0" animBg="1"/>
+      <p:bldP spid="6" grpId="1" animBg="1"/>
+    </p:bldLst>
+  </p:timing>
+</p:sld>
+</file>
+
+<file path=ppt/slides/slide34.xml><?xml version="1.0" encoding="utf-8"?>
 <p:sld xmlns:a="http://schemas.openxmlformats.org/drawingml/2006/main" xmlns:r="http://schemas.openxmlformats.org/officeDocument/2006/relationships" xmlns:p="http://schemas.openxmlformats.org/presentationml/2006/main">
   <p:cSld>
     <p:spTree>
@@ -28584,7 +29823,7 @@
 </p:sld>
 </file>
 
-<file path=ppt/slides/slide33.xml><?xml version="1.0" encoding="utf-8"?>
+<file path=ppt/slides/slide35.xml><?xml version="1.0" encoding="utf-8"?>
 <p:sld xmlns:a="http://schemas.openxmlformats.org/drawingml/2006/main" xmlns:r="http://schemas.openxmlformats.org/officeDocument/2006/relationships" xmlns:p="http://schemas.openxmlformats.org/presentationml/2006/main">
   <p:cSld>
     <p:spTree>
@@ -28625,7 +29864,7 @@
             <a:fld id="{2BF067CD-8E6B-4360-9AA8-C5DF2A48A6D1}" type="slidenum">
               <a:rPr lang="en-US" noProof="0" smtClean="0"/>
               <a:pPr/>
-              <a:t>33</a:t>
+              <a:t>35</a:t>
             </a:fld>
             <a:endParaRPr lang="en-US" noProof="0" dirty="0"/>
           </a:p>
@@ -29074,7 +30313,7 @@
 </p:sld>
 </file>
 
-<file path=ppt/slides/slide34.xml><?xml version="1.0" encoding="utf-8"?>
+<file path=ppt/slides/slide36.xml><?xml version="1.0" encoding="utf-8"?>
 <p:sld xmlns:a="http://schemas.openxmlformats.org/drawingml/2006/main" xmlns:r="http://schemas.openxmlformats.org/officeDocument/2006/relationships" xmlns:p="http://schemas.openxmlformats.org/presentationml/2006/main">
   <p:cSld>
     <p:spTree>
@@ -29115,7 +30354,7 @@
             <a:fld id="{2BF067CD-8E6B-4360-9AA8-C5DF2A48A6D1}" type="slidenum">
               <a:rPr lang="en-US" noProof="0" smtClean="0"/>
               <a:pPr/>
-              <a:t>34</a:t>
+              <a:t>36</a:t>
             </a:fld>
             <a:endParaRPr lang="en-US" noProof="0" dirty="0"/>
           </a:p>
@@ -29166,7 +30405,7 @@
             </a:r>
             <a:r>
               <a:rPr lang="en-US" dirty="0"/>
-              <a:t> [</a:t>
+              <a:t> </a:t>
             </a:r>
             <a:r>
               <a:rPr lang="en-US" b="1" dirty="0">
@@ -29174,10 +30413,14 @@
                   <a:schemeClr val="bg1"/>
                 </a:solidFill>
               </a:rPr>
-              <a:t>Connect to Database</a:t>
-            </a:r>
-            <a:r>
-              <a:rPr lang="en-US" sz="3600" dirty="0"/>
+              <a:t>[Connect to Database</a:t>
+            </a:r>
+            <a:r>
+              <a:rPr lang="en-US" sz="3600" b="1" dirty="0">
+                <a:solidFill>
+                  <a:schemeClr val="bg1"/>
+                </a:solidFill>
+              </a:rPr>
               <a:t>]</a:t>
             </a:r>
             <a:endParaRPr lang="bg-BG" b="1" dirty="0">
@@ -29208,19 +30451,19 @@
               <a:t>и натискаме </a:t>
             </a:r>
             <a:r>
-              <a:rPr lang="en-US" dirty="0"/>
-              <a:t>[</a:t>
-            </a:r>
-            <a:r>
               <a:rPr lang="en-US" b="1" dirty="0">
                 <a:solidFill>
                   <a:schemeClr val="bg1"/>
                 </a:solidFill>
               </a:rPr>
-              <a:t>Continue</a:t>
-            </a:r>
-            <a:r>
-              <a:rPr lang="en-US" sz="3600" dirty="0"/>
+              <a:t>[Continue</a:t>
+            </a:r>
+            <a:r>
+              <a:rPr lang="en-US" sz="3600" b="1" dirty="0">
+                <a:solidFill>
+                  <a:schemeClr val="bg1"/>
+                </a:solidFill>
+              </a:rPr>
               <a:t>]</a:t>
             </a:r>
             <a:endParaRPr lang="en-BG" b="1" dirty="0">
@@ -29878,7 +31121,7 @@
 </p:sld>
 </file>
 
-<file path=ppt/slides/slide35.xml><?xml version="1.0" encoding="utf-8"?>
+<file path=ppt/slides/slide37.xml><?xml version="1.0" encoding="utf-8"?>
 <p:sld xmlns:a="http://schemas.openxmlformats.org/drawingml/2006/main" xmlns:r="http://schemas.openxmlformats.org/officeDocument/2006/relationships" xmlns:p="http://schemas.openxmlformats.org/presentationml/2006/main">
   <p:cSld>
     <p:spTree>
@@ -29919,7 +31162,7 @@
             <a:fld id="{2BF067CD-8E6B-4360-9AA8-C5DF2A48A6D1}" type="slidenum">
               <a:rPr lang="en-US" noProof="0" smtClean="0"/>
               <a:pPr/>
-              <a:t>35</a:t>
+              <a:t>37</a:t>
             </a:fld>
             <a:endParaRPr lang="en-US" noProof="0" dirty="0"/>
           </a:p>
@@ -30801,7 +32044,7 @@
 </p:sld>
 </file>
 
-<file path=ppt/slides/slide36.xml><?xml version="1.0" encoding="utf-8"?>
+<file path=ppt/slides/slide38.xml><?xml version="1.0" encoding="utf-8"?>
 <p:sld xmlns:a="http://schemas.openxmlformats.org/drawingml/2006/main" xmlns:r="http://schemas.openxmlformats.org/officeDocument/2006/relationships" xmlns:p="http://schemas.openxmlformats.org/presentationml/2006/main">
   <p:cSld>
     <p:spTree>
@@ -30842,7 +32085,7 @@
             <a:fld id="{2BF067CD-8E6B-4360-9AA8-C5DF2A48A6D1}" type="slidenum">
               <a:rPr lang="en-US" noProof="0" smtClean="0"/>
               <a:pPr/>
-              <a:t>36</a:t>
+              <a:t>38</a:t>
             </a:fld>
             <a:endParaRPr lang="en-US" noProof="0" dirty="0"/>
           </a:p>
@@ -30906,19 +32149,19 @@
               <a:t>Натискаме върху нея с десен бутон и избираме </a:t>
             </a:r>
             <a:r>
-              <a:rPr lang="en-US" dirty="0"/>
-              <a:t>[</a:t>
-            </a:r>
-            <a:r>
               <a:rPr lang="en-US" b="1" dirty="0">
                 <a:solidFill>
                   <a:schemeClr val="bg1"/>
                 </a:solidFill>
               </a:rPr>
-              <a:t>New Query</a:t>
-            </a:r>
-            <a:r>
-              <a:rPr lang="en-US" sz="3600" dirty="0"/>
+              <a:t>[New Query</a:t>
+            </a:r>
+            <a:r>
+              <a:rPr lang="en-US" sz="3600" b="1" dirty="0">
+                <a:solidFill>
+                  <a:schemeClr val="bg1"/>
+                </a:solidFill>
+              </a:rPr>
               <a:t>]</a:t>
             </a:r>
             <a:endParaRPr lang="bg-BG" b="1" dirty="0">
@@ -31382,7 +32625,7 @@
 </p:sld>
 </file>
 
-<file path=ppt/slides/slide37.xml><?xml version="1.0" encoding="utf-8"?>
+<file path=ppt/slides/slide39.xml><?xml version="1.0" encoding="utf-8"?>
 <p:sld xmlns:a="http://schemas.openxmlformats.org/drawingml/2006/main" xmlns:r="http://schemas.openxmlformats.org/officeDocument/2006/relationships" xmlns:p="http://schemas.openxmlformats.org/presentationml/2006/main">
   <p:cSld>
     <p:spTree>
@@ -31423,7 +32666,7 @@
             <a:fld id="{2BF067CD-8E6B-4360-9AA8-C5DF2A48A6D1}" type="slidenum">
               <a:rPr lang="en-US" noProof="0" smtClean="0"/>
               <a:pPr/>
-              <a:t>37</a:t>
+              <a:t>39</a:t>
             </a:fld>
             <a:endParaRPr lang="en-US" noProof="0" dirty="0"/>
           </a:p>
@@ -32130,7 +33373,517 @@
 </p:sld>
 </file>
 
-<file path=ppt/slides/slide38.xml><?xml version="1.0" encoding="utf-8"?>
+<file path=ppt/slides/slide4.xml><?xml version="1.0" encoding="utf-8"?>
+<p:sld xmlns:a="http://schemas.openxmlformats.org/drawingml/2006/main" xmlns:r="http://schemas.openxmlformats.org/officeDocument/2006/relationships" xmlns:p="http://schemas.openxmlformats.org/presentationml/2006/main">
+  <p:cSld>
+    <p:spTree>
+      <p:nvGrpSpPr>
+        <p:cNvPr id="1" name=""/>
+        <p:cNvGrpSpPr/>
+        <p:nvPr/>
+      </p:nvGrpSpPr>
+      <p:grpSpPr>
+        <a:xfrm>
+          <a:off x="0" y="0"/>
+          <a:ext cx="0" cy="0"/>
+          <a:chOff x="0" y="0"/>
+          <a:chExt cx="0" cy="0"/>
+        </a:xfrm>
+      </p:grpSpPr>
+      <p:sp>
+        <p:nvSpPr>
+          <p:cNvPr id="9" name="Slide Number">
+            <a:extLst>
+              <a:ext uri="{FF2B5EF4-FFF2-40B4-BE49-F238E27FC236}">
+                <a16:creationId xmlns:a16="http://schemas.microsoft.com/office/drawing/2014/main" id="{8891F045-A272-4231-985A-53063F832AC8}"/>
+              </a:ext>
+            </a:extLst>
+          </p:cNvPr>
+          <p:cNvSpPr>
+            <a:spLocks noGrp="1"/>
+          </p:cNvSpPr>
+          <p:nvPr>
+            <p:ph type="sldNum" sz="quarter" idx="5"/>
+          </p:nvPr>
+        </p:nvSpPr>
+        <p:spPr>
+          <a:xfrm>
+            <a:off x="11753030" y="6507000"/>
+            <a:ext cx="367414" cy="297000"/>
+          </a:xfrm>
+        </p:spPr>
+        <p:txBody>
+          <a:bodyPr vert="horz" lIns="91440" tIns="45720" rIns="91440" bIns="45720" rtlCol="0" anchor="b"/>
+          <a:lstStyle>
+            <a:lvl1pPr algn="r">
+              <a:defRPr sz="1000"/>
+            </a:lvl1pPr>
+          </a:lstStyle>
+          <a:p>
+            <a:fld id="{2BF067CD-8E6B-4360-9AA8-C5DF2A48A6D1}" type="slidenum">
+              <a:rPr lang="en-US" smtClean="0"/>
+              <a:pPr/>
+              <a:t>4</a:t>
+            </a:fld>
+            <a:endParaRPr lang="en-US" dirty="0"/>
+          </a:p>
+        </p:txBody>
+      </p:sp>
+      <p:sp>
+        <p:nvSpPr>
+          <p:cNvPr id="7" name="Slide Body Text">
+            <a:extLst>
+              <a:ext uri="{FF2B5EF4-FFF2-40B4-BE49-F238E27FC236}">
+                <a16:creationId xmlns:a16="http://schemas.microsoft.com/office/drawing/2014/main" id="{320B2856-CE5E-4934-BD1C-1D81E68E529A}"/>
+              </a:ext>
+            </a:extLst>
+          </p:cNvPr>
+          <p:cNvSpPr>
+            <a:spLocks noGrp="1"/>
+          </p:cNvSpPr>
+          <p:nvPr>
+            <p:ph type="body" sz="quarter" idx="10"/>
+          </p:nvPr>
+        </p:nvSpPr>
+        <p:spPr>
+          <a:xfrm>
+            <a:off x="190402" y="1196125"/>
+            <a:ext cx="11818096" cy="5528766"/>
+          </a:xfrm>
+        </p:spPr>
+        <p:txBody>
+          <a:bodyPr>
+            <a:normAutofit/>
+          </a:bodyPr>
+          <a:lstStyle/>
+          <a:p>
+            <a:pPr>
+              <a:buClr>
+                <a:schemeClr val="tx1"/>
+              </a:buClr>
+            </a:pPr>
+            <a:r>
+              <a:rPr lang="bg-BG" sz="3200" dirty="0"/>
+              <a:t>Технология, която позволява </a:t>
+            </a:r>
+            <a:r>
+              <a:rPr lang="bg-BG" sz="3200" b="1" dirty="0">
+                <a:solidFill>
+                  <a:schemeClr val="bg1"/>
+                </a:solidFill>
+              </a:rPr>
+              <a:t>манипулиране</a:t>
+            </a:r>
+            <a:r>
+              <a:rPr lang="bg-BG" sz="3200" dirty="0"/>
+              <a:t> на </a:t>
+            </a:r>
+            <a:r>
+              <a:rPr lang="bg-BG" sz="3200" b="1" dirty="0">
+                <a:solidFill>
+                  <a:schemeClr val="bg1"/>
+                </a:solidFill>
+              </a:rPr>
+              <a:t>бази данни</a:t>
+            </a:r>
+            <a:r>
+              <a:rPr lang="bg-BG" sz="3200" dirty="0"/>
+              <a:t>, използвайки </a:t>
+            </a:r>
+            <a:r>
+              <a:rPr lang="bg-BG" sz="3200" b="1" dirty="0">
+                <a:solidFill>
+                  <a:schemeClr val="bg1"/>
+                </a:solidFill>
+              </a:rPr>
+              <a:t>класове </a:t>
+            </a:r>
+            <a:r>
+              <a:rPr lang="bg-BG" sz="3200" dirty="0"/>
+              <a:t>и </a:t>
+            </a:r>
+            <a:r>
+              <a:rPr lang="bg-BG" sz="3200" b="1" dirty="0">
+                <a:solidFill>
+                  <a:schemeClr val="bg1"/>
+                </a:solidFill>
+              </a:rPr>
+              <a:t>обекти</a:t>
+            </a:r>
+          </a:p>
+        </p:txBody>
+      </p:sp>
+      <p:sp>
+        <p:nvSpPr>
+          <p:cNvPr id="4" name="Slide Title"/>
+          <p:cNvSpPr>
+            <a:spLocks noGrp="1"/>
+          </p:cNvSpPr>
+          <p:nvPr>
+            <p:ph type="title"/>
+          </p:nvPr>
+        </p:nvSpPr>
+        <p:spPr>
+          <a:xfrm>
+            <a:off x="190406" y="100750"/>
+            <a:ext cx="10270594" cy="882654"/>
+          </a:xfrm>
+        </p:spPr>
+        <p:txBody>
+          <a:bodyPr>
+            <a:normAutofit/>
+          </a:bodyPr>
+          <a:lstStyle/>
+          <a:p>
+            <a:r>
+              <a:rPr lang="bg-BG" dirty="0"/>
+              <a:t>Какво е </a:t>
+            </a:r>
+            <a:r>
+              <a:rPr lang="en-US" sz="4000" dirty="0"/>
+              <a:t>Object-Relational Mapping (</a:t>
+            </a:r>
+            <a:r>
+              <a:rPr lang="en-US" dirty="0"/>
+              <a:t>ORM)?</a:t>
+            </a:r>
+          </a:p>
+        </p:txBody>
+      </p:sp>
+      <p:pic>
+        <p:nvPicPr>
+          <p:cNvPr id="2" name="Picture 1">
+            <a:extLst>
+              <a:ext uri="{FF2B5EF4-FFF2-40B4-BE49-F238E27FC236}">
+                <a16:creationId xmlns:a16="http://schemas.microsoft.com/office/drawing/2014/main" id="{F9B50DA6-750C-8818-805A-7F4BC79C1B3F}"/>
+              </a:ext>
+            </a:extLst>
+          </p:cNvPr>
+          <p:cNvPicPr>
+            <a:picLocks noChangeAspect="1"/>
+          </p:cNvPicPr>
+          <p:nvPr/>
+        </p:nvPicPr>
+        <p:blipFill>
+          <a:blip r:embed="rId3"/>
+          <a:stretch>
+            <a:fillRect/>
+          </a:stretch>
+        </p:blipFill>
+        <p:spPr>
+          <a:xfrm>
+            <a:off x="5200342" y="2877631"/>
+            <a:ext cx="6551248" cy="3165209"/>
+          </a:xfrm>
+          <a:prstGeom prst="rect">
+            <a:avLst/>
+          </a:prstGeom>
+          <a:ln>
+            <a:solidFill>
+              <a:schemeClr val="bg2">
+                <a:lumMod val="75000"/>
+              </a:schemeClr>
+            </a:solidFill>
+          </a:ln>
+        </p:spPr>
+      </p:pic>
+      <p:pic>
+        <p:nvPicPr>
+          <p:cNvPr id="5" name="Picture 4">
+            <a:extLst>
+              <a:ext uri="{FF2B5EF4-FFF2-40B4-BE49-F238E27FC236}">
+                <a16:creationId xmlns:a16="http://schemas.microsoft.com/office/drawing/2014/main" id="{932F3502-EFE1-F44E-F79F-B5C4C0186721}"/>
+              </a:ext>
+            </a:extLst>
+          </p:cNvPr>
+          <p:cNvPicPr>
+            <a:picLocks noChangeAspect="1"/>
+          </p:cNvPicPr>
+          <p:nvPr/>
+        </p:nvPicPr>
+        <p:blipFill>
+          <a:blip r:embed="rId4"/>
+          <a:stretch>
+            <a:fillRect/>
+          </a:stretch>
+        </p:blipFill>
+        <p:spPr>
+          <a:xfrm>
+            <a:off x="607393" y="2574294"/>
+            <a:ext cx="3240000" cy="3468546"/>
+          </a:xfrm>
+          <a:prstGeom prst="rect">
+            <a:avLst/>
+          </a:prstGeom>
+          <a:ln>
+            <a:solidFill>
+              <a:schemeClr val="bg2">
+                <a:lumMod val="75000"/>
+              </a:schemeClr>
+            </a:solidFill>
+          </a:ln>
+        </p:spPr>
+      </p:pic>
+      <p:sp>
+        <p:nvSpPr>
+          <p:cNvPr id="6" name="Arrow: Right 7">
+            <a:extLst>
+              <a:ext uri="{FF2B5EF4-FFF2-40B4-BE49-F238E27FC236}">
+                <a16:creationId xmlns:a16="http://schemas.microsoft.com/office/drawing/2014/main" id="{C328B317-BA80-9938-CF6C-A9D820843863}"/>
+              </a:ext>
+            </a:extLst>
+          </p:cNvPr>
+          <p:cNvSpPr/>
+          <p:nvPr/>
+        </p:nvSpPr>
+        <p:spPr>
+          <a:xfrm>
+            <a:off x="4033161" y="3956012"/>
+            <a:ext cx="981413" cy="705109"/>
+          </a:xfrm>
+          <a:prstGeom prst="rightArrow">
+            <a:avLst/>
+          </a:prstGeom>
+          <a:solidFill>
+            <a:schemeClr val="tx1"/>
+          </a:solidFill>
+          <a:ln>
+            <a:solidFill>
+              <a:schemeClr val="tx1"/>
+            </a:solidFill>
+          </a:ln>
+        </p:spPr>
+        <p:style>
+          <a:lnRef idx="2">
+            <a:schemeClr val="accent1">
+              <a:shade val="50000"/>
+            </a:schemeClr>
+          </a:lnRef>
+          <a:fillRef idx="1">
+            <a:schemeClr val="accent1"/>
+          </a:fillRef>
+          <a:effectRef idx="0">
+            <a:schemeClr val="accent1"/>
+          </a:effectRef>
+          <a:fontRef idx="minor">
+            <a:schemeClr val="lt1"/>
+          </a:fontRef>
+        </p:style>
+        <p:txBody>
+          <a:bodyPr rtlCol="0" anchor="ctr"/>
+          <a:lstStyle/>
+          <a:p>
+            <a:pPr algn="ctr"/>
+            <a:endParaRPr lang="en-US" sz="2798"/>
+          </a:p>
+        </p:txBody>
+      </p:sp>
+    </p:spTree>
+    <p:extLst>
+      <p:ext uri="{BB962C8B-B14F-4D97-AF65-F5344CB8AC3E}">
+        <p14:creationId xmlns:p14="http://schemas.microsoft.com/office/powerpoint/2010/main" val="4006955103"/>
+      </p:ext>
+    </p:extLst>
+  </p:cSld>
+  <p:clrMapOvr>
+    <a:masterClrMapping/>
+  </p:clrMapOvr>
+  <mc:AlternateContent xmlns:mc="http://schemas.openxmlformats.org/markup-compatibility/2006" xmlns:p14="http://schemas.microsoft.com/office/powerpoint/2010/main">
+    <mc:Choice Requires="p14">
+      <p:transition spd="slow" p14:dur="2000" advClick="0" advTm="5000"/>
+    </mc:Choice>
+    <mc:Fallback xmlns="">
+      <p:transition spd="slow" advClick="0" advTm="5000"/>
+    </mc:Fallback>
+  </mc:AlternateContent>
+  <p:timing>
+    <p:tnLst>
+      <p:par>
+        <p:cTn id="1" dur="indefinite" restart="never" nodeType="tmRoot">
+          <p:childTnLst>
+            <p:seq concurrent="1" nextAc="seek">
+              <p:cTn id="2" dur="indefinite" nodeType="mainSeq">
+                <p:childTnLst>
+                  <p:par>
+                    <p:cTn id="3" fill="hold">
+                      <p:stCondLst>
+                        <p:cond delay="indefinite"/>
+                        <p:cond evt="onBegin" delay="0">
+                          <p:tn val="2"/>
+                        </p:cond>
+                      </p:stCondLst>
+                      <p:childTnLst>
+                        <p:par>
+                          <p:cTn id="4" fill="hold">
+                            <p:stCondLst>
+                              <p:cond delay="0"/>
+                            </p:stCondLst>
+                            <p:childTnLst>
+                              <p:par>
+                                <p:cTn id="5" presetID="1" presetClass="entr" presetSubtype="0" fill="hold" nodeType="withEffect">
+                                  <p:stCondLst>
+                                    <p:cond delay="0"/>
+                                  </p:stCondLst>
+                                  <p:childTnLst>
+                                    <p:set>
+                                      <p:cBhvr>
+                                        <p:cTn id="6" dur="1" fill="hold">
+                                          <p:stCondLst>
+                                            <p:cond delay="0"/>
+                                          </p:stCondLst>
+                                        </p:cTn>
+                                        <p:tgtEl>
+                                          <p:spTgt spid="7">
+                                            <p:txEl>
+                                              <p:pRg st="0" end="0"/>
+                                            </p:txEl>
+                                          </p:spTgt>
+                                        </p:tgtEl>
+                                        <p:attrNameLst>
+                                          <p:attrName>style.visibility</p:attrName>
+                                        </p:attrNameLst>
+                                      </p:cBhvr>
+                                      <p:to>
+                                        <p:strVal val="visible"/>
+                                      </p:to>
+                                    </p:set>
+                                  </p:childTnLst>
+                                </p:cTn>
+                              </p:par>
+                              <p:par>
+                                <p:cTn id="7" presetID="1" presetClass="entr" presetSubtype="0" fill="hold" nodeType="withEffect">
+                                  <p:stCondLst>
+                                    <p:cond delay="0"/>
+                                  </p:stCondLst>
+                                  <p:childTnLst>
+                                    <p:set>
+                                      <p:cBhvr>
+                                        <p:cTn id="8" dur="1" fill="hold">
+                                          <p:stCondLst>
+                                            <p:cond delay="0"/>
+                                          </p:stCondLst>
+                                        </p:cTn>
+                                        <p:tgtEl>
+                                          <p:spTgt spid="5"/>
+                                        </p:tgtEl>
+                                        <p:attrNameLst>
+                                          <p:attrName>style.visibility</p:attrName>
+                                        </p:attrNameLst>
+                                      </p:cBhvr>
+                                      <p:to>
+                                        <p:strVal val="visible"/>
+                                      </p:to>
+                                    </p:set>
+                                  </p:childTnLst>
+                                </p:cTn>
+                              </p:par>
+                            </p:childTnLst>
+                          </p:cTn>
+                        </p:par>
+                      </p:childTnLst>
+                    </p:cTn>
+                  </p:par>
+                  <p:par>
+                    <p:cTn id="9" fill="hold">
+                      <p:stCondLst>
+                        <p:cond delay="indefinite"/>
+                      </p:stCondLst>
+                      <p:childTnLst>
+                        <p:par>
+                          <p:cTn id="10" fill="hold">
+                            <p:stCondLst>
+                              <p:cond delay="0"/>
+                            </p:stCondLst>
+                            <p:childTnLst>
+                              <p:par>
+                                <p:cTn id="11" presetID="1" presetClass="entr" presetSubtype="0" fill="hold" grpId="0" nodeType="clickEffect">
+                                  <p:stCondLst>
+                                    <p:cond delay="0"/>
+                                  </p:stCondLst>
+                                  <p:childTnLst>
+                                    <p:set>
+                                      <p:cBhvr>
+                                        <p:cTn id="12" dur="1" fill="hold">
+                                          <p:stCondLst>
+                                            <p:cond delay="0"/>
+                                          </p:stCondLst>
+                                        </p:cTn>
+                                        <p:tgtEl>
+                                          <p:spTgt spid="6"/>
+                                        </p:tgtEl>
+                                        <p:attrNameLst>
+                                          <p:attrName>style.visibility</p:attrName>
+                                        </p:attrNameLst>
+                                      </p:cBhvr>
+                                      <p:to>
+                                        <p:strVal val="visible"/>
+                                      </p:to>
+                                    </p:set>
+                                  </p:childTnLst>
+                                </p:cTn>
+                              </p:par>
+                              <p:par>
+                                <p:cTn id="13" presetID="1" presetClass="entr" presetSubtype="0" fill="hold" nodeType="withEffect">
+                                  <p:stCondLst>
+                                    <p:cond delay="0"/>
+                                  </p:stCondLst>
+                                  <p:childTnLst>
+                                    <p:set>
+                                      <p:cBhvr>
+                                        <p:cTn id="14" dur="1" fill="hold">
+                                          <p:stCondLst>
+                                            <p:cond delay="0"/>
+                                          </p:stCondLst>
+                                        </p:cTn>
+                                        <p:tgtEl>
+                                          <p:spTgt spid="2"/>
+                                        </p:tgtEl>
+                                        <p:attrNameLst>
+                                          <p:attrName>style.visibility</p:attrName>
+                                        </p:attrNameLst>
+                                      </p:cBhvr>
+                                      <p:to>
+                                        <p:strVal val="visible"/>
+                                      </p:to>
+                                    </p:set>
+                                  </p:childTnLst>
+                                </p:cTn>
+                              </p:par>
+                            </p:childTnLst>
+                          </p:cTn>
+                        </p:par>
+                      </p:childTnLst>
+                    </p:cTn>
+                  </p:par>
+                </p:childTnLst>
+              </p:cTn>
+              <p:prevCondLst>
+                <p:cond evt="onPrev" delay="0">
+                  <p:tgtEl>
+                    <p:sldTgt/>
+                  </p:tgtEl>
+                </p:cond>
+              </p:prevCondLst>
+              <p:nextCondLst>
+                <p:cond evt="onNext" delay="0">
+                  <p:tgtEl>
+                    <p:sldTgt/>
+                  </p:tgtEl>
+                </p:cond>
+              </p:nextCondLst>
+            </p:seq>
+          </p:childTnLst>
+        </p:cTn>
+      </p:par>
+    </p:tnLst>
+    <p:bldLst>
+      <p:bldP spid="6" grpId="0" animBg="1"/>
+    </p:bldLst>
+  </p:timing>
+</p:sld>
+</file>
+
+<file path=ppt/slides/slide40.xml><?xml version="1.0" encoding="utf-8"?>
 <p:sld xmlns:a="http://schemas.openxmlformats.org/drawingml/2006/main" xmlns:r="http://schemas.openxmlformats.org/officeDocument/2006/relationships" xmlns:p="http://schemas.openxmlformats.org/presentationml/2006/main">
   <p:cSld>
     <p:spTree>
@@ -32171,7 +33924,7 @@
             <a:fld id="{2BF067CD-8E6B-4360-9AA8-C5DF2A48A6D1}" type="slidenum">
               <a:rPr lang="en-US" noProof="0" smtClean="0"/>
               <a:pPr/>
-              <a:t>38</a:t>
+              <a:t>40</a:t>
             </a:fld>
             <a:endParaRPr lang="en-US" noProof="0" dirty="0"/>
           </a:p>
@@ -32210,7 +33963,7 @@
                   <a:schemeClr val="bg1"/>
                 </a:solidFill>
               </a:rPr>
-              <a:t>Execute</a:t>
+              <a:t>[Execute]</a:t>
             </a:r>
             <a:endParaRPr lang="bg-BG" sz="3200" b="1" dirty="0">
               <a:solidFill>
@@ -32686,7 +34439,7 @@
 </p:sld>
 </file>
 
-<file path=ppt/slides/slide39.xml><?xml version="1.0" encoding="utf-8"?>
+<file path=ppt/slides/slide41.xml><?xml version="1.0" encoding="utf-8"?>
 <p:sld xmlns:a="http://schemas.openxmlformats.org/drawingml/2006/main" xmlns:r="http://schemas.openxmlformats.org/officeDocument/2006/relationships" xmlns:p="http://schemas.openxmlformats.org/presentationml/2006/main">
   <p:cSld>
     <p:spTree>
@@ -32727,7 +34480,7 @@
             <a:fld id="{2BF067CD-8E6B-4360-9AA8-C5DF2A48A6D1}" type="slidenum">
               <a:rPr lang="en-US" noProof="0" smtClean="0"/>
               <a:pPr/>
-              <a:t>39</a:t>
+              <a:t>41</a:t>
             </a:fld>
             <a:endParaRPr lang="en-US" noProof="0" dirty="0"/>
           </a:p>
@@ -32796,7 +34549,7 @@
             </a:r>
             <a:r>
               <a:rPr lang="en-US" sz="3200" dirty="0"/>
-              <a:t> [</a:t>
+              <a:t> </a:t>
             </a:r>
             <a:r>
               <a:rPr lang="en-US" sz="3200" b="1" dirty="0">
@@ -32804,19 +34557,7 @@
                   <a:schemeClr val="bg1"/>
                 </a:solidFill>
               </a:rPr>
-              <a:t>Show Table Data</a:t>
-            </a:r>
-            <a:r>
-              <a:rPr lang="en-US" sz="3200" dirty="0"/>
-              <a:t>]</a:t>
-            </a:r>
-            <a:r>
-              <a:rPr lang="en-US" sz="3200" b="1" dirty="0">
-                <a:solidFill>
-                  <a:schemeClr val="bg1"/>
-                </a:solidFill>
-              </a:rPr>
-              <a:t> </a:t>
+              <a:t>[Show Table Data] </a:t>
             </a:r>
             <a:endParaRPr lang="en-BG" sz="3200" b="1" dirty="0">
               <a:solidFill>
@@ -33200,517 +34941,7 @@
 </p:sld>
 </file>
 
-<file path=ppt/slides/slide4.xml><?xml version="1.0" encoding="utf-8"?>
-<p:sld xmlns:a="http://schemas.openxmlformats.org/drawingml/2006/main" xmlns:r="http://schemas.openxmlformats.org/officeDocument/2006/relationships" xmlns:p="http://schemas.openxmlformats.org/presentationml/2006/main">
-  <p:cSld>
-    <p:spTree>
-      <p:nvGrpSpPr>
-        <p:cNvPr id="1" name=""/>
-        <p:cNvGrpSpPr/>
-        <p:nvPr/>
-      </p:nvGrpSpPr>
-      <p:grpSpPr>
-        <a:xfrm>
-          <a:off x="0" y="0"/>
-          <a:ext cx="0" cy="0"/>
-          <a:chOff x="0" y="0"/>
-          <a:chExt cx="0" cy="0"/>
-        </a:xfrm>
-      </p:grpSpPr>
-      <p:sp>
-        <p:nvSpPr>
-          <p:cNvPr id="9" name="Slide Number">
-            <a:extLst>
-              <a:ext uri="{FF2B5EF4-FFF2-40B4-BE49-F238E27FC236}">
-                <a16:creationId xmlns:a16="http://schemas.microsoft.com/office/drawing/2014/main" id="{8891F045-A272-4231-985A-53063F832AC8}"/>
-              </a:ext>
-            </a:extLst>
-          </p:cNvPr>
-          <p:cNvSpPr>
-            <a:spLocks noGrp="1"/>
-          </p:cNvSpPr>
-          <p:nvPr>
-            <p:ph type="sldNum" sz="quarter" idx="5"/>
-          </p:nvPr>
-        </p:nvSpPr>
-        <p:spPr>
-          <a:xfrm>
-            <a:off x="11753030" y="6507000"/>
-            <a:ext cx="367414" cy="297000"/>
-          </a:xfrm>
-        </p:spPr>
-        <p:txBody>
-          <a:bodyPr vert="horz" lIns="91440" tIns="45720" rIns="91440" bIns="45720" rtlCol="0" anchor="b"/>
-          <a:lstStyle>
-            <a:lvl1pPr algn="r">
-              <a:defRPr sz="1000"/>
-            </a:lvl1pPr>
-          </a:lstStyle>
-          <a:p>
-            <a:fld id="{2BF067CD-8E6B-4360-9AA8-C5DF2A48A6D1}" type="slidenum">
-              <a:rPr lang="en-US" smtClean="0"/>
-              <a:pPr/>
-              <a:t>4</a:t>
-            </a:fld>
-            <a:endParaRPr lang="en-US" dirty="0"/>
-          </a:p>
-        </p:txBody>
-      </p:sp>
-      <p:sp>
-        <p:nvSpPr>
-          <p:cNvPr id="7" name="Slide Body Text">
-            <a:extLst>
-              <a:ext uri="{FF2B5EF4-FFF2-40B4-BE49-F238E27FC236}">
-                <a16:creationId xmlns:a16="http://schemas.microsoft.com/office/drawing/2014/main" id="{320B2856-CE5E-4934-BD1C-1D81E68E529A}"/>
-              </a:ext>
-            </a:extLst>
-          </p:cNvPr>
-          <p:cNvSpPr>
-            <a:spLocks noGrp="1"/>
-          </p:cNvSpPr>
-          <p:nvPr>
-            <p:ph type="body" sz="quarter" idx="10"/>
-          </p:nvPr>
-        </p:nvSpPr>
-        <p:spPr>
-          <a:xfrm>
-            <a:off x="190402" y="1196125"/>
-            <a:ext cx="11818096" cy="5528766"/>
-          </a:xfrm>
-        </p:spPr>
-        <p:txBody>
-          <a:bodyPr>
-            <a:normAutofit/>
-          </a:bodyPr>
-          <a:lstStyle/>
-          <a:p>
-            <a:pPr>
-              <a:buClr>
-                <a:schemeClr val="tx1"/>
-              </a:buClr>
-            </a:pPr>
-            <a:r>
-              <a:rPr lang="bg-BG" sz="3200" dirty="0"/>
-              <a:t>Технология, която позволява </a:t>
-            </a:r>
-            <a:r>
-              <a:rPr lang="bg-BG" sz="3200" b="1" dirty="0">
-                <a:solidFill>
-                  <a:schemeClr val="bg1"/>
-                </a:solidFill>
-              </a:rPr>
-              <a:t>манипулиране</a:t>
-            </a:r>
-            <a:r>
-              <a:rPr lang="bg-BG" sz="3200" dirty="0"/>
-              <a:t> на </a:t>
-            </a:r>
-            <a:r>
-              <a:rPr lang="bg-BG" sz="3200" b="1" dirty="0">
-                <a:solidFill>
-                  <a:schemeClr val="bg1"/>
-                </a:solidFill>
-              </a:rPr>
-              <a:t>бази данни</a:t>
-            </a:r>
-            <a:r>
-              <a:rPr lang="bg-BG" sz="3200" dirty="0"/>
-              <a:t>, използвайки </a:t>
-            </a:r>
-            <a:r>
-              <a:rPr lang="bg-BG" sz="3200" b="1" dirty="0">
-                <a:solidFill>
-                  <a:schemeClr val="bg1"/>
-                </a:solidFill>
-              </a:rPr>
-              <a:t>класове </a:t>
-            </a:r>
-            <a:r>
-              <a:rPr lang="bg-BG" sz="3200" dirty="0"/>
-              <a:t>и </a:t>
-            </a:r>
-            <a:r>
-              <a:rPr lang="bg-BG" sz="3200" b="1" dirty="0">
-                <a:solidFill>
-                  <a:schemeClr val="bg1"/>
-                </a:solidFill>
-              </a:rPr>
-              <a:t>обекти</a:t>
-            </a:r>
-          </a:p>
-        </p:txBody>
-      </p:sp>
-      <p:sp>
-        <p:nvSpPr>
-          <p:cNvPr id="4" name="Slide Title"/>
-          <p:cNvSpPr>
-            <a:spLocks noGrp="1"/>
-          </p:cNvSpPr>
-          <p:nvPr>
-            <p:ph type="title"/>
-          </p:nvPr>
-        </p:nvSpPr>
-        <p:spPr>
-          <a:xfrm>
-            <a:off x="190406" y="100750"/>
-            <a:ext cx="10270594" cy="882654"/>
-          </a:xfrm>
-        </p:spPr>
-        <p:txBody>
-          <a:bodyPr>
-            <a:normAutofit/>
-          </a:bodyPr>
-          <a:lstStyle/>
-          <a:p>
-            <a:r>
-              <a:rPr lang="bg-BG" dirty="0"/>
-              <a:t>Какво е </a:t>
-            </a:r>
-            <a:r>
-              <a:rPr lang="en-US" sz="4000" dirty="0"/>
-              <a:t>Object-Relational Mapping (</a:t>
-            </a:r>
-            <a:r>
-              <a:rPr lang="en-US" dirty="0"/>
-              <a:t>ORM)?</a:t>
-            </a:r>
-          </a:p>
-        </p:txBody>
-      </p:sp>
-      <p:pic>
-        <p:nvPicPr>
-          <p:cNvPr id="2" name="Picture 1">
-            <a:extLst>
-              <a:ext uri="{FF2B5EF4-FFF2-40B4-BE49-F238E27FC236}">
-                <a16:creationId xmlns:a16="http://schemas.microsoft.com/office/drawing/2014/main" id="{F9B50DA6-750C-8818-805A-7F4BC79C1B3F}"/>
-              </a:ext>
-            </a:extLst>
-          </p:cNvPr>
-          <p:cNvPicPr>
-            <a:picLocks noChangeAspect="1"/>
-          </p:cNvPicPr>
-          <p:nvPr/>
-        </p:nvPicPr>
-        <p:blipFill>
-          <a:blip r:embed="rId3"/>
-          <a:stretch>
-            <a:fillRect/>
-          </a:stretch>
-        </p:blipFill>
-        <p:spPr>
-          <a:xfrm>
-            <a:off x="5200342" y="2877631"/>
-            <a:ext cx="6551248" cy="3165209"/>
-          </a:xfrm>
-          <a:prstGeom prst="rect">
-            <a:avLst/>
-          </a:prstGeom>
-          <a:ln>
-            <a:solidFill>
-              <a:schemeClr val="bg2">
-                <a:lumMod val="75000"/>
-              </a:schemeClr>
-            </a:solidFill>
-          </a:ln>
-        </p:spPr>
-      </p:pic>
-      <p:pic>
-        <p:nvPicPr>
-          <p:cNvPr id="5" name="Picture 4">
-            <a:extLst>
-              <a:ext uri="{FF2B5EF4-FFF2-40B4-BE49-F238E27FC236}">
-                <a16:creationId xmlns:a16="http://schemas.microsoft.com/office/drawing/2014/main" id="{932F3502-EFE1-F44E-F79F-B5C4C0186721}"/>
-              </a:ext>
-            </a:extLst>
-          </p:cNvPr>
-          <p:cNvPicPr>
-            <a:picLocks noChangeAspect="1"/>
-          </p:cNvPicPr>
-          <p:nvPr/>
-        </p:nvPicPr>
-        <p:blipFill>
-          <a:blip r:embed="rId4"/>
-          <a:stretch>
-            <a:fillRect/>
-          </a:stretch>
-        </p:blipFill>
-        <p:spPr>
-          <a:xfrm>
-            <a:off x="607393" y="2574294"/>
-            <a:ext cx="3240000" cy="3468546"/>
-          </a:xfrm>
-          <a:prstGeom prst="rect">
-            <a:avLst/>
-          </a:prstGeom>
-          <a:ln>
-            <a:solidFill>
-              <a:schemeClr val="bg2">
-                <a:lumMod val="75000"/>
-              </a:schemeClr>
-            </a:solidFill>
-          </a:ln>
-        </p:spPr>
-      </p:pic>
-      <p:sp>
-        <p:nvSpPr>
-          <p:cNvPr id="6" name="Arrow: Right 7">
-            <a:extLst>
-              <a:ext uri="{FF2B5EF4-FFF2-40B4-BE49-F238E27FC236}">
-                <a16:creationId xmlns:a16="http://schemas.microsoft.com/office/drawing/2014/main" id="{C328B317-BA80-9938-CF6C-A9D820843863}"/>
-              </a:ext>
-            </a:extLst>
-          </p:cNvPr>
-          <p:cNvSpPr/>
-          <p:nvPr/>
-        </p:nvSpPr>
-        <p:spPr>
-          <a:xfrm>
-            <a:off x="4033161" y="3956012"/>
-            <a:ext cx="981413" cy="705109"/>
-          </a:xfrm>
-          <a:prstGeom prst="rightArrow">
-            <a:avLst/>
-          </a:prstGeom>
-          <a:solidFill>
-            <a:schemeClr val="tx1"/>
-          </a:solidFill>
-          <a:ln>
-            <a:solidFill>
-              <a:schemeClr val="tx1"/>
-            </a:solidFill>
-          </a:ln>
-        </p:spPr>
-        <p:style>
-          <a:lnRef idx="2">
-            <a:schemeClr val="accent1">
-              <a:shade val="50000"/>
-            </a:schemeClr>
-          </a:lnRef>
-          <a:fillRef idx="1">
-            <a:schemeClr val="accent1"/>
-          </a:fillRef>
-          <a:effectRef idx="0">
-            <a:schemeClr val="accent1"/>
-          </a:effectRef>
-          <a:fontRef idx="minor">
-            <a:schemeClr val="lt1"/>
-          </a:fontRef>
-        </p:style>
-        <p:txBody>
-          <a:bodyPr rtlCol="0" anchor="ctr"/>
-          <a:lstStyle/>
-          <a:p>
-            <a:pPr algn="ctr"/>
-            <a:endParaRPr lang="en-US" sz="2798"/>
-          </a:p>
-        </p:txBody>
-      </p:sp>
-    </p:spTree>
-    <p:extLst>
-      <p:ext uri="{BB962C8B-B14F-4D97-AF65-F5344CB8AC3E}">
-        <p14:creationId xmlns:p14="http://schemas.microsoft.com/office/powerpoint/2010/main" val="4006955103"/>
-      </p:ext>
-    </p:extLst>
-  </p:cSld>
-  <p:clrMapOvr>
-    <a:masterClrMapping/>
-  </p:clrMapOvr>
-  <mc:AlternateContent xmlns:mc="http://schemas.openxmlformats.org/markup-compatibility/2006" xmlns:p14="http://schemas.microsoft.com/office/powerpoint/2010/main">
-    <mc:Choice Requires="p14">
-      <p:transition spd="slow" p14:dur="2000" advClick="0" advTm="5000"/>
-    </mc:Choice>
-    <mc:Fallback xmlns="">
-      <p:transition spd="slow" advClick="0" advTm="5000"/>
-    </mc:Fallback>
-  </mc:AlternateContent>
-  <p:timing>
-    <p:tnLst>
-      <p:par>
-        <p:cTn id="1" dur="indefinite" restart="never" nodeType="tmRoot">
-          <p:childTnLst>
-            <p:seq concurrent="1" nextAc="seek">
-              <p:cTn id="2" dur="indefinite" nodeType="mainSeq">
-                <p:childTnLst>
-                  <p:par>
-                    <p:cTn id="3" fill="hold">
-                      <p:stCondLst>
-                        <p:cond delay="indefinite"/>
-                        <p:cond evt="onBegin" delay="0">
-                          <p:tn val="2"/>
-                        </p:cond>
-                      </p:stCondLst>
-                      <p:childTnLst>
-                        <p:par>
-                          <p:cTn id="4" fill="hold">
-                            <p:stCondLst>
-                              <p:cond delay="0"/>
-                            </p:stCondLst>
-                            <p:childTnLst>
-                              <p:par>
-                                <p:cTn id="5" presetID="1" presetClass="entr" presetSubtype="0" fill="hold" nodeType="withEffect">
-                                  <p:stCondLst>
-                                    <p:cond delay="0"/>
-                                  </p:stCondLst>
-                                  <p:childTnLst>
-                                    <p:set>
-                                      <p:cBhvr>
-                                        <p:cTn id="6" dur="1" fill="hold">
-                                          <p:stCondLst>
-                                            <p:cond delay="0"/>
-                                          </p:stCondLst>
-                                        </p:cTn>
-                                        <p:tgtEl>
-                                          <p:spTgt spid="7">
-                                            <p:txEl>
-                                              <p:pRg st="0" end="0"/>
-                                            </p:txEl>
-                                          </p:spTgt>
-                                        </p:tgtEl>
-                                        <p:attrNameLst>
-                                          <p:attrName>style.visibility</p:attrName>
-                                        </p:attrNameLst>
-                                      </p:cBhvr>
-                                      <p:to>
-                                        <p:strVal val="visible"/>
-                                      </p:to>
-                                    </p:set>
-                                  </p:childTnLst>
-                                </p:cTn>
-                              </p:par>
-                              <p:par>
-                                <p:cTn id="7" presetID="1" presetClass="entr" presetSubtype="0" fill="hold" nodeType="withEffect">
-                                  <p:stCondLst>
-                                    <p:cond delay="0"/>
-                                  </p:stCondLst>
-                                  <p:childTnLst>
-                                    <p:set>
-                                      <p:cBhvr>
-                                        <p:cTn id="8" dur="1" fill="hold">
-                                          <p:stCondLst>
-                                            <p:cond delay="0"/>
-                                          </p:stCondLst>
-                                        </p:cTn>
-                                        <p:tgtEl>
-                                          <p:spTgt spid="5"/>
-                                        </p:tgtEl>
-                                        <p:attrNameLst>
-                                          <p:attrName>style.visibility</p:attrName>
-                                        </p:attrNameLst>
-                                      </p:cBhvr>
-                                      <p:to>
-                                        <p:strVal val="visible"/>
-                                      </p:to>
-                                    </p:set>
-                                  </p:childTnLst>
-                                </p:cTn>
-                              </p:par>
-                            </p:childTnLst>
-                          </p:cTn>
-                        </p:par>
-                      </p:childTnLst>
-                    </p:cTn>
-                  </p:par>
-                  <p:par>
-                    <p:cTn id="9" fill="hold">
-                      <p:stCondLst>
-                        <p:cond delay="indefinite"/>
-                      </p:stCondLst>
-                      <p:childTnLst>
-                        <p:par>
-                          <p:cTn id="10" fill="hold">
-                            <p:stCondLst>
-                              <p:cond delay="0"/>
-                            </p:stCondLst>
-                            <p:childTnLst>
-                              <p:par>
-                                <p:cTn id="11" presetID="1" presetClass="entr" presetSubtype="0" fill="hold" grpId="0" nodeType="clickEffect">
-                                  <p:stCondLst>
-                                    <p:cond delay="0"/>
-                                  </p:stCondLst>
-                                  <p:childTnLst>
-                                    <p:set>
-                                      <p:cBhvr>
-                                        <p:cTn id="12" dur="1" fill="hold">
-                                          <p:stCondLst>
-                                            <p:cond delay="0"/>
-                                          </p:stCondLst>
-                                        </p:cTn>
-                                        <p:tgtEl>
-                                          <p:spTgt spid="6"/>
-                                        </p:tgtEl>
-                                        <p:attrNameLst>
-                                          <p:attrName>style.visibility</p:attrName>
-                                        </p:attrNameLst>
-                                      </p:cBhvr>
-                                      <p:to>
-                                        <p:strVal val="visible"/>
-                                      </p:to>
-                                    </p:set>
-                                  </p:childTnLst>
-                                </p:cTn>
-                              </p:par>
-                              <p:par>
-                                <p:cTn id="13" presetID="1" presetClass="entr" presetSubtype="0" fill="hold" nodeType="withEffect">
-                                  <p:stCondLst>
-                                    <p:cond delay="0"/>
-                                  </p:stCondLst>
-                                  <p:childTnLst>
-                                    <p:set>
-                                      <p:cBhvr>
-                                        <p:cTn id="14" dur="1" fill="hold">
-                                          <p:stCondLst>
-                                            <p:cond delay="0"/>
-                                          </p:stCondLst>
-                                        </p:cTn>
-                                        <p:tgtEl>
-                                          <p:spTgt spid="2"/>
-                                        </p:tgtEl>
-                                        <p:attrNameLst>
-                                          <p:attrName>style.visibility</p:attrName>
-                                        </p:attrNameLst>
-                                      </p:cBhvr>
-                                      <p:to>
-                                        <p:strVal val="visible"/>
-                                      </p:to>
-                                    </p:set>
-                                  </p:childTnLst>
-                                </p:cTn>
-                              </p:par>
-                            </p:childTnLst>
-                          </p:cTn>
-                        </p:par>
-                      </p:childTnLst>
-                    </p:cTn>
-                  </p:par>
-                </p:childTnLst>
-              </p:cTn>
-              <p:prevCondLst>
-                <p:cond evt="onPrev" delay="0">
-                  <p:tgtEl>
-                    <p:sldTgt/>
-                  </p:tgtEl>
-                </p:cond>
-              </p:prevCondLst>
-              <p:nextCondLst>
-                <p:cond evt="onNext" delay="0">
-                  <p:tgtEl>
-                    <p:sldTgt/>
-                  </p:tgtEl>
-                </p:cond>
-              </p:nextCondLst>
-            </p:seq>
-          </p:childTnLst>
-        </p:cTn>
-      </p:par>
-    </p:tnLst>
-    <p:bldLst>
-      <p:bldP spid="6" grpId="0" animBg="1"/>
-    </p:bldLst>
-  </p:timing>
-</p:sld>
-</file>
-
-<file path=ppt/slides/slide40.xml><?xml version="1.0" encoding="utf-8"?>
+<file path=ppt/slides/slide42.xml><?xml version="1.0" encoding="utf-8"?>
 <p:sld xmlns:a="http://schemas.openxmlformats.org/drawingml/2006/main" xmlns:r="http://schemas.openxmlformats.org/officeDocument/2006/relationships" xmlns:p="http://schemas.openxmlformats.org/presentationml/2006/main">
   <p:cSld>
     <p:spTree>
@@ -33751,7 +34982,7 @@
             <a:fld id="{2BF067CD-8E6B-4360-9AA8-C5DF2A48A6D1}" type="slidenum">
               <a:rPr lang="en-US" noProof="0" smtClean="0"/>
               <a:pPr/>
-              <a:t>40</a:t>
+              <a:t>42</a:t>
             </a:fld>
             <a:endParaRPr lang="en-US" noProof="0" dirty="0"/>
           </a:p>
@@ -33864,7 +35095,7 @@
                   <a:schemeClr val="bg1"/>
                 </a:solidFill>
               </a:rPr>
-              <a:t>Package Manager Console</a:t>
+              <a:t>[Package Manager Console]</a:t>
             </a:r>
             <a:endParaRPr lang="en-BG" sz="3200" b="1" dirty="0">
               <a:solidFill>
@@ -34137,7 +35368,7 @@
 </p:sld>
 </file>
 
-<file path=ppt/slides/slide41.xml><?xml version="1.0" encoding="utf-8"?>
+<file path=ppt/slides/slide43.xml><?xml version="1.0" encoding="utf-8"?>
 <p:sld xmlns:a="http://schemas.openxmlformats.org/drawingml/2006/main" xmlns:r="http://schemas.openxmlformats.org/officeDocument/2006/relationships" xmlns:p="http://schemas.openxmlformats.org/presentationml/2006/main">
   <p:cSld>
     <p:spTree>
@@ -34178,7 +35409,7 @@
             <a:fld id="{2BF067CD-8E6B-4360-9AA8-C5DF2A48A6D1}" type="slidenum">
               <a:rPr lang="en-US" noProof="0" smtClean="0"/>
               <a:pPr/>
-              <a:t>41</a:t>
+              <a:t>43</a:t>
             </a:fld>
             <a:endParaRPr lang="en-US" noProof="0" dirty="0"/>
           </a:p>
@@ -34812,7 +36043,7 @@
 </p:sld>
 </file>
 
-<file path=ppt/slides/slide42.xml><?xml version="1.0" encoding="utf-8"?>
+<file path=ppt/slides/slide44.xml><?xml version="1.0" encoding="utf-8"?>
 <p:sld xmlns:a="http://schemas.openxmlformats.org/drawingml/2006/main" xmlns:r="http://schemas.openxmlformats.org/officeDocument/2006/relationships" xmlns:p="http://schemas.openxmlformats.org/presentationml/2006/main">
   <p:cSld>
     <p:spTree>
@@ -34853,7 +36084,7 @@
             <a:fld id="{2BF067CD-8E6B-4360-9AA8-C5DF2A48A6D1}" type="slidenum">
               <a:rPr lang="en-US" noProof="0" smtClean="0"/>
               <a:pPr/>
-              <a:t>42</a:t>
+              <a:t>44</a:t>
             </a:fld>
             <a:endParaRPr lang="en-US" noProof="0" dirty="0"/>
           </a:p>
@@ -35134,7 +36365,7 @@
 </p:sld>
 </file>
 
-<file path=ppt/slides/slide43.xml><?xml version="1.0" encoding="utf-8"?>
+<file path=ppt/slides/slide45.xml><?xml version="1.0" encoding="utf-8"?>
 <p:sld xmlns:a="http://schemas.openxmlformats.org/drawingml/2006/main" xmlns:r="http://schemas.openxmlformats.org/officeDocument/2006/relationships" xmlns:p="http://schemas.openxmlformats.org/presentationml/2006/main">
   <p:cSld>
     <p:spTree>
@@ -35175,7 +36406,7 @@
             <a:fld id="{2BF067CD-8E6B-4360-9AA8-C5DF2A48A6D1}" type="slidenum">
               <a:rPr lang="en-US" noProof="0" smtClean="0"/>
               <a:pPr/>
-              <a:t>43</a:t>
+              <a:t>45</a:t>
             </a:fld>
             <a:endParaRPr lang="en-US" noProof="0" dirty="0"/>
           </a:p>
@@ -35624,7 +36855,7 @@
 </p:sld>
 </file>
 
-<file path=ppt/slides/slide44.xml><?xml version="1.0" encoding="utf-8"?>
+<file path=ppt/slides/slide46.xml><?xml version="1.0" encoding="utf-8"?>
 <p:sld xmlns:a="http://schemas.openxmlformats.org/drawingml/2006/main" xmlns:r="http://schemas.openxmlformats.org/officeDocument/2006/relationships" xmlns:p="http://schemas.openxmlformats.org/presentationml/2006/main">
   <p:cSld>
     <p:spTree>
@@ -35665,7 +36896,7 @@
             <a:fld id="{2BF067CD-8E6B-4360-9AA8-C5DF2A48A6D1}" type="slidenum">
               <a:rPr lang="en-US" noProof="0" smtClean="0"/>
               <a:pPr/>
-              <a:t>44</a:t>
+              <a:t>46</a:t>
             </a:fld>
             <a:endParaRPr lang="en-US" noProof="0" dirty="0"/>
           </a:p>
@@ -35845,7 +37076,7 @@
 </p:sld>
 </file>
 
-<file path=ppt/slides/slide45.xml><?xml version="1.0" encoding="utf-8"?>
+<file path=ppt/slides/slide47.xml><?xml version="1.0" encoding="utf-8"?>
 <p:sld xmlns:a="http://schemas.openxmlformats.org/drawingml/2006/main" xmlns:r="http://schemas.openxmlformats.org/officeDocument/2006/relationships" xmlns:p="http://schemas.openxmlformats.org/presentationml/2006/main">
   <p:cSld>
     <p:spTree>
@@ -36671,7 +37902,7 @@
             <a:fld id="{2BF067CD-8E6B-4360-9AA8-C5DF2A48A6D1}" type="slidenum">
               <a:rPr lang="en-US" noProof="0" smtClean="0"/>
               <a:pPr/>
-              <a:t>45</a:t>
+              <a:t>47</a:t>
             </a:fld>
             <a:endParaRPr lang="en-US" noProof="0" dirty="0"/>
           </a:p>
@@ -37007,7 +38238,7 @@
 </p:sld>
 </file>
 
-<file path=ppt/slides/slide46.xml><?xml version="1.0" encoding="utf-8"?>
+<file path=ppt/slides/slide48.xml><?xml version="1.0" encoding="utf-8"?>
 <p:sld xmlns:a="http://schemas.openxmlformats.org/drawingml/2006/main" xmlns:r="http://schemas.openxmlformats.org/officeDocument/2006/relationships" xmlns:p="http://schemas.openxmlformats.org/presentationml/2006/main">
   <p:cSld>
     <p:spTree>
@@ -37197,7 +38428,7 @@
 </p:sld>
 </file>
 
-<file path=ppt/slides/slide47.xml><?xml version="1.0" encoding="utf-8"?>
+<file path=ppt/slides/slide49.xml><?xml version="1.0" encoding="utf-8"?>
 <p:sld xmlns:a="http://schemas.openxmlformats.org/drawingml/2006/main" xmlns:r="http://schemas.openxmlformats.org/officeDocument/2006/relationships" xmlns:p="http://schemas.openxmlformats.org/presentationml/2006/main" show="0">
   <p:cSld>
     <p:spTree>
@@ -37250,7 +38481,7 @@
             <a:fld id="{2BF067CD-8E6B-4360-9AA8-C5DF2A48A6D1}" type="slidenum">
               <a:rPr lang="en-US" smtClean="0"/>
               <a:pPr/>
-              <a:t>47</a:t>
+              <a:t>49</a:t>
             </a:fld>
             <a:endParaRPr lang="en-US" dirty="0"/>
           </a:p>
@@ -37569,11 +38800,11 @@
   <p:clrMapOvr>
     <a:masterClrMapping/>
   </p:clrMapOvr>
-  <mc:AlternateContent xmlns:mc="http://schemas.openxmlformats.org/markup-compatibility/2006">
-    <mc:Choice xmlns:p14="http://schemas.microsoft.com/office/powerpoint/2010/main" Requires="p14">
+  <mc:AlternateContent xmlns:mc="http://schemas.openxmlformats.org/markup-compatibility/2006" xmlns:p14="http://schemas.microsoft.com/office/powerpoint/2010/main">
+    <mc:Choice Requires="p14">
       <p:transition spd="slow" p14:dur="2000" advClick="0" advTm="5000"/>
     </mc:Choice>
-    <mc:Fallback>
+    <mc:Fallback xmlns="">
       <p:transition spd="slow" advClick="0" advTm="5000"/>
     </mc:Fallback>
   </mc:AlternateContent>

--- a/Courses/Software-Sciences/Module-4-Information-Systems-New/03-Introduction-to-ORM/03-Introduction-to-ORM.pptx
+++ b/Courses/Software-Sciences/Module-4-Information-Systems-New/03-Introduction-to-ORM/03-Introduction-to-ORM.pptx
@@ -5,10 +5,10 @@
     <p:sldMasterId id="2147483675" r:id="rId1"/>
   </p:sldMasterIdLst>
   <p:notesMasterIdLst>
-    <p:notesMasterId r:id="rId51"/>
+    <p:notesMasterId r:id="rId55"/>
   </p:notesMasterIdLst>
   <p:handoutMasterIdLst>
-    <p:handoutMasterId r:id="rId52"/>
+    <p:handoutMasterId r:id="rId56"/>
   </p:handoutMasterIdLst>
   <p:sldIdLst>
     <p:sldId id="503" r:id="rId2"/>
@@ -35,31 +35,35 @@
     <p:sldId id="682" r:id="rId23"/>
     <p:sldId id="700" r:id="rId24"/>
     <p:sldId id="701" r:id="rId25"/>
-    <p:sldId id="698" r:id="rId26"/>
-    <p:sldId id="703" r:id="rId27"/>
-    <p:sldId id="706" r:id="rId28"/>
-    <p:sldId id="705" r:id="rId29"/>
-    <p:sldId id="704" r:id="rId30"/>
-    <p:sldId id="589" r:id="rId31"/>
-    <p:sldId id="719" r:id="rId32"/>
-    <p:sldId id="731" r:id="rId33"/>
-    <p:sldId id="732" r:id="rId34"/>
-    <p:sldId id="649" r:id="rId35"/>
-    <p:sldId id="707" r:id="rId36"/>
-    <p:sldId id="708" r:id="rId37"/>
-    <p:sldId id="709" r:id="rId38"/>
-    <p:sldId id="710" r:id="rId39"/>
-    <p:sldId id="711" r:id="rId40"/>
-    <p:sldId id="713" r:id="rId41"/>
-    <p:sldId id="712" r:id="rId42"/>
-    <p:sldId id="714" r:id="rId43"/>
-    <p:sldId id="715" r:id="rId44"/>
-    <p:sldId id="720" r:id="rId45"/>
-    <p:sldId id="721" r:id="rId46"/>
-    <p:sldId id="722" r:id="rId47"/>
-    <p:sldId id="633" r:id="rId48"/>
-    <p:sldId id="504" r:id="rId49"/>
-    <p:sldId id="505" r:id="rId50"/>
+    <p:sldId id="733" r:id="rId26"/>
+    <p:sldId id="735" r:id="rId27"/>
+    <p:sldId id="736" r:id="rId28"/>
+    <p:sldId id="737" r:id="rId29"/>
+    <p:sldId id="698" r:id="rId30"/>
+    <p:sldId id="703" r:id="rId31"/>
+    <p:sldId id="706" r:id="rId32"/>
+    <p:sldId id="705" r:id="rId33"/>
+    <p:sldId id="704" r:id="rId34"/>
+    <p:sldId id="589" r:id="rId35"/>
+    <p:sldId id="719" r:id="rId36"/>
+    <p:sldId id="731" r:id="rId37"/>
+    <p:sldId id="732" r:id="rId38"/>
+    <p:sldId id="649" r:id="rId39"/>
+    <p:sldId id="707" r:id="rId40"/>
+    <p:sldId id="708" r:id="rId41"/>
+    <p:sldId id="709" r:id="rId42"/>
+    <p:sldId id="710" r:id="rId43"/>
+    <p:sldId id="711" r:id="rId44"/>
+    <p:sldId id="713" r:id="rId45"/>
+    <p:sldId id="712" r:id="rId46"/>
+    <p:sldId id="714" r:id="rId47"/>
+    <p:sldId id="715" r:id="rId48"/>
+    <p:sldId id="720" r:id="rId49"/>
+    <p:sldId id="721" r:id="rId50"/>
+    <p:sldId id="722" r:id="rId51"/>
+    <p:sldId id="633" r:id="rId52"/>
+    <p:sldId id="504" r:id="rId53"/>
+    <p:sldId id="505" r:id="rId54"/>
   </p:sldIdLst>
   <p:sldSz cx="12192000" cy="6858000"/>
   <p:notesSz cx="6858000" cy="9144000"/>
@@ -207,6 +211,10 @@
             <p14:sldId id="682"/>
             <p14:sldId id="700"/>
             <p14:sldId id="701"/>
+            <p14:sldId id="733"/>
+            <p14:sldId id="735"/>
+            <p14:sldId id="736"/>
+            <p14:sldId id="737"/>
           </p14:sldIdLst>
         </p14:section>
         <p14:section name="Четене на данни с Entity Framework" id="{31D7A09E-3F23-D541-9405-562A281808D2}">
@@ -454,7 +462,7 @@
           <a:p>
             <a:fld id="{4E087215-0C8F-4762-A664-737A353EC9A4}" type="datetimeFigureOut">
               <a:rPr lang="bg-BG" smtClean="0"/>
-              <a:t>17.06.24 г.</a:t>
+              <a:t>18.6.2024 г.</a:t>
             </a:fld>
             <a:endParaRPr lang="bg-BG"/>
           </a:p>
@@ -650,7 +658,7 @@
           <a:p>
             <a:fld id="{72D84649-876A-46C9-8472-14CB09C070D8}" type="datetimeFigureOut">
               <a:rPr lang="en-US" smtClean="0"/>
-              <a:t>6/17/24</a:t>
+              <a:t>18-Jun-24</a:t>
             </a:fld>
             <a:endParaRPr lang="en-US"/>
           </a:p>
@@ -4942,7 +4950,7 @@
             <a:fld id="{3EBA5BD7-F043-4D1B-AA17-CD412FC534DE}" type="slidenum">
               <a:rPr lang="en-US" smtClean="0"/>
               <a:pPr/>
-              <a:t>25</a:t>
+              <a:t>29</a:t>
             </a:fld>
             <a:endParaRPr lang="en-US" dirty="0"/>
           </a:p>
@@ -5172,7 +5180,7 @@
             <a:fld id="{3EBA5BD7-F043-4D1B-AA17-CD412FC534DE}" type="slidenum">
               <a:rPr lang="en-US" smtClean="0"/>
               <a:pPr/>
-              <a:t>26</a:t>
+              <a:t>30</a:t>
             </a:fld>
             <a:endParaRPr lang="en-US" dirty="0"/>
           </a:p>
@@ -5402,7 +5410,7 @@
             <a:fld id="{3EBA5BD7-F043-4D1B-AA17-CD412FC534DE}" type="slidenum">
               <a:rPr lang="en-US" smtClean="0"/>
               <a:pPr/>
-              <a:t>27</a:t>
+              <a:t>31</a:t>
             </a:fld>
             <a:endParaRPr lang="en-US" dirty="0"/>
           </a:p>
@@ -5632,7 +5640,7 @@
             <a:fld id="{3EBA5BD7-F043-4D1B-AA17-CD412FC534DE}" type="slidenum">
               <a:rPr lang="en-US" smtClean="0"/>
               <a:pPr/>
-              <a:t>28</a:t>
+              <a:t>32</a:t>
             </a:fld>
             <a:endParaRPr lang="en-US" dirty="0"/>
           </a:p>
@@ -5862,7 +5870,7 @@
             <a:fld id="{3EBA5BD7-F043-4D1B-AA17-CD412FC534DE}" type="slidenum">
               <a:rPr lang="en-US" smtClean="0"/>
               <a:pPr/>
-              <a:t>29</a:t>
+              <a:t>33</a:t>
             </a:fld>
             <a:endParaRPr lang="en-US" dirty="0"/>
           </a:p>
@@ -6322,7 +6330,7 @@
             <a:fld id="{3EBA5BD7-F043-4D1B-AA17-CD412FC534DE}" type="slidenum">
               <a:rPr lang="en-US" smtClean="0"/>
               <a:pPr/>
-              <a:t>30</a:t>
+              <a:t>34</a:t>
             </a:fld>
             <a:endParaRPr lang="en-US" dirty="0"/>
           </a:p>
@@ -6552,7 +6560,7 @@
             <a:fld id="{3EBA5BD7-F043-4D1B-AA17-CD412FC534DE}" type="slidenum">
               <a:rPr lang="en-US" smtClean="0"/>
               <a:pPr/>
-              <a:t>34</a:t>
+              <a:t>38</a:t>
             </a:fld>
             <a:endParaRPr lang="en-US" dirty="0"/>
           </a:p>
@@ -6675,7 +6683,7 @@
           <a:p>
             <a:fld id="{2BF067CD-8E6B-4360-9AA8-C5DF2A48A6D1}" type="slidenum">
               <a:rPr lang="en-US" smtClean="0"/>
-              <a:t>38</a:t>
+              <a:t>42</a:t>
             </a:fld>
             <a:endParaRPr lang="en-US" dirty="0"/>
           </a:p>
@@ -6796,7 +6804,7 @@
           <a:p>
             <a:fld id="{2BF067CD-8E6B-4360-9AA8-C5DF2A48A6D1}" type="slidenum">
               <a:rPr lang="en-US" smtClean="0"/>
-              <a:t>39</a:t>
+              <a:t>43</a:t>
             </a:fld>
             <a:endParaRPr lang="en-US" dirty="0"/>
           </a:p>
@@ -7024,7 +7032,7 @@
             <a:fld id="{3EBA5BD7-F043-4D1B-AA17-CD412FC534DE}" type="slidenum">
               <a:rPr lang="en-US" smtClean="0"/>
               <a:pPr/>
-              <a:t>47</a:t>
+              <a:t>51</a:t>
             </a:fld>
             <a:endParaRPr lang="en-US" dirty="0"/>
           </a:p>
@@ -7270,7 +7278,7 @@
             <a:fld id="{3EBA5BD7-F043-4D1B-AA17-CD412FC534DE}" type="slidenum">
               <a:rPr lang="en-US" smtClean="0"/>
               <a:pPr/>
-              <a:t>48</a:t>
+              <a:t>52</a:t>
             </a:fld>
             <a:endParaRPr lang="en-US" dirty="0"/>
           </a:p>
@@ -7500,7 +7508,7 @@
             <a:fld id="{3EBA5BD7-F043-4D1B-AA17-CD412FC534DE}" type="slidenum">
               <a:rPr lang="en-US" smtClean="0"/>
               <a:pPr/>
-              <a:t>49</a:t>
+              <a:t>53</a:t>
             </a:fld>
             <a:endParaRPr lang="en-US" dirty="0"/>
           </a:p>
@@ -14426,6 +14434,87 @@
           </a:prstGeom>
         </p:spPr>
       </p:pic>
+      <p:sp>
+        <p:nvSpPr>
+          <p:cNvPr id="2" name="Rectangle: Rounded Corners 1">
+            <a:extLst>
+              <a:ext uri="{FF2B5EF4-FFF2-40B4-BE49-F238E27FC236}">
+                <a16:creationId xmlns:a16="http://schemas.microsoft.com/office/drawing/2014/main" id="{CA86DFDC-B965-1D71-6EFD-3893B648A793}"/>
+              </a:ext>
+            </a:extLst>
+          </p:cNvPr>
+          <p:cNvSpPr/>
+          <p:nvPr/>
+        </p:nvSpPr>
+        <p:spPr bwMode="auto">
+          <a:xfrm>
+            <a:off x="7446000" y="2648707"/>
+            <a:ext cx="4410000" cy="1665000"/>
+          </a:xfrm>
+          <a:prstGeom prst="roundRect">
+            <a:avLst/>
+          </a:prstGeom>
+          <a:ln/>
+        </p:spPr>
+        <p:style>
+          <a:lnRef idx="1">
+            <a:schemeClr val="accent1"/>
+          </a:lnRef>
+          <a:fillRef idx="2">
+            <a:schemeClr val="accent1"/>
+          </a:fillRef>
+          <a:effectRef idx="1">
+            <a:schemeClr val="accent1"/>
+          </a:effectRef>
+          <a:fontRef idx="minor">
+            <a:schemeClr val="dk1"/>
+          </a:fontRef>
+        </p:style>
+        <p:txBody>
+          <a:bodyPr rot="0" spcFirstLastPara="0" vertOverflow="overflow" horzOverflow="overflow" vert="horz" wrap="square" lIns="91440" tIns="45720" rIns="91440" bIns="45720" numCol="1" spcCol="0" rtlCol="0" fromWordArt="0" anchor="ctr" anchorCtr="0" forceAA="0" compatLnSpc="1">
+            <a:prstTxWarp prst="textNoShape">
+              <a:avLst/>
+            </a:prstTxWarp>
+            <a:noAutofit/>
+          </a:bodyPr>
+          <a:lstStyle/>
+          <a:p>
+            <a:pPr algn="ctr"/>
+            <a:r>
+              <a:rPr lang="bg-BG" sz="2800" b="1" dirty="0">
+                <a:solidFill>
+                  <a:schemeClr val="tx1"/>
+                </a:solidFill>
+              </a:rPr>
+              <a:t>Тази секция изчезва. Ще ползваме последен </a:t>
+            </a:r>
+            <a:r>
+              <a:rPr lang="en-US" sz="2800" b="1" dirty="0">
+                <a:solidFill>
+                  <a:schemeClr val="tx1"/>
+                </a:solidFill>
+              </a:rPr>
+              <a:t>.NET 8 </a:t>
+            </a:r>
+            <a:r>
+              <a:rPr lang="bg-BG" sz="2800" b="1" dirty="0">
+                <a:solidFill>
+                  <a:schemeClr val="tx1"/>
+                </a:solidFill>
+              </a:rPr>
+              <a:t>и последен </a:t>
+            </a:r>
+            <a:r>
+              <a:rPr lang="en-US" sz="2800" b="1" dirty="0">
+                <a:solidFill>
+                  <a:schemeClr val="tx1"/>
+                </a:solidFill>
+              </a:rPr>
+              <a:t>EF Core</a:t>
+            </a:r>
+          </a:p>
+        </p:txBody>
+      </p:sp>
     </p:spTree>
     <p:extLst>
       <p:ext uri="{BB962C8B-B14F-4D97-AF65-F5344CB8AC3E}">
@@ -14745,6 +14834,87 @@
               <a:t>1)</a:t>
             </a:r>
             <a:endParaRPr lang="en-US" dirty="0"/>
+          </a:p>
+        </p:txBody>
+      </p:sp>
+      <p:sp>
+        <p:nvSpPr>
+          <p:cNvPr id="2" name="Rectangle: Rounded Corners 1">
+            <a:extLst>
+              <a:ext uri="{FF2B5EF4-FFF2-40B4-BE49-F238E27FC236}">
+                <a16:creationId xmlns:a16="http://schemas.microsoft.com/office/drawing/2014/main" id="{86933943-6EA9-D322-4752-7B0B06F47D08}"/>
+              </a:ext>
+            </a:extLst>
+          </p:cNvPr>
+          <p:cNvSpPr/>
+          <p:nvPr/>
+        </p:nvSpPr>
+        <p:spPr bwMode="auto">
+          <a:xfrm>
+            <a:off x="7221000" y="4158000"/>
+            <a:ext cx="4410000" cy="1665000"/>
+          </a:xfrm>
+          <a:prstGeom prst="roundRect">
+            <a:avLst/>
+          </a:prstGeom>
+          <a:ln/>
+        </p:spPr>
+        <p:style>
+          <a:lnRef idx="1">
+            <a:schemeClr val="accent1"/>
+          </a:lnRef>
+          <a:fillRef idx="2">
+            <a:schemeClr val="accent1"/>
+          </a:fillRef>
+          <a:effectRef idx="1">
+            <a:schemeClr val="accent1"/>
+          </a:effectRef>
+          <a:fontRef idx="minor">
+            <a:schemeClr val="dk1"/>
+          </a:fontRef>
+        </p:style>
+        <p:txBody>
+          <a:bodyPr rot="0" spcFirstLastPara="0" vertOverflow="overflow" horzOverflow="overflow" vert="horz" wrap="square" lIns="91440" tIns="45720" rIns="91440" bIns="45720" numCol="1" spcCol="0" rtlCol="0" fromWordArt="0" anchor="ctr" anchorCtr="0" forceAA="0" compatLnSpc="1">
+            <a:prstTxWarp prst="textNoShape">
+              <a:avLst/>
+            </a:prstTxWarp>
+            <a:noAutofit/>
+          </a:bodyPr>
+          <a:lstStyle/>
+          <a:p>
+            <a:pPr algn="ctr"/>
+            <a:r>
+              <a:rPr lang="bg-BG" sz="2800" b="1" dirty="0">
+                <a:solidFill>
+                  <a:schemeClr val="tx1"/>
+                </a:solidFill>
+              </a:rPr>
+              <a:t>Тази секция изчезва. Ще ползваме последен </a:t>
+            </a:r>
+            <a:r>
+              <a:rPr lang="en-US" sz="2800" b="1" dirty="0">
+                <a:solidFill>
+                  <a:schemeClr val="tx1"/>
+                </a:solidFill>
+              </a:rPr>
+              <a:t>.NET 8 </a:t>
+            </a:r>
+            <a:r>
+              <a:rPr lang="bg-BG" sz="2800" b="1" dirty="0">
+                <a:solidFill>
+                  <a:schemeClr val="tx1"/>
+                </a:solidFill>
+              </a:rPr>
+              <a:t>и последен </a:t>
+            </a:r>
+            <a:r>
+              <a:rPr lang="en-US" sz="2800" b="1" dirty="0">
+                <a:solidFill>
+                  <a:schemeClr val="tx1"/>
+                </a:solidFill>
+              </a:rPr>
+              <a:t>EF Core</a:t>
+            </a:r>
           </a:p>
         </p:txBody>
       </p:sp>
@@ -15400,6 +15570,87 @@
             <a:r>
               <a:rPr lang="en-US" dirty="0"/>
               <a:t>Entity Framework Core (2)</a:t>
+            </a:r>
+          </a:p>
+        </p:txBody>
+      </p:sp>
+      <p:sp>
+        <p:nvSpPr>
+          <p:cNvPr id="5" name="Rectangle: Rounded Corners 4">
+            <a:extLst>
+              <a:ext uri="{FF2B5EF4-FFF2-40B4-BE49-F238E27FC236}">
+                <a16:creationId xmlns:a16="http://schemas.microsoft.com/office/drawing/2014/main" id="{A3E35368-7283-B605-5F62-5CAF09879CB7}"/>
+              </a:ext>
+            </a:extLst>
+          </p:cNvPr>
+          <p:cNvSpPr/>
+          <p:nvPr/>
+        </p:nvSpPr>
+        <p:spPr bwMode="auto">
+          <a:xfrm>
+            <a:off x="1191000" y="4509000"/>
+            <a:ext cx="4410000" cy="1665000"/>
+          </a:xfrm>
+          <a:prstGeom prst="roundRect">
+            <a:avLst/>
+          </a:prstGeom>
+          <a:ln/>
+        </p:spPr>
+        <p:style>
+          <a:lnRef idx="1">
+            <a:schemeClr val="accent1"/>
+          </a:lnRef>
+          <a:fillRef idx="2">
+            <a:schemeClr val="accent1"/>
+          </a:fillRef>
+          <a:effectRef idx="1">
+            <a:schemeClr val="accent1"/>
+          </a:effectRef>
+          <a:fontRef idx="minor">
+            <a:schemeClr val="dk1"/>
+          </a:fontRef>
+        </p:style>
+        <p:txBody>
+          <a:bodyPr rot="0" spcFirstLastPara="0" vertOverflow="overflow" horzOverflow="overflow" vert="horz" wrap="square" lIns="91440" tIns="45720" rIns="91440" bIns="45720" numCol="1" spcCol="0" rtlCol="0" fromWordArt="0" anchor="ctr" anchorCtr="0" forceAA="0" compatLnSpc="1">
+            <a:prstTxWarp prst="textNoShape">
+              <a:avLst/>
+            </a:prstTxWarp>
+            <a:noAutofit/>
+          </a:bodyPr>
+          <a:lstStyle/>
+          <a:p>
+            <a:pPr algn="ctr"/>
+            <a:r>
+              <a:rPr lang="bg-BG" sz="2800" b="1" dirty="0">
+                <a:solidFill>
+                  <a:schemeClr val="tx1"/>
+                </a:solidFill>
+              </a:rPr>
+              <a:t>Тази секция изчезва. Ще ползваме последен </a:t>
+            </a:r>
+            <a:r>
+              <a:rPr lang="en-US" sz="2800" b="1" dirty="0">
+                <a:solidFill>
+                  <a:schemeClr val="tx1"/>
+                </a:solidFill>
+              </a:rPr>
+              <a:t>.NET 8 </a:t>
+            </a:r>
+            <a:r>
+              <a:rPr lang="bg-BG" sz="2800" b="1" dirty="0">
+                <a:solidFill>
+                  <a:schemeClr val="tx1"/>
+                </a:solidFill>
+              </a:rPr>
+              <a:t>и последен </a:t>
+            </a:r>
+            <a:r>
+              <a:rPr lang="en-US" sz="2800" b="1" dirty="0">
+                <a:solidFill>
+                  <a:schemeClr val="tx1"/>
+                </a:solidFill>
+              </a:rPr>
+              <a:t>EF Core</a:t>
             </a:r>
           </a:p>
         </p:txBody>
@@ -16059,6 +16310,116 @@
           </a:prstGeom>
         </p:spPr>
       </p:pic>
+      <p:sp>
+        <p:nvSpPr>
+          <p:cNvPr id="2" name="Rectangle: Rounded Corners 1">
+            <a:extLst>
+              <a:ext uri="{FF2B5EF4-FFF2-40B4-BE49-F238E27FC236}">
+                <a16:creationId xmlns:a16="http://schemas.microsoft.com/office/drawing/2014/main" id="{EF745966-5CDB-99A6-42CF-8693E539EDF8}"/>
+              </a:ext>
+            </a:extLst>
+          </p:cNvPr>
+          <p:cNvSpPr/>
+          <p:nvPr/>
+        </p:nvSpPr>
+        <p:spPr bwMode="auto">
+          <a:xfrm>
+            <a:off x="7348613" y="4680521"/>
+            <a:ext cx="4854444" cy="2040293"/>
+          </a:xfrm>
+          <a:prstGeom prst="roundRect">
+            <a:avLst/>
+          </a:prstGeom>
+          <a:ln/>
+        </p:spPr>
+        <p:style>
+          <a:lnRef idx="1">
+            <a:schemeClr val="accent1"/>
+          </a:lnRef>
+          <a:fillRef idx="2">
+            <a:schemeClr val="accent1"/>
+          </a:fillRef>
+          <a:effectRef idx="1">
+            <a:schemeClr val="accent1"/>
+          </a:effectRef>
+          <a:fontRef idx="minor">
+            <a:schemeClr val="dk1"/>
+          </a:fontRef>
+        </p:style>
+        <p:txBody>
+          <a:bodyPr rot="0" spcFirstLastPara="0" vertOverflow="overflow" horzOverflow="overflow" vert="horz" wrap="square" lIns="91440" tIns="45720" rIns="91440" bIns="45720" numCol="1" spcCol="0" rtlCol="0" fromWordArt="0" anchor="ctr" anchorCtr="0" forceAA="0" compatLnSpc="1">
+            <a:prstTxWarp prst="textNoShape">
+              <a:avLst/>
+            </a:prstTxWarp>
+            <a:noAutofit/>
+          </a:bodyPr>
+          <a:lstStyle/>
+          <a:p>
+            <a:pPr algn="ctr"/>
+            <a:r>
+              <a:rPr lang="bg-BG" sz="2800" b="1" dirty="0">
+                <a:solidFill>
+                  <a:schemeClr val="tx1"/>
+                </a:solidFill>
+              </a:rPr>
+              <a:t>За съжаление това работи само за стария </a:t>
+            </a:r>
+            <a:r>
+              <a:rPr lang="en-US" sz="2800" b="1" dirty="0">
+                <a:solidFill>
+                  <a:schemeClr val="tx1"/>
+                </a:solidFill>
+              </a:rPr>
+              <a:t>.NET Framework </a:t>
+            </a:r>
+            <a:r>
+              <a:rPr lang="bg-BG" sz="2800" b="1" dirty="0">
+                <a:solidFill>
+                  <a:schemeClr val="tx1"/>
+                </a:solidFill>
+              </a:rPr>
+              <a:t>и стария </a:t>
+            </a:r>
+            <a:r>
+              <a:rPr lang="en-US" sz="2800" b="1" dirty="0">
+                <a:solidFill>
+                  <a:schemeClr val="tx1"/>
+                </a:solidFill>
+              </a:rPr>
+              <a:t>EF (</a:t>
+            </a:r>
+            <a:r>
+              <a:rPr lang="bg-BG" sz="2800" b="1" dirty="0">
+                <a:solidFill>
+                  <a:schemeClr val="tx1"/>
+                </a:solidFill>
+              </a:rPr>
+              <a:t>не </a:t>
+            </a:r>
+            <a:r>
+              <a:rPr lang="en-US" sz="2800" b="1" dirty="0">
+                <a:solidFill>
+                  <a:schemeClr val="tx1"/>
+                </a:solidFill>
+              </a:rPr>
+              <a:t>Core). </a:t>
+            </a:r>
+            <a:r>
+              <a:rPr lang="bg-BG" sz="2800" b="1" dirty="0">
+                <a:solidFill>
+                  <a:schemeClr val="tx1"/>
+                </a:solidFill>
+              </a:rPr>
+              <a:t>Отпада!</a:t>
+            </a:r>
+            <a:endParaRPr lang="en-US" sz="2800" b="1" dirty="0">
+              <a:solidFill>
+                <a:schemeClr val="tx1"/>
+              </a:solidFill>
+            </a:endParaRPr>
+          </a:p>
+        </p:txBody>
+      </p:sp>
     </p:spTree>
     <p:extLst>
       <p:ext uri="{BB962C8B-B14F-4D97-AF65-F5344CB8AC3E}">
@@ -16659,6 +17020,116 @@
           </a:p>
         </p:txBody>
       </p:sp>
+      <p:sp>
+        <p:nvSpPr>
+          <p:cNvPr id="3" name="Rectangle: Rounded Corners 2">
+            <a:extLst>
+              <a:ext uri="{FF2B5EF4-FFF2-40B4-BE49-F238E27FC236}">
+                <a16:creationId xmlns:a16="http://schemas.microsoft.com/office/drawing/2014/main" id="{3DEA01F1-8BFE-13B9-1782-3A7A6B5EAC12}"/>
+              </a:ext>
+            </a:extLst>
+          </p:cNvPr>
+          <p:cNvSpPr/>
+          <p:nvPr/>
+        </p:nvSpPr>
+        <p:spPr bwMode="auto">
+          <a:xfrm>
+            <a:off x="1620166" y="4368601"/>
+            <a:ext cx="4854444" cy="2040293"/>
+          </a:xfrm>
+          <a:prstGeom prst="roundRect">
+            <a:avLst/>
+          </a:prstGeom>
+          <a:ln/>
+        </p:spPr>
+        <p:style>
+          <a:lnRef idx="1">
+            <a:schemeClr val="accent1"/>
+          </a:lnRef>
+          <a:fillRef idx="2">
+            <a:schemeClr val="accent1"/>
+          </a:fillRef>
+          <a:effectRef idx="1">
+            <a:schemeClr val="accent1"/>
+          </a:effectRef>
+          <a:fontRef idx="minor">
+            <a:schemeClr val="dk1"/>
+          </a:fontRef>
+        </p:style>
+        <p:txBody>
+          <a:bodyPr rot="0" spcFirstLastPara="0" vertOverflow="overflow" horzOverflow="overflow" vert="horz" wrap="square" lIns="91440" tIns="45720" rIns="91440" bIns="45720" numCol="1" spcCol="0" rtlCol="0" fromWordArt="0" anchor="ctr" anchorCtr="0" forceAA="0" compatLnSpc="1">
+            <a:prstTxWarp prst="textNoShape">
+              <a:avLst/>
+            </a:prstTxWarp>
+            <a:noAutofit/>
+          </a:bodyPr>
+          <a:lstStyle/>
+          <a:p>
+            <a:pPr algn="ctr"/>
+            <a:r>
+              <a:rPr lang="bg-BG" sz="2800" b="1" dirty="0">
+                <a:solidFill>
+                  <a:schemeClr val="tx1"/>
+                </a:solidFill>
+              </a:rPr>
+              <a:t>За съжаление това работи само за стария </a:t>
+            </a:r>
+            <a:r>
+              <a:rPr lang="en-US" sz="2800" b="1" dirty="0">
+                <a:solidFill>
+                  <a:schemeClr val="tx1"/>
+                </a:solidFill>
+              </a:rPr>
+              <a:t>.NET Framework </a:t>
+            </a:r>
+            <a:r>
+              <a:rPr lang="bg-BG" sz="2800" b="1" dirty="0">
+                <a:solidFill>
+                  <a:schemeClr val="tx1"/>
+                </a:solidFill>
+              </a:rPr>
+              <a:t>и стария </a:t>
+            </a:r>
+            <a:r>
+              <a:rPr lang="en-US" sz="2800" b="1" dirty="0">
+                <a:solidFill>
+                  <a:schemeClr val="tx1"/>
+                </a:solidFill>
+              </a:rPr>
+              <a:t>EF (</a:t>
+            </a:r>
+            <a:r>
+              <a:rPr lang="bg-BG" sz="2800" b="1" dirty="0">
+                <a:solidFill>
+                  <a:schemeClr val="tx1"/>
+                </a:solidFill>
+              </a:rPr>
+              <a:t>не </a:t>
+            </a:r>
+            <a:r>
+              <a:rPr lang="en-US" sz="2800" b="1" dirty="0">
+                <a:solidFill>
+                  <a:schemeClr val="tx1"/>
+                </a:solidFill>
+              </a:rPr>
+              <a:t>Core). </a:t>
+            </a:r>
+            <a:r>
+              <a:rPr lang="bg-BG" sz="2800" b="1" dirty="0">
+                <a:solidFill>
+                  <a:schemeClr val="tx1"/>
+                </a:solidFill>
+              </a:rPr>
+              <a:t>Отпада!</a:t>
+            </a:r>
+            <a:endParaRPr lang="en-US" sz="2800" b="1" dirty="0">
+              <a:solidFill>
+                <a:schemeClr val="tx1"/>
+              </a:solidFill>
+            </a:endParaRPr>
+          </a:p>
+        </p:txBody>
+      </p:sp>
     </p:spTree>
     <p:extLst>
       <p:ext uri="{BB962C8B-B14F-4D97-AF65-F5344CB8AC3E}">
@@ -17411,6 +17882,116 @@
           <a:p>
             <a:pPr algn="ctr"/>
             <a:endParaRPr lang="en-US" sz="2799"/>
+          </a:p>
+        </p:txBody>
+      </p:sp>
+      <p:sp>
+        <p:nvSpPr>
+          <p:cNvPr id="5" name="Rectangle: Rounded Corners 4">
+            <a:extLst>
+              <a:ext uri="{FF2B5EF4-FFF2-40B4-BE49-F238E27FC236}">
+                <a16:creationId xmlns:a16="http://schemas.microsoft.com/office/drawing/2014/main" id="{71221E61-7349-A43C-9E12-7C8D9A8AE64E}"/>
+              </a:ext>
+            </a:extLst>
+          </p:cNvPr>
+          <p:cNvSpPr/>
+          <p:nvPr/>
+        </p:nvSpPr>
+        <p:spPr bwMode="auto">
+          <a:xfrm>
+            <a:off x="7348613" y="4680521"/>
+            <a:ext cx="4854444" cy="2040293"/>
+          </a:xfrm>
+          <a:prstGeom prst="roundRect">
+            <a:avLst/>
+          </a:prstGeom>
+          <a:ln/>
+        </p:spPr>
+        <p:style>
+          <a:lnRef idx="1">
+            <a:schemeClr val="accent1"/>
+          </a:lnRef>
+          <a:fillRef idx="2">
+            <a:schemeClr val="accent1"/>
+          </a:fillRef>
+          <a:effectRef idx="1">
+            <a:schemeClr val="accent1"/>
+          </a:effectRef>
+          <a:fontRef idx="minor">
+            <a:schemeClr val="dk1"/>
+          </a:fontRef>
+        </p:style>
+        <p:txBody>
+          <a:bodyPr rot="0" spcFirstLastPara="0" vertOverflow="overflow" horzOverflow="overflow" vert="horz" wrap="square" lIns="91440" tIns="45720" rIns="91440" bIns="45720" numCol="1" spcCol="0" rtlCol="0" fromWordArt="0" anchor="ctr" anchorCtr="0" forceAA="0" compatLnSpc="1">
+            <a:prstTxWarp prst="textNoShape">
+              <a:avLst/>
+            </a:prstTxWarp>
+            <a:noAutofit/>
+          </a:bodyPr>
+          <a:lstStyle/>
+          <a:p>
+            <a:pPr algn="ctr"/>
+            <a:r>
+              <a:rPr lang="bg-BG" sz="2800" b="1" dirty="0">
+                <a:solidFill>
+                  <a:schemeClr val="tx1"/>
+                </a:solidFill>
+              </a:rPr>
+              <a:t>За съжаление това работи само за стария </a:t>
+            </a:r>
+            <a:r>
+              <a:rPr lang="en-US" sz="2800" b="1" dirty="0">
+                <a:solidFill>
+                  <a:schemeClr val="tx1"/>
+                </a:solidFill>
+              </a:rPr>
+              <a:t>.NET Framework </a:t>
+            </a:r>
+            <a:r>
+              <a:rPr lang="bg-BG" sz="2800" b="1" dirty="0">
+                <a:solidFill>
+                  <a:schemeClr val="tx1"/>
+                </a:solidFill>
+              </a:rPr>
+              <a:t>и стария </a:t>
+            </a:r>
+            <a:r>
+              <a:rPr lang="en-US" sz="2800" b="1" dirty="0">
+                <a:solidFill>
+                  <a:schemeClr val="tx1"/>
+                </a:solidFill>
+              </a:rPr>
+              <a:t>EF (</a:t>
+            </a:r>
+            <a:r>
+              <a:rPr lang="bg-BG" sz="2800" b="1" dirty="0">
+                <a:solidFill>
+                  <a:schemeClr val="tx1"/>
+                </a:solidFill>
+              </a:rPr>
+              <a:t>не </a:t>
+            </a:r>
+            <a:r>
+              <a:rPr lang="en-US" sz="2800" b="1" dirty="0">
+                <a:solidFill>
+                  <a:schemeClr val="tx1"/>
+                </a:solidFill>
+              </a:rPr>
+              <a:t>Core). </a:t>
+            </a:r>
+            <a:r>
+              <a:rPr lang="bg-BG" sz="2800" b="1" dirty="0">
+                <a:solidFill>
+                  <a:schemeClr val="tx1"/>
+                </a:solidFill>
+              </a:rPr>
+              <a:t>Отпада!</a:t>
+            </a:r>
+            <a:endParaRPr lang="en-US" sz="2800" b="1" dirty="0">
+              <a:solidFill>
+                <a:schemeClr val="tx1"/>
+              </a:solidFill>
+            </a:endParaRPr>
           </a:p>
         </p:txBody>
       </p:sp>
@@ -18239,6 +18820,116 @@
           <a:p>
             <a:pPr algn="ctr"/>
             <a:endParaRPr lang="en-US" sz="2799" dirty="0"/>
+          </a:p>
+        </p:txBody>
+      </p:sp>
+      <p:sp>
+        <p:nvSpPr>
+          <p:cNvPr id="3" name="Rectangle: Rounded Corners 2">
+            <a:extLst>
+              <a:ext uri="{FF2B5EF4-FFF2-40B4-BE49-F238E27FC236}">
+                <a16:creationId xmlns:a16="http://schemas.microsoft.com/office/drawing/2014/main" id="{B5D1A937-15F2-30C4-E580-78353F3D7956}"/>
+              </a:ext>
+            </a:extLst>
+          </p:cNvPr>
+          <p:cNvSpPr/>
+          <p:nvPr/>
+        </p:nvSpPr>
+        <p:spPr bwMode="auto">
+          <a:xfrm>
+            <a:off x="7348613" y="4680521"/>
+            <a:ext cx="4854444" cy="2040293"/>
+          </a:xfrm>
+          <a:prstGeom prst="roundRect">
+            <a:avLst/>
+          </a:prstGeom>
+          <a:ln/>
+        </p:spPr>
+        <p:style>
+          <a:lnRef idx="1">
+            <a:schemeClr val="accent1"/>
+          </a:lnRef>
+          <a:fillRef idx="2">
+            <a:schemeClr val="accent1"/>
+          </a:fillRef>
+          <a:effectRef idx="1">
+            <a:schemeClr val="accent1"/>
+          </a:effectRef>
+          <a:fontRef idx="minor">
+            <a:schemeClr val="dk1"/>
+          </a:fontRef>
+        </p:style>
+        <p:txBody>
+          <a:bodyPr rot="0" spcFirstLastPara="0" vertOverflow="overflow" horzOverflow="overflow" vert="horz" wrap="square" lIns="91440" tIns="45720" rIns="91440" bIns="45720" numCol="1" spcCol="0" rtlCol="0" fromWordArt="0" anchor="ctr" anchorCtr="0" forceAA="0" compatLnSpc="1">
+            <a:prstTxWarp prst="textNoShape">
+              <a:avLst/>
+            </a:prstTxWarp>
+            <a:noAutofit/>
+          </a:bodyPr>
+          <a:lstStyle/>
+          <a:p>
+            <a:pPr algn="ctr"/>
+            <a:r>
+              <a:rPr lang="bg-BG" sz="2800" b="1" dirty="0">
+                <a:solidFill>
+                  <a:schemeClr val="tx1"/>
+                </a:solidFill>
+              </a:rPr>
+              <a:t>За съжаление това работи само за стария </a:t>
+            </a:r>
+            <a:r>
+              <a:rPr lang="en-US" sz="2800" b="1" dirty="0">
+                <a:solidFill>
+                  <a:schemeClr val="tx1"/>
+                </a:solidFill>
+              </a:rPr>
+              <a:t>.NET Framework </a:t>
+            </a:r>
+            <a:r>
+              <a:rPr lang="bg-BG" sz="2800" b="1" dirty="0">
+                <a:solidFill>
+                  <a:schemeClr val="tx1"/>
+                </a:solidFill>
+              </a:rPr>
+              <a:t>и стария </a:t>
+            </a:r>
+            <a:r>
+              <a:rPr lang="en-US" sz="2800" b="1" dirty="0">
+                <a:solidFill>
+                  <a:schemeClr val="tx1"/>
+                </a:solidFill>
+              </a:rPr>
+              <a:t>EF (</a:t>
+            </a:r>
+            <a:r>
+              <a:rPr lang="bg-BG" sz="2800" b="1" dirty="0">
+                <a:solidFill>
+                  <a:schemeClr val="tx1"/>
+                </a:solidFill>
+              </a:rPr>
+              <a:t>не </a:t>
+            </a:r>
+            <a:r>
+              <a:rPr lang="en-US" sz="2800" b="1" dirty="0">
+                <a:solidFill>
+                  <a:schemeClr val="tx1"/>
+                </a:solidFill>
+              </a:rPr>
+              <a:t>Core). </a:t>
+            </a:r>
+            <a:r>
+              <a:rPr lang="bg-BG" sz="2800" b="1" dirty="0">
+                <a:solidFill>
+                  <a:schemeClr val="tx1"/>
+                </a:solidFill>
+              </a:rPr>
+              <a:t>Отпада!</a:t>
+            </a:r>
+            <a:endParaRPr lang="en-US" sz="2800" b="1" dirty="0">
+              <a:solidFill>
+                <a:schemeClr val="tx1"/>
+              </a:solidFill>
+            </a:endParaRPr>
           </a:p>
         </p:txBody>
       </p:sp>
@@ -18923,6 +19614,116 @@
           </a:p>
         </p:txBody>
       </p:sp>
+      <p:sp>
+        <p:nvSpPr>
+          <p:cNvPr id="3" name="Rectangle: Rounded Corners 2">
+            <a:extLst>
+              <a:ext uri="{FF2B5EF4-FFF2-40B4-BE49-F238E27FC236}">
+                <a16:creationId xmlns:a16="http://schemas.microsoft.com/office/drawing/2014/main" id="{896348C1-D187-DF43-629F-9559A9777D0C}"/>
+              </a:ext>
+            </a:extLst>
+          </p:cNvPr>
+          <p:cNvSpPr/>
+          <p:nvPr/>
+        </p:nvSpPr>
+        <p:spPr bwMode="auto">
+          <a:xfrm>
+            <a:off x="7348613" y="4680521"/>
+            <a:ext cx="4854444" cy="2040293"/>
+          </a:xfrm>
+          <a:prstGeom prst="roundRect">
+            <a:avLst/>
+          </a:prstGeom>
+          <a:ln/>
+        </p:spPr>
+        <p:style>
+          <a:lnRef idx="1">
+            <a:schemeClr val="accent1"/>
+          </a:lnRef>
+          <a:fillRef idx="2">
+            <a:schemeClr val="accent1"/>
+          </a:fillRef>
+          <a:effectRef idx="1">
+            <a:schemeClr val="accent1"/>
+          </a:effectRef>
+          <a:fontRef idx="minor">
+            <a:schemeClr val="dk1"/>
+          </a:fontRef>
+        </p:style>
+        <p:txBody>
+          <a:bodyPr rot="0" spcFirstLastPara="0" vertOverflow="overflow" horzOverflow="overflow" vert="horz" wrap="square" lIns="91440" tIns="45720" rIns="91440" bIns="45720" numCol="1" spcCol="0" rtlCol="0" fromWordArt="0" anchor="ctr" anchorCtr="0" forceAA="0" compatLnSpc="1">
+            <a:prstTxWarp prst="textNoShape">
+              <a:avLst/>
+            </a:prstTxWarp>
+            <a:noAutofit/>
+          </a:bodyPr>
+          <a:lstStyle/>
+          <a:p>
+            <a:pPr algn="ctr"/>
+            <a:r>
+              <a:rPr lang="bg-BG" sz="2800" b="1" dirty="0">
+                <a:solidFill>
+                  <a:schemeClr val="tx1"/>
+                </a:solidFill>
+              </a:rPr>
+              <a:t>За съжаление това работи само за стария </a:t>
+            </a:r>
+            <a:r>
+              <a:rPr lang="en-US" sz="2800" b="1" dirty="0">
+                <a:solidFill>
+                  <a:schemeClr val="tx1"/>
+                </a:solidFill>
+              </a:rPr>
+              <a:t>.NET Framework </a:t>
+            </a:r>
+            <a:r>
+              <a:rPr lang="bg-BG" sz="2800" b="1" dirty="0">
+                <a:solidFill>
+                  <a:schemeClr val="tx1"/>
+                </a:solidFill>
+              </a:rPr>
+              <a:t>и стария </a:t>
+            </a:r>
+            <a:r>
+              <a:rPr lang="en-US" sz="2800" b="1" dirty="0">
+                <a:solidFill>
+                  <a:schemeClr val="tx1"/>
+                </a:solidFill>
+              </a:rPr>
+              <a:t>EF (</a:t>
+            </a:r>
+            <a:r>
+              <a:rPr lang="bg-BG" sz="2800" b="1" dirty="0">
+                <a:solidFill>
+                  <a:schemeClr val="tx1"/>
+                </a:solidFill>
+              </a:rPr>
+              <a:t>не </a:t>
+            </a:r>
+            <a:r>
+              <a:rPr lang="en-US" sz="2800" b="1" dirty="0">
+                <a:solidFill>
+                  <a:schemeClr val="tx1"/>
+                </a:solidFill>
+              </a:rPr>
+              <a:t>Core). </a:t>
+            </a:r>
+            <a:r>
+              <a:rPr lang="bg-BG" sz="2800" b="1" dirty="0">
+                <a:solidFill>
+                  <a:schemeClr val="tx1"/>
+                </a:solidFill>
+              </a:rPr>
+              <a:t>Отпада!</a:t>
+            </a:r>
+            <a:endParaRPr lang="en-US" sz="2800" b="1" dirty="0">
+              <a:solidFill>
+                <a:schemeClr val="tx1"/>
+              </a:solidFill>
+            </a:endParaRPr>
+          </a:p>
+        </p:txBody>
+      </p:sp>
     </p:spTree>
     <p:extLst>
       <p:ext uri="{BB962C8B-B14F-4D97-AF65-F5344CB8AC3E}">
@@ -19611,6 +20412,116 @@
           </a:p>
         </p:txBody>
       </p:sp>
+      <p:sp>
+        <p:nvSpPr>
+          <p:cNvPr id="2" name="Rectangle: Rounded Corners 1">
+            <a:extLst>
+              <a:ext uri="{FF2B5EF4-FFF2-40B4-BE49-F238E27FC236}">
+                <a16:creationId xmlns:a16="http://schemas.microsoft.com/office/drawing/2014/main" id="{BF70B283-792B-6921-059B-4549FC6EB0CB}"/>
+              </a:ext>
+            </a:extLst>
+          </p:cNvPr>
+          <p:cNvSpPr/>
+          <p:nvPr/>
+        </p:nvSpPr>
+        <p:spPr bwMode="auto">
+          <a:xfrm>
+            <a:off x="7348613" y="4680521"/>
+            <a:ext cx="4854444" cy="2040293"/>
+          </a:xfrm>
+          <a:prstGeom prst="roundRect">
+            <a:avLst/>
+          </a:prstGeom>
+          <a:ln/>
+        </p:spPr>
+        <p:style>
+          <a:lnRef idx="1">
+            <a:schemeClr val="accent1"/>
+          </a:lnRef>
+          <a:fillRef idx="2">
+            <a:schemeClr val="accent1"/>
+          </a:fillRef>
+          <a:effectRef idx="1">
+            <a:schemeClr val="accent1"/>
+          </a:effectRef>
+          <a:fontRef idx="minor">
+            <a:schemeClr val="dk1"/>
+          </a:fontRef>
+        </p:style>
+        <p:txBody>
+          <a:bodyPr rot="0" spcFirstLastPara="0" vertOverflow="overflow" horzOverflow="overflow" vert="horz" wrap="square" lIns="91440" tIns="45720" rIns="91440" bIns="45720" numCol="1" spcCol="0" rtlCol="0" fromWordArt="0" anchor="ctr" anchorCtr="0" forceAA="0" compatLnSpc="1">
+            <a:prstTxWarp prst="textNoShape">
+              <a:avLst/>
+            </a:prstTxWarp>
+            <a:noAutofit/>
+          </a:bodyPr>
+          <a:lstStyle/>
+          <a:p>
+            <a:pPr algn="ctr"/>
+            <a:r>
+              <a:rPr lang="bg-BG" sz="2800" b="1" dirty="0">
+                <a:solidFill>
+                  <a:schemeClr val="tx1"/>
+                </a:solidFill>
+              </a:rPr>
+              <a:t>За съжаление това работи само за стария </a:t>
+            </a:r>
+            <a:r>
+              <a:rPr lang="en-US" sz="2800" b="1" dirty="0">
+                <a:solidFill>
+                  <a:schemeClr val="tx1"/>
+                </a:solidFill>
+              </a:rPr>
+              <a:t>.NET Framework </a:t>
+            </a:r>
+            <a:r>
+              <a:rPr lang="bg-BG" sz="2800" b="1" dirty="0">
+                <a:solidFill>
+                  <a:schemeClr val="tx1"/>
+                </a:solidFill>
+              </a:rPr>
+              <a:t>и стария </a:t>
+            </a:r>
+            <a:r>
+              <a:rPr lang="en-US" sz="2800" b="1" dirty="0">
+                <a:solidFill>
+                  <a:schemeClr val="tx1"/>
+                </a:solidFill>
+              </a:rPr>
+              <a:t>EF (</a:t>
+            </a:r>
+            <a:r>
+              <a:rPr lang="bg-BG" sz="2800" b="1" dirty="0">
+                <a:solidFill>
+                  <a:schemeClr val="tx1"/>
+                </a:solidFill>
+              </a:rPr>
+              <a:t>не </a:t>
+            </a:r>
+            <a:r>
+              <a:rPr lang="en-US" sz="2800" b="1" dirty="0">
+                <a:solidFill>
+                  <a:schemeClr val="tx1"/>
+                </a:solidFill>
+              </a:rPr>
+              <a:t>Core). </a:t>
+            </a:r>
+            <a:r>
+              <a:rPr lang="bg-BG" sz="2800" b="1" dirty="0">
+                <a:solidFill>
+                  <a:schemeClr val="tx1"/>
+                </a:solidFill>
+              </a:rPr>
+              <a:t>Отпада!</a:t>
+            </a:r>
+            <a:endParaRPr lang="en-US" sz="2800" b="1" dirty="0">
+              <a:solidFill>
+                <a:schemeClr val="tx1"/>
+              </a:solidFill>
+            </a:endParaRPr>
+          </a:p>
+        </p:txBody>
+      </p:sp>
     </p:spTree>
     <p:extLst>
       <p:ext uri="{BB962C8B-B14F-4D97-AF65-F5344CB8AC3E}">
@@ -20208,6 +21119,116 @@
           <a:p>
             <a:pPr algn="ctr"/>
             <a:endParaRPr lang="en-US" sz="2799"/>
+          </a:p>
+        </p:txBody>
+      </p:sp>
+      <p:sp>
+        <p:nvSpPr>
+          <p:cNvPr id="2" name="Rectangle: Rounded Corners 1">
+            <a:extLst>
+              <a:ext uri="{FF2B5EF4-FFF2-40B4-BE49-F238E27FC236}">
+                <a16:creationId xmlns:a16="http://schemas.microsoft.com/office/drawing/2014/main" id="{57AD59A4-7203-F888-E3FF-17E5CDE1AB37}"/>
+              </a:ext>
+            </a:extLst>
+          </p:cNvPr>
+          <p:cNvSpPr/>
+          <p:nvPr/>
+        </p:nvSpPr>
+        <p:spPr bwMode="auto">
+          <a:xfrm>
+            <a:off x="7348613" y="4680521"/>
+            <a:ext cx="4854444" cy="2040293"/>
+          </a:xfrm>
+          <a:prstGeom prst="roundRect">
+            <a:avLst/>
+          </a:prstGeom>
+          <a:ln/>
+        </p:spPr>
+        <p:style>
+          <a:lnRef idx="1">
+            <a:schemeClr val="accent1"/>
+          </a:lnRef>
+          <a:fillRef idx="2">
+            <a:schemeClr val="accent1"/>
+          </a:fillRef>
+          <a:effectRef idx="1">
+            <a:schemeClr val="accent1"/>
+          </a:effectRef>
+          <a:fontRef idx="minor">
+            <a:schemeClr val="dk1"/>
+          </a:fontRef>
+        </p:style>
+        <p:txBody>
+          <a:bodyPr rot="0" spcFirstLastPara="0" vertOverflow="overflow" horzOverflow="overflow" vert="horz" wrap="square" lIns="91440" tIns="45720" rIns="91440" bIns="45720" numCol="1" spcCol="0" rtlCol="0" fromWordArt="0" anchor="ctr" anchorCtr="0" forceAA="0" compatLnSpc="1">
+            <a:prstTxWarp prst="textNoShape">
+              <a:avLst/>
+            </a:prstTxWarp>
+            <a:noAutofit/>
+          </a:bodyPr>
+          <a:lstStyle/>
+          <a:p>
+            <a:pPr algn="ctr"/>
+            <a:r>
+              <a:rPr lang="bg-BG" sz="2800" b="1" dirty="0">
+                <a:solidFill>
+                  <a:schemeClr val="tx1"/>
+                </a:solidFill>
+              </a:rPr>
+              <a:t>За съжаление това работи само за стария </a:t>
+            </a:r>
+            <a:r>
+              <a:rPr lang="en-US" sz="2800" b="1" dirty="0">
+                <a:solidFill>
+                  <a:schemeClr val="tx1"/>
+                </a:solidFill>
+              </a:rPr>
+              <a:t>.NET Framework </a:t>
+            </a:r>
+            <a:r>
+              <a:rPr lang="bg-BG" sz="2800" b="1" dirty="0">
+                <a:solidFill>
+                  <a:schemeClr val="tx1"/>
+                </a:solidFill>
+              </a:rPr>
+              <a:t>и стария </a:t>
+            </a:r>
+            <a:r>
+              <a:rPr lang="en-US" sz="2800" b="1" dirty="0">
+                <a:solidFill>
+                  <a:schemeClr val="tx1"/>
+                </a:solidFill>
+              </a:rPr>
+              <a:t>EF (</a:t>
+            </a:r>
+            <a:r>
+              <a:rPr lang="bg-BG" sz="2800" b="1" dirty="0">
+                <a:solidFill>
+                  <a:schemeClr val="tx1"/>
+                </a:solidFill>
+              </a:rPr>
+              <a:t>не </a:t>
+            </a:r>
+            <a:r>
+              <a:rPr lang="en-US" sz="2800" b="1" dirty="0">
+                <a:solidFill>
+                  <a:schemeClr val="tx1"/>
+                </a:solidFill>
+              </a:rPr>
+              <a:t>Core). </a:t>
+            </a:r>
+            <a:r>
+              <a:rPr lang="bg-BG" sz="2800" b="1" dirty="0">
+                <a:solidFill>
+                  <a:schemeClr val="tx1"/>
+                </a:solidFill>
+              </a:rPr>
+              <a:t>Отпада!</a:t>
+            </a:r>
+            <a:endParaRPr lang="en-US" sz="2800" b="1" dirty="0">
+              <a:solidFill>
+                <a:schemeClr val="tx1"/>
+              </a:solidFill>
+            </a:endParaRPr>
           </a:p>
         </p:txBody>
       </p:sp>
@@ -21644,6 +22665,116 @@
           </a:p>
         </p:txBody>
       </p:sp>
+      <p:sp>
+        <p:nvSpPr>
+          <p:cNvPr id="2" name="Rectangle: Rounded Corners 1">
+            <a:extLst>
+              <a:ext uri="{FF2B5EF4-FFF2-40B4-BE49-F238E27FC236}">
+                <a16:creationId xmlns:a16="http://schemas.microsoft.com/office/drawing/2014/main" id="{5CC2B887-A859-D206-19DB-FA6C40175309}"/>
+              </a:ext>
+            </a:extLst>
+          </p:cNvPr>
+          <p:cNvSpPr/>
+          <p:nvPr/>
+        </p:nvSpPr>
+        <p:spPr bwMode="auto">
+          <a:xfrm>
+            <a:off x="7348613" y="4680521"/>
+            <a:ext cx="4854444" cy="2040293"/>
+          </a:xfrm>
+          <a:prstGeom prst="roundRect">
+            <a:avLst/>
+          </a:prstGeom>
+          <a:ln/>
+        </p:spPr>
+        <p:style>
+          <a:lnRef idx="1">
+            <a:schemeClr val="accent1"/>
+          </a:lnRef>
+          <a:fillRef idx="2">
+            <a:schemeClr val="accent1"/>
+          </a:fillRef>
+          <a:effectRef idx="1">
+            <a:schemeClr val="accent1"/>
+          </a:effectRef>
+          <a:fontRef idx="minor">
+            <a:schemeClr val="dk1"/>
+          </a:fontRef>
+        </p:style>
+        <p:txBody>
+          <a:bodyPr rot="0" spcFirstLastPara="0" vertOverflow="overflow" horzOverflow="overflow" vert="horz" wrap="square" lIns="91440" tIns="45720" rIns="91440" bIns="45720" numCol="1" spcCol="0" rtlCol="0" fromWordArt="0" anchor="ctr" anchorCtr="0" forceAA="0" compatLnSpc="1">
+            <a:prstTxWarp prst="textNoShape">
+              <a:avLst/>
+            </a:prstTxWarp>
+            <a:noAutofit/>
+          </a:bodyPr>
+          <a:lstStyle/>
+          <a:p>
+            <a:pPr algn="ctr"/>
+            <a:r>
+              <a:rPr lang="bg-BG" sz="2800" b="1" dirty="0">
+                <a:solidFill>
+                  <a:schemeClr val="tx1"/>
+                </a:solidFill>
+              </a:rPr>
+              <a:t>За съжаление това работи само за стария </a:t>
+            </a:r>
+            <a:r>
+              <a:rPr lang="en-US" sz="2800" b="1" dirty="0">
+                <a:solidFill>
+                  <a:schemeClr val="tx1"/>
+                </a:solidFill>
+              </a:rPr>
+              <a:t>.NET Framework </a:t>
+            </a:r>
+            <a:r>
+              <a:rPr lang="bg-BG" sz="2800" b="1" dirty="0">
+                <a:solidFill>
+                  <a:schemeClr val="tx1"/>
+                </a:solidFill>
+              </a:rPr>
+              <a:t>и стария </a:t>
+            </a:r>
+            <a:r>
+              <a:rPr lang="en-US" sz="2800" b="1" dirty="0">
+                <a:solidFill>
+                  <a:schemeClr val="tx1"/>
+                </a:solidFill>
+              </a:rPr>
+              <a:t>EF (</a:t>
+            </a:r>
+            <a:r>
+              <a:rPr lang="bg-BG" sz="2800" b="1" dirty="0">
+                <a:solidFill>
+                  <a:schemeClr val="tx1"/>
+                </a:solidFill>
+              </a:rPr>
+              <a:t>не </a:t>
+            </a:r>
+            <a:r>
+              <a:rPr lang="en-US" sz="2800" b="1" dirty="0">
+                <a:solidFill>
+                  <a:schemeClr val="tx1"/>
+                </a:solidFill>
+              </a:rPr>
+              <a:t>Core). </a:t>
+            </a:r>
+            <a:r>
+              <a:rPr lang="bg-BG" sz="2800" b="1" dirty="0">
+                <a:solidFill>
+                  <a:schemeClr val="tx1"/>
+                </a:solidFill>
+              </a:rPr>
+              <a:t>Отпада!</a:t>
+            </a:r>
+            <a:endParaRPr lang="en-US" sz="2800" b="1" dirty="0">
+              <a:solidFill>
+                <a:schemeClr val="tx1"/>
+              </a:solidFill>
+            </a:endParaRPr>
+          </a:p>
+        </p:txBody>
+      </p:sp>
     </p:spTree>
     <p:extLst>
       <p:ext uri="{BB962C8B-B14F-4D97-AF65-F5344CB8AC3E}">
@@ -22117,7 +23248,7 @@
         </p:blipFill>
         <p:spPr>
           <a:xfrm>
-            <a:off x="593330" y="3741230"/>
+            <a:off x="471000" y="4523355"/>
             <a:ext cx="4732373" cy="1920645"/>
           </a:xfrm>
           <a:prstGeom prst="rect">
@@ -22154,7 +23285,7 @@
         </p:blipFill>
         <p:spPr>
           <a:xfrm>
-            <a:off x="5907025" y="3800606"/>
+            <a:off x="5784695" y="4582731"/>
             <a:ext cx="6023469" cy="1801892"/>
           </a:xfrm>
           <a:prstGeom prst="rect">
@@ -22198,27 +23329,86 @@
           <a:lstStyle/>
           <a:p>
             <a:r>
-              <a:rPr lang="bg-BG" sz="2900" dirty="0"/>
+              <a:rPr lang="bg-BG" sz="3200" dirty="0"/>
+              <a:t>Ще използваме новата версия на </a:t>
+            </a:r>
+            <a:r>
+              <a:rPr lang="en-US" sz="3200" dirty="0"/>
+              <a:t>Entity Framework</a:t>
+            </a:r>
+            <a:endParaRPr lang="bg-BG" sz="3200" dirty="0"/>
+          </a:p>
+          <a:p>
+            <a:pPr lvl="1"/>
+            <a:r>
+              <a:rPr lang="en-US" sz="3000" b="1" dirty="0">
+                <a:solidFill>
+                  <a:schemeClr val="bg1"/>
+                </a:solidFill>
+              </a:rPr>
+              <a:t>Entity Framework Core</a:t>
+            </a:r>
+            <a:r>
+              <a:rPr lang="en-US" sz="3000" b="1" dirty="0"/>
+              <a:t> </a:t>
+            </a:r>
+            <a:r>
+              <a:rPr lang="en-US" sz="3000" dirty="0"/>
+              <a:t>(</a:t>
+            </a:r>
+            <a:r>
+              <a:rPr lang="bg-BG" sz="3000" dirty="0"/>
+              <a:t>не стар</a:t>
+            </a:r>
+            <a:r>
+              <a:rPr lang="en-US" sz="3000" dirty="0"/>
+              <a:t>a</a:t>
+            </a:r>
+            <a:r>
+              <a:rPr lang="bg-BG" sz="3000" dirty="0"/>
+              <a:t>та библиотека </a:t>
+            </a:r>
+            <a:r>
+              <a:rPr lang="en-US" sz="3000" dirty="0"/>
+              <a:t>EF</a:t>
+            </a:r>
+            <a:r>
+              <a:rPr lang="bg-BG" sz="3000" dirty="0"/>
+              <a:t>, без </a:t>
+            </a:r>
+            <a:r>
+              <a:rPr lang="en-US" sz="3000" dirty="0"/>
+              <a:t>Core)</a:t>
+            </a:r>
+            <a:endParaRPr lang="bg-BG" sz="3000" b="1" dirty="0">
+              <a:solidFill>
+                <a:schemeClr val="bg1"/>
+              </a:solidFill>
+            </a:endParaRPr>
+          </a:p>
+          <a:p>
+            <a:r>
+              <a:rPr lang="bg-BG" sz="3200" dirty="0"/>
               <a:t>За да използваме </a:t>
             </a:r>
             <a:r>
-              <a:rPr lang="en-US" sz="2900" b="1" dirty="0">
+              <a:rPr lang="en-US" sz="3200" b="1" dirty="0">
                 <a:solidFill>
                   <a:schemeClr val="bg1"/>
                 </a:solidFill>
               </a:rPr>
-              <a:t>EF</a:t>
-            </a:r>
-            <a:r>
-              <a:rPr lang="en-US" sz="2900" dirty="0"/>
+              <a:t>EF Core</a:t>
+            </a:r>
+            <a:r>
+              <a:rPr lang="en-US" sz="3200" dirty="0"/>
               <a:t>, </a:t>
             </a:r>
             <a:r>
-              <a:rPr lang="bg-BG" sz="2900" dirty="0"/>
-              <a:t>е нужно да </a:t>
-            </a:r>
-            <a:r>
-              <a:rPr lang="bg-BG" sz="2900" b="1" dirty="0">
+              <a:rPr lang="bg-BG" sz="3200" dirty="0"/>
+              <a:t>трябва да </a:t>
+            </a:r>
+            <a:r>
+              <a:rPr lang="bg-BG" sz="3200" b="1" dirty="0">
                 <a:solidFill>
                   <a:schemeClr val="bg1"/>
                 </a:solidFill>
@@ -22226,23 +23416,23 @@
               <a:t>инсталираме пакети </a:t>
             </a:r>
             <a:r>
-              <a:rPr lang="bg-BG" sz="2900" dirty="0"/>
+              <a:rPr lang="bg-BG" sz="3200" dirty="0"/>
               <a:t>(</a:t>
             </a:r>
             <a:r>
-              <a:rPr lang="en-GB" sz="2900" b="1" dirty="0"/>
+              <a:rPr lang="en-GB" sz="3200" b="1" dirty="0"/>
               <a:t>dependencies</a:t>
             </a:r>
             <a:r>
-              <a:rPr lang="en-US" sz="2900" dirty="0"/>
+              <a:rPr lang="en-US" sz="3200" dirty="0"/>
               <a:t>)</a:t>
             </a:r>
             <a:r>
-              <a:rPr lang="bg-BG" sz="2900" dirty="0"/>
-              <a:t>, с които работи, използвайки </a:t>
-            </a:r>
-            <a:r>
-              <a:rPr lang="en-US" sz="2900" b="1" dirty="0">
+              <a:rPr lang="bg-BG" sz="3200" dirty="0"/>
+              <a:t> през </a:t>
+            </a:r>
+            <a:r>
+              <a:rPr lang="en-US" sz="3200" b="1" dirty="0">
                 <a:solidFill>
                   <a:schemeClr val="bg1"/>
                 </a:solidFill>
@@ -22250,7 +23440,7 @@
               <a:t>Package Manager</a:t>
             </a:r>
             <a:r>
-              <a:rPr lang="bg-BG" sz="2900" b="1" dirty="0">
+              <a:rPr lang="bg-BG" sz="3200" b="1" dirty="0">
                 <a:solidFill>
                   <a:schemeClr val="bg1"/>
                 </a:solidFill>
@@ -22259,12 +23449,9 @@
             </a:r>
           </a:p>
           <a:p>
-            <a:r>
-              <a:rPr lang="bg-BG" sz="2900" dirty="0"/>
-              <a:t>Това става от </a:t>
-            </a:r>
-            <a:r>
-              <a:rPr lang="en-US" sz="2900" b="1" dirty="0">
+            <a:pPr lvl="1"/>
+            <a:r>
+              <a:rPr lang="en-US" sz="3000" b="1" dirty="0">
                 <a:solidFill>
                   <a:schemeClr val="bg1"/>
                 </a:solidFill>
@@ -22272,17 +23459,17 @@
               <a:t>Tools</a:t>
             </a:r>
             <a:r>
-              <a:rPr lang="en-US" sz="2900" dirty="0"/>
+              <a:rPr lang="en-US" sz="3000" dirty="0"/>
               <a:t> </a:t>
             </a:r>
             <a:r>
-              <a:rPr lang="en-US" sz="2400" dirty="0">
+              <a:rPr lang="en-US" sz="3000" dirty="0">
                 <a:sym typeface="Wingdings" panose="05000000000000000000" pitchFamily="2" charset="2"/>
               </a:rPr>
               <a:t></a:t>
             </a:r>
             <a:r>
-              <a:rPr lang="en-US" sz="2900" b="1" dirty="0">
+              <a:rPr lang="en-US" sz="3000" b="1" dirty="0">
                 <a:solidFill>
                   <a:schemeClr val="bg1"/>
                 </a:solidFill>
@@ -22290,24 +23477,24 @@
               <a:t> NuGet Package Manager </a:t>
             </a:r>
             <a:r>
-              <a:rPr lang="en-US" sz="2400" dirty="0">
+              <a:rPr lang="en-US" sz="3000" dirty="0">
                 <a:sym typeface="Wingdings" panose="05000000000000000000" pitchFamily="2" charset="2"/>
               </a:rPr>
               <a:t></a:t>
             </a:r>
             <a:r>
-              <a:rPr lang="en-US" sz="2900" dirty="0"/>
+              <a:rPr lang="en-US" sz="3000" dirty="0"/>
               <a:t> </a:t>
             </a:r>
             <a:r>
-              <a:rPr lang="en-US" sz="2900" b="1" dirty="0">
+              <a:rPr lang="en-US" sz="3000" b="1" dirty="0">
                 <a:solidFill>
                   <a:schemeClr val="bg1"/>
                 </a:solidFill>
               </a:rPr>
               <a:t>[Package Manager Console]</a:t>
             </a:r>
-            <a:endParaRPr lang="bg-BG" sz="2900" b="1" dirty="0">
+            <a:endParaRPr lang="bg-BG" sz="3000" b="1" dirty="0">
               <a:solidFill>
                 <a:schemeClr val="bg1"/>
               </a:solidFill>
@@ -22329,7 +23516,7 @@
         </p:nvSpPr>
         <p:spPr>
           <a:xfrm>
-            <a:off x="5404047" y="4644000"/>
+            <a:off x="5281717" y="5426125"/>
             <a:ext cx="424974" cy="263670"/>
           </a:xfrm>
           <a:prstGeom prst="rightArrow">
@@ -22399,9 +23586,6 @@
                     <p:cTn id="3" fill="hold">
                       <p:stCondLst>
                         <p:cond delay="indefinite"/>
-                        <p:cond evt="onBegin" delay="0">
-                          <p:tn val="2"/>
-                        </p:cond>
                       </p:stCondLst>
                       <p:childTnLst>
                         <p:par>
@@ -22411,7 +23595,7 @@
                             </p:stCondLst>
                             <p:childTnLst>
                               <p:par>
-                                <p:cTn id="5" presetID="1" presetClass="entr" presetSubtype="0" fill="hold" nodeType="withEffect">
+                                <p:cTn id="5" presetID="1" presetClass="entr" presetSubtype="0" fill="hold" nodeType="clickEffect">
                                   <p:stCondLst>
                                     <p:cond delay="0"/>
                                   </p:stCondLst>
@@ -22426,7 +23610,7 @@
                                         <p:tgtEl>
                                           <p:spTgt spid="2">
                                             <p:txEl>
-                                              <p:pRg st="0" end="0"/>
+                                              <p:pRg st="2" end="2"/>
                                             </p:txEl>
                                           </p:spTgt>
                                         </p:tgtEl>
@@ -22475,7 +23659,7 @@
                                         <p:tgtEl>
                                           <p:spTgt spid="2">
                                             <p:txEl>
-                                              <p:pRg st="1" end="1"/>
+                                              <p:pRg st="3" end="3"/>
                                             </p:txEl>
                                           </p:spTgt>
                                         </p:tgtEl>
@@ -23423,7 +24607,7 @@
             </a:r>
             <a:r>
               <a:rPr lang="bg-BG" sz="2700" dirty="0"/>
-              <a:t> като </a:t>
+              <a:t>, например </a:t>
             </a:r>
             <a:r>
               <a:rPr lang="bg-BG" sz="2700" b="1" dirty="0"/>
@@ -23550,19 +24734,55 @@
               <a:rPr lang="en-US" sz="2000" b="1" noProof="1">
                 <a:latin typeface="Consolas" panose="020B0609020204030204" pitchFamily="49" charset="0"/>
               </a:rPr>
-              <a:t>Scaffold-DbContext -Connection "Server=(localdb)\MSSQLLocalDB;Database=&lt;и</a:t>
+              <a:t>Scaffold-DbContext -Connection "Server=(localdb)\MSSQLLocalDB;</a:t>
             </a:r>
             <a:r>
               <a:rPr lang="bg-BG" sz="2000" b="1" noProof="1">
                 <a:latin typeface="Consolas" panose="020B0609020204030204" pitchFamily="49" charset="0"/>
               </a:rPr>
-              <a:t>ме на база данни</a:t>
+              <a:t> </a:t>
             </a:r>
             <a:r>
               <a:rPr lang="en-US" sz="2000" b="1" noProof="1">
                 <a:latin typeface="Consolas" panose="020B0609020204030204" pitchFamily="49" charset="0"/>
               </a:rPr>
-              <a:t>&gt;;Integrated Security=True;" -Provider Microsoft.EntityFrameworkCore.SqlServer -OutputDir Data/Models</a:t>
+              <a:t>Database=</a:t>
+            </a:r>
+            <a:r>
+              <a:rPr lang="en-US" sz="2000" b="1" i="1" noProof="1">
+                <a:latin typeface="Consolas" panose="020B0609020204030204" pitchFamily="49" charset="0"/>
+              </a:rPr>
+              <a:t>&lt;и</a:t>
+            </a:r>
+            <a:r>
+              <a:rPr lang="bg-BG" sz="2000" b="1" i="1" noProof="1">
+                <a:latin typeface="Consolas" panose="020B0609020204030204" pitchFamily="49" charset="0"/>
+              </a:rPr>
+              <a:t>ме_на_база_данни</a:t>
+            </a:r>
+            <a:r>
+              <a:rPr lang="en-US" sz="2000" b="1" i="1" noProof="1">
+                <a:latin typeface="Consolas" panose="020B0609020204030204" pitchFamily="49" charset="0"/>
+              </a:rPr>
+              <a:t>&gt;</a:t>
+            </a:r>
+            <a:r>
+              <a:rPr lang="en-US" sz="2000" b="1" noProof="1">
+                <a:latin typeface="Consolas" panose="020B0609020204030204" pitchFamily="49" charset="0"/>
+              </a:rPr>
+              <a:t>;</a:t>
+            </a:r>
+            <a:r>
+              <a:rPr lang="bg-BG" sz="2000" b="1" noProof="1">
+                <a:latin typeface="Consolas" panose="020B0609020204030204" pitchFamily="49" charset="0"/>
+              </a:rPr>
+              <a:t> </a:t>
+            </a:r>
+            <a:r>
+              <a:rPr lang="en-US" sz="2000" b="1" noProof="1">
+                <a:latin typeface="Consolas" panose="020B0609020204030204" pitchFamily="49" charset="0"/>
+              </a:rPr>
+              <a:t>Integrated Security=True;" -Provider Microsoft.EntityFrameworkCore.SqlServer -OutputDir Data/Models</a:t>
             </a:r>
           </a:p>
         </p:txBody>
@@ -23899,6 +25119,800 @@
       </p:grpSpPr>
       <p:sp>
         <p:nvSpPr>
+          <p:cNvPr id="6" name="Subtitle 5">
+            <a:extLst>
+              <a:ext uri="{FF2B5EF4-FFF2-40B4-BE49-F238E27FC236}">
+                <a16:creationId xmlns:a16="http://schemas.microsoft.com/office/drawing/2014/main" id="{A42344C5-2011-88C4-1A9D-47C574BC7EEA}"/>
+              </a:ext>
+            </a:extLst>
+          </p:cNvPr>
+          <p:cNvSpPr>
+            <a:spLocks noGrp="1"/>
+          </p:cNvSpPr>
+          <p:nvPr>
+            <p:ph type="subTitle" sz="quarter" idx="11"/>
+          </p:nvPr>
+        </p:nvSpPr>
+        <p:spPr/>
+        <p:txBody>
+          <a:bodyPr/>
+          <a:lstStyle/>
+          <a:p>
+            <a:r>
+              <a:rPr lang="bg-BG" dirty="0"/>
+              <a:t>Визуално създаване на </a:t>
+            </a:r>
+            <a:r>
+              <a:rPr lang="en-US" dirty="0"/>
+              <a:t>Database First </a:t>
+            </a:r>
+            <a:r>
+              <a:rPr lang="bg-BG" dirty="0"/>
+              <a:t>модели </a:t>
+            </a:r>
+            <a:endParaRPr lang="en-US" dirty="0"/>
+          </a:p>
+        </p:txBody>
+      </p:sp>
+      <p:sp>
+        <p:nvSpPr>
+          <p:cNvPr id="5" name="Title 4">
+            <a:extLst>
+              <a:ext uri="{FF2B5EF4-FFF2-40B4-BE49-F238E27FC236}">
+                <a16:creationId xmlns:a16="http://schemas.microsoft.com/office/drawing/2014/main" id="{44B8E7B8-A73F-94A1-B7C2-CFC69957A914}"/>
+              </a:ext>
+            </a:extLst>
+          </p:cNvPr>
+          <p:cNvSpPr>
+            <a:spLocks noGrp="1"/>
+          </p:cNvSpPr>
+          <p:nvPr>
+            <p:ph type="title" sz="quarter" idx="10"/>
+          </p:nvPr>
+        </p:nvSpPr>
+        <p:spPr/>
+        <p:txBody>
+          <a:bodyPr/>
+          <a:lstStyle/>
+          <a:p>
+            <a:r>
+              <a:rPr lang="en-US" dirty="0"/>
+              <a:t>EF Core Power Tools</a:t>
+            </a:r>
+          </a:p>
+        </p:txBody>
+      </p:sp>
+      <p:pic>
+        <p:nvPicPr>
+          <p:cNvPr id="1026" name="Picture 2" descr="EF Core Power Tools">
+            <a:extLst>
+              <a:ext uri="{FF2B5EF4-FFF2-40B4-BE49-F238E27FC236}">
+                <a16:creationId xmlns:a16="http://schemas.microsoft.com/office/drawing/2014/main" id="{75471320-7D74-CF4F-BD00-08A2F4E3C18C}"/>
+              </a:ext>
+            </a:extLst>
+          </p:cNvPr>
+          <p:cNvPicPr>
+            <a:picLocks noChangeAspect="1" noChangeArrowheads="1"/>
+          </p:cNvPicPr>
+          <p:nvPr/>
+        </p:nvPicPr>
+        <p:blipFill>
+          <a:blip r:embed="rId2">
+            <a:extLst>
+              <a:ext uri="{28A0092B-C50C-407E-A947-70E740481C1C}">
+                <a14:useLocalDpi xmlns:a14="http://schemas.microsoft.com/office/drawing/2010/main" val="0"/>
+              </a:ext>
+            </a:extLst>
+          </a:blip>
+          <a:srcRect/>
+          <a:stretch>
+            <a:fillRect/>
+          </a:stretch>
+        </p:blipFill>
+        <p:spPr bwMode="auto">
+          <a:xfrm>
+            <a:off x="5085325" y="1632649"/>
+            <a:ext cx="2021351" cy="2021351"/>
+          </a:xfrm>
+          <a:prstGeom prst="roundRect">
+            <a:avLst>
+              <a:gd name="adj" fmla="val 8589"/>
+            </a:avLst>
+          </a:prstGeom>
+          <a:noFill/>
+          <a:extLst>
+            <a:ext uri="{909E8E84-426E-40DD-AFC4-6F175D3DCCD1}">
+              <a14:hiddenFill xmlns:a14="http://schemas.microsoft.com/office/drawing/2010/main">
+                <a:solidFill>
+                  <a:srgbClr val="FFFFFF"/>
+                </a:solidFill>
+              </a14:hiddenFill>
+            </a:ext>
+          </a:extLst>
+        </p:spPr>
+      </p:pic>
+    </p:spTree>
+    <p:extLst>
+      <p:ext uri="{BB962C8B-B14F-4D97-AF65-F5344CB8AC3E}">
+        <p14:creationId xmlns:p14="http://schemas.microsoft.com/office/powerpoint/2010/main" val="1181972428"/>
+      </p:ext>
+    </p:extLst>
+  </p:cSld>
+  <p:clrMapOvr>
+    <a:masterClrMapping/>
+  </p:clrMapOvr>
+  <mc:AlternateContent xmlns:mc="http://schemas.openxmlformats.org/markup-compatibility/2006" xmlns:p14="http://schemas.microsoft.com/office/powerpoint/2010/main">
+    <mc:Choice Requires="p14">
+      <p:transition spd="slow" p14:dur="2000" advClick="0" advTm="5000"/>
+    </mc:Choice>
+    <mc:Fallback xmlns="">
+      <p:transition spd="slow" advClick="0" advTm="5000"/>
+    </mc:Fallback>
+  </mc:AlternateContent>
+</p:sld>
+</file>
+
+<file path=ppt/slides/slide26.xml><?xml version="1.0" encoding="utf-8"?>
+<p:sld xmlns:a="http://schemas.openxmlformats.org/drawingml/2006/main" xmlns:r="http://schemas.openxmlformats.org/officeDocument/2006/relationships" xmlns:p="http://schemas.openxmlformats.org/presentationml/2006/main">
+  <p:cSld>
+    <p:spTree>
+      <p:nvGrpSpPr>
+        <p:cNvPr id="1" name=""/>
+        <p:cNvGrpSpPr/>
+        <p:nvPr/>
+      </p:nvGrpSpPr>
+      <p:grpSpPr>
+        <a:xfrm>
+          <a:off x="0" y="0"/>
+          <a:ext cx="0" cy="0"/>
+          <a:chOff x="0" y="0"/>
+          <a:chExt cx="0" cy="0"/>
+        </a:xfrm>
+      </p:grpSpPr>
+      <p:sp>
+        <p:nvSpPr>
+          <p:cNvPr id="2" name="Slide Number Placeholder 1">
+            <a:extLst>
+              <a:ext uri="{FF2B5EF4-FFF2-40B4-BE49-F238E27FC236}">
+                <a16:creationId xmlns:a16="http://schemas.microsoft.com/office/drawing/2014/main" id="{E43DAE3E-532D-EB54-1DB3-749CA417EB44}"/>
+              </a:ext>
+            </a:extLst>
+          </p:cNvPr>
+          <p:cNvSpPr>
+            <a:spLocks noGrp="1"/>
+          </p:cNvSpPr>
+          <p:nvPr>
+            <p:ph type="sldNum" sz="quarter" idx="5"/>
+          </p:nvPr>
+        </p:nvSpPr>
+        <p:spPr/>
+        <p:txBody>
+          <a:bodyPr/>
+          <a:lstStyle/>
+          <a:p>
+            <a:fld id="{2BF067CD-8E6B-4360-9AA8-C5DF2A48A6D1}" type="slidenum">
+              <a:rPr lang="en-US" noProof="0" smtClean="0"/>
+              <a:pPr/>
+              <a:t>26</a:t>
+            </a:fld>
+            <a:endParaRPr lang="en-US" noProof="0" dirty="0"/>
+          </a:p>
+        </p:txBody>
+      </p:sp>
+      <p:sp>
+        <p:nvSpPr>
+          <p:cNvPr id="3" name="Text Placeholder 2">
+            <a:extLst>
+              <a:ext uri="{FF2B5EF4-FFF2-40B4-BE49-F238E27FC236}">
+                <a16:creationId xmlns:a16="http://schemas.microsoft.com/office/drawing/2014/main" id="{6CB880DD-28F0-47E9-C146-FCB67CEA2DF1}"/>
+              </a:ext>
+            </a:extLst>
+          </p:cNvPr>
+          <p:cNvSpPr>
+            <a:spLocks noGrp="1"/>
+          </p:cNvSpPr>
+          <p:nvPr>
+            <p:ph type="body" sz="quarter" idx="10"/>
+          </p:nvPr>
+        </p:nvSpPr>
+        <p:spPr/>
+        <p:txBody>
+          <a:bodyPr/>
+          <a:lstStyle/>
+          <a:p>
+            <a:r>
+              <a:rPr lang="en-US" b="1" dirty="0"/>
+              <a:t>EF Core Power Tools</a:t>
+            </a:r>
+            <a:r>
+              <a:rPr lang="bg-BG" b="1" dirty="0"/>
+              <a:t> </a:t>
+            </a:r>
+            <a:r>
+              <a:rPr lang="bg-BG" dirty="0"/>
+              <a:t>е добавка за </a:t>
+            </a:r>
+            <a:r>
+              <a:rPr lang="en-US" dirty="0"/>
+              <a:t>Visual Studio</a:t>
+            </a:r>
+            <a:r>
+              <a:rPr lang="bg-BG" dirty="0"/>
+              <a:t>, която може да генериран </a:t>
+            </a:r>
+            <a:r>
+              <a:rPr lang="en-US" dirty="0"/>
+              <a:t>database first DB </a:t>
+            </a:r>
+            <a:r>
+              <a:rPr lang="bg-BG" dirty="0"/>
+              <a:t>модели за</a:t>
+            </a:r>
+            <a:r>
+              <a:rPr lang="en-US" dirty="0"/>
+              <a:t> EF Core</a:t>
+            </a:r>
+          </a:p>
+          <a:p>
+            <a:pPr lvl="1"/>
+            <a:r>
+              <a:rPr lang="en-US" sz="2400" dirty="0">
+                <a:hlinkClick r:id="rId2"/>
+              </a:rPr>
+              <a:t>https://marketplace.visualstudio.com/items?itemName=ErikEJ.EFCorePowerTools</a:t>
+            </a:r>
+            <a:r>
+              <a:rPr lang="en-US" sz="2400" dirty="0"/>
+              <a:t> </a:t>
+            </a:r>
+          </a:p>
+        </p:txBody>
+      </p:sp>
+      <p:sp>
+        <p:nvSpPr>
+          <p:cNvPr id="4" name="Title 3">
+            <a:extLst>
+              <a:ext uri="{FF2B5EF4-FFF2-40B4-BE49-F238E27FC236}">
+                <a16:creationId xmlns:a16="http://schemas.microsoft.com/office/drawing/2014/main" id="{0A2454FA-7491-EA72-6D89-E9EF2A1158EF}"/>
+              </a:ext>
+            </a:extLst>
+          </p:cNvPr>
+          <p:cNvSpPr>
+            <a:spLocks noGrp="1"/>
+          </p:cNvSpPr>
+          <p:nvPr>
+            <p:ph type="title"/>
+          </p:nvPr>
+        </p:nvSpPr>
+        <p:spPr/>
+        <p:txBody>
+          <a:bodyPr/>
+          <a:lstStyle/>
+          <a:p>
+            <a:r>
+              <a:rPr lang="en-US" dirty="0"/>
+              <a:t>EF Core Power Tools</a:t>
+            </a:r>
+          </a:p>
+        </p:txBody>
+      </p:sp>
+      <p:pic>
+        <p:nvPicPr>
+          <p:cNvPr id="6" name="Picture 5">
+            <a:extLst>
+              <a:ext uri="{FF2B5EF4-FFF2-40B4-BE49-F238E27FC236}">
+                <a16:creationId xmlns:a16="http://schemas.microsoft.com/office/drawing/2014/main" id="{7CFF628B-D019-AA61-4A36-E785B051CF1B}"/>
+              </a:ext>
+            </a:extLst>
+          </p:cNvPr>
+          <p:cNvPicPr>
+            <a:picLocks noChangeAspect="1"/>
+          </p:cNvPicPr>
+          <p:nvPr/>
+        </p:nvPicPr>
+        <p:blipFill>
+          <a:blip r:embed="rId3"/>
+          <a:stretch>
+            <a:fillRect/>
+          </a:stretch>
+        </p:blipFill>
+        <p:spPr>
+          <a:xfrm>
+            <a:off x="2541000" y="3114009"/>
+            <a:ext cx="7110000" cy="3435932"/>
+          </a:xfrm>
+          <a:prstGeom prst="rect">
+            <a:avLst/>
+          </a:prstGeom>
+          <a:ln>
+            <a:solidFill>
+              <a:schemeClr val="bg2">
+                <a:lumMod val="85000"/>
+              </a:schemeClr>
+            </a:solidFill>
+          </a:ln>
+        </p:spPr>
+      </p:pic>
+    </p:spTree>
+    <p:extLst>
+      <p:ext uri="{BB962C8B-B14F-4D97-AF65-F5344CB8AC3E}">
+        <p14:creationId xmlns:p14="http://schemas.microsoft.com/office/powerpoint/2010/main" val="1656465445"/>
+      </p:ext>
+    </p:extLst>
+  </p:cSld>
+  <p:clrMapOvr>
+    <a:masterClrMapping/>
+  </p:clrMapOvr>
+  <mc:AlternateContent xmlns:mc="http://schemas.openxmlformats.org/markup-compatibility/2006" xmlns:p14="http://schemas.microsoft.com/office/powerpoint/2010/main">
+    <mc:Choice Requires="p14">
+      <p:transition spd="slow" p14:dur="2000" advClick="0" advTm="5000"/>
+    </mc:Choice>
+    <mc:Fallback xmlns="">
+      <p:transition spd="slow" advClick="0" advTm="5000"/>
+    </mc:Fallback>
+  </mc:AlternateContent>
+</p:sld>
+</file>
+
+<file path=ppt/slides/slide27.xml><?xml version="1.0" encoding="utf-8"?>
+<p:sld xmlns:a="http://schemas.openxmlformats.org/drawingml/2006/main" xmlns:r="http://schemas.openxmlformats.org/officeDocument/2006/relationships" xmlns:p="http://schemas.openxmlformats.org/presentationml/2006/main">
+  <p:cSld>
+    <p:spTree>
+      <p:nvGrpSpPr>
+        <p:cNvPr id="1" name=""/>
+        <p:cNvGrpSpPr/>
+        <p:nvPr/>
+      </p:nvGrpSpPr>
+      <p:grpSpPr>
+        <a:xfrm>
+          <a:off x="0" y="0"/>
+          <a:ext cx="0" cy="0"/>
+          <a:chOff x="0" y="0"/>
+          <a:chExt cx="0" cy="0"/>
+        </a:xfrm>
+      </p:grpSpPr>
+      <p:sp>
+        <p:nvSpPr>
+          <p:cNvPr id="2" name="Slide Number Placeholder 1">
+            <a:extLst>
+              <a:ext uri="{FF2B5EF4-FFF2-40B4-BE49-F238E27FC236}">
+                <a16:creationId xmlns:a16="http://schemas.microsoft.com/office/drawing/2014/main" id="{F4CC3681-DBE7-1120-288F-A77F9EA7B43D}"/>
+              </a:ext>
+            </a:extLst>
+          </p:cNvPr>
+          <p:cNvSpPr>
+            <a:spLocks noGrp="1"/>
+          </p:cNvSpPr>
+          <p:nvPr>
+            <p:ph type="sldNum" sz="quarter" idx="5"/>
+          </p:nvPr>
+        </p:nvSpPr>
+        <p:spPr/>
+        <p:txBody>
+          <a:bodyPr/>
+          <a:lstStyle/>
+          <a:p>
+            <a:fld id="{2BF067CD-8E6B-4360-9AA8-C5DF2A48A6D1}" type="slidenum">
+              <a:rPr lang="en-US" noProof="0" smtClean="0"/>
+              <a:pPr/>
+              <a:t>27</a:t>
+            </a:fld>
+            <a:endParaRPr lang="en-US" noProof="0" dirty="0"/>
+          </a:p>
+        </p:txBody>
+      </p:sp>
+      <p:sp>
+        <p:nvSpPr>
+          <p:cNvPr id="3" name="Text Placeholder 2">
+            <a:extLst>
+              <a:ext uri="{FF2B5EF4-FFF2-40B4-BE49-F238E27FC236}">
+                <a16:creationId xmlns:a16="http://schemas.microsoft.com/office/drawing/2014/main" id="{98D6A6DB-4754-C3D8-F588-FA5EDD9AE6A7}"/>
+              </a:ext>
+            </a:extLst>
+          </p:cNvPr>
+          <p:cNvSpPr>
+            <a:spLocks noGrp="1"/>
+          </p:cNvSpPr>
+          <p:nvPr>
+            <p:ph type="body" sz="quarter" idx="10"/>
+          </p:nvPr>
+        </p:nvSpPr>
+        <p:spPr/>
+        <p:txBody>
+          <a:bodyPr/>
+          <a:lstStyle/>
+          <a:p>
+            <a:endParaRPr lang="en-US"/>
+          </a:p>
+        </p:txBody>
+      </p:sp>
+      <p:sp>
+        <p:nvSpPr>
+          <p:cNvPr id="4" name="Title 3">
+            <a:extLst>
+              <a:ext uri="{FF2B5EF4-FFF2-40B4-BE49-F238E27FC236}">
+                <a16:creationId xmlns:a16="http://schemas.microsoft.com/office/drawing/2014/main" id="{9CE3BDE7-B5C9-2928-2A6A-FCB781B93472}"/>
+              </a:ext>
+            </a:extLst>
+          </p:cNvPr>
+          <p:cNvSpPr>
+            <a:spLocks noGrp="1"/>
+          </p:cNvSpPr>
+          <p:nvPr>
+            <p:ph type="title"/>
+          </p:nvPr>
+        </p:nvSpPr>
+        <p:spPr/>
+        <p:txBody>
+          <a:bodyPr/>
+          <a:lstStyle/>
+          <a:p>
+            <a:endParaRPr lang="en-US"/>
+          </a:p>
+        </p:txBody>
+      </p:sp>
+      <p:sp>
+        <p:nvSpPr>
+          <p:cNvPr id="7" name="Rectangle: Rounded Corners 6">
+            <a:extLst>
+              <a:ext uri="{FF2B5EF4-FFF2-40B4-BE49-F238E27FC236}">
+                <a16:creationId xmlns:a16="http://schemas.microsoft.com/office/drawing/2014/main" id="{5C87EFE7-8456-05FE-24B2-6F483B475805}"/>
+              </a:ext>
+            </a:extLst>
+          </p:cNvPr>
+          <p:cNvSpPr/>
+          <p:nvPr/>
+        </p:nvSpPr>
+        <p:spPr bwMode="auto">
+          <a:xfrm>
+            <a:off x="4026000" y="2827861"/>
+            <a:ext cx="4562498" cy="2265293"/>
+          </a:xfrm>
+          <a:prstGeom prst="roundRect">
+            <a:avLst/>
+          </a:prstGeom>
+          <a:ln/>
+        </p:spPr>
+        <p:style>
+          <a:lnRef idx="1">
+            <a:schemeClr val="accent1"/>
+          </a:lnRef>
+          <a:fillRef idx="2">
+            <a:schemeClr val="accent1"/>
+          </a:fillRef>
+          <a:effectRef idx="1">
+            <a:schemeClr val="accent1"/>
+          </a:effectRef>
+          <a:fontRef idx="minor">
+            <a:schemeClr val="dk1"/>
+          </a:fontRef>
+        </p:style>
+        <p:txBody>
+          <a:bodyPr rot="0" spcFirstLastPara="0" vertOverflow="overflow" horzOverflow="overflow" vert="horz" wrap="square" lIns="91440" tIns="45720" rIns="91440" bIns="45720" numCol="1" spcCol="0" rtlCol="0" fromWordArt="0" anchor="ctr" anchorCtr="0" forceAA="0" compatLnSpc="1">
+            <a:prstTxWarp prst="textNoShape">
+              <a:avLst/>
+            </a:prstTxWarp>
+            <a:noAutofit/>
+          </a:bodyPr>
+          <a:lstStyle/>
+          <a:p>
+            <a:pPr algn="ctr"/>
+            <a:r>
+              <a:rPr lang="en-US" sz="2800" b="1" dirty="0">
+                <a:solidFill>
+                  <a:schemeClr val="tx1"/>
+                </a:solidFill>
+              </a:rPr>
+              <a:t>TODO:</a:t>
+            </a:r>
+            <a:r>
+              <a:rPr lang="bg-BG" sz="2800" b="1" dirty="0">
+                <a:solidFill>
+                  <a:schemeClr val="tx1"/>
+                </a:solidFill>
+              </a:rPr>
+              <a:t> да се покаже как се ползва </a:t>
+            </a:r>
+            <a:r>
+              <a:rPr lang="en-US" sz="2800" b="1" dirty="0">
+                <a:solidFill>
+                  <a:schemeClr val="tx1"/>
+                </a:solidFill>
+              </a:rPr>
+              <a:t>EF Core Power Tools </a:t>
+            </a:r>
+            <a:r>
+              <a:rPr lang="bg-BG" sz="2800" b="1" dirty="0">
+                <a:solidFill>
+                  <a:schemeClr val="tx1"/>
+                </a:solidFill>
+              </a:rPr>
+              <a:t>за създаване на </a:t>
+            </a:r>
+            <a:r>
+              <a:rPr lang="en-US" sz="2800" b="1" dirty="0">
+                <a:solidFill>
+                  <a:schemeClr val="tx1"/>
+                </a:solidFill>
+              </a:rPr>
+              <a:t>DB context </a:t>
+            </a:r>
+            <a:r>
+              <a:rPr lang="bg-BG" sz="2800" b="1" dirty="0">
+                <a:solidFill>
+                  <a:schemeClr val="tx1"/>
+                </a:solidFill>
+              </a:rPr>
+              <a:t>по съществуваща база данни</a:t>
+            </a:r>
+            <a:endParaRPr lang="en-US" sz="2800" b="1" dirty="0">
+              <a:solidFill>
+                <a:schemeClr val="tx1"/>
+              </a:solidFill>
+            </a:endParaRPr>
+          </a:p>
+        </p:txBody>
+      </p:sp>
+    </p:spTree>
+    <p:extLst>
+      <p:ext uri="{BB962C8B-B14F-4D97-AF65-F5344CB8AC3E}">
+        <p14:creationId xmlns:p14="http://schemas.microsoft.com/office/powerpoint/2010/main" val="2391725518"/>
+      </p:ext>
+    </p:extLst>
+  </p:cSld>
+  <p:clrMapOvr>
+    <a:masterClrMapping/>
+  </p:clrMapOvr>
+  <mc:AlternateContent xmlns:mc="http://schemas.openxmlformats.org/markup-compatibility/2006" xmlns:p14="http://schemas.microsoft.com/office/powerpoint/2010/main">
+    <mc:Choice Requires="p14">
+      <p:transition spd="slow" p14:dur="2000" advClick="0" advTm="5000"/>
+    </mc:Choice>
+    <mc:Fallback xmlns="">
+      <p:transition spd="slow" advClick="0" advTm="5000"/>
+    </mc:Fallback>
+  </mc:AlternateContent>
+</p:sld>
+</file>
+
+<file path=ppt/slides/slide28.xml><?xml version="1.0" encoding="utf-8"?>
+<p:sld xmlns:a="http://schemas.openxmlformats.org/drawingml/2006/main" xmlns:r="http://schemas.openxmlformats.org/officeDocument/2006/relationships" xmlns:p="http://schemas.openxmlformats.org/presentationml/2006/main">
+  <p:cSld>
+    <p:spTree>
+      <p:nvGrpSpPr>
+        <p:cNvPr id="1" name=""/>
+        <p:cNvGrpSpPr/>
+        <p:nvPr/>
+      </p:nvGrpSpPr>
+      <p:grpSpPr>
+        <a:xfrm>
+          <a:off x="0" y="0"/>
+          <a:ext cx="0" cy="0"/>
+          <a:chOff x="0" y="0"/>
+          <a:chExt cx="0" cy="0"/>
+        </a:xfrm>
+      </p:grpSpPr>
+      <p:sp>
+        <p:nvSpPr>
+          <p:cNvPr id="2" name="Slide Number Placeholder 1">
+            <a:extLst>
+              <a:ext uri="{FF2B5EF4-FFF2-40B4-BE49-F238E27FC236}">
+                <a16:creationId xmlns:a16="http://schemas.microsoft.com/office/drawing/2014/main" id="{F4CC3681-DBE7-1120-288F-A77F9EA7B43D}"/>
+              </a:ext>
+            </a:extLst>
+          </p:cNvPr>
+          <p:cNvSpPr>
+            <a:spLocks noGrp="1"/>
+          </p:cNvSpPr>
+          <p:nvPr>
+            <p:ph type="sldNum" sz="quarter" idx="5"/>
+          </p:nvPr>
+        </p:nvSpPr>
+        <p:spPr/>
+        <p:txBody>
+          <a:bodyPr/>
+          <a:lstStyle/>
+          <a:p>
+            <a:fld id="{2BF067CD-8E6B-4360-9AA8-C5DF2A48A6D1}" type="slidenum">
+              <a:rPr lang="en-US" noProof="0" smtClean="0"/>
+              <a:pPr/>
+              <a:t>28</a:t>
+            </a:fld>
+            <a:endParaRPr lang="en-US" noProof="0" dirty="0"/>
+          </a:p>
+        </p:txBody>
+      </p:sp>
+      <p:sp>
+        <p:nvSpPr>
+          <p:cNvPr id="3" name="Text Placeholder 2">
+            <a:extLst>
+              <a:ext uri="{FF2B5EF4-FFF2-40B4-BE49-F238E27FC236}">
+                <a16:creationId xmlns:a16="http://schemas.microsoft.com/office/drawing/2014/main" id="{98D6A6DB-4754-C3D8-F588-FA5EDD9AE6A7}"/>
+              </a:ext>
+            </a:extLst>
+          </p:cNvPr>
+          <p:cNvSpPr>
+            <a:spLocks noGrp="1"/>
+          </p:cNvSpPr>
+          <p:nvPr>
+            <p:ph type="body" sz="quarter" idx="10"/>
+          </p:nvPr>
+        </p:nvSpPr>
+        <p:spPr/>
+        <p:txBody>
+          <a:bodyPr/>
+          <a:lstStyle/>
+          <a:p>
+            <a:endParaRPr lang="en-US"/>
+          </a:p>
+        </p:txBody>
+      </p:sp>
+      <p:sp>
+        <p:nvSpPr>
+          <p:cNvPr id="4" name="Title 3">
+            <a:extLst>
+              <a:ext uri="{FF2B5EF4-FFF2-40B4-BE49-F238E27FC236}">
+                <a16:creationId xmlns:a16="http://schemas.microsoft.com/office/drawing/2014/main" id="{9CE3BDE7-B5C9-2928-2A6A-FCB781B93472}"/>
+              </a:ext>
+            </a:extLst>
+          </p:cNvPr>
+          <p:cNvSpPr>
+            <a:spLocks noGrp="1"/>
+          </p:cNvSpPr>
+          <p:nvPr>
+            <p:ph type="title"/>
+          </p:nvPr>
+        </p:nvSpPr>
+        <p:spPr/>
+        <p:txBody>
+          <a:bodyPr/>
+          <a:lstStyle/>
+          <a:p>
+            <a:endParaRPr lang="en-US"/>
+          </a:p>
+        </p:txBody>
+      </p:sp>
+      <p:sp>
+        <p:nvSpPr>
+          <p:cNvPr id="5" name="Rectangle: Rounded Corners 4">
+            <a:extLst>
+              <a:ext uri="{FF2B5EF4-FFF2-40B4-BE49-F238E27FC236}">
+                <a16:creationId xmlns:a16="http://schemas.microsoft.com/office/drawing/2014/main" id="{545BD6C1-561E-FA3F-798C-7D91B54C97E9}"/>
+              </a:ext>
+            </a:extLst>
+          </p:cNvPr>
+          <p:cNvSpPr/>
+          <p:nvPr/>
+        </p:nvSpPr>
+        <p:spPr bwMode="auto">
+          <a:xfrm>
+            <a:off x="4026000" y="2827861"/>
+            <a:ext cx="4562498" cy="2265293"/>
+          </a:xfrm>
+          <a:prstGeom prst="roundRect">
+            <a:avLst/>
+          </a:prstGeom>
+          <a:ln/>
+        </p:spPr>
+        <p:style>
+          <a:lnRef idx="1">
+            <a:schemeClr val="accent1"/>
+          </a:lnRef>
+          <a:fillRef idx="2">
+            <a:schemeClr val="accent1"/>
+          </a:fillRef>
+          <a:effectRef idx="1">
+            <a:schemeClr val="accent1"/>
+          </a:effectRef>
+          <a:fontRef idx="minor">
+            <a:schemeClr val="dk1"/>
+          </a:fontRef>
+        </p:style>
+        <p:txBody>
+          <a:bodyPr rot="0" spcFirstLastPara="0" vertOverflow="overflow" horzOverflow="overflow" vert="horz" wrap="square" lIns="91440" tIns="45720" rIns="91440" bIns="45720" numCol="1" spcCol="0" rtlCol="0" fromWordArt="0" anchor="ctr" anchorCtr="0" forceAA="0" compatLnSpc="1">
+            <a:prstTxWarp prst="textNoShape">
+              <a:avLst/>
+            </a:prstTxWarp>
+            <a:noAutofit/>
+          </a:bodyPr>
+          <a:lstStyle/>
+          <a:p>
+            <a:pPr algn="ctr"/>
+            <a:r>
+              <a:rPr lang="en-US" sz="2800" b="1" dirty="0">
+                <a:solidFill>
+                  <a:schemeClr val="tx1"/>
+                </a:solidFill>
+              </a:rPr>
+              <a:t>TODO:</a:t>
+            </a:r>
+            <a:r>
+              <a:rPr lang="bg-BG" sz="2800" b="1" dirty="0">
+                <a:solidFill>
+                  <a:schemeClr val="tx1"/>
+                </a:solidFill>
+              </a:rPr>
+              <a:t> да се покаже как се ползва </a:t>
+            </a:r>
+            <a:r>
+              <a:rPr lang="en-US" sz="2800" b="1" dirty="0">
+                <a:solidFill>
+                  <a:schemeClr val="tx1"/>
+                </a:solidFill>
+              </a:rPr>
+              <a:t>EF Core Power Tools </a:t>
+            </a:r>
+            <a:r>
+              <a:rPr lang="bg-BG" sz="2800" b="1" dirty="0">
+                <a:solidFill>
+                  <a:schemeClr val="tx1"/>
+                </a:solidFill>
+              </a:rPr>
+              <a:t>за създаване на </a:t>
+            </a:r>
+            <a:r>
+              <a:rPr lang="en-US" sz="2800" b="1" dirty="0">
+                <a:solidFill>
+                  <a:schemeClr val="tx1"/>
+                </a:solidFill>
+              </a:rPr>
+              <a:t>DB context </a:t>
+            </a:r>
+            <a:r>
+              <a:rPr lang="bg-BG" sz="2800" b="1" dirty="0">
+                <a:solidFill>
+                  <a:schemeClr val="tx1"/>
+                </a:solidFill>
+              </a:rPr>
+              <a:t>по съществуваща база данни</a:t>
+            </a:r>
+            <a:endParaRPr lang="en-US" sz="2800" b="1" dirty="0">
+              <a:solidFill>
+                <a:schemeClr val="tx1"/>
+              </a:solidFill>
+            </a:endParaRPr>
+          </a:p>
+        </p:txBody>
+      </p:sp>
+    </p:spTree>
+    <p:extLst>
+      <p:ext uri="{BB962C8B-B14F-4D97-AF65-F5344CB8AC3E}">
+        <p14:creationId xmlns:p14="http://schemas.microsoft.com/office/powerpoint/2010/main" val="2570731693"/>
+      </p:ext>
+    </p:extLst>
+  </p:cSld>
+  <p:clrMapOvr>
+    <a:masterClrMapping/>
+  </p:clrMapOvr>
+  <mc:AlternateContent xmlns:mc="http://schemas.openxmlformats.org/markup-compatibility/2006" xmlns:p14="http://schemas.microsoft.com/office/powerpoint/2010/main">
+    <mc:Choice Requires="p14">
+      <p:transition spd="slow" p14:dur="2000" advClick="0" advTm="5000"/>
+    </mc:Choice>
+    <mc:Fallback xmlns="">
+      <p:transition spd="slow" advClick="0" advTm="5000"/>
+    </mc:Fallback>
+  </mc:AlternateContent>
+</p:sld>
+</file>
+
+<file path=ppt/slides/slide29.xml><?xml version="1.0" encoding="utf-8"?>
+<p:sld xmlns:a="http://schemas.openxmlformats.org/drawingml/2006/main" xmlns:r="http://schemas.openxmlformats.org/officeDocument/2006/relationships" xmlns:p="http://schemas.openxmlformats.org/presentationml/2006/main">
+  <p:cSld>
+    <p:spTree>
+      <p:nvGrpSpPr>
+        <p:cNvPr id="1" name=""/>
+        <p:cNvGrpSpPr/>
+        <p:nvPr/>
+      </p:nvGrpSpPr>
+      <p:grpSpPr>
+        <a:xfrm>
+          <a:off x="0" y="0"/>
+          <a:ext cx="0" cy="0"/>
+          <a:chOff x="0" y="0"/>
+          <a:chExt cx="0" cy="0"/>
+        </a:xfrm>
+      </p:grpSpPr>
+      <p:sp>
+        <p:nvSpPr>
           <p:cNvPr id="4" name="Slide Subtitle">
             <a:extLst>
               <a:ext uri="{FF2B5EF4-FFF2-40B4-BE49-F238E27FC236}">
@@ -24023,7 +26037,142 @@
 </p:sld>
 </file>
 
-<file path=ppt/slides/slide26.xml><?xml version="1.0" encoding="utf-8"?>
+<file path=ppt/slides/slide3.xml><?xml version="1.0" encoding="utf-8"?>
+<p:sld xmlns:a="http://schemas.openxmlformats.org/drawingml/2006/main" xmlns:r="http://schemas.openxmlformats.org/officeDocument/2006/relationships" xmlns:p="http://schemas.openxmlformats.org/presentationml/2006/main">
+  <p:cSld>
+    <p:spTree>
+      <p:nvGrpSpPr>
+        <p:cNvPr id="1" name=""/>
+        <p:cNvGrpSpPr/>
+        <p:nvPr/>
+      </p:nvGrpSpPr>
+      <p:grpSpPr>
+        <a:xfrm>
+          <a:off x="0" y="0"/>
+          <a:ext cx="0" cy="0"/>
+          <a:chOff x="0" y="0"/>
+          <a:chExt cx="0" cy="0"/>
+        </a:xfrm>
+      </p:grpSpPr>
+      <p:sp>
+        <p:nvSpPr>
+          <p:cNvPr id="4" name="Slide Subtitle">
+            <a:extLst>
+              <a:ext uri="{FF2B5EF4-FFF2-40B4-BE49-F238E27FC236}">
+                <a16:creationId xmlns:a16="http://schemas.microsoft.com/office/drawing/2014/main" id="{BEB5BB41-09D4-4E9F-8C80-EE8709171CB3}"/>
+              </a:ext>
+            </a:extLst>
+          </p:cNvPr>
+          <p:cNvSpPr>
+            <a:spLocks noGrp="1"/>
+          </p:cNvSpPr>
+          <p:nvPr>
+            <p:ph type="subTitle" sz="quarter" idx="11"/>
+          </p:nvPr>
+        </p:nvSpPr>
+        <p:spPr/>
+        <p:txBody>
+          <a:bodyPr/>
+          <a:lstStyle/>
+          <a:p>
+            <a:r>
+              <a:rPr lang="en-US" dirty="0"/>
+              <a:t>Object-Relational Mapping</a:t>
+            </a:r>
+            <a:endParaRPr lang="bg-BG" dirty="0"/>
+          </a:p>
+        </p:txBody>
+      </p:sp>
+      <p:sp>
+        <p:nvSpPr>
+          <p:cNvPr id="6" name="Slide Title">
+            <a:extLst>
+              <a:ext uri="{FF2B5EF4-FFF2-40B4-BE49-F238E27FC236}">
+                <a16:creationId xmlns:a16="http://schemas.microsoft.com/office/drawing/2014/main" id="{028D9EA3-B5E0-4F17-9467-4BE3C280DA68}"/>
+              </a:ext>
+            </a:extLst>
+          </p:cNvPr>
+          <p:cNvSpPr>
+            <a:spLocks noGrp="1"/>
+          </p:cNvSpPr>
+          <p:nvPr>
+            <p:ph type="title" sz="quarter" idx="10"/>
+          </p:nvPr>
+        </p:nvSpPr>
+        <p:spPr/>
+        <p:txBody>
+          <a:bodyPr/>
+          <a:lstStyle/>
+          <a:p>
+            <a:r>
+              <a:rPr lang="bg-BG" dirty="0"/>
+              <a:t>Какво е </a:t>
+            </a:r>
+            <a:r>
+              <a:rPr lang="en-US" dirty="0"/>
+              <a:t>ORM?</a:t>
+            </a:r>
+          </a:p>
+        </p:txBody>
+      </p:sp>
+      <p:pic>
+        <p:nvPicPr>
+          <p:cNvPr id="8" name="Picture 7">
+            <a:extLst>
+              <a:ext uri="{FF2B5EF4-FFF2-40B4-BE49-F238E27FC236}">
+                <a16:creationId xmlns:a16="http://schemas.microsoft.com/office/drawing/2014/main" id="{0FAD798F-68A8-264A-F25C-7525C06EB04D}"/>
+              </a:ext>
+            </a:extLst>
+          </p:cNvPr>
+          <p:cNvPicPr>
+            <a:picLocks noChangeAspect="1"/>
+          </p:cNvPicPr>
+          <p:nvPr/>
+        </p:nvPicPr>
+        <p:blipFill>
+          <a:blip r:embed="rId3">
+            <a:extLst>
+              <a:ext uri="{28A0092B-C50C-407E-A947-70E740481C1C}">
+                <a14:useLocalDpi xmlns:a14="http://schemas.microsoft.com/office/drawing/2010/main" val="0"/>
+              </a:ext>
+            </a:extLst>
+          </a:blip>
+          <a:stretch>
+            <a:fillRect/>
+          </a:stretch>
+        </p:blipFill>
+        <p:spPr>
+          <a:xfrm>
+            <a:off x="5092700" y="1718741"/>
+            <a:ext cx="2006600" cy="2006600"/>
+          </a:xfrm>
+          <a:prstGeom prst="rect">
+            <a:avLst/>
+          </a:prstGeom>
+        </p:spPr>
+      </p:pic>
+    </p:spTree>
+    <p:extLst>
+      <p:ext uri="{BB962C8B-B14F-4D97-AF65-F5344CB8AC3E}">
+        <p14:creationId xmlns:p14="http://schemas.microsoft.com/office/powerpoint/2010/main" val="882194472"/>
+      </p:ext>
+    </p:extLst>
+  </p:cSld>
+  <p:clrMapOvr>
+    <a:masterClrMapping/>
+  </p:clrMapOvr>
+  <mc:AlternateContent xmlns:mc="http://schemas.openxmlformats.org/markup-compatibility/2006" xmlns:p14="http://schemas.microsoft.com/office/powerpoint/2010/main">
+    <mc:Choice Requires="p14">
+      <p:transition spd="slow" p14:dur="2000" advClick="0" advTm="5000"/>
+    </mc:Choice>
+    <mc:Fallback xmlns="">
+      <p:transition spd="slow" advClick="0" advTm="5000"/>
+    </mc:Fallback>
+  </mc:AlternateContent>
+</p:sld>
+</file>
+
+<file path=ppt/slides/slide30.xml><?xml version="1.0" encoding="utf-8"?>
 <p:sld xmlns:a="http://schemas.openxmlformats.org/drawingml/2006/main" xmlns:r="http://schemas.openxmlformats.org/officeDocument/2006/relationships" xmlns:p="http://schemas.openxmlformats.org/presentationml/2006/main">
   <p:cSld>
     <p:spTree>
@@ -24073,7 +26222,7 @@
             <a:fld id="{2BF067CD-8E6B-4360-9AA8-C5DF2A48A6D1}" type="slidenum">
               <a:rPr lang="en-US" smtClean="0"/>
               <a:pPr/>
-              <a:t>26</a:t>
+              <a:t>30</a:t>
             </a:fld>
             <a:endParaRPr lang="en-US" dirty="0"/>
           </a:p>
@@ -24947,7 +27096,7 @@
 </p:sld>
 </file>
 
-<file path=ppt/slides/slide27.xml><?xml version="1.0" encoding="utf-8"?>
+<file path=ppt/slides/slide31.xml><?xml version="1.0" encoding="utf-8"?>
 <p:sld xmlns:a="http://schemas.openxmlformats.org/drawingml/2006/main" xmlns:r="http://schemas.openxmlformats.org/officeDocument/2006/relationships" xmlns:p="http://schemas.openxmlformats.org/presentationml/2006/main">
   <p:cSld>
     <p:spTree>
@@ -24997,7 +27146,7 @@
             <a:fld id="{2BF067CD-8E6B-4360-9AA8-C5DF2A48A6D1}" type="slidenum">
               <a:rPr lang="en-US" smtClean="0"/>
               <a:pPr/>
-              <a:t>27</a:t>
+              <a:t>31</a:t>
             </a:fld>
             <a:endParaRPr lang="en-US" dirty="0"/>
           </a:p>
@@ -25812,7 +27961,7 @@
 </p:sld>
 </file>
 
-<file path=ppt/slides/slide28.xml><?xml version="1.0" encoding="utf-8"?>
+<file path=ppt/slides/slide32.xml><?xml version="1.0" encoding="utf-8"?>
 <p:sld xmlns:a="http://schemas.openxmlformats.org/drawingml/2006/main" xmlns:r="http://schemas.openxmlformats.org/officeDocument/2006/relationships" xmlns:p="http://schemas.openxmlformats.org/presentationml/2006/main">
   <p:cSld>
     <p:spTree>
@@ -25862,7 +28011,7 @@
             <a:fld id="{2BF067CD-8E6B-4360-9AA8-C5DF2A48A6D1}" type="slidenum">
               <a:rPr lang="en-US" smtClean="0"/>
               <a:pPr/>
-              <a:t>28</a:t>
+              <a:t>32</a:t>
             </a:fld>
             <a:endParaRPr lang="en-US" dirty="0"/>
           </a:p>
@@ -26884,7 +29033,7 @@
 </p:sld>
 </file>
 
-<file path=ppt/slides/slide29.xml><?xml version="1.0" encoding="utf-8"?>
+<file path=ppt/slides/slide33.xml><?xml version="1.0" encoding="utf-8"?>
 <p:sld xmlns:a="http://schemas.openxmlformats.org/drawingml/2006/main" xmlns:r="http://schemas.openxmlformats.org/officeDocument/2006/relationships" xmlns:p="http://schemas.openxmlformats.org/presentationml/2006/main">
   <p:cSld>
     <p:spTree>
@@ -26934,7 +29083,7 @@
             <a:fld id="{2BF067CD-8E6B-4360-9AA8-C5DF2A48A6D1}" type="slidenum">
               <a:rPr lang="en-US" smtClean="0"/>
               <a:pPr/>
-              <a:t>29</a:t>
+              <a:t>33</a:t>
             </a:fld>
             <a:endParaRPr lang="en-US" dirty="0"/>
           </a:p>
@@ -27055,7 +29204,7 @@
         </p:nvSpPr>
         <p:spPr>
           <a:xfrm>
-            <a:off x="618598" y="1854000"/>
+            <a:off x="618598" y="2012650"/>
             <a:ext cx="11134432" cy="2086725"/>
           </a:xfrm>
           <a:prstGeom prst="rect">
@@ -27245,8 +29394,8 @@
         </p:blipFill>
         <p:spPr>
           <a:xfrm>
-            <a:off x="3452311" y="4898979"/>
-            <a:ext cx="5287377" cy="1525791"/>
+            <a:off x="4109757" y="5117650"/>
+            <a:ext cx="3972485" cy="1146350"/>
           </a:xfrm>
           <a:prstGeom prst="rect">
             <a:avLst/>
@@ -27274,7 +29423,7 @@
         </p:nvSpPr>
         <p:spPr>
           <a:xfrm rot="5400000">
-            <a:off x="5757877" y="4172352"/>
+            <a:off x="5757877" y="4331002"/>
             <a:ext cx="676244" cy="495000"/>
           </a:xfrm>
           <a:prstGeom prst="rightArrow">
@@ -27520,7 +29669,7 @@
 </p:sld>
 </file>
 
-<file path=ppt/slides/slide3.xml><?xml version="1.0" encoding="utf-8"?>
+<file path=ppt/slides/slide34.xml><?xml version="1.0" encoding="utf-8"?>
 <p:sld xmlns:a="http://schemas.openxmlformats.org/drawingml/2006/main" xmlns:r="http://schemas.openxmlformats.org/officeDocument/2006/relationships" xmlns:p="http://schemas.openxmlformats.org/presentationml/2006/main">
   <p:cSld>
     <p:spTree>
@@ -27560,142 +29709,7 @@
           <a:p>
             <a:r>
               <a:rPr lang="en-US" dirty="0"/>
-              <a:t>Object-Relational Mapping</a:t>
-            </a:r>
-            <a:endParaRPr lang="bg-BG" dirty="0"/>
-          </a:p>
-        </p:txBody>
-      </p:sp>
-      <p:sp>
-        <p:nvSpPr>
-          <p:cNvPr id="6" name="Slide Title">
-            <a:extLst>
-              <a:ext uri="{FF2B5EF4-FFF2-40B4-BE49-F238E27FC236}">
-                <a16:creationId xmlns:a16="http://schemas.microsoft.com/office/drawing/2014/main" id="{028D9EA3-B5E0-4F17-9467-4BE3C280DA68}"/>
-              </a:ext>
-            </a:extLst>
-          </p:cNvPr>
-          <p:cNvSpPr>
-            <a:spLocks noGrp="1"/>
-          </p:cNvSpPr>
-          <p:nvPr>
-            <p:ph type="title" sz="quarter" idx="10"/>
-          </p:nvPr>
-        </p:nvSpPr>
-        <p:spPr/>
-        <p:txBody>
-          <a:bodyPr/>
-          <a:lstStyle/>
-          <a:p>
-            <a:r>
-              <a:rPr lang="bg-BG" dirty="0"/>
-              <a:t>Какво е </a:t>
-            </a:r>
-            <a:r>
-              <a:rPr lang="en-US" dirty="0"/>
-              <a:t>ORM?</a:t>
-            </a:r>
-          </a:p>
-        </p:txBody>
-      </p:sp>
-      <p:pic>
-        <p:nvPicPr>
-          <p:cNvPr id="8" name="Picture 7">
-            <a:extLst>
-              <a:ext uri="{FF2B5EF4-FFF2-40B4-BE49-F238E27FC236}">
-                <a16:creationId xmlns:a16="http://schemas.microsoft.com/office/drawing/2014/main" id="{0FAD798F-68A8-264A-F25C-7525C06EB04D}"/>
-              </a:ext>
-            </a:extLst>
-          </p:cNvPr>
-          <p:cNvPicPr>
-            <a:picLocks noChangeAspect="1"/>
-          </p:cNvPicPr>
-          <p:nvPr/>
-        </p:nvPicPr>
-        <p:blipFill>
-          <a:blip r:embed="rId3">
-            <a:extLst>
-              <a:ext uri="{28A0092B-C50C-407E-A947-70E740481C1C}">
-                <a14:useLocalDpi xmlns:a14="http://schemas.microsoft.com/office/drawing/2010/main" val="0"/>
-              </a:ext>
-            </a:extLst>
-          </a:blip>
-          <a:stretch>
-            <a:fillRect/>
-          </a:stretch>
-        </p:blipFill>
-        <p:spPr>
-          <a:xfrm>
-            <a:off x="5092700" y="1718741"/>
-            <a:ext cx="2006600" cy="2006600"/>
-          </a:xfrm>
-          <a:prstGeom prst="rect">
-            <a:avLst/>
-          </a:prstGeom>
-        </p:spPr>
-      </p:pic>
-    </p:spTree>
-    <p:extLst>
-      <p:ext uri="{BB962C8B-B14F-4D97-AF65-F5344CB8AC3E}">
-        <p14:creationId xmlns:p14="http://schemas.microsoft.com/office/powerpoint/2010/main" val="882194472"/>
-      </p:ext>
-    </p:extLst>
-  </p:cSld>
-  <p:clrMapOvr>
-    <a:masterClrMapping/>
-  </p:clrMapOvr>
-  <mc:AlternateContent xmlns:mc="http://schemas.openxmlformats.org/markup-compatibility/2006" xmlns:p14="http://schemas.microsoft.com/office/powerpoint/2010/main">
-    <mc:Choice Requires="p14">
-      <p:transition spd="slow" p14:dur="2000" advClick="0" advTm="5000"/>
-    </mc:Choice>
-    <mc:Fallback xmlns="">
-      <p:transition spd="slow" advClick="0" advTm="5000"/>
-    </mc:Fallback>
-  </mc:AlternateContent>
-</p:sld>
-</file>
-
-<file path=ppt/slides/slide30.xml><?xml version="1.0" encoding="utf-8"?>
-<p:sld xmlns:a="http://schemas.openxmlformats.org/drawingml/2006/main" xmlns:r="http://schemas.openxmlformats.org/officeDocument/2006/relationships" xmlns:p="http://schemas.openxmlformats.org/presentationml/2006/main">
-  <p:cSld>
-    <p:spTree>
-      <p:nvGrpSpPr>
-        <p:cNvPr id="1" name=""/>
-        <p:cNvGrpSpPr/>
-        <p:nvPr/>
-      </p:nvGrpSpPr>
-      <p:grpSpPr>
-        <a:xfrm>
-          <a:off x="0" y="0"/>
-          <a:ext cx="0" cy="0"/>
-          <a:chOff x="0" y="0"/>
-          <a:chExt cx="0" cy="0"/>
-        </a:xfrm>
-      </p:grpSpPr>
-      <p:sp>
-        <p:nvSpPr>
-          <p:cNvPr id="4" name="Slide Subtitle">
-            <a:extLst>
-              <a:ext uri="{FF2B5EF4-FFF2-40B4-BE49-F238E27FC236}">
-                <a16:creationId xmlns:a16="http://schemas.microsoft.com/office/drawing/2014/main" id="{BEB5BB41-09D4-4E9F-8C80-EE8709171CB3}"/>
-              </a:ext>
-            </a:extLst>
-          </p:cNvPr>
-          <p:cNvSpPr>
-            <a:spLocks noGrp="1"/>
-          </p:cNvSpPr>
-          <p:nvPr>
-            <p:ph type="subTitle" sz="quarter" idx="11"/>
-          </p:nvPr>
-        </p:nvSpPr>
-        <p:spPr/>
-        <p:txBody>
-          <a:bodyPr/>
-          <a:lstStyle/>
-          <a:p>
-            <a:r>
-              <a:rPr lang="en-US" dirty="0"/>
-              <a:t>Connection string</a:t>
+              <a:t>Connection String</a:t>
             </a:r>
             <a:endParaRPr lang="bg-BG" dirty="0"/>
           </a:p>
@@ -27787,7 +29801,7 @@
 </p:sld>
 </file>
 
-<file path=ppt/slides/slide31.xml><?xml version="1.0" encoding="utf-8"?>
+<file path=ppt/slides/slide35.xml><?xml version="1.0" encoding="utf-8"?>
 <p:sld xmlns:a="http://schemas.openxmlformats.org/drawingml/2006/main" xmlns:r="http://schemas.openxmlformats.org/officeDocument/2006/relationships" xmlns:p="http://schemas.openxmlformats.org/presentationml/2006/main">
   <p:cSld>
     <p:spTree>
@@ -27828,7 +29842,7 @@
             <a:fld id="{2BF067CD-8E6B-4360-9AA8-C5DF2A48A6D1}" type="slidenum">
               <a:rPr lang="en-US" noProof="0" smtClean="0"/>
               <a:pPr/>
-              <a:t>31</a:t>
+              <a:t>35</a:t>
             </a:fld>
             <a:endParaRPr lang="en-US" noProof="0" dirty="0"/>
           </a:p>
@@ -28404,7 +30418,7 @@
 </p:sld>
 </file>
 
-<file path=ppt/slides/slide32.xml><?xml version="1.0" encoding="utf-8"?>
+<file path=ppt/slides/slide36.xml><?xml version="1.0" encoding="utf-8"?>
 <p:sld xmlns:a="http://schemas.openxmlformats.org/drawingml/2006/main" xmlns:r="http://schemas.openxmlformats.org/officeDocument/2006/relationships" xmlns:p="http://schemas.openxmlformats.org/presentationml/2006/main">
   <p:cSld>
     <p:spTree>
@@ -28445,7 +30459,7 @@
             <a:fld id="{2BF067CD-8E6B-4360-9AA8-C5DF2A48A6D1}" type="slidenum">
               <a:rPr lang="en-US" noProof="0" smtClean="0"/>
               <a:pPr/>
-              <a:t>32</a:t>
+              <a:t>36</a:t>
             </a:fld>
             <a:endParaRPr lang="en-US" noProof="0" dirty="0"/>
           </a:p>
@@ -29012,7 +31026,7 @@
 </p:sld>
 </file>
 
-<file path=ppt/slides/slide33.xml><?xml version="1.0" encoding="utf-8"?>
+<file path=ppt/slides/slide37.xml><?xml version="1.0" encoding="utf-8"?>
 <p:sld xmlns:a="http://schemas.openxmlformats.org/drawingml/2006/main" xmlns:r="http://schemas.openxmlformats.org/officeDocument/2006/relationships" xmlns:p="http://schemas.openxmlformats.org/presentationml/2006/main">
   <p:cSld>
     <p:spTree>
@@ -29053,7 +31067,7 @@
             <a:fld id="{2BF067CD-8E6B-4360-9AA8-C5DF2A48A6D1}" type="slidenum">
               <a:rPr lang="en-US" noProof="0" smtClean="0"/>
               <a:pPr/>
-              <a:t>33</a:t>
+              <a:t>37</a:t>
             </a:fld>
             <a:endParaRPr lang="en-US" noProof="0" dirty="0"/>
           </a:p>
@@ -29672,7 +31686,7 @@
 </p:sld>
 </file>
 
-<file path=ppt/slides/slide34.xml><?xml version="1.0" encoding="utf-8"?>
+<file path=ppt/slides/slide38.xml><?xml version="1.0" encoding="utf-8"?>
 <p:sld xmlns:a="http://schemas.openxmlformats.org/drawingml/2006/main" xmlns:r="http://schemas.openxmlformats.org/officeDocument/2006/relationships" xmlns:p="http://schemas.openxmlformats.org/presentationml/2006/main">
   <p:cSld>
     <p:spTree>
@@ -29823,7 +31837,7 @@
 </p:sld>
 </file>
 
-<file path=ppt/slides/slide35.xml><?xml version="1.0" encoding="utf-8"?>
+<file path=ppt/slides/slide39.xml><?xml version="1.0" encoding="utf-8"?>
 <p:sld xmlns:a="http://schemas.openxmlformats.org/drawingml/2006/main" xmlns:r="http://schemas.openxmlformats.org/officeDocument/2006/relationships" xmlns:p="http://schemas.openxmlformats.org/presentationml/2006/main">
   <p:cSld>
     <p:spTree>
@@ -29864,7 +31878,7 @@
             <a:fld id="{2BF067CD-8E6B-4360-9AA8-C5DF2A48A6D1}" type="slidenum">
               <a:rPr lang="en-US" noProof="0" smtClean="0"/>
               <a:pPr/>
-              <a:t>35</a:t>
+              <a:t>39</a:t>
             </a:fld>
             <a:endParaRPr lang="en-US" noProof="0" dirty="0"/>
           </a:p>
@@ -30068,8 +32082,8 @@
         </p:nvSpPr>
         <p:spPr>
           <a:xfrm>
-            <a:off x="6398860" y="3776557"/>
-            <a:ext cx="813695" cy="618886"/>
+            <a:off x="6527825" y="3911328"/>
+            <a:ext cx="555765" cy="349345"/>
           </a:xfrm>
           <a:prstGeom prst="rightArrow">
             <a:avLst/>
@@ -30313,7 +32327,517 @@
 </p:sld>
 </file>
 
-<file path=ppt/slides/slide36.xml><?xml version="1.0" encoding="utf-8"?>
+<file path=ppt/slides/slide4.xml><?xml version="1.0" encoding="utf-8"?>
+<p:sld xmlns:a="http://schemas.openxmlformats.org/drawingml/2006/main" xmlns:r="http://schemas.openxmlformats.org/officeDocument/2006/relationships" xmlns:p="http://schemas.openxmlformats.org/presentationml/2006/main">
+  <p:cSld>
+    <p:spTree>
+      <p:nvGrpSpPr>
+        <p:cNvPr id="1" name=""/>
+        <p:cNvGrpSpPr/>
+        <p:nvPr/>
+      </p:nvGrpSpPr>
+      <p:grpSpPr>
+        <a:xfrm>
+          <a:off x="0" y="0"/>
+          <a:ext cx="0" cy="0"/>
+          <a:chOff x="0" y="0"/>
+          <a:chExt cx="0" cy="0"/>
+        </a:xfrm>
+      </p:grpSpPr>
+      <p:sp>
+        <p:nvSpPr>
+          <p:cNvPr id="9" name="Slide Number">
+            <a:extLst>
+              <a:ext uri="{FF2B5EF4-FFF2-40B4-BE49-F238E27FC236}">
+                <a16:creationId xmlns:a16="http://schemas.microsoft.com/office/drawing/2014/main" id="{8891F045-A272-4231-985A-53063F832AC8}"/>
+              </a:ext>
+            </a:extLst>
+          </p:cNvPr>
+          <p:cNvSpPr>
+            <a:spLocks noGrp="1"/>
+          </p:cNvSpPr>
+          <p:nvPr>
+            <p:ph type="sldNum" sz="quarter" idx="5"/>
+          </p:nvPr>
+        </p:nvSpPr>
+        <p:spPr>
+          <a:xfrm>
+            <a:off x="11753030" y="6507000"/>
+            <a:ext cx="367414" cy="297000"/>
+          </a:xfrm>
+        </p:spPr>
+        <p:txBody>
+          <a:bodyPr vert="horz" lIns="91440" tIns="45720" rIns="91440" bIns="45720" rtlCol="0" anchor="b"/>
+          <a:lstStyle>
+            <a:lvl1pPr algn="r">
+              <a:defRPr sz="1000"/>
+            </a:lvl1pPr>
+          </a:lstStyle>
+          <a:p>
+            <a:fld id="{2BF067CD-8E6B-4360-9AA8-C5DF2A48A6D1}" type="slidenum">
+              <a:rPr lang="en-US" smtClean="0"/>
+              <a:pPr/>
+              <a:t>4</a:t>
+            </a:fld>
+            <a:endParaRPr lang="en-US" dirty="0"/>
+          </a:p>
+        </p:txBody>
+      </p:sp>
+      <p:sp>
+        <p:nvSpPr>
+          <p:cNvPr id="7" name="Slide Body Text">
+            <a:extLst>
+              <a:ext uri="{FF2B5EF4-FFF2-40B4-BE49-F238E27FC236}">
+                <a16:creationId xmlns:a16="http://schemas.microsoft.com/office/drawing/2014/main" id="{320B2856-CE5E-4934-BD1C-1D81E68E529A}"/>
+              </a:ext>
+            </a:extLst>
+          </p:cNvPr>
+          <p:cNvSpPr>
+            <a:spLocks noGrp="1"/>
+          </p:cNvSpPr>
+          <p:nvPr>
+            <p:ph type="body" sz="quarter" idx="10"/>
+          </p:nvPr>
+        </p:nvSpPr>
+        <p:spPr>
+          <a:xfrm>
+            <a:off x="190402" y="1196125"/>
+            <a:ext cx="11818096" cy="5528766"/>
+          </a:xfrm>
+        </p:spPr>
+        <p:txBody>
+          <a:bodyPr>
+            <a:normAutofit/>
+          </a:bodyPr>
+          <a:lstStyle/>
+          <a:p>
+            <a:pPr>
+              <a:buClr>
+                <a:schemeClr val="tx1"/>
+              </a:buClr>
+            </a:pPr>
+            <a:r>
+              <a:rPr lang="bg-BG" sz="3200" dirty="0"/>
+              <a:t>Технология, която позволява </a:t>
+            </a:r>
+            <a:r>
+              <a:rPr lang="bg-BG" sz="3200" b="1" dirty="0">
+                <a:solidFill>
+                  <a:schemeClr val="bg1"/>
+                </a:solidFill>
+              </a:rPr>
+              <a:t>манипулиране</a:t>
+            </a:r>
+            <a:r>
+              <a:rPr lang="bg-BG" sz="3200" dirty="0"/>
+              <a:t> на </a:t>
+            </a:r>
+            <a:r>
+              <a:rPr lang="bg-BG" sz="3200" b="1" dirty="0">
+                <a:solidFill>
+                  <a:schemeClr val="bg1"/>
+                </a:solidFill>
+              </a:rPr>
+              <a:t>бази данни</a:t>
+            </a:r>
+            <a:r>
+              <a:rPr lang="bg-BG" sz="3200" dirty="0"/>
+              <a:t>, използвайки </a:t>
+            </a:r>
+            <a:r>
+              <a:rPr lang="bg-BG" sz="3200" b="1" dirty="0">
+                <a:solidFill>
+                  <a:schemeClr val="bg1"/>
+                </a:solidFill>
+              </a:rPr>
+              <a:t>класове </a:t>
+            </a:r>
+            <a:r>
+              <a:rPr lang="bg-BG" sz="3200" dirty="0"/>
+              <a:t>и </a:t>
+            </a:r>
+            <a:r>
+              <a:rPr lang="bg-BG" sz="3200" b="1" dirty="0">
+                <a:solidFill>
+                  <a:schemeClr val="bg1"/>
+                </a:solidFill>
+              </a:rPr>
+              <a:t>обекти</a:t>
+            </a:r>
+          </a:p>
+        </p:txBody>
+      </p:sp>
+      <p:sp>
+        <p:nvSpPr>
+          <p:cNvPr id="4" name="Slide Title"/>
+          <p:cNvSpPr>
+            <a:spLocks noGrp="1"/>
+          </p:cNvSpPr>
+          <p:nvPr>
+            <p:ph type="title"/>
+          </p:nvPr>
+        </p:nvSpPr>
+        <p:spPr>
+          <a:xfrm>
+            <a:off x="190406" y="100750"/>
+            <a:ext cx="10270594" cy="882654"/>
+          </a:xfrm>
+        </p:spPr>
+        <p:txBody>
+          <a:bodyPr>
+            <a:normAutofit/>
+          </a:bodyPr>
+          <a:lstStyle/>
+          <a:p>
+            <a:r>
+              <a:rPr lang="bg-BG" dirty="0"/>
+              <a:t>Какво е </a:t>
+            </a:r>
+            <a:r>
+              <a:rPr lang="en-US" sz="4000" dirty="0"/>
+              <a:t>Object-Relational Mapping (</a:t>
+            </a:r>
+            <a:r>
+              <a:rPr lang="en-US" dirty="0"/>
+              <a:t>ORM)?</a:t>
+            </a:r>
+          </a:p>
+        </p:txBody>
+      </p:sp>
+      <p:pic>
+        <p:nvPicPr>
+          <p:cNvPr id="2" name="Picture 1">
+            <a:extLst>
+              <a:ext uri="{FF2B5EF4-FFF2-40B4-BE49-F238E27FC236}">
+                <a16:creationId xmlns:a16="http://schemas.microsoft.com/office/drawing/2014/main" id="{F9B50DA6-750C-8818-805A-7F4BC79C1B3F}"/>
+              </a:ext>
+            </a:extLst>
+          </p:cNvPr>
+          <p:cNvPicPr>
+            <a:picLocks noChangeAspect="1"/>
+          </p:cNvPicPr>
+          <p:nvPr/>
+        </p:nvPicPr>
+        <p:blipFill>
+          <a:blip r:embed="rId3"/>
+          <a:stretch>
+            <a:fillRect/>
+          </a:stretch>
+        </p:blipFill>
+        <p:spPr>
+          <a:xfrm>
+            <a:off x="5200342" y="2877631"/>
+            <a:ext cx="6551248" cy="3165209"/>
+          </a:xfrm>
+          <a:prstGeom prst="rect">
+            <a:avLst/>
+          </a:prstGeom>
+          <a:ln>
+            <a:solidFill>
+              <a:schemeClr val="bg2">
+                <a:lumMod val="75000"/>
+              </a:schemeClr>
+            </a:solidFill>
+          </a:ln>
+        </p:spPr>
+      </p:pic>
+      <p:pic>
+        <p:nvPicPr>
+          <p:cNvPr id="5" name="Picture 4">
+            <a:extLst>
+              <a:ext uri="{FF2B5EF4-FFF2-40B4-BE49-F238E27FC236}">
+                <a16:creationId xmlns:a16="http://schemas.microsoft.com/office/drawing/2014/main" id="{932F3502-EFE1-F44E-F79F-B5C4C0186721}"/>
+              </a:ext>
+            </a:extLst>
+          </p:cNvPr>
+          <p:cNvPicPr>
+            <a:picLocks noChangeAspect="1"/>
+          </p:cNvPicPr>
+          <p:nvPr/>
+        </p:nvPicPr>
+        <p:blipFill>
+          <a:blip r:embed="rId4"/>
+          <a:stretch>
+            <a:fillRect/>
+          </a:stretch>
+        </p:blipFill>
+        <p:spPr>
+          <a:xfrm>
+            <a:off x="607393" y="2574294"/>
+            <a:ext cx="3240000" cy="3468546"/>
+          </a:xfrm>
+          <a:prstGeom prst="rect">
+            <a:avLst/>
+          </a:prstGeom>
+          <a:ln>
+            <a:solidFill>
+              <a:schemeClr val="bg2">
+                <a:lumMod val="75000"/>
+              </a:schemeClr>
+            </a:solidFill>
+          </a:ln>
+        </p:spPr>
+      </p:pic>
+      <p:sp>
+        <p:nvSpPr>
+          <p:cNvPr id="6" name="Arrow: Right 7">
+            <a:extLst>
+              <a:ext uri="{FF2B5EF4-FFF2-40B4-BE49-F238E27FC236}">
+                <a16:creationId xmlns:a16="http://schemas.microsoft.com/office/drawing/2014/main" id="{C328B317-BA80-9938-CF6C-A9D820843863}"/>
+              </a:ext>
+            </a:extLst>
+          </p:cNvPr>
+          <p:cNvSpPr/>
+          <p:nvPr/>
+        </p:nvSpPr>
+        <p:spPr>
+          <a:xfrm>
+            <a:off x="4033161" y="3956012"/>
+            <a:ext cx="981413" cy="705109"/>
+          </a:xfrm>
+          <a:prstGeom prst="rightArrow">
+            <a:avLst/>
+          </a:prstGeom>
+          <a:solidFill>
+            <a:schemeClr val="tx1"/>
+          </a:solidFill>
+          <a:ln>
+            <a:solidFill>
+              <a:schemeClr val="tx1"/>
+            </a:solidFill>
+          </a:ln>
+        </p:spPr>
+        <p:style>
+          <a:lnRef idx="2">
+            <a:schemeClr val="accent1">
+              <a:shade val="50000"/>
+            </a:schemeClr>
+          </a:lnRef>
+          <a:fillRef idx="1">
+            <a:schemeClr val="accent1"/>
+          </a:fillRef>
+          <a:effectRef idx="0">
+            <a:schemeClr val="accent1"/>
+          </a:effectRef>
+          <a:fontRef idx="minor">
+            <a:schemeClr val="lt1"/>
+          </a:fontRef>
+        </p:style>
+        <p:txBody>
+          <a:bodyPr rtlCol="0" anchor="ctr"/>
+          <a:lstStyle/>
+          <a:p>
+            <a:pPr algn="ctr"/>
+            <a:endParaRPr lang="en-US" sz="2798"/>
+          </a:p>
+        </p:txBody>
+      </p:sp>
+    </p:spTree>
+    <p:extLst>
+      <p:ext uri="{BB962C8B-B14F-4D97-AF65-F5344CB8AC3E}">
+        <p14:creationId xmlns:p14="http://schemas.microsoft.com/office/powerpoint/2010/main" val="4006955103"/>
+      </p:ext>
+    </p:extLst>
+  </p:cSld>
+  <p:clrMapOvr>
+    <a:masterClrMapping/>
+  </p:clrMapOvr>
+  <mc:AlternateContent xmlns:mc="http://schemas.openxmlformats.org/markup-compatibility/2006" xmlns:p14="http://schemas.microsoft.com/office/powerpoint/2010/main">
+    <mc:Choice Requires="p14">
+      <p:transition spd="slow" p14:dur="2000" advClick="0" advTm="5000"/>
+    </mc:Choice>
+    <mc:Fallback xmlns="">
+      <p:transition spd="slow" advClick="0" advTm="5000"/>
+    </mc:Fallback>
+  </mc:AlternateContent>
+  <p:timing>
+    <p:tnLst>
+      <p:par>
+        <p:cTn id="1" dur="indefinite" restart="never" nodeType="tmRoot">
+          <p:childTnLst>
+            <p:seq concurrent="1" nextAc="seek">
+              <p:cTn id="2" dur="indefinite" nodeType="mainSeq">
+                <p:childTnLst>
+                  <p:par>
+                    <p:cTn id="3" fill="hold">
+                      <p:stCondLst>
+                        <p:cond delay="indefinite"/>
+                        <p:cond evt="onBegin" delay="0">
+                          <p:tn val="2"/>
+                        </p:cond>
+                      </p:stCondLst>
+                      <p:childTnLst>
+                        <p:par>
+                          <p:cTn id="4" fill="hold">
+                            <p:stCondLst>
+                              <p:cond delay="0"/>
+                            </p:stCondLst>
+                            <p:childTnLst>
+                              <p:par>
+                                <p:cTn id="5" presetID="1" presetClass="entr" presetSubtype="0" fill="hold" nodeType="withEffect">
+                                  <p:stCondLst>
+                                    <p:cond delay="0"/>
+                                  </p:stCondLst>
+                                  <p:childTnLst>
+                                    <p:set>
+                                      <p:cBhvr>
+                                        <p:cTn id="6" dur="1" fill="hold">
+                                          <p:stCondLst>
+                                            <p:cond delay="0"/>
+                                          </p:stCondLst>
+                                        </p:cTn>
+                                        <p:tgtEl>
+                                          <p:spTgt spid="7">
+                                            <p:txEl>
+                                              <p:pRg st="0" end="0"/>
+                                            </p:txEl>
+                                          </p:spTgt>
+                                        </p:tgtEl>
+                                        <p:attrNameLst>
+                                          <p:attrName>style.visibility</p:attrName>
+                                        </p:attrNameLst>
+                                      </p:cBhvr>
+                                      <p:to>
+                                        <p:strVal val="visible"/>
+                                      </p:to>
+                                    </p:set>
+                                  </p:childTnLst>
+                                </p:cTn>
+                              </p:par>
+                              <p:par>
+                                <p:cTn id="7" presetID="1" presetClass="entr" presetSubtype="0" fill="hold" nodeType="withEffect">
+                                  <p:stCondLst>
+                                    <p:cond delay="0"/>
+                                  </p:stCondLst>
+                                  <p:childTnLst>
+                                    <p:set>
+                                      <p:cBhvr>
+                                        <p:cTn id="8" dur="1" fill="hold">
+                                          <p:stCondLst>
+                                            <p:cond delay="0"/>
+                                          </p:stCondLst>
+                                        </p:cTn>
+                                        <p:tgtEl>
+                                          <p:spTgt spid="5"/>
+                                        </p:tgtEl>
+                                        <p:attrNameLst>
+                                          <p:attrName>style.visibility</p:attrName>
+                                        </p:attrNameLst>
+                                      </p:cBhvr>
+                                      <p:to>
+                                        <p:strVal val="visible"/>
+                                      </p:to>
+                                    </p:set>
+                                  </p:childTnLst>
+                                </p:cTn>
+                              </p:par>
+                            </p:childTnLst>
+                          </p:cTn>
+                        </p:par>
+                      </p:childTnLst>
+                    </p:cTn>
+                  </p:par>
+                  <p:par>
+                    <p:cTn id="9" fill="hold">
+                      <p:stCondLst>
+                        <p:cond delay="indefinite"/>
+                      </p:stCondLst>
+                      <p:childTnLst>
+                        <p:par>
+                          <p:cTn id="10" fill="hold">
+                            <p:stCondLst>
+                              <p:cond delay="0"/>
+                            </p:stCondLst>
+                            <p:childTnLst>
+                              <p:par>
+                                <p:cTn id="11" presetID="1" presetClass="entr" presetSubtype="0" fill="hold" grpId="0" nodeType="clickEffect">
+                                  <p:stCondLst>
+                                    <p:cond delay="0"/>
+                                  </p:stCondLst>
+                                  <p:childTnLst>
+                                    <p:set>
+                                      <p:cBhvr>
+                                        <p:cTn id="12" dur="1" fill="hold">
+                                          <p:stCondLst>
+                                            <p:cond delay="0"/>
+                                          </p:stCondLst>
+                                        </p:cTn>
+                                        <p:tgtEl>
+                                          <p:spTgt spid="6"/>
+                                        </p:tgtEl>
+                                        <p:attrNameLst>
+                                          <p:attrName>style.visibility</p:attrName>
+                                        </p:attrNameLst>
+                                      </p:cBhvr>
+                                      <p:to>
+                                        <p:strVal val="visible"/>
+                                      </p:to>
+                                    </p:set>
+                                  </p:childTnLst>
+                                </p:cTn>
+                              </p:par>
+                              <p:par>
+                                <p:cTn id="13" presetID="1" presetClass="entr" presetSubtype="0" fill="hold" nodeType="withEffect">
+                                  <p:stCondLst>
+                                    <p:cond delay="0"/>
+                                  </p:stCondLst>
+                                  <p:childTnLst>
+                                    <p:set>
+                                      <p:cBhvr>
+                                        <p:cTn id="14" dur="1" fill="hold">
+                                          <p:stCondLst>
+                                            <p:cond delay="0"/>
+                                          </p:stCondLst>
+                                        </p:cTn>
+                                        <p:tgtEl>
+                                          <p:spTgt spid="2"/>
+                                        </p:tgtEl>
+                                        <p:attrNameLst>
+                                          <p:attrName>style.visibility</p:attrName>
+                                        </p:attrNameLst>
+                                      </p:cBhvr>
+                                      <p:to>
+                                        <p:strVal val="visible"/>
+                                      </p:to>
+                                    </p:set>
+                                  </p:childTnLst>
+                                </p:cTn>
+                              </p:par>
+                            </p:childTnLst>
+                          </p:cTn>
+                        </p:par>
+                      </p:childTnLst>
+                    </p:cTn>
+                  </p:par>
+                </p:childTnLst>
+              </p:cTn>
+              <p:prevCondLst>
+                <p:cond evt="onPrev" delay="0">
+                  <p:tgtEl>
+                    <p:sldTgt/>
+                  </p:tgtEl>
+                </p:cond>
+              </p:prevCondLst>
+              <p:nextCondLst>
+                <p:cond evt="onNext" delay="0">
+                  <p:tgtEl>
+                    <p:sldTgt/>
+                  </p:tgtEl>
+                </p:cond>
+              </p:nextCondLst>
+            </p:seq>
+          </p:childTnLst>
+        </p:cTn>
+      </p:par>
+    </p:tnLst>
+    <p:bldLst>
+      <p:bldP spid="6" grpId="0" animBg="1"/>
+    </p:bldLst>
+  </p:timing>
+</p:sld>
+</file>
+
+<file path=ppt/slides/slide40.xml><?xml version="1.0" encoding="utf-8"?>
 <p:sld xmlns:a="http://schemas.openxmlformats.org/drawingml/2006/main" xmlns:r="http://schemas.openxmlformats.org/officeDocument/2006/relationships" xmlns:p="http://schemas.openxmlformats.org/presentationml/2006/main">
   <p:cSld>
     <p:spTree>
@@ -30354,7 +32878,7 @@
             <a:fld id="{2BF067CD-8E6B-4360-9AA8-C5DF2A48A6D1}" type="slidenum">
               <a:rPr lang="en-US" noProof="0" smtClean="0"/>
               <a:pPr/>
-              <a:t>36</a:t>
+              <a:t>40</a:t>
             </a:fld>
             <a:endParaRPr lang="en-US" noProof="0" dirty="0"/>
           </a:p>
@@ -31121,7 +33645,7 @@
 </p:sld>
 </file>
 
-<file path=ppt/slides/slide37.xml><?xml version="1.0" encoding="utf-8"?>
+<file path=ppt/slides/slide41.xml><?xml version="1.0" encoding="utf-8"?>
 <p:sld xmlns:a="http://schemas.openxmlformats.org/drawingml/2006/main" xmlns:r="http://schemas.openxmlformats.org/officeDocument/2006/relationships" xmlns:p="http://schemas.openxmlformats.org/presentationml/2006/main">
   <p:cSld>
     <p:spTree>
@@ -31162,7 +33686,7 @@
             <a:fld id="{2BF067CD-8E6B-4360-9AA8-C5DF2A48A6D1}" type="slidenum">
               <a:rPr lang="en-US" noProof="0" smtClean="0"/>
               <a:pPr/>
-              <a:t>37</a:t>
+              <a:t>41</a:t>
             </a:fld>
             <a:endParaRPr lang="en-US" noProof="0" dirty="0"/>
           </a:p>
@@ -31397,7 +33921,7 @@
         </p:blipFill>
         <p:spPr>
           <a:xfrm>
-            <a:off x="5218436" y="1414040"/>
+            <a:off x="5276406" y="1414040"/>
             <a:ext cx="3690000" cy="5088686"/>
           </a:xfrm>
           <a:prstGeom prst="rect">
@@ -31440,7 +33964,7 @@
         </p:blipFill>
         <p:spPr>
           <a:xfrm>
-            <a:off x="9623095" y="3297426"/>
+            <a:off x="9681065" y="3297426"/>
             <a:ext cx="2129935" cy="1480899"/>
           </a:xfrm>
           <a:prstGeom prst="rect">
@@ -31469,8 +33993,8 @@
         </p:nvSpPr>
         <p:spPr>
           <a:xfrm>
-            <a:off x="8996578" y="3958383"/>
-            <a:ext cx="538374" cy="275060"/>
+            <a:off x="9101267" y="3970886"/>
+            <a:ext cx="444937" cy="250055"/>
           </a:xfrm>
           <a:prstGeom prst="rightArrow">
             <a:avLst/>
@@ -32044,7 +34568,7 @@
 </p:sld>
 </file>
 
-<file path=ppt/slides/slide38.xml><?xml version="1.0" encoding="utf-8"?>
+<file path=ppt/slides/slide42.xml><?xml version="1.0" encoding="utf-8"?>
 <p:sld xmlns:a="http://schemas.openxmlformats.org/drawingml/2006/main" xmlns:r="http://schemas.openxmlformats.org/officeDocument/2006/relationships" xmlns:p="http://schemas.openxmlformats.org/presentationml/2006/main">
   <p:cSld>
     <p:spTree>
@@ -32085,7 +34609,7 @@
             <a:fld id="{2BF067CD-8E6B-4360-9AA8-C5DF2A48A6D1}" type="slidenum">
               <a:rPr lang="en-US" noProof="0" smtClean="0"/>
               <a:pPr/>
-              <a:t>38</a:t>
+              <a:t>42</a:t>
             </a:fld>
             <a:endParaRPr lang="en-US" noProof="0" dirty="0"/>
           </a:p>
@@ -32625,7 +35149,7 @@
 </p:sld>
 </file>
 
-<file path=ppt/slides/slide39.xml><?xml version="1.0" encoding="utf-8"?>
+<file path=ppt/slides/slide43.xml><?xml version="1.0" encoding="utf-8"?>
 <p:sld xmlns:a="http://schemas.openxmlformats.org/drawingml/2006/main" xmlns:r="http://schemas.openxmlformats.org/officeDocument/2006/relationships" xmlns:p="http://schemas.openxmlformats.org/presentationml/2006/main">
   <p:cSld>
     <p:spTree>
@@ -32666,7 +35190,7 @@
             <a:fld id="{2BF067CD-8E6B-4360-9AA8-C5DF2A48A6D1}" type="slidenum">
               <a:rPr lang="en-US" noProof="0" smtClean="0"/>
               <a:pPr/>
-              <a:t>39</a:t>
+              <a:t>43</a:t>
             </a:fld>
             <a:endParaRPr lang="en-US" noProof="0" dirty="0"/>
           </a:p>
@@ -33373,517 +35897,7 @@
 </p:sld>
 </file>
 
-<file path=ppt/slides/slide4.xml><?xml version="1.0" encoding="utf-8"?>
-<p:sld xmlns:a="http://schemas.openxmlformats.org/drawingml/2006/main" xmlns:r="http://schemas.openxmlformats.org/officeDocument/2006/relationships" xmlns:p="http://schemas.openxmlformats.org/presentationml/2006/main">
-  <p:cSld>
-    <p:spTree>
-      <p:nvGrpSpPr>
-        <p:cNvPr id="1" name=""/>
-        <p:cNvGrpSpPr/>
-        <p:nvPr/>
-      </p:nvGrpSpPr>
-      <p:grpSpPr>
-        <a:xfrm>
-          <a:off x="0" y="0"/>
-          <a:ext cx="0" cy="0"/>
-          <a:chOff x="0" y="0"/>
-          <a:chExt cx="0" cy="0"/>
-        </a:xfrm>
-      </p:grpSpPr>
-      <p:sp>
-        <p:nvSpPr>
-          <p:cNvPr id="9" name="Slide Number">
-            <a:extLst>
-              <a:ext uri="{FF2B5EF4-FFF2-40B4-BE49-F238E27FC236}">
-                <a16:creationId xmlns:a16="http://schemas.microsoft.com/office/drawing/2014/main" id="{8891F045-A272-4231-985A-53063F832AC8}"/>
-              </a:ext>
-            </a:extLst>
-          </p:cNvPr>
-          <p:cNvSpPr>
-            <a:spLocks noGrp="1"/>
-          </p:cNvSpPr>
-          <p:nvPr>
-            <p:ph type="sldNum" sz="quarter" idx="5"/>
-          </p:nvPr>
-        </p:nvSpPr>
-        <p:spPr>
-          <a:xfrm>
-            <a:off x="11753030" y="6507000"/>
-            <a:ext cx="367414" cy="297000"/>
-          </a:xfrm>
-        </p:spPr>
-        <p:txBody>
-          <a:bodyPr vert="horz" lIns="91440" tIns="45720" rIns="91440" bIns="45720" rtlCol="0" anchor="b"/>
-          <a:lstStyle>
-            <a:lvl1pPr algn="r">
-              <a:defRPr sz="1000"/>
-            </a:lvl1pPr>
-          </a:lstStyle>
-          <a:p>
-            <a:fld id="{2BF067CD-8E6B-4360-9AA8-C5DF2A48A6D1}" type="slidenum">
-              <a:rPr lang="en-US" smtClean="0"/>
-              <a:pPr/>
-              <a:t>4</a:t>
-            </a:fld>
-            <a:endParaRPr lang="en-US" dirty="0"/>
-          </a:p>
-        </p:txBody>
-      </p:sp>
-      <p:sp>
-        <p:nvSpPr>
-          <p:cNvPr id="7" name="Slide Body Text">
-            <a:extLst>
-              <a:ext uri="{FF2B5EF4-FFF2-40B4-BE49-F238E27FC236}">
-                <a16:creationId xmlns:a16="http://schemas.microsoft.com/office/drawing/2014/main" id="{320B2856-CE5E-4934-BD1C-1D81E68E529A}"/>
-              </a:ext>
-            </a:extLst>
-          </p:cNvPr>
-          <p:cNvSpPr>
-            <a:spLocks noGrp="1"/>
-          </p:cNvSpPr>
-          <p:nvPr>
-            <p:ph type="body" sz="quarter" idx="10"/>
-          </p:nvPr>
-        </p:nvSpPr>
-        <p:spPr>
-          <a:xfrm>
-            <a:off x="190402" y="1196125"/>
-            <a:ext cx="11818096" cy="5528766"/>
-          </a:xfrm>
-        </p:spPr>
-        <p:txBody>
-          <a:bodyPr>
-            <a:normAutofit/>
-          </a:bodyPr>
-          <a:lstStyle/>
-          <a:p>
-            <a:pPr>
-              <a:buClr>
-                <a:schemeClr val="tx1"/>
-              </a:buClr>
-            </a:pPr>
-            <a:r>
-              <a:rPr lang="bg-BG" sz="3200" dirty="0"/>
-              <a:t>Технология, която позволява </a:t>
-            </a:r>
-            <a:r>
-              <a:rPr lang="bg-BG" sz="3200" b="1" dirty="0">
-                <a:solidFill>
-                  <a:schemeClr val="bg1"/>
-                </a:solidFill>
-              </a:rPr>
-              <a:t>манипулиране</a:t>
-            </a:r>
-            <a:r>
-              <a:rPr lang="bg-BG" sz="3200" dirty="0"/>
-              <a:t> на </a:t>
-            </a:r>
-            <a:r>
-              <a:rPr lang="bg-BG" sz="3200" b="1" dirty="0">
-                <a:solidFill>
-                  <a:schemeClr val="bg1"/>
-                </a:solidFill>
-              </a:rPr>
-              <a:t>бази данни</a:t>
-            </a:r>
-            <a:r>
-              <a:rPr lang="bg-BG" sz="3200" dirty="0"/>
-              <a:t>, използвайки </a:t>
-            </a:r>
-            <a:r>
-              <a:rPr lang="bg-BG" sz="3200" b="1" dirty="0">
-                <a:solidFill>
-                  <a:schemeClr val="bg1"/>
-                </a:solidFill>
-              </a:rPr>
-              <a:t>класове </a:t>
-            </a:r>
-            <a:r>
-              <a:rPr lang="bg-BG" sz="3200" dirty="0"/>
-              <a:t>и </a:t>
-            </a:r>
-            <a:r>
-              <a:rPr lang="bg-BG" sz="3200" b="1" dirty="0">
-                <a:solidFill>
-                  <a:schemeClr val="bg1"/>
-                </a:solidFill>
-              </a:rPr>
-              <a:t>обекти</a:t>
-            </a:r>
-          </a:p>
-        </p:txBody>
-      </p:sp>
-      <p:sp>
-        <p:nvSpPr>
-          <p:cNvPr id="4" name="Slide Title"/>
-          <p:cNvSpPr>
-            <a:spLocks noGrp="1"/>
-          </p:cNvSpPr>
-          <p:nvPr>
-            <p:ph type="title"/>
-          </p:nvPr>
-        </p:nvSpPr>
-        <p:spPr>
-          <a:xfrm>
-            <a:off x="190406" y="100750"/>
-            <a:ext cx="10270594" cy="882654"/>
-          </a:xfrm>
-        </p:spPr>
-        <p:txBody>
-          <a:bodyPr>
-            <a:normAutofit/>
-          </a:bodyPr>
-          <a:lstStyle/>
-          <a:p>
-            <a:r>
-              <a:rPr lang="bg-BG" dirty="0"/>
-              <a:t>Какво е </a:t>
-            </a:r>
-            <a:r>
-              <a:rPr lang="en-US" sz="4000" dirty="0"/>
-              <a:t>Object-Relational Mapping (</a:t>
-            </a:r>
-            <a:r>
-              <a:rPr lang="en-US" dirty="0"/>
-              <a:t>ORM)?</a:t>
-            </a:r>
-          </a:p>
-        </p:txBody>
-      </p:sp>
-      <p:pic>
-        <p:nvPicPr>
-          <p:cNvPr id="2" name="Picture 1">
-            <a:extLst>
-              <a:ext uri="{FF2B5EF4-FFF2-40B4-BE49-F238E27FC236}">
-                <a16:creationId xmlns:a16="http://schemas.microsoft.com/office/drawing/2014/main" id="{F9B50DA6-750C-8818-805A-7F4BC79C1B3F}"/>
-              </a:ext>
-            </a:extLst>
-          </p:cNvPr>
-          <p:cNvPicPr>
-            <a:picLocks noChangeAspect="1"/>
-          </p:cNvPicPr>
-          <p:nvPr/>
-        </p:nvPicPr>
-        <p:blipFill>
-          <a:blip r:embed="rId3"/>
-          <a:stretch>
-            <a:fillRect/>
-          </a:stretch>
-        </p:blipFill>
-        <p:spPr>
-          <a:xfrm>
-            <a:off x="5200342" y="2877631"/>
-            <a:ext cx="6551248" cy="3165209"/>
-          </a:xfrm>
-          <a:prstGeom prst="rect">
-            <a:avLst/>
-          </a:prstGeom>
-          <a:ln>
-            <a:solidFill>
-              <a:schemeClr val="bg2">
-                <a:lumMod val="75000"/>
-              </a:schemeClr>
-            </a:solidFill>
-          </a:ln>
-        </p:spPr>
-      </p:pic>
-      <p:pic>
-        <p:nvPicPr>
-          <p:cNvPr id="5" name="Picture 4">
-            <a:extLst>
-              <a:ext uri="{FF2B5EF4-FFF2-40B4-BE49-F238E27FC236}">
-                <a16:creationId xmlns:a16="http://schemas.microsoft.com/office/drawing/2014/main" id="{932F3502-EFE1-F44E-F79F-B5C4C0186721}"/>
-              </a:ext>
-            </a:extLst>
-          </p:cNvPr>
-          <p:cNvPicPr>
-            <a:picLocks noChangeAspect="1"/>
-          </p:cNvPicPr>
-          <p:nvPr/>
-        </p:nvPicPr>
-        <p:blipFill>
-          <a:blip r:embed="rId4"/>
-          <a:stretch>
-            <a:fillRect/>
-          </a:stretch>
-        </p:blipFill>
-        <p:spPr>
-          <a:xfrm>
-            <a:off x="607393" y="2574294"/>
-            <a:ext cx="3240000" cy="3468546"/>
-          </a:xfrm>
-          <a:prstGeom prst="rect">
-            <a:avLst/>
-          </a:prstGeom>
-          <a:ln>
-            <a:solidFill>
-              <a:schemeClr val="bg2">
-                <a:lumMod val="75000"/>
-              </a:schemeClr>
-            </a:solidFill>
-          </a:ln>
-        </p:spPr>
-      </p:pic>
-      <p:sp>
-        <p:nvSpPr>
-          <p:cNvPr id="6" name="Arrow: Right 7">
-            <a:extLst>
-              <a:ext uri="{FF2B5EF4-FFF2-40B4-BE49-F238E27FC236}">
-                <a16:creationId xmlns:a16="http://schemas.microsoft.com/office/drawing/2014/main" id="{C328B317-BA80-9938-CF6C-A9D820843863}"/>
-              </a:ext>
-            </a:extLst>
-          </p:cNvPr>
-          <p:cNvSpPr/>
-          <p:nvPr/>
-        </p:nvSpPr>
-        <p:spPr>
-          <a:xfrm>
-            <a:off x="4033161" y="3956012"/>
-            <a:ext cx="981413" cy="705109"/>
-          </a:xfrm>
-          <a:prstGeom prst="rightArrow">
-            <a:avLst/>
-          </a:prstGeom>
-          <a:solidFill>
-            <a:schemeClr val="tx1"/>
-          </a:solidFill>
-          <a:ln>
-            <a:solidFill>
-              <a:schemeClr val="tx1"/>
-            </a:solidFill>
-          </a:ln>
-        </p:spPr>
-        <p:style>
-          <a:lnRef idx="2">
-            <a:schemeClr val="accent1">
-              <a:shade val="50000"/>
-            </a:schemeClr>
-          </a:lnRef>
-          <a:fillRef idx="1">
-            <a:schemeClr val="accent1"/>
-          </a:fillRef>
-          <a:effectRef idx="0">
-            <a:schemeClr val="accent1"/>
-          </a:effectRef>
-          <a:fontRef idx="minor">
-            <a:schemeClr val="lt1"/>
-          </a:fontRef>
-        </p:style>
-        <p:txBody>
-          <a:bodyPr rtlCol="0" anchor="ctr"/>
-          <a:lstStyle/>
-          <a:p>
-            <a:pPr algn="ctr"/>
-            <a:endParaRPr lang="en-US" sz="2798"/>
-          </a:p>
-        </p:txBody>
-      </p:sp>
-    </p:spTree>
-    <p:extLst>
-      <p:ext uri="{BB962C8B-B14F-4D97-AF65-F5344CB8AC3E}">
-        <p14:creationId xmlns:p14="http://schemas.microsoft.com/office/powerpoint/2010/main" val="4006955103"/>
-      </p:ext>
-    </p:extLst>
-  </p:cSld>
-  <p:clrMapOvr>
-    <a:masterClrMapping/>
-  </p:clrMapOvr>
-  <mc:AlternateContent xmlns:mc="http://schemas.openxmlformats.org/markup-compatibility/2006" xmlns:p14="http://schemas.microsoft.com/office/powerpoint/2010/main">
-    <mc:Choice Requires="p14">
-      <p:transition spd="slow" p14:dur="2000" advClick="0" advTm="5000"/>
-    </mc:Choice>
-    <mc:Fallback xmlns="">
-      <p:transition spd="slow" advClick="0" advTm="5000"/>
-    </mc:Fallback>
-  </mc:AlternateContent>
-  <p:timing>
-    <p:tnLst>
-      <p:par>
-        <p:cTn id="1" dur="indefinite" restart="never" nodeType="tmRoot">
-          <p:childTnLst>
-            <p:seq concurrent="1" nextAc="seek">
-              <p:cTn id="2" dur="indefinite" nodeType="mainSeq">
-                <p:childTnLst>
-                  <p:par>
-                    <p:cTn id="3" fill="hold">
-                      <p:stCondLst>
-                        <p:cond delay="indefinite"/>
-                        <p:cond evt="onBegin" delay="0">
-                          <p:tn val="2"/>
-                        </p:cond>
-                      </p:stCondLst>
-                      <p:childTnLst>
-                        <p:par>
-                          <p:cTn id="4" fill="hold">
-                            <p:stCondLst>
-                              <p:cond delay="0"/>
-                            </p:stCondLst>
-                            <p:childTnLst>
-                              <p:par>
-                                <p:cTn id="5" presetID="1" presetClass="entr" presetSubtype="0" fill="hold" nodeType="withEffect">
-                                  <p:stCondLst>
-                                    <p:cond delay="0"/>
-                                  </p:stCondLst>
-                                  <p:childTnLst>
-                                    <p:set>
-                                      <p:cBhvr>
-                                        <p:cTn id="6" dur="1" fill="hold">
-                                          <p:stCondLst>
-                                            <p:cond delay="0"/>
-                                          </p:stCondLst>
-                                        </p:cTn>
-                                        <p:tgtEl>
-                                          <p:spTgt spid="7">
-                                            <p:txEl>
-                                              <p:pRg st="0" end="0"/>
-                                            </p:txEl>
-                                          </p:spTgt>
-                                        </p:tgtEl>
-                                        <p:attrNameLst>
-                                          <p:attrName>style.visibility</p:attrName>
-                                        </p:attrNameLst>
-                                      </p:cBhvr>
-                                      <p:to>
-                                        <p:strVal val="visible"/>
-                                      </p:to>
-                                    </p:set>
-                                  </p:childTnLst>
-                                </p:cTn>
-                              </p:par>
-                              <p:par>
-                                <p:cTn id="7" presetID="1" presetClass="entr" presetSubtype="0" fill="hold" nodeType="withEffect">
-                                  <p:stCondLst>
-                                    <p:cond delay="0"/>
-                                  </p:stCondLst>
-                                  <p:childTnLst>
-                                    <p:set>
-                                      <p:cBhvr>
-                                        <p:cTn id="8" dur="1" fill="hold">
-                                          <p:stCondLst>
-                                            <p:cond delay="0"/>
-                                          </p:stCondLst>
-                                        </p:cTn>
-                                        <p:tgtEl>
-                                          <p:spTgt spid="5"/>
-                                        </p:tgtEl>
-                                        <p:attrNameLst>
-                                          <p:attrName>style.visibility</p:attrName>
-                                        </p:attrNameLst>
-                                      </p:cBhvr>
-                                      <p:to>
-                                        <p:strVal val="visible"/>
-                                      </p:to>
-                                    </p:set>
-                                  </p:childTnLst>
-                                </p:cTn>
-                              </p:par>
-                            </p:childTnLst>
-                          </p:cTn>
-                        </p:par>
-                      </p:childTnLst>
-                    </p:cTn>
-                  </p:par>
-                  <p:par>
-                    <p:cTn id="9" fill="hold">
-                      <p:stCondLst>
-                        <p:cond delay="indefinite"/>
-                      </p:stCondLst>
-                      <p:childTnLst>
-                        <p:par>
-                          <p:cTn id="10" fill="hold">
-                            <p:stCondLst>
-                              <p:cond delay="0"/>
-                            </p:stCondLst>
-                            <p:childTnLst>
-                              <p:par>
-                                <p:cTn id="11" presetID="1" presetClass="entr" presetSubtype="0" fill="hold" grpId="0" nodeType="clickEffect">
-                                  <p:stCondLst>
-                                    <p:cond delay="0"/>
-                                  </p:stCondLst>
-                                  <p:childTnLst>
-                                    <p:set>
-                                      <p:cBhvr>
-                                        <p:cTn id="12" dur="1" fill="hold">
-                                          <p:stCondLst>
-                                            <p:cond delay="0"/>
-                                          </p:stCondLst>
-                                        </p:cTn>
-                                        <p:tgtEl>
-                                          <p:spTgt spid="6"/>
-                                        </p:tgtEl>
-                                        <p:attrNameLst>
-                                          <p:attrName>style.visibility</p:attrName>
-                                        </p:attrNameLst>
-                                      </p:cBhvr>
-                                      <p:to>
-                                        <p:strVal val="visible"/>
-                                      </p:to>
-                                    </p:set>
-                                  </p:childTnLst>
-                                </p:cTn>
-                              </p:par>
-                              <p:par>
-                                <p:cTn id="13" presetID="1" presetClass="entr" presetSubtype="0" fill="hold" nodeType="withEffect">
-                                  <p:stCondLst>
-                                    <p:cond delay="0"/>
-                                  </p:stCondLst>
-                                  <p:childTnLst>
-                                    <p:set>
-                                      <p:cBhvr>
-                                        <p:cTn id="14" dur="1" fill="hold">
-                                          <p:stCondLst>
-                                            <p:cond delay="0"/>
-                                          </p:stCondLst>
-                                        </p:cTn>
-                                        <p:tgtEl>
-                                          <p:spTgt spid="2"/>
-                                        </p:tgtEl>
-                                        <p:attrNameLst>
-                                          <p:attrName>style.visibility</p:attrName>
-                                        </p:attrNameLst>
-                                      </p:cBhvr>
-                                      <p:to>
-                                        <p:strVal val="visible"/>
-                                      </p:to>
-                                    </p:set>
-                                  </p:childTnLst>
-                                </p:cTn>
-                              </p:par>
-                            </p:childTnLst>
-                          </p:cTn>
-                        </p:par>
-                      </p:childTnLst>
-                    </p:cTn>
-                  </p:par>
-                </p:childTnLst>
-              </p:cTn>
-              <p:prevCondLst>
-                <p:cond evt="onPrev" delay="0">
-                  <p:tgtEl>
-                    <p:sldTgt/>
-                  </p:tgtEl>
-                </p:cond>
-              </p:prevCondLst>
-              <p:nextCondLst>
-                <p:cond evt="onNext" delay="0">
-                  <p:tgtEl>
-                    <p:sldTgt/>
-                  </p:tgtEl>
-                </p:cond>
-              </p:nextCondLst>
-            </p:seq>
-          </p:childTnLst>
-        </p:cTn>
-      </p:par>
-    </p:tnLst>
-    <p:bldLst>
-      <p:bldP spid="6" grpId="0" animBg="1"/>
-    </p:bldLst>
-  </p:timing>
-</p:sld>
-</file>
-
-<file path=ppt/slides/slide40.xml><?xml version="1.0" encoding="utf-8"?>
+<file path=ppt/slides/slide44.xml><?xml version="1.0" encoding="utf-8"?>
 <p:sld xmlns:a="http://schemas.openxmlformats.org/drawingml/2006/main" xmlns:r="http://schemas.openxmlformats.org/officeDocument/2006/relationships" xmlns:p="http://schemas.openxmlformats.org/presentationml/2006/main">
   <p:cSld>
     <p:spTree>
@@ -33924,7 +35938,7 @@
             <a:fld id="{2BF067CD-8E6B-4360-9AA8-C5DF2A48A6D1}" type="slidenum">
               <a:rPr lang="en-US" noProof="0" smtClean="0"/>
               <a:pPr/>
-              <a:t>40</a:t>
+              <a:t>44</a:t>
             </a:fld>
             <a:endParaRPr lang="en-US" noProof="0" dirty="0"/>
           </a:p>
@@ -34439,7 +36453,7 @@
 </p:sld>
 </file>
 
-<file path=ppt/slides/slide41.xml><?xml version="1.0" encoding="utf-8"?>
+<file path=ppt/slides/slide45.xml><?xml version="1.0" encoding="utf-8"?>
 <p:sld xmlns:a="http://schemas.openxmlformats.org/drawingml/2006/main" xmlns:r="http://schemas.openxmlformats.org/officeDocument/2006/relationships" xmlns:p="http://schemas.openxmlformats.org/presentationml/2006/main">
   <p:cSld>
     <p:spTree>
@@ -34480,7 +36494,7 @@
             <a:fld id="{2BF067CD-8E6B-4360-9AA8-C5DF2A48A6D1}" type="slidenum">
               <a:rPr lang="en-US" noProof="0" smtClean="0"/>
               <a:pPr/>
-              <a:t>41</a:t>
+              <a:t>45</a:t>
             </a:fld>
             <a:endParaRPr lang="en-US" noProof="0" dirty="0"/>
           </a:p>
@@ -34941,7 +36955,7 @@
 </p:sld>
 </file>
 
-<file path=ppt/slides/slide42.xml><?xml version="1.0" encoding="utf-8"?>
+<file path=ppt/slides/slide46.xml><?xml version="1.0" encoding="utf-8"?>
 <p:sld xmlns:a="http://schemas.openxmlformats.org/drawingml/2006/main" xmlns:r="http://schemas.openxmlformats.org/officeDocument/2006/relationships" xmlns:p="http://schemas.openxmlformats.org/presentationml/2006/main">
   <p:cSld>
     <p:spTree>
@@ -34982,7 +36996,7 @@
             <a:fld id="{2BF067CD-8E6B-4360-9AA8-C5DF2A48A6D1}" type="slidenum">
               <a:rPr lang="en-US" noProof="0" smtClean="0"/>
               <a:pPr/>
-              <a:t>42</a:t>
+              <a:t>46</a:t>
             </a:fld>
             <a:endParaRPr lang="en-US" noProof="0" dirty="0"/>
           </a:p>
@@ -35368,7 +37382,7 @@
 </p:sld>
 </file>
 
-<file path=ppt/slides/slide43.xml><?xml version="1.0" encoding="utf-8"?>
+<file path=ppt/slides/slide47.xml><?xml version="1.0" encoding="utf-8"?>
 <p:sld xmlns:a="http://schemas.openxmlformats.org/drawingml/2006/main" xmlns:r="http://schemas.openxmlformats.org/officeDocument/2006/relationships" xmlns:p="http://schemas.openxmlformats.org/presentationml/2006/main">
   <p:cSld>
     <p:spTree>
@@ -35409,7 +37423,7 @@
             <a:fld id="{2BF067CD-8E6B-4360-9AA8-C5DF2A48A6D1}" type="slidenum">
               <a:rPr lang="en-US" noProof="0" smtClean="0"/>
               <a:pPr/>
-              <a:t>43</a:t>
+              <a:t>47</a:t>
             </a:fld>
             <a:endParaRPr lang="en-US" noProof="0" dirty="0"/>
           </a:p>
@@ -36043,7 +38057,7 @@
 </p:sld>
 </file>
 
-<file path=ppt/slides/slide44.xml><?xml version="1.0" encoding="utf-8"?>
+<file path=ppt/slides/slide48.xml><?xml version="1.0" encoding="utf-8"?>
 <p:sld xmlns:a="http://schemas.openxmlformats.org/drawingml/2006/main" xmlns:r="http://schemas.openxmlformats.org/officeDocument/2006/relationships" xmlns:p="http://schemas.openxmlformats.org/presentationml/2006/main">
   <p:cSld>
     <p:spTree>
@@ -36084,7 +38098,7 @@
             <a:fld id="{2BF067CD-8E6B-4360-9AA8-C5DF2A48A6D1}" type="slidenum">
               <a:rPr lang="en-US" noProof="0" smtClean="0"/>
               <a:pPr/>
-              <a:t>44</a:t>
+              <a:t>48</a:t>
             </a:fld>
             <a:endParaRPr lang="en-US" noProof="0" dirty="0"/>
           </a:p>
@@ -36365,7 +38379,7 @@
 </p:sld>
 </file>
 
-<file path=ppt/slides/slide45.xml><?xml version="1.0" encoding="utf-8"?>
+<file path=ppt/slides/slide49.xml><?xml version="1.0" encoding="utf-8"?>
 <p:sld xmlns:a="http://schemas.openxmlformats.org/drawingml/2006/main" xmlns:r="http://schemas.openxmlformats.org/officeDocument/2006/relationships" xmlns:p="http://schemas.openxmlformats.org/presentationml/2006/main">
   <p:cSld>
     <p:spTree>
@@ -36406,7 +38420,7 @@
             <a:fld id="{2BF067CD-8E6B-4360-9AA8-C5DF2A48A6D1}" type="slidenum">
               <a:rPr lang="en-US" noProof="0" smtClean="0"/>
               <a:pPr/>
-              <a:t>45</a:t>
+              <a:t>49</a:t>
             </a:fld>
             <a:endParaRPr lang="en-US" noProof="0" dirty="0"/>
           </a:p>
@@ -36855,1962 +38869,6 @@
 </p:sld>
 </file>
 
-<file path=ppt/slides/slide46.xml><?xml version="1.0" encoding="utf-8"?>
-<p:sld xmlns:a="http://schemas.openxmlformats.org/drawingml/2006/main" xmlns:r="http://schemas.openxmlformats.org/officeDocument/2006/relationships" xmlns:p="http://schemas.openxmlformats.org/presentationml/2006/main">
-  <p:cSld>
-    <p:spTree>
-      <p:nvGrpSpPr>
-        <p:cNvPr id="1" name=""/>
-        <p:cNvGrpSpPr/>
-        <p:nvPr/>
-      </p:nvGrpSpPr>
-      <p:grpSpPr>
-        <a:xfrm>
-          <a:off x="0" y="0"/>
-          <a:ext cx="0" cy="0"/>
-          <a:chOff x="0" y="0"/>
-          <a:chExt cx="0" cy="0"/>
-        </a:xfrm>
-      </p:grpSpPr>
-      <p:sp>
-        <p:nvSpPr>
-          <p:cNvPr id="2" name="Slide Number Placeholder 1">
-            <a:extLst>
-              <a:ext uri="{FF2B5EF4-FFF2-40B4-BE49-F238E27FC236}">
-                <a16:creationId xmlns:a16="http://schemas.microsoft.com/office/drawing/2014/main" id="{F3AF87FF-1318-696E-CC00-2C2B6621789F}"/>
-              </a:ext>
-            </a:extLst>
-          </p:cNvPr>
-          <p:cNvSpPr>
-            <a:spLocks noGrp="1"/>
-          </p:cNvSpPr>
-          <p:nvPr>
-            <p:ph type="sldNum" sz="quarter" idx="5"/>
-          </p:nvPr>
-        </p:nvSpPr>
-        <p:spPr/>
-        <p:txBody>
-          <a:bodyPr/>
-          <a:lstStyle/>
-          <a:p>
-            <a:fld id="{2BF067CD-8E6B-4360-9AA8-C5DF2A48A6D1}" type="slidenum">
-              <a:rPr lang="en-US" noProof="0" smtClean="0"/>
-              <a:pPr/>
-              <a:t>46</a:t>
-            </a:fld>
-            <a:endParaRPr lang="en-US" noProof="0" dirty="0"/>
-          </a:p>
-        </p:txBody>
-      </p:sp>
-      <p:sp>
-        <p:nvSpPr>
-          <p:cNvPr id="4" name="Title 3">
-            <a:extLst>
-              <a:ext uri="{FF2B5EF4-FFF2-40B4-BE49-F238E27FC236}">
-                <a16:creationId xmlns:a16="http://schemas.microsoft.com/office/drawing/2014/main" id="{A68D83C9-FB5D-2A19-030C-321D25436A47}"/>
-              </a:ext>
-            </a:extLst>
-          </p:cNvPr>
-          <p:cNvSpPr>
-            <a:spLocks noGrp="1"/>
-          </p:cNvSpPr>
-          <p:nvPr>
-            <p:ph type="title"/>
-          </p:nvPr>
-        </p:nvSpPr>
-        <p:spPr/>
-        <p:txBody>
-          <a:bodyPr/>
-          <a:lstStyle/>
-          <a:p>
-            <a:r>
-              <a:rPr lang="bg-BG" dirty="0"/>
-              <a:t>Резултат</a:t>
-            </a:r>
-            <a:endParaRPr lang="en-BG" dirty="0"/>
-          </a:p>
-        </p:txBody>
-      </p:sp>
-      <p:pic>
-        <p:nvPicPr>
-          <p:cNvPr id="7" name="Picture 6">
-            <a:extLst>
-              <a:ext uri="{FF2B5EF4-FFF2-40B4-BE49-F238E27FC236}">
-                <a16:creationId xmlns:a16="http://schemas.microsoft.com/office/drawing/2014/main" id="{7C28F648-33BB-3A65-53FB-68DCE44706DB}"/>
-              </a:ext>
-            </a:extLst>
-          </p:cNvPr>
-          <p:cNvPicPr>
-            <a:picLocks noChangeAspect="1"/>
-          </p:cNvPicPr>
-          <p:nvPr/>
-        </p:nvPicPr>
-        <p:blipFill>
-          <a:blip r:embed="rId2">
-            <a:extLst>
-              <a:ext uri="{28A0092B-C50C-407E-A947-70E740481C1C}">
-                <a14:useLocalDpi xmlns:a14="http://schemas.microsoft.com/office/drawing/2010/main" val="0"/>
-              </a:ext>
-            </a:extLst>
-          </a:blip>
-          <a:stretch>
-            <a:fillRect/>
-          </a:stretch>
-        </p:blipFill>
-        <p:spPr>
-          <a:xfrm>
-            <a:off x="1985784" y="1359000"/>
-            <a:ext cx="8220432" cy="4968000"/>
-          </a:xfrm>
-          <a:prstGeom prst="rect">
-            <a:avLst/>
-          </a:prstGeom>
-          <a:ln>
-            <a:noFill/>
-          </a:ln>
-          <a:effectLst>
-            <a:outerShdw blurRad="190500" algn="tl" rotWithShape="0">
-              <a:srgbClr val="000000">
-                <a:alpha val="70000"/>
-              </a:srgbClr>
-            </a:outerShdw>
-          </a:effectLst>
-        </p:spPr>
-      </p:pic>
-    </p:spTree>
-    <p:extLst>
-      <p:ext uri="{BB962C8B-B14F-4D97-AF65-F5344CB8AC3E}">
-        <p14:creationId xmlns:p14="http://schemas.microsoft.com/office/powerpoint/2010/main" val="974075060"/>
-      </p:ext>
-    </p:extLst>
-  </p:cSld>
-  <p:clrMapOvr>
-    <a:masterClrMapping/>
-  </p:clrMapOvr>
-  <mc:AlternateContent xmlns:mc="http://schemas.openxmlformats.org/markup-compatibility/2006" xmlns:p14="http://schemas.microsoft.com/office/powerpoint/2010/main">
-    <mc:Choice Requires="p14">
-      <p:transition spd="slow" p14:dur="2000" advClick="0" advTm="5000"/>
-    </mc:Choice>
-    <mc:Fallback xmlns="">
-      <p:transition spd="slow" advClick="0" advTm="5000"/>
-    </mc:Fallback>
-  </mc:AlternateContent>
-  <p:timing>
-    <p:tnLst>
-      <p:par>
-        <p:cTn id="1" dur="indefinite" restart="never" nodeType="tmRoot">
-          <p:childTnLst>
-            <p:seq concurrent="1" nextAc="seek">
-              <p:cTn id="2" dur="indefinite" nodeType="mainSeq">
-                <p:childTnLst>
-                  <p:par>
-                    <p:cTn id="3" fill="hold">
-                      <p:stCondLst>
-                        <p:cond delay="indefinite"/>
-                        <p:cond evt="onBegin" delay="0">
-                          <p:tn val="2"/>
-                        </p:cond>
-                      </p:stCondLst>
-                      <p:childTnLst>
-                        <p:par>
-                          <p:cTn id="4" fill="hold">
-                            <p:stCondLst>
-                              <p:cond delay="0"/>
-                            </p:stCondLst>
-                            <p:childTnLst>
-                              <p:par>
-                                <p:cTn id="5" presetID="1" presetClass="entr" presetSubtype="0" fill="hold" nodeType="withEffect">
-                                  <p:stCondLst>
-                                    <p:cond delay="0"/>
-                                  </p:stCondLst>
-                                  <p:childTnLst>
-                                    <p:set>
-                                      <p:cBhvr>
-                                        <p:cTn id="6" dur="1" fill="hold">
-                                          <p:stCondLst>
-                                            <p:cond delay="0"/>
-                                          </p:stCondLst>
-                                        </p:cTn>
-                                        <p:tgtEl>
-                                          <p:spTgt spid="7"/>
-                                        </p:tgtEl>
-                                        <p:attrNameLst>
-                                          <p:attrName>style.visibility</p:attrName>
-                                        </p:attrNameLst>
-                                      </p:cBhvr>
-                                      <p:to>
-                                        <p:strVal val="visible"/>
-                                      </p:to>
-                                    </p:set>
-                                  </p:childTnLst>
-                                </p:cTn>
-                              </p:par>
-                            </p:childTnLst>
-                          </p:cTn>
-                        </p:par>
-                      </p:childTnLst>
-                    </p:cTn>
-                  </p:par>
-                </p:childTnLst>
-              </p:cTn>
-              <p:prevCondLst>
-                <p:cond evt="onPrev" delay="0">
-                  <p:tgtEl>
-                    <p:sldTgt/>
-                  </p:tgtEl>
-                </p:cond>
-              </p:prevCondLst>
-              <p:nextCondLst>
-                <p:cond evt="onNext" delay="0">
-                  <p:tgtEl>
-                    <p:sldTgt/>
-                  </p:tgtEl>
-                </p:cond>
-              </p:nextCondLst>
-            </p:seq>
-          </p:childTnLst>
-        </p:cTn>
-      </p:par>
-    </p:tnLst>
-  </p:timing>
-</p:sld>
-</file>
-
-<file path=ppt/slides/slide47.xml><?xml version="1.0" encoding="utf-8"?>
-<p:sld xmlns:a="http://schemas.openxmlformats.org/drawingml/2006/main" xmlns:r="http://schemas.openxmlformats.org/officeDocument/2006/relationships" xmlns:p="http://schemas.openxmlformats.org/presentationml/2006/main">
-  <p:cSld>
-    <p:spTree>
-      <p:nvGrpSpPr>
-        <p:cNvPr id="1" name=""/>
-        <p:cNvGrpSpPr/>
-        <p:nvPr/>
-      </p:nvGrpSpPr>
-      <p:grpSpPr>
-        <a:xfrm>
-          <a:off x="0" y="0"/>
-          <a:ext cx="0" cy="0"/>
-          <a:chOff x="0" y="0"/>
-          <a:chExt cx="0" cy="0"/>
-        </a:xfrm>
-      </p:grpSpPr>
-      <p:grpSp>
-        <p:nvGrpSpPr>
-          <p:cNvPr id="3" name="Summary Box Group">
-            <a:extLst>
-              <a:ext uri="{FF2B5EF4-FFF2-40B4-BE49-F238E27FC236}">
-                <a16:creationId xmlns:a16="http://schemas.microsoft.com/office/drawing/2014/main" id="{EBAFE522-EB7D-4931-A015-9A7E8A98517D}"/>
-              </a:ext>
-            </a:extLst>
-          </p:cNvPr>
-          <p:cNvGrpSpPr/>
-          <p:nvPr/>
-        </p:nvGrpSpPr>
-        <p:grpSpPr>
-          <a:xfrm>
-            <a:off x="192628" y="1362922"/>
-            <a:ext cx="11560402" cy="5394328"/>
-            <a:chOff x="472011" y="1508786"/>
-            <a:chExt cx="3799787" cy="4865561"/>
-          </a:xfrm>
-        </p:grpSpPr>
-        <p:sp>
-          <p:nvSpPr>
-            <p:cNvPr id="10" name="Rounded Rectangle Blue">
-              <a:extLst>
-                <a:ext uri="{FF2B5EF4-FFF2-40B4-BE49-F238E27FC236}">
-                  <a16:creationId xmlns:a16="http://schemas.microsoft.com/office/drawing/2014/main" id="{18F78F23-3D09-4B63-8DF9-D49CFBB145EE}"/>
-                </a:ext>
-              </a:extLst>
-            </p:cNvPr>
-            <p:cNvSpPr/>
-            <p:nvPr/>
-          </p:nvSpPr>
-          <p:spPr>
-            <a:xfrm>
-              <a:off x="472011" y="1508786"/>
-              <a:ext cx="3799787" cy="4865561"/>
-            </a:xfrm>
-            <a:prstGeom prst="roundRect">
-              <a:avLst>
-                <a:gd name="adj" fmla="val 3968"/>
-              </a:avLst>
-            </a:prstGeom>
-            <a:solidFill>
-              <a:schemeClr val="tx2"/>
-            </a:solidFill>
-            <a:ln>
-              <a:noFill/>
-            </a:ln>
-          </p:spPr>
-          <p:style>
-            <a:lnRef idx="2">
-              <a:schemeClr val="accent1">
-                <a:shade val="50000"/>
-              </a:schemeClr>
-            </a:lnRef>
-            <a:fillRef idx="1">
-              <a:schemeClr val="accent1"/>
-            </a:fillRef>
-            <a:effectRef idx="0">
-              <a:schemeClr val="accent1"/>
-            </a:effectRef>
-            <a:fontRef idx="minor">
-              <a:schemeClr val="lt1"/>
-            </a:fontRef>
-          </p:style>
-          <p:txBody>
-            <a:bodyPr rtlCol="0" anchor="ctr"/>
-            <a:lstStyle/>
-            <a:p>
-              <a:pPr algn="ctr"/>
-              <a:endParaRPr lang="ko-KR" altLang="en-US" sz="2400" dirty="0"/>
-            </a:p>
-          </p:txBody>
-        </p:sp>
-        <p:sp>
-          <p:nvSpPr>
-            <p:cNvPr id="11" name="Rounded Rectangle Left">
-              <a:extLst>
-                <a:ext uri="{FF2B5EF4-FFF2-40B4-BE49-F238E27FC236}">
-                  <a16:creationId xmlns:a16="http://schemas.microsoft.com/office/drawing/2014/main" id="{F12C06CE-2BBE-46C2-B718-813794C58DF9}"/>
-                </a:ext>
-              </a:extLst>
-            </p:cNvPr>
-            <p:cNvSpPr/>
-            <p:nvPr/>
-          </p:nvSpPr>
-          <p:spPr>
-            <a:xfrm>
-              <a:off x="546866" y="1696737"/>
-              <a:ext cx="81601" cy="4489658"/>
-            </a:xfrm>
-            <a:prstGeom prst="roundRect">
-              <a:avLst>
-                <a:gd name="adj" fmla="val 50000"/>
-              </a:avLst>
-            </a:prstGeom>
-            <a:solidFill>
-              <a:schemeClr val="bg2">
-                <a:alpha val="41000"/>
-              </a:schemeClr>
-            </a:solidFill>
-            <a:ln>
-              <a:noFill/>
-            </a:ln>
-          </p:spPr>
-          <p:style>
-            <a:lnRef idx="2">
-              <a:schemeClr val="accent1">
-                <a:shade val="50000"/>
-              </a:schemeClr>
-            </a:lnRef>
-            <a:fillRef idx="1">
-              <a:schemeClr val="accent1"/>
-            </a:fillRef>
-            <a:effectRef idx="0">
-              <a:schemeClr val="accent1"/>
-            </a:effectRef>
-            <a:fontRef idx="minor">
-              <a:schemeClr val="lt1"/>
-            </a:fontRef>
-          </p:style>
-          <p:txBody>
-            <a:bodyPr rtlCol="0" anchor="ctr"/>
-            <a:lstStyle/>
-            <a:p>
-              <a:pPr algn="ctr"/>
-              <a:endParaRPr lang="ko-KR" altLang="en-US" sz="2400" dirty="0">
-                <a:solidFill>
-                  <a:schemeClr val="bg1"/>
-                </a:solidFill>
-              </a:endParaRPr>
-            </a:p>
-          </p:txBody>
-        </p:sp>
-        <p:sp>
-          <p:nvSpPr>
-            <p:cNvPr id="12" name="Half Frame Top Right">
-              <a:extLst>
-                <a:ext uri="{FF2B5EF4-FFF2-40B4-BE49-F238E27FC236}">
-                  <a16:creationId xmlns:a16="http://schemas.microsoft.com/office/drawing/2014/main" id="{66CDBB1E-AF3C-43FC-9F34-2DD691F81726}"/>
-                </a:ext>
-              </a:extLst>
-            </p:cNvPr>
-            <p:cNvSpPr/>
-            <p:nvPr/>
-          </p:nvSpPr>
-          <p:spPr>
-            <a:xfrm rot="5400000">
-              <a:off x="3742559" y="1912372"/>
-              <a:ext cx="669775" cy="238503"/>
-            </a:xfrm>
-            <a:prstGeom prst="halfFrame">
-              <a:avLst>
-                <a:gd name="adj1" fmla="val 23728"/>
-                <a:gd name="adj2" fmla="val 24642"/>
-              </a:avLst>
-            </a:prstGeom>
-            <a:solidFill>
-              <a:schemeClr val="bg2">
-                <a:alpha val="23000"/>
-              </a:schemeClr>
-            </a:solidFill>
-            <a:ln>
-              <a:noFill/>
-            </a:ln>
-          </p:spPr>
-          <p:style>
-            <a:lnRef idx="2">
-              <a:schemeClr val="accent1">
-                <a:shade val="50000"/>
-              </a:schemeClr>
-            </a:lnRef>
-            <a:fillRef idx="1">
-              <a:schemeClr val="accent1"/>
-            </a:fillRef>
-            <a:effectRef idx="0">
-              <a:schemeClr val="accent1"/>
-            </a:effectRef>
-            <a:fontRef idx="minor">
-              <a:schemeClr val="lt1"/>
-            </a:fontRef>
-          </p:style>
-          <p:txBody>
-            <a:bodyPr rtlCol="0" anchor="ctr"/>
-            <a:lstStyle/>
-            <a:p>
-              <a:pPr algn="ctr"/>
-              <a:endParaRPr lang="ko-KR" altLang="en-US" sz="2400" dirty="0">
-                <a:solidFill>
-                  <a:schemeClr val="tx1"/>
-                </a:solidFill>
-              </a:endParaRPr>
-            </a:p>
-          </p:txBody>
-        </p:sp>
-      </p:grpSp>
-      <p:sp>
-        <p:nvSpPr>
-          <p:cNvPr id="14" name="Text Placeholder Body">
-            <a:extLst>
-              <a:ext uri="{FF2B5EF4-FFF2-40B4-BE49-F238E27FC236}">
-                <a16:creationId xmlns:a16="http://schemas.microsoft.com/office/drawing/2014/main" id="{0E49D336-45B6-44D3-97C4-E28F8DEA2022}"/>
-              </a:ext>
-            </a:extLst>
-          </p:cNvPr>
-          <p:cNvSpPr>
-            <a:spLocks noGrp="1"/>
-          </p:cNvSpPr>
-          <p:nvPr>
-            <p:ph type="body" sz="quarter" idx="10"/>
-          </p:nvPr>
-        </p:nvSpPr>
-        <p:spPr>
-          <a:xfrm>
-            <a:off x="697877" y="1529427"/>
-            <a:ext cx="10826670" cy="4977573"/>
-          </a:xfrm>
-        </p:spPr>
-        <p:txBody>
-          <a:bodyPr>
-            <a:noAutofit/>
-          </a:bodyPr>
-          <a:lstStyle>
-            <a:lvl1pPr marL="514350" indent="-514350">
-              <a:buFont typeface="Wingdings" panose="05000000000000000000" pitchFamily="2" charset="2"/>
-              <a:buChar char="§"/>
-              <a:defRPr>
-                <a:solidFill>
-                  <a:schemeClr val="bg2"/>
-                </a:solidFill>
-              </a:defRPr>
-            </a:lvl1pPr>
-            <a:lvl2pPr marL="1123935" indent="-514350">
-              <a:buFont typeface="Wingdings" panose="05000000000000000000" pitchFamily="2" charset="2"/>
-              <a:buChar char="§"/>
-              <a:defRPr>
-                <a:solidFill>
-                  <a:schemeClr val="tx1"/>
-                </a:solidFill>
-              </a:defRPr>
-            </a:lvl2pPr>
-            <a:lvl3pPr marL="1733520" indent="-514350">
-              <a:buFont typeface="Wingdings" panose="05000000000000000000" pitchFamily="2" charset="2"/>
-              <a:buChar char="§"/>
-              <a:defRPr>
-                <a:solidFill>
-                  <a:schemeClr val="tx1"/>
-                </a:solidFill>
-              </a:defRPr>
-            </a:lvl3pPr>
-            <a:lvl4pPr marL="2343105" indent="-514350">
-              <a:buFont typeface="Wingdings" panose="05000000000000000000" pitchFamily="2" charset="2"/>
-              <a:buChar char="§"/>
-              <a:defRPr>
-                <a:solidFill>
-                  <a:schemeClr val="tx1"/>
-                </a:solidFill>
-              </a:defRPr>
-            </a:lvl4pPr>
-            <a:lvl5pPr marL="2952689" indent="-514350">
-              <a:buFont typeface="Wingdings" panose="05000000000000000000" pitchFamily="2" charset="2"/>
-              <a:buChar char="§"/>
-              <a:defRPr>
-                <a:solidFill>
-                  <a:schemeClr val="tx1"/>
-                </a:solidFill>
-              </a:defRPr>
-            </a:lvl5pPr>
-          </a:lstStyle>
-          <a:p>
-            <a:pPr marL="360363" indent="-360363" fontAlgn="base">
-              <a:buClr>
-                <a:schemeClr val="bg2"/>
-              </a:buClr>
-            </a:pPr>
-            <a:r>
-              <a:rPr lang="en-US" sz="2800" b="1" dirty="0">
-                <a:solidFill>
-                  <a:schemeClr val="accent1">
-                    <a:lumMod val="60000"/>
-                    <a:lumOff val="40000"/>
-                  </a:schemeClr>
-                </a:solidFill>
-              </a:rPr>
-              <a:t>ORM</a:t>
-            </a:r>
-            <a:r>
-              <a:rPr lang="bg-BG" sz="2800" dirty="0">
-                <a:solidFill>
-                  <a:schemeClr val="bg2"/>
-                </a:solidFill>
-              </a:rPr>
-              <a:t> (</a:t>
-            </a:r>
-            <a:r>
-              <a:rPr lang="en-US" sz="2800" dirty="0"/>
-              <a:t>Object-Relational Mapping</a:t>
-            </a:r>
-            <a:r>
-              <a:rPr lang="en-US" sz="2800" dirty="0">
-                <a:solidFill>
-                  <a:schemeClr val="bg2"/>
-                </a:solidFill>
-              </a:rPr>
-              <a:t>)</a:t>
-            </a:r>
-            <a:r>
-              <a:rPr lang="bg-BG" sz="2800" dirty="0">
-                <a:solidFill>
-                  <a:schemeClr val="bg2"/>
-                </a:solidFill>
-              </a:rPr>
-              <a:t> </a:t>
-            </a:r>
-            <a:r>
-              <a:rPr lang="bg-BG" sz="2800" b="1" dirty="0">
-                <a:solidFill>
-                  <a:schemeClr val="bg2"/>
-                </a:solidFill>
-              </a:rPr>
-              <a:t>==</a:t>
-            </a:r>
-            <a:r>
-              <a:rPr lang="bg-BG" sz="2800" dirty="0">
-                <a:solidFill>
-                  <a:schemeClr val="bg2"/>
-                </a:solidFill>
-              </a:rPr>
-              <a:t> технология, позволяваща работа с данни от бази данни като </a:t>
-            </a:r>
-            <a:r>
-              <a:rPr lang="bg-BG" sz="2800" b="1" dirty="0">
-                <a:solidFill>
-                  <a:schemeClr val="accent1">
-                    <a:lumMod val="60000"/>
-                    <a:lumOff val="40000"/>
-                  </a:schemeClr>
-                </a:solidFill>
-              </a:rPr>
-              <a:t>обекти</a:t>
-            </a:r>
-            <a:endParaRPr lang="en-US" sz="2800" b="1" dirty="0">
-              <a:solidFill>
-                <a:schemeClr val="accent1">
-                  <a:lumMod val="60000"/>
-                  <a:lumOff val="40000"/>
-                </a:schemeClr>
-              </a:solidFill>
-            </a:endParaRPr>
-          </a:p>
-          <a:p>
-            <a:pPr marL="360363" indent="-360363" fontAlgn="base">
-              <a:buClr>
-                <a:schemeClr val="bg2"/>
-              </a:buClr>
-            </a:pPr>
-            <a:r>
-              <a:rPr lang="bg-BG" sz="2800" b="1" dirty="0"/>
-              <a:t>Подходи</a:t>
-            </a:r>
-            <a:r>
-              <a:rPr lang="bg-BG" sz="2800" dirty="0"/>
-              <a:t> за работа с </a:t>
-            </a:r>
-            <a:r>
-              <a:rPr lang="en-US" sz="2800" dirty="0"/>
-              <a:t>ORM</a:t>
-            </a:r>
-            <a:endParaRPr lang="bg-BG" sz="2800" dirty="0"/>
-          </a:p>
-          <a:p>
-            <a:pPr marL="969948" lvl="1" indent="-360363" fontAlgn="base">
-              <a:buClr>
-                <a:schemeClr val="bg2"/>
-              </a:buClr>
-            </a:pPr>
-            <a:r>
-              <a:rPr lang="en-US" sz="2600" b="1" dirty="0">
-                <a:solidFill>
-                  <a:schemeClr val="accent1">
-                    <a:lumMod val="60000"/>
-                    <a:lumOff val="40000"/>
-                  </a:schemeClr>
-                </a:solidFill>
-              </a:rPr>
-              <a:t>Code First </a:t>
-            </a:r>
-            <a:r>
-              <a:rPr lang="en-US" sz="2600" dirty="0">
-                <a:solidFill>
-                  <a:schemeClr val="bg2"/>
-                </a:solidFill>
-              </a:rPr>
-              <a:t>- </a:t>
-            </a:r>
-            <a:r>
-              <a:rPr lang="bg-BG" sz="2600" dirty="0">
-                <a:solidFill>
-                  <a:schemeClr val="bg2"/>
-                </a:solidFill>
-              </a:rPr>
-              <a:t>първо се създават </a:t>
-            </a:r>
-            <a:r>
-              <a:rPr lang="bg-BG" sz="2600" b="1" dirty="0">
-                <a:solidFill>
-                  <a:schemeClr val="bg2"/>
-                </a:solidFill>
-              </a:rPr>
-              <a:t>класове</a:t>
-            </a:r>
-            <a:r>
-              <a:rPr lang="bg-BG" sz="2600" dirty="0">
-                <a:solidFill>
-                  <a:schemeClr val="bg2"/>
-                </a:solidFill>
-              </a:rPr>
-              <a:t> и след това </a:t>
-            </a:r>
-            <a:r>
-              <a:rPr lang="bg-BG" sz="2600" b="1" dirty="0">
-                <a:solidFill>
-                  <a:schemeClr val="bg2"/>
-                </a:solidFill>
-              </a:rPr>
-              <a:t>база данни</a:t>
-            </a:r>
-            <a:endParaRPr lang="en-US" sz="2600" b="1" dirty="0">
-              <a:solidFill>
-                <a:schemeClr val="bg2"/>
-              </a:solidFill>
-            </a:endParaRPr>
-          </a:p>
-          <a:p>
-            <a:pPr marL="969948" lvl="1" indent="-360363" fontAlgn="base">
-              <a:buClr>
-                <a:schemeClr val="bg2"/>
-              </a:buClr>
-            </a:pPr>
-            <a:r>
-              <a:rPr lang="en-US" sz="2600" b="1" dirty="0">
-                <a:solidFill>
-                  <a:schemeClr val="accent1">
-                    <a:lumMod val="60000"/>
-                    <a:lumOff val="40000"/>
-                  </a:schemeClr>
-                </a:solidFill>
-              </a:rPr>
-              <a:t>Database First</a:t>
-            </a:r>
-            <a:r>
-              <a:rPr lang="bg-BG" sz="2600" b="1" dirty="0">
-                <a:solidFill>
-                  <a:schemeClr val="accent1">
-                    <a:lumMod val="60000"/>
-                    <a:lumOff val="40000"/>
-                  </a:schemeClr>
-                </a:solidFill>
-              </a:rPr>
-              <a:t> </a:t>
-            </a:r>
-            <a:r>
-              <a:rPr lang="bg-BG" sz="2600" dirty="0">
-                <a:solidFill>
-                  <a:schemeClr val="bg2"/>
-                </a:solidFill>
-              </a:rPr>
-              <a:t>- първо се създава </a:t>
-            </a:r>
-            <a:r>
-              <a:rPr lang="bg-BG" sz="2600" b="1" dirty="0">
-                <a:solidFill>
-                  <a:schemeClr val="bg2"/>
-                </a:solidFill>
-              </a:rPr>
-              <a:t>база данни </a:t>
-            </a:r>
-            <a:r>
-              <a:rPr lang="bg-BG" sz="2600" dirty="0">
-                <a:solidFill>
-                  <a:schemeClr val="bg2"/>
-                </a:solidFill>
-              </a:rPr>
-              <a:t>и след </a:t>
-            </a:r>
-            <a:r>
-              <a:rPr lang="bg-BG" sz="2600" b="1" dirty="0">
-                <a:solidFill>
-                  <a:schemeClr val="bg2"/>
-                </a:solidFill>
-              </a:rPr>
-              <a:t>това класове</a:t>
-            </a:r>
-            <a:endParaRPr lang="en-US" sz="2600" b="1" dirty="0">
-              <a:solidFill>
-                <a:schemeClr val="bg2"/>
-              </a:solidFill>
-            </a:endParaRPr>
-          </a:p>
-          <a:p>
-            <a:pPr marL="360363" indent="-360363" fontAlgn="base">
-              <a:buClr>
-                <a:schemeClr val="bg2"/>
-              </a:buClr>
-            </a:pPr>
-            <a:r>
-              <a:rPr lang="en-US" sz="2800" b="1" dirty="0">
-                <a:solidFill>
-                  <a:schemeClr val="accent1">
-                    <a:lumMod val="60000"/>
-                    <a:lumOff val="40000"/>
-                  </a:schemeClr>
-                </a:solidFill>
-              </a:rPr>
-              <a:t>Entity Framework </a:t>
-            </a:r>
-            <a:r>
-              <a:rPr lang="bg-BG" sz="2800" dirty="0">
-                <a:solidFill>
-                  <a:schemeClr val="accent1">
-                    <a:lumMod val="60000"/>
-                    <a:lumOff val="40000"/>
-                  </a:schemeClr>
-                </a:solidFill>
-              </a:rPr>
-              <a:t> </a:t>
-            </a:r>
-            <a:r>
-              <a:rPr lang="bg-BG" sz="2800" b="1" dirty="0"/>
-              <a:t>==</a:t>
-            </a:r>
-            <a:r>
-              <a:rPr lang="bg-BG" sz="2800" dirty="0">
-                <a:solidFill>
-                  <a:schemeClr val="accent1">
-                    <a:lumMod val="60000"/>
-                    <a:lumOff val="40000"/>
-                  </a:schemeClr>
-                </a:solidFill>
-              </a:rPr>
-              <a:t> </a:t>
-            </a:r>
-            <a:r>
-              <a:rPr lang="bg-BG" sz="2800" dirty="0"/>
-              <a:t>о</a:t>
-            </a:r>
-            <a:r>
-              <a:rPr lang="bg-BG" sz="2800" dirty="0">
-                <a:solidFill>
-                  <a:schemeClr val="bg2"/>
-                </a:solidFill>
-              </a:rPr>
-              <a:t>сигурява</a:t>
-            </a:r>
-            <a:r>
-              <a:rPr lang="bg-BG" sz="2800" dirty="0">
-                <a:solidFill>
-                  <a:schemeClr val="accent1"/>
-                </a:solidFill>
-              </a:rPr>
-              <a:t> </a:t>
-            </a:r>
-            <a:r>
-              <a:rPr lang="bg-BG" sz="2800" b="1" dirty="0">
-                <a:solidFill>
-                  <a:schemeClr val="accent1">
-                    <a:lumMod val="60000"/>
-                    <a:lumOff val="40000"/>
-                  </a:schemeClr>
-                </a:solidFill>
-              </a:rPr>
-              <a:t>L</a:t>
-            </a:r>
-            <a:r>
-              <a:rPr lang="en-US" sz="2800" b="1" dirty="0">
-                <a:solidFill>
-                  <a:schemeClr val="accent1">
-                    <a:lumMod val="60000"/>
-                    <a:lumOff val="40000"/>
-                  </a:schemeClr>
-                </a:solidFill>
-              </a:rPr>
-              <a:t>INQ </a:t>
-            </a:r>
-            <a:r>
-              <a:rPr lang="bg-BG" sz="2800" dirty="0">
-                <a:solidFill>
-                  <a:schemeClr val="bg2"/>
-                </a:solidFill>
-              </a:rPr>
-              <a:t>заявки, </a:t>
-            </a:r>
-            <a:r>
-              <a:rPr lang="en-US" sz="2800" b="1" dirty="0">
-                <a:solidFill>
-                  <a:schemeClr val="accent1">
-                    <a:lumMod val="60000"/>
-                    <a:lumOff val="40000"/>
-                  </a:schemeClr>
-                </a:solidFill>
-              </a:rPr>
-              <a:t>CRUD</a:t>
-            </a:r>
-            <a:r>
-              <a:rPr lang="en-US" sz="2800" dirty="0">
-                <a:solidFill>
-                  <a:schemeClr val="bg2"/>
-                </a:solidFill>
-              </a:rPr>
-              <a:t> </a:t>
-            </a:r>
-            <a:r>
-              <a:rPr lang="bg-BG" sz="2800" dirty="0">
-                <a:solidFill>
-                  <a:schemeClr val="bg2"/>
-                </a:solidFill>
-              </a:rPr>
-              <a:t>операции, автоматично </a:t>
-            </a:r>
-            <a:r>
-              <a:rPr lang="bg-BG" sz="2800" b="1" dirty="0">
-                <a:solidFill>
-                  <a:schemeClr val="accent1">
-                    <a:lumMod val="60000"/>
-                    <a:lumOff val="40000"/>
-                  </a:schemeClr>
-                </a:solidFill>
-              </a:rPr>
-              <a:t>проследяване на промени</a:t>
-            </a:r>
-            <a:endParaRPr lang="en-US" sz="2800" b="1" dirty="0">
-              <a:solidFill>
-                <a:schemeClr val="accent1">
-                  <a:lumMod val="60000"/>
-                  <a:lumOff val="40000"/>
-                </a:schemeClr>
-              </a:solidFill>
-            </a:endParaRPr>
-          </a:p>
-          <a:p>
-            <a:pPr marL="360363" indent="-360363" fontAlgn="base">
-              <a:buClr>
-                <a:schemeClr val="bg2"/>
-              </a:buClr>
-            </a:pPr>
-            <a:r>
-              <a:rPr lang="en-US" sz="2800" b="1" dirty="0">
-                <a:solidFill>
-                  <a:schemeClr val="accent1">
-                    <a:lumMod val="60000"/>
-                    <a:lumOff val="40000"/>
-                  </a:schemeClr>
-                </a:solidFill>
-              </a:rPr>
-              <a:t>Connection string</a:t>
-            </a:r>
-            <a:r>
-              <a:rPr lang="bg-BG" sz="2800" b="1" dirty="0">
-                <a:solidFill>
-                  <a:schemeClr val="accent1">
-                    <a:lumMod val="60000"/>
-                    <a:lumOff val="40000"/>
-                  </a:schemeClr>
-                </a:solidFill>
-              </a:rPr>
-              <a:t> </a:t>
-            </a:r>
-            <a:r>
-              <a:rPr lang="bg-BG" sz="2800" b="1" dirty="0"/>
-              <a:t>==</a:t>
-            </a:r>
-            <a:r>
-              <a:rPr lang="bg-BG" sz="2800" b="1" dirty="0">
-                <a:solidFill>
-                  <a:schemeClr val="accent1">
-                    <a:lumMod val="60000"/>
-                    <a:lumOff val="40000"/>
-                  </a:schemeClr>
-                </a:solidFill>
-              </a:rPr>
-              <a:t> </a:t>
-            </a:r>
-            <a:r>
-              <a:rPr lang="bg-BG" sz="2800" b="1" dirty="0"/>
-              <a:t>и</a:t>
-            </a:r>
-            <a:r>
-              <a:rPr lang="bg-BG" sz="2800" b="1" dirty="0">
-                <a:solidFill>
-                  <a:schemeClr val="bg2"/>
-                </a:solidFill>
-              </a:rPr>
-              <a:t>нформация</a:t>
-            </a:r>
-            <a:r>
-              <a:rPr lang="bg-BG" sz="2800" dirty="0">
-                <a:solidFill>
-                  <a:schemeClr val="bg2"/>
-                </a:solidFill>
-              </a:rPr>
-              <a:t>, чрез която </a:t>
-            </a:r>
-            <a:r>
-              <a:rPr lang="bg-BG" sz="2800" b="1" dirty="0">
-                <a:solidFill>
-                  <a:schemeClr val="accent1">
-                    <a:lumMod val="60000"/>
-                    <a:lumOff val="40000"/>
-                  </a:schemeClr>
-                </a:solidFill>
-              </a:rPr>
-              <a:t>свързваме приложението </a:t>
-            </a:r>
-            <a:r>
-              <a:rPr lang="bg-BG" sz="2800" dirty="0">
-                <a:solidFill>
-                  <a:schemeClr val="accent1">
-                    <a:lumMod val="60000"/>
-                    <a:lumOff val="40000"/>
-                  </a:schemeClr>
-                </a:solidFill>
-              </a:rPr>
-              <a:t> </a:t>
-            </a:r>
-            <a:r>
-              <a:rPr lang="bg-BG" sz="2800" dirty="0">
-                <a:solidFill>
-                  <a:schemeClr val="bg2"/>
-                </a:solidFill>
-              </a:rPr>
-              <a:t>с </a:t>
-            </a:r>
-            <a:r>
-              <a:rPr lang="bg-BG" sz="2800" b="1" dirty="0">
-                <a:solidFill>
-                  <a:schemeClr val="bg2"/>
-                </a:solidFill>
-              </a:rPr>
-              <a:t>базата данни</a:t>
-            </a:r>
-            <a:endParaRPr lang="en-US" sz="2800" b="1" dirty="0">
-              <a:solidFill>
-                <a:schemeClr val="bg2"/>
-              </a:solidFill>
-            </a:endParaRPr>
-          </a:p>
-        </p:txBody>
-      </p:sp>
-      <p:sp>
-        <p:nvSpPr>
-          <p:cNvPr id="4" name="Slide Title"/>
-          <p:cNvSpPr>
-            <a:spLocks noGrp="1"/>
-          </p:cNvSpPr>
-          <p:nvPr>
-            <p:ph type="title"/>
-          </p:nvPr>
-        </p:nvSpPr>
-        <p:spPr/>
-        <p:txBody>
-          <a:bodyPr>
-            <a:normAutofit/>
-          </a:bodyPr>
-          <a:lstStyle/>
-          <a:p>
-            <a:r>
-              <a:rPr lang="bg-BG" dirty="0"/>
-              <a:t>Обобщение</a:t>
-            </a:r>
-            <a:endParaRPr lang="en-US" dirty="0"/>
-          </a:p>
-        </p:txBody>
-      </p:sp>
-      <p:sp>
-        <p:nvSpPr>
-          <p:cNvPr id="2" name="Slide Number">
-            <a:extLst>
-              <a:ext uri="{FF2B5EF4-FFF2-40B4-BE49-F238E27FC236}">
-                <a16:creationId xmlns:a16="http://schemas.microsoft.com/office/drawing/2014/main" id="{E369AAE7-BDDC-FE11-A61E-E20F7F6632E6}"/>
-              </a:ext>
-            </a:extLst>
-          </p:cNvPr>
-          <p:cNvSpPr>
-            <a:spLocks noGrp="1"/>
-          </p:cNvSpPr>
-          <p:nvPr>
-            <p:ph type="sldNum" sz="quarter" idx="5"/>
-          </p:nvPr>
-        </p:nvSpPr>
-        <p:spPr>
-          <a:xfrm>
-            <a:off x="11753030" y="6507000"/>
-            <a:ext cx="367414" cy="297000"/>
-          </a:xfrm>
-          <a:prstGeom prst="rect">
-            <a:avLst/>
-          </a:prstGeom>
-        </p:spPr>
-        <p:txBody>
-          <a:bodyPr vert="horz" lIns="91440" tIns="45720" rIns="91440" bIns="45720" rtlCol="0" anchor="b"/>
-          <a:lstStyle>
-            <a:lvl1pPr algn="r">
-              <a:defRPr sz="1000"/>
-            </a:lvl1pPr>
-          </a:lstStyle>
-          <a:p>
-            <a:fld id="{2BF067CD-8E6B-4360-9AA8-C5DF2A48A6D1}" type="slidenum">
-              <a:rPr lang="en-US" noProof="0" smtClean="0"/>
-              <a:pPr/>
-              <a:t>47</a:t>
-            </a:fld>
-            <a:endParaRPr lang="en-US" noProof="0" dirty="0"/>
-          </a:p>
-        </p:txBody>
-      </p:sp>
-    </p:spTree>
-    <p:extLst>
-      <p:ext uri="{BB962C8B-B14F-4D97-AF65-F5344CB8AC3E}">
-        <p14:creationId xmlns:p14="http://schemas.microsoft.com/office/powerpoint/2010/main" val="2723049896"/>
-      </p:ext>
-    </p:extLst>
-  </p:cSld>
-  <p:clrMapOvr>
-    <a:masterClrMapping/>
-  </p:clrMapOvr>
-  <mc:AlternateContent xmlns:mc="http://schemas.openxmlformats.org/markup-compatibility/2006" xmlns:p14="http://schemas.microsoft.com/office/powerpoint/2010/main">
-    <mc:Choice Requires="p14">
-      <p:transition spd="slow" p14:dur="2000" advClick="0" advTm="5000"/>
-    </mc:Choice>
-    <mc:Fallback xmlns="">
-      <p:transition spd="slow" advClick="0" advTm="5000"/>
-    </mc:Fallback>
-  </mc:AlternateContent>
-  <p:timing>
-    <p:tnLst>
-      <p:par>
-        <p:cTn id="1" dur="indefinite" restart="never" nodeType="tmRoot">
-          <p:childTnLst>
-            <p:seq concurrent="1" nextAc="seek">
-              <p:cTn id="2" dur="indefinite" nodeType="mainSeq">
-                <p:childTnLst>
-                  <p:par>
-                    <p:cTn id="3" fill="hold">
-                      <p:stCondLst>
-                        <p:cond delay="indefinite"/>
-                        <p:cond evt="onBegin" delay="0">
-                          <p:tn val="2"/>
-                        </p:cond>
-                      </p:stCondLst>
-                      <p:childTnLst>
-                        <p:par>
-                          <p:cTn id="4" fill="hold">
-                            <p:stCondLst>
-                              <p:cond delay="0"/>
-                            </p:stCondLst>
-                            <p:childTnLst>
-                              <p:par>
-                                <p:cTn id="5" presetID="1" presetClass="entr" presetSubtype="0" fill="hold" nodeType="withEffect">
-                                  <p:stCondLst>
-                                    <p:cond delay="0"/>
-                                  </p:stCondLst>
-                                  <p:childTnLst>
-                                    <p:set>
-                                      <p:cBhvr>
-                                        <p:cTn id="6" dur="1" fill="hold">
-                                          <p:stCondLst>
-                                            <p:cond delay="0"/>
-                                          </p:stCondLst>
-                                        </p:cTn>
-                                        <p:tgtEl>
-                                          <p:spTgt spid="14">
-                                            <p:txEl>
-                                              <p:pRg st="0" end="0"/>
-                                            </p:txEl>
-                                          </p:spTgt>
-                                        </p:tgtEl>
-                                        <p:attrNameLst>
-                                          <p:attrName>style.visibility</p:attrName>
-                                        </p:attrNameLst>
-                                      </p:cBhvr>
-                                      <p:to>
-                                        <p:strVal val="visible"/>
-                                      </p:to>
-                                    </p:set>
-                                  </p:childTnLst>
-                                </p:cTn>
-                              </p:par>
-                            </p:childTnLst>
-                          </p:cTn>
-                        </p:par>
-                      </p:childTnLst>
-                    </p:cTn>
-                  </p:par>
-                  <p:par>
-                    <p:cTn id="7" fill="hold">
-                      <p:stCondLst>
-                        <p:cond delay="indefinite"/>
-                      </p:stCondLst>
-                      <p:childTnLst>
-                        <p:par>
-                          <p:cTn id="8" fill="hold">
-                            <p:stCondLst>
-                              <p:cond delay="0"/>
-                            </p:stCondLst>
-                            <p:childTnLst>
-                              <p:par>
-                                <p:cTn id="9" presetID="1" presetClass="entr" presetSubtype="0" fill="hold" nodeType="clickEffect">
-                                  <p:stCondLst>
-                                    <p:cond delay="0"/>
-                                  </p:stCondLst>
-                                  <p:childTnLst>
-                                    <p:set>
-                                      <p:cBhvr>
-                                        <p:cTn id="10" dur="1" fill="hold">
-                                          <p:stCondLst>
-                                            <p:cond delay="0"/>
-                                          </p:stCondLst>
-                                        </p:cTn>
-                                        <p:tgtEl>
-                                          <p:spTgt spid="14">
-                                            <p:txEl>
-                                              <p:pRg st="1" end="1"/>
-                                            </p:txEl>
-                                          </p:spTgt>
-                                        </p:tgtEl>
-                                        <p:attrNameLst>
-                                          <p:attrName>style.visibility</p:attrName>
-                                        </p:attrNameLst>
-                                      </p:cBhvr>
-                                      <p:to>
-                                        <p:strVal val="visible"/>
-                                      </p:to>
-                                    </p:set>
-                                  </p:childTnLst>
-                                </p:cTn>
-                              </p:par>
-                              <p:par>
-                                <p:cTn id="11" presetID="1" presetClass="entr" presetSubtype="0" fill="hold" nodeType="withEffect">
-                                  <p:stCondLst>
-                                    <p:cond delay="0"/>
-                                  </p:stCondLst>
-                                  <p:childTnLst>
-                                    <p:set>
-                                      <p:cBhvr>
-                                        <p:cTn id="12" dur="1" fill="hold">
-                                          <p:stCondLst>
-                                            <p:cond delay="0"/>
-                                          </p:stCondLst>
-                                        </p:cTn>
-                                        <p:tgtEl>
-                                          <p:spTgt spid="14">
-                                            <p:txEl>
-                                              <p:pRg st="2" end="2"/>
-                                            </p:txEl>
-                                          </p:spTgt>
-                                        </p:tgtEl>
-                                        <p:attrNameLst>
-                                          <p:attrName>style.visibility</p:attrName>
-                                        </p:attrNameLst>
-                                      </p:cBhvr>
-                                      <p:to>
-                                        <p:strVal val="visible"/>
-                                      </p:to>
-                                    </p:set>
-                                  </p:childTnLst>
-                                </p:cTn>
-                              </p:par>
-                            </p:childTnLst>
-                          </p:cTn>
-                        </p:par>
-                      </p:childTnLst>
-                    </p:cTn>
-                  </p:par>
-                  <p:par>
-                    <p:cTn id="13" fill="hold">
-                      <p:stCondLst>
-                        <p:cond delay="indefinite"/>
-                      </p:stCondLst>
-                      <p:childTnLst>
-                        <p:par>
-                          <p:cTn id="14" fill="hold">
-                            <p:stCondLst>
-                              <p:cond delay="0"/>
-                            </p:stCondLst>
-                            <p:childTnLst>
-                              <p:par>
-                                <p:cTn id="15" presetID="1" presetClass="entr" presetSubtype="0" fill="hold" nodeType="clickEffect">
-                                  <p:stCondLst>
-                                    <p:cond delay="0"/>
-                                  </p:stCondLst>
-                                  <p:childTnLst>
-                                    <p:set>
-                                      <p:cBhvr>
-                                        <p:cTn id="16" dur="1" fill="hold">
-                                          <p:stCondLst>
-                                            <p:cond delay="0"/>
-                                          </p:stCondLst>
-                                        </p:cTn>
-                                        <p:tgtEl>
-                                          <p:spTgt spid="14">
-                                            <p:txEl>
-                                              <p:pRg st="3" end="3"/>
-                                            </p:txEl>
-                                          </p:spTgt>
-                                        </p:tgtEl>
-                                        <p:attrNameLst>
-                                          <p:attrName>style.visibility</p:attrName>
-                                        </p:attrNameLst>
-                                      </p:cBhvr>
-                                      <p:to>
-                                        <p:strVal val="visible"/>
-                                      </p:to>
-                                    </p:set>
-                                  </p:childTnLst>
-                                </p:cTn>
-                              </p:par>
-                            </p:childTnLst>
-                          </p:cTn>
-                        </p:par>
-                      </p:childTnLst>
-                    </p:cTn>
-                  </p:par>
-                  <p:par>
-                    <p:cTn id="17" fill="hold">
-                      <p:stCondLst>
-                        <p:cond delay="indefinite"/>
-                      </p:stCondLst>
-                      <p:childTnLst>
-                        <p:par>
-                          <p:cTn id="18" fill="hold">
-                            <p:stCondLst>
-                              <p:cond delay="0"/>
-                            </p:stCondLst>
-                            <p:childTnLst>
-                              <p:par>
-                                <p:cTn id="19" presetID="1" presetClass="entr" presetSubtype="0" fill="hold" nodeType="clickEffect">
-                                  <p:stCondLst>
-                                    <p:cond delay="0"/>
-                                  </p:stCondLst>
-                                  <p:childTnLst>
-                                    <p:set>
-                                      <p:cBhvr>
-                                        <p:cTn id="20" dur="1" fill="hold">
-                                          <p:stCondLst>
-                                            <p:cond delay="0"/>
-                                          </p:stCondLst>
-                                        </p:cTn>
-                                        <p:tgtEl>
-                                          <p:spTgt spid="14">
-                                            <p:txEl>
-                                              <p:pRg st="4" end="4"/>
-                                            </p:txEl>
-                                          </p:spTgt>
-                                        </p:tgtEl>
-                                        <p:attrNameLst>
-                                          <p:attrName>style.visibility</p:attrName>
-                                        </p:attrNameLst>
-                                      </p:cBhvr>
-                                      <p:to>
-                                        <p:strVal val="visible"/>
-                                      </p:to>
-                                    </p:set>
-                                  </p:childTnLst>
-                                </p:cTn>
-                              </p:par>
-                            </p:childTnLst>
-                          </p:cTn>
-                        </p:par>
-                      </p:childTnLst>
-                    </p:cTn>
-                  </p:par>
-                  <p:par>
-                    <p:cTn id="21" fill="hold">
-                      <p:stCondLst>
-                        <p:cond delay="indefinite"/>
-                      </p:stCondLst>
-                      <p:childTnLst>
-                        <p:par>
-                          <p:cTn id="22" fill="hold">
-                            <p:stCondLst>
-                              <p:cond delay="0"/>
-                            </p:stCondLst>
-                            <p:childTnLst>
-                              <p:par>
-                                <p:cTn id="23" presetID="1" presetClass="entr" presetSubtype="0" fill="hold" nodeType="clickEffect">
-                                  <p:stCondLst>
-                                    <p:cond delay="0"/>
-                                  </p:stCondLst>
-                                  <p:childTnLst>
-                                    <p:set>
-                                      <p:cBhvr>
-                                        <p:cTn id="24" dur="1" fill="hold">
-                                          <p:stCondLst>
-                                            <p:cond delay="0"/>
-                                          </p:stCondLst>
-                                        </p:cTn>
-                                        <p:tgtEl>
-                                          <p:spTgt spid="14">
-                                            <p:txEl>
-                                              <p:pRg st="5" end="5"/>
-                                            </p:txEl>
-                                          </p:spTgt>
-                                        </p:tgtEl>
-                                        <p:attrNameLst>
-                                          <p:attrName>style.visibility</p:attrName>
-                                        </p:attrNameLst>
-                                      </p:cBhvr>
-                                      <p:to>
-                                        <p:strVal val="visible"/>
-                                      </p:to>
-                                    </p:set>
-                                  </p:childTnLst>
-                                </p:cTn>
-                              </p:par>
-                            </p:childTnLst>
-                          </p:cTn>
-                        </p:par>
-                      </p:childTnLst>
-                    </p:cTn>
-                  </p:par>
-                </p:childTnLst>
-              </p:cTn>
-              <p:prevCondLst>
-                <p:cond evt="onPrev" delay="0">
-                  <p:tgtEl>
-                    <p:sldTgt/>
-                  </p:tgtEl>
-                </p:cond>
-              </p:prevCondLst>
-              <p:nextCondLst>
-                <p:cond evt="onNext" delay="0">
-                  <p:tgtEl>
-                    <p:sldTgt/>
-                  </p:tgtEl>
-                </p:cond>
-              </p:nextCondLst>
-            </p:seq>
-          </p:childTnLst>
-        </p:cTn>
-      </p:par>
-    </p:tnLst>
-  </p:timing>
-</p:sld>
-</file>
-
-<file path=ppt/slides/slide48.xml><?xml version="1.0" encoding="utf-8"?>
-<p:sld xmlns:a="http://schemas.openxmlformats.org/drawingml/2006/main" xmlns:r="http://schemas.openxmlformats.org/officeDocument/2006/relationships" xmlns:p="http://schemas.openxmlformats.org/presentationml/2006/main">
-  <p:cSld>
-    <p:spTree>
-      <p:nvGrpSpPr>
-        <p:cNvPr id="1" name=""/>
-        <p:cNvGrpSpPr/>
-        <p:nvPr/>
-      </p:nvGrpSpPr>
-      <p:grpSpPr>
-        <a:xfrm>
-          <a:off x="0" y="0"/>
-          <a:ext cx="0" cy="0"/>
-          <a:chOff x="0" y="0"/>
-          <a:chExt cx="0" cy="0"/>
-        </a:xfrm>
-      </p:grpSpPr>
-      <p:sp>
-        <p:nvSpPr>
-          <p:cNvPr id="5" name="Slide Title">
-            <a:extLst>
-              <a:ext uri="{FF2B5EF4-FFF2-40B4-BE49-F238E27FC236}">
-                <a16:creationId xmlns:a16="http://schemas.microsoft.com/office/drawing/2014/main" id="{FA0703FC-0F8F-4C80-A615-E4B381EC0E0C}"/>
-              </a:ext>
-            </a:extLst>
-          </p:cNvPr>
-          <p:cNvSpPr>
-            <a:spLocks noGrp="1"/>
-          </p:cNvSpPr>
-          <p:nvPr>
-            <p:ph type="title"/>
-          </p:nvPr>
-        </p:nvSpPr>
-        <p:spPr/>
-        <p:txBody>
-          <a:bodyPr/>
-          <a:lstStyle/>
-          <a:p>
-            <a:r>
-              <a:rPr lang="bg-BG" dirty="0"/>
-              <a:t>Въпроси</a:t>
-            </a:r>
-            <a:r>
-              <a:rPr lang="en-US" dirty="0"/>
-              <a:t>?</a:t>
-            </a:r>
-          </a:p>
-        </p:txBody>
-      </p:sp>
-      <p:sp>
-        <p:nvSpPr>
-          <p:cNvPr id="2" name="Rectangle Bottom Copyright">
-            <a:extLst>
-              <a:ext uri="{FF2B5EF4-FFF2-40B4-BE49-F238E27FC236}">
-                <a16:creationId xmlns:a16="http://schemas.microsoft.com/office/drawing/2014/main" id="{664812A4-2991-44D1-BFE9-32E55AADF8A5}"/>
-              </a:ext>
-            </a:extLst>
-          </p:cNvPr>
-          <p:cNvSpPr/>
-          <p:nvPr/>
-        </p:nvSpPr>
-        <p:spPr>
-          <a:xfrm>
-            <a:off x="111000" y="6454758"/>
-            <a:ext cx="11970000" cy="304242"/>
-          </a:xfrm>
-          <a:prstGeom prst="rect">
-            <a:avLst/>
-          </a:prstGeom>
-        </p:spPr>
-        <p:txBody>
-          <a:bodyPr wrap="square">
-            <a:noAutofit/>
-          </a:bodyPr>
-          <a:lstStyle/>
-          <a:p>
-            <a:pPr algn="ctr">
-              <a:lnSpc>
-                <a:spcPct val="100000"/>
-              </a:lnSpc>
-              <a:spcBef>
-                <a:spcPts val="0"/>
-              </a:spcBef>
-              <a:spcAft>
-                <a:spcPts val="0"/>
-              </a:spcAft>
-            </a:pPr>
-            <a:r>
-              <a:rPr lang="bg-BG" sz="1600" dirty="0">
-                <a:solidFill>
-                  <a:schemeClr val="bg2"/>
-                </a:solidFill>
-                <a:effectLst/>
-                <a:latin typeface="Calibri" panose="020F0502020204030204" pitchFamily="34" charset="0"/>
-                <a:ea typeface="Calibri" panose="020F0502020204030204" pitchFamily="34" charset="0"/>
-                <a:cs typeface="Arial" panose="020B0604020202020204" pitchFamily="34" charset="0"/>
-              </a:rPr>
-              <a:t>Проект "</a:t>
-            </a:r>
-            <a:r>
-              <a:rPr lang="bg-BG" sz="1600" dirty="0">
-                <a:solidFill>
-                  <a:schemeClr val="bg1">
-                    <a:lumMod val="20000"/>
-                    <a:lumOff val="80000"/>
-                  </a:schemeClr>
-                </a:solidFill>
-                <a:effectLst/>
-                <a:latin typeface="Calibri" panose="020F0502020204030204" pitchFamily="34" charset="0"/>
-                <a:ea typeface="Calibri" panose="020F0502020204030204" pitchFamily="34" charset="0"/>
-                <a:cs typeface="Arial" panose="020B0604020202020204" pitchFamily="34" charset="0"/>
-                <a:hlinkClick r:id="rId3">
-                  <a:extLst>
-                    <a:ext uri="{A12FA001-AC4F-418D-AE19-62706E023703}">
-                      <ahyp:hlinkClr xmlns:ahyp="http://schemas.microsoft.com/office/drawing/2018/hyperlinkcolor" val="tx"/>
-                    </a:ext>
-                  </a:extLst>
-                </a:hlinkClick>
-              </a:rPr>
-              <a:t>Отворено учебно съдържание по програмиране и ИТ</a:t>
-            </a:r>
-            <a:r>
-              <a:rPr lang="bg-BG" sz="1600" dirty="0">
-                <a:solidFill>
-                  <a:schemeClr val="bg2"/>
-                </a:solidFill>
-                <a:effectLst/>
-                <a:latin typeface="Calibri" panose="020F0502020204030204" pitchFamily="34" charset="0"/>
-                <a:ea typeface="Calibri" panose="020F0502020204030204" pitchFamily="34" charset="0"/>
-                <a:cs typeface="Arial" panose="020B0604020202020204" pitchFamily="34" charset="0"/>
-              </a:rPr>
-              <a:t>", СофтУни Фондация (лиценз </a:t>
-            </a:r>
-            <a:r>
-              <a:rPr lang="en-US" sz="1600" dirty="0">
-                <a:solidFill>
-                  <a:schemeClr val="bg2"/>
-                </a:solidFill>
-                <a:effectLst/>
-                <a:latin typeface="Calibri" panose="020F0502020204030204" pitchFamily="34" charset="0"/>
-                <a:ea typeface="Calibri" panose="020F0502020204030204" pitchFamily="34" charset="0"/>
-                <a:cs typeface="Arial" panose="020B0604020202020204" pitchFamily="34" charset="0"/>
-              </a:rPr>
-              <a:t>CC-BY-NC-SA</a:t>
-            </a:r>
-            <a:r>
-              <a:rPr lang="bg-BG" sz="1600" dirty="0">
-                <a:solidFill>
-                  <a:schemeClr val="bg2"/>
-                </a:solidFill>
-                <a:effectLst/>
-                <a:latin typeface="Calibri" panose="020F0502020204030204" pitchFamily="34" charset="0"/>
-                <a:ea typeface="Calibri" panose="020F0502020204030204" pitchFamily="34" charset="0"/>
-                <a:cs typeface="Arial" panose="020B0604020202020204" pitchFamily="34" charset="0"/>
-              </a:rPr>
-              <a:t>)</a:t>
-            </a:r>
-            <a:endParaRPr lang="bg-BG" sz="2400" dirty="0">
-              <a:solidFill>
-                <a:schemeClr val="bg2"/>
-              </a:solidFill>
-              <a:effectLst/>
-              <a:latin typeface="Calibri" panose="020F0502020204030204" pitchFamily="34" charset="0"/>
-              <a:ea typeface="Calibri" panose="020F0502020204030204" pitchFamily="34" charset="0"/>
-              <a:cs typeface="Arial" panose="020B0604020202020204" pitchFamily="34" charset="0"/>
-            </a:endParaRPr>
-          </a:p>
-        </p:txBody>
-      </p:sp>
-    </p:spTree>
-    <p:extLst>
-      <p:ext uri="{BB962C8B-B14F-4D97-AF65-F5344CB8AC3E}">
-        <p14:creationId xmlns:p14="http://schemas.microsoft.com/office/powerpoint/2010/main" val="1472534970"/>
-      </p:ext>
-    </p:extLst>
-  </p:cSld>
-  <p:clrMapOvr>
-    <a:masterClrMapping/>
-  </p:clrMapOvr>
-  <mc:AlternateContent xmlns:mc="http://schemas.openxmlformats.org/markup-compatibility/2006" xmlns:p14="http://schemas.microsoft.com/office/powerpoint/2010/main">
-    <mc:Choice Requires="p14">
-      <p:transition spd="slow" p14:dur="2000" advClick="0" advTm="5000"/>
-    </mc:Choice>
-    <mc:Fallback xmlns="">
-      <p:transition spd="slow" advClick="0" advTm="5000"/>
-    </mc:Fallback>
-  </mc:AlternateContent>
-</p:sld>
-</file>
-
-<file path=ppt/slides/slide49.xml><?xml version="1.0" encoding="utf-8"?>
-<p:sld xmlns:a="http://schemas.openxmlformats.org/drawingml/2006/main" xmlns:r="http://schemas.openxmlformats.org/officeDocument/2006/relationships" xmlns:p="http://schemas.openxmlformats.org/presentationml/2006/main" show="0">
-  <p:cSld>
-    <p:spTree>
-      <p:nvGrpSpPr>
-        <p:cNvPr id="1" name=""/>
-        <p:cNvGrpSpPr/>
-        <p:nvPr/>
-      </p:nvGrpSpPr>
-      <p:grpSpPr>
-        <a:xfrm>
-          <a:off x="0" y="0"/>
-          <a:ext cx="0" cy="0"/>
-          <a:chOff x="0" y="0"/>
-          <a:chExt cx="0" cy="0"/>
-        </a:xfrm>
-      </p:grpSpPr>
-      <p:sp>
-        <p:nvSpPr>
-          <p:cNvPr id="5" name="Slide Number">
-            <a:extLst>
-              <a:ext uri="{FF2B5EF4-FFF2-40B4-BE49-F238E27FC236}">
-                <a16:creationId xmlns:a16="http://schemas.microsoft.com/office/drawing/2014/main" id="{F48C3C93-90A1-4D31-BEA6-B54D1106CE31}"/>
-              </a:ext>
-            </a:extLst>
-          </p:cNvPr>
-          <p:cNvSpPr>
-            <a:spLocks noGrp="1"/>
-          </p:cNvSpPr>
-          <p:nvPr>
-            <p:ph type="sldNum" sz="quarter" idx="5"/>
-          </p:nvPr>
-        </p:nvSpPr>
-        <p:spPr>
-          <a:xfrm>
-            <a:off x="11753030" y="6507000"/>
-            <a:ext cx="367414" cy="297000"/>
-          </a:xfrm>
-          <a:prstGeom prst="rect">
-            <a:avLst/>
-          </a:prstGeom>
-        </p:spPr>
-        <p:txBody>
-          <a:bodyPr vert="horz" lIns="91440" tIns="45720" rIns="91440" bIns="45720" rtlCol="0" anchor="b"/>
-          <a:lstStyle>
-            <a:lvl1pPr algn="r">
-              <a:defRPr sz="1000"/>
-            </a:lvl1pPr>
-          </a:lstStyle>
-          <a:p>
-            <a:fld id="{2BF067CD-8E6B-4360-9AA8-C5DF2A48A6D1}" type="slidenum">
-              <a:rPr lang="en-US" smtClean="0"/>
-              <a:pPr/>
-              <a:t>49</a:t>
-            </a:fld>
-            <a:endParaRPr lang="en-US" dirty="0"/>
-          </a:p>
-        </p:txBody>
-      </p:sp>
-      <p:sp>
-        <p:nvSpPr>
-          <p:cNvPr id="2" name="Slide Body">
-            <a:extLst>
-              <a:ext uri="{FF2B5EF4-FFF2-40B4-BE49-F238E27FC236}">
-                <a16:creationId xmlns:a16="http://schemas.microsoft.com/office/drawing/2014/main" id="{980F49B1-E4BE-4389-A747-7AB9B71AD920}"/>
-              </a:ext>
-            </a:extLst>
-          </p:cNvPr>
-          <p:cNvSpPr>
-            <a:spLocks noGrp="1"/>
-          </p:cNvSpPr>
-          <p:nvPr>
-            <p:ph type="body" sz="quarter" idx="10"/>
-          </p:nvPr>
-        </p:nvSpPr>
-        <p:spPr>
-          <a:xfrm>
-            <a:off x="190402" y="1269001"/>
-            <a:ext cx="9865598" cy="2474999"/>
-          </a:xfrm>
-        </p:spPr>
-        <p:txBody>
-          <a:bodyPr>
-            <a:normAutofit/>
-          </a:bodyPr>
-          <a:lstStyle/>
-          <a:p>
-            <a:pPr>
-              <a:lnSpc>
-                <a:spcPct val="120000"/>
-              </a:lnSpc>
-            </a:pPr>
-            <a:r>
-              <a:rPr lang="bg-BG" sz="3200" dirty="0"/>
-              <a:t>Този курс</a:t>
-            </a:r>
-            <a:r>
-              <a:rPr lang="en-US" sz="3200" dirty="0"/>
-              <a:t> (</a:t>
-            </a:r>
-            <a:r>
-              <a:rPr lang="bg-BG" sz="3200" dirty="0"/>
-              <a:t>презентации, примери, демонстрационен код, упражнения, домашни, видео и други активи</a:t>
-            </a:r>
-            <a:r>
-              <a:rPr lang="en-US" sz="3200" dirty="0"/>
-              <a:t>) </a:t>
-            </a:r>
-            <a:r>
-              <a:rPr lang="bg-BG" sz="3200" dirty="0"/>
-              <a:t>представлява</a:t>
-            </a:r>
-            <a:r>
-              <a:rPr lang="en-US" sz="3200" dirty="0"/>
-              <a:t> </a:t>
-            </a:r>
-            <a:r>
-              <a:rPr lang="bg-BG" sz="3200" b="1" dirty="0"/>
-              <a:t>свободно учебно съдържание </a:t>
-            </a:r>
-            <a:r>
-              <a:rPr lang="bg-BG" sz="3200" dirty="0"/>
-              <a:t>и се разпространява под свободен лиценз </a:t>
-            </a:r>
-            <a:r>
-              <a:rPr lang="en-US" sz="3200" b="1" dirty="0"/>
-              <a:t>CC-BY-NC-SA</a:t>
-            </a:r>
-            <a:endParaRPr lang="bg-BG" sz="3200" dirty="0"/>
-          </a:p>
-        </p:txBody>
-      </p:sp>
-      <p:pic>
-        <p:nvPicPr>
-          <p:cNvPr id="6" name="Picture License" descr="License">
-            <a:extLst>
-              <a:ext uri="{FF2B5EF4-FFF2-40B4-BE49-F238E27FC236}">
-                <a16:creationId xmlns:a16="http://schemas.microsoft.com/office/drawing/2014/main" id="{82BA520F-A037-4E01-AA18-27D9F1E930A6}"/>
-              </a:ext>
-            </a:extLst>
-          </p:cNvPr>
-          <p:cNvPicPr>
-            <a:picLocks noChangeAspect="1"/>
-          </p:cNvPicPr>
-          <p:nvPr/>
-        </p:nvPicPr>
-        <p:blipFill>
-          <a:blip r:embed="rId3">
-            <a:clrChange>
-              <a:clrFrom>
-                <a:srgbClr val="FFFFFF"/>
-              </a:clrFrom>
-              <a:clrTo>
-                <a:srgbClr val="FFFFFF">
-                  <a:alpha val="0"/>
-                </a:srgbClr>
-              </a:clrTo>
-            </a:clrChange>
-          </a:blip>
-          <a:stretch>
-            <a:fillRect/>
-          </a:stretch>
-        </p:blipFill>
-        <p:spPr>
-          <a:xfrm>
-            <a:off x="10226175" y="1440120"/>
-            <a:ext cx="1198986" cy="1268880"/>
-          </a:xfrm>
-          <a:prstGeom prst="rect">
-            <a:avLst/>
-          </a:prstGeom>
-        </p:spPr>
-      </p:pic>
-      <p:sp>
-        <p:nvSpPr>
-          <p:cNvPr id="3" name="Slide Title">
-            <a:extLst>
-              <a:ext uri="{FF2B5EF4-FFF2-40B4-BE49-F238E27FC236}">
-                <a16:creationId xmlns:a16="http://schemas.microsoft.com/office/drawing/2014/main" id="{E5F1FB41-80C3-4816-BC47-CCC50632E6E8}"/>
-              </a:ext>
-            </a:extLst>
-          </p:cNvPr>
-          <p:cNvSpPr>
-            <a:spLocks noGrp="1"/>
-          </p:cNvSpPr>
-          <p:nvPr>
-            <p:ph type="title"/>
-          </p:nvPr>
-        </p:nvSpPr>
-        <p:spPr/>
-        <p:txBody>
-          <a:bodyPr/>
-          <a:lstStyle/>
-          <a:p>
-            <a:r>
-              <a:rPr lang="bg-BG" dirty="0"/>
-              <a:t>Лиценз</a:t>
-            </a:r>
-          </a:p>
-        </p:txBody>
-      </p:sp>
-      <p:sp>
-        <p:nvSpPr>
-          <p:cNvPr id="11" name="TextBox 10">
-            <a:extLst>
-              <a:ext uri="{FF2B5EF4-FFF2-40B4-BE49-F238E27FC236}">
-                <a16:creationId xmlns:a16="http://schemas.microsoft.com/office/drawing/2014/main" id="{0C18DF19-B750-4C88-975B-661A6BF61F5E}"/>
-              </a:ext>
-            </a:extLst>
-          </p:cNvPr>
-          <p:cNvSpPr txBox="1"/>
-          <p:nvPr/>
-        </p:nvSpPr>
-        <p:spPr>
-          <a:xfrm>
-            <a:off x="190401" y="3927519"/>
-            <a:ext cx="11710599" cy="1979644"/>
-          </a:xfrm>
-          <a:prstGeom prst="rect">
-            <a:avLst/>
-          </a:prstGeom>
-          <a:noFill/>
-          <a:ln w="12700">
-            <a:noFill/>
-          </a:ln>
-        </p:spPr>
-        <p:txBody>
-          <a:bodyPr wrap="square">
-            <a:spAutoFit/>
-          </a:bodyPr>
-          <a:lstStyle/>
-          <a:p>
-            <a:pPr marL="360363" indent="-360363" defTabSz="1218438">
-              <a:lnSpc>
-                <a:spcPct val="120000"/>
-              </a:lnSpc>
-              <a:spcBef>
-                <a:spcPts val="600"/>
-              </a:spcBef>
-              <a:spcAft>
-                <a:spcPts val="600"/>
-              </a:spcAft>
-              <a:buFont typeface="Wingdings" panose="05000000000000000000" pitchFamily="2" charset="2"/>
-              <a:buChar char="§"/>
-              <a:defRPr/>
-            </a:pPr>
-            <a:r>
-              <a:rPr lang="bg-BG" sz="3200" dirty="0"/>
-              <a:t>Проект "</a:t>
-            </a:r>
-            <a:r>
-              <a:rPr lang="bg-BG" sz="3200" b="1" dirty="0"/>
-              <a:t>Отворено учебно съдържание по програмиране и ИТ</a:t>
-            </a:r>
-            <a:r>
-              <a:rPr lang="bg-BG" sz="3200" dirty="0"/>
-              <a:t>" към Фондация "Софтуерен университет"</a:t>
-            </a:r>
-            <a:r>
-              <a:rPr lang="en-US" sz="3200" dirty="0"/>
-              <a:t>:</a:t>
-            </a:r>
-            <a:endParaRPr lang="bg-BG" sz="3200" dirty="0"/>
-          </a:p>
-          <a:p>
-            <a:pPr marL="817563" lvl="1" indent="-360363" defTabSz="1218438">
-              <a:lnSpc>
-                <a:spcPct val="120000"/>
-              </a:lnSpc>
-              <a:spcBef>
-                <a:spcPts val="600"/>
-              </a:spcBef>
-              <a:spcAft>
-                <a:spcPts val="600"/>
-              </a:spcAft>
-              <a:buFont typeface="Wingdings" panose="05000000000000000000" pitchFamily="2" charset="2"/>
-              <a:buChar char="§"/>
-              <a:defRPr/>
-            </a:pPr>
-            <a:r>
-              <a:rPr kumimoji="0" lang="en-US" sz="3200" b="0" i="0" u="none" strike="noStrike" kern="1200" cap="none" spc="0" normalizeH="0" baseline="0" noProof="0" dirty="0">
-                <a:ln>
-                  <a:noFill/>
-                </a:ln>
-                <a:solidFill>
-                  <a:srgbClr val="234465"/>
-                </a:solidFill>
-                <a:effectLst/>
-                <a:uLnTx/>
-                <a:uFillTx/>
-                <a:latin typeface="Calibri"/>
-                <a:ea typeface="+mn-ea"/>
-                <a:cs typeface="+mn-cs"/>
-                <a:hlinkClick r:id="rId4"/>
-              </a:rPr>
-              <a:t>https://github.com/BG-IT-Edu</a:t>
-            </a:r>
-            <a:endParaRPr kumimoji="0" lang="bg-BG" sz="3200" b="0" i="0" u="none" strike="noStrike" kern="1200" cap="none" spc="0" normalizeH="0" baseline="0" noProof="0" dirty="0">
-              <a:ln>
-                <a:noFill/>
-              </a:ln>
-              <a:solidFill>
-                <a:srgbClr val="234465"/>
-              </a:solidFill>
-              <a:effectLst/>
-              <a:uLnTx/>
-              <a:uFillTx/>
-              <a:latin typeface="Calibri"/>
-              <a:ea typeface="+mn-ea"/>
-              <a:cs typeface="+mn-cs"/>
-            </a:endParaRPr>
-          </a:p>
-        </p:txBody>
-      </p:sp>
-      <p:pic>
-        <p:nvPicPr>
-          <p:cNvPr id="7" name="Picture 6" title="CC-BY-NC-SA License">
-            <a:hlinkClick r:id="rId5" tooltip="This work is licensed under the &quot;Creative Commons Attribution-NonCommercial-ShareAlike 4.0 International&quot; license"/>
-            <a:extLst>
-              <a:ext uri="{FF2B5EF4-FFF2-40B4-BE49-F238E27FC236}">
-                <a16:creationId xmlns:a16="http://schemas.microsoft.com/office/drawing/2014/main" id="{F6C77C47-F7D8-A176-5C69-7FDE5C7E8003}"/>
-              </a:ext>
-            </a:extLst>
-          </p:cNvPr>
-          <p:cNvPicPr>
-            <a:picLocks noChangeAspect="1" noChangeArrowheads="1"/>
-          </p:cNvPicPr>
-          <p:nvPr/>
-        </p:nvPicPr>
-        <p:blipFill>
-          <a:blip r:embed="rId6">
-            <a:extLst>
-              <a:ext uri="{28A0092B-C50C-407E-A947-70E740481C1C}">
-                <a14:useLocalDpi xmlns:a14="http://schemas.microsoft.com/office/drawing/2010/main"/>
-              </a:ext>
-            </a:extLst>
-          </a:blip>
-          <a:srcRect/>
-          <a:stretch>
-            <a:fillRect/>
-          </a:stretch>
-        </p:blipFill>
-        <p:spPr bwMode="auto">
-          <a:xfrm>
-            <a:off x="9831000" y="2908593"/>
-            <a:ext cx="1989336" cy="696022"/>
-          </a:xfrm>
-          <a:prstGeom prst="roundRect">
-            <a:avLst>
-              <a:gd name="adj" fmla="val 3940"/>
-            </a:avLst>
-          </a:prstGeom>
-          <a:solidFill>
-            <a:srgbClr val="231F20">
-              <a:alpha val="50000"/>
-            </a:srgbClr>
-          </a:solidFill>
-          <a:ln>
-            <a:noFill/>
-          </a:ln>
-        </p:spPr>
-      </p:pic>
-    </p:spTree>
-    <p:extLst>
-      <p:ext uri="{BB962C8B-B14F-4D97-AF65-F5344CB8AC3E}">
-        <p14:creationId xmlns:p14="http://schemas.microsoft.com/office/powerpoint/2010/main" val="3879276042"/>
-      </p:ext>
-    </p:extLst>
-  </p:cSld>
-  <p:clrMapOvr>
-    <a:masterClrMapping/>
-  </p:clrMapOvr>
-  <mc:AlternateContent xmlns:mc="http://schemas.openxmlformats.org/markup-compatibility/2006" xmlns:p14="http://schemas.microsoft.com/office/powerpoint/2010/main">
-    <mc:Choice Requires="p14">
-      <p:transition spd="slow" p14:dur="2000" advClick="0" advTm="5000"/>
-    </mc:Choice>
-    <mc:Fallback xmlns="">
-      <p:transition spd="slow" advClick="0" advTm="5000"/>
-    </mc:Fallback>
-  </mc:AlternateContent>
-</p:sld>
-</file>
-
 <file path=ppt/slides/slide5.xml><?xml version="1.0" encoding="utf-8"?>
 <p:sld xmlns:a="http://schemas.openxmlformats.org/drawingml/2006/main" xmlns:r="http://schemas.openxmlformats.org/officeDocument/2006/relationships" xmlns:p="http://schemas.openxmlformats.org/presentationml/2006/main">
   <p:cSld>
@@ -38949,7 +39007,23 @@
                   <a:schemeClr val="bg1"/>
                 </a:solidFill>
               </a:rPr>
-              <a:t>база данни от обект </a:t>
+              <a:t>база данни от </a:t>
+            </a:r>
+            <a:r>
+              <a:rPr lang="en-US" sz="3000" b="1" dirty="0">
+                <a:solidFill>
+                  <a:schemeClr val="bg1"/>
+                </a:solidFill>
+              </a:rPr>
+              <a:t>C# </a:t>
+            </a:r>
+            <a:r>
+              <a:rPr lang="bg-BG" sz="3000" b="1" dirty="0">
+                <a:solidFill>
+                  <a:schemeClr val="bg1"/>
+                </a:solidFill>
+              </a:rPr>
+              <a:t>класове </a:t>
             </a:r>
             <a:r>
               <a:rPr lang="bg-BG" sz="3000" dirty="0"/>
@@ -38971,12 +39045,20 @@
               <a:t>Създаване на </a:t>
             </a:r>
             <a:r>
+              <a:rPr lang="en-US" sz="3000" b="1" dirty="0">
+                <a:solidFill>
+                  <a:schemeClr val="bg1"/>
+                </a:solidFill>
+              </a:rPr>
+              <a:t>C# </a:t>
+            </a:r>
+            <a:r>
               <a:rPr lang="bg-BG" sz="3000" b="1" dirty="0">
                 <a:solidFill>
                   <a:schemeClr val="bg1"/>
                 </a:solidFill>
               </a:rPr>
-              <a:t>обект от база данни </a:t>
+              <a:t>класове от база данни </a:t>
             </a:r>
             <a:r>
               <a:rPr lang="en-US" sz="3000" dirty="0"/>
@@ -39764,6 +39846,1962 @@
 </p:sld>
 </file>
 
+<file path=ppt/slides/slide50.xml><?xml version="1.0" encoding="utf-8"?>
+<p:sld xmlns:a="http://schemas.openxmlformats.org/drawingml/2006/main" xmlns:r="http://schemas.openxmlformats.org/officeDocument/2006/relationships" xmlns:p="http://schemas.openxmlformats.org/presentationml/2006/main">
+  <p:cSld>
+    <p:spTree>
+      <p:nvGrpSpPr>
+        <p:cNvPr id="1" name=""/>
+        <p:cNvGrpSpPr/>
+        <p:nvPr/>
+      </p:nvGrpSpPr>
+      <p:grpSpPr>
+        <a:xfrm>
+          <a:off x="0" y="0"/>
+          <a:ext cx="0" cy="0"/>
+          <a:chOff x="0" y="0"/>
+          <a:chExt cx="0" cy="0"/>
+        </a:xfrm>
+      </p:grpSpPr>
+      <p:sp>
+        <p:nvSpPr>
+          <p:cNvPr id="2" name="Slide Number Placeholder 1">
+            <a:extLst>
+              <a:ext uri="{FF2B5EF4-FFF2-40B4-BE49-F238E27FC236}">
+                <a16:creationId xmlns:a16="http://schemas.microsoft.com/office/drawing/2014/main" id="{F3AF87FF-1318-696E-CC00-2C2B6621789F}"/>
+              </a:ext>
+            </a:extLst>
+          </p:cNvPr>
+          <p:cNvSpPr>
+            <a:spLocks noGrp="1"/>
+          </p:cNvSpPr>
+          <p:nvPr>
+            <p:ph type="sldNum" sz="quarter" idx="5"/>
+          </p:nvPr>
+        </p:nvSpPr>
+        <p:spPr/>
+        <p:txBody>
+          <a:bodyPr/>
+          <a:lstStyle/>
+          <a:p>
+            <a:fld id="{2BF067CD-8E6B-4360-9AA8-C5DF2A48A6D1}" type="slidenum">
+              <a:rPr lang="en-US" noProof="0" smtClean="0"/>
+              <a:pPr/>
+              <a:t>50</a:t>
+            </a:fld>
+            <a:endParaRPr lang="en-US" noProof="0" dirty="0"/>
+          </a:p>
+        </p:txBody>
+      </p:sp>
+      <p:sp>
+        <p:nvSpPr>
+          <p:cNvPr id="4" name="Title 3">
+            <a:extLst>
+              <a:ext uri="{FF2B5EF4-FFF2-40B4-BE49-F238E27FC236}">
+                <a16:creationId xmlns:a16="http://schemas.microsoft.com/office/drawing/2014/main" id="{A68D83C9-FB5D-2A19-030C-321D25436A47}"/>
+              </a:ext>
+            </a:extLst>
+          </p:cNvPr>
+          <p:cNvSpPr>
+            <a:spLocks noGrp="1"/>
+          </p:cNvSpPr>
+          <p:nvPr>
+            <p:ph type="title"/>
+          </p:nvPr>
+        </p:nvSpPr>
+        <p:spPr/>
+        <p:txBody>
+          <a:bodyPr/>
+          <a:lstStyle/>
+          <a:p>
+            <a:r>
+              <a:rPr lang="bg-BG" dirty="0"/>
+              <a:t>Резултат</a:t>
+            </a:r>
+            <a:endParaRPr lang="en-BG" dirty="0"/>
+          </a:p>
+        </p:txBody>
+      </p:sp>
+      <p:pic>
+        <p:nvPicPr>
+          <p:cNvPr id="7" name="Picture 6">
+            <a:extLst>
+              <a:ext uri="{FF2B5EF4-FFF2-40B4-BE49-F238E27FC236}">
+                <a16:creationId xmlns:a16="http://schemas.microsoft.com/office/drawing/2014/main" id="{7C28F648-33BB-3A65-53FB-68DCE44706DB}"/>
+              </a:ext>
+            </a:extLst>
+          </p:cNvPr>
+          <p:cNvPicPr>
+            <a:picLocks noChangeAspect="1"/>
+          </p:cNvPicPr>
+          <p:nvPr/>
+        </p:nvPicPr>
+        <p:blipFill>
+          <a:blip r:embed="rId2">
+            <a:extLst>
+              <a:ext uri="{28A0092B-C50C-407E-A947-70E740481C1C}">
+                <a14:useLocalDpi xmlns:a14="http://schemas.microsoft.com/office/drawing/2010/main" val="0"/>
+              </a:ext>
+            </a:extLst>
+          </a:blip>
+          <a:stretch>
+            <a:fillRect/>
+          </a:stretch>
+        </p:blipFill>
+        <p:spPr>
+          <a:xfrm>
+            <a:off x="1985784" y="1359000"/>
+            <a:ext cx="8220432" cy="4968000"/>
+          </a:xfrm>
+          <a:prstGeom prst="rect">
+            <a:avLst/>
+          </a:prstGeom>
+          <a:ln>
+            <a:noFill/>
+          </a:ln>
+          <a:effectLst>
+            <a:outerShdw blurRad="190500" algn="tl" rotWithShape="0">
+              <a:srgbClr val="000000">
+                <a:alpha val="70000"/>
+              </a:srgbClr>
+            </a:outerShdw>
+          </a:effectLst>
+        </p:spPr>
+      </p:pic>
+    </p:spTree>
+    <p:extLst>
+      <p:ext uri="{BB962C8B-B14F-4D97-AF65-F5344CB8AC3E}">
+        <p14:creationId xmlns:p14="http://schemas.microsoft.com/office/powerpoint/2010/main" val="974075060"/>
+      </p:ext>
+    </p:extLst>
+  </p:cSld>
+  <p:clrMapOvr>
+    <a:masterClrMapping/>
+  </p:clrMapOvr>
+  <mc:AlternateContent xmlns:mc="http://schemas.openxmlformats.org/markup-compatibility/2006" xmlns:p14="http://schemas.microsoft.com/office/powerpoint/2010/main">
+    <mc:Choice Requires="p14">
+      <p:transition spd="slow" p14:dur="2000" advClick="0" advTm="5000"/>
+    </mc:Choice>
+    <mc:Fallback xmlns="">
+      <p:transition spd="slow" advClick="0" advTm="5000"/>
+    </mc:Fallback>
+  </mc:AlternateContent>
+  <p:timing>
+    <p:tnLst>
+      <p:par>
+        <p:cTn id="1" dur="indefinite" restart="never" nodeType="tmRoot">
+          <p:childTnLst>
+            <p:seq concurrent="1" nextAc="seek">
+              <p:cTn id="2" dur="indefinite" nodeType="mainSeq">
+                <p:childTnLst>
+                  <p:par>
+                    <p:cTn id="3" fill="hold">
+                      <p:stCondLst>
+                        <p:cond delay="indefinite"/>
+                        <p:cond evt="onBegin" delay="0">
+                          <p:tn val="2"/>
+                        </p:cond>
+                      </p:stCondLst>
+                      <p:childTnLst>
+                        <p:par>
+                          <p:cTn id="4" fill="hold">
+                            <p:stCondLst>
+                              <p:cond delay="0"/>
+                            </p:stCondLst>
+                            <p:childTnLst>
+                              <p:par>
+                                <p:cTn id="5" presetID="1" presetClass="entr" presetSubtype="0" fill="hold" nodeType="withEffect">
+                                  <p:stCondLst>
+                                    <p:cond delay="0"/>
+                                  </p:stCondLst>
+                                  <p:childTnLst>
+                                    <p:set>
+                                      <p:cBhvr>
+                                        <p:cTn id="6" dur="1" fill="hold">
+                                          <p:stCondLst>
+                                            <p:cond delay="0"/>
+                                          </p:stCondLst>
+                                        </p:cTn>
+                                        <p:tgtEl>
+                                          <p:spTgt spid="7"/>
+                                        </p:tgtEl>
+                                        <p:attrNameLst>
+                                          <p:attrName>style.visibility</p:attrName>
+                                        </p:attrNameLst>
+                                      </p:cBhvr>
+                                      <p:to>
+                                        <p:strVal val="visible"/>
+                                      </p:to>
+                                    </p:set>
+                                  </p:childTnLst>
+                                </p:cTn>
+                              </p:par>
+                            </p:childTnLst>
+                          </p:cTn>
+                        </p:par>
+                      </p:childTnLst>
+                    </p:cTn>
+                  </p:par>
+                </p:childTnLst>
+              </p:cTn>
+              <p:prevCondLst>
+                <p:cond evt="onPrev" delay="0">
+                  <p:tgtEl>
+                    <p:sldTgt/>
+                  </p:tgtEl>
+                </p:cond>
+              </p:prevCondLst>
+              <p:nextCondLst>
+                <p:cond evt="onNext" delay="0">
+                  <p:tgtEl>
+                    <p:sldTgt/>
+                  </p:tgtEl>
+                </p:cond>
+              </p:nextCondLst>
+            </p:seq>
+          </p:childTnLst>
+        </p:cTn>
+      </p:par>
+    </p:tnLst>
+  </p:timing>
+</p:sld>
+</file>
+
+<file path=ppt/slides/slide51.xml><?xml version="1.0" encoding="utf-8"?>
+<p:sld xmlns:a="http://schemas.openxmlformats.org/drawingml/2006/main" xmlns:r="http://schemas.openxmlformats.org/officeDocument/2006/relationships" xmlns:p="http://schemas.openxmlformats.org/presentationml/2006/main">
+  <p:cSld>
+    <p:spTree>
+      <p:nvGrpSpPr>
+        <p:cNvPr id="1" name=""/>
+        <p:cNvGrpSpPr/>
+        <p:nvPr/>
+      </p:nvGrpSpPr>
+      <p:grpSpPr>
+        <a:xfrm>
+          <a:off x="0" y="0"/>
+          <a:ext cx="0" cy="0"/>
+          <a:chOff x="0" y="0"/>
+          <a:chExt cx="0" cy="0"/>
+        </a:xfrm>
+      </p:grpSpPr>
+      <p:grpSp>
+        <p:nvGrpSpPr>
+          <p:cNvPr id="3" name="Summary Box Group">
+            <a:extLst>
+              <a:ext uri="{FF2B5EF4-FFF2-40B4-BE49-F238E27FC236}">
+                <a16:creationId xmlns:a16="http://schemas.microsoft.com/office/drawing/2014/main" id="{EBAFE522-EB7D-4931-A015-9A7E8A98517D}"/>
+              </a:ext>
+            </a:extLst>
+          </p:cNvPr>
+          <p:cNvGrpSpPr/>
+          <p:nvPr/>
+        </p:nvGrpSpPr>
+        <p:grpSpPr>
+          <a:xfrm>
+            <a:off x="192628" y="1362922"/>
+            <a:ext cx="11560402" cy="5394328"/>
+            <a:chOff x="472011" y="1508786"/>
+            <a:chExt cx="3799787" cy="4865561"/>
+          </a:xfrm>
+        </p:grpSpPr>
+        <p:sp>
+          <p:nvSpPr>
+            <p:cNvPr id="10" name="Rounded Rectangle Blue">
+              <a:extLst>
+                <a:ext uri="{FF2B5EF4-FFF2-40B4-BE49-F238E27FC236}">
+                  <a16:creationId xmlns:a16="http://schemas.microsoft.com/office/drawing/2014/main" id="{18F78F23-3D09-4B63-8DF9-D49CFBB145EE}"/>
+                </a:ext>
+              </a:extLst>
+            </p:cNvPr>
+            <p:cNvSpPr/>
+            <p:nvPr/>
+          </p:nvSpPr>
+          <p:spPr>
+            <a:xfrm>
+              <a:off x="472011" y="1508786"/>
+              <a:ext cx="3799787" cy="4865561"/>
+            </a:xfrm>
+            <a:prstGeom prst="roundRect">
+              <a:avLst>
+                <a:gd name="adj" fmla="val 3968"/>
+              </a:avLst>
+            </a:prstGeom>
+            <a:solidFill>
+              <a:schemeClr val="tx2"/>
+            </a:solidFill>
+            <a:ln>
+              <a:noFill/>
+            </a:ln>
+          </p:spPr>
+          <p:style>
+            <a:lnRef idx="2">
+              <a:schemeClr val="accent1">
+                <a:shade val="50000"/>
+              </a:schemeClr>
+            </a:lnRef>
+            <a:fillRef idx="1">
+              <a:schemeClr val="accent1"/>
+            </a:fillRef>
+            <a:effectRef idx="0">
+              <a:schemeClr val="accent1"/>
+            </a:effectRef>
+            <a:fontRef idx="minor">
+              <a:schemeClr val="lt1"/>
+            </a:fontRef>
+          </p:style>
+          <p:txBody>
+            <a:bodyPr rtlCol="0" anchor="ctr"/>
+            <a:lstStyle/>
+            <a:p>
+              <a:pPr algn="ctr"/>
+              <a:endParaRPr lang="ko-KR" altLang="en-US" sz="2400" dirty="0"/>
+            </a:p>
+          </p:txBody>
+        </p:sp>
+        <p:sp>
+          <p:nvSpPr>
+            <p:cNvPr id="11" name="Rounded Rectangle Left">
+              <a:extLst>
+                <a:ext uri="{FF2B5EF4-FFF2-40B4-BE49-F238E27FC236}">
+                  <a16:creationId xmlns:a16="http://schemas.microsoft.com/office/drawing/2014/main" id="{F12C06CE-2BBE-46C2-B718-813794C58DF9}"/>
+                </a:ext>
+              </a:extLst>
+            </p:cNvPr>
+            <p:cNvSpPr/>
+            <p:nvPr/>
+          </p:nvSpPr>
+          <p:spPr>
+            <a:xfrm>
+              <a:off x="546866" y="1696737"/>
+              <a:ext cx="81601" cy="4489658"/>
+            </a:xfrm>
+            <a:prstGeom prst="roundRect">
+              <a:avLst>
+                <a:gd name="adj" fmla="val 50000"/>
+              </a:avLst>
+            </a:prstGeom>
+            <a:solidFill>
+              <a:schemeClr val="bg2">
+                <a:alpha val="41000"/>
+              </a:schemeClr>
+            </a:solidFill>
+            <a:ln>
+              <a:noFill/>
+            </a:ln>
+          </p:spPr>
+          <p:style>
+            <a:lnRef idx="2">
+              <a:schemeClr val="accent1">
+                <a:shade val="50000"/>
+              </a:schemeClr>
+            </a:lnRef>
+            <a:fillRef idx="1">
+              <a:schemeClr val="accent1"/>
+            </a:fillRef>
+            <a:effectRef idx="0">
+              <a:schemeClr val="accent1"/>
+            </a:effectRef>
+            <a:fontRef idx="minor">
+              <a:schemeClr val="lt1"/>
+            </a:fontRef>
+          </p:style>
+          <p:txBody>
+            <a:bodyPr rtlCol="0" anchor="ctr"/>
+            <a:lstStyle/>
+            <a:p>
+              <a:pPr algn="ctr"/>
+              <a:endParaRPr lang="ko-KR" altLang="en-US" sz="2400" dirty="0">
+                <a:solidFill>
+                  <a:schemeClr val="bg1"/>
+                </a:solidFill>
+              </a:endParaRPr>
+            </a:p>
+          </p:txBody>
+        </p:sp>
+        <p:sp>
+          <p:nvSpPr>
+            <p:cNvPr id="12" name="Half Frame Top Right">
+              <a:extLst>
+                <a:ext uri="{FF2B5EF4-FFF2-40B4-BE49-F238E27FC236}">
+                  <a16:creationId xmlns:a16="http://schemas.microsoft.com/office/drawing/2014/main" id="{66CDBB1E-AF3C-43FC-9F34-2DD691F81726}"/>
+                </a:ext>
+              </a:extLst>
+            </p:cNvPr>
+            <p:cNvSpPr/>
+            <p:nvPr/>
+          </p:nvSpPr>
+          <p:spPr>
+            <a:xfrm rot="5400000">
+              <a:off x="3742559" y="1912372"/>
+              <a:ext cx="669775" cy="238503"/>
+            </a:xfrm>
+            <a:prstGeom prst="halfFrame">
+              <a:avLst>
+                <a:gd name="adj1" fmla="val 23728"/>
+                <a:gd name="adj2" fmla="val 24642"/>
+              </a:avLst>
+            </a:prstGeom>
+            <a:solidFill>
+              <a:schemeClr val="bg2">
+                <a:alpha val="23000"/>
+              </a:schemeClr>
+            </a:solidFill>
+            <a:ln>
+              <a:noFill/>
+            </a:ln>
+          </p:spPr>
+          <p:style>
+            <a:lnRef idx="2">
+              <a:schemeClr val="accent1">
+                <a:shade val="50000"/>
+              </a:schemeClr>
+            </a:lnRef>
+            <a:fillRef idx="1">
+              <a:schemeClr val="accent1"/>
+            </a:fillRef>
+            <a:effectRef idx="0">
+              <a:schemeClr val="accent1"/>
+            </a:effectRef>
+            <a:fontRef idx="minor">
+              <a:schemeClr val="lt1"/>
+            </a:fontRef>
+          </p:style>
+          <p:txBody>
+            <a:bodyPr rtlCol="0" anchor="ctr"/>
+            <a:lstStyle/>
+            <a:p>
+              <a:pPr algn="ctr"/>
+              <a:endParaRPr lang="ko-KR" altLang="en-US" sz="2400" dirty="0">
+                <a:solidFill>
+                  <a:schemeClr val="tx1"/>
+                </a:solidFill>
+              </a:endParaRPr>
+            </a:p>
+          </p:txBody>
+        </p:sp>
+      </p:grpSp>
+      <p:sp>
+        <p:nvSpPr>
+          <p:cNvPr id="14" name="Text Placeholder Body">
+            <a:extLst>
+              <a:ext uri="{FF2B5EF4-FFF2-40B4-BE49-F238E27FC236}">
+                <a16:creationId xmlns:a16="http://schemas.microsoft.com/office/drawing/2014/main" id="{0E49D336-45B6-44D3-97C4-E28F8DEA2022}"/>
+              </a:ext>
+            </a:extLst>
+          </p:cNvPr>
+          <p:cNvSpPr>
+            <a:spLocks noGrp="1"/>
+          </p:cNvSpPr>
+          <p:nvPr>
+            <p:ph type="body" sz="quarter" idx="10"/>
+          </p:nvPr>
+        </p:nvSpPr>
+        <p:spPr>
+          <a:xfrm>
+            <a:off x="697877" y="1529427"/>
+            <a:ext cx="10826670" cy="4977573"/>
+          </a:xfrm>
+        </p:spPr>
+        <p:txBody>
+          <a:bodyPr>
+            <a:noAutofit/>
+          </a:bodyPr>
+          <a:lstStyle>
+            <a:lvl1pPr marL="514350" indent="-514350">
+              <a:buFont typeface="Wingdings" panose="05000000000000000000" pitchFamily="2" charset="2"/>
+              <a:buChar char="§"/>
+              <a:defRPr>
+                <a:solidFill>
+                  <a:schemeClr val="bg2"/>
+                </a:solidFill>
+              </a:defRPr>
+            </a:lvl1pPr>
+            <a:lvl2pPr marL="1123935" indent="-514350">
+              <a:buFont typeface="Wingdings" panose="05000000000000000000" pitchFamily="2" charset="2"/>
+              <a:buChar char="§"/>
+              <a:defRPr>
+                <a:solidFill>
+                  <a:schemeClr val="tx1"/>
+                </a:solidFill>
+              </a:defRPr>
+            </a:lvl2pPr>
+            <a:lvl3pPr marL="1733520" indent="-514350">
+              <a:buFont typeface="Wingdings" panose="05000000000000000000" pitchFamily="2" charset="2"/>
+              <a:buChar char="§"/>
+              <a:defRPr>
+                <a:solidFill>
+                  <a:schemeClr val="tx1"/>
+                </a:solidFill>
+              </a:defRPr>
+            </a:lvl3pPr>
+            <a:lvl4pPr marL="2343105" indent="-514350">
+              <a:buFont typeface="Wingdings" panose="05000000000000000000" pitchFamily="2" charset="2"/>
+              <a:buChar char="§"/>
+              <a:defRPr>
+                <a:solidFill>
+                  <a:schemeClr val="tx1"/>
+                </a:solidFill>
+              </a:defRPr>
+            </a:lvl4pPr>
+            <a:lvl5pPr marL="2952689" indent="-514350">
+              <a:buFont typeface="Wingdings" panose="05000000000000000000" pitchFamily="2" charset="2"/>
+              <a:buChar char="§"/>
+              <a:defRPr>
+                <a:solidFill>
+                  <a:schemeClr val="tx1"/>
+                </a:solidFill>
+              </a:defRPr>
+            </a:lvl5pPr>
+          </a:lstStyle>
+          <a:p>
+            <a:pPr marL="360363" indent="-360363" fontAlgn="base">
+              <a:buClr>
+                <a:schemeClr val="bg2"/>
+              </a:buClr>
+            </a:pPr>
+            <a:r>
+              <a:rPr lang="en-US" sz="2800" b="1" dirty="0">
+                <a:solidFill>
+                  <a:schemeClr val="accent1">
+                    <a:lumMod val="60000"/>
+                    <a:lumOff val="40000"/>
+                  </a:schemeClr>
+                </a:solidFill>
+              </a:rPr>
+              <a:t>ORM</a:t>
+            </a:r>
+            <a:r>
+              <a:rPr lang="bg-BG" sz="2800" dirty="0">
+                <a:solidFill>
+                  <a:schemeClr val="bg2"/>
+                </a:solidFill>
+              </a:rPr>
+              <a:t> (</a:t>
+            </a:r>
+            <a:r>
+              <a:rPr lang="en-US" sz="2800" dirty="0"/>
+              <a:t>Object-Relational Mapping</a:t>
+            </a:r>
+            <a:r>
+              <a:rPr lang="en-US" sz="2800" dirty="0">
+                <a:solidFill>
+                  <a:schemeClr val="bg2"/>
+                </a:solidFill>
+              </a:rPr>
+              <a:t>)</a:t>
+            </a:r>
+            <a:r>
+              <a:rPr lang="bg-BG" sz="2800" dirty="0">
+                <a:solidFill>
+                  <a:schemeClr val="bg2"/>
+                </a:solidFill>
+              </a:rPr>
+              <a:t> </a:t>
+            </a:r>
+            <a:r>
+              <a:rPr lang="bg-BG" sz="2800" b="1" dirty="0">
+                <a:solidFill>
+                  <a:schemeClr val="bg2"/>
+                </a:solidFill>
+              </a:rPr>
+              <a:t>==</a:t>
+            </a:r>
+            <a:r>
+              <a:rPr lang="bg-BG" sz="2800" dirty="0">
+                <a:solidFill>
+                  <a:schemeClr val="bg2"/>
+                </a:solidFill>
+              </a:rPr>
+              <a:t> технология, позволяваща работа с данни от бази данни като </a:t>
+            </a:r>
+            <a:r>
+              <a:rPr lang="bg-BG" sz="2800" b="1" dirty="0">
+                <a:solidFill>
+                  <a:schemeClr val="accent1">
+                    <a:lumMod val="60000"/>
+                    <a:lumOff val="40000"/>
+                  </a:schemeClr>
+                </a:solidFill>
+              </a:rPr>
+              <a:t>обекти</a:t>
+            </a:r>
+            <a:endParaRPr lang="en-US" sz="2800" b="1" dirty="0">
+              <a:solidFill>
+                <a:schemeClr val="accent1">
+                  <a:lumMod val="60000"/>
+                  <a:lumOff val="40000"/>
+                </a:schemeClr>
+              </a:solidFill>
+            </a:endParaRPr>
+          </a:p>
+          <a:p>
+            <a:pPr marL="360363" indent="-360363" fontAlgn="base">
+              <a:buClr>
+                <a:schemeClr val="bg2"/>
+              </a:buClr>
+            </a:pPr>
+            <a:r>
+              <a:rPr lang="bg-BG" sz="2800" b="1" dirty="0"/>
+              <a:t>Подходи</a:t>
+            </a:r>
+            <a:r>
+              <a:rPr lang="bg-BG" sz="2800" dirty="0"/>
+              <a:t> за работа с </a:t>
+            </a:r>
+            <a:r>
+              <a:rPr lang="en-US" sz="2800" dirty="0"/>
+              <a:t>ORM</a:t>
+            </a:r>
+            <a:endParaRPr lang="bg-BG" sz="2800" dirty="0"/>
+          </a:p>
+          <a:p>
+            <a:pPr marL="969948" lvl="1" indent="-360363" fontAlgn="base">
+              <a:buClr>
+                <a:schemeClr val="bg2"/>
+              </a:buClr>
+            </a:pPr>
+            <a:r>
+              <a:rPr lang="en-US" sz="2600" b="1" dirty="0">
+                <a:solidFill>
+                  <a:schemeClr val="accent1">
+                    <a:lumMod val="60000"/>
+                    <a:lumOff val="40000"/>
+                  </a:schemeClr>
+                </a:solidFill>
+              </a:rPr>
+              <a:t>Code First </a:t>
+            </a:r>
+            <a:r>
+              <a:rPr lang="en-US" sz="2600" dirty="0">
+                <a:solidFill>
+                  <a:schemeClr val="bg2"/>
+                </a:solidFill>
+              </a:rPr>
+              <a:t>- </a:t>
+            </a:r>
+            <a:r>
+              <a:rPr lang="bg-BG" sz="2600" dirty="0">
+                <a:solidFill>
+                  <a:schemeClr val="bg2"/>
+                </a:solidFill>
+              </a:rPr>
+              <a:t>първо се създават </a:t>
+            </a:r>
+            <a:r>
+              <a:rPr lang="bg-BG" sz="2600" b="1" dirty="0">
+                <a:solidFill>
+                  <a:schemeClr val="bg2"/>
+                </a:solidFill>
+              </a:rPr>
+              <a:t>класове</a:t>
+            </a:r>
+            <a:r>
+              <a:rPr lang="bg-BG" sz="2600" dirty="0">
+                <a:solidFill>
+                  <a:schemeClr val="bg2"/>
+                </a:solidFill>
+              </a:rPr>
+              <a:t> и след това </a:t>
+            </a:r>
+            <a:r>
+              <a:rPr lang="bg-BG" sz="2600" b="1" dirty="0">
+                <a:solidFill>
+                  <a:schemeClr val="bg2"/>
+                </a:solidFill>
+              </a:rPr>
+              <a:t>база данни</a:t>
+            </a:r>
+            <a:endParaRPr lang="en-US" sz="2600" b="1" dirty="0">
+              <a:solidFill>
+                <a:schemeClr val="bg2"/>
+              </a:solidFill>
+            </a:endParaRPr>
+          </a:p>
+          <a:p>
+            <a:pPr marL="969948" lvl="1" indent="-360363" fontAlgn="base">
+              <a:buClr>
+                <a:schemeClr val="bg2"/>
+              </a:buClr>
+            </a:pPr>
+            <a:r>
+              <a:rPr lang="en-US" sz="2600" b="1" dirty="0">
+                <a:solidFill>
+                  <a:schemeClr val="accent1">
+                    <a:lumMod val="60000"/>
+                    <a:lumOff val="40000"/>
+                  </a:schemeClr>
+                </a:solidFill>
+              </a:rPr>
+              <a:t>Database First</a:t>
+            </a:r>
+            <a:r>
+              <a:rPr lang="bg-BG" sz="2600" b="1" dirty="0">
+                <a:solidFill>
+                  <a:schemeClr val="accent1">
+                    <a:lumMod val="60000"/>
+                    <a:lumOff val="40000"/>
+                  </a:schemeClr>
+                </a:solidFill>
+              </a:rPr>
+              <a:t> </a:t>
+            </a:r>
+            <a:r>
+              <a:rPr lang="bg-BG" sz="2600" dirty="0">
+                <a:solidFill>
+                  <a:schemeClr val="bg2"/>
+                </a:solidFill>
+              </a:rPr>
+              <a:t>- първо се създава </a:t>
+            </a:r>
+            <a:r>
+              <a:rPr lang="bg-BG" sz="2600" b="1" dirty="0">
+                <a:solidFill>
+                  <a:schemeClr val="bg2"/>
+                </a:solidFill>
+              </a:rPr>
+              <a:t>база данни </a:t>
+            </a:r>
+            <a:r>
+              <a:rPr lang="bg-BG" sz="2600" dirty="0">
+                <a:solidFill>
+                  <a:schemeClr val="bg2"/>
+                </a:solidFill>
+              </a:rPr>
+              <a:t>и след </a:t>
+            </a:r>
+            <a:r>
+              <a:rPr lang="bg-BG" sz="2600" b="1" dirty="0">
+                <a:solidFill>
+                  <a:schemeClr val="bg2"/>
+                </a:solidFill>
+              </a:rPr>
+              <a:t>това класове</a:t>
+            </a:r>
+            <a:endParaRPr lang="en-US" sz="2600" b="1" dirty="0">
+              <a:solidFill>
+                <a:schemeClr val="bg2"/>
+              </a:solidFill>
+            </a:endParaRPr>
+          </a:p>
+          <a:p>
+            <a:pPr marL="360363" indent="-360363" fontAlgn="base">
+              <a:buClr>
+                <a:schemeClr val="bg2"/>
+              </a:buClr>
+            </a:pPr>
+            <a:r>
+              <a:rPr lang="en-US" sz="2800" b="1" dirty="0">
+                <a:solidFill>
+                  <a:schemeClr val="accent1">
+                    <a:lumMod val="60000"/>
+                    <a:lumOff val="40000"/>
+                  </a:schemeClr>
+                </a:solidFill>
+              </a:rPr>
+              <a:t>Entity Framework </a:t>
+            </a:r>
+            <a:r>
+              <a:rPr lang="bg-BG" sz="2800" dirty="0">
+                <a:solidFill>
+                  <a:schemeClr val="accent1">
+                    <a:lumMod val="60000"/>
+                    <a:lumOff val="40000"/>
+                  </a:schemeClr>
+                </a:solidFill>
+              </a:rPr>
+              <a:t> </a:t>
+            </a:r>
+            <a:r>
+              <a:rPr lang="bg-BG" sz="2800" b="1" dirty="0"/>
+              <a:t>==</a:t>
+            </a:r>
+            <a:r>
+              <a:rPr lang="bg-BG" sz="2800" dirty="0">
+                <a:solidFill>
+                  <a:schemeClr val="accent1">
+                    <a:lumMod val="60000"/>
+                    <a:lumOff val="40000"/>
+                  </a:schemeClr>
+                </a:solidFill>
+              </a:rPr>
+              <a:t> </a:t>
+            </a:r>
+            <a:r>
+              <a:rPr lang="bg-BG" sz="2800" dirty="0"/>
+              <a:t>о</a:t>
+            </a:r>
+            <a:r>
+              <a:rPr lang="bg-BG" sz="2800" dirty="0">
+                <a:solidFill>
+                  <a:schemeClr val="bg2"/>
+                </a:solidFill>
+              </a:rPr>
+              <a:t>сигурява</a:t>
+            </a:r>
+            <a:r>
+              <a:rPr lang="bg-BG" sz="2800" dirty="0">
+                <a:solidFill>
+                  <a:schemeClr val="accent1"/>
+                </a:solidFill>
+              </a:rPr>
+              <a:t> </a:t>
+            </a:r>
+            <a:r>
+              <a:rPr lang="bg-BG" sz="2800" b="1" dirty="0">
+                <a:solidFill>
+                  <a:schemeClr val="accent1">
+                    <a:lumMod val="60000"/>
+                    <a:lumOff val="40000"/>
+                  </a:schemeClr>
+                </a:solidFill>
+              </a:rPr>
+              <a:t>L</a:t>
+            </a:r>
+            <a:r>
+              <a:rPr lang="en-US" sz="2800" b="1" dirty="0">
+                <a:solidFill>
+                  <a:schemeClr val="accent1">
+                    <a:lumMod val="60000"/>
+                    <a:lumOff val="40000"/>
+                  </a:schemeClr>
+                </a:solidFill>
+              </a:rPr>
+              <a:t>INQ </a:t>
+            </a:r>
+            <a:r>
+              <a:rPr lang="bg-BG" sz="2800" dirty="0">
+                <a:solidFill>
+                  <a:schemeClr val="bg2"/>
+                </a:solidFill>
+              </a:rPr>
+              <a:t>заявки, </a:t>
+            </a:r>
+            <a:r>
+              <a:rPr lang="en-US" sz="2800" b="1" dirty="0">
+                <a:solidFill>
+                  <a:schemeClr val="accent1">
+                    <a:lumMod val="60000"/>
+                    <a:lumOff val="40000"/>
+                  </a:schemeClr>
+                </a:solidFill>
+              </a:rPr>
+              <a:t>CRUD</a:t>
+            </a:r>
+            <a:r>
+              <a:rPr lang="en-US" sz="2800" dirty="0">
+                <a:solidFill>
+                  <a:schemeClr val="bg2"/>
+                </a:solidFill>
+              </a:rPr>
+              <a:t> </a:t>
+            </a:r>
+            <a:r>
+              <a:rPr lang="bg-BG" sz="2800" dirty="0">
+                <a:solidFill>
+                  <a:schemeClr val="bg2"/>
+                </a:solidFill>
+              </a:rPr>
+              <a:t>операции, автоматично </a:t>
+            </a:r>
+            <a:r>
+              <a:rPr lang="bg-BG" sz="2800" b="1" dirty="0">
+                <a:solidFill>
+                  <a:schemeClr val="accent1">
+                    <a:lumMod val="60000"/>
+                    <a:lumOff val="40000"/>
+                  </a:schemeClr>
+                </a:solidFill>
+              </a:rPr>
+              <a:t>проследяване на промени</a:t>
+            </a:r>
+            <a:endParaRPr lang="en-US" sz="2800" b="1" dirty="0">
+              <a:solidFill>
+                <a:schemeClr val="accent1">
+                  <a:lumMod val="60000"/>
+                  <a:lumOff val="40000"/>
+                </a:schemeClr>
+              </a:solidFill>
+            </a:endParaRPr>
+          </a:p>
+          <a:p>
+            <a:pPr marL="360363" indent="-360363" fontAlgn="base">
+              <a:buClr>
+                <a:schemeClr val="bg2"/>
+              </a:buClr>
+            </a:pPr>
+            <a:r>
+              <a:rPr lang="en-US" sz="2800" b="1" dirty="0">
+                <a:solidFill>
+                  <a:schemeClr val="accent1">
+                    <a:lumMod val="60000"/>
+                    <a:lumOff val="40000"/>
+                  </a:schemeClr>
+                </a:solidFill>
+              </a:rPr>
+              <a:t>Connection string</a:t>
+            </a:r>
+            <a:r>
+              <a:rPr lang="bg-BG" sz="2800" b="1" dirty="0">
+                <a:solidFill>
+                  <a:schemeClr val="accent1">
+                    <a:lumMod val="60000"/>
+                    <a:lumOff val="40000"/>
+                  </a:schemeClr>
+                </a:solidFill>
+              </a:rPr>
+              <a:t> </a:t>
+            </a:r>
+            <a:r>
+              <a:rPr lang="bg-BG" sz="2800" b="1" dirty="0"/>
+              <a:t>==</a:t>
+            </a:r>
+            <a:r>
+              <a:rPr lang="bg-BG" sz="2800" b="1" dirty="0">
+                <a:solidFill>
+                  <a:schemeClr val="accent1">
+                    <a:lumMod val="60000"/>
+                    <a:lumOff val="40000"/>
+                  </a:schemeClr>
+                </a:solidFill>
+              </a:rPr>
+              <a:t> </a:t>
+            </a:r>
+            <a:r>
+              <a:rPr lang="bg-BG" sz="2800" b="1" dirty="0"/>
+              <a:t>и</a:t>
+            </a:r>
+            <a:r>
+              <a:rPr lang="bg-BG" sz="2800" b="1" dirty="0">
+                <a:solidFill>
+                  <a:schemeClr val="bg2"/>
+                </a:solidFill>
+              </a:rPr>
+              <a:t>нформация</a:t>
+            </a:r>
+            <a:r>
+              <a:rPr lang="bg-BG" sz="2800" dirty="0">
+                <a:solidFill>
+                  <a:schemeClr val="bg2"/>
+                </a:solidFill>
+              </a:rPr>
+              <a:t>, чрез която </a:t>
+            </a:r>
+            <a:r>
+              <a:rPr lang="bg-BG" sz="2800" b="1" dirty="0">
+                <a:solidFill>
+                  <a:schemeClr val="accent1">
+                    <a:lumMod val="60000"/>
+                    <a:lumOff val="40000"/>
+                  </a:schemeClr>
+                </a:solidFill>
+              </a:rPr>
+              <a:t>свързваме приложението </a:t>
+            </a:r>
+            <a:r>
+              <a:rPr lang="bg-BG" sz="2800" dirty="0">
+                <a:solidFill>
+                  <a:schemeClr val="accent1">
+                    <a:lumMod val="60000"/>
+                    <a:lumOff val="40000"/>
+                  </a:schemeClr>
+                </a:solidFill>
+              </a:rPr>
+              <a:t> </a:t>
+            </a:r>
+            <a:r>
+              <a:rPr lang="bg-BG" sz="2800" dirty="0">
+                <a:solidFill>
+                  <a:schemeClr val="bg2"/>
+                </a:solidFill>
+              </a:rPr>
+              <a:t>с </a:t>
+            </a:r>
+            <a:r>
+              <a:rPr lang="bg-BG" sz="2800" b="1" dirty="0">
+                <a:solidFill>
+                  <a:schemeClr val="bg2"/>
+                </a:solidFill>
+              </a:rPr>
+              <a:t>базата данни</a:t>
+            </a:r>
+            <a:endParaRPr lang="en-US" sz="2800" b="1" dirty="0">
+              <a:solidFill>
+                <a:schemeClr val="bg2"/>
+              </a:solidFill>
+            </a:endParaRPr>
+          </a:p>
+        </p:txBody>
+      </p:sp>
+      <p:sp>
+        <p:nvSpPr>
+          <p:cNvPr id="4" name="Slide Title"/>
+          <p:cNvSpPr>
+            <a:spLocks noGrp="1"/>
+          </p:cNvSpPr>
+          <p:nvPr>
+            <p:ph type="title"/>
+          </p:nvPr>
+        </p:nvSpPr>
+        <p:spPr/>
+        <p:txBody>
+          <a:bodyPr>
+            <a:normAutofit/>
+          </a:bodyPr>
+          <a:lstStyle/>
+          <a:p>
+            <a:r>
+              <a:rPr lang="bg-BG" dirty="0"/>
+              <a:t>Обобщение</a:t>
+            </a:r>
+            <a:endParaRPr lang="en-US" dirty="0"/>
+          </a:p>
+        </p:txBody>
+      </p:sp>
+      <p:sp>
+        <p:nvSpPr>
+          <p:cNvPr id="2" name="Slide Number">
+            <a:extLst>
+              <a:ext uri="{FF2B5EF4-FFF2-40B4-BE49-F238E27FC236}">
+                <a16:creationId xmlns:a16="http://schemas.microsoft.com/office/drawing/2014/main" id="{E369AAE7-BDDC-FE11-A61E-E20F7F6632E6}"/>
+              </a:ext>
+            </a:extLst>
+          </p:cNvPr>
+          <p:cNvSpPr>
+            <a:spLocks noGrp="1"/>
+          </p:cNvSpPr>
+          <p:nvPr>
+            <p:ph type="sldNum" sz="quarter" idx="5"/>
+          </p:nvPr>
+        </p:nvSpPr>
+        <p:spPr>
+          <a:xfrm>
+            <a:off x="11753030" y="6507000"/>
+            <a:ext cx="367414" cy="297000"/>
+          </a:xfrm>
+          <a:prstGeom prst="rect">
+            <a:avLst/>
+          </a:prstGeom>
+        </p:spPr>
+        <p:txBody>
+          <a:bodyPr vert="horz" lIns="91440" tIns="45720" rIns="91440" bIns="45720" rtlCol="0" anchor="b"/>
+          <a:lstStyle>
+            <a:lvl1pPr algn="r">
+              <a:defRPr sz="1000"/>
+            </a:lvl1pPr>
+          </a:lstStyle>
+          <a:p>
+            <a:fld id="{2BF067CD-8E6B-4360-9AA8-C5DF2A48A6D1}" type="slidenum">
+              <a:rPr lang="en-US" noProof="0" smtClean="0"/>
+              <a:pPr/>
+              <a:t>51</a:t>
+            </a:fld>
+            <a:endParaRPr lang="en-US" noProof="0" dirty="0"/>
+          </a:p>
+        </p:txBody>
+      </p:sp>
+    </p:spTree>
+    <p:extLst>
+      <p:ext uri="{BB962C8B-B14F-4D97-AF65-F5344CB8AC3E}">
+        <p14:creationId xmlns:p14="http://schemas.microsoft.com/office/powerpoint/2010/main" val="2723049896"/>
+      </p:ext>
+    </p:extLst>
+  </p:cSld>
+  <p:clrMapOvr>
+    <a:masterClrMapping/>
+  </p:clrMapOvr>
+  <mc:AlternateContent xmlns:mc="http://schemas.openxmlformats.org/markup-compatibility/2006" xmlns:p14="http://schemas.microsoft.com/office/powerpoint/2010/main">
+    <mc:Choice Requires="p14">
+      <p:transition spd="slow" p14:dur="2000" advClick="0" advTm="5000"/>
+    </mc:Choice>
+    <mc:Fallback xmlns="">
+      <p:transition spd="slow" advClick="0" advTm="5000"/>
+    </mc:Fallback>
+  </mc:AlternateContent>
+  <p:timing>
+    <p:tnLst>
+      <p:par>
+        <p:cTn id="1" dur="indefinite" restart="never" nodeType="tmRoot">
+          <p:childTnLst>
+            <p:seq concurrent="1" nextAc="seek">
+              <p:cTn id="2" dur="indefinite" nodeType="mainSeq">
+                <p:childTnLst>
+                  <p:par>
+                    <p:cTn id="3" fill="hold">
+                      <p:stCondLst>
+                        <p:cond delay="indefinite"/>
+                        <p:cond evt="onBegin" delay="0">
+                          <p:tn val="2"/>
+                        </p:cond>
+                      </p:stCondLst>
+                      <p:childTnLst>
+                        <p:par>
+                          <p:cTn id="4" fill="hold">
+                            <p:stCondLst>
+                              <p:cond delay="0"/>
+                            </p:stCondLst>
+                            <p:childTnLst>
+                              <p:par>
+                                <p:cTn id="5" presetID="1" presetClass="entr" presetSubtype="0" fill="hold" nodeType="withEffect">
+                                  <p:stCondLst>
+                                    <p:cond delay="0"/>
+                                  </p:stCondLst>
+                                  <p:childTnLst>
+                                    <p:set>
+                                      <p:cBhvr>
+                                        <p:cTn id="6" dur="1" fill="hold">
+                                          <p:stCondLst>
+                                            <p:cond delay="0"/>
+                                          </p:stCondLst>
+                                        </p:cTn>
+                                        <p:tgtEl>
+                                          <p:spTgt spid="14">
+                                            <p:txEl>
+                                              <p:pRg st="0" end="0"/>
+                                            </p:txEl>
+                                          </p:spTgt>
+                                        </p:tgtEl>
+                                        <p:attrNameLst>
+                                          <p:attrName>style.visibility</p:attrName>
+                                        </p:attrNameLst>
+                                      </p:cBhvr>
+                                      <p:to>
+                                        <p:strVal val="visible"/>
+                                      </p:to>
+                                    </p:set>
+                                  </p:childTnLst>
+                                </p:cTn>
+                              </p:par>
+                            </p:childTnLst>
+                          </p:cTn>
+                        </p:par>
+                      </p:childTnLst>
+                    </p:cTn>
+                  </p:par>
+                  <p:par>
+                    <p:cTn id="7" fill="hold">
+                      <p:stCondLst>
+                        <p:cond delay="indefinite"/>
+                      </p:stCondLst>
+                      <p:childTnLst>
+                        <p:par>
+                          <p:cTn id="8" fill="hold">
+                            <p:stCondLst>
+                              <p:cond delay="0"/>
+                            </p:stCondLst>
+                            <p:childTnLst>
+                              <p:par>
+                                <p:cTn id="9" presetID="1" presetClass="entr" presetSubtype="0" fill="hold" nodeType="clickEffect">
+                                  <p:stCondLst>
+                                    <p:cond delay="0"/>
+                                  </p:stCondLst>
+                                  <p:childTnLst>
+                                    <p:set>
+                                      <p:cBhvr>
+                                        <p:cTn id="10" dur="1" fill="hold">
+                                          <p:stCondLst>
+                                            <p:cond delay="0"/>
+                                          </p:stCondLst>
+                                        </p:cTn>
+                                        <p:tgtEl>
+                                          <p:spTgt spid="14">
+                                            <p:txEl>
+                                              <p:pRg st="1" end="1"/>
+                                            </p:txEl>
+                                          </p:spTgt>
+                                        </p:tgtEl>
+                                        <p:attrNameLst>
+                                          <p:attrName>style.visibility</p:attrName>
+                                        </p:attrNameLst>
+                                      </p:cBhvr>
+                                      <p:to>
+                                        <p:strVal val="visible"/>
+                                      </p:to>
+                                    </p:set>
+                                  </p:childTnLst>
+                                </p:cTn>
+                              </p:par>
+                              <p:par>
+                                <p:cTn id="11" presetID="1" presetClass="entr" presetSubtype="0" fill="hold" nodeType="withEffect">
+                                  <p:stCondLst>
+                                    <p:cond delay="0"/>
+                                  </p:stCondLst>
+                                  <p:childTnLst>
+                                    <p:set>
+                                      <p:cBhvr>
+                                        <p:cTn id="12" dur="1" fill="hold">
+                                          <p:stCondLst>
+                                            <p:cond delay="0"/>
+                                          </p:stCondLst>
+                                        </p:cTn>
+                                        <p:tgtEl>
+                                          <p:spTgt spid="14">
+                                            <p:txEl>
+                                              <p:pRg st="2" end="2"/>
+                                            </p:txEl>
+                                          </p:spTgt>
+                                        </p:tgtEl>
+                                        <p:attrNameLst>
+                                          <p:attrName>style.visibility</p:attrName>
+                                        </p:attrNameLst>
+                                      </p:cBhvr>
+                                      <p:to>
+                                        <p:strVal val="visible"/>
+                                      </p:to>
+                                    </p:set>
+                                  </p:childTnLst>
+                                </p:cTn>
+                              </p:par>
+                            </p:childTnLst>
+                          </p:cTn>
+                        </p:par>
+                      </p:childTnLst>
+                    </p:cTn>
+                  </p:par>
+                  <p:par>
+                    <p:cTn id="13" fill="hold">
+                      <p:stCondLst>
+                        <p:cond delay="indefinite"/>
+                      </p:stCondLst>
+                      <p:childTnLst>
+                        <p:par>
+                          <p:cTn id="14" fill="hold">
+                            <p:stCondLst>
+                              <p:cond delay="0"/>
+                            </p:stCondLst>
+                            <p:childTnLst>
+                              <p:par>
+                                <p:cTn id="15" presetID="1" presetClass="entr" presetSubtype="0" fill="hold" nodeType="clickEffect">
+                                  <p:stCondLst>
+                                    <p:cond delay="0"/>
+                                  </p:stCondLst>
+                                  <p:childTnLst>
+                                    <p:set>
+                                      <p:cBhvr>
+                                        <p:cTn id="16" dur="1" fill="hold">
+                                          <p:stCondLst>
+                                            <p:cond delay="0"/>
+                                          </p:stCondLst>
+                                        </p:cTn>
+                                        <p:tgtEl>
+                                          <p:spTgt spid="14">
+                                            <p:txEl>
+                                              <p:pRg st="3" end="3"/>
+                                            </p:txEl>
+                                          </p:spTgt>
+                                        </p:tgtEl>
+                                        <p:attrNameLst>
+                                          <p:attrName>style.visibility</p:attrName>
+                                        </p:attrNameLst>
+                                      </p:cBhvr>
+                                      <p:to>
+                                        <p:strVal val="visible"/>
+                                      </p:to>
+                                    </p:set>
+                                  </p:childTnLst>
+                                </p:cTn>
+                              </p:par>
+                            </p:childTnLst>
+                          </p:cTn>
+                        </p:par>
+                      </p:childTnLst>
+                    </p:cTn>
+                  </p:par>
+                  <p:par>
+                    <p:cTn id="17" fill="hold">
+                      <p:stCondLst>
+                        <p:cond delay="indefinite"/>
+                      </p:stCondLst>
+                      <p:childTnLst>
+                        <p:par>
+                          <p:cTn id="18" fill="hold">
+                            <p:stCondLst>
+                              <p:cond delay="0"/>
+                            </p:stCondLst>
+                            <p:childTnLst>
+                              <p:par>
+                                <p:cTn id="19" presetID="1" presetClass="entr" presetSubtype="0" fill="hold" nodeType="clickEffect">
+                                  <p:stCondLst>
+                                    <p:cond delay="0"/>
+                                  </p:stCondLst>
+                                  <p:childTnLst>
+                                    <p:set>
+                                      <p:cBhvr>
+                                        <p:cTn id="20" dur="1" fill="hold">
+                                          <p:stCondLst>
+                                            <p:cond delay="0"/>
+                                          </p:stCondLst>
+                                        </p:cTn>
+                                        <p:tgtEl>
+                                          <p:spTgt spid="14">
+                                            <p:txEl>
+                                              <p:pRg st="4" end="4"/>
+                                            </p:txEl>
+                                          </p:spTgt>
+                                        </p:tgtEl>
+                                        <p:attrNameLst>
+                                          <p:attrName>style.visibility</p:attrName>
+                                        </p:attrNameLst>
+                                      </p:cBhvr>
+                                      <p:to>
+                                        <p:strVal val="visible"/>
+                                      </p:to>
+                                    </p:set>
+                                  </p:childTnLst>
+                                </p:cTn>
+                              </p:par>
+                            </p:childTnLst>
+                          </p:cTn>
+                        </p:par>
+                      </p:childTnLst>
+                    </p:cTn>
+                  </p:par>
+                  <p:par>
+                    <p:cTn id="21" fill="hold">
+                      <p:stCondLst>
+                        <p:cond delay="indefinite"/>
+                      </p:stCondLst>
+                      <p:childTnLst>
+                        <p:par>
+                          <p:cTn id="22" fill="hold">
+                            <p:stCondLst>
+                              <p:cond delay="0"/>
+                            </p:stCondLst>
+                            <p:childTnLst>
+                              <p:par>
+                                <p:cTn id="23" presetID="1" presetClass="entr" presetSubtype="0" fill="hold" nodeType="clickEffect">
+                                  <p:stCondLst>
+                                    <p:cond delay="0"/>
+                                  </p:stCondLst>
+                                  <p:childTnLst>
+                                    <p:set>
+                                      <p:cBhvr>
+                                        <p:cTn id="24" dur="1" fill="hold">
+                                          <p:stCondLst>
+                                            <p:cond delay="0"/>
+                                          </p:stCondLst>
+                                        </p:cTn>
+                                        <p:tgtEl>
+                                          <p:spTgt spid="14">
+                                            <p:txEl>
+                                              <p:pRg st="5" end="5"/>
+                                            </p:txEl>
+                                          </p:spTgt>
+                                        </p:tgtEl>
+                                        <p:attrNameLst>
+                                          <p:attrName>style.visibility</p:attrName>
+                                        </p:attrNameLst>
+                                      </p:cBhvr>
+                                      <p:to>
+                                        <p:strVal val="visible"/>
+                                      </p:to>
+                                    </p:set>
+                                  </p:childTnLst>
+                                </p:cTn>
+                              </p:par>
+                            </p:childTnLst>
+                          </p:cTn>
+                        </p:par>
+                      </p:childTnLst>
+                    </p:cTn>
+                  </p:par>
+                </p:childTnLst>
+              </p:cTn>
+              <p:prevCondLst>
+                <p:cond evt="onPrev" delay="0">
+                  <p:tgtEl>
+                    <p:sldTgt/>
+                  </p:tgtEl>
+                </p:cond>
+              </p:prevCondLst>
+              <p:nextCondLst>
+                <p:cond evt="onNext" delay="0">
+                  <p:tgtEl>
+                    <p:sldTgt/>
+                  </p:tgtEl>
+                </p:cond>
+              </p:nextCondLst>
+            </p:seq>
+          </p:childTnLst>
+        </p:cTn>
+      </p:par>
+    </p:tnLst>
+  </p:timing>
+</p:sld>
+</file>
+
+<file path=ppt/slides/slide52.xml><?xml version="1.0" encoding="utf-8"?>
+<p:sld xmlns:a="http://schemas.openxmlformats.org/drawingml/2006/main" xmlns:r="http://schemas.openxmlformats.org/officeDocument/2006/relationships" xmlns:p="http://schemas.openxmlformats.org/presentationml/2006/main">
+  <p:cSld>
+    <p:spTree>
+      <p:nvGrpSpPr>
+        <p:cNvPr id="1" name=""/>
+        <p:cNvGrpSpPr/>
+        <p:nvPr/>
+      </p:nvGrpSpPr>
+      <p:grpSpPr>
+        <a:xfrm>
+          <a:off x="0" y="0"/>
+          <a:ext cx="0" cy="0"/>
+          <a:chOff x="0" y="0"/>
+          <a:chExt cx="0" cy="0"/>
+        </a:xfrm>
+      </p:grpSpPr>
+      <p:sp>
+        <p:nvSpPr>
+          <p:cNvPr id="5" name="Slide Title">
+            <a:extLst>
+              <a:ext uri="{FF2B5EF4-FFF2-40B4-BE49-F238E27FC236}">
+                <a16:creationId xmlns:a16="http://schemas.microsoft.com/office/drawing/2014/main" id="{FA0703FC-0F8F-4C80-A615-E4B381EC0E0C}"/>
+              </a:ext>
+            </a:extLst>
+          </p:cNvPr>
+          <p:cNvSpPr>
+            <a:spLocks noGrp="1"/>
+          </p:cNvSpPr>
+          <p:nvPr>
+            <p:ph type="title"/>
+          </p:nvPr>
+        </p:nvSpPr>
+        <p:spPr/>
+        <p:txBody>
+          <a:bodyPr/>
+          <a:lstStyle/>
+          <a:p>
+            <a:r>
+              <a:rPr lang="bg-BG" dirty="0"/>
+              <a:t>Въпроси</a:t>
+            </a:r>
+            <a:r>
+              <a:rPr lang="en-US" dirty="0"/>
+              <a:t>?</a:t>
+            </a:r>
+          </a:p>
+        </p:txBody>
+      </p:sp>
+      <p:sp>
+        <p:nvSpPr>
+          <p:cNvPr id="2" name="Rectangle Bottom Copyright">
+            <a:extLst>
+              <a:ext uri="{FF2B5EF4-FFF2-40B4-BE49-F238E27FC236}">
+                <a16:creationId xmlns:a16="http://schemas.microsoft.com/office/drawing/2014/main" id="{664812A4-2991-44D1-BFE9-32E55AADF8A5}"/>
+              </a:ext>
+            </a:extLst>
+          </p:cNvPr>
+          <p:cNvSpPr/>
+          <p:nvPr/>
+        </p:nvSpPr>
+        <p:spPr>
+          <a:xfrm>
+            <a:off x="111000" y="6454758"/>
+            <a:ext cx="11970000" cy="304242"/>
+          </a:xfrm>
+          <a:prstGeom prst="rect">
+            <a:avLst/>
+          </a:prstGeom>
+        </p:spPr>
+        <p:txBody>
+          <a:bodyPr wrap="square">
+            <a:noAutofit/>
+          </a:bodyPr>
+          <a:lstStyle/>
+          <a:p>
+            <a:pPr algn="ctr">
+              <a:lnSpc>
+                <a:spcPct val="100000"/>
+              </a:lnSpc>
+              <a:spcBef>
+                <a:spcPts val="0"/>
+              </a:spcBef>
+              <a:spcAft>
+                <a:spcPts val="0"/>
+              </a:spcAft>
+            </a:pPr>
+            <a:r>
+              <a:rPr lang="bg-BG" sz="1600" dirty="0">
+                <a:solidFill>
+                  <a:schemeClr val="bg2"/>
+                </a:solidFill>
+                <a:effectLst/>
+                <a:latin typeface="Calibri" panose="020F0502020204030204" pitchFamily="34" charset="0"/>
+                <a:ea typeface="Calibri" panose="020F0502020204030204" pitchFamily="34" charset="0"/>
+                <a:cs typeface="Arial" panose="020B0604020202020204" pitchFamily="34" charset="0"/>
+              </a:rPr>
+              <a:t>Проект "</a:t>
+            </a:r>
+            <a:r>
+              <a:rPr lang="bg-BG" sz="1600" dirty="0">
+                <a:solidFill>
+                  <a:schemeClr val="bg1">
+                    <a:lumMod val="20000"/>
+                    <a:lumOff val="80000"/>
+                  </a:schemeClr>
+                </a:solidFill>
+                <a:effectLst/>
+                <a:latin typeface="Calibri" panose="020F0502020204030204" pitchFamily="34" charset="0"/>
+                <a:ea typeface="Calibri" panose="020F0502020204030204" pitchFamily="34" charset="0"/>
+                <a:cs typeface="Arial" panose="020B0604020202020204" pitchFamily="34" charset="0"/>
+                <a:hlinkClick r:id="rId3">
+                  <a:extLst>
+                    <a:ext uri="{A12FA001-AC4F-418D-AE19-62706E023703}">
+                      <ahyp:hlinkClr xmlns:ahyp="http://schemas.microsoft.com/office/drawing/2018/hyperlinkcolor" val="tx"/>
+                    </a:ext>
+                  </a:extLst>
+                </a:hlinkClick>
+              </a:rPr>
+              <a:t>Отворено учебно съдържание по програмиране и ИТ</a:t>
+            </a:r>
+            <a:r>
+              <a:rPr lang="bg-BG" sz="1600" dirty="0">
+                <a:solidFill>
+                  <a:schemeClr val="bg2"/>
+                </a:solidFill>
+                <a:effectLst/>
+                <a:latin typeface="Calibri" panose="020F0502020204030204" pitchFamily="34" charset="0"/>
+                <a:ea typeface="Calibri" panose="020F0502020204030204" pitchFamily="34" charset="0"/>
+                <a:cs typeface="Arial" panose="020B0604020202020204" pitchFamily="34" charset="0"/>
+              </a:rPr>
+              <a:t>", СофтУни Фондация (лиценз </a:t>
+            </a:r>
+            <a:r>
+              <a:rPr lang="en-US" sz="1600" dirty="0">
+                <a:solidFill>
+                  <a:schemeClr val="bg2"/>
+                </a:solidFill>
+                <a:effectLst/>
+                <a:latin typeface="Calibri" panose="020F0502020204030204" pitchFamily="34" charset="0"/>
+                <a:ea typeface="Calibri" panose="020F0502020204030204" pitchFamily="34" charset="0"/>
+                <a:cs typeface="Arial" panose="020B0604020202020204" pitchFamily="34" charset="0"/>
+              </a:rPr>
+              <a:t>CC-BY-NC-SA</a:t>
+            </a:r>
+            <a:r>
+              <a:rPr lang="bg-BG" sz="1600" dirty="0">
+                <a:solidFill>
+                  <a:schemeClr val="bg2"/>
+                </a:solidFill>
+                <a:effectLst/>
+                <a:latin typeface="Calibri" panose="020F0502020204030204" pitchFamily="34" charset="0"/>
+                <a:ea typeface="Calibri" panose="020F0502020204030204" pitchFamily="34" charset="0"/>
+                <a:cs typeface="Arial" panose="020B0604020202020204" pitchFamily="34" charset="0"/>
+              </a:rPr>
+              <a:t>)</a:t>
+            </a:r>
+            <a:endParaRPr lang="bg-BG" sz="2400" dirty="0">
+              <a:solidFill>
+                <a:schemeClr val="bg2"/>
+              </a:solidFill>
+              <a:effectLst/>
+              <a:latin typeface="Calibri" panose="020F0502020204030204" pitchFamily="34" charset="0"/>
+              <a:ea typeface="Calibri" panose="020F0502020204030204" pitchFamily="34" charset="0"/>
+              <a:cs typeface="Arial" panose="020B0604020202020204" pitchFamily="34" charset="0"/>
+            </a:endParaRPr>
+          </a:p>
+        </p:txBody>
+      </p:sp>
+    </p:spTree>
+    <p:extLst>
+      <p:ext uri="{BB962C8B-B14F-4D97-AF65-F5344CB8AC3E}">
+        <p14:creationId xmlns:p14="http://schemas.microsoft.com/office/powerpoint/2010/main" val="1472534970"/>
+      </p:ext>
+    </p:extLst>
+  </p:cSld>
+  <p:clrMapOvr>
+    <a:masterClrMapping/>
+  </p:clrMapOvr>
+  <mc:AlternateContent xmlns:mc="http://schemas.openxmlformats.org/markup-compatibility/2006" xmlns:p14="http://schemas.microsoft.com/office/powerpoint/2010/main">
+    <mc:Choice Requires="p14">
+      <p:transition spd="slow" p14:dur="2000" advClick="0" advTm="5000"/>
+    </mc:Choice>
+    <mc:Fallback xmlns="">
+      <p:transition spd="slow" advClick="0" advTm="5000"/>
+    </mc:Fallback>
+  </mc:AlternateContent>
+</p:sld>
+</file>
+
+<file path=ppt/slides/slide53.xml><?xml version="1.0" encoding="utf-8"?>
+<p:sld xmlns:a="http://schemas.openxmlformats.org/drawingml/2006/main" xmlns:r="http://schemas.openxmlformats.org/officeDocument/2006/relationships" xmlns:p="http://schemas.openxmlformats.org/presentationml/2006/main" show="0">
+  <p:cSld>
+    <p:spTree>
+      <p:nvGrpSpPr>
+        <p:cNvPr id="1" name=""/>
+        <p:cNvGrpSpPr/>
+        <p:nvPr/>
+      </p:nvGrpSpPr>
+      <p:grpSpPr>
+        <a:xfrm>
+          <a:off x="0" y="0"/>
+          <a:ext cx="0" cy="0"/>
+          <a:chOff x="0" y="0"/>
+          <a:chExt cx="0" cy="0"/>
+        </a:xfrm>
+      </p:grpSpPr>
+      <p:sp>
+        <p:nvSpPr>
+          <p:cNvPr id="5" name="Slide Number">
+            <a:extLst>
+              <a:ext uri="{FF2B5EF4-FFF2-40B4-BE49-F238E27FC236}">
+                <a16:creationId xmlns:a16="http://schemas.microsoft.com/office/drawing/2014/main" id="{F48C3C93-90A1-4D31-BEA6-B54D1106CE31}"/>
+              </a:ext>
+            </a:extLst>
+          </p:cNvPr>
+          <p:cNvSpPr>
+            <a:spLocks noGrp="1"/>
+          </p:cNvSpPr>
+          <p:nvPr>
+            <p:ph type="sldNum" sz="quarter" idx="5"/>
+          </p:nvPr>
+        </p:nvSpPr>
+        <p:spPr>
+          <a:xfrm>
+            <a:off x="11753030" y="6507000"/>
+            <a:ext cx="367414" cy="297000"/>
+          </a:xfrm>
+          <a:prstGeom prst="rect">
+            <a:avLst/>
+          </a:prstGeom>
+        </p:spPr>
+        <p:txBody>
+          <a:bodyPr vert="horz" lIns="91440" tIns="45720" rIns="91440" bIns="45720" rtlCol="0" anchor="b"/>
+          <a:lstStyle>
+            <a:lvl1pPr algn="r">
+              <a:defRPr sz="1000"/>
+            </a:lvl1pPr>
+          </a:lstStyle>
+          <a:p>
+            <a:fld id="{2BF067CD-8E6B-4360-9AA8-C5DF2A48A6D1}" type="slidenum">
+              <a:rPr lang="en-US" smtClean="0"/>
+              <a:pPr/>
+              <a:t>53</a:t>
+            </a:fld>
+            <a:endParaRPr lang="en-US" dirty="0"/>
+          </a:p>
+        </p:txBody>
+      </p:sp>
+      <p:sp>
+        <p:nvSpPr>
+          <p:cNvPr id="2" name="Slide Body">
+            <a:extLst>
+              <a:ext uri="{FF2B5EF4-FFF2-40B4-BE49-F238E27FC236}">
+                <a16:creationId xmlns:a16="http://schemas.microsoft.com/office/drawing/2014/main" id="{980F49B1-E4BE-4389-A747-7AB9B71AD920}"/>
+              </a:ext>
+            </a:extLst>
+          </p:cNvPr>
+          <p:cNvSpPr>
+            <a:spLocks noGrp="1"/>
+          </p:cNvSpPr>
+          <p:nvPr>
+            <p:ph type="body" sz="quarter" idx="10"/>
+          </p:nvPr>
+        </p:nvSpPr>
+        <p:spPr>
+          <a:xfrm>
+            <a:off x="190402" y="1269001"/>
+            <a:ext cx="9865598" cy="2474999"/>
+          </a:xfrm>
+        </p:spPr>
+        <p:txBody>
+          <a:bodyPr>
+            <a:normAutofit/>
+          </a:bodyPr>
+          <a:lstStyle/>
+          <a:p>
+            <a:pPr>
+              <a:lnSpc>
+                <a:spcPct val="120000"/>
+              </a:lnSpc>
+            </a:pPr>
+            <a:r>
+              <a:rPr lang="bg-BG" sz="3200" dirty="0"/>
+              <a:t>Този курс</a:t>
+            </a:r>
+            <a:r>
+              <a:rPr lang="en-US" sz="3200" dirty="0"/>
+              <a:t> (</a:t>
+            </a:r>
+            <a:r>
+              <a:rPr lang="bg-BG" sz="3200" dirty="0"/>
+              <a:t>презентации, примери, демонстрационен код, упражнения, домашни, видео и други активи</a:t>
+            </a:r>
+            <a:r>
+              <a:rPr lang="en-US" sz="3200" dirty="0"/>
+              <a:t>) </a:t>
+            </a:r>
+            <a:r>
+              <a:rPr lang="bg-BG" sz="3200" dirty="0"/>
+              <a:t>представлява</a:t>
+            </a:r>
+            <a:r>
+              <a:rPr lang="en-US" sz="3200" dirty="0"/>
+              <a:t> </a:t>
+            </a:r>
+            <a:r>
+              <a:rPr lang="bg-BG" sz="3200" b="1" dirty="0"/>
+              <a:t>свободно учебно съдържание </a:t>
+            </a:r>
+            <a:r>
+              <a:rPr lang="bg-BG" sz="3200" dirty="0"/>
+              <a:t>и се разпространява под свободен лиценз </a:t>
+            </a:r>
+            <a:r>
+              <a:rPr lang="en-US" sz="3200" b="1" dirty="0"/>
+              <a:t>CC-BY-NC-SA</a:t>
+            </a:r>
+            <a:endParaRPr lang="bg-BG" sz="3200" dirty="0"/>
+          </a:p>
+        </p:txBody>
+      </p:sp>
+      <p:pic>
+        <p:nvPicPr>
+          <p:cNvPr id="6" name="Picture License" descr="License">
+            <a:extLst>
+              <a:ext uri="{FF2B5EF4-FFF2-40B4-BE49-F238E27FC236}">
+                <a16:creationId xmlns:a16="http://schemas.microsoft.com/office/drawing/2014/main" id="{82BA520F-A037-4E01-AA18-27D9F1E930A6}"/>
+              </a:ext>
+            </a:extLst>
+          </p:cNvPr>
+          <p:cNvPicPr>
+            <a:picLocks noChangeAspect="1"/>
+          </p:cNvPicPr>
+          <p:nvPr/>
+        </p:nvPicPr>
+        <p:blipFill>
+          <a:blip r:embed="rId3">
+            <a:clrChange>
+              <a:clrFrom>
+                <a:srgbClr val="FFFFFF"/>
+              </a:clrFrom>
+              <a:clrTo>
+                <a:srgbClr val="FFFFFF">
+                  <a:alpha val="0"/>
+                </a:srgbClr>
+              </a:clrTo>
+            </a:clrChange>
+          </a:blip>
+          <a:stretch>
+            <a:fillRect/>
+          </a:stretch>
+        </p:blipFill>
+        <p:spPr>
+          <a:xfrm>
+            <a:off x="10226175" y="1440120"/>
+            <a:ext cx="1198986" cy="1268880"/>
+          </a:xfrm>
+          <a:prstGeom prst="rect">
+            <a:avLst/>
+          </a:prstGeom>
+        </p:spPr>
+      </p:pic>
+      <p:sp>
+        <p:nvSpPr>
+          <p:cNvPr id="3" name="Slide Title">
+            <a:extLst>
+              <a:ext uri="{FF2B5EF4-FFF2-40B4-BE49-F238E27FC236}">
+                <a16:creationId xmlns:a16="http://schemas.microsoft.com/office/drawing/2014/main" id="{E5F1FB41-80C3-4816-BC47-CCC50632E6E8}"/>
+              </a:ext>
+            </a:extLst>
+          </p:cNvPr>
+          <p:cNvSpPr>
+            <a:spLocks noGrp="1"/>
+          </p:cNvSpPr>
+          <p:nvPr>
+            <p:ph type="title"/>
+          </p:nvPr>
+        </p:nvSpPr>
+        <p:spPr/>
+        <p:txBody>
+          <a:bodyPr/>
+          <a:lstStyle/>
+          <a:p>
+            <a:r>
+              <a:rPr lang="bg-BG" dirty="0"/>
+              <a:t>Лиценз</a:t>
+            </a:r>
+          </a:p>
+        </p:txBody>
+      </p:sp>
+      <p:sp>
+        <p:nvSpPr>
+          <p:cNvPr id="11" name="TextBox 10">
+            <a:extLst>
+              <a:ext uri="{FF2B5EF4-FFF2-40B4-BE49-F238E27FC236}">
+                <a16:creationId xmlns:a16="http://schemas.microsoft.com/office/drawing/2014/main" id="{0C18DF19-B750-4C88-975B-661A6BF61F5E}"/>
+              </a:ext>
+            </a:extLst>
+          </p:cNvPr>
+          <p:cNvSpPr txBox="1"/>
+          <p:nvPr/>
+        </p:nvSpPr>
+        <p:spPr>
+          <a:xfrm>
+            <a:off x="190401" y="3927519"/>
+            <a:ext cx="11710599" cy="1979644"/>
+          </a:xfrm>
+          <a:prstGeom prst="rect">
+            <a:avLst/>
+          </a:prstGeom>
+          <a:noFill/>
+          <a:ln w="12700">
+            <a:noFill/>
+          </a:ln>
+        </p:spPr>
+        <p:txBody>
+          <a:bodyPr wrap="square">
+            <a:spAutoFit/>
+          </a:bodyPr>
+          <a:lstStyle/>
+          <a:p>
+            <a:pPr marL="360363" indent="-360363" defTabSz="1218438">
+              <a:lnSpc>
+                <a:spcPct val="120000"/>
+              </a:lnSpc>
+              <a:spcBef>
+                <a:spcPts val="600"/>
+              </a:spcBef>
+              <a:spcAft>
+                <a:spcPts val="600"/>
+              </a:spcAft>
+              <a:buFont typeface="Wingdings" panose="05000000000000000000" pitchFamily="2" charset="2"/>
+              <a:buChar char="§"/>
+              <a:defRPr/>
+            </a:pPr>
+            <a:r>
+              <a:rPr lang="bg-BG" sz="3200" dirty="0"/>
+              <a:t>Проект "</a:t>
+            </a:r>
+            <a:r>
+              <a:rPr lang="bg-BG" sz="3200" b="1" dirty="0"/>
+              <a:t>Отворено учебно съдържание по програмиране и ИТ</a:t>
+            </a:r>
+            <a:r>
+              <a:rPr lang="bg-BG" sz="3200" dirty="0"/>
+              <a:t>" към Фондация "Софтуерен университет"</a:t>
+            </a:r>
+            <a:r>
+              <a:rPr lang="en-US" sz="3200" dirty="0"/>
+              <a:t>:</a:t>
+            </a:r>
+            <a:endParaRPr lang="bg-BG" sz="3200" dirty="0"/>
+          </a:p>
+          <a:p>
+            <a:pPr marL="817563" lvl="1" indent="-360363" defTabSz="1218438">
+              <a:lnSpc>
+                <a:spcPct val="120000"/>
+              </a:lnSpc>
+              <a:spcBef>
+                <a:spcPts val="600"/>
+              </a:spcBef>
+              <a:spcAft>
+                <a:spcPts val="600"/>
+              </a:spcAft>
+              <a:buFont typeface="Wingdings" panose="05000000000000000000" pitchFamily="2" charset="2"/>
+              <a:buChar char="§"/>
+              <a:defRPr/>
+            </a:pPr>
+            <a:r>
+              <a:rPr kumimoji="0" lang="en-US" sz="3200" b="0" i="0" u="none" strike="noStrike" kern="1200" cap="none" spc="0" normalizeH="0" baseline="0" noProof="0" dirty="0">
+                <a:ln>
+                  <a:noFill/>
+                </a:ln>
+                <a:solidFill>
+                  <a:srgbClr val="234465"/>
+                </a:solidFill>
+                <a:effectLst/>
+                <a:uLnTx/>
+                <a:uFillTx/>
+                <a:latin typeface="Calibri"/>
+                <a:ea typeface="+mn-ea"/>
+                <a:cs typeface="+mn-cs"/>
+                <a:hlinkClick r:id="rId4"/>
+              </a:rPr>
+              <a:t>https://github.com/BG-IT-Edu</a:t>
+            </a:r>
+            <a:endParaRPr kumimoji="0" lang="bg-BG" sz="3200" b="0" i="0" u="none" strike="noStrike" kern="1200" cap="none" spc="0" normalizeH="0" baseline="0" noProof="0" dirty="0">
+              <a:ln>
+                <a:noFill/>
+              </a:ln>
+              <a:solidFill>
+                <a:srgbClr val="234465"/>
+              </a:solidFill>
+              <a:effectLst/>
+              <a:uLnTx/>
+              <a:uFillTx/>
+              <a:latin typeface="Calibri"/>
+              <a:ea typeface="+mn-ea"/>
+              <a:cs typeface="+mn-cs"/>
+            </a:endParaRPr>
+          </a:p>
+        </p:txBody>
+      </p:sp>
+      <p:pic>
+        <p:nvPicPr>
+          <p:cNvPr id="7" name="Picture 6" title="CC-BY-NC-SA License">
+            <a:hlinkClick r:id="rId5" tooltip="This work is licensed under the &quot;Creative Commons Attribution-NonCommercial-ShareAlike 4.0 International&quot; license"/>
+            <a:extLst>
+              <a:ext uri="{FF2B5EF4-FFF2-40B4-BE49-F238E27FC236}">
+                <a16:creationId xmlns:a16="http://schemas.microsoft.com/office/drawing/2014/main" id="{F6C77C47-F7D8-A176-5C69-7FDE5C7E8003}"/>
+              </a:ext>
+            </a:extLst>
+          </p:cNvPr>
+          <p:cNvPicPr>
+            <a:picLocks noChangeAspect="1" noChangeArrowheads="1"/>
+          </p:cNvPicPr>
+          <p:nvPr/>
+        </p:nvPicPr>
+        <p:blipFill>
+          <a:blip r:embed="rId6">
+            <a:extLst>
+              <a:ext uri="{28A0092B-C50C-407E-A947-70E740481C1C}">
+                <a14:useLocalDpi xmlns:a14="http://schemas.microsoft.com/office/drawing/2010/main"/>
+              </a:ext>
+            </a:extLst>
+          </a:blip>
+          <a:srcRect/>
+          <a:stretch>
+            <a:fillRect/>
+          </a:stretch>
+        </p:blipFill>
+        <p:spPr bwMode="auto">
+          <a:xfrm>
+            <a:off x="9831000" y="2908593"/>
+            <a:ext cx="1989336" cy="696022"/>
+          </a:xfrm>
+          <a:prstGeom prst="roundRect">
+            <a:avLst>
+              <a:gd name="adj" fmla="val 3940"/>
+            </a:avLst>
+          </a:prstGeom>
+          <a:solidFill>
+            <a:srgbClr val="231F20">
+              <a:alpha val="50000"/>
+            </a:srgbClr>
+          </a:solidFill>
+          <a:ln>
+            <a:noFill/>
+          </a:ln>
+        </p:spPr>
+      </p:pic>
+    </p:spTree>
+    <p:extLst>
+      <p:ext uri="{BB962C8B-B14F-4D97-AF65-F5344CB8AC3E}">
+        <p14:creationId xmlns:p14="http://schemas.microsoft.com/office/powerpoint/2010/main" val="3879276042"/>
+      </p:ext>
+    </p:extLst>
+  </p:cSld>
+  <p:clrMapOvr>
+    <a:masterClrMapping/>
+  </p:clrMapOvr>
+  <mc:AlternateContent xmlns:mc="http://schemas.openxmlformats.org/markup-compatibility/2006" xmlns:p14="http://schemas.microsoft.com/office/powerpoint/2010/main">
+    <mc:Choice Requires="p14">
+      <p:transition spd="slow" p14:dur="2000" advClick="0" advTm="5000"/>
+    </mc:Choice>
+    <mc:Fallback xmlns="">
+      <p:transition spd="slow" advClick="0" advTm="5000"/>
+    </mc:Fallback>
+  </mc:AlternateContent>
+</p:sld>
+</file>
+
 <file path=ppt/slides/slide6.xml><?xml version="1.0" encoding="utf-8"?>
 <p:sld xmlns:a="http://schemas.openxmlformats.org/drawingml/2006/main" xmlns:r="http://schemas.openxmlformats.org/officeDocument/2006/relationships" xmlns:p="http://schemas.openxmlformats.org/presentationml/2006/main">
   <p:cSld>
@@ -41104,7 +43142,7 @@
                   <a:schemeClr val="bg1"/>
                 </a:solidFill>
               </a:rPr>
-              <a:t>Code-first </a:t>
+              <a:t>Code First </a:t>
             </a:r>
             <a:r>
               <a:rPr lang="bg-BG" dirty="0"/>
@@ -41128,15 +43166,15 @@
                   <a:schemeClr val="bg1"/>
                 </a:solidFill>
               </a:rPr>
-              <a:t>създават</a:t>
-            </a:r>
-            <a:r>
-              <a:rPr lang="bg-BG" dirty="0">
+              <a:t>създават </a:t>
+            </a:r>
+            <a:r>
+              <a:rPr lang="en-US" b="1" dirty="0">
                 <a:solidFill>
                   <a:schemeClr val="bg1"/>
                 </a:solidFill>
               </a:rPr>
-              <a:t> </a:t>
+              <a:t>C# </a:t>
             </a:r>
             <a:r>
               <a:rPr lang="bg-BG" b="1" dirty="0">
@@ -41196,7 +43234,7 @@
                   <a:schemeClr val="bg1"/>
                 </a:solidFill>
               </a:rPr>
-              <a:t>база данни</a:t>
+              <a:t>базата данни</a:t>
             </a:r>
             <a:endParaRPr lang="en-US" b="1" dirty="0">
               <a:solidFill>
@@ -41765,7 +43803,7 @@
         </p:nvSpPr>
         <p:spPr>
           <a:xfrm>
-            <a:off x="6100493" y="3890978"/>
+            <a:off x="6100493" y="4025978"/>
             <a:ext cx="813695" cy="618886"/>
           </a:xfrm>
           <a:prstGeom prst="rightArrow">
@@ -41826,7 +43864,7 @@
         </p:blipFill>
         <p:spPr>
           <a:xfrm>
-            <a:off x="645183" y="2462595"/>
+            <a:off x="645183" y="2597595"/>
             <a:ext cx="4898636" cy="3936405"/>
           </a:xfrm>
           <a:prstGeom prst="rect">
@@ -41863,7 +43901,7 @@
         </p:blipFill>
         <p:spPr>
           <a:xfrm>
-            <a:off x="7470862" y="3159000"/>
+            <a:off x="7470862" y="3294000"/>
             <a:ext cx="3686303" cy="2070000"/>
           </a:xfrm>
           <a:prstGeom prst="rect">

--- a/Courses/Software-Sciences/Module-4-Information-Systems-New/03-Introduction-to-ORM/03-Introduction-to-ORM.pptx
+++ b/Courses/Software-Sciences/Module-4-Information-Systems-New/03-Introduction-to-ORM/03-Introduction-to-ORM.pptx
@@ -24173,6 +24173,109 @@
           </a:ln>
         </p:spPr>
       </p:pic>
+      <p:sp>
+        <p:nvSpPr>
+          <p:cNvPr id="2" name="Rectangle: Rounded Corners 1">
+            <a:extLst>
+              <a:ext uri="{FF2B5EF4-FFF2-40B4-BE49-F238E27FC236}">
+                <a16:creationId xmlns:a16="http://schemas.microsoft.com/office/drawing/2014/main" id="{293C029D-C9FE-F5F7-0145-4B96CD733B6B}"/>
+              </a:ext>
+            </a:extLst>
+          </p:cNvPr>
+          <p:cNvSpPr/>
+          <p:nvPr/>
+        </p:nvSpPr>
+        <p:spPr bwMode="auto">
+          <a:xfrm>
+            <a:off x="6897113" y="3700577"/>
+            <a:ext cx="4854444" cy="2040293"/>
+          </a:xfrm>
+          <a:prstGeom prst="roundRect">
+            <a:avLst/>
+          </a:prstGeom>
+          <a:ln/>
+        </p:spPr>
+        <p:style>
+          <a:lnRef idx="1">
+            <a:schemeClr val="accent1"/>
+          </a:lnRef>
+          <a:fillRef idx="2">
+            <a:schemeClr val="accent1"/>
+          </a:fillRef>
+          <a:effectRef idx="1">
+            <a:schemeClr val="accent1"/>
+          </a:effectRef>
+          <a:fontRef idx="minor">
+            <a:schemeClr val="dk1"/>
+          </a:fontRef>
+        </p:style>
+        <p:txBody>
+          <a:bodyPr rot="0" spcFirstLastPara="0" vertOverflow="overflow" horzOverflow="overflow" vert="horz" wrap="square" lIns="91440" tIns="45720" rIns="91440" bIns="45720" numCol="1" spcCol="0" rtlCol="0" fromWordArt="0" anchor="ctr" anchorCtr="0" forceAA="0" compatLnSpc="1">
+            <a:prstTxWarp prst="textNoShape">
+              <a:avLst/>
+            </a:prstTxWarp>
+            <a:noAutofit/>
+          </a:bodyPr>
+          <a:lstStyle/>
+          <a:p>
+            <a:pPr algn="ctr"/>
+            <a:r>
+              <a:rPr lang="bg-BG" sz="2400" b="1" dirty="0">
+                <a:solidFill>
+                  <a:schemeClr val="tx1"/>
+                </a:solidFill>
+              </a:rPr>
+              <a:t>Този третия пакет не ни трябва!</a:t>
+            </a:r>
+          </a:p>
+          <a:p>
+            <a:pPr algn="ctr"/>
+            <a:endParaRPr lang="bg-BG" sz="2400" b="1" dirty="0">
+              <a:solidFill>
+                <a:schemeClr val="tx1"/>
+              </a:solidFill>
+            </a:endParaRPr>
+          </a:p>
+          <a:p>
+            <a:pPr algn="ctr"/>
+            <a:r>
+              <a:rPr lang="en-US" sz="2400" b="1" noProof="1">
+                <a:latin typeface="Consolas" panose="020B0609020204030204" pitchFamily="49" charset="0"/>
+              </a:rPr>
+              <a:t>Microsoft.EntityFrameworkCore.SqlServer.Design</a:t>
+            </a:r>
+            <a:endParaRPr lang="bg-BG" sz="2400" b="1" noProof="1">
+              <a:latin typeface="Consolas" panose="020B0609020204030204" pitchFamily="49" charset="0"/>
+            </a:endParaRPr>
+          </a:p>
+          <a:p>
+            <a:pPr algn="ctr"/>
+            <a:endParaRPr lang="bg-BG" sz="2400" b="1" noProof="1">
+              <a:solidFill>
+                <a:schemeClr val="tx1"/>
+              </a:solidFill>
+              <a:latin typeface="Consolas" panose="020B0609020204030204" pitchFamily="49" charset="0"/>
+            </a:endParaRPr>
+          </a:p>
+          <a:p>
+            <a:pPr algn="ctr"/>
+            <a:r>
+              <a:rPr lang="bg-BG" sz="2400" b="1" noProof="1">
+                <a:solidFill>
+                  <a:schemeClr val="tx1"/>
+                </a:solidFill>
+                <a:latin typeface="Consolas" panose="020B0609020204030204" pitchFamily="49" charset="0"/>
+              </a:rPr>
+              <a:t>Да се изтрие</a:t>
+            </a:r>
+            <a:endParaRPr lang="en-US" sz="2400" b="1" dirty="0">
+              <a:solidFill>
+                <a:schemeClr val="tx1"/>
+              </a:solidFill>
+            </a:endParaRPr>
+          </a:p>
+        </p:txBody>
+      </p:sp>
     </p:spTree>
     <p:extLst>
       <p:ext uri="{BB962C8B-B14F-4D97-AF65-F5344CB8AC3E}">
@@ -25653,6 +25756,36 @@
           </a:p>
         </p:txBody>
       </p:sp>
+      <p:pic>
+        <p:nvPicPr>
+          <p:cNvPr id="6" name="Picture 5">
+            <a:extLst>
+              <a:ext uri="{FF2B5EF4-FFF2-40B4-BE49-F238E27FC236}">
+                <a16:creationId xmlns:a16="http://schemas.microsoft.com/office/drawing/2014/main" id="{24B48A4E-9FB1-A06C-E915-6C12A1AC60EB}"/>
+              </a:ext>
+            </a:extLst>
+          </p:cNvPr>
+          <p:cNvPicPr>
+            <a:picLocks noChangeAspect="1"/>
+          </p:cNvPicPr>
+          <p:nvPr/>
+        </p:nvPicPr>
+        <p:blipFill>
+          <a:blip r:embed="rId2"/>
+          <a:stretch>
+            <a:fillRect/>
+          </a:stretch>
+        </p:blipFill>
+        <p:spPr>
+          <a:xfrm>
+            <a:off x="831000" y="2214000"/>
+            <a:ext cx="4848225" cy="2600325"/>
+          </a:xfrm>
+          <a:prstGeom prst="rect">
+            <a:avLst/>
+          </a:prstGeom>
+        </p:spPr>
+      </p:pic>
     </p:spTree>
     <p:extLst>
       <p:ext uri="{BB962C8B-B14F-4D97-AF65-F5344CB8AC3E}">
@@ -25873,6 +26006,36 @@
           </a:p>
         </p:txBody>
       </p:sp>
+      <p:pic>
+        <p:nvPicPr>
+          <p:cNvPr id="7" name="Picture 6">
+            <a:extLst>
+              <a:ext uri="{FF2B5EF4-FFF2-40B4-BE49-F238E27FC236}">
+                <a16:creationId xmlns:a16="http://schemas.microsoft.com/office/drawing/2014/main" id="{BDB737A6-BD24-5432-3135-09CC81D0B137}"/>
+              </a:ext>
+            </a:extLst>
+          </p:cNvPr>
+          <p:cNvPicPr>
+            <a:picLocks noChangeAspect="1"/>
+          </p:cNvPicPr>
+          <p:nvPr/>
+        </p:nvPicPr>
+        <p:blipFill>
+          <a:blip r:embed="rId2"/>
+          <a:stretch>
+            <a:fillRect/>
+          </a:stretch>
+        </p:blipFill>
+        <p:spPr>
+          <a:xfrm>
+            <a:off x="786000" y="314325"/>
+            <a:ext cx="4876800" cy="6229350"/>
+          </a:xfrm>
+          <a:prstGeom prst="rect">
+            <a:avLst/>
+          </a:prstGeom>
+        </p:spPr>
+      </p:pic>
     </p:spTree>
     <p:extLst>
       <p:ext uri="{BB962C8B-B14F-4D97-AF65-F5344CB8AC3E}">
